--- a/java-oop latest.pptx
+++ b/java-oop latest.pptx
@@ -180,6 +180,7 @@
   <p1510:revLst>
     <p1510:client id="{18444539-B928-4433-9615-5883B10F92AF}" v="735" dt="2022-07-20T09:46:12.099"/>
     <p1510:client id="{22B0A339-FF1B-4DE5-A87E-38A812B5531B}" v="181" dt="2022-08-11T10:21:32.619"/>
+    <p1510:client id="{3041C01C-36D9-4668-959E-E05AB73D87E7}" v="71" dt="2022-08-18T10:51:23.798"/>
     <p1510:client id="{3C8466A4-5C93-4E44-BBD9-78E05F92B964}" v="64" dt="2022-08-17T16:02:16.582"/>
     <p1510:client id="{4A4B7DD8-6C49-438C-83AB-13A6DC5C1A94}" v="4875" dt="2022-07-20T17:10:01.006"/>
     <p1510:client id="{72D5D6BA-D37D-4C0A-ADD6-A22169968FF6}" v="190" dt="2022-08-17T12:51:47.509"/>
@@ -5194,13 +5195,13 @@
   <p:clrMapOvr>
     <a:masterClrMapping/>
   </p:clrMapOvr>
-  <mc:AlternateContent xmlns:mc="http://schemas.openxmlformats.org/markup-compatibility/2006">
-    <mc:Choice xmlns:p14="http://schemas.microsoft.com/office/powerpoint/2010/main" Requires="p14">
+  <mc:AlternateContent xmlns:mc="http://schemas.openxmlformats.org/markup-compatibility/2006" xmlns:p14="http://schemas.microsoft.com/office/powerpoint/2010/main">
+    <mc:Choice Requires="p14">
       <p:transition spd="slow" p14:dur="1500">
         <p:split orient="vert"/>
       </p:transition>
     </mc:Choice>
-    <mc:Fallback>
+    <mc:Fallback xmlns="">
       <p:transition spd="slow">
         <p:split orient="vert"/>
       </p:transition>
@@ -5586,13 +5587,13 @@
   <p:clrMapOvr>
     <a:masterClrMapping/>
   </p:clrMapOvr>
-  <mc:AlternateContent xmlns:mc="http://schemas.openxmlformats.org/markup-compatibility/2006">
-    <mc:Choice xmlns:p14="http://schemas.microsoft.com/office/powerpoint/2010/main" Requires="p14">
+  <mc:AlternateContent xmlns:mc="http://schemas.openxmlformats.org/markup-compatibility/2006" xmlns:p14="http://schemas.microsoft.com/office/powerpoint/2010/main">
+    <mc:Choice Requires="p14">
       <p:transition spd="slow" p14:dur="3400">
         <p14:reveal/>
       </p:transition>
     </mc:Choice>
-    <mc:Fallback>
+    <mc:Fallback xmlns="">
       <p:transition spd="slow">
         <p:fade/>
       </p:transition>
@@ -5752,13 +5753,13 @@
   <p:clrMapOvr>
     <a:masterClrMapping/>
   </p:clrMapOvr>
-  <mc:AlternateContent xmlns:mc="http://schemas.openxmlformats.org/markup-compatibility/2006">
-    <mc:Choice xmlns:p14="http://schemas.microsoft.com/office/powerpoint/2010/main" Requires="p14">
+  <mc:AlternateContent xmlns:mc="http://schemas.openxmlformats.org/markup-compatibility/2006" xmlns:p14="http://schemas.microsoft.com/office/powerpoint/2010/main">
+    <mc:Choice Requires="p14">
       <p:transition spd="med" p14:dur="700">
         <p:fade/>
       </p:transition>
     </mc:Choice>
-    <mc:Fallback>
+    <mc:Fallback xmlns="">
       <p:transition spd="med">
         <p:fade/>
       </p:transition>
@@ -6231,6 +6232,10 @@
             </a:r>
           </a:p>
           <a:p>
+            <a:pPr marL="342900" indent="-342900">
+              <a:buFont typeface="Wingdings" panose="05000000000000000000" pitchFamily="2" charset="2"/>
+              <a:buChar char="q"/>
+            </a:pPr>
             <a:endParaRPr lang="fr-FR" sz="2400" b="1" dirty="0">
               <a:effectLst>
                 <a:outerShdw blurRad="38100" dist="38100" dir="2700000" algn="tl">
@@ -6271,7 +6276,7 @@
                 <a:ea typeface="ＭＳ Ｐゴシック"/>
                 <a:cs typeface="Helvetica"/>
               </a:rPr>
-              <a:t>Un objet est une entité qui a un état et un comportement, par exemple: une chaise, une voiture etc.</a:t>
+              <a:t>Un objet est une entité qui a un état et un comportement, par exemple: une chaise, une voiture, un livre etc.</a:t>
             </a:r>
           </a:p>
           <a:p>
@@ -6281,7 +6286,7 @@
                 <a:ea typeface="ＭＳ Ｐゴシック"/>
                 <a:cs typeface="Helvetica"/>
               </a:rPr>
-              <a:t>Un objet a trois (3) caractéristiques:</a:t>
+              <a:t>On dit donc que l'objet a trois (3) caractéristiques:</a:t>
             </a:r>
           </a:p>
           <a:p>
@@ -6376,8 +6381,8 @@
         </p:blipFill>
         <p:spPr>
           <a:xfrm>
-            <a:off x="1484220" y="4047344"/>
-            <a:ext cx="5995870" cy="2713574"/>
+            <a:off x="1247738" y="4007930"/>
+            <a:ext cx="6298042" cy="2345712"/>
           </a:xfrm>
           <a:prstGeom prst="rect">
             <a:avLst/>

--- a/java-oop latest.pptx
+++ b/java-oop latest.pptx
@@ -6199,7 +6199,7 @@
         <p:spPr>
           <a:xfrm>
             <a:off x="374753" y="903949"/>
-            <a:ext cx="7105337" cy="3477875"/>
+            <a:ext cx="8517727" cy="3785652"/>
           </a:xfrm>
           <a:prstGeom prst="rect">
             <a:avLst/>
@@ -6254,7 +6254,7 @@
               <a:buAutoNum type="arabicPeriod"/>
             </a:pPr>
             <a:r>
-              <a:rPr lang="fr-FR" sz="2400" b="1" dirty="0">
+              <a:rPr lang="fr-FR" sz="2000" b="1" dirty="0">
                 <a:effectLst>
                   <a:outerShdw blurRad="38100" dist="38100" dir="2700000" algn="tl">
                     <a:srgbClr val="000000">
@@ -6268,45 +6268,6 @@
               </a:rPr>
               <a:t>Définition</a:t>
             </a:r>
-          </a:p>
-          <a:p>
-            <a:r>
-              <a:rPr lang="fr-FR" sz="2000" dirty="0">
-                <a:latin typeface="Helvetica"/>
-                <a:ea typeface="ＭＳ Ｐゴシック"/>
-                <a:cs typeface="Helvetica"/>
-              </a:rPr>
-              <a:t>Un objet est une entité qui a un état et un comportement, par exemple: une chaise, une voiture, un livre etc.</a:t>
-            </a:r>
-          </a:p>
-          <a:p>
-            <a:r>
-              <a:rPr lang="fr-FR" sz="2000" dirty="0">
-                <a:latin typeface="Helvetica"/>
-                <a:ea typeface="ＭＳ Ｐゴシック"/>
-                <a:cs typeface="Helvetica"/>
-              </a:rPr>
-              <a:t>On dit donc que l'objet a trois (3) caractéristiques:</a:t>
-            </a:r>
-          </a:p>
-          <a:p>
-            <a:r>
-              <a:rPr lang="fr-FR" sz="2000" dirty="0">
-                <a:effectLst>
-                  <a:outerShdw blurRad="38100" dist="38100" dir="2700000" algn="tl">
-                    <a:srgbClr val="000000">
-                      <a:alpha val="43137"/>
-                    </a:srgbClr>
-                  </a:outerShdw>
-                </a:effectLst>
-                <a:latin typeface="Helvetica"/>
-                <a:ea typeface="ＭＳ Ｐゴシック"/>
-                <a:cs typeface="Helvetica"/>
-              </a:rPr>
-              <a:t>Un état, un comportement et une identité.</a:t>
-            </a:r>
-          </a:p>
-          <a:p>
             <a:endParaRPr lang="fr-FR" sz="2400" b="1" dirty="0">
               <a:effectLst>
                 <a:outerShdw blurRad="38100" dist="38100" dir="2700000" algn="tl">
@@ -6321,11 +6282,28 @@
             </a:endParaRPr>
           </a:p>
           <a:p>
-            <a:pPr marL="457200" indent="-457200">
-              <a:buAutoNum type="arabicPeriod" startAt="2"/>
-            </a:pPr>
-            <a:r>
-              <a:rPr lang="fr-FR" sz="2400" b="1" dirty="0">
+            <a:r>
+              <a:rPr lang="fr-FR" dirty="0">
+                <a:latin typeface="Helvetica"/>
+                <a:ea typeface="ＭＳ Ｐゴシック"/>
+                <a:cs typeface="Helvetica"/>
+              </a:rPr>
+              <a:t>Un objet est une entité qui a un état et un comportement, par exemple: une chaise, une voiture, un livre etc.</a:t>
+            </a:r>
+          </a:p>
+          <a:p>
+            <a:r>
+              <a:rPr lang="fr-FR" dirty="0">
+                <a:latin typeface="Helvetica"/>
+                <a:ea typeface="ＭＳ Ｐゴシック"/>
+                <a:cs typeface="Helvetica"/>
+              </a:rPr>
+              <a:t>On dit donc que l'objet a trois (3) caractéristiques:</a:t>
+            </a:r>
+          </a:p>
+          <a:p>
+            <a:r>
+              <a:rPr lang="fr-FR" dirty="0">
                 <a:effectLst>
                   <a:outerShdw blurRad="38100" dist="38100" dir="2700000" algn="tl">
                     <a:srgbClr val="000000">
@@ -6337,8 +6315,172 @@
                 <a:ea typeface="ＭＳ Ｐゴシック"/>
                 <a:cs typeface="Helvetica"/>
               </a:rPr>
-              <a:t>Syntaxe</a:t>
-            </a:r>
+              <a:t>Un état:</a:t>
+            </a:r>
+            <a:r>
+              <a:rPr lang="fr-FR" dirty="0">
+                <a:effectLst>
+                  <a:outerShdw blurRad="38100" dist="38100" dir="2700000" algn="tl">
+                    <a:srgbClr val="000000">
+                      <a:alpha val="43137"/>
+                    </a:srgbClr>
+                  </a:outerShdw>
+                </a:effectLst>
+                <a:latin typeface="Helvetica" panose="020B0604020202020204" pitchFamily="34" charset="0"/>
+                <a:ea typeface="ＭＳ Ｐゴシック"/>
+                <a:cs typeface="Helvetica" panose="020B0604020202020204" pitchFamily="34" charset="0"/>
+              </a:rPr>
+              <a:t> </a:t>
+            </a:r>
+            <a:r>
+              <a:rPr lang="fr-FR" dirty="0">
+                <a:latin typeface="Helvetica" panose="020B0604020202020204" pitchFamily="34" charset="0"/>
+                <a:cs typeface="Helvetica" panose="020B0604020202020204" pitchFamily="34" charset="0"/>
+              </a:rPr>
+              <a:t>représente les données (valeur) d'un objet.</a:t>
+            </a:r>
+            <a:endParaRPr lang="fr-FR" dirty="0">
+              <a:effectLst>
+                <a:outerShdw blurRad="38100" dist="38100" dir="2700000" algn="tl">
+                  <a:srgbClr val="000000">
+                    <a:alpha val="43137"/>
+                  </a:srgbClr>
+                </a:outerShdw>
+              </a:effectLst>
+              <a:latin typeface="Helvetica" panose="020B0604020202020204" pitchFamily="34" charset="0"/>
+              <a:ea typeface="ＭＳ Ｐゴシック"/>
+              <a:cs typeface="Helvetica" panose="020B0604020202020204" pitchFamily="34" charset="0"/>
+            </a:endParaRPr>
+          </a:p>
+          <a:p>
+            <a:r>
+              <a:rPr lang="fr-FR" dirty="0">
+                <a:effectLst>
+                  <a:outerShdw blurRad="38100" dist="38100" dir="2700000" algn="tl">
+                    <a:srgbClr val="000000">
+                      <a:alpha val="43137"/>
+                    </a:srgbClr>
+                  </a:outerShdw>
+                </a:effectLst>
+                <a:latin typeface="Helvetica"/>
+                <a:ea typeface="ＭＳ Ｐゴシック"/>
+                <a:cs typeface="Helvetica"/>
+              </a:rPr>
+              <a:t>Un comportement:</a:t>
+            </a:r>
+            <a:r>
+              <a:rPr lang="fr-FR" dirty="0">
+                <a:effectLst>
+                  <a:outerShdw blurRad="38100" dist="38100" dir="2700000" algn="tl">
+                    <a:srgbClr val="000000">
+                      <a:alpha val="43137"/>
+                    </a:srgbClr>
+                  </a:outerShdw>
+                </a:effectLst>
+                <a:latin typeface="Helvetica" panose="020B0604020202020204" pitchFamily="34" charset="0"/>
+                <a:ea typeface="ＭＳ Ｐゴシック"/>
+                <a:cs typeface="Helvetica" panose="020B0604020202020204" pitchFamily="34" charset="0"/>
+              </a:rPr>
+              <a:t> </a:t>
+            </a:r>
+            <a:r>
+              <a:rPr lang="fr-FR" dirty="0">
+                <a:latin typeface="Helvetica" panose="020B0604020202020204" pitchFamily="34" charset="0"/>
+                <a:cs typeface="Helvetica" panose="020B0604020202020204" pitchFamily="34" charset="0"/>
+              </a:rPr>
+              <a:t>représente le comportement (fonctionnalité) d'un objet tel que déposer, retirer, </a:t>
+            </a:r>
+            <a:r>
+              <a:rPr lang="fr-FR" dirty="0" err="1">
+                <a:latin typeface="Helvetica" panose="020B0604020202020204" pitchFamily="34" charset="0"/>
+                <a:cs typeface="Helvetica" panose="020B0604020202020204" pitchFamily="34" charset="0"/>
+              </a:rPr>
+              <a:t>etc</a:t>
+            </a:r>
+            <a:r>
+              <a:rPr lang="fr-FR" dirty="0">
+                <a:latin typeface="Helvetica" panose="020B0604020202020204" pitchFamily="34" charset="0"/>
+                <a:cs typeface="Helvetica" panose="020B0604020202020204" pitchFamily="34" charset="0"/>
+              </a:rPr>
+              <a:t>;</a:t>
+            </a:r>
+            <a:endParaRPr lang="fr-FR" dirty="0">
+              <a:effectLst>
+                <a:outerShdw blurRad="38100" dist="38100" dir="2700000" algn="tl">
+                  <a:srgbClr val="000000">
+                    <a:alpha val="43137"/>
+                  </a:srgbClr>
+                </a:outerShdw>
+              </a:effectLst>
+              <a:latin typeface="Helvetica" panose="020B0604020202020204" pitchFamily="34" charset="0"/>
+              <a:ea typeface="ＭＳ Ｐゴシック"/>
+              <a:cs typeface="Helvetica" panose="020B0604020202020204" pitchFamily="34" charset="0"/>
+            </a:endParaRPr>
+          </a:p>
+          <a:p>
+            <a:r>
+              <a:rPr lang="fr-FR" dirty="0">
+                <a:effectLst>
+                  <a:outerShdw blurRad="38100" dist="38100" dir="2700000" algn="tl">
+                    <a:srgbClr val="000000">
+                      <a:alpha val="43137"/>
+                    </a:srgbClr>
+                  </a:outerShdw>
+                </a:effectLst>
+                <a:latin typeface="Helvetica"/>
+                <a:ea typeface="ＭＳ Ｐゴシック"/>
+                <a:cs typeface="Helvetica"/>
+              </a:rPr>
+              <a:t>Une identité:</a:t>
+            </a:r>
+            <a:r>
+              <a:rPr lang="fr-FR" dirty="0">
+                <a:effectLst>
+                  <a:outerShdw blurRad="38100" dist="38100" dir="2700000" algn="tl">
+                    <a:srgbClr val="000000">
+                      <a:alpha val="43137"/>
+                    </a:srgbClr>
+                  </a:outerShdw>
+                </a:effectLst>
+                <a:latin typeface="Helvetica" panose="020B0604020202020204" pitchFamily="34" charset="0"/>
+                <a:ea typeface="ＭＳ Ｐゴシック"/>
+                <a:cs typeface="Helvetica" panose="020B0604020202020204" pitchFamily="34" charset="0"/>
+              </a:rPr>
+              <a:t> </a:t>
+            </a:r>
+            <a:r>
+              <a:rPr lang="fr-FR" dirty="0">
+                <a:latin typeface="Helvetica" panose="020B0604020202020204" pitchFamily="34" charset="0"/>
+                <a:cs typeface="Helvetica" panose="020B0604020202020204" pitchFamily="34" charset="0"/>
+              </a:rPr>
+              <a:t>une identité d'objet est un identifiant unique.</a:t>
+            </a:r>
+            <a:endParaRPr lang="fr-FR" sz="2000" dirty="0">
+              <a:effectLst>
+                <a:outerShdw blurRad="38100" dist="38100" dir="2700000" algn="tl">
+                  <a:srgbClr val="000000">
+                    <a:alpha val="43137"/>
+                  </a:srgbClr>
+                </a:outerShdw>
+              </a:effectLst>
+              <a:latin typeface="Helvetica" panose="020B0604020202020204" pitchFamily="34" charset="0"/>
+              <a:ea typeface="ＭＳ Ｐゴシック"/>
+              <a:cs typeface="Helvetica" panose="020B0604020202020204" pitchFamily="34" charset="0"/>
+            </a:endParaRPr>
+          </a:p>
+          <a:p>
+            <a:endParaRPr lang="fr-FR" sz="2400" b="1" dirty="0">
+              <a:effectLst>
+                <a:outerShdw blurRad="38100" dist="38100" dir="2700000" algn="tl">
+                  <a:srgbClr val="000000">
+                    <a:alpha val="43137"/>
+                  </a:srgbClr>
+                </a:outerShdw>
+              </a:effectLst>
+              <a:latin typeface="Helvetica"/>
+              <a:ea typeface="ＭＳ Ｐゴシック"/>
+              <a:cs typeface="Helvetica"/>
+            </a:endParaRPr>
           </a:p>
           <a:p>
             <a:endParaRPr lang="fr-FR" sz="2000" dirty="0">
@@ -6353,42 +6495,6 @@
           </a:p>
         </p:txBody>
       </p:sp>
-      <p:pic>
-        <p:nvPicPr>
-          <p:cNvPr id="8" name="Image 7">
-            <a:extLst>
-              <a:ext uri="{FF2B5EF4-FFF2-40B4-BE49-F238E27FC236}">
-                <a16:creationId xmlns:a16="http://schemas.microsoft.com/office/drawing/2014/main" id="{0F3C7952-38FC-42A9-9210-489001BC91E9}"/>
-              </a:ext>
-            </a:extLst>
-          </p:cNvPr>
-          <p:cNvPicPr>
-            <a:picLocks noChangeAspect="1"/>
-          </p:cNvPicPr>
-          <p:nvPr/>
-        </p:nvPicPr>
-        <p:blipFill>
-          <a:blip r:embed="rId3">
-            <a:extLst>
-              <a:ext uri="{28A0092B-C50C-407E-A947-70E740481C1C}">
-                <a14:useLocalDpi xmlns:a14="http://schemas.microsoft.com/office/drawing/2010/main" val="0"/>
-              </a:ext>
-            </a:extLst>
-          </a:blip>
-          <a:stretch>
-            <a:fillRect/>
-          </a:stretch>
-        </p:blipFill>
-        <p:spPr>
-          <a:xfrm>
-            <a:off x="1247738" y="4007930"/>
-            <a:ext cx="6298042" cy="2345712"/>
-          </a:xfrm>
-          <a:prstGeom prst="rect">
-            <a:avLst/>
-          </a:prstGeom>
-        </p:spPr>
-      </p:pic>
     </p:spTree>
     <p:extLst>
       <p:ext uri="{BB962C8B-B14F-4D97-AF65-F5344CB8AC3E}">
@@ -6513,39 +6619,42 @@
           </a:extLst>
         </p:spPr>
       </p:pic>
-      <p:sp>
-        <p:nvSpPr>
-          <p:cNvPr id="5" name="Rectangle 4"/>
-          <p:cNvSpPr/>
+      <p:pic>
+        <p:nvPicPr>
+          <p:cNvPr id="6" name="Image 5">
+            <a:extLst>
+              <a:ext uri="{FF2B5EF4-FFF2-40B4-BE49-F238E27FC236}">
+                <a16:creationId xmlns:a16="http://schemas.microsoft.com/office/drawing/2014/main" id="{3FC0CC16-4376-4B0F-9FDB-57C680546149}"/>
+              </a:ext>
+            </a:extLst>
+          </p:cNvPr>
+          <p:cNvPicPr>
+            <a:picLocks noChangeAspect="1"/>
+          </p:cNvPicPr>
           <p:nvPr/>
-        </p:nvSpPr>
+        </p:nvPicPr>
+        <p:blipFill>
+          <a:blip r:embed="rId3">
+            <a:extLst>
+              <a:ext uri="{28A0092B-C50C-407E-A947-70E740481C1C}">
+                <a14:useLocalDpi xmlns:a14="http://schemas.microsoft.com/office/drawing/2010/main" val="0"/>
+              </a:ext>
+            </a:extLst>
+          </a:blip>
+          <a:stretch>
+            <a:fillRect/>
+          </a:stretch>
+        </p:blipFill>
         <p:spPr>
           <a:xfrm>
-            <a:off x="684069" y="1138962"/>
-            <a:ext cx="1601034" cy="400110"/>
+            <a:off x="1064858" y="1688124"/>
+            <a:ext cx="6298042" cy="3784210"/>
           </a:xfrm>
           <a:prstGeom prst="rect">
             <a:avLst/>
           </a:prstGeom>
         </p:spPr>
-        <p:txBody>
-          <a:bodyPr wrap="square" lIns="91440" tIns="45720" rIns="91440" bIns="45720" anchor="t">
-            <a:spAutoFit/>
-          </a:bodyPr>
-          <a:lstStyle/>
-          <a:p>
-            <a:r>
-              <a:rPr lang="fr-FR" sz="2000" b="1">
-                <a:latin typeface="Helvetica"/>
-                <a:ea typeface="ＭＳ Ｐゴシック"/>
-                <a:cs typeface="Helvetica"/>
-              </a:rPr>
-              <a:t>Historique</a:t>
-            </a:r>
-            <a:endParaRPr lang="fr-FR"/>
-          </a:p>
-        </p:txBody>
-      </p:sp>
+      </p:pic>
     </p:spTree>
     <p:extLst>
       <p:ext uri="{BB962C8B-B14F-4D97-AF65-F5344CB8AC3E}">
@@ -6679,7 +6788,7 @@
         <p:spPr>
           <a:xfrm>
             <a:off x="684069" y="1138962"/>
-            <a:ext cx="1601034" cy="400110"/>
+            <a:ext cx="7953494" cy="4524315"/>
           </a:xfrm>
           <a:prstGeom prst="rect">
             <a:avLst/>
@@ -6691,15 +6800,215 @@
           </a:bodyPr>
           <a:lstStyle/>
           <a:p>
-            <a:r>
-              <a:rPr lang="fr-FR" sz="2000" b="1">
+            <a:pPr marL="457200" indent="-457200">
+              <a:buAutoNum type="arabicPeriod"/>
+            </a:pPr>
+            <a:r>
+              <a:rPr lang="fr-FR" sz="2800" b="1" dirty="0">
+                <a:effectLst>
+                  <a:outerShdw blurRad="38100" dist="38100" dir="2700000" algn="tl">
+                    <a:srgbClr val="000000">
+                      <a:alpha val="43137"/>
+                    </a:srgbClr>
+                  </a:outerShdw>
+                </a:effectLst>
                 <a:latin typeface="Helvetica"/>
                 <a:ea typeface="ＭＳ Ｐゴシック"/>
                 <a:cs typeface="Helvetica"/>
               </a:rPr>
-              <a:t>Historique</a:t>
-            </a:r>
-            <a:endParaRPr lang="fr-FR"/>
+              <a:t>Définition d’une classe</a:t>
+            </a:r>
+            <a:endParaRPr lang="fr-FR" sz="2400" b="1" dirty="0">
+              <a:effectLst>
+                <a:outerShdw blurRad="38100" dist="38100" dir="2700000" algn="tl">
+                  <a:srgbClr val="000000">
+                    <a:alpha val="43137"/>
+                  </a:srgbClr>
+                </a:outerShdw>
+              </a:effectLst>
+              <a:latin typeface="Helvetica"/>
+              <a:ea typeface="ＭＳ Ｐゴシック"/>
+              <a:cs typeface="Helvetica"/>
+            </a:endParaRPr>
+          </a:p>
+          <a:p>
+            <a:r>
+              <a:rPr lang="fr-FR" sz="2000" dirty="0">
+                <a:latin typeface="Helvetica" panose="020B0604020202020204" pitchFamily="34" charset="0"/>
+                <a:cs typeface="Helvetica" panose="020B0604020202020204" pitchFamily="34" charset="0"/>
+              </a:rPr>
+              <a:t>Une classe est un groupe d'objets qui ont des propriétés communes. Il s'agit d'un modèle ou d'un plan à partir duquel des objets sont créés. C'est une entité logique. Ça ne peut pas être physique.</a:t>
+            </a:r>
+            <a:endParaRPr lang="fr-CI" sz="2000" dirty="0">
+              <a:latin typeface="Helvetica" panose="020B0604020202020204" pitchFamily="34" charset="0"/>
+              <a:cs typeface="Helvetica" panose="020B0604020202020204" pitchFamily="34" charset="0"/>
+            </a:endParaRPr>
+          </a:p>
+          <a:p>
+            <a:r>
+              <a:rPr lang="fr-FR" sz="2000" dirty="0">
+                <a:latin typeface="Helvetica" panose="020B0604020202020204" pitchFamily="34" charset="0"/>
+                <a:cs typeface="Helvetica" panose="020B0604020202020204" pitchFamily="34" charset="0"/>
+              </a:rPr>
+              <a:t>Une classe en Java peut contenir :</a:t>
+            </a:r>
+            <a:endParaRPr lang="fr-CI" sz="2000" dirty="0">
+              <a:latin typeface="Helvetica" panose="020B0604020202020204" pitchFamily="34" charset="0"/>
+              <a:cs typeface="Helvetica" panose="020B0604020202020204" pitchFamily="34" charset="0"/>
+            </a:endParaRPr>
+          </a:p>
+          <a:p>
+            <a:pPr lvl="0"/>
+            <a:r>
+              <a:rPr lang="en-GB" sz="2000" dirty="0">
+                <a:effectLst>
+                  <a:outerShdw blurRad="38100" dist="38100" dir="2700000" algn="tl">
+                    <a:srgbClr val="000000">
+                      <a:alpha val="43137"/>
+                    </a:srgbClr>
+                  </a:outerShdw>
+                </a:effectLst>
+                <a:latin typeface="Helvetica" panose="020B0604020202020204" pitchFamily="34" charset="0"/>
+                <a:cs typeface="Helvetica" panose="020B0604020202020204" pitchFamily="34" charset="0"/>
+              </a:rPr>
+              <a:t>des champs; 	</a:t>
+            </a:r>
+            <a:endParaRPr lang="fr-CI" sz="2000" dirty="0">
+              <a:effectLst>
+                <a:outerShdw blurRad="38100" dist="38100" dir="2700000" algn="tl">
+                  <a:srgbClr val="000000">
+                    <a:alpha val="43137"/>
+                  </a:srgbClr>
+                </a:outerShdw>
+              </a:effectLst>
+              <a:latin typeface="Helvetica" panose="020B0604020202020204" pitchFamily="34" charset="0"/>
+              <a:cs typeface="Helvetica" panose="020B0604020202020204" pitchFamily="34" charset="0"/>
+            </a:endParaRPr>
+          </a:p>
+          <a:p>
+            <a:pPr lvl="0"/>
+            <a:r>
+              <a:rPr lang="en-GB" sz="2000" dirty="0">
+                <a:effectLst>
+                  <a:outerShdw blurRad="38100" dist="38100" dir="2700000" algn="tl">
+                    <a:srgbClr val="000000">
+                      <a:alpha val="43137"/>
+                    </a:srgbClr>
+                  </a:outerShdw>
+                </a:effectLst>
+                <a:latin typeface="Helvetica" panose="020B0604020202020204" pitchFamily="34" charset="0"/>
+                <a:cs typeface="Helvetica" panose="020B0604020202020204" pitchFamily="34" charset="0"/>
+              </a:rPr>
+              <a:t>Des méthodes;</a:t>
+            </a:r>
+            <a:endParaRPr lang="fr-CI" sz="2000" dirty="0">
+              <a:effectLst>
+                <a:outerShdw blurRad="38100" dist="38100" dir="2700000" algn="tl">
+                  <a:srgbClr val="000000">
+                    <a:alpha val="43137"/>
+                  </a:srgbClr>
+                </a:outerShdw>
+              </a:effectLst>
+              <a:latin typeface="Helvetica" panose="020B0604020202020204" pitchFamily="34" charset="0"/>
+              <a:cs typeface="Helvetica" panose="020B0604020202020204" pitchFamily="34" charset="0"/>
+            </a:endParaRPr>
+          </a:p>
+          <a:p>
+            <a:pPr lvl="0"/>
+            <a:r>
+              <a:rPr lang="en-GB" sz="2000" dirty="0">
+                <a:effectLst>
+                  <a:outerShdw blurRad="38100" dist="38100" dir="2700000" algn="tl">
+                    <a:srgbClr val="000000">
+                      <a:alpha val="43137"/>
+                    </a:srgbClr>
+                  </a:outerShdw>
+                </a:effectLst>
+                <a:latin typeface="Helvetica" panose="020B0604020202020204" pitchFamily="34" charset="0"/>
+                <a:cs typeface="Helvetica" panose="020B0604020202020204" pitchFamily="34" charset="0"/>
+              </a:rPr>
+              <a:t>Des constructeurs;</a:t>
+            </a:r>
+            <a:endParaRPr lang="fr-CI" sz="2000" dirty="0">
+              <a:effectLst>
+                <a:outerShdw blurRad="38100" dist="38100" dir="2700000" algn="tl">
+                  <a:srgbClr val="000000">
+                    <a:alpha val="43137"/>
+                  </a:srgbClr>
+                </a:outerShdw>
+              </a:effectLst>
+              <a:latin typeface="Helvetica" panose="020B0604020202020204" pitchFamily="34" charset="0"/>
+              <a:cs typeface="Helvetica" panose="020B0604020202020204" pitchFamily="34" charset="0"/>
+            </a:endParaRPr>
+          </a:p>
+          <a:p>
+            <a:pPr lvl="0"/>
+            <a:r>
+              <a:rPr lang="en-GB" sz="2000" dirty="0">
+                <a:effectLst>
+                  <a:outerShdw blurRad="38100" dist="38100" dir="2700000" algn="tl">
+                    <a:srgbClr val="000000">
+                      <a:alpha val="43137"/>
+                    </a:srgbClr>
+                  </a:outerShdw>
+                </a:effectLst>
+                <a:latin typeface="Helvetica" panose="020B0604020202020204" pitchFamily="34" charset="0"/>
+                <a:cs typeface="Helvetica" panose="020B0604020202020204" pitchFamily="34" charset="0"/>
+              </a:rPr>
+              <a:t>Des blocs;</a:t>
+            </a:r>
+            <a:endParaRPr lang="fr-CI" sz="2000" dirty="0">
+              <a:effectLst>
+                <a:outerShdw blurRad="38100" dist="38100" dir="2700000" algn="tl">
+                  <a:srgbClr val="000000">
+                    <a:alpha val="43137"/>
+                  </a:srgbClr>
+                </a:outerShdw>
+              </a:effectLst>
+              <a:latin typeface="Helvetica" panose="020B0604020202020204" pitchFamily="34" charset="0"/>
+              <a:cs typeface="Helvetica" panose="020B0604020202020204" pitchFamily="34" charset="0"/>
+            </a:endParaRPr>
+          </a:p>
+          <a:p>
+            <a:pPr lvl="0"/>
+            <a:r>
+              <a:rPr lang="en-GB" sz="2000" dirty="0">
+                <a:effectLst>
+                  <a:outerShdw blurRad="38100" dist="38100" dir="2700000" algn="tl">
+                    <a:srgbClr val="000000">
+                      <a:alpha val="43137"/>
+                    </a:srgbClr>
+                  </a:outerShdw>
+                </a:effectLst>
+                <a:latin typeface="Helvetica" panose="020B0604020202020204" pitchFamily="34" charset="0"/>
+                <a:cs typeface="Helvetica" panose="020B0604020202020204" pitchFamily="34" charset="0"/>
+              </a:rPr>
+              <a:t>Des classes et interfaces imbriquées</a:t>
+            </a:r>
+            <a:r>
+              <a:rPr lang="en-GB" sz="2000" b="1" dirty="0">
+                <a:latin typeface="Helvetica" panose="020B0604020202020204" pitchFamily="34" charset="0"/>
+                <a:cs typeface="Helvetica" panose="020B0604020202020204" pitchFamily="34" charset="0"/>
+              </a:rPr>
+              <a:t>;</a:t>
+            </a:r>
+          </a:p>
+          <a:p>
+            <a:pPr lvl="0"/>
+            <a:endParaRPr lang="en-GB" sz="2000" b="1" dirty="0">
+              <a:latin typeface="Helvetica" panose="020B0604020202020204" pitchFamily="34" charset="0"/>
+              <a:cs typeface="Helvetica" panose="020B0604020202020204" pitchFamily="34" charset="0"/>
+            </a:endParaRPr>
+          </a:p>
+          <a:p>
+            <a:pPr lvl="0"/>
+            <a:endParaRPr lang="fr-CI" sz="2000" dirty="0">
+              <a:latin typeface="Helvetica" panose="020B0604020202020204" pitchFamily="34" charset="0"/>
+              <a:cs typeface="Helvetica" panose="020B0604020202020204" pitchFamily="34" charset="0"/>
+            </a:endParaRPr>
+          </a:p>
+          <a:p>
+            <a:endParaRPr lang="fr-FR" sz="2000" dirty="0"/>
           </a:p>
         </p:txBody>
       </p:sp>

--- a/java-oop latest.pptx
+++ b/java-oop latest.pptx
@@ -4022,8 +4022,8 @@
         </p:nvSpPr>
         <p:spPr>
           <a:xfrm>
-            <a:off x="684069" y="1138962"/>
-            <a:ext cx="1601034" cy="400110"/>
+            <a:off x="2780154" y="938978"/>
+            <a:ext cx="3325224" cy="400110"/>
           </a:xfrm>
           <a:prstGeom prst="rect">
             <a:avLst/>
@@ -4036,17 +4036,196 @@
           <a:lstStyle/>
           <a:p>
             <a:r>
-              <a:rPr lang="fr-FR" sz="2000" b="1">
+              <a:rPr lang="fr-FR" sz="2000" b="1" dirty="0">
+                <a:effectLst>
+                  <a:outerShdw blurRad="38100" dist="38100" dir="2700000" algn="tl">
+                    <a:srgbClr val="000000">
+                      <a:alpha val="43137"/>
+                    </a:srgbClr>
+                  </a:outerShdw>
+                </a:effectLst>
                 <a:latin typeface="Helvetica"/>
                 <a:ea typeface="ＭＳ Ｐゴシック"/>
                 <a:cs typeface="Helvetica"/>
               </a:rPr>
-              <a:t>Historique</a:t>
-            </a:r>
-            <a:endParaRPr lang="fr-FR"/>
+              <a:t>2. Syntaxe d’une classe</a:t>
+            </a:r>
+            <a:endParaRPr lang="fr-FR" dirty="0">
+              <a:effectLst>
+                <a:outerShdw blurRad="38100" dist="38100" dir="2700000" algn="tl">
+                  <a:srgbClr val="000000">
+                    <a:alpha val="43137"/>
+                  </a:srgbClr>
+                </a:outerShdw>
+              </a:effectLst>
+            </a:endParaRPr>
           </a:p>
         </p:txBody>
       </p:sp>
+      <p:pic>
+        <p:nvPicPr>
+          <p:cNvPr id="6" name="Image 5">
+            <a:extLst>
+              <a:ext uri="{FF2B5EF4-FFF2-40B4-BE49-F238E27FC236}">
+                <a16:creationId xmlns:a16="http://schemas.microsoft.com/office/drawing/2014/main" id="{36B51B83-98B3-483D-89E9-1F54F24F4362}"/>
+              </a:ext>
+            </a:extLst>
+          </p:cNvPr>
+          <p:cNvPicPr>
+            <a:picLocks noChangeAspect="1"/>
+          </p:cNvPicPr>
+          <p:nvPr/>
+        </p:nvPicPr>
+        <p:blipFill>
+          <a:blip r:embed="rId3">
+            <a:extLst>
+              <a:ext uri="{28A0092B-C50C-407E-A947-70E740481C1C}">
+                <a14:useLocalDpi xmlns:a14="http://schemas.microsoft.com/office/drawing/2010/main" val="0"/>
+              </a:ext>
+            </a:extLst>
+          </a:blip>
+          <a:stretch>
+            <a:fillRect/>
+          </a:stretch>
+        </p:blipFill>
+        <p:spPr>
+          <a:xfrm>
+            <a:off x="1479633" y="1272600"/>
+            <a:ext cx="5982535" cy="1510010"/>
+          </a:xfrm>
+          <a:prstGeom prst="rect">
+            <a:avLst/>
+          </a:prstGeom>
+        </p:spPr>
+      </p:pic>
+      <p:sp>
+        <p:nvSpPr>
+          <p:cNvPr id="7" name="ZoneTexte 6">
+            <a:extLst>
+              <a:ext uri="{FF2B5EF4-FFF2-40B4-BE49-F238E27FC236}">
+                <a16:creationId xmlns:a16="http://schemas.microsoft.com/office/drawing/2014/main" id="{40559625-95C1-4045-9F43-52670826DFAF}"/>
+              </a:ext>
+            </a:extLst>
+          </p:cNvPr>
+          <p:cNvSpPr txBox="1"/>
+          <p:nvPr/>
+        </p:nvSpPr>
+        <p:spPr>
+          <a:xfrm>
+            <a:off x="2484733" y="2437353"/>
+            <a:ext cx="3325224" cy="400110"/>
+          </a:xfrm>
+          <a:prstGeom prst="rect">
+            <a:avLst/>
+          </a:prstGeom>
+          <a:noFill/>
+        </p:spPr>
+        <p:txBody>
+          <a:bodyPr wrap="square" rtlCol="0">
+            <a:spAutoFit/>
+          </a:bodyPr>
+          <a:lstStyle/>
+          <a:p>
+            <a:r>
+              <a:rPr lang="fr-FR" sz="2000" b="1" dirty="0">
+                <a:effectLst>
+                  <a:outerShdw blurRad="38100" dist="38100" dir="2700000" algn="tl">
+                    <a:srgbClr val="000000">
+                      <a:alpha val="43137"/>
+                    </a:srgbClr>
+                  </a:outerShdw>
+                </a:effectLst>
+                <a:latin typeface="Helvetica" panose="020B0604020202020204" pitchFamily="34" charset="0"/>
+                <a:cs typeface="Helvetica" panose="020B0604020202020204" pitchFamily="34" charset="0"/>
+              </a:rPr>
+              <a:t>3. Exemple</a:t>
+            </a:r>
+            <a:endParaRPr lang="fr-CI" sz="2000" b="1" dirty="0">
+              <a:effectLst>
+                <a:outerShdw blurRad="38100" dist="38100" dir="2700000" algn="tl">
+                  <a:srgbClr val="000000">
+                    <a:alpha val="43137"/>
+                  </a:srgbClr>
+                </a:outerShdw>
+              </a:effectLst>
+              <a:latin typeface="Helvetica" panose="020B0604020202020204" pitchFamily="34" charset="0"/>
+              <a:cs typeface="Helvetica" panose="020B0604020202020204" pitchFamily="34" charset="0"/>
+            </a:endParaRPr>
+          </a:p>
+        </p:txBody>
+      </p:sp>
+      <p:pic>
+        <p:nvPicPr>
+          <p:cNvPr id="9" name="Image 8">
+            <a:extLst>
+              <a:ext uri="{FF2B5EF4-FFF2-40B4-BE49-F238E27FC236}">
+                <a16:creationId xmlns:a16="http://schemas.microsoft.com/office/drawing/2014/main" id="{40BC2672-9A67-4EA5-A766-6E55467185C0}"/>
+              </a:ext>
+            </a:extLst>
+          </p:cNvPr>
+          <p:cNvPicPr>
+            <a:picLocks noChangeAspect="1"/>
+          </p:cNvPicPr>
+          <p:nvPr/>
+        </p:nvPicPr>
+        <p:blipFill>
+          <a:blip r:embed="rId4">
+            <a:extLst>
+              <a:ext uri="{28A0092B-C50C-407E-A947-70E740481C1C}">
+                <a14:useLocalDpi xmlns:a14="http://schemas.microsoft.com/office/drawing/2010/main" val="0"/>
+              </a:ext>
+            </a:extLst>
+          </a:blip>
+          <a:stretch>
+            <a:fillRect/>
+          </a:stretch>
+        </p:blipFill>
+        <p:spPr>
+          <a:xfrm>
+            <a:off x="1451499" y="2984134"/>
+            <a:ext cx="5982534" cy="1973143"/>
+          </a:xfrm>
+          <a:prstGeom prst="rect">
+            <a:avLst/>
+          </a:prstGeom>
+        </p:spPr>
+      </p:pic>
+      <p:pic>
+        <p:nvPicPr>
+          <p:cNvPr id="11" name="Image 10">
+            <a:extLst>
+              <a:ext uri="{FF2B5EF4-FFF2-40B4-BE49-F238E27FC236}">
+                <a16:creationId xmlns:a16="http://schemas.microsoft.com/office/drawing/2014/main" id="{0B00AFC9-002E-42A1-BE11-25F161EB0A12}"/>
+              </a:ext>
+            </a:extLst>
+          </p:cNvPr>
+          <p:cNvPicPr>
+            <a:picLocks noChangeAspect="1"/>
+          </p:cNvPicPr>
+          <p:nvPr/>
+        </p:nvPicPr>
+        <p:blipFill>
+          <a:blip r:embed="rId5">
+            <a:extLst>
+              <a:ext uri="{28A0092B-C50C-407E-A947-70E740481C1C}">
+                <a14:useLocalDpi xmlns:a14="http://schemas.microsoft.com/office/drawing/2010/main" val="0"/>
+              </a:ext>
+            </a:extLst>
+          </a:blip>
+          <a:stretch>
+            <a:fillRect/>
+          </a:stretch>
+        </p:blipFill>
+        <p:spPr>
+          <a:xfrm>
+            <a:off x="1479633" y="4914907"/>
+            <a:ext cx="5982534" cy="1528264"/>
+          </a:xfrm>
+          <a:prstGeom prst="rect">
+            <a:avLst/>
+          </a:prstGeom>
+        </p:spPr>
+      </p:pic>
     </p:spTree>
     <p:extLst>
       <p:ext uri="{BB962C8B-B14F-4D97-AF65-F5344CB8AC3E}">
@@ -6337,7 +6516,7 @@
                 <a:latin typeface="Helvetica" panose="020B0604020202020204" pitchFamily="34" charset="0"/>
                 <a:cs typeface="Helvetica" panose="020B0604020202020204" pitchFamily="34" charset="0"/>
               </a:rPr>
-              <a:t>représente les données (valeur) d'un objet.</a:t>
+              <a:t>représente les données (valeur) d'un objet;</a:t>
             </a:r>
             <a:endParaRPr lang="fr-FR" dirty="0">
               <a:effectLst>
@@ -6388,21 +6567,7 @@
                 <a:latin typeface="Helvetica" panose="020B0604020202020204" pitchFamily="34" charset="0"/>
                 <a:cs typeface="Helvetica" panose="020B0604020202020204" pitchFamily="34" charset="0"/>
               </a:rPr>
-              <a:t>représente le comportement (fonctionnalité) d'un objet tel que déposer, retirer, </a:t>
-            </a:r>
-            <a:r>
-              <a:rPr lang="fr-FR" dirty="0" err="1">
-                <a:latin typeface="Helvetica" panose="020B0604020202020204" pitchFamily="34" charset="0"/>
-                <a:cs typeface="Helvetica" panose="020B0604020202020204" pitchFamily="34" charset="0"/>
-              </a:rPr>
-              <a:t>etc</a:t>
-            </a:r>
-            <a:r>
-              <a:rPr lang="fr-FR" dirty="0">
-                <a:latin typeface="Helvetica" panose="020B0604020202020204" pitchFamily="34" charset="0"/>
-                <a:cs typeface="Helvetica" panose="020B0604020202020204" pitchFamily="34" charset="0"/>
-              </a:rPr>
-              <a:t>;</a:t>
+              <a:t>représente le comportement (fonctionnalité) d'un objet tel que déposer, retirer, etc;</a:t>
             </a:r>
             <a:endParaRPr lang="fr-FR" dirty="0">
               <a:effectLst>
@@ -6655,6 +6820,62 @@
           </a:prstGeom>
         </p:spPr>
       </p:pic>
+      <p:sp>
+        <p:nvSpPr>
+          <p:cNvPr id="5" name="ZoneTexte 4">
+            <a:extLst>
+              <a:ext uri="{FF2B5EF4-FFF2-40B4-BE49-F238E27FC236}">
+                <a16:creationId xmlns:a16="http://schemas.microsoft.com/office/drawing/2014/main" id="{55C3C721-62CE-4B02-8A89-49753B40FE14}"/>
+              </a:ext>
+            </a:extLst>
+          </p:cNvPr>
+          <p:cNvSpPr txBox="1"/>
+          <p:nvPr/>
+        </p:nvSpPr>
+        <p:spPr>
+          <a:xfrm>
+            <a:off x="1899138" y="942344"/>
+            <a:ext cx="2672862" cy="400110"/>
+          </a:xfrm>
+          <a:prstGeom prst="rect">
+            <a:avLst/>
+          </a:prstGeom>
+          <a:noFill/>
+        </p:spPr>
+        <p:txBody>
+          <a:bodyPr wrap="square" rtlCol="0">
+            <a:spAutoFit/>
+          </a:bodyPr>
+          <a:lstStyle/>
+          <a:p>
+            <a:r>
+              <a:rPr lang="fr-FR" sz="2000" b="1" dirty="0">
+                <a:effectLst>
+                  <a:outerShdw blurRad="38100" dist="38100" dir="2700000" algn="tl">
+                    <a:srgbClr val="000000">
+                      <a:alpha val="43137"/>
+                    </a:srgbClr>
+                  </a:outerShdw>
+                </a:effectLst>
+                <a:latin typeface="Helvetica" panose="020B0604020202020204" pitchFamily="34" charset="0"/>
+                <a:cs typeface="Helvetica" panose="020B0604020202020204" pitchFamily="34" charset="0"/>
+              </a:rPr>
+              <a:t>2. Syntaxe</a:t>
+            </a:r>
+            <a:endParaRPr lang="fr-CI" sz="2000" b="1" dirty="0">
+              <a:effectLst>
+                <a:outerShdw blurRad="38100" dist="38100" dir="2700000" algn="tl">
+                  <a:srgbClr val="000000">
+                    <a:alpha val="43137"/>
+                  </a:srgbClr>
+                </a:outerShdw>
+              </a:effectLst>
+              <a:latin typeface="Helvetica" panose="020B0604020202020204" pitchFamily="34" charset="0"/>
+              <a:cs typeface="Helvetica" panose="020B0604020202020204" pitchFamily="34" charset="0"/>
+            </a:endParaRPr>
+          </a:p>
+        </p:txBody>
+      </p:sp>
     </p:spTree>
     <p:extLst>
       <p:ext uri="{BB962C8B-B14F-4D97-AF65-F5344CB8AC3E}">

--- a/java-oop latest.pptx
+++ b/java-oop latest.pptx
@@ -5,10 +5,10 @@
     <p:sldMasterId id="2147483650" r:id="rId1"/>
   </p:sldMasterIdLst>
   <p:notesMasterIdLst>
-    <p:notesMasterId r:id="rId16"/>
+    <p:notesMasterId r:id="rId19"/>
   </p:notesMasterIdLst>
   <p:handoutMasterIdLst>
-    <p:handoutMasterId r:id="rId17"/>
+    <p:handoutMasterId r:id="rId20"/>
   </p:handoutMasterIdLst>
   <p:sldIdLst>
     <p:sldId id="256" r:id="rId2"/>
@@ -23,8 +23,11 @@
     <p:sldId id="374" r:id="rId11"/>
     <p:sldId id="373" r:id="rId12"/>
     <p:sldId id="362" r:id="rId13"/>
-    <p:sldId id="366" r:id="rId14"/>
-    <p:sldId id="345" r:id="rId15"/>
+    <p:sldId id="378" r:id="rId14"/>
+    <p:sldId id="379" r:id="rId15"/>
+    <p:sldId id="381" r:id="rId16"/>
+    <p:sldId id="366" r:id="rId17"/>
+    <p:sldId id="345" r:id="rId18"/>
   </p:sldIdLst>
   <p:sldSz cx="9144000" cy="6858000" type="screen4x3"/>
   <p:notesSz cx="7010400" cy="9296400"/>
@@ -178,10 +181,12 @@
 <file path=ppt/revisionInfo.xml><?xml version="1.0" encoding="utf-8"?>
 <p1510:revInfo xmlns:a="http://schemas.openxmlformats.org/drawingml/2006/main" xmlns:r="http://schemas.openxmlformats.org/officeDocument/2006/relationships" xmlns:p1510="http://schemas.microsoft.com/office/powerpoint/2015/10/main">
   <p1510:revLst>
+    <p1510:client id="{0C789339-DDC5-49B7-9795-BE5D39E6A1DD}" v="3" dt="2022-08-18T12:48:18.968"/>
     <p1510:client id="{18444539-B928-4433-9615-5883B10F92AF}" v="735" dt="2022-07-20T09:46:12.099"/>
     <p1510:client id="{22B0A339-FF1B-4DE5-A87E-38A812B5531B}" v="181" dt="2022-08-11T10:21:32.619"/>
     <p1510:client id="{3041C01C-36D9-4668-959E-E05AB73D87E7}" v="71" dt="2022-08-18T10:51:23.798"/>
     <p1510:client id="{3C8466A4-5C93-4E44-BBD9-78E05F92B964}" v="64" dt="2022-08-17T16:02:16.582"/>
+    <p1510:client id="{3E691BBC-5168-424C-B8A8-FE14B3E54A46}" v="71" dt="2022-08-18T13:06:30.251"/>
     <p1510:client id="{4A4B7DD8-6C49-438C-83AB-13A6DC5C1A94}" v="4875" dt="2022-07-20T17:10:01.006"/>
     <p1510:client id="{72D5D6BA-D37D-4C0A-ADD6-A22169968FF6}" v="190" dt="2022-08-17T12:51:47.509"/>
     <p1510:client id="{88C564CE-DE1A-463A-8011-0D3EFC446075}" v="313" dt="2022-08-10T09:42:20.319"/>
@@ -4537,6 +4542,1278 @@
       </p:grpSpPr>
       <p:sp>
         <p:nvSpPr>
+          <p:cNvPr id="2" name="Titre 1"/>
+          <p:cNvSpPr>
+            <a:spLocks noGrp="1"/>
+          </p:cNvSpPr>
+          <p:nvPr>
+            <p:ph type="title"/>
+          </p:nvPr>
+        </p:nvSpPr>
+        <p:spPr>
+          <a:xfrm>
+            <a:off x="749258" y="136590"/>
+            <a:ext cx="7933016" cy="648072"/>
+          </a:xfrm>
+        </p:spPr>
+        <p:txBody>
+          <a:bodyPr/>
+          <a:lstStyle/>
+          <a:p>
+            <a:r>
+              <a:rPr lang="fr-CA" sz="3600" cap="none" dirty="0">
+                <a:solidFill>
+                  <a:srgbClr val="FF0000"/>
+                </a:solidFill>
+                <a:cs typeface="Arial"/>
+              </a:rPr>
+              <a:t>HERITAGE</a:t>
+            </a:r>
+            <a:endParaRPr lang="fr-FR" dirty="0"/>
+          </a:p>
+        </p:txBody>
+      </p:sp>
+      <p:pic>
+        <p:nvPicPr>
+          <p:cNvPr id="3" name="Image 1"/>
+          <p:cNvPicPr>
+            <a:picLocks noChangeAspect="1"/>
+          </p:cNvPicPr>
+          <p:nvPr/>
+        </p:nvPicPr>
+        <p:blipFill>
+          <a:blip r:embed="rId2">
+            <a:extLst>
+              <a:ext uri="{28A0092B-C50C-407E-A947-70E740481C1C}">
+                <a14:useLocalDpi xmlns:a14="http://schemas.microsoft.com/office/drawing/2010/main" val="0"/>
+              </a:ext>
+            </a:extLst>
+          </a:blip>
+          <a:srcRect/>
+          <a:stretch>
+            <a:fillRect/>
+          </a:stretch>
+        </p:blipFill>
+        <p:spPr bwMode="auto">
+          <a:xfrm>
+            <a:off x="65088" y="6400800"/>
+            <a:ext cx="1554162" cy="396875"/>
+          </a:xfrm>
+          <a:prstGeom prst="rect">
+            <a:avLst/>
+          </a:prstGeom>
+          <a:noFill/>
+          <a:ln>
+            <a:noFill/>
+          </a:ln>
+          <a:extLst>
+            <a:ext uri="{909E8E84-426E-40DD-AFC4-6F175D3DCCD1}">
+              <a14:hiddenFill xmlns:a14="http://schemas.microsoft.com/office/drawing/2010/main">
+                <a:solidFill>
+                  <a:srgbClr val="FFFFFF"/>
+                </a:solidFill>
+              </a14:hiddenFill>
+            </a:ext>
+            <a:ext uri="{91240B29-F687-4F45-9708-019B960494DF}">
+              <a14:hiddenLine xmlns:a14="http://schemas.microsoft.com/office/drawing/2010/main" w="9525">
+                <a:solidFill>
+                  <a:srgbClr val="000000"/>
+                </a:solidFill>
+                <a:miter lim="800000"/>
+                <a:headEnd/>
+                <a:tailEnd/>
+              </a14:hiddenLine>
+            </a:ext>
+          </a:extLst>
+        </p:spPr>
+      </p:pic>
+      <p:sp>
+        <p:nvSpPr>
+          <p:cNvPr id="4" name="ZoneTexte 1">
+            <a:extLst>
+              <a:ext uri="{FF2B5EF4-FFF2-40B4-BE49-F238E27FC236}">
+                <a16:creationId xmlns:a16="http://schemas.microsoft.com/office/drawing/2014/main" id="{6FBAF6AD-566D-D62D-E726-2197DB60B739}"/>
+              </a:ext>
+            </a:extLst>
+          </p:cNvPr>
+          <p:cNvSpPr txBox="1"/>
+          <p:nvPr/>
+        </p:nvSpPr>
+        <p:spPr>
+          <a:xfrm>
+            <a:off x="893936" y="975740"/>
+            <a:ext cx="6396397" cy="461665"/>
+          </a:xfrm>
+          <a:prstGeom prst="rect">
+            <a:avLst/>
+          </a:prstGeom>
+          <a:noFill/>
+        </p:spPr>
+        <p:txBody>
+          <a:bodyPr rot="0" spcFirstLastPara="0" vert="horz" wrap="square" lIns="91440" tIns="45720" rIns="91440" bIns="45720" numCol="1" spcCol="0" rtlCol="0" fromWordArt="0" anchor="t" anchorCtr="0" forceAA="0" compatLnSpc="1">
+            <a:prstTxWarp prst="textNoShape">
+              <a:avLst/>
+            </a:prstTxWarp>
+            <a:spAutoFit/>
+          </a:bodyPr>
+          <a:lstStyle>
+            <a:defPPr>
+              <a:defRPr lang="fr-CA"/>
+            </a:defPPr>
+            <a:lvl1pPr algn="l" rtl="0" fontAlgn="base">
+              <a:spcBef>
+                <a:spcPct val="0"/>
+              </a:spcBef>
+              <a:spcAft>
+                <a:spcPct val="0"/>
+              </a:spcAft>
+              <a:defRPr kern="1200">
+                <a:solidFill>
+                  <a:schemeClr val="tx1"/>
+                </a:solidFill>
+                <a:latin typeface="Arial" charset="0"/>
+                <a:ea typeface="ＭＳ Ｐゴシック" pitchFamily="34" charset="-128"/>
+                <a:cs typeface="+mn-cs"/>
+              </a:defRPr>
+            </a:lvl1pPr>
+            <a:lvl2pPr marL="457200" algn="l" rtl="0" fontAlgn="base">
+              <a:spcBef>
+                <a:spcPct val="0"/>
+              </a:spcBef>
+              <a:spcAft>
+                <a:spcPct val="0"/>
+              </a:spcAft>
+              <a:defRPr kern="1200">
+                <a:solidFill>
+                  <a:schemeClr val="tx1"/>
+                </a:solidFill>
+                <a:latin typeface="Arial" charset="0"/>
+                <a:ea typeface="ＭＳ Ｐゴシック" pitchFamily="34" charset="-128"/>
+                <a:cs typeface="+mn-cs"/>
+              </a:defRPr>
+            </a:lvl2pPr>
+            <a:lvl3pPr marL="914400" algn="l" rtl="0" fontAlgn="base">
+              <a:spcBef>
+                <a:spcPct val="0"/>
+              </a:spcBef>
+              <a:spcAft>
+                <a:spcPct val="0"/>
+              </a:spcAft>
+              <a:defRPr kern="1200">
+                <a:solidFill>
+                  <a:schemeClr val="tx1"/>
+                </a:solidFill>
+                <a:latin typeface="Arial" charset="0"/>
+                <a:ea typeface="ＭＳ Ｐゴシック" pitchFamily="34" charset="-128"/>
+                <a:cs typeface="+mn-cs"/>
+              </a:defRPr>
+            </a:lvl3pPr>
+            <a:lvl4pPr marL="1371600" algn="l" rtl="0" fontAlgn="base">
+              <a:spcBef>
+                <a:spcPct val="0"/>
+              </a:spcBef>
+              <a:spcAft>
+                <a:spcPct val="0"/>
+              </a:spcAft>
+              <a:defRPr kern="1200">
+                <a:solidFill>
+                  <a:schemeClr val="tx1"/>
+                </a:solidFill>
+                <a:latin typeface="Arial" charset="0"/>
+                <a:ea typeface="ＭＳ Ｐゴシック" pitchFamily="34" charset="-128"/>
+                <a:cs typeface="+mn-cs"/>
+              </a:defRPr>
+            </a:lvl4pPr>
+            <a:lvl5pPr marL="1828800" algn="l" rtl="0" fontAlgn="base">
+              <a:spcBef>
+                <a:spcPct val="0"/>
+              </a:spcBef>
+              <a:spcAft>
+                <a:spcPct val="0"/>
+              </a:spcAft>
+              <a:defRPr kern="1200">
+                <a:solidFill>
+                  <a:schemeClr val="tx1"/>
+                </a:solidFill>
+                <a:latin typeface="Arial" charset="0"/>
+                <a:ea typeface="ＭＳ Ｐゴシック" pitchFamily="34" charset="-128"/>
+                <a:cs typeface="+mn-cs"/>
+              </a:defRPr>
+            </a:lvl5pPr>
+            <a:lvl6pPr marL="2286000" algn="l" defTabSz="914400" rtl="0" eaLnBrk="1" latinLnBrk="0" hangingPunct="1">
+              <a:defRPr kern="1200">
+                <a:solidFill>
+                  <a:schemeClr val="tx1"/>
+                </a:solidFill>
+                <a:latin typeface="Arial" charset="0"/>
+                <a:ea typeface="ＭＳ Ｐゴシック" pitchFamily="34" charset="-128"/>
+                <a:cs typeface="+mn-cs"/>
+              </a:defRPr>
+            </a:lvl6pPr>
+            <a:lvl7pPr marL="2743200" algn="l" defTabSz="914400" rtl="0" eaLnBrk="1" latinLnBrk="0" hangingPunct="1">
+              <a:defRPr kern="1200">
+                <a:solidFill>
+                  <a:schemeClr val="tx1"/>
+                </a:solidFill>
+                <a:latin typeface="Arial" charset="0"/>
+                <a:ea typeface="ＭＳ Ｐゴシック" pitchFamily="34" charset="-128"/>
+                <a:cs typeface="+mn-cs"/>
+              </a:defRPr>
+            </a:lvl7pPr>
+            <a:lvl8pPr marL="3200400" algn="l" defTabSz="914400" rtl="0" eaLnBrk="1" latinLnBrk="0" hangingPunct="1">
+              <a:defRPr kern="1200">
+                <a:solidFill>
+                  <a:schemeClr val="tx1"/>
+                </a:solidFill>
+                <a:latin typeface="Arial" charset="0"/>
+                <a:ea typeface="ＭＳ Ｐゴシック" pitchFamily="34" charset="-128"/>
+                <a:cs typeface="+mn-cs"/>
+              </a:defRPr>
+            </a:lvl8pPr>
+            <a:lvl9pPr marL="3657600" algn="l" defTabSz="914400" rtl="0" eaLnBrk="1" latinLnBrk="0" hangingPunct="1">
+              <a:defRPr kern="1200">
+                <a:solidFill>
+                  <a:schemeClr val="tx1"/>
+                </a:solidFill>
+                <a:latin typeface="Arial" charset="0"/>
+                <a:ea typeface="ＭＳ Ｐゴシック" pitchFamily="34" charset="-128"/>
+                <a:cs typeface="+mn-cs"/>
+              </a:defRPr>
+            </a:lvl9pPr>
+          </a:lstStyle>
+          <a:p>
+            <a:pPr marL="342900" indent="-342900" algn="just">
+              <a:buFont typeface="Wingdings"/>
+              <a:buChar char="q"/>
+            </a:pPr>
+            <a:r>
+              <a:rPr lang="fr-FR" sz="2400" dirty="0">
+                <a:solidFill>
+                  <a:srgbClr val="FF0000"/>
+                </a:solidFill>
+                <a:latin typeface="Arial"/>
+                <a:ea typeface="ＭＳ Ｐゴシック"/>
+                <a:cs typeface="Arial"/>
+              </a:rPr>
+              <a:t>Définition</a:t>
+            </a:r>
+            <a:endParaRPr lang="fr-FR" dirty="0">
+              <a:solidFill>
+                <a:srgbClr val="FF0000"/>
+              </a:solidFill>
+            </a:endParaRPr>
+          </a:p>
+        </p:txBody>
+      </p:sp>
+      <p:sp>
+        <p:nvSpPr>
+          <p:cNvPr id="6" name="ZoneTexte 1">
+            <a:extLst>
+              <a:ext uri="{FF2B5EF4-FFF2-40B4-BE49-F238E27FC236}">
+                <a16:creationId xmlns:a16="http://schemas.microsoft.com/office/drawing/2014/main" id="{E80B6219-9B66-278D-74E7-C14FF08DBF5F}"/>
+              </a:ext>
+            </a:extLst>
+          </p:cNvPr>
+          <p:cNvSpPr txBox="1"/>
+          <p:nvPr/>
+        </p:nvSpPr>
+        <p:spPr>
+          <a:xfrm>
+            <a:off x="952152" y="2436358"/>
+            <a:ext cx="7737521" cy="1938992"/>
+          </a:xfrm>
+          <a:prstGeom prst="rect">
+            <a:avLst/>
+          </a:prstGeom>
+          <a:noFill/>
+        </p:spPr>
+        <p:txBody>
+          <a:bodyPr rot="0" spcFirstLastPara="0" vert="horz" wrap="square" lIns="91440" tIns="45720" rIns="91440" bIns="45720" numCol="1" spcCol="0" rtlCol="0" fromWordArt="0" anchor="t" anchorCtr="0" forceAA="0" compatLnSpc="1">
+            <a:prstTxWarp prst="textNoShape">
+              <a:avLst/>
+            </a:prstTxWarp>
+            <a:spAutoFit/>
+          </a:bodyPr>
+          <a:lstStyle>
+            <a:defPPr>
+              <a:defRPr lang="fr-CA"/>
+            </a:defPPr>
+            <a:lvl1pPr algn="l" rtl="0" fontAlgn="base">
+              <a:spcBef>
+                <a:spcPct val="0"/>
+              </a:spcBef>
+              <a:spcAft>
+                <a:spcPct val="0"/>
+              </a:spcAft>
+              <a:defRPr kern="1200">
+                <a:solidFill>
+                  <a:schemeClr val="tx1"/>
+                </a:solidFill>
+                <a:latin typeface="Arial" charset="0"/>
+                <a:ea typeface="ＭＳ Ｐゴシック" pitchFamily="34" charset="-128"/>
+                <a:cs typeface="+mn-cs"/>
+              </a:defRPr>
+            </a:lvl1pPr>
+            <a:lvl2pPr marL="457200" algn="l" rtl="0" fontAlgn="base">
+              <a:spcBef>
+                <a:spcPct val="0"/>
+              </a:spcBef>
+              <a:spcAft>
+                <a:spcPct val="0"/>
+              </a:spcAft>
+              <a:defRPr kern="1200">
+                <a:solidFill>
+                  <a:schemeClr val="tx1"/>
+                </a:solidFill>
+                <a:latin typeface="Arial" charset="0"/>
+                <a:ea typeface="ＭＳ Ｐゴシック" pitchFamily="34" charset="-128"/>
+                <a:cs typeface="+mn-cs"/>
+              </a:defRPr>
+            </a:lvl2pPr>
+            <a:lvl3pPr marL="914400" algn="l" rtl="0" fontAlgn="base">
+              <a:spcBef>
+                <a:spcPct val="0"/>
+              </a:spcBef>
+              <a:spcAft>
+                <a:spcPct val="0"/>
+              </a:spcAft>
+              <a:defRPr kern="1200">
+                <a:solidFill>
+                  <a:schemeClr val="tx1"/>
+                </a:solidFill>
+                <a:latin typeface="Arial" charset="0"/>
+                <a:ea typeface="ＭＳ Ｐゴシック" pitchFamily="34" charset="-128"/>
+                <a:cs typeface="+mn-cs"/>
+              </a:defRPr>
+            </a:lvl3pPr>
+            <a:lvl4pPr marL="1371600" algn="l" rtl="0" fontAlgn="base">
+              <a:spcBef>
+                <a:spcPct val="0"/>
+              </a:spcBef>
+              <a:spcAft>
+                <a:spcPct val="0"/>
+              </a:spcAft>
+              <a:defRPr kern="1200">
+                <a:solidFill>
+                  <a:schemeClr val="tx1"/>
+                </a:solidFill>
+                <a:latin typeface="Arial" charset="0"/>
+                <a:ea typeface="ＭＳ Ｐゴシック" pitchFamily="34" charset="-128"/>
+                <a:cs typeface="+mn-cs"/>
+              </a:defRPr>
+            </a:lvl4pPr>
+            <a:lvl5pPr marL="1828800" algn="l" rtl="0" fontAlgn="base">
+              <a:spcBef>
+                <a:spcPct val="0"/>
+              </a:spcBef>
+              <a:spcAft>
+                <a:spcPct val="0"/>
+              </a:spcAft>
+              <a:defRPr kern="1200">
+                <a:solidFill>
+                  <a:schemeClr val="tx1"/>
+                </a:solidFill>
+                <a:latin typeface="Arial" charset="0"/>
+                <a:ea typeface="ＭＳ Ｐゴシック" pitchFamily="34" charset="-128"/>
+                <a:cs typeface="+mn-cs"/>
+              </a:defRPr>
+            </a:lvl5pPr>
+            <a:lvl6pPr marL="2286000" algn="l" defTabSz="914400" rtl="0" eaLnBrk="1" latinLnBrk="0" hangingPunct="1">
+              <a:defRPr kern="1200">
+                <a:solidFill>
+                  <a:schemeClr val="tx1"/>
+                </a:solidFill>
+                <a:latin typeface="Arial" charset="0"/>
+                <a:ea typeface="ＭＳ Ｐゴシック" pitchFamily="34" charset="-128"/>
+                <a:cs typeface="+mn-cs"/>
+              </a:defRPr>
+            </a:lvl6pPr>
+            <a:lvl7pPr marL="2743200" algn="l" defTabSz="914400" rtl="0" eaLnBrk="1" latinLnBrk="0" hangingPunct="1">
+              <a:defRPr kern="1200">
+                <a:solidFill>
+                  <a:schemeClr val="tx1"/>
+                </a:solidFill>
+                <a:latin typeface="Arial" charset="0"/>
+                <a:ea typeface="ＭＳ Ｐゴシック" pitchFamily="34" charset="-128"/>
+                <a:cs typeface="+mn-cs"/>
+              </a:defRPr>
+            </a:lvl7pPr>
+            <a:lvl8pPr marL="3200400" algn="l" defTabSz="914400" rtl="0" eaLnBrk="1" latinLnBrk="0" hangingPunct="1">
+              <a:defRPr kern="1200">
+                <a:solidFill>
+                  <a:schemeClr val="tx1"/>
+                </a:solidFill>
+                <a:latin typeface="Arial" charset="0"/>
+                <a:ea typeface="ＭＳ Ｐゴシック" pitchFamily="34" charset="-128"/>
+                <a:cs typeface="+mn-cs"/>
+              </a:defRPr>
+            </a:lvl8pPr>
+            <a:lvl9pPr marL="3657600" algn="l" defTabSz="914400" rtl="0" eaLnBrk="1" latinLnBrk="0" hangingPunct="1">
+              <a:defRPr kern="1200">
+                <a:solidFill>
+                  <a:schemeClr val="tx1"/>
+                </a:solidFill>
+                <a:latin typeface="Arial" charset="0"/>
+                <a:ea typeface="ＭＳ Ｐゴシック" pitchFamily="34" charset="-128"/>
+                <a:cs typeface="+mn-cs"/>
+              </a:defRPr>
+            </a:lvl9pPr>
+          </a:lstStyle>
+          <a:p>
+            <a:pPr marL="285750" indent="-285750" algn="just">
+              <a:buFont typeface="Arial"/>
+              <a:buChar char="•"/>
+            </a:pPr>
+            <a:r>
+              <a:rPr lang="fr-FR" sz="2000" b="1">
+                <a:latin typeface="Arial"/>
+                <a:ea typeface="ＭＳ Ｐゴシック"/>
+                <a:cs typeface="Arial"/>
+              </a:rPr>
+              <a:t>L'héritage en Java </a:t>
+            </a:r>
+            <a:r>
+              <a:rPr lang="fr-FR" sz="2000">
+                <a:latin typeface="Arial"/>
+                <a:ea typeface="ＭＳ Ｐゴシック"/>
+                <a:cs typeface="Arial"/>
+              </a:rPr>
+              <a:t>est un mécanisme dans lequel un objet acquiert toutes les propriétés et les fonctionnalités d'un autre Objet (parent)</a:t>
+            </a:r>
+          </a:p>
+          <a:p>
+            <a:pPr algn="just"/>
+            <a:endParaRPr lang="fr-FR" sz="2000">
+              <a:latin typeface="Arial"/>
+              <a:ea typeface="ＭＳ Ｐゴシック"/>
+              <a:cs typeface="Arial"/>
+            </a:endParaRPr>
+          </a:p>
+          <a:p>
+            <a:pPr marL="285750" indent="-285750" algn="just">
+              <a:buFont typeface="Arial"/>
+              <a:buChar char="•"/>
+            </a:pPr>
+            <a:r>
+              <a:rPr lang="fr-FR" sz="2000">
+                <a:latin typeface="Arial"/>
+                <a:ea typeface="ＭＳ Ｐゴシック"/>
+                <a:cs typeface="Arial"/>
+              </a:rPr>
+              <a:t>Il représente la relation "EST-UN" </a:t>
+            </a:r>
+          </a:p>
+          <a:p>
+            <a:pPr algn="l"/>
+            <a:endParaRPr lang="fr-FR" sz="2000">
+              <a:cs typeface="Arial"/>
+            </a:endParaRPr>
+          </a:p>
+        </p:txBody>
+      </p:sp>
+    </p:spTree>
+    <p:extLst>
+      <p:ext uri="{BB962C8B-B14F-4D97-AF65-F5344CB8AC3E}">
+        <p14:creationId xmlns:p14="http://schemas.microsoft.com/office/powerpoint/2010/main" val="3763186160"/>
+      </p:ext>
+    </p:extLst>
+  </p:cSld>
+  <p:clrMapOvr>
+    <a:masterClrMapping/>
+  </p:clrMapOvr>
+  <p:transition spd="slow">
+    <p:wipe/>
+  </p:transition>
+</p:sld>
+</file>
+
+<file path=ppt/slides/slide14.xml><?xml version="1.0" encoding="utf-8"?>
+<p:sld xmlns:a="http://schemas.openxmlformats.org/drawingml/2006/main" xmlns:r="http://schemas.openxmlformats.org/officeDocument/2006/relationships" xmlns:p="http://schemas.openxmlformats.org/presentationml/2006/main">
+  <p:cSld>
+    <p:spTree>
+      <p:nvGrpSpPr>
+        <p:cNvPr id="1" name=""/>
+        <p:cNvGrpSpPr/>
+        <p:nvPr/>
+      </p:nvGrpSpPr>
+      <p:grpSpPr>
+        <a:xfrm>
+          <a:off x="0" y="0"/>
+          <a:ext cx="0" cy="0"/>
+          <a:chOff x="0" y="0"/>
+          <a:chExt cx="0" cy="0"/>
+        </a:xfrm>
+      </p:grpSpPr>
+      <p:sp>
+        <p:nvSpPr>
+          <p:cNvPr id="2" name="Titre 1"/>
+          <p:cNvSpPr>
+            <a:spLocks noGrp="1"/>
+          </p:cNvSpPr>
+          <p:nvPr>
+            <p:ph type="title"/>
+          </p:nvPr>
+        </p:nvSpPr>
+        <p:spPr>
+          <a:xfrm>
+            <a:off x="749258" y="136590"/>
+            <a:ext cx="7933016" cy="648072"/>
+          </a:xfrm>
+        </p:spPr>
+        <p:txBody>
+          <a:bodyPr/>
+          <a:lstStyle/>
+          <a:p>
+            <a:r>
+              <a:rPr lang="fr-CA" sz="3600" cap="none" dirty="0">
+                <a:solidFill>
+                  <a:srgbClr val="FF0000"/>
+                </a:solidFill>
+                <a:cs typeface="Arial"/>
+              </a:rPr>
+              <a:t>HERITAGE</a:t>
+            </a:r>
+            <a:endParaRPr lang="fr-FR" dirty="0"/>
+          </a:p>
+        </p:txBody>
+      </p:sp>
+      <p:pic>
+        <p:nvPicPr>
+          <p:cNvPr id="3" name="Image 1"/>
+          <p:cNvPicPr>
+            <a:picLocks noChangeAspect="1"/>
+          </p:cNvPicPr>
+          <p:nvPr/>
+        </p:nvPicPr>
+        <p:blipFill>
+          <a:blip r:embed="rId2">
+            <a:extLst>
+              <a:ext uri="{28A0092B-C50C-407E-A947-70E740481C1C}">
+                <a14:useLocalDpi xmlns:a14="http://schemas.microsoft.com/office/drawing/2010/main" val="0"/>
+              </a:ext>
+            </a:extLst>
+          </a:blip>
+          <a:srcRect/>
+          <a:stretch>
+            <a:fillRect/>
+          </a:stretch>
+        </p:blipFill>
+        <p:spPr bwMode="auto">
+          <a:xfrm>
+            <a:off x="65088" y="6400800"/>
+            <a:ext cx="1554162" cy="396875"/>
+          </a:xfrm>
+          <a:prstGeom prst="rect">
+            <a:avLst/>
+          </a:prstGeom>
+          <a:noFill/>
+          <a:ln>
+            <a:noFill/>
+          </a:ln>
+          <a:extLst>
+            <a:ext uri="{909E8E84-426E-40DD-AFC4-6F175D3DCCD1}">
+              <a14:hiddenFill xmlns:a14="http://schemas.microsoft.com/office/drawing/2010/main">
+                <a:solidFill>
+                  <a:srgbClr val="FFFFFF"/>
+                </a:solidFill>
+              </a14:hiddenFill>
+            </a:ext>
+            <a:ext uri="{91240B29-F687-4F45-9708-019B960494DF}">
+              <a14:hiddenLine xmlns:a14="http://schemas.microsoft.com/office/drawing/2010/main" w="9525">
+                <a:solidFill>
+                  <a:srgbClr val="000000"/>
+                </a:solidFill>
+                <a:miter lim="800000"/>
+                <a:headEnd/>
+                <a:tailEnd/>
+              </a14:hiddenLine>
+            </a:ext>
+          </a:extLst>
+        </p:spPr>
+      </p:pic>
+      <p:sp>
+        <p:nvSpPr>
+          <p:cNvPr id="4" name="ZoneTexte 1">
+            <a:extLst>
+              <a:ext uri="{FF2B5EF4-FFF2-40B4-BE49-F238E27FC236}">
+                <a16:creationId xmlns:a16="http://schemas.microsoft.com/office/drawing/2014/main" id="{6FBAF6AD-566D-D62D-E726-2197DB60B739}"/>
+              </a:ext>
+            </a:extLst>
+          </p:cNvPr>
+          <p:cNvSpPr txBox="1"/>
+          <p:nvPr/>
+        </p:nvSpPr>
+        <p:spPr>
+          <a:xfrm>
+            <a:off x="893936" y="975740"/>
+            <a:ext cx="6396397" cy="461665"/>
+          </a:xfrm>
+          <a:prstGeom prst="rect">
+            <a:avLst/>
+          </a:prstGeom>
+          <a:noFill/>
+        </p:spPr>
+        <p:txBody>
+          <a:bodyPr rot="0" spcFirstLastPara="0" vert="horz" wrap="square" lIns="91440" tIns="45720" rIns="91440" bIns="45720" numCol="1" spcCol="0" rtlCol="0" fromWordArt="0" anchor="t" anchorCtr="0" forceAA="0" compatLnSpc="1">
+            <a:prstTxWarp prst="textNoShape">
+              <a:avLst/>
+            </a:prstTxWarp>
+            <a:spAutoFit/>
+          </a:bodyPr>
+          <a:lstStyle>
+            <a:defPPr>
+              <a:defRPr lang="fr-CA"/>
+            </a:defPPr>
+            <a:lvl1pPr algn="l" rtl="0" fontAlgn="base">
+              <a:spcBef>
+                <a:spcPct val="0"/>
+              </a:spcBef>
+              <a:spcAft>
+                <a:spcPct val="0"/>
+              </a:spcAft>
+              <a:defRPr kern="1200">
+                <a:solidFill>
+                  <a:schemeClr val="tx1"/>
+                </a:solidFill>
+                <a:latin typeface="Arial" charset="0"/>
+                <a:ea typeface="ＭＳ Ｐゴシック" pitchFamily="34" charset="-128"/>
+                <a:cs typeface="+mn-cs"/>
+              </a:defRPr>
+            </a:lvl1pPr>
+            <a:lvl2pPr marL="457200" algn="l" rtl="0" fontAlgn="base">
+              <a:spcBef>
+                <a:spcPct val="0"/>
+              </a:spcBef>
+              <a:spcAft>
+                <a:spcPct val="0"/>
+              </a:spcAft>
+              <a:defRPr kern="1200">
+                <a:solidFill>
+                  <a:schemeClr val="tx1"/>
+                </a:solidFill>
+                <a:latin typeface="Arial" charset="0"/>
+                <a:ea typeface="ＭＳ Ｐゴシック" pitchFamily="34" charset="-128"/>
+                <a:cs typeface="+mn-cs"/>
+              </a:defRPr>
+            </a:lvl2pPr>
+            <a:lvl3pPr marL="914400" algn="l" rtl="0" fontAlgn="base">
+              <a:spcBef>
+                <a:spcPct val="0"/>
+              </a:spcBef>
+              <a:spcAft>
+                <a:spcPct val="0"/>
+              </a:spcAft>
+              <a:defRPr kern="1200">
+                <a:solidFill>
+                  <a:schemeClr val="tx1"/>
+                </a:solidFill>
+                <a:latin typeface="Arial" charset="0"/>
+                <a:ea typeface="ＭＳ Ｐゴシック" pitchFamily="34" charset="-128"/>
+                <a:cs typeface="+mn-cs"/>
+              </a:defRPr>
+            </a:lvl3pPr>
+            <a:lvl4pPr marL="1371600" algn="l" rtl="0" fontAlgn="base">
+              <a:spcBef>
+                <a:spcPct val="0"/>
+              </a:spcBef>
+              <a:spcAft>
+                <a:spcPct val="0"/>
+              </a:spcAft>
+              <a:defRPr kern="1200">
+                <a:solidFill>
+                  <a:schemeClr val="tx1"/>
+                </a:solidFill>
+                <a:latin typeface="Arial" charset="0"/>
+                <a:ea typeface="ＭＳ Ｐゴシック" pitchFamily="34" charset="-128"/>
+                <a:cs typeface="+mn-cs"/>
+              </a:defRPr>
+            </a:lvl4pPr>
+            <a:lvl5pPr marL="1828800" algn="l" rtl="0" fontAlgn="base">
+              <a:spcBef>
+                <a:spcPct val="0"/>
+              </a:spcBef>
+              <a:spcAft>
+                <a:spcPct val="0"/>
+              </a:spcAft>
+              <a:defRPr kern="1200">
+                <a:solidFill>
+                  <a:schemeClr val="tx1"/>
+                </a:solidFill>
+                <a:latin typeface="Arial" charset="0"/>
+                <a:ea typeface="ＭＳ Ｐゴシック" pitchFamily="34" charset="-128"/>
+                <a:cs typeface="+mn-cs"/>
+              </a:defRPr>
+            </a:lvl5pPr>
+            <a:lvl6pPr marL="2286000" algn="l" defTabSz="914400" rtl="0" eaLnBrk="1" latinLnBrk="0" hangingPunct="1">
+              <a:defRPr kern="1200">
+                <a:solidFill>
+                  <a:schemeClr val="tx1"/>
+                </a:solidFill>
+                <a:latin typeface="Arial" charset="0"/>
+                <a:ea typeface="ＭＳ Ｐゴシック" pitchFamily="34" charset="-128"/>
+                <a:cs typeface="+mn-cs"/>
+              </a:defRPr>
+            </a:lvl6pPr>
+            <a:lvl7pPr marL="2743200" algn="l" defTabSz="914400" rtl="0" eaLnBrk="1" latinLnBrk="0" hangingPunct="1">
+              <a:defRPr kern="1200">
+                <a:solidFill>
+                  <a:schemeClr val="tx1"/>
+                </a:solidFill>
+                <a:latin typeface="Arial" charset="0"/>
+                <a:ea typeface="ＭＳ Ｐゴシック" pitchFamily="34" charset="-128"/>
+                <a:cs typeface="+mn-cs"/>
+              </a:defRPr>
+            </a:lvl7pPr>
+            <a:lvl8pPr marL="3200400" algn="l" defTabSz="914400" rtl="0" eaLnBrk="1" latinLnBrk="0" hangingPunct="1">
+              <a:defRPr kern="1200">
+                <a:solidFill>
+                  <a:schemeClr val="tx1"/>
+                </a:solidFill>
+                <a:latin typeface="Arial" charset="0"/>
+                <a:ea typeface="ＭＳ Ｐゴシック" pitchFamily="34" charset="-128"/>
+                <a:cs typeface="+mn-cs"/>
+              </a:defRPr>
+            </a:lvl8pPr>
+            <a:lvl9pPr marL="3657600" algn="l" defTabSz="914400" rtl="0" eaLnBrk="1" latinLnBrk="0" hangingPunct="1">
+              <a:defRPr kern="1200">
+                <a:solidFill>
+                  <a:schemeClr val="tx1"/>
+                </a:solidFill>
+                <a:latin typeface="Arial" charset="0"/>
+                <a:ea typeface="ＭＳ Ｐゴシック" pitchFamily="34" charset="-128"/>
+                <a:cs typeface="+mn-cs"/>
+              </a:defRPr>
+            </a:lvl9pPr>
+          </a:lstStyle>
+          <a:p>
+            <a:pPr marL="342900" indent="-342900" algn="just">
+              <a:buFont typeface="Wingdings"/>
+              <a:buChar char="q"/>
+            </a:pPr>
+            <a:r>
+              <a:rPr lang="fr-FR" sz="2400">
+                <a:solidFill>
+                  <a:srgbClr val="FF0000"/>
+                </a:solidFill>
+                <a:latin typeface="Arial"/>
+                <a:ea typeface="ＭＳ Ｐゴシック"/>
+                <a:cs typeface="Arial"/>
+              </a:rPr>
+              <a:t>Termes et mots clés utilisés dans Héritage</a:t>
+            </a:r>
+            <a:endParaRPr lang="fr-FR">
+              <a:solidFill>
+                <a:srgbClr val="FF0000"/>
+              </a:solidFill>
+            </a:endParaRPr>
+          </a:p>
+        </p:txBody>
+      </p:sp>
+      <p:sp>
+        <p:nvSpPr>
+          <p:cNvPr id="5" name="ZoneTexte 1">
+            <a:extLst>
+              <a:ext uri="{FF2B5EF4-FFF2-40B4-BE49-F238E27FC236}">
+                <a16:creationId xmlns:a16="http://schemas.microsoft.com/office/drawing/2014/main" id="{576EB206-1181-AE1D-1E92-54EAD694BFEC}"/>
+              </a:ext>
+            </a:extLst>
+          </p:cNvPr>
+          <p:cNvSpPr txBox="1"/>
+          <p:nvPr/>
+        </p:nvSpPr>
+        <p:spPr>
+          <a:xfrm>
+            <a:off x="1254821" y="2156248"/>
+            <a:ext cx="6436865" cy="2246769"/>
+          </a:xfrm>
+          <a:prstGeom prst="rect">
+            <a:avLst/>
+          </a:prstGeom>
+          <a:noFill/>
+        </p:spPr>
+        <p:txBody>
+          <a:bodyPr rot="0" spcFirstLastPara="0" vert="horz" wrap="square" lIns="91440" tIns="45720" rIns="91440" bIns="45720" numCol="1" spcCol="0" rtlCol="0" fromWordArt="0" anchor="t" anchorCtr="0" forceAA="0" compatLnSpc="1">
+            <a:prstTxWarp prst="textNoShape">
+              <a:avLst/>
+            </a:prstTxWarp>
+            <a:spAutoFit/>
+          </a:bodyPr>
+          <a:lstStyle>
+            <a:defPPr>
+              <a:defRPr lang="fr-CA"/>
+            </a:defPPr>
+            <a:lvl1pPr algn="l" rtl="0" fontAlgn="base">
+              <a:spcBef>
+                <a:spcPct val="0"/>
+              </a:spcBef>
+              <a:spcAft>
+                <a:spcPct val="0"/>
+              </a:spcAft>
+              <a:defRPr kern="1200">
+                <a:solidFill>
+                  <a:schemeClr val="tx1"/>
+                </a:solidFill>
+                <a:latin typeface="Arial" charset="0"/>
+                <a:ea typeface="ＭＳ Ｐゴシック" pitchFamily="34" charset="-128"/>
+                <a:cs typeface="+mn-cs"/>
+              </a:defRPr>
+            </a:lvl1pPr>
+            <a:lvl2pPr marL="457200" algn="l" rtl="0" fontAlgn="base">
+              <a:spcBef>
+                <a:spcPct val="0"/>
+              </a:spcBef>
+              <a:spcAft>
+                <a:spcPct val="0"/>
+              </a:spcAft>
+              <a:defRPr kern="1200">
+                <a:solidFill>
+                  <a:schemeClr val="tx1"/>
+                </a:solidFill>
+                <a:latin typeface="Arial" charset="0"/>
+                <a:ea typeface="ＭＳ Ｐゴシック" pitchFamily="34" charset="-128"/>
+                <a:cs typeface="+mn-cs"/>
+              </a:defRPr>
+            </a:lvl2pPr>
+            <a:lvl3pPr marL="914400" algn="l" rtl="0" fontAlgn="base">
+              <a:spcBef>
+                <a:spcPct val="0"/>
+              </a:spcBef>
+              <a:spcAft>
+                <a:spcPct val="0"/>
+              </a:spcAft>
+              <a:defRPr kern="1200">
+                <a:solidFill>
+                  <a:schemeClr val="tx1"/>
+                </a:solidFill>
+                <a:latin typeface="Arial" charset="0"/>
+                <a:ea typeface="ＭＳ Ｐゴシック" pitchFamily="34" charset="-128"/>
+                <a:cs typeface="+mn-cs"/>
+              </a:defRPr>
+            </a:lvl3pPr>
+            <a:lvl4pPr marL="1371600" algn="l" rtl="0" fontAlgn="base">
+              <a:spcBef>
+                <a:spcPct val="0"/>
+              </a:spcBef>
+              <a:spcAft>
+                <a:spcPct val="0"/>
+              </a:spcAft>
+              <a:defRPr kern="1200">
+                <a:solidFill>
+                  <a:schemeClr val="tx1"/>
+                </a:solidFill>
+                <a:latin typeface="Arial" charset="0"/>
+                <a:ea typeface="ＭＳ Ｐゴシック" pitchFamily="34" charset="-128"/>
+                <a:cs typeface="+mn-cs"/>
+              </a:defRPr>
+            </a:lvl4pPr>
+            <a:lvl5pPr marL="1828800" algn="l" rtl="0" fontAlgn="base">
+              <a:spcBef>
+                <a:spcPct val="0"/>
+              </a:spcBef>
+              <a:spcAft>
+                <a:spcPct val="0"/>
+              </a:spcAft>
+              <a:defRPr kern="1200">
+                <a:solidFill>
+                  <a:schemeClr val="tx1"/>
+                </a:solidFill>
+                <a:latin typeface="Arial" charset="0"/>
+                <a:ea typeface="ＭＳ Ｐゴシック" pitchFamily="34" charset="-128"/>
+                <a:cs typeface="+mn-cs"/>
+              </a:defRPr>
+            </a:lvl5pPr>
+            <a:lvl6pPr marL="2286000" algn="l" defTabSz="914400" rtl="0" eaLnBrk="1" latinLnBrk="0" hangingPunct="1">
+              <a:defRPr kern="1200">
+                <a:solidFill>
+                  <a:schemeClr val="tx1"/>
+                </a:solidFill>
+                <a:latin typeface="Arial" charset="0"/>
+                <a:ea typeface="ＭＳ Ｐゴシック" pitchFamily="34" charset="-128"/>
+                <a:cs typeface="+mn-cs"/>
+              </a:defRPr>
+            </a:lvl6pPr>
+            <a:lvl7pPr marL="2743200" algn="l" defTabSz="914400" rtl="0" eaLnBrk="1" latinLnBrk="0" hangingPunct="1">
+              <a:defRPr kern="1200">
+                <a:solidFill>
+                  <a:schemeClr val="tx1"/>
+                </a:solidFill>
+                <a:latin typeface="Arial" charset="0"/>
+                <a:ea typeface="ＭＳ Ｐゴシック" pitchFamily="34" charset="-128"/>
+                <a:cs typeface="+mn-cs"/>
+              </a:defRPr>
+            </a:lvl7pPr>
+            <a:lvl8pPr marL="3200400" algn="l" defTabSz="914400" rtl="0" eaLnBrk="1" latinLnBrk="0" hangingPunct="1">
+              <a:defRPr kern="1200">
+                <a:solidFill>
+                  <a:schemeClr val="tx1"/>
+                </a:solidFill>
+                <a:latin typeface="Arial" charset="0"/>
+                <a:ea typeface="ＭＳ Ｐゴシック" pitchFamily="34" charset="-128"/>
+                <a:cs typeface="+mn-cs"/>
+              </a:defRPr>
+            </a:lvl8pPr>
+            <a:lvl9pPr marL="3657600" algn="l" defTabSz="914400" rtl="0" eaLnBrk="1" latinLnBrk="0" hangingPunct="1">
+              <a:defRPr kern="1200">
+                <a:solidFill>
+                  <a:schemeClr val="tx1"/>
+                </a:solidFill>
+                <a:latin typeface="Arial" charset="0"/>
+                <a:ea typeface="ＭＳ Ｐゴシック" pitchFamily="34" charset="-128"/>
+                <a:cs typeface="+mn-cs"/>
+              </a:defRPr>
+            </a:lvl9pPr>
+          </a:lstStyle>
+          <a:p>
+            <a:pPr marL="285750" indent="-285750" algn="just">
+              <a:buFont typeface="Wingdings"/>
+              <a:buChar char="Ø"/>
+            </a:pPr>
+            <a:r>
+              <a:rPr lang="fr-FR" sz="2800" dirty="0">
+                <a:latin typeface="Arial"/>
+                <a:ea typeface="ＭＳ Ｐゴシック"/>
+                <a:cs typeface="Arial"/>
+              </a:rPr>
+              <a:t>Classe ;</a:t>
+            </a:r>
+          </a:p>
+          <a:p>
+            <a:pPr marL="285750" indent="-285750" algn="just">
+              <a:buFont typeface="Wingdings"/>
+              <a:buChar char="Ø"/>
+            </a:pPr>
+            <a:r>
+              <a:rPr lang="fr-FR" sz="2800" dirty="0">
+                <a:latin typeface="Arial"/>
+                <a:ea typeface="ＭＳ Ｐゴシック"/>
+                <a:cs typeface="Arial"/>
+              </a:rPr>
+              <a:t>Sous-classe/classe enfant ;</a:t>
+            </a:r>
+          </a:p>
+          <a:p>
+            <a:pPr marL="285750" indent="-285750" algn="just">
+              <a:buFont typeface="Wingdings"/>
+              <a:buChar char="Ø"/>
+            </a:pPr>
+            <a:r>
+              <a:rPr lang="fr-FR" sz="2800" dirty="0">
+                <a:latin typeface="Arial"/>
+                <a:ea typeface="ＭＳ Ｐゴシック"/>
+                <a:cs typeface="Arial"/>
+              </a:rPr>
+              <a:t>Super classe/classe parent ;</a:t>
+            </a:r>
+          </a:p>
+          <a:p>
+            <a:pPr marL="285750" indent="-285750" algn="just">
+              <a:buFont typeface="Wingdings"/>
+              <a:buChar char="Ø"/>
+            </a:pPr>
+            <a:r>
+              <a:rPr lang="fr-FR" sz="2800" dirty="0">
+                <a:latin typeface="Arial"/>
+                <a:ea typeface="ＭＳ Ｐゴシック"/>
+                <a:cs typeface="Arial"/>
+              </a:rPr>
+              <a:t>Réutilisabilité ;</a:t>
+            </a:r>
+          </a:p>
+          <a:p>
+            <a:pPr marL="285750" indent="-285750" algn="just">
+              <a:buFont typeface="Wingdings"/>
+              <a:buChar char="Ø"/>
+            </a:pPr>
+            <a:r>
+              <a:rPr lang="fr-FR" sz="2800" dirty="0">
+                <a:latin typeface="Arial"/>
+                <a:ea typeface="ＭＳ Ｐゴシック"/>
+                <a:cs typeface="Arial"/>
+              </a:rPr>
+              <a:t>Extends</a:t>
+            </a:r>
+            <a:endParaRPr lang="fr-FR" sz="2800" dirty="0">
+              <a:cs typeface="Arial"/>
+            </a:endParaRPr>
+          </a:p>
+        </p:txBody>
+      </p:sp>
+    </p:spTree>
+    <p:extLst>
+      <p:ext uri="{BB962C8B-B14F-4D97-AF65-F5344CB8AC3E}">
+        <p14:creationId xmlns:p14="http://schemas.microsoft.com/office/powerpoint/2010/main" val="1585625100"/>
+      </p:ext>
+    </p:extLst>
+  </p:cSld>
+  <p:clrMapOvr>
+    <a:masterClrMapping/>
+  </p:clrMapOvr>
+  <p:transition spd="slow">
+    <p:wipe/>
+  </p:transition>
+</p:sld>
+</file>
+
+<file path=ppt/slides/slide15.xml><?xml version="1.0" encoding="utf-8"?>
+<p:sld xmlns:a="http://schemas.openxmlformats.org/drawingml/2006/main" xmlns:r="http://schemas.openxmlformats.org/officeDocument/2006/relationships" xmlns:p="http://schemas.openxmlformats.org/presentationml/2006/main">
+  <p:cSld>
+    <p:spTree>
+      <p:nvGrpSpPr>
+        <p:cNvPr id="1" name=""/>
+        <p:cNvGrpSpPr/>
+        <p:nvPr/>
+      </p:nvGrpSpPr>
+      <p:grpSpPr>
+        <a:xfrm>
+          <a:off x="0" y="0"/>
+          <a:ext cx="0" cy="0"/>
+          <a:chOff x="0" y="0"/>
+          <a:chExt cx="0" cy="0"/>
+        </a:xfrm>
+      </p:grpSpPr>
+      <p:sp>
+        <p:nvSpPr>
+          <p:cNvPr id="2" name="Titre 1"/>
+          <p:cNvSpPr>
+            <a:spLocks noGrp="1"/>
+          </p:cNvSpPr>
+          <p:nvPr>
+            <p:ph type="title"/>
+          </p:nvPr>
+        </p:nvSpPr>
+        <p:spPr>
+          <a:xfrm>
+            <a:off x="749258" y="136590"/>
+            <a:ext cx="7933016" cy="648072"/>
+          </a:xfrm>
+        </p:spPr>
+        <p:txBody>
+          <a:bodyPr/>
+          <a:lstStyle/>
+          <a:p>
+            <a:r>
+              <a:rPr lang="fr-CA" sz="3600" cap="none">
+                <a:solidFill>
+                  <a:srgbClr val="FF0000"/>
+                </a:solidFill>
+                <a:cs typeface="Arial"/>
+              </a:rPr>
+              <a:t>HERITAGE </a:t>
+            </a:r>
+            <a:endParaRPr lang="fr-FR"/>
+          </a:p>
+        </p:txBody>
+      </p:sp>
+      <p:pic>
+        <p:nvPicPr>
+          <p:cNvPr id="3" name="Image 1"/>
+          <p:cNvPicPr>
+            <a:picLocks noChangeAspect="1"/>
+          </p:cNvPicPr>
+          <p:nvPr/>
+        </p:nvPicPr>
+        <p:blipFill>
+          <a:blip r:embed="rId2">
+            <a:extLst>
+              <a:ext uri="{28A0092B-C50C-407E-A947-70E740481C1C}">
+                <a14:useLocalDpi xmlns:a14="http://schemas.microsoft.com/office/drawing/2010/main" val="0"/>
+              </a:ext>
+            </a:extLst>
+          </a:blip>
+          <a:srcRect/>
+          <a:stretch>
+            <a:fillRect/>
+          </a:stretch>
+        </p:blipFill>
+        <p:spPr bwMode="auto">
+          <a:xfrm>
+            <a:off x="65088" y="6400800"/>
+            <a:ext cx="1554162" cy="396875"/>
+          </a:xfrm>
+          <a:prstGeom prst="rect">
+            <a:avLst/>
+          </a:prstGeom>
+          <a:noFill/>
+          <a:ln>
+            <a:noFill/>
+          </a:ln>
+          <a:extLst>
+            <a:ext uri="{909E8E84-426E-40DD-AFC4-6F175D3DCCD1}">
+              <a14:hiddenFill xmlns:a14="http://schemas.microsoft.com/office/drawing/2010/main">
+                <a:solidFill>
+                  <a:srgbClr val="FFFFFF"/>
+                </a:solidFill>
+              </a14:hiddenFill>
+            </a:ext>
+            <a:ext uri="{91240B29-F687-4F45-9708-019B960494DF}">
+              <a14:hiddenLine xmlns:a14="http://schemas.microsoft.com/office/drawing/2010/main" w="9525">
+                <a:solidFill>
+                  <a:srgbClr val="000000"/>
+                </a:solidFill>
+                <a:miter lim="800000"/>
+                <a:headEnd/>
+                <a:tailEnd/>
+              </a14:hiddenLine>
+            </a:ext>
+          </a:extLst>
+        </p:spPr>
+      </p:pic>
+      <p:sp>
+        <p:nvSpPr>
+          <p:cNvPr id="6" name="ZoneTexte 5">
+            <a:extLst>
+              <a:ext uri="{FF2B5EF4-FFF2-40B4-BE49-F238E27FC236}">
+                <a16:creationId xmlns:a16="http://schemas.microsoft.com/office/drawing/2014/main" id="{B2F8B59F-B102-7155-58EA-6E5E871649E6}"/>
+              </a:ext>
+            </a:extLst>
+          </p:cNvPr>
+          <p:cNvSpPr txBox="1"/>
+          <p:nvPr/>
+        </p:nvSpPr>
+        <p:spPr>
+          <a:xfrm>
+            <a:off x="1035727" y="933600"/>
+            <a:ext cx="2165985" cy="830997"/>
+          </a:xfrm>
+          <a:prstGeom prst="rect">
+            <a:avLst/>
+          </a:prstGeom>
+          <a:noFill/>
+        </p:spPr>
+        <p:txBody>
+          <a:bodyPr rot="0" spcFirstLastPara="0" vertOverflow="overflow" horzOverflow="overflow" vert="horz" wrap="square" lIns="91440" tIns="45720" rIns="91440" bIns="45720" numCol="1" spcCol="0" rtlCol="0" fromWordArt="0" anchor="t" anchorCtr="0" forceAA="0" compatLnSpc="1">
+            <a:prstTxWarp prst="textNoShape">
+              <a:avLst/>
+            </a:prstTxWarp>
+            <a:spAutoFit/>
+          </a:bodyPr>
+          <a:lstStyle/>
+          <a:p>
+            <a:pPr marL="342900" indent="-342900" algn="just">
+              <a:buFont typeface="Wingdings"/>
+              <a:buChar char="q"/>
+            </a:pPr>
+            <a:r>
+              <a:rPr lang="fr-FR" sz="2400">
+                <a:solidFill>
+                  <a:srgbClr val="FF0000"/>
+                </a:solidFill>
+                <a:latin typeface="Arial"/>
+                <a:ea typeface="ＭＳ Ｐゴシック"/>
+                <a:cs typeface="Arial"/>
+              </a:rPr>
+              <a:t>Exemples</a:t>
+            </a:r>
+            <a:endParaRPr lang="fr-FR" sz="2400">
+              <a:solidFill>
+                <a:srgbClr val="FF0000"/>
+              </a:solidFill>
+              <a:cs typeface="Arial"/>
+            </a:endParaRPr>
+          </a:p>
+          <a:p>
+            <a:endParaRPr lang="fr-FR" sz="2400">
+              <a:latin typeface="Helvetica"/>
+              <a:cs typeface="Helvetica"/>
+            </a:endParaRPr>
+          </a:p>
+        </p:txBody>
+      </p:sp>
+      <p:pic>
+        <p:nvPicPr>
+          <p:cNvPr id="7" name="Image 7">
+            <a:extLst>
+              <a:ext uri="{FF2B5EF4-FFF2-40B4-BE49-F238E27FC236}">
+                <a16:creationId xmlns:a16="http://schemas.microsoft.com/office/drawing/2014/main" id="{88D4FBAA-A6B5-685A-5648-96F5CF9E2B68}"/>
+              </a:ext>
+            </a:extLst>
+          </p:cNvPr>
+          <p:cNvPicPr>
+            <a:picLocks noChangeAspect="1"/>
+          </p:cNvPicPr>
+          <p:nvPr/>
+        </p:nvPicPr>
+        <p:blipFill>
+          <a:blip r:embed="rId3"/>
+          <a:stretch>
+            <a:fillRect/>
+          </a:stretch>
+        </p:blipFill>
+        <p:spPr>
+          <a:xfrm>
+            <a:off x="657554" y="1464385"/>
+            <a:ext cx="4557547" cy="4927710"/>
+          </a:xfrm>
+          <a:prstGeom prst="rect">
+            <a:avLst/>
+          </a:prstGeom>
+        </p:spPr>
+      </p:pic>
+      <p:pic>
+        <p:nvPicPr>
+          <p:cNvPr id="8" name="Image 8" descr="Une image contenant texte&#10;&#10;Description générée automatiquement">
+            <a:extLst>
+              <a:ext uri="{FF2B5EF4-FFF2-40B4-BE49-F238E27FC236}">
+                <a16:creationId xmlns:a16="http://schemas.microsoft.com/office/drawing/2014/main" id="{7F1C38C8-E505-1C19-3664-23B6D1C301A9}"/>
+              </a:ext>
+            </a:extLst>
+          </p:cNvPr>
+          <p:cNvPicPr>
+            <a:picLocks noChangeAspect="1"/>
+          </p:cNvPicPr>
+          <p:nvPr/>
+        </p:nvPicPr>
+        <p:blipFill>
+          <a:blip r:embed="rId4"/>
+          <a:stretch>
+            <a:fillRect/>
+          </a:stretch>
+        </p:blipFill>
+        <p:spPr>
+          <a:xfrm>
+            <a:off x="5553076" y="1642735"/>
+            <a:ext cx="3227332" cy="4544738"/>
+          </a:xfrm>
+          <a:prstGeom prst="rect">
+            <a:avLst/>
+          </a:prstGeom>
+        </p:spPr>
+      </p:pic>
+    </p:spTree>
+    <p:extLst>
+      <p:ext uri="{BB962C8B-B14F-4D97-AF65-F5344CB8AC3E}">
+        <p14:creationId xmlns:p14="http://schemas.microsoft.com/office/powerpoint/2010/main" val="1523262016"/>
+      </p:ext>
+    </p:extLst>
+  </p:cSld>
+  <p:clrMapOvr>
+    <a:masterClrMapping/>
+  </p:clrMapOvr>
+  <p:transition spd="slow">
+    <p:wipe/>
+  </p:transition>
+</p:sld>
+</file>
+
+<file path=ppt/slides/slide16.xml><?xml version="1.0" encoding="utf-8"?>
+<p:sld xmlns:a="http://schemas.openxmlformats.org/drawingml/2006/main" xmlns:r="http://schemas.openxmlformats.org/officeDocument/2006/relationships" xmlns:p="http://schemas.openxmlformats.org/presentationml/2006/main">
+  <p:cSld>
+    <p:spTree>
+      <p:nvGrpSpPr>
+        <p:cNvPr id="1" name=""/>
+        <p:cNvGrpSpPr/>
+        <p:nvPr/>
+      </p:nvGrpSpPr>
+      <p:grpSpPr>
+        <a:xfrm>
+          <a:off x="0" y="0"/>
+          <a:ext cx="0" cy="0"/>
+          <a:chOff x="0" y="0"/>
+          <a:chExt cx="0" cy="0"/>
+        </a:xfrm>
+      </p:grpSpPr>
+      <p:sp>
+        <p:nvSpPr>
           <p:cNvPr id="4" name="Titre 3"/>
           <p:cNvSpPr>
             <a:spLocks noGrp="1"/>
@@ -4655,7 +5932,7 @@
 </p:sld>
 </file>
 
-<file path=ppt/slides/slide14.xml><?xml version="1.0" encoding="utf-8"?>
+<file path=ppt/slides/slide17.xml><?xml version="1.0" encoding="utf-8"?>
 <p:sld xmlns:a="http://schemas.openxmlformats.org/drawingml/2006/main" xmlns:r="http://schemas.openxmlformats.org/officeDocument/2006/relationships" xmlns:p="http://schemas.openxmlformats.org/presentationml/2006/main">
   <p:cSld>
     <p:spTree>

--- a/java-oop latest.pptx
+++ b/java-oop latest.pptx
@@ -5,10 +5,10 @@
     <p:sldMasterId id="2147483650" r:id="rId1"/>
   </p:sldMasterIdLst>
   <p:notesMasterIdLst>
-    <p:notesMasterId r:id="rId19"/>
+    <p:notesMasterId r:id="rId21"/>
   </p:notesMasterIdLst>
   <p:handoutMasterIdLst>
-    <p:handoutMasterId r:id="rId20"/>
+    <p:handoutMasterId r:id="rId22"/>
   </p:handoutMasterIdLst>
   <p:sldIdLst>
     <p:sldId id="256" r:id="rId2"/>
@@ -26,8 +26,10 @@
     <p:sldId id="378" r:id="rId14"/>
     <p:sldId id="379" r:id="rId15"/>
     <p:sldId id="381" r:id="rId16"/>
-    <p:sldId id="366" r:id="rId17"/>
-    <p:sldId id="345" r:id="rId18"/>
+    <p:sldId id="382" r:id="rId17"/>
+    <p:sldId id="383" r:id="rId18"/>
+    <p:sldId id="366" r:id="rId19"/>
+    <p:sldId id="345" r:id="rId20"/>
   </p:sldIdLst>
   <p:sldSz cx="9144000" cy="6858000" type="screen4x3"/>
   <p:notesSz cx="7010400" cy="9296400"/>
@@ -186,7 +188,7 @@
     <p1510:client id="{22B0A339-FF1B-4DE5-A87E-38A812B5531B}" v="181" dt="2022-08-11T10:21:32.619"/>
     <p1510:client id="{3041C01C-36D9-4668-959E-E05AB73D87E7}" v="71" dt="2022-08-18T10:51:23.798"/>
     <p1510:client id="{3C8466A4-5C93-4E44-BBD9-78E05F92B964}" v="64" dt="2022-08-17T16:02:16.582"/>
-    <p1510:client id="{3E691BBC-5168-424C-B8A8-FE14B3E54A46}" v="71" dt="2022-08-18T13:06:30.251"/>
+    <p1510:client id="{3E691BBC-5168-424C-B8A8-FE14B3E54A46}" v="726" dt="2022-08-18T14:10:59.531"/>
     <p1510:client id="{4A4B7DD8-6C49-438C-83AB-13A6DC5C1A94}" v="4875" dt="2022-07-20T17:10:01.006"/>
     <p1510:client id="{72D5D6BA-D37D-4C0A-ADD6-A22169968FF6}" v="190" dt="2022-08-17T12:51:47.509"/>
     <p1510:client id="{88C564CE-DE1A-463A-8011-0D3EFC446075}" v="313" dt="2022-08-10T09:42:20.319"/>
@@ -5814,6 +5816,1532 @@
       </p:grpSpPr>
       <p:sp>
         <p:nvSpPr>
+          <p:cNvPr id="2" name="Titre 1"/>
+          <p:cNvSpPr>
+            <a:spLocks noGrp="1"/>
+          </p:cNvSpPr>
+          <p:nvPr>
+            <p:ph type="title"/>
+          </p:nvPr>
+        </p:nvSpPr>
+        <p:spPr>
+          <a:xfrm>
+            <a:off x="749258" y="136590"/>
+            <a:ext cx="7933016" cy="648072"/>
+          </a:xfrm>
+        </p:spPr>
+        <p:txBody>
+          <a:bodyPr/>
+          <a:lstStyle/>
+          <a:p>
+            <a:r>
+              <a:rPr lang="fr-CA" sz="3600" cap="none">
+                <a:solidFill>
+                  <a:srgbClr val="FF0000"/>
+                </a:solidFill>
+                <a:cs typeface="Arial"/>
+              </a:rPr>
+              <a:t>HERITAGE </a:t>
+            </a:r>
+            <a:endParaRPr lang="fr-FR"/>
+          </a:p>
+        </p:txBody>
+      </p:sp>
+      <p:pic>
+        <p:nvPicPr>
+          <p:cNvPr id="3" name="Image 1"/>
+          <p:cNvPicPr>
+            <a:picLocks noChangeAspect="1"/>
+          </p:cNvPicPr>
+          <p:nvPr/>
+        </p:nvPicPr>
+        <p:blipFill>
+          <a:blip r:embed="rId2">
+            <a:extLst>
+              <a:ext uri="{28A0092B-C50C-407E-A947-70E740481C1C}">
+                <a14:useLocalDpi xmlns:a14="http://schemas.microsoft.com/office/drawing/2010/main" val="0"/>
+              </a:ext>
+            </a:extLst>
+          </a:blip>
+          <a:srcRect/>
+          <a:stretch>
+            <a:fillRect/>
+          </a:stretch>
+        </p:blipFill>
+        <p:spPr bwMode="auto">
+          <a:xfrm>
+            <a:off x="65088" y="6400800"/>
+            <a:ext cx="1554162" cy="396875"/>
+          </a:xfrm>
+          <a:prstGeom prst="rect">
+            <a:avLst/>
+          </a:prstGeom>
+          <a:noFill/>
+          <a:ln>
+            <a:noFill/>
+          </a:ln>
+          <a:extLst>
+            <a:ext uri="{909E8E84-426E-40DD-AFC4-6F175D3DCCD1}">
+              <a14:hiddenFill xmlns:a14="http://schemas.microsoft.com/office/drawing/2010/main">
+                <a:solidFill>
+                  <a:srgbClr val="FFFFFF"/>
+                </a:solidFill>
+              </a14:hiddenFill>
+            </a:ext>
+            <a:ext uri="{91240B29-F687-4F45-9708-019B960494DF}">
+              <a14:hiddenLine xmlns:a14="http://schemas.microsoft.com/office/drawing/2010/main" w="9525">
+                <a:solidFill>
+                  <a:srgbClr val="000000"/>
+                </a:solidFill>
+                <a:miter lim="800000"/>
+                <a:headEnd/>
+                <a:tailEnd/>
+              </a14:hiddenLine>
+            </a:ext>
+          </a:extLst>
+        </p:spPr>
+      </p:pic>
+      <p:sp>
+        <p:nvSpPr>
+          <p:cNvPr id="6" name="ZoneTexte 5">
+            <a:extLst>
+              <a:ext uri="{FF2B5EF4-FFF2-40B4-BE49-F238E27FC236}">
+                <a16:creationId xmlns:a16="http://schemas.microsoft.com/office/drawing/2014/main" id="{B2F8B59F-B102-7155-58EA-6E5E871649E6}"/>
+              </a:ext>
+            </a:extLst>
+          </p:cNvPr>
+          <p:cNvSpPr txBox="1"/>
+          <p:nvPr/>
+        </p:nvSpPr>
+        <p:spPr>
+          <a:xfrm>
+            <a:off x="1035727" y="933600"/>
+            <a:ext cx="2165985" cy="830997"/>
+          </a:xfrm>
+          <a:prstGeom prst="rect">
+            <a:avLst/>
+          </a:prstGeom>
+          <a:noFill/>
+        </p:spPr>
+        <p:txBody>
+          <a:bodyPr rot="0" spcFirstLastPara="0" vertOverflow="overflow" horzOverflow="overflow" vert="horz" wrap="square" lIns="91440" tIns="45720" rIns="91440" bIns="45720" numCol="1" spcCol="0" rtlCol="0" fromWordArt="0" anchor="t" anchorCtr="0" forceAA="0" compatLnSpc="1">
+            <a:prstTxWarp prst="textNoShape">
+              <a:avLst/>
+            </a:prstTxWarp>
+            <a:spAutoFit/>
+          </a:bodyPr>
+          <a:lstStyle/>
+          <a:p>
+            <a:pPr marL="342900" indent="-342900" algn="just">
+              <a:buFont typeface="Wingdings"/>
+              <a:buChar char="q"/>
+            </a:pPr>
+            <a:r>
+              <a:rPr lang="fr-FR" sz="2400" dirty="0">
+                <a:solidFill>
+                  <a:srgbClr val="FF0000"/>
+                </a:solidFill>
+                <a:latin typeface="Arial"/>
+                <a:ea typeface="ＭＳ Ｐゴシック"/>
+                <a:cs typeface="Arial"/>
+              </a:rPr>
+              <a:t>Syntaxe</a:t>
+            </a:r>
+            <a:endParaRPr lang="fr-FR" sz="2400" dirty="0">
+              <a:solidFill>
+                <a:srgbClr val="FF0000"/>
+              </a:solidFill>
+              <a:cs typeface="Arial"/>
+            </a:endParaRPr>
+          </a:p>
+          <a:p>
+            <a:endParaRPr lang="fr-FR" sz="2400">
+              <a:latin typeface="Helvetica"/>
+              <a:cs typeface="Helvetica"/>
+            </a:endParaRPr>
+          </a:p>
+        </p:txBody>
+      </p:sp>
+      <p:graphicFrame>
+        <p:nvGraphicFramePr>
+          <p:cNvPr id="4" name="Tableau 4">
+            <a:extLst>
+              <a:ext uri="{FF2B5EF4-FFF2-40B4-BE49-F238E27FC236}">
+                <a16:creationId xmlns:a16="http://schemas.microsoft.com/office/drawing/2014/main" id="{C1B34EE6-CBC9-1010-FADE-D37F38E84725}"/>
+              </a:ext>
+            </a:extLst>
+          </p:cNvPr>
+          <p:cNvGraphicFramePr>
+            <a:graphicFrameLocks noGrp="1"/>
+          </p:cNvGraphicFramePr>
+          <p:nvPr>
+            <p:extLst>
+              <p:ext uri="{D42A27DB-BD31-4B8C-83A1-F6EECF244321}">
+                <p14:modId xmlns:p14="http://schemas.microsoft.com/office/powerpoint/2010/main" val="2512080169"/>
+              </p:ext>
+            </p:extLst>
+          </p:nvPr>
+        </p:nvGraphicFramePr>
+        <p:xfrm>
+          <a:off x="1315370" y="1839100"/>
+          <a:ext cx="6250530" cy="3931920"/>
+        </p:xfrm>
+        <a:graphic>
+          <a:graphicData uri="http://schemas.openxmlformats.org/drawingml/2006/table">
+            <a:tbl>
+              <a:tblPr firstRow="1" bandRow="1">
+                <a:tableStyleId>{5C22544A-7EE6-4342-B048-85BDC9FD1C3A}</a:tableStyleId>
+              </a:tblPr>
+              <a:tblGrid>
+                <a:gridCol w="6250530">
+                  <a:extLst>
+                    <a:ext uri="{9D8B030D-6E8A-4147-A177-3AD203B41FA5}">
+                      <a16:colId xmlns:a16="http://schemas.microsoft.com/office/drawing/2014/main" val="2502537242"/>
+                    </a:ext>
+                  </a:extLst>
+                </a:gridCol>
+              </a:tblGrid>
+              <a:tr h="1064561">
+                <a:tc>
+                  <a:txBody>
+                    <a:bodyPr/>
+                    <a:lstStyle/>
+                    <a:p>
+                      <a:r>
+                        <a:rPr lang="fr-FR" sz="2800" dirty="0">
+                          <a:solidFill>
+                            <a:srgbClr val="FF0000"/>
+                          </a:solidFill>
+                        </a:rPr>
+                        <a:t>class </a:t>
+                      </a:r>
+                      <a:r>
+                        <a:rPr lang="fr-FR" sz="2800" dirty="0"/>
+                        <a:t>Moto </a:t>
+                      </a:r>
+                      <a:r>
+                        <a:rPr lang="fr-FR" sz="2800" dirty="0" err="1">
+                          <a:solidFill>
+                            <a:srgbClr val="FF0000"/>
+                          </a:solidFill>
+                        </a:rPr>
+                        <a:t>extends</a:t>
+                      </a:r>
+                      <a:r>
+                        <a:rPr lang="fr-FR" sz="2800" dirty="0">
+                          <a:solidFill>
+                            <a:srgbClr val="FF0000"/>
+                          </a:solidFill>
+                        </a:rPr>
+                        <a:t> </a:t>
+                      </a:r>
+                      <a:r>
+                        <a:rPr lang="fr-FR" sz="2800" dirty="0" err="1"/>
+                        <a:t>Vehicule</a:t>
+                      </a:r>
+                      <a:r>
+                        <a:rPr lang="fr-FR" sz="2800" dirty="0"/>
+                        <a:t> {</a:t>
+                      </a:r>
+                    </a:p>
+                    <a:p>
+                      <a:pPr lvl="0">
+                        <a:buNone/>
+                      </a:pPr>
+                      <a:endParaRPr lang="fr-FR" sz="2800" dirty="0"/>
+                    </a:p>
+                    <a:p>
+                      <a:pPr lvl="0">
+                        <a:buNone/>
+                      </a:pPr>
+                      <a:endParaRPr lang="fr-FR" sz="2800" dirty="0"/>
+                    </a:p>
+                    <a:p>
+                      <a:pPr lvl="0">
+                        <a:buNone/>
+                      </a:pPr>
+                      <a:r>
+                        <a:rPr lang="fr-FR" sz="2800" dirty="0"/>
+                        <a:t>}</a:t>
+                      </a:r>
+                    </a:p>
+                    <a:p>
+                      <a:pPr lvl="0">
+                        <a:buNone/>
+                      </a:pPr>
+                      <a:endParaRPr lang="fr-FR" sz="2800" dirty="0"/>
+                    </a:p>
+                    <a:p>
+                      <a:pPr lvl="0">
+                        <a:buNone/>
+                      </a:pPr>
+                      <a:r>
+                        <a:rPr lang="fr-FR" sz="2800" b="1" i="0" u="none" strike="noStrike" noProof="0" dirty="0">
+                          <a:solidFill>
+                            <a:srgbClr val="FF0000"/>
+                          </a:solidFill>
+                          <a:latin typeface="Trebuchet MS"/>
+                        </a:rPr>
+                        <a:t>class </a:t>
+                      </a:r>
+                      <a:r>
+                        <a:rPr lang="fr-FR" sz="2800" b="1" i="0" u="none" strike="noStrike" noProof="0" dirty="0">
+                          <a:latin typeface="Trebuchet MS"/>
+                        </a:rPr>
+                        <a:t>Voiture  </a:t>
+                      </a:r>
+                      <a:r>
+                        <a:rPr lang="fr-FR" sz="2800" b="1" i="0" u="none" strike="noStrike" noProof="0" err="1">
+                          <a:solidFill>
+                            <a:srgbClr val="FF0000"/>
+                          </a:solidFill>
+                          <a:latin typeface="Trebuchet MS"/>
+                        </a:rPr>
+                        <a:t>extends</a:t>
+                      </a:r>
+                      <a:r>
+                        <a:rPr lang="fr-FR" sz="2800" b="1" i="0" u="none" strike="noStrike" noProof="0" dirty="0">
+                          <a:solidFill>
+                            <a:srgbClr val="FF0000"/>
+                          </a:solidFill>
+                          <a:latin typeface="Trebuchet MS"/>
+                        </a:rPr>
+                        <a:t> </a:t>
+                      </a:r>
+                      <a:r>
+                        <a:rPr lang="fr-FR" sz="2800" b="1" i="0" u="none" strike="noStrike" noProof="0" err="1">
+                          <a:latin typeface="Trebuchet MS"/>
+                        </a:rPr>
+                        <a:t>Vehicule</a:t>
+                      </a:r>
+                      <a:r>
+                        <a:rPr lang="fr-FR" sz="2800" b="1" i="0" u="none" strike="noStrike" noProof="0" dirty="0">
+                          <a:latin typeface="Trebuchet MS"/>
+                        </a:rPr>
+                        <a:t> {</a:t>
+                      </a:r>
+                      <a:endParaRPr lang="en-US" sz="2800" b="1" i="0" u="none" strike="noStrike" noProof="0">
+                        <a:latin typeface="Trebuchet MS"/>
+                      </a:endParaRPr>
+                    </a:p>
+                    <a:p>
+                      <a:pPr lvl="0">
+                        <a:buNone/>
+                      </a:pPr>
+                      <a:endParaRPr lang="fr-FR" sz="2800" b="1" i="0" u="none" strike="noStrike" noProof="0" dirty="0">
+                        <a:latin typeface="Trebuchet MS"/>
+                      </a:endParaRPr>
+                    </a:p>
+                    <a:p>
+                      <a:pPr lvl="0">
+                        <a:buNone/>
+                      </a:pPr>
+                      <a:endParaRPr lang="fr-FR" sz="2800" b="1" i="0" u="none" strike="noStrike" noProof="0" dirty="0">
+                        <a:latin typeface="Trebuchet MS"/>
+                      </a:endParaRPr>
+                    </a:p>
+                    <a:p>
+                      <a:pPr lvl="0">
+                        <a:buNone/>
+                      </a:pPr>
+                      <a:r>
+                        <a:rPr lang="fr-FR" sz="2800" b="1" i="0" u="none" strike="noStrike" noProof="0" dirty="0">
+                          <a:latin typeface="Trebuchet MS"/>
+                        </a:rPr>
+                        <a:t>}</a:t>
+                      </a:r>
+                      <a:endParaRPr lang="fr-FR" sz="2800" dirty="0"/>
+                    </a:p>
+                  </a:txBody>
+                  <a:tcPr>
+                    <a:solidFill>
+                      <a:schemeClr val="tx1"/>
+                    </a:solidFill>
+                  </a:tcPr>
+                </a:tc>
+                <a:extLst>
+                  <a:ext uri="{0D108BD9-81ED-4DB2-BD59-A6C34878D82A}">
+                    <a16:rowId xmlns:a16="http://schemas.microsoft.com/office/drawing/2014/main" val="2272858583"/>
+                  </a:ext>
+                </a:extLst>
+              </a:tr>
+            </a:tbl>
+          </a:graphicData>
+        </a:graphic>
+      </p:graphicFrame>
+    </p:spTree>
+    <p:extLst>
+      <p:ext uri="{BB962C8B-B14F-4D97-AF65-F5344CB8AC3E}">
+        <p14:creationId xmlns:p14="http://schemas.microsoft.com/office/powerpoint/2010/main" val="2229312640"/>
+      </p:ext>
+    </p:extLst>
+  </p:cSld>
+  <p:clrMapOvr>
+    <a:masterClrMapping/>
+  </p:clrMapOvr>
+  <p:transition spd="slow">
+    <p:wipe/>
+  </p:transition>
+</p:sld>
+</file>
+
+<file path=ppt/slides/slide17.xml><?xml version="1.0" encoding="utf-8"?>
+<p:sld xmlns:a="http://schemas.openxmlformats.org/drawingml/2006/main" xmlns:r="http://schemas.openxmlformats.org/officeDocument/2006/relationships" xmlns:p="http://schemas.openxmlformats.org/presentationml/2006/main">
+  <p:cSld>
+    <p:spTree>
+      <p:nvGrpSpPr>
+        <p:cNvPr id="1" name=""/>
+        <p:cNvGrpSpPr/>
+        <p:nvPr/>
+      </p:nvGrpSpPr>
+      <p:grpSpPr>
+        <a:xfrm>
+          <a:off x="0" y="0"/>
+          <a:ext cx="0" cy="0"/>
+          <a:chOff x="0" y="0"/>
+          <a:chExt cx="0" cy="0"/>
+        </a:xfrm>
+      </p:grpSpPr>
+      <p:sp>
+        <p:nvSpPr>
+          <p:cNvPr id="2" name="Titre 1"/>
+          <p:cNvSpPr>
+            <a:spLocks noGrp="1"/>
+          </p:cNvSpPr>
+          <p:nvPr>
+            <p:ph type="title"/>
+          </p:nvPr>
+        </p:nvSpPr>
+        <p:spPr/>
+        <p:txBody>
+          <a:bodyPr/>
+          <a:lstStyle/>
+          <a:p>
+            <a:r>
+              <a:rPr lang="fr-CA" sz="3600" cap="none" dirty="0">
+                <a:solidFill>
+                  <a:srgbClr val="FF0000"/>
+                </a:solidFill>
+                <a:cs typeface="Arial"/>
+              </a:rPr>
+              <a:t>HERITAGE </a:t>
+            </a:r>
+            <a:endParaRPr lang="fr-FR" dirty="0"/>
+          </a:p>
+        </p:txBody>
+      </p:sp>
+      <p:sp>
+        <p:nvSpPr>
+          <p:cNvPr id="12" name="Espace réservé du contenu 11">
+            <a:extLst>
+              <a:ext uri="{FF2B5EF4-FFF2-40B4-BE49-F238E27FC236}">
+                <a16:creationId xmlns:a16="http://schemas.microsoft.com/office/drawing/2014/main" id="{2257AA88-E51B-077F-4414-A752F4C240A8}"/>
+              </a:ext>
+            </a:extLst>
+          </p:cNvPr>
+          <p:cNvSpPr>
+            <a:spLocks noGrp="1"/>
+          </p:cNvSpPr>
+          <p:nvPr>
+            <p:ph sz="half" idx="1"/>
+          </p:nvPr>
+        </p:nvSpPr>
+        <p:spPr/>
+        <p:style>
+          <a:lnRef idx="1">
+            <a:schemeClr val="accent6"/>
+          </a:lnRef>
+          <a:fillRef idx="2">
+            <a:schemeClr val="accent6"/>
+          </a:fillRef>
+          <a:effectRef idx="1">
+            <a:schemeClr val="accent6"/>
+          </a:effectRef>
+          <a:fontRef idx="minor">
+            <a:schemeClr val="dk1"/>
+          </a:fontRef>
+        </p:style>
+        <p:txBody>
+          <a:bodyPr/>
+          <a:lstStyle/>
+          <a:p>
+            <a:pPr>
+              <a:buNone/>
+            </a:pPr>
+            <a:r>
+              <a:rPr lang="fr-FR" sz="2000" b="1" dirty="0">
+                <a:solidFill>
+                  <a:srgbClr val="0070C0"/>
+                </a:solidFill>
+                <a:latin typeface="Arial"/>
+                <a:cs typeface="Arial"/>
+              </a:rPr>
+              <a:t>Héritage multiniveau</a:t>
+            </a:r>
+            <a:endParaRPr lang="fr-FR" sz="2000" b="1" dirty="0">
+              <a:ea typeface="+mn-lt"/>
+              <a:cs typeface="+mn-lt"/>
+            </a:endParaRPr>
+          </a:p>
+          <a:p>
+            <a:pPr marL="0" indent="0">
+              <a:buNone/>
+            </a:pPr>
+            <a:endParaRPr lang="fr-FR" sz="2000" dirty="0"/>
+          </a:p>
+        </p:txBody>
+      </p:sp>
+      <p:sp>
+        <p:nvSpPr>
+          <p:cNvPr id="13" name="Espace réservé du contenu 12">
+            <a:extLst>
+              <a:ext uri="{FF2B5EF4-FFF2-40B4-BE49-F238E27FC236}">
+                <a16:creationId xmlns:a16="http://schemas.microsoft.com/office/drawing/2014/main" id="{985347E4-9C18-7802-BBD2-CB2C6C9A3A0E}"/>
+              </a:ext>
+            </a:extLst>
+          </p:cNvPr>
+          <p:cNvSpPr>
+            <a:spLocks noGrp="1"/>
+          </p:cNvSpPr>
+          <p:nvPr>
+            <p:ph sz="half" idx="2"/>
+          </p:nvPr>
+        </p:nvSpPr>
+        <p:spPr/>
+        <p:style>
+          <a:lnRef idx="1">
+            <a:schemeClr val="accent6"/>
+          </a:lnRef>
+          <a:fillRef idx="2">
+            <a:schemeClr val="accent6"/>
+          </a:fillRef>
+          <a:effectRef idx="1">
+            <a:schemeClr val="accent6"/>
+          </a:effectRef>
+          <a:fontRef idx="minor">
+            <a:schemeClr val="dk1"/>
+          </a:fontRef>
+        </p:style>
+        <p:txBody>
+          <a:bodyPr/>
+          <a:lstStyle/>
+          <a:p>
+            <a:pPr marL="0" indent="0">
+              <a:buNone/>
+            </a:pPr>
+            <a:r>
+              <a:rPr lang="fr-FR" sz="2000" b="1" dirty="0">
+                <a:solidFill>
+                  <a:srgbClr val="0070C0"/>
+                </a:solidFill>
+                <a:latin typeface="Arial"/>
+                <a:cs typeface="Arial"/>
+              </a:rPr>
+              <a:t>        Héritage hiérarchique</a:t>
+            </a:r>
+            <a:endParaRPr lang="fr-FR" sz="2000" b="1" dirty="0" err="1">
+              <a:ea typeface="+mn-lt"/>
+              <a:cs typeface="+mn-lt"/>
+            </a:endParaRPr>
+          </a:p>
+          <a:p>
+            <a:endParaRPr lang="fr-FR" sz="2400" dirty="0"/>
+          </a:p>
+        </p:txBody>
+      </p:sp>
+      <p:pic>
+        <p:nvPicPr>
+          <p:cNvPr id="3" name="Image 1"/>
+          <p:cNvPicPr>
+            <a:picLocks noChangeAspect="1"/>
+          </p:cNvPicPr>
+          <p:nvPr/>
+        </p:nvPicPr>
+        <p:blipFill>
+          <a:blip r:embed="rId2">
+            <a:extLst>
+              <a:ext uri="{28A0092B-C50C-407E-A947-70E740481C1C}">
+                <a14:useLocalDpi xmlns:a14="http://schemas.microsoft.com/office/drawing/2010/main" val="0"/>
+              </a:ext>
+            </a:extLst>
+          </a:blip>
+          <a:srcRect/>
+          <a:stretch>
+            <a:fillRect/>
+          </a:stretch>
+        </p:blipFill>
+        <p:spPr bwMode="auto">
+          <a:xfrm>
+            <a:off x="65088" y="6400800"/>
+            <a:ext cx="1554162" cy="396875"/>
+          </a:xfrm>
+          <a:prstGeom prst="rect">
+            <a:avLst/>
+          </a:prstGeom>
+          <a:noFill/>
+          <a:ln>
+            <a:noFill/>
+          </a:ln>
+          <a:extLst>
+            <a:ext uri="{909E8E84-426E-40DD-AFC4-6F175D3DCCD1}">
+              <a14:hiddenFill xmlns:a14="http://schemas.microsoft.com/office/drawing/2010/main">
+                <a:solidFill>
+                  <a:srgbClr val="FFFFFF"/>
+                </a:solidFill>
+              </a14:hiddenFill>
+            </a:ext>
+            <a:ext uri="{91240B29-F687-4F45-9708-019B960494DF}">
+              <a14:hiddenLine xmlns:a14="http://schemas.microsoft.com/office/drawing/2010/main" w="9525">
+                <a:solidFill>
+                  <a:srgbClr val="000000"/>
+                </a:solidFill>
+                <a:miter lim="800000"/>
+                <a:headEnd/>
+                <a:tailEnd/>
+              </a14:hiddenLine>
+            </a:ext>
+          </a:extLst>
+        </p:spPr>
+      </p:pic>
+      <p:sp>
+        <p:nvSpPr>
+          <p:cNvPr id="6" name="ZoneTexte 5">
+            <a:extLst>
+              <a:ext uri="{FF2B5EF4-FFF2-40B4-BE49-F238E27FC236}">
+                <a16:creationId xmlns:a16="http://schemas.microsoft.com/office/drawing/2014/main" id="{B2F8B59F-B102-7155-58EA-6E5E871649E6}"/>
+              </a:ext>
+            </a:extLst>
+          </p:cNvPr>
+          <p:cNvSpPr txBox="1"/>
+          <p:nvPr/>
+        </p:nvSpPr>
+        <p:spPr>
+          <a:xfrm>
+            <a:off x="1035727" y="959875"/>
+            <a:ext cx="3111915" cy="461665"/>
+          </a:xfrm>
+          <a:prstGeom prst="rect">
+            <a:avLst/>
+          </a:prstGeom>
+          <a:noFill/>
+        </p:spPr>
+        <p:txBody>
+          <a:bodyPr rot="0" spcFirstLastPara="0" vertOverflow="overflow" horzOverflow="overflow" vert="horz" wrap="square" lIns="91440" tIns="45720" rIns="91440" bIns="45720" numCol="1" spcCol="0" rtlCol="0" fromWordArt="0" anchor="t" anchorCtr="0" forceAA="0" compatLnSpc="1">
+            <a:prstTxWarp prst="textNoShape">
+              <a:avLst/>
+            </a:prstTxWarp>
+            <a:spAutoFit/>
+          </a:bodyPr>
+          <a:lstStyle/>
+          <a:p>
+            <a:pPr marL="342900" indent="-342900" algn="just">
+              <a:buFont typeface="Wingdings"/>
+              <a:buChar char="q"/>
+            </a:pPr>
+            <a:r>
+              <a:rPr lang="fr-FR" sz="2400" dirty="0">
+                <a:solidFill>
+                  <a:srgbClr val="FF0000"/>
+                </a:solidFill>
+                <a:latin typeface="Arial"/>
+                <a:ea typeface="ＭＳ Ｐゴシック"/>
+                <a:cs typeface="Arial"/>
+              </a:rPr>
+              <a:t>Types d'héritages</a:t>
+            </a:r>
+            <a:endParaRPr lang="fr-FR" sz="2400" dirty="0">
+              <a:solidFill>
+                <a:srgbClr val="FF0000"/>
+              </a:solidFill>
+              <a:cs typeface="Arial"/>
+            </a:endParaRPr>
+          </a:p>
+        </p:txBody>
+      </p:sp>
+      <p:sp>
+        <p:nvSpPr>
+          <p:cNvPr id="14" name="ZoneTexte 13">
+            <a:extLst>
+              <a:ext uri="{FF2B5EF4-FFF2-40B4-BE49-F238E27FC236}">
+                <a16:creationId xmlns:a16="http://schemas.microsoft.com/office/drawing/2014/main" id="{F4D456BD-8661-B9B3-9DD1-2BAE7AECCCEE}"/>
+              </a:ext>
+            </a:extLst>
+          </p:cNvPr>
+          <p:cNvSpPr txBox="1"/>
+          <p:nvPr/>
+        </p:nvSpPr>
+        <p:spPr>
+          <a:xfrm>
+            <a:off x="775137" y="2391103"/>
+            <a:ext cx="1208689" cy="369332"/>
+          </a:xfrm>
+          <a:prstGeom prst="rect">
+            <a:avLst/>
+          </a:prstGeom>
+        </p:spPr>
+        <p:style>
+          <a:lnRef idx="2">
+            <a:schemeClr val="dk1"/>
+          </a:lnRef>
+          <a:fillRef idx="1">
+            <a:schemeClr val="lt1"/>
+          </a:fillRef>
+          <a:effectRef idx="0">
+            <a:schemeClr val="dk1"/>
+          </a:effectRef>
+          <a:fontRef idx="minor">
+            <a:schemeClr val="dk1"/>
+          </a:fontRef>
+        </p:style>
+        <p:txBody>
+          <a:bodyPr rot="0" spcFirstLastPara="0" vertOverflow="overflow" horzOverflow="overflow" vert="horz" wrap="square" lIns="91440" tIns="45720" rIns="91440" bIns="45720" numCol="1" spcCol="0" rtlCol="0" fromWordArt="0" anchor="t" anchorCtr="0" forceAA="0" compatLnSpc="1">
+            <a:prstTxWarp prst="textNoShape">
+              <a:avLst/>
+            </a:prstTxWarp>
+            <a:spAutoFit/>
+          </a:bodyPr>
+          <a:lstStyle/>
+          <a:p>
+            <a:r>
+              <a:rPr lang="fr-FR" b="1" dirty="0">
+                <a:latin typeface="Arial"/>
+                <a:ea typeface="ＭＳ Ｐゴシック"/>
+                <a:cs typeface="Arial"/>
+              </a:rPr>
+              <a:t>Class A</a:t>
+            </a:r>
+          </a:p>
+        </p:txBody>
+      </p:sp>
+      <p:sp>
+        <p:nvSpPr>
+          <p:cNvPr id="15" name="ZoneTexte 14">
+            <a:extLst>
+              <a:ext uri="{FF2B5EF4-FFF2-40B4-BE49-F238E27FC236}">
+                <a16:creationId xmlns:a16="http://schemas.microsoft.com/office/drawing/2014/main" id="{06B802B0-C2FE-CE94-9BDA-A02BA752D6D0}"/>
+              </a:ext>
+            </a:extLst>
+          </p:cNvPr>
+          <p:cNvSpPr txBox="1"/>
+          <p:nvPr/>
+        </p:nvSpPr>
+        <p:spPr>
+          <a:xfrm>
+            <a:off x="748862" y="3428999"/>
+            <a:ext cx="1261240" cy="369332"/>
+          </a:xfrm>
+          <a:prstGeom prst="rect">
+            <a:avLst/>
+          </a:prstGeom>
+        </p:spPr>
+        <p:style>
+          <a:lnRef idx="2">
+            <a:schemeClr val="dk1"/>
+          </a:lnRef>
+          <a:fillRef idx="1">
+            <a:schemeClr val="lt1"/>
+          </a:fillRef>
+          <a:effectRef idx="0">
+            <a:schemeClr val="dk1"/>
+          </a:effectRef>
+          <a:fontRef idx="minor">
+            <a:schemeClr val="dk1"/>
+          </a:fontRef>
+        </p:style>
+        <p:txBody>
+          <a:bodyPr rot="0" spcFirstLastPara="0" vertOverflow="overflow" horzOverflow="overflow" vert="horz" wrap="square" lIns="91440" tIns="45720" rIns="91440" bIns="45720" numCol="1" spcCol="0" rtlCol="0" fromWordArt="0" anchor="t" anchorCtr="0" forceAA="0" compatLnSpc="1">
+            <a:prstTxWarp prst="textNoShape">
+              <a:avLst/>
+            </a:prstTxWarp>
+            <a:spAutoFit/>
+          </a:bodyPr>
+          <a:lstStyle/>
+          <a:p>
+            <a:r>
+              <a:rPr lang="fr-FR" b="1" dirty="0">
+                <a:latin typeface="Arial"/>
+                <a:ea typeface="ＭＳ Ｐゴシック"/>
+                <a:cs typeface="Arial"/>
+              </a:rPr>
+              <a:t>Class B</a:t>
+            </a:r>
+            <a:endParaRPr lang="fr-FR" b="1" dirty="0">
+              <a:cs typeface="Arial"/>
+            </a:endParaRPr>
+          </a:p>
+        </p:txBody>
+      </p:sp>
+      <p:sp>
+        <p:nvSpPr>
+          <p:cNvPr id="16" name="ZoneTexte 15">
+            <a:extLst>
+              <a:ext uri="{FF2B5EF4-FFF2-40B4-BE49-F238E27FC236}">
+                <a16:creationId xmlns:a16="http://schemas.microsoft.com/office/drawing/2014/main" id="{2742508D-99EE-EC97-ED94-6136865847C3}"/>
+              </a:ext>
+            </a:extLst>
+          </p:cNvPr>
+          <p:cNvSpPr txBox="1"/>
+          <p:nvPr/>
+        </p:nvSpPr>
+        <p:spPr>
+          <a:xfrm>
+            <a:off x="801413" y="4493171"/>
+            <a:ext cx="1208689" cy="369332"/>
+          </a:xfrm>
+          <a:prstGeom prst="rect">
+            <a:avLst/>
+          </a:prstGeom>
+        </p:spPr>
+        <p:style>
+          <a:lnRef idx="2">
+            <a:schemeClr val="dk1"/>
+          </a:lnRef>
+          <a:fillRef idx="1">
+            <a:schemeClr val="lt1"/>
+          </a:fillRef>
+          <a:effectRef idx="0">
+            <a:schemeClr val="dk1"/>
+          </a:effectRef>
+          <a:fontRef idx="minor">
+            <a:schemeClr val="dk1"/>
+          </a:fontRef>
+        </p:style>
+        <p:txBody>
+          <a:bodyPr rot="0" spcFirstLastPara="0" vertOverflow="overflow" horzOverflow="overflow" vert="horz" wrap="square" lIns="91440" tIns="45720" rIns="91440" bIns="45720" numCol="1" spcCol="0" rtlCol="0" fromWordArt="0" anchor="t" anchorCtr="0" forceAA="0" compatLnSpc="1">
+            <a:prstTxWarp prst="textNoShape">
+              <a:avLst/>
+            </a:prstTxWarp>
+            <a:spAutoFit/>
+          </a:bodyPr>
+          <a:lstStyle/>
+          <a:p>
+            <a:r>
+              <a:rPr lang="fr-FR" b="1" dirty="0">
+                <a:latin typeface="Arial"/>
+                <a:ea typeface="ＭＳ Ｐゴシック"/>
+                <a:cs typeface="Arial"/>
+              </a:rPr>
+              <a:t>Class C</a:t>
+            </a:r>
+            <a:endParaRPr lang="fr-FR" b="1" dirty="0">
+              <a:cs typeface="Arial"/>
+            </a:endParaRPr>
+          </a:p>
+        </p:txBody>
+      </p:sp>
+      <p:cxnSp>
+        <p:nvCxnSpPr>
+          <p:cNvPr id="17" name="Connecteur droit avec flèche 16">
+            <a:extLst>
+              <a:ext uri="{FF2B5EF4-FFF2-40B4-BE49-F238E27FC236}">
+                <a16:creationId xmlns:a16="http://schemas.microsoft.com/office/drawing/2014/main" id="{793A93D9-6085-1614-BABB-BDA82CE5E9F0}"/>
+              </a:ext>
+            </a:extLst>
+          </p:cNvPr>
+          <p:cNvCxnSpPr/>
+          <p:nvPr/>
+        </p:nvCxnSpPr>
+        <p:spPr>
+          <a:xfrm flipH="1" flipV="1">
+            <a:off x="1309521" y="2728419"/>
+            <a:ext cx="5256" cy="701566"/>
+          </a:xfrm>
+          <a:prstGeom prst="straightConnector1">
+            <a:avLst/>
+          </a:prstGeom>
+          <a:ln>
+            <a:tailEnd type="triangle"/>
+          </a:ln>
+        </p:spPr>
+        <p:style>
+          <a:lnRef idx="2">
+            <a:schemeClr val="dk1"/>
+          </a:lnRef>
+          <a:fillRef idx="0">
+            <a:schemeClr val="dk1"/>
+          </a:fillRef>
+          <a:effectRef idx="1">
+            <a:schemeClr val="dk1"/>
+          </a:effectRef>
+          <a:fontRef idx="minor">
+            <a:schemeClr val="tx1"/>
+          </a:fontRef>
+        </p:style>
+      </p:cxnSp>
+      <p:cxnSp>
+        <p:nvCxnSpPr>
+          <p:cNvPr id="18" name="Connecteur droit avec flèche 17">
+            <a:extLst>
+              <a:ext uri="{FF2B5EF4-FFF2-40B4-BE49-F238E27FC236}">
+                <a16:creationId xmlns:a16="http://schemas.microsoft.com/office/drawing/2014/main" id="{4745FBE2-A89A-7187-F45C-8CEC68C49DDD}"/>
+              </a:ext>
+            </a:extLst>
+          </p:cNvPr>
+          <p:cNvCxnSpPr>
+            <a:cxnSpLocks/>
+          </p:cNvCxnSpPr>
+          <p:nvPr/>
+        </p:nvCxnSpPr>
+        <p:spPr>
+          <a:xfrm flipH="1" flipV="1">
+            <a:off x="1309521" y="3792591"/>
+            <a:ext cx="5256" cy="701566"/>
+          </a:xfrm>
+          <a:prstGeom prst="straightConnector1">
+            <a:avLst/>
+          </a:prstGeom>
+          <a:ln>
+            <a:tailEnd type="triangle"/>
+          </a:ln>
+        </p:spPr>
+        <p:style>
+          <a:lnRef idx="2">
+            <a:schemeClr val="dk1"/>
+          </a:lnRef>
+          <a:fillRef idx="0">
+            <a:schemeClr val="dk1"/>
+          </a:fillRef>
+          <a:effectRef idx="1">
+            <a:schemeClr val="dk1"/>
+          </a:effectRef>
+          <a:fontRef idx="minor">
+            <a:schemeClr val="tx1"/>
+          </a:fontRef>
+        </p:style>
+      </p:cxnSp>
+      <p:sp>
+        <p:nvSpPr>
+          <p:cNvPr id="19" name="ZoneTexte 18">
+            <a:extLst>
+              <a:ext uri="{FF2B5EF4-FFF2-40B4-BE49-F238E27FC236}">
+                <a16:creationId xmlns:a16="http://schemas.microsoft.com/office/drawing/2014/main" id="{86B9A464-ABC4-6AFE-ABC9-A0EFFAE6B8BA}"/>
+              </a:ext>
+            </a:extLst>
+          </p:cNvPr>
+          <p:cNvSpPr txBox="1"/>
+          <p:nvPr/>
+        </p:nvSpPr>
+        <p:spPr>
+          <a:xfrm>
+            <a:off x="2772103" y="3428999"/>
+            <a:ext cx="1261240" cy="369332"/>
+          </a:xfrm>
+          <a:prstGeom prst="rect">
+            <a:avLst/>
+          </a:prstGeom>
+        </p:spPr>
+        <p:style>
+          <a:lnRef idx="2">
+            <a:schemeClr val="dk1"/>
+          </a:lnRef>
+          <a:fillRef idx="1">
+            <a:schemeClr val="lt1"/>
+          </a:fillRef>
+          <a:effectRef idx="0">
+            <a:schemeClr val="dk1"/>
+          </a:effectRef>
+          <a:fontRef idx="minor">
+            <a:schemeClr val="dk1"/>
+          </a:fontRef>
+        </p:style>
+        <p:txBody>
+          <a:bodyPr rot="0" spcFirstLastPara="0" vertOverflow="overflow" horzOverflow="overflow" vert="horz" wrap="square" lIns="91440" tIns="45720" rIns="91440" bIns="45720" numCol="1" spcCol="0" rtlCol="0" fromWordArt="0" anchor="t" anchorCtr="0" forceAA="0" compatLnSpc="1">
+            <a:prstTxWarp prst="textNoShape">
+              <a:avLst/>
+            </a:prstTxWarp>
+            <a:spAutoFit/>
+          </a:bodyPr>
+          <a:lstStyle/>
+          <a:p>
+            <a:r>
+              <a:rPr lang="fr-FR" b="1" dirty="0">
+                <a:latin typeface="Arial"/>
+                <a:ea typeface="ＭＳ Ｐゴシック"/>
+                <a:cs typeface="Arial"/>
+              </a:rPr>
+              <a:t>Class A</a:t>
+            </a:r>
+            <a:endParaRPr lang="fr-FR" b="1" dirty="0">
+              <a:cs typeface="Arial"/>
+            </a:endParaRPr>
+          </a:p>
+        </p:txBody>
+      </p:sp>
+      <p:sp>
+        <p:nvSpPr>
+          <p:cNvPr id="20" name="ZoneTexte 19">
+            <a:extLst>
+              <a:ext uri="{FF2B5EF4-FFF2-40B4-BE49-F238E27FC236}">
+                <a16:creationId xmlns:a16="http://schemas.microsoft.com/office/drawing/2014/main" id="{80823589-E538-B7EF-AFAF-BFA71F95AADC}"/>
+              </a:ext>
+            </a:extLst>
+          </p:cNvPr>
+          <p:cNvSpPr txBox="1"/>
+          <p:nvPr/>
+        </p:nvSpPr>
+        <p:spPr>
+          <a:xfrm>
+            <a:off x="2811517" y="4493171"/>
+            <a:ext cx="1261240" cy="369332"/>
+          </a:xfrm>
+          <a:prstGeom prst="rect">
+            <a:avLst/>
+          </a:prstGeom>
+        </p:spPr>
+        <p:style>
+          <a:lnRef idx="2">
+            <a:schemeClr val="dk1"/>
+          </a:lnRef>
+          <a:fillRef idx="1">
+            <a:schemeClr val="lt1"/>
+          </a:fillRef>
+          <a:effectRef idx="0">
+            <a:schemeClr val="dk1"/>
+          </a:effectRef>
+          <a:fontRef idx="minor">
+            <a:schemeClr val="dk1"/>
+          </a:fontRef>
+        </p:style>
+        <p:txBody>
+          <a:bodyPr rot="0" spcFirstLastPara="0" vertOverflow="overflow" horzOverflow="overflow" vert="horz" wrap="square" lIns="91440" tIns="45720" rIns="91440" bIns="45720" numCol="1" spcCol="0" rtlCol="0" fromWordArt="0" anchor="t" anchorCtr="0" forceAA="0" compatLnSpc="1">
+            <a:prstTxWarp prst="textNoShape">
+              <a:avLst/>
+            </a:prstTxWarp>
+            <a:spAutoFit/>
+          </a:bodyPr>
+          <a:lstStyle/>
+          <a:p>
+            <a:r>
+              <a:rPr lang="fr-FR" b="1" dirty="0">
+                <a:latin typeface="Arial"/>
+                <a:ea typeface="ＭＳ Ｐゴシック"/>
+                <a:cs typeface="Arial"/>
+              </a:rPr>
+              <a:t>Class B</a:t>
+            </a:r>
+            <a:endParaRPr lang="fr-FR" b="1" dirty="0">
+              <a:cs typeface="Arial"/>
+            </a:endParaRPr>
+          </a:p>
+        </p:txBody>
+      </p:sp>
+      <p:cxnSp>
+        <p:nvCxnSpPr>
+          <p:cNvPr id="21" name="Connecteur droit avec flèche 20">
+            <a:extLst>
+              <a:ext uri="{FF2B5EF4-FFF2-40B4-BE49-F238E27FC236}">
+                <a16:creationId xmlns:a16="http://schemas.microsoft.com/office/drawing/2014/main" id="{121D964B-D2FF-FBF0-0E14-5A3EDF8319BF}"/>
+              </a:ext>
+            </a:extLst>
+          </p:cNvPr>
+          <p:cNvCxnSpPr>
+            <a:cxnSpLocks/>
+          </p:cNvCxnSpPr>
+          <p:nvPr/>
+        </p:nvCxnSpPr>
+        <p:spPr>
+          <a:xfrm flipH="1" flipV="1">
+            <a:off x="3372176" y="3792591"/>
+            <a:ext cx="5256" cy="701566"/>
+          </a:xfrm>
+          <a:prstGeom prst="straightConnector1">
+            <a:avLst/>
+          </a:prstGeom>
+          <a:ln>
+            <a:tailEnd type="triangle"/>
+          </a:ln>
+        </p:spPr>
+        <p:style>
+          <a:lnRef idx="2">
+            <a:schemeClr val="dk1"/>
+          </a:lnRef>
+          <a:fillRef idx="0">
+            <a:schemeClr val="dk1"/>
+          </a:fillRef>
+          <a:effectRef idx="1">
+            <a:schemeClr val="dk1"/>
+          </a:effectRef>
+          <a:fontRef idx="minor">
+            <a:schemeClr val="tx1"/>
+          </a:fontRef>
+        </p:style>
+      </p:cxnSp>
+      <p:sp>
+        <p:nvSpPr>
+          <p:cNvPr id="24" name="ZoneTexte 23">
+            <a:extLst>
+              <a:ext uri="{FF2B5EF4-FFF2-40B4-BE49-F238E27FC236}">
+                <a16:creationId xmlns:a16="http://schemas.microsoft.com/office/drawing/2014/main" id="{AB0F4301-501D-C191-C5CD-EB9D4E4765CE}"/>
+              </a:ext>
+            </a:extLst>
+          </p:cNvPr>
+          <p:cNvSpPr txBox="1"/>
+          <p:nvPr/>
+        </p:nvSpPr>
+        <p:spPr>
+          <a:xfrm>
+            <a:off x="2377966" y="5018689"/>
+            <a:ext cx="2115204" cy="400110"/>
+          </a:xfrm>
+          <a:prstGeom prst="rect">
+            <a:avLst/>
+          </a:prstGeom>
+          <a:noFill/>
+        </p:spPr>
+        <p:txBody>
+          <a:bodyPr rot="0" spcFirstLastPara="0" vertOverflow="overflow" horzOverflow="overflow" vert="horz" wrap="square" lIns="91440" tIns="45720" rIns="91440" bIns="45720" numCol="1" spcCol="0" rtlCol="0" fromWordArt="0" anchor="t" anchorCtr="0" forceAA="0" compatLnSpc="1">
+            <a:prstTxWarp prst="textNoShape">
+              <a:avLst/>
+            </a:prstTxWarp>
+            <a:spAutoFit/>
+          </a:bodyPr>
+          <a:lstStyle/>
+          <a:p>
+            <a:r>
+              <a:rPr lang="fr-FR" sz="2000" b="1" dirty="0">
+                <a:solidFill>
+                  <a:srgbClr val="0070C0"/>
+                </a:solidFill>
+                <a:latin typeface="Arial"/>
+                <a:ea typeface="ＭＳ Ｐゴシック"/>
+                <a:cs typeface="Arial"/>
+              </a:rPr>
+              <a:t>Héritage Simple</a:t>
+            </a:r>
+          </a:p>
+        </p:txBody>
+      </p:sp>
+      <p:sp>
+        <p:nvSpPr>
+          <p:cNvPr id="25" name="ZoneTexte 24">
+            <a:extLst>
+              <a:ext uri="{FF2B5EF4-FFF2-40B4-BE49-F238E27FC236}">
+                <a16:creationId xmlns:a16="http://schemas.microsoft.com/office/drawing/2014/main" id="{AA2AD97A-C08C-56F6-8806-E8B20CD44D10}"/>
+              </a:ext>
+            </a:extLst>
+          </p:cNvPr>
+          <p:cNvSpPr txBox="1"/>
+          <p:nvPr/>
+        </p:nvSpPr>
+        <p:spPr>
+          <a:xfrm>
+            <a:off x="5990896" y="2391102"/>
+            <a:ext cx="1261240" cy="369332"/>
+          </a:xfrm>
+          <a:prstGeom prst="rect">
+            <a:avLst/>
+          </a:prstGeom>
+        </p:spPr>
+        <p:style>
+          <a:lnRef idx="2">
+            <a:schemeClr val="dk1"/>
+          </a:lnRef>
+          <a:fillRef idx="1">
+            <a:schemeClr val="lt1"/>
+          </a:fillRef>
+          <a:effectRef idx="0">
+            <a:schemeClr val="dk1"/>
+          </a:effectRef>
+          <a:fontRef idx="minor">
+            <a:schemeClr val="dk1"/>
+          </a:fontRef>
+        </p:style>
+        <p:txBody>
+          <a:bodyPr rot="0" spcFirstLastPara="0" vertOverflow="overflow" horzOverflow="overflow" vert="horz" wrap="square" lIns="91440" tIns="45720" rIns="91440" bIns="45720" numCol="1" spcCol="0" rtlCol="0" fromWordArt="0" anchor="t" anchorCtr="0" forceAA="0" compatLnSpc="1">
+            <a:prstTxWarp prst="textNoShape">
+              <a:avLst/>
+            </a:prstTxWarp>
+            <a:spAutoFit/>
+          </a:bodyPr>
+          <a:lstStyle/>
+          <a:p>
+            <a:r>
+              <a:rPr lang="fr-FR" b="1" dirty="0">
+                <a:latin typeface="Arial"/>
+                <a:ea typeface="ＭＳ Ｐゴシック"/>
+                <a:cs typeface="Arial"/>
+              </a:rPr>
+              <a:t>Class B</a:t>
+            </a:r>
+            <a:endParaRPr lang="fr-FR" b="1" dirty="0">
+              <a:cs typeface="Arial"/>
+            </a:endParaRPr>
+          </a:p>
+        </p:txBody>
+      </p:sp>
+      <p:sp>
+        <p:nvSpPr>
+          <p:cNvPr id="26" name="ZoneTexte 25">
+            <a:extLst>
+              <a:ext uri="{FF2B5EF4-FFF2-40B4-BE49-F238E27FC236}">
+                <a16:creationId xmlns:a16="http://schemas.microsoft.com/office/drawing/2014/main" id="{6D46B33C-4560-7F92-A58A-E415387F141A}"/>
+              </a:ext>
+            </a:extLst>
+          </p:cNvPr>
+          <p:cNvSpPr txBox="1"/>
+          <p:nvPr/>
+        </p:nvSpPr>
+        <p:spPr>
+          <a:xfrm>
+            <a:off x="4729654" y="3534102"/>
+            <a:ext cx="1261240" cy="369332"/>
+          </a:xfrm>
+          <a:prstGeom prst="rect">
+            <a:avLst/>
+          </a:prstGeom>
+        </p:spPr>
+        <p:style>
+          <a:lnRef idx="2">
+            <a:schemeClr val="dk1"/>
+          </a:lnRef>
+          <a:fillRef idx="1">
+            <a:schemeClr val="lt1"/>
+          </a:fillRef>
+          <a:effectRef idx="0">
+            <a:schemeClr val="dk1"/>
+          </a:effectRef>
+          <a:fontRef idx="minor">
+            <a:schemeClr val="dk1"/>
+          </a:fontRef>
+        </p:style>
+        <p:txBody>
+          <a:bodyPr rot="0" spcFirstLastPara="0" vertOverflow="overflow" horzOverflow="overflow" vert="horz" wrap="square" lIns="91440" tIns="45720" rIns="91440" bIns="45720" numCol="1" spcCol="0" rtlCol="0" fromWordArt="0" anchor="t" anchorCtr="0" forceAA="0" compatLnSpc="1">
+            <a:prstTxWarp prst="textNoShape">
+              <a:avLst/>
+            </a:prstTxWarp>
+            <a:spAutoFit/>
+          </a:bodyPr>
+          <a:lstStyle/>
+          <a:p>
+            <a:r>
+              <a:rPr lang="fr-FR" b="1" dirty="0">
+                <a:latin typeface="Arial"/>
+                <a:ea typeface="ＭＳ Ｐゴシック"/>
+                <a:cs typeface="Arial"/>
+              </a:rPr>
+              <a:t>Class C</a:t>
+            </a:r>
+            <a:endParaRPr lang="fr-FR" b="1" dirty="0">
+              <a:cs typeface="Arial"/>
+            </a:endParaRPr>
+          </a:p>
+        </p:txBody>
+      </p:sp>
+      <p:sp>
+        <p:nvSpPr>
+          <p:cNvPr id="27" name="ZoneTexte 26">
+            <a:extLst>
+              <a:ext uri="{FF2B5EF4-FFF2-40B4-BE49-F238E27FC236}">
+                <a16:creationId xmlns:a16="http://schemas.microsoft.com/office/drawing/2014/main" id="{95899883-D7E1-F931-39EE-C97C5EBD6272}"/>
+              </a:ext>
+            </a:extLst>
+          </p:cNvPr>
+          <p:cNvSpPr txBox="1"/>
+          <p:nvPr/>
+        </p:nvSpPr>
+        <p:spPr>
+          <a:xfrm>
+            <a:off x="7580585" y="3389584"/>
+            <a:ext cx="1261240" cy="369332"/>
+          </a:xfrm>
+          <a:prstGeom prst="rect">
+            <a:avLst/>
+          </a:prstGeom>
+        </p:spPr>
+        <p:style>
+          <a:lnRef idx="2">
+            <a:schemeClr val="dk1"/>
+          </a:lnRef>
+          <a:fillRef idx="1">
+            <a:schemeClr val="lt1"/>
+          </a:fillRef>
+          <a:effectRef idx="0">
+            <a:schemeClr val="dk1"/>
+          </a:effectRef>
+          <a:fontRef idx="minor">
+            <a:schemeClr val="dk1"/>
+          </a:fontRef>
+        </p:style>
+        <p:txBody>
+          <a:bodyPr rot="0" spcFirstLastPara="0" vertOverflow="overflow" horzOverflow="overflow" vert="horz" wrap="square" lIns="91440" tIns="45720" rIns="91440" bIns="45720" numCol="1" spcCol="0" rtlCol="0" fromWordArt="0" anchor="t" anchorCtr="0" forceAA="0" compatLnSpc="1">
+            <a:prstTxWarp prst="textNoShape">
+              <a:avLst/>
+            </a:prstTxWarp>
+            <a:spAutoFit/>
+          </a:bodyPr>
+          <a:lstStyle/>
+          <a:p>
+            <a:r>
+              <a:rPr lang="fr-FR" b="1" dirty="0">
+                <a:latin typeface="Arial"/>
+                <a:ea typeface="ＭＳ Ｐゴシック"/>
+                <a:cs typeface="Arial"/>
+              </a:rPr>
+              <a:t>Class A</a:t>
+            </a:r>
+            <a:endParaRPr lang="fr-FR" b="1" dirty="0">
+              <a:cs typeface="Arial"/>
+            </a:endParaRPr>
+          </a:p>
+        </p:txBody>
+      </p:sp>
+      <p:sp>
+        <p:nvSpPr>
+          <p:cNvPr id="28" name="ZoneTexte 27">
+            <a:extLst>
+              <a:ext uri="{FF2B5EF4-FFF2-40B4-BE49-F238E27FC236}">
+                <a16:creationId xmlns:a16="http://schemas.microsoft.com/office/drawing/2014/main" id="{B17F772B-208F-EEEE-07B9-BF45CAC950FE}"/>
+              </a:ext>
+            </a:extLst>
+          </p:cNvPr>
+          <p:cNvSpPr txBox="1"/>
+          <p:nvPr/>
+        </p:nvSpPr>
+        <p:spPr>
+          <a:xfrm>
+            <a:off x="5990896" y="4650826"/>
+            <a:ext cx="1261240" cy="369332"/>
+          </a:xfrm>
+          <a:prstGeom prst="rect">
+            <a:avLst/>
+          </a:prstGeom>
+        </p:spPr>
+        <p:style>
+          <a:lnRef idx="2">
+            <a:schemeClr val="dk1"/>
+          </a:lnRef>
+          <a:fillRef idx="1">
+            <a:schemeClr val="lt1"/>
+          </a:fillRef>
+          <a:effectRef idx="0">
+            <a:schemeClr val="dk1"/>
+          </a:effectRef>
+          <a:fontRef idx="minor">
+            <a:schemeClr val="dk1"/>
+          </a:fontRef>
+        </p:style>
+        <p:txBody>
+          <a:bodyPr rot="0" spcFirstLastPara="0" vertOverflow="overflow" horzOverflow="overflow" vert="horz" wrap="square" lIns="91440" tIns="45720" rIns="91440" bIns="45720" numCol="1" spcCol="0" rtlCol="0" fromWordArt="0" anchor="t" anchorCtr="0" forceAA="0" compatLnSpc="1">
+            <a:prstTxWarp prst="textNoShape">
+              <a:avLst/>
+            </a:prstTxWarp>
+            <a:spAutoFit/>
+          </a:bodyPr>
+          <a:lstStyle/>
+          <a:p>
+            <a:r>
+              <a:rPr lang="fr-FR" b="1" dirty="0">
+                <a:latin typeface="Arial"/>
+                <a:ea typeface="ＭＳ Ｐゴシック"/>
+                <a:cs typeface="Arial"/>
+              </a:rPr>
+              <a:t>Class D</a:t>
+            </a:r>
+            <a:endParaRPr lang="fr-FR" b="1" dirty="0">
+              <a:cs typeface="Arial"/>
+            </a:endParaRPr>
+          </a:p>
+        </p:txBody>
+      </p:sp>
+      <p:cxnSp>
+        <p:nvCxnSpPr>
+          <p:cNvPr id="29" name="Connecteur droit avec flèche 28">
+            <a:extLst>
+              <a:ext uri="{FF2B5EF4-FFF2-40B4-BE49-F238E27FC236}">
+                <a16:creationId xmlns:a16="http://schemas.microsoft.com/office/drawing/2014/main" id="{32005542-970A-8AAF-521D-C9FC2DEFAE94}"/>
+              </a:ext>
+            </a:extLst>
+          </p:cNvPr>
+          <p:cNvCxnSpPr>
+            <a:cxnSpLocks/>
+          </p:cNvCxnSpPr>
+          <p:nvPr/>
+        </p:nvCxnSpPr>
+        <p:spPr>
+          <a:xfrm flipV="1">
+            <a:off x="5689708" y="2767833"/>
+            <a:ext cx="388881" cy="767255"/>
+          </a:xfrm>
+          <a:prstGeom prst="straightConnector1">
+            <a:avLst/>
+          </a:prstGeom>
+          <a:ln>
+            <a:tailEnd type="triangle"/>
+          </a:ln>
+        </p:spPr>
+        <p:style>
+          <a:lnRef idx="2">
+            <a:schemeClr val="dk1"/>
+          </a:lnRef>
+          <a:fillRef idx="0">
+            <a:schemeClr val="dk1"/>
+          </a:fillRef>
+          <a:effectRef idx="1">
+            <a:schemeClr val="dk1"/>
+          </a:effectRef>
+          <a:fontRef idx="minor">
+            <a:schemeClr val="tx1"/>
+          </a:fontRef>
+        </p:style>
+      </p:cxnSp>
+      <p:cxnSp>
+        <p:nvCxnSpPr>
+          <p:cNvPr id="30" name="Connecteur droit avec flèche 29">
+            <a:extLst>
+              <a:ext uri="{FF2B5EF4-FFF2-40B4-BE49-F238E27FC236}">
+                <a16:creationId xmlns:a16="http://schemas.microsoft.com/office/drawing/2014/main" id="{8E89C7EB-5CCD-AEB8-7330-974F10F491A1}"/>
+              </a:ext>
+            </a:extLst>
+          </p:cNvPr>
+          <p:cNvCxnSpPr>
+            <a:cxnSpLocks/>
+          </p:cNvCxnSpPr>
+          <p:nvPr/>
+        </p:nvCxnSpPr>
+        <p:spPr>
+          <a:xfrm flipH="1" flipV="1">
+            <a:off x="5605624" y="3897696"/>
+            <a:ext cx="898636" cy="754116"/>
+          </a:xfrm>
+          <a:prstGeom prst="straightConnector1">
+            <a:avLst/>
+          </a:prstGeom>
+          <a:ln>
+            <a:tailEnd type="triangle"/>
+          </a:ln>
+        </p:spPr>
+        <p:style>
+          <a:lnRef idx="2">
+            <a:schemeClr val="dk1"/>
+          </a:lnRef>
+          <a:fillRef idx="0">
+            <a:schemeClr val="dk1"/>
+          </a:fillRef>
+          <a:effectRef idx="1">
+            <a:schemeClr val="dk1"/>
+          </a:effectRef>
+          <a:fontRef idx="minor">
+            <a:schemeClr val="tx1"/>
+          </a:fontRef>
+        </p:style>
+      </p:cxnSp>
+      <p:cxnSp>
+        <p:nvCxnSpPr>
+          <p:cNvPr id="31" name="Connecteur droit avec flèche 30">
+            <a:extLst>
+              <a:ext uri="{FF2B5EF4-FFF2-40B4-BE49-F238E27FC236}">
+                <a16:creationId xmlns:a16="http://schemas.microsoft.com/office/drawing/2014/main" id="{0B5ADF49-5E49-6695-9742-7B2E3EF39034}"/>
+              </a:ext>
+            </a:extLst>
+          </p:cNvPr>
+          <p:cNvCxnSpPr>
+            <a:cxnSpLocks/>
+          </p:cNvCxnSpPr>
+          <p:nvPr/>
+        </p:nvCxnSpPr>
+        <p:spPr>
+          <a:xfrm flipH="1">
+            <a:off x="6932554" y="3771571"/>
+            <a:ext cx="1043153" cy="874983"/>
+          </a:xfrm>
+          <a:prstGeom prst="straightConnector1">
+            <a:avLst/>
+          </a:prstGeom>
+          <a:ln>
+            <a:tailEnd type="triangle"/>
+          </a:ln>
+        </p:spPr>
+        <p:style>
+          <a:lnRef idx="2">
+            <a:schemeClr val="dk1"/>
+          </a:lnRef>
+          <a:fillRef idx="0">
+            <a:schemeClr val="dk1"/>
+          </a:fillRef>
+          <a:effectRef idx="1">
+            <a:schemeClr val="dk1"/>
+          </a:effectRef>
+          <a:fontRef idx="minor">
+            <a:schemeClr val="tx1"/>
+          </a:fontRef>
+        </p:style>
+      </p:cxnSp>
+      <p:cxnSp>
+        <p:nvCxnSpPr>
+          <p:cNvPr id="32" name="Connecteur droit avec flèche 31">
+            <a:extLst>
+              <a:ext uri="{FF2B5EF4-FFF2-40B4-BE49-F238E27FC236}">
+                <a16:creationId xmlns:a16="http://schemas.microsoft.com/office/drawing/2014/main" id="{B370C667-BBF5-3D1E-B0A8-357B8A03B6CD}"/>
+              </a:ext>
+            </a:extLst>
+          </p:cNvPr>
+          <p:cNvCxnSpPr>
+            <a:cxnSpLocks/>
+          </p:cNvCxnSpPr>
+          <p:nvPr/>
+        </p:nvCxnSpPr>
+        <p:spPr>
+          <a:xfrm>
+            <a:off x="6977226" y="2786227"/>
+            <a:ext cx="1124603" cy="585949"/>
+          </a:xfrm>
+          <a:prstGeom prst="straightConnector1">
+            <a:avLst/>
+          </a:prstGeom>
+          <a:ln>
+            <a:tailEnd type="triangle"/>
+          </a:ln>
+        </p:spPr>
+        <p:style>
+          <a:lnRef idx="2">
+            <a:schemeClr val="dk1"/>
+          </a:lnRef>
+          <a:fillRef idx="0">
+            <a:schemeClr val="dk1"/>
+          </a:fillRef>
+          <a:effectRef idx="1">
+            <a:schemeClr val="dk1"/>
+          </a:effectRef>
+          <a:fontRef idx="minor">
+            <a:schemeClr val="tx1"/>
+          </a:fontRef>
+        </p:style>
+      </p:cxnSp>
+    </p:spTree>
+    <p:extLst>
+      <p:ext uri="{BB962C8B-B14F-4D97-AF65-F5344CB8AC3E}">
+        <p14:creationId xmlns:p14="http://schemas.microsoft.com/office/powerpoint/2010/main" val="4094918406"/>
+      </p:ext>
+    </p:extLst>
+  </p:cSld>
+  <p:clrMapOvr>
+    <a:masterClrMapping/>
+  </p:clrMapOvr>
+  <p:transition spd="slow">
+    <p:wipe/>
+  </p:transition>
+</p:sld>
+</file>
+
+<file path=ppt/slides/slide18.xml><?xml version="1.0" encoding="utf-8"?>
+<p:sld xmlns:a="http://schemas.openxmlformats.org/drawingml/2006/main" xmlns:r="http://schemas.openxmlformats.org/officeDocument/2006/relationships" xmlns:p="http://schemas.openxmlformats.org/presentationml/2006/main">
+  <p:cSld>
+    <p:spTree>
+      <p:nvGrpSpPr>
+        <p:cNvPr id="1" name=""/>
+        <p:cNvGrpSpPr/>
+        <p:nvPr/>
+      </p:nvGrpSpPr>
+      <p:grpSpPr>
+        <a:xfrm>
+          <a:off x="0" y="0"/>
+          <a:ext cx="0" cy="0"/>
+          <a:chOff x="0" y="0"/>
+          <a:chExt cx="0" cy="0"/>
+        </a:xfrm>
+      </p:grpSpPr>
+      <p:sp>
+        <p:nvSpPr>
           <p:cNvPr id="4" name="Titre 3"/>
           <p:cNvSpPr>
             <a:spLocks noGrp="1"/>
@@ -5932,7 +7460,7 @@
 </p:sld>
 </file>
 
-<file path=ppt/slides/slide17.xml><?xml version="1.0" encoding="utf-8"?>
+<file path=ppt/slides/slide19.xml><?xml version="1.0" encoding="utf-8"?>
 <p:sld xmlns:a="http://schemas.openxmlformats.org/drawingml/2006/main" xmlns:r="http://schemas.openxmlformats.org/officeDocument/2006/relationships" xmlns:p="http://schemas.openxmlformats.org/presentationml/2006/main">
   <p:cSld>
     <p:spTree>
@@ -6782,8 +8310,8 @@
         </p:nvSpPr>
         <p:spPr>
           <a:xfrm>
-            <a:off x="2369791" y="1004473"/>
-            <a:ext cx="4405797" cy="3785652"/>
+            <a:off x="2369791" y="881363"/>
+            <a:ext cx="4405797" cy="4031873"/>
           </a:xfrm>
           <a:prstGeom prst="rect">
             <a:avLst/>
@@ -6840,7 +8368,22 @@
                 <a:ea typeface="ＭＳ Ｐゴシック"/>
                 <a:cs typeface="Arial"/>
               </a:rPr>
-              <a:t>Notions de bases</a:t>
+              <a:t>Définition</a:t>
+            </a:r>
+            <a:endParaRPr lang="fr-FR" dirty="0"/>
+          </a:p>
+          <a:p>
+            <a:pPr marL="742950" lvl="1" indent="-285750">
+              <a:buFont typeface="Wingdings,Sans-Serif"/>
+              <a:buChar char="q"/>
+            </a:pPr>
+            <a:r>
+              <a:rPr lang="fr-FR" sz="1600" b="1" dirty="0">
+                <a:latin typeface="Arial"/>
+                <a:ea typeface="ＭＳ Ｐゴシック"/>
+                <a:cs typeface="Arial"/>
+              </a:rPr>
+              <a:t>Mots clés</a:t>
             </a:r>
           </a:p>
           <a:p>

--- a/java-oop latest.pptx
+++ b/java-oop latest.pptx
@@ -5,10 +5,10 @@
     <p:sldMasterId id="2147483650" r:id="rId1"/>
   </p:sldMasterIdLst>
   <p:notesMasterIdLst>
-    <p:notesMasterId r:id="rId16"/>
+    <p:notesMasterId r:id="rId25"/>
   </p:notesMasterIdLst>
   <p:handoutMasterIdLst>
-    <p:handoutMasterId r:id="rId17"/>
+    <p:handoutMasterId r:id="rId26"/>
   </p:handoutMasterIdLst>
   <p:sldIdLst>
     <p:sldId id="256" r:id="rId2"/>
@@ -16,15 +16,24 @@
     <p:sldId id="371" r:id="rId4"/>
     <p:sldId id="363" r:id="rId5"/>
     <p:sldId id="370" r:id="rId6"/>
-    <p:sldId id="372" r:id="rId7"/>
-    <p:sldId id="377" r:id="rId8"/>
-    <p:sldId id="376" r:id="rId9"/>
-    <p:sldId id="375" r:id="rId10"/>
-    <p:sldId id="374" r:id="rId11"/>
-    <p:sldId id="373" r:id="rId12"/>
-    <p:sldId id="362" r:id="rId13"/>
-    <p:sldId id="366" r:id="rId14"/>
-    <p:sldId id="345" r:id="rId15"/>
+    <p:sldId id="377" r:id="rId7"/>
+    <p:sldId id="376" r:id="rId8"/>
+    <p:sldId id="375" r:id="rId9"/>
+    <p:sldId id="374" r:id="rId10"/>
+    <p:sldId id="373" r:id="rId11"/>
+    <p:sldId id="362" r:id="rId12"/>
+    <p:sldId id="384" r:id="rId13"/>
+    <p:sldId id="385" r:id="rId14"/>
+    <p:sldId id="383" r:id="rId15"/>
+    <p:sldId id="382" r:id="rId16"/>
+    <p:sldId id="378" r:id="rId17"/>
+    <p:sldId id="372" r:id="rId18"/>
+    <p:sldId id="386" r:id="rId19"/>
+    <p:sldId id="387" r:id="rId20"/>
+    <p:sldId id="379" r:id="rId21"/>
+    <p:sldId id="381" r:id="rId22"/>
+    <p:sldId id="366" r:id="rId23"/>
+    <p:sldId id="345" r:id="rId24"/>
   </p:sldIdLst>
   <p:sldSz cx="9144000" cy="6858000" type="screen4x3"/>
   <p:notesSz cx="7010400" cy="9296400"/>
@@ -178,10 +187,12 @@
 <file path=ppt/revisionInfo.xml><?xml version="1.0" encoding="utf-8"?>
 <p1510:revInfo xmlns:a="http://schemas.openxmlformats.org/drawingml/2006/main" xmlns:r="http://schemas.openxmlformats.org/officeDocument/2006/relationships" xmlns:p1510="http://schemas.microsoft.com/office/powerpoint/2015/10/main">
   <p1510:revLst>
+    <p1510:client id="{0C789339-DDC5-49B7-9795-BE5D39E6A1DD}" v="3" dt="2022-08-18T12:48:18.968"/>
     <p1510:client id="{18444539-B928-4433-9615-5883B10F92AF}" v="735" dt="2022-07-20T09:46:12.099"/>
     <p1510:client id="{22B0A339-FF1B-4DE5-A87E-38A812B5531B}" v="181" dt="2022-08-11T10:21:32.619"/>
     <p1510:client id="{3041C01C-36D9-4668-959E-E05AB73D87E7}" v="71" dt="2022-08-18T10:51:23.798"/>
     <p1510:client id="{3C8466A4-5C93-4E44-BBD9-78E05F92B964}" v="64" dt="2022-08-17T16:02:16.582"/>
+    <p1510:client id="{3E691BBC-5168-424C-B8A8-FE14B3E54A46}" v="71" dt="2022-08-18T13:06:30.251"/>
     <p1510:client id="{4A4B7DD8-6C49-438C-83AB-13A6DC5C1A94}" v="4875" dt="2022-07-20T17:10:01.006"/>
     <p1510:client id="{72D5D6BA-D37D-4C0A-ADD6-A22169968FF6}" v="190" dt="2022-08-17T12:51:47.509"/>
     <p1510:client id="{88C564CE-DE1A-463A-8011-0D3EFC446075}" v="313" dt="2022-08-10T09:42:20.319"/>
@@ -3944,14 +3955,14 @@
           <a:lstStyle/>
           <a:p>
             <a:r>
-              <a:rPr lang="fr-CA" sz="3600" cap="none">
+              <a:rPr lang="fr-CA" sz="3600" cap="none" dirty="0">
                 <a:solidFill>
                   <a:srgbClr val="FF0000"/>
                 </a:solidFill>
               </a:rPr>
-              <a:t>I.   INITIATION A JAVA</a:t>
-            </a:r>
-            <a:endParaRPr lang="fr-CA" sz="3600" cap="none">
+              <a:t>III. LES METHODES</a:t>
+            </a:r>
+            <a:endParaRPr lang="fr-CA" sz="3600" cap="none" dirty="0">
               <a:solidFill>
                 <a:srgbClr val="FF0000"/>
               </a:solidFill>
@@ -4022,8 +4033,8 @@
         </p:nvSpPr>
         <p:spPr>
           <a:xfrm>
-            <a:off x="684069" y="1138962"/>
-            <a:ext cx="1601034" cy="400110"/>
+            <a:off x="0" y="1138961"/>
+            <a:ext cx="7435121" cy="2677656"/>
           </a:xfrm>
           <a:prstGeom prst="rect">
             <a:avLst/>
@@ -4035,22 +4046,161 @@
           </a:bodyPr>
           <a:lstStyle/>
           <a:p>
-            <a:r>
-              <a:rPr lang="fr-FR" sz="2000" b="1">
+            <a:pPr marL="457200" indent="-457200">
+              <a:buAutoNum type="arabicPeriod"/>
+            </a:pPr>
+            <a:r>
+              <a:rPr lang="fr-FR" sz="2000" b="1" dirty="0">
+                <a:effectLst>
+                  <a:outerShdw blurRad="38100" dist="38100" dir="2700000" algn="tl">
+                    <a:srgbClr val="000000">
+                      <a:alpha val="43137"/>
+                    </a:srgbClr>
+                  </a:outerShdw>
+                </a:effectLst>
                 <a:latin typeface="Helvetica"/>
                 <a:ea typeface="ＭＳ Ｐゴシック"/>
                 <a:cs typeface="Helvetica"/>
               </a:rPr>
-              <a:t>Historique</a:t>
-            </a:r>
-            <a:endParaRPr lang="fr-FR"/>
+              <a:t>Définition</a:t>
+            </a:r>
+          </a:p>
+          <a:p>
+            <a:r>
+              <a:rPr lang="fr-CI" dirty="0"/>
+              <a:t> </a:t>
+            </a:r>
+            <a:r>
+              <a:rPr lang="fr-FR" dirty="0">
+                <a:latin typeface="Helvetica" panose="020B0604020202020204" pitchFamily="34" charset="0"/>
+                <a:cs typeface="Helvetica" panose="020B0604020202020204" pitchFamily="34" charset="0"/>
+              </a:rPr>
+              <a:t>Une </a:t>
+            </a:r>
+            <a:r>
+              <a:rPr lang="fr-FR" b="1" dirty="0">
+                <a:latin typeface="Helvetica" panose="020B0604020202020204" pitchFamily="34" charset="0"/>
+                <a:cs typeface="Helvetica" panose="020B0604020202020204" pitchFamily="34" charset="0"/>
+              </a:rPr>
+              <a:t>méthode</a:t>
+            </a:r>
+            <a:r>
+              <a:rPr lang="fr-FR" dirty="0">
+                <a:latin typeface="Helvetica" panose="020B0604020202020204" pitchFamily="34" charset="0"/>
+                <a:cs typeface="Helvetica" panose="020B0604020202020204" pitchFamily="34" charset="0"/>
+              </a:rPr>
+              <a:t> est un bloc de code ou une collection d'instructions ou un ensemble de codes regroupés pour effectuer une certaine tâche ou une opération.</a:t>
+            </a:r>
+            <a:endParaRPr lang="fr-CI" dirty="0">
+              <a:latin typeface="Helvetica" panose="020B0604020202020204" pitchFamily="34" charset="0"/>
+              <a:cs typeface="Helvetica" panose="020B0604020202020204" pitchFamily="34" charset="0"/>
+            </a:endParaRPr>
+          </a:p>
+          <a:p>
+            <a:r>
+              <a:rPr lang="fr-FR" dirty="0">
+                <a:latin typeface="Helvetica" panose="020B0604020202020204" pitchFamily="34" charset="0"/>
+                <a:cs typeface="Helvetica" panose="020B0604020202020204" pitchFamily="34" charset="0"/>
+              </a:rPr>
+              <a:t>Il est utilisé pour atteindre la</a:t>
+            </a:r>
+            <a:r>
+              <a:rPr lang="fr-FR" b="1" dirty="0">
+                <a:latin typeface="Helvetica" panose="020B0604020202020204" pitchFamily="34" charset="0"/>
+                <a:cs typeface="Helvetica" panose="020B0604020202020204" pitchFamily="34" charset="0"/>
+              </a:rPr>
+              <a:t> réutilisabilité </a:t>
+            </a:r>
+            <a:r>
+              <a:rPr lang="fr-FR" dirty="0">
+                <a:latin typeface="Helvetica" panose="020B0604020202020204" pitchFamily="34" charset="0"/>
+                <a:cs typeface="Helvetica" panose="020B0604020202020204" pitchFamily="34" charset="0"/>
+              </a:rPr>
+              <a:t>du code.  Une méthode est écrite une fois   et est utilisée plusieurs fois.</a:t>
+            </a:r>
+          </a:p>
+          <a:p>
+            <a:r>
+              <a:rPr lang="fr-FR" sz="2000" b="1" dirty="0">
+                <a:effectLst>
+                  <a:outerShdw blurRad="38100" dist="38100" dir="2700000" algn="tl">
+                    <a:srgbClr val="000000">
+                      <a:alpha val="43137"/>
+                    </a:srgbClr>
+                  </a:outerShdw>
+                </a:effectLst>
+                <a:latin typeface="Helvetica" panose="020B0604020202020204" pitchFamily="34" charset="0"/>
+                <a:cs typeface="Helvetica" panose="020B0604020202020204" pitchFamily="34" charset="0"/>
+              </a:rPr>
+              <a:t>2. Syntaxe</a:t>
+            </a:r>
+          </a:p>
+          <a:p>
+            <a:endParaRPr lang="fr-CI" sz="2000" b="1" dirty="0">
+              <a:effectLst>
+                <a:outerShdw blurRad="38100" dist="38100" dir="2700000" algn="tl">
+                  <a:srgbClr val="000000">
+                    <a:alpha val="43137"/>
+                  </a:srgbClr>
+                </a:outerShdw>
+              </a:effectLst>
+              <a:latin typeface="Helvetica" panose="020B0604020202020204" pitchFamily="34" charset="0"/>
+              <a:cs typeface="Helvetica" panose="020B0604020202020204" pitchFamily="34" charset="0"/>
+            </a:endParaRPr>
+          </a:p>
+          <a:p>
+            <a:endParaRPr lang="fr-FR" dirty="0">
+              <a:effectLst>
+                <a:outerShdw blurRad="38100" dist="38100" dir="2700000" algn="tl">
+                  <a:srgbClr val="000000">
+                    <a:alpha val="43137"/>
+                  </a:srgbClr>
+                </a:outerShdw>
+              </a:effectLst>
+            </a:endParaRPr>
           </a:p>
         </p:txBody>
       </p:sp>
+      <p:pic>
+        <p:nvPicPr>
+          <p:cNvPr id="6" name="Image 5">
+            <a:extLst>
+              <a:ext uri="{FF2B5EF4-FFF2-40B4-BE49-F238E27FC236}">
+                <a16:creationId xmlns:a16="http://schemas.microsoft.com/office/drawing/2014/main" id="{BD80181F-C193-45A9-A060-D2A76D48759F}"/>
+              </a:ext>
+            </a:extLst>
+          </p:cNvPr>
+          <p:cNvPicPr>
+            <a:picLocks noChangeAspect="1"/>
+          </p:cNvPicPr>
+          <p:nvPr/>
+        </p:nvPicPr>
+        <p:blipFill>
+          <a:blip r:embed="rId3">
+            <a:extLst>
+              <a:ext uri="{28A0092B-C50C-407E-A947-70E740481C1C}">
+                <a14:useLocalDpi xmlns:a14="http://schemas.microsoft.com/office/drawing/2010/main" val="0"/>
+              </a:ext>
+            </a:extLst>
+          </a:blip>
+          <a:stretch>
+            <a:fillRect/>
+          </a:stretch>
+        </p:blipFill>
+        <p:spPr>
+          <a:xfrm>
+            <a:off x="1296755" y="3429000"/>
+            <a:ext cx="5201376" cy="2191056"/>
+          </a:xfrm>
+          <a:prstGeom prst="rect">
+            <a:avLst/>
+          </a:prstGeom>
+        </p:spPr>
+      </p:pic>
     </p:spTree>
     <p:extLst>
       <p:ext uri="{BB962C8B-B14F-4D97-AF65-F5344CB8AC3E}">
-        <p14:creationId xmlns:p14="http://schemas.microsoft.com/office/powerpoint/2010/main" val="773615741"/>
+        <p14:creationId xmlns:p14="http://schemas.microsoft.com/office/powerpoint/2010/main" val="303836648"/>
       </p:ext>
     </p:extLst>
   </p:cSld>
@@ -4092,8 +4242,8 @@
         </p:nvSpPr>
         <p:spPr>
           <a:xfrm>
-            <a:off x="683568" y="44625"/>
-            <a:ext cx="8208912" cy="648072"/>
+            <a:off x="749258" y="136590"/>
+            <a:ext cx="7933016" cy="648072"/>
           </a:xfrm>
         </p:spPr>
         <p:txBody>
@@ -4101,19 +4251,15 @@
           <a:lstStyle/>
           <a:p>
             <a:r>
-              <a:rPr lang="fr-CA" sz="3600" cap="none">
+              <a:rPr lang="fr-CA" sz="3600" cap="none" dirty="0">
                 <a:solidFill>
                   <a:srgbClr val="FF0000"/>
                 </a:solidFill>
-              </a:rPr>
-              <a:t>I.   INITIATION A JAVA</a:t>
-            </a:r>
-            <a:endParaRPr lang="fr-CA" sz="3600" cap="none">
-              <a:solidFill>
-                <a:srgbClr val="FF0000"/>
-              </a:solidFill>
-              <a:cs typeface="Arial"/>
-            </a:endParaRPr>
+                <a:latin typeface="Helvetica" panose="020B0604020202020204" pitchFamily="34" charset="0"/>
+                <a:cs typeface="Helvetica" panose="020B0604020202020204" pitchFamily="34" charset="0"/>
+              </a:rPr>
+              <a:t>III. LES METHODES</a:t>
+            </a:r>
           </a:p>
         </p:txBody>
       </p:sp>
@@ -4173,41 +4319,195 @@
       </p:pic>
       <p:sp>
         <p:nvSpPr>
-          <p:cNvPr id="5" name="Rectangle 4"/>
-          <p:cNvSpPr/>
+          <p:cNvPr id="5" name="ZoneTexte 4">
+            <a:extLst>
+              <a:ext uri="{FF2B5EF4-FFF2-40B4-BE49-F238E27FC236}">
+                <a16:creationId xmlns:a16="http://schemas.microsoft.com/office/drawing/2014/main" id="{F7DA77CF-DF35-4278-A8A0-14207A7B4C5E}"/>
+              </a:ext>
+            </a:extLst>
+          </p:cNvPr>
+          <p:cNvSpPr txBox="1"/>
           <p:nvPr/>
         </p:nvSpPr>
         <p:spPr>
           <a:xfrm>
-            <a:off x="684069" y="1138962"/>
-            <a:ext cx="1601034" cy="400110"/>
+            <a:off x="65088" y="983932"/>
+            <a:ext cx="9013824" cy="5139869"/>
           </a:xfrm>
           <a:prstGeom prst="rect">
             <a:avLst/>
           </a:prstGeom>
+          <a:noFill/>
         </p:spPr>
         <p:txBody>
-          <a:bodyPr wrap="square" lIns="91440" tIns="45720" rIns="91440" bIns="45720" anchor="t">
+          <a:bodyPr wrap="square" rtlCol="0">
             <a:spAutoFit/>
           </a:bodyPr>
           <a:lstStyle/>
           <a:p>
             <a:r>
-              <a:rPr lang="fr-FR" sz="2000" b="1">
-                <a:latin typeface="Helvetica"/>
-                <a:ea typeface="ＭＳ Ｐゴシック"/>
-                <a:cs typeface="Helvetica"/>
-              </a:rPr>
-              <a:t>Historique</a:t>
-            </a:r>
-            <a:endParaRPr lang="fr-FR"/>
+              <a:rPr lang="fr-FR" sz="2000" b="1" dirty="0">
+                <a:effectLst>
+                  <a:outerShdw blurRad="38100" dist="38100" dir="2700000" algn="tl">
+                    <a:srgbClr val="000000">
+                      <a:alpha val="43137"/>
+                    </a:srgbClr>
+                  </a:outerShdw>
+                </a:effectLst>
+                <a:latin typeface="Helvetica" panose="020B0604020202020204" pitchFamily="34" charset="0"/>
+                <a:cs typeface="Helvetica" panose="020B0604020202020204" pitchFamily="34" charset="0"/>
+              </a:rPr>
+              <a:t>3. Les spécificateurs d ’accès</a:t>
+            </a:r>
+          </a:p>
+          <a:p>
+            <a:r>
+              <a:rPr lang="fr-FR" dirty="0">
+                <a:latin typeface="Helvetica" panose="020B0604020202020204" pitchFamily="34" charset="0"/>
+                <a:cs typeface="Helvetica" panose="020B0604020202020204" pitchFamily="34" charset="0"/>
+              </a:rPr>
+              <a:t> Le spécificateur ou le modificateur d'accès est le type d'accès de la méthode. Il spécifie la visibilité de la méthode. Java fournit quatre (4) types de spécificateurs d'accès :</a:t>
+            </a:r>
+          </a:p>
+          <a:p>
+            <a:endParaRPr lang="fr-FR" dirty="0">
+              <a:latin typeface="Helvetica" panose="020B0604020202020204" pitchFamily="34" charset="0"/>
+              <a:cs typeface="Helvetica" panose="020B0604020202020204" pitchFamily="34" charset="0"/>
+            </a:endParaRPr>
+          </a:p>
+          <a:p>
+            <a:pPr lvl="0"/>
+            <a:r>
+              <a:rPr lang="fr-FR" b="1" dirty="0">
+                <a:effectLst>
+                  <a:outerShdw blurRad="38100" dist="38100" dir="2700000" algn="tl">
+                    <a:srgbClr val="000000">
+                      <a:alpha val="43137"/>
+                    </a:srgbClr>
+                  </a:outerShdw>
+                </a:effectLst>
+              </a:rPr>
+              <a:t>-Public</a:t>
+            </a:r>
+            <a:r>
+              <a:rPr lang="fr-FR" b="1" dirty="0"/>
+              <a:t> :</a:t>
+            </a:r>
+            <a:r>
+              <a:rPr lang="fr-FR" dirty="0"/>
+              <a:t> la méthode est accessible par toutes les classes lorsque nous utilisons le spécificateur public dans notre application.</a:t>
+            </a:r>
+            <a:endParaRPr lang="fr-CI" dirty="0"/>
+          </a:p>
+          <a:p>
+            <a:pPr lvl="0"/>
+            <a:r>
+              <a:rPr lang="fr-FR" b="1" dirty="0">
+                <a:effectLst>
+                  <a:outerShdw blurRad="38100" dist="38100" dir="2700000" algn="tl">
+                    <a:srgbClr val="000000">
+                      <a:alpha val="43137"/>
+                    </a:srgbClr>
+                  </a:outerShdw>
+                </a:effectLst>
+              </a:rPr>
+              <a:t>-Private</a:t>
+            </a:r>
+            <a:r>
+              <a:rPr lang="fr-FR" b="1" dirty="0"/>
+              <a:t> :</a:t>
+            </a:r>
+            <a:r>
+              <a:rPr lang="fr-FR" dirty="0"/>
+              <a:t> Lorsque nous utilisons un spécificateur d'accès privé, la méthode n'est accessible que dans les classes dans lesquelles elle est définie.</a:t>
+            </a:r>
+            <a:endParaRPr lang="fr-CI" dirty="0"/>
+          </a:p>
+          <a:p>
+            <a:pPr lvl="0"/>
+            <a:r>
+              <a:rPr lang="fr-FR" b="1" dirty="0">
+                <a:effectLst>
+                  <a:outerShdw blurRad="38100" dist="38100" dir="2700000" algn="tl">
+                    <a:srgbClr val="000000">
+                      <a:alpha val="43137"/>
+                    </a:srgbClr>
+                  </a:outerShdw>
+                </a:effectLst>
+              </a:rPr>
+              <a:t>-Protected </a:t>
+            </a:r>
+            <a:r>
+              <a:rPr lang="fr-FR" b="1" dirty="0"/>
+              <a:t>:</a:t>
+            </a:r>
+            <a:r>
+              <a:rPr lang="fr-FR" dirty="0"/>
+              <a:t> lorsque nous utilisons un spécificateur d'accès protégé, la méthode est accessible dans le même package ou dans les sous-classes d'un package différent.</a:t>
+            </a:r>
+            <a:endParaRPr lang="fr-CI" dirty="0"/>
+          </a:p>
+          <a:p>
+            <a:pPr lvl="0"/>
+            <a:r>
+              <a:rPr lang="fr-FR" b="1" dirty="0">
+                <a:effectLst>
+                  <a:outerShdw blurRad="38100" dist="38100" dir="2700000" algn="tl">
+                    <a:srgbClr val="000000">
+                      <a:alpha val="43137"/>
+                    </a:srgbClr>
+                  </a:outerShdw>
+                </a:effectLst>
+              </a:rPr>
+              <a:t>-Par défaut </a:t>
+            </a:r>
+            <a:r>
+              <a:rPr lang="fr-FR" b="1" dirty="0"/>
+              <a:t>:</a:t>
+            </a:r>
+            <a:r>
+              <a:rPr lang="fr-FR" dirty="0"/>
+              <a:t> lorsque nous n'utilisons aucun spécificateur d'accès dans la déclaration de méthode, Java utilise par défaut le spécificateur d'accès par défaut. Il n'est visible qu'à partir du même package uniquement.</a:t>
+            </a:r>
+            <a:endParaRPr lang="fr-CI" dirty="0"/>
+          </a:p>
+          <a:p>
+            <a:endParaRPr lang="fr-FR" dirty="0">
+              <a:latin typeface="Helvetica" panose="020B0604020202020204" pitchFamily="34" charset="0"/>
+              <a:cs typeface="Helvetica" panose="020B0604020202020204" pitchFamily="34" charset="0"/>
+            </a:endParaRPr>
+          </a:p>
+          <a:p>
+            <a:endParaRPr lang="fr-FR" dirty="0">
+              <a:latin typeface="Helvetica" panose="020B0604020202020204" pitchFamily="34" charset="0"/>
+              <a:cs typeface="Helvetica" panose="020B0604020202020204" pitchFamily="34" charset="0"/>
+            </a:endParaRPr>
+          </a:p>
+          <a:p>
+            <a:endParaRPr lang="fr-CI" dirty="0">
+              <a:latin typeface="Helvetica" panose="020B0604020202020204" pitchFamily="34" charset="0"/>
+              <a:cs typeface="Helvetica" panose="020B0604020202020204" pitchFamily="34" charset="0"/>
+            </a:endParaRPr>
+          </a:p>
+          <a:p>
+            <a:endParaRPr lang="fr-CI" sz="2000" b="1" dirty="0">
+              <a:effectLst>
+                <a:outerShdw blurRad="38100" dist="38100" dir="2700000" algn="tl">
+                  <a:srgbClr val="000000">
+                    <a:alpha val="43137"/>
+                  </a:srgbClr>
+                </a:outerShdw>
+              </a:effectLst>
+              <a:latin typeface="Helvetica" panose="020B0604020202020204" pitchFamily="34" charset="0"/>
+              <a:cs typeface="Helvetica" panose="020B0604020202020204" pitchFamily="34" charset="0"/>
+            </a:endParaRPr>
           </a:p>
         </p:txBody>
       </p:sp>
     </p:spTree>
     <p:extLst>
       <p:ext uri="{BB962C8B-B14F-4D97-AF65-F5344CB8AC3E}">
-        <p14:creationId xmlns:p14="http://schemas.microsoft.com/office/powerpoint/2010/main" val="303836648"/>
+        <p14:creationId xmlns:p14="http://schemas.microsoft.com/office/powerpoint/2010/main" val="3259046003"/>
       </p:ext>
     </p:extLst>
   </p:cSld>
@@ -4215,7 +4515,7 @@
     <a:masterClrMapping/>
   </p:clrMapOvr>
   <p:transition spd="slow">
-    <p:push dir="u"/>
+    <p:wipe/>
   </p:transition>
 </p:sld>
 </file>
@@ -4258,13 +4558,13 @@
           <a:lstStyle/>
           <a:p>
             <a:r>
-              <a:rPr lang="fr-CA" sz="3600" cap="none">
+              <a:rPr lang="fr-CA" sz="3600" cap="none" dirty="0">
                 <a:solidFill>
                   <a:srgbClr val="FF0000"/>
                 </a:solidFill>
                 <a:cs typeface="Arial"/>
               </a:rPr>
-              <a:t>Initiation Java  : cadre et outils</a:t>
+              <a:t>III. LES METODES</a:t>
             </a:r>
           </a:p>
         </p:txBody>
@@ -4278,7 +4578,7 @@
           <p:nvPr/>
         </p:nvPicPr>
         <p:blipFill>
-          <a:blip r:embed="rId2">
+          <a:blip r:embed="rId3">
             <a:extLst>
               <a:ext uri="{28A0092B-C50C-407E-A947-70E740481C1C}">
                 <a14:useLocalDpi xmlns:a14="http://schemas.microsoft.com/office/drawing/2010/main" val="0"/>
@@ -4323,10 +4623,103 @@
           </a:extLst>
         </p:spPr>
       </p:pic>
+      <p:sp>
+        <p:nvSpPr>
+          <p:cNvPr id="8" name="ZoneTexte 7">
+            <a:extLst>
+              <a:ext uri="{FF2B5EF4-FFF2-40B4-BE49-F238E27FC236}">
+                <a16:creationId xmlns:a16="http://schemas.microsoft.com/office/drawing/2014/main" id="{2EC3FB72-12F7-47CE-ACE2-2BE85E3A28E3}"/>
+              </a:ext>
+            </a:extLst>
+          </p:cNvPr>
+          <p:cNvSpPr txBox="1"/>
+          <p:nvPr/>
+        </p:nvSpPr>
+        <p:spPr>
+          <a:xfrm>
+            <a:off x="1454046" y="1169233"/>
+            <a:ext cx="5321508" cy="707886"/>
+          </a:xfrm>
+          <a:prstGeom prst="rect">
+            <a:avLst/>
+          </a:prstGeom>
+          <a:noFill/>
+        </p:spPr>
+        <p:txBody>
+          <a:bodyPr wrap="square" rtlCol="0">
+            <a:spAutoFit/>
+          </a:bodyPr>
+          <a:lstStyle/>
+          <a:p>
+            <a:r>
+              <a:rPr lang="fr-FR" sz="2000" b="1" dirty="0">
+                <a:effectLst>
+                  <a:outerShdw blurRad="38100" dist="38100" dir="2700000" algn="tl">
+                    <a:srgbClr val="000000">
+                      <a:alpha val="43137"/>
+                    </a:srgbClr>
+                  </a:outerShdw>
+                </a:effectLst>
+                <a:latin typeface="Helvetica" panose="020B0604020202020204" pitchFamily="34" charset="0"/>
+                <a:cs typeface="Helvetica" panose="020B0604020202020204" pitchFamily="34" charset="0"/>
+              </a:rPr>
+              <a:t>4. Signature de la méthode</a:t>
+            </a:r>
+          </a:p>
+          <a:p>
+            <a:endParaRPr lang="fr-CI" sz="2000" b="1" dirty="0">
+              <a:effectLst>
+                <a:outerShdw blurRad="38100" dist="38100" dir="2700000" algn="tl">
+                  <a:srgbClr val="000000">
+                    <a:alpha val="43137"/>
+                  </a:srgbClr>
+                </a:outerShdw>
+              </a:effectLst>
+              <a:latin typeface="Helvetica" panose="020B0604020202020204" pitchFamily="34" charset="0"/>
+              <a:cs typeface="Helvetica" panose="020B0604020202020204" pitchFamily="34" charset="0"/>
+            </a:endParaRPr>
+          </a:p>
+        </p:txBody>
+      </p:sp>
+      <p:pic>
+        <p:nvPicPr>
+          <p:cNvPr id="10" name="Image 9">
+            <a:extLst>
+              <a:ext uri="{FF2B5EF4-FFF2-40B4-BE49-F238E27FC236}">
+                <a16:creationId xmlns:a16="http://schemas.microsoft.com/office/drawing/2014/main" id="{07C0F98D-1308-4BBC-8DA7-98731CE77ADD}"/>
+              </a:ext>
+            </a:extLst>
+          </p:cNvPr>
+          <p:cNvPicPr>
+            <a:picLocks noChangeAspect="1"/>
+          </p:cNvPicPr>
+          <p:nvPr/>
+        </p:nvPicPr>
+        <p:blipFill rotWithShape="1">
+          <a:blip r:embed="rId4">
+            <a:extLst>
+              <a:ext uri="{28A0092B-C50C-407E-A947-70E740481C1C}">
+                <a14:useLocalDpi xmlns:a14="http://schemas.microsoft.com/office/drawing/2010/main" val="0"/>
+              </a:ext>
+            </a:extLst>
+          </a:blip>
+          <a:srcRect t="13444"/>
+          <a:stretch/>
+        </p:blipFill>
+        <p:spPr>
+          <a:xfrm>
+            <a:off x="1152111" y="2424745"/>
+            <a:ext cx="5925377" cy="4100637"/>
+          </a:xfrm>
+          <a:prstGeom prst="rect">
+            <a:avLst/>
+          </a:prstGeom>
+        </p:spPr>
+      </p:pic>
     </p:spTree>
     <p:extLst>
       <p:ext uri="{BB962C8B-B14F-4D97-AF65-F5344CB8AC3E}">
-        <p14:creationId xmlns:p14="http://schemas.microsoft.com/office/powerpoint/2010/main" val="3259046003"/>
+        <p14:creationId xmlns:p14="http://schemas.microsoft.com/office/powerpoint/2010/main" val="1374013602"/>
       </p:ext>
     </p:extLst>
   </p:cSld>
@@ -4358,7 +4751,7 @@
       </p:grpSpPr>
       <p:sp>
         <p:nvSpPr>
-          <p:cNvPr id="4" name="Titre 3"/>
+          <p:cNvPr id="2" name="Titre 1"/>
           <p:cNvSpPr>
             <a:spLocks noGrp="1"/>
           </p:cNvSpPr>
@@ -4368,8 +4761,8 @@
         </p:nvSpPr>
         <p:spPr>
           <a:xfrm>
-            <a:off x="684213" y="99119"/>
-            <a:ext cx="8064500" cy="665585"/>
+            <a:off x="749258" y="136590"/>
+            <a:ext cx="7933016" cy="648072"/>
           </a:xfrm>
         </p:spPr>
         <p:txBody>
@@ -4377,32 +4770,87 @@
           <a:lstStyle/>
           <a:p>
             <a:r>
-              <a:rPr lang="fr-CA">
+              <a:rPr lang="fr-CA" sz="3600" cap="none" dirty="0">
                 <a:solidFill>
                   <a:srgbClr val="FF0000"/>
                 </a:solidFill>
                 <a:cs typeface="Arial"/>
               </a:rPr>
-              <a:t>REMERCIEMENTS</a:t>
-            </a:r>
-            <a:endParaRPr lang="fr-CA">
-              <a:solidFill>
-                <a:srgbClr val="FF0000"/>
-              </a:solidFill>
-            </a:endParaRPr>
+              <a:t>III. LES METHODES</a:t>
+            </a:r>
           </a:p>
         </p:txBody>
       </p:sp>
+      <p:pic>
+        <p:nvPicPr>
+          <p:cNvPr id="3" name="Image 1"/>
+          <p:cNvPicPr>
+            <a:picLocks noChangeAspect="1"/>
+          </p:cNvPicPr>
+          <p:nvPr/>
+        </p:nvPicPr>
+        <p:blipFill>
+          <a:blip r:embed="rId2">
+            <a:extLst>
+              <a:ext uri="{28A0092B-C50C-407E-A947-70E740481C1C}">
+                <a14:useLocalDpi xmlns:a14="http://schemas.microsoft.com/office/drawing/2010/main" val="0"/>
+              </a:ext>
+            </a:extLst>
+          </a:blip>
+          <a:srcRect/>
+          <a:stretch>
+            <a:fillRect/>
+          </a:stretch>
+        </p:blipFill>
+        <p:spPr bwMode="auto">
+          <a:xfrm>
+            <a:off x="65088" y="6400800"/>
+            <a:ext cx="1554162" cy="396875"/>
+          </a:xfrm>
+          <a:prstGeom prst="rect">
+            <a:avLst/>
+          </a:prstGeom>
+          <a:noFill/>
+          <a:ln>
+            <a:noFill/>
+          </a:ln>
+          <a:extLst>
+            <a:ext uri="{909E8E84-426E-40DD-AFC4-6F175D3DCCD1}">
+              <a14:hiddenFill xmlns:a14="http://schemas.microsoft.com/office/drawing/2010/main">
+                <a:solidFill>
+                  <a:srgbClr val="FFFFFF"/>
+                </a:solidFill>
+              </a14:hiddenFill>
+            </a:ext>
+            <a:ext uri="{91240B29-F687-4F45-9708-019B960494DF}">
+              <a14:hiddenLine xmlns:a14="http://schemas.microsoft.com/office/drawing/2010/main" w="9525">
+                <a:solidFill>
+                  <a:srgbClr val="000000"/>
+                </a:solidFill>
+                <a:miter lim="800000"/>
+                <a:headEnd/>
+                <a:tailEnd/>
+              </a14:hiddenLine>
+            </a:ext>
+          </a:extLst>
+        </p:spPr>
+      </p:pic>
       <p:sp>
         <p:nvSpPr>
-          <p:cNvPr id="6" name="ZoneTexte 5"/>
+          <p:cNvPr id="4" name="ZoneTexte 3">
+            <a:extLst>
+              <a:ext uri="{FF2B5EF4-FFF2-40B4-BE49-F238E27FC236}">
+                <a16:creationId xmlns:a16="http://schemas.microsoft.com/office/drawing/2014/main" id="{D33D8B30-DF75-48CD-BD9C-5E37E4B94B0A}"/>
+              </a:ext>
+            </a:extLst>
+          </p:cNvPr>
           <p:cNvSpPr txBox="1"/>
           <p:nvPr/>
         </p:nvSpPr>
         <p:spPr>
           <a:xfrm>
-            <a:off x="2310710" y="2780928"/>
-            <a:ext cx="4493538" cy="1569660"/>
+            <a:off x="65088" y="1406769"/>
+            <a:ext cx="9078912" cy="4124206"/>
           </a:xfrm>
           <a:prstGeom prst="rect">
             <a:avLst/>
@@ -4410,69 +4858,156 @@
           <a:noFill/>
         </p:spPr>
         <p:txBody>
-          <a:bodyPr wrap="none" rtlCol="0">
+          <a:bodyPr wrap="square" rtlCol="0">
             <a:spAutoFit/>
-            <a:scene3d>
-              <a:camera prst="orthographicFront"/>
-              <a:lightRig rig="glow" dir="tl">
-                <a:rot lat="0" lon="0" rev="5400000"/>
-              </a:lightRig>
-            </a:scene3d>
-            <a:sp3d contourW="12700">
-              <a:bevelT w="25400" h="25400"/>
-              <a:contourClr>
-                <a:schemeClr val="accent6">
-                  <a:shade val="73000"/>
-                </a:schemeClr>
-              </a:contourClr>
-            </a:sp3d>
           </a:bodyPr>
           <a:lstStyle/>
           <a:p>
             <a:r>
-              <a:rPr lang="fr-CA" sz="9600" b="1">
-                <a:ln w="11430"/>
+              <a:rPr lang="fr-FR" sz="2000" b="1" dirty="0">
                 <a:effectLst>
-                  <a:outerShdw blurRad="80000" dist="40000" dir="5040000" algn="tl">
+                  <a:outerShdw blurRad="38100" dist="38100" dir="2700000" algn="tl">
                     <a:srgbClr val="000000">
-                      <a:alpha val="30000"/>
+                      <a:alpha val="43137"/>
                     </a:srgbClr>
                   </a:outerShdw>
                 </a:effectLst>
-              </a:rPr>
-              <a:t>Merci !</a:t>
-            </a:r>
-            <a:r>
-              <a:rPr lang="fr-CA" sz="9600" b="1">
-                <a:ln w="11430"/>
-                <a:solidFill>
-                  <a:schemeClr val="bg1">
-                    <a:lumMod val="50000"/>
-                  </a:schemeClr>
-                </a:solidFill>
+                <a:latin typeface="Helvetica" panose="020B0604020202020204" pitchFamily="34" charset="0"/>
+                <a:cs typeface="Helvetica" panose="020B0604020202020204" pitchFamily="34" charset="0"/>
+              </a:rPr>
+              <a:t>5. Méthode statique</a:t>
+            </a:r>
+          </a:p>
+          <a:p>
+            <a:endParaRPr lang="fr-FR" sz="2000" b="1" dirty="0">
+              <a:effectLst>
+                <a:outerShdw blurRad="38100" dist="38100" dir="2700000" algn="tl">
+                  <a:srgbClr val="000000">
+                    <a:alpha val="43137"/>
+                  </a:srgbClr>
+                </a:outerShdw>
+              </a:effectLst>
+              <a:latin typeface="Helvetica" panose="020B0604020202020204" pitchFamily="34" charset="0"/>
+              <a:cs typeface="Helvetica" panose="020B0604020202020204" pitchFamily="34" charset="0"/>
+            </a:endParaRPr>
+          </a:p>
+          <a:p>
+            <a:pPr marL="800100" lvl="1" indent="-342900">
+              <a:buFont typeface="Wingdings" panose="05000000000000000000" pitchFamily="2" charset="2"/>
+              <a:buChar char="Ø"/>
+            </a:pPr>
+            <a:r>
+              <a:rPr lang="fr-FR" sz="2000" b="1" dirty="0">
                 <a:effectLst>
-                  <a:outerShdw blurRad="80000" dist="40000" dir="5040000" algn="tl">
+                  <a:outerShdw blurRad="38100" dist="38100" dir="2700000" algn="tl">
                     <a:srgbClr val="000000">
-                      <a:alpha val="30000"/>
+                      <a:alpha val="43137"/>
                     </a:srgbClr>
                   </a:outerShdw>
                 </a:effectLst>
-              </a:rPr>
-              <a:t> </a:t>
-            </a:r>
+                <a:latin typeface="Helvetica" panose="020B0604020202020204" pitchFamily="34" charset="0"/>
+                <a:cs typeface="Helvetica" panose="020B0604020202020204" pitchFamily="34" charset="0"/>
+              </a:rPr>
+              <a:t> Définition</a:t>
+            </a:r>
+          </a:p>
+          <a:p>
+            <a:pPr lvl="1"/>
+            <a:endParaRPr lang="fr-FR" sz="2000" b="1" dirty="0">
+              <a:effectLst>
+                <a:outerShdw blurRad="38100" dist="38100" dir="2700000" algn="tl">
+                  <a:srgbClr val="000000">
+                    <a:alpha val="43137"/>
+                  </a:srgbClr>
+                </a:outerShdw>
+              </a:effectLst>
+              <a:latin typeface="Helvetica" panose="020B0604020202020204" pitchFamily="34" charset="0"/>
+              <a:cs typeface="Helvetica" panose="020B0604020202020204" pitchFamily="34" charset="0"/>
+            </a:endParaRPr>
+          </a:p>
+          <a:p>
+            <a:r>
+              <a:rPr lang="fr-FR" dirty="0">
+                <a:latin typeface="Helvetica" panose="020B0604020202020204" pitchFamily="34" charset="0"/>
+                <a:cs typeface="Helvetica" panose="020B0604020202020204" pitchFamily="34" charset="0"/>
+              </a:rPr>
+              <a:t>Une méthode qui a un mot-clé statique est appelée méthode statique. En d'autres termes, une méthode qui appartient à une classe plutôt qu'à une instance d'une classe est appelée méthode statique. Nous pouvons également créer une méthode statique en utilisant le mot-clé </a:t>
+            </a:r>
+            <a:r>
+              <a:rPr lang="fr-FR" b="1" dirty="0">
+                <a:latin typeface="Helvetica" panose="020B0604020202020204" pitchFamily="34" charset="0"/>
+                <a:cs typeface="Helvetica" panose="020B0604020202020204" pitchFamily="34" charset="0"/>
+              </a:rPr>
+              <a:t>static</a:t>
+            </a:r>
+            <a:r>
+              <a:rPr lang="fr-FR" dirty="0">
+                <a:latin typeface="Helvetica" panose="020B0604020202020204" pitchFamily="34" charset="0"/>
+                <a:cs typeface="Helvetica" panose="020B0604020202020204" pitchFamily="34" charset="0"/>
+              </a:rPr>
+              <a:t> avant le nom de la méthode.</a:t>
+            </a:r>
+            <a:endParaRPr lang="fr-CI" dirty="0">
+              <a:latin typeface="Helvetica" panose="020B0604020202020204" pitchFamily="34" charset="0"/>
+              <a:cs typeface="Helvetica" panose="020B0604020202020204" pitchFamily="34" charset="0"/>
+            </a:endParaRPr>
+          </a:p>
+          <a:p>
+            <a:r>
+              <a:rPr lang="fr-FR" dirty="0">
+                <a:latin typeface="Helvetica" panose="020B0604020202020204" pitchFamily="34" charset="0"/>
+                <a:cs typeface="Helvetica" panose="020B0604020202020204" pitchFamily="34" charset="0"/>
+              </a:rPr>
+              <a:t>Le principal avantage d'une méthode statique est que nous pouvons l'appeler sans créer d'objet. Il peut accéder aux membres de données statiques et également en modifier la valeur. Il est utilisé pour créer une méthode d'instance. Il est appelé en utilisant le nom de la classe. Le meilleur exemple de méthode statique est la méthode </a:t>
+            </a:r>
+            <a:r>
+              <a:rPr lang="fr-FR" b="1" dirty="0">
+                <a:latin typeface="Helvetica" panose="020B0604020202020204" pitchFamily="34" charset="0"/>
+                <a:cs typeface="Helvetica" panose="020B0604020202020204" pitchFamily="34" charset="0"/>
+              </a:rPr>
+              <a:t>main()</a:t>
+            </a:r>
+            <a:r>
+              <a:rPr lang="fr-FR" dirty="0">
+                <a:latin typeface="Helvetica" panose="020B0604020202020204" pitchFamily="34" charset="0"/>
+                <a:cs typeface="Helvetica" panose="020B0604020202020204" pitchFamily="34" charset="0"/>
+              </a:rPr>
+              <a:t>.</a:t>
+            </a:r>
+            <a:endParaRPr lang="fr-CI" dirty="0">
+              <a:latin typeface="Helvetica" panose="020B0604020202020204" pitchFamily="34" charset="0"/>
+              <a:cs typeface="Helvetica" panose="020B0604020202020204" pitchFamily="34" charset="0"/>
+            </a:endParaRPr>
+          </a:p>
+          <a:p>
+            <a:pPr lvl="1"/>
+            <a:endParaRPr lang="fr-CI" sz="2000" b="1" dirty="0">
+              <a:effectLst>
+                <a:outerShdw blurRad="38100" dist="38100" dir="2700000" algn="tl">
+                  <a:srgbClr val="000000">
+                    <a:alpha val="43137"/>
+                  </a:srgbClr>
+                </a:outerShdw>
+              </a:effectLst>
+              <a:latin typeface="Helvetica" panose="020B0604020202020204" pitchFamily="34" charset="0"/>
+              <a:cs typeface="Helvetica" panose="020B0604020202020204" pitchFamily="34" charset="0"/>
+            </a:endParaRPr>
           </a:p>
         </p:txBody>
       </p:sp>
     </p:spTree>
     <p:extLst>
       <p:ext uri="{BB962C8B-B14F-4D97-AF65-F5344CB8AC3E}">
-        <p14:creationId xmlns:p14="http://schemas.microsoft.com/office/powerpoint/2010/main" val="2025614599"/>
+        <p14:creationId xmlns:p14="http://schemas.microsoft.com/office/powerpoint/2010/main" val="3863534704"/>
       </p:ext>
     </p:extLst>
   </p:cSld>
   <p:clrMapOvr>
     <a:masterClrMapping/>
   </p:clrMapOvr>
+  <p:transition spd="slow">
+    <p:wipe/>
+  </p:transition>
 </p:sld>
 </file>
 
@@ -4495,7 +5030,7 @@
       </p:grpSpPr>
       <p:sp>
         <p:nvSpPr>
-          <p:cNvPr id="4" name="Titre 3"/>
+          <p:cNvPr id="2" name="Titre 1"/>
           <p:cNvSpPr>
             <a:spLocks noGrp="1"/>
           </p:cNvSpPr>
@@ -4505,8 +5040,8 @@
         </p:nvSpPr>
         <p:spPr>
           <a:xfrm>
-            <a:off x="684213" y="44624"/>
-            <a:ext cx="8208962" cy="837456"/>
+            <a:off x="749258" y="136590"/>
+            <a:ext cx="7933016" cy="648072"/>
           </a:xfrm>
         </p:spPr>
         <p:txBody>
@@ -4514,79 +5049,22 @@
           <a:lstStyle/>
           <a:p>
             <a:r>
-              <a:rPr lang="fr-CA">
+              <a:rPr lang="fr-CA" sz="3600" cap="none" dirty="0">
                 <a:solidFill>
                   <a:srgbClr val="FF0000"/>
                 </a:solidFill>
-                <a:ea typeface="+mj-lt"/>
-                <a:cs typeface="+mj-lt"/>
-              </a:rPr>
-              <a:t>Questions</a:t>
-            </a:r>
-            <a:r>
-              <a:rPr lang="fr-CA">
-                <a:solidFill>
-                  <a:srgbClr val="C00000"/>
-                </a:solidFill>
-              </a:rPr>
-              <a:t> …</a:t>
-            </a:r>
-            <a:endParaRPr lang="fr-FR">
-              <a:cs typeface="Arial"/>
-            </a:endParaRPr>
-          </a:p>
-        </p:txBody>
-      </p:sp>
-      <p:sp>
-        <p:nvSpPr>
-          <p:cNvPr id="6" name="ZoneTexte 5"/>
-          <p:cNvSpPr txBox="1"/>
-          <p:nvPr/>
-        </p:nvSpPr>
-        <p:spPr>
-          <a:xfrm>
-            <a:off x="2627784" y="2708920"/>
-            <a:ext cx="3456384" cy="1292662"/>
-          </a:xfrm>
-          <a:prstGeom prst="rect">
-            <a:avLst/>
-          </a:prstGeom>
-          <a:noFill/>
-        </p:spPr>
-        <p:txBody>
-          <a:bodyPr wrap="square" rtlCol="0">
-            <a:spAutoFit/>
-          </a:bodyPr>
-          <a:lstStyle/>
-          <a:p>
-            <a:pPr algn="ctr"/>
-            <a:r>
-              <a:rPr lang="fr-FR" sz="6000" b="1">
-                <a:solidFill>
-                  <a:schemeClr val="bg1"/>
-                </a:solidFill>
-              </a:rPr>
-              <a:t>Q&amp;A</a:t>
-            </a:r>
-          </a:p>
-          <a:p>
-            <a:pPr algn="ctr"/>
-            <a:r>
-              <a:rPr lang="fr-FR" b="1">
-                <a:solidFill>
-                  <a:schemeClr val="bg1"/>
-                </a:solidFill>
-              </a:rPr>
-              <a:t>www.osositechnologies.com</a:t>
+                <a:cs typeface="Arial"/>
+              </a:rPr>
+              <a:t>III. LES METHODES</a:t>
             </a:r>
           </a:p>
         </p:txBody>
       </p:sp>
       <p:pic>
         <p:nvPicPr>
-          <p:cNvPr id="10242" name="Picture 2"/>
+          <p:cNvPr id="3" name="Image 1"/>
           <p:cNvPicPr>
-            <a:picLocks noChangeAspect="1" noChangeArrowheads="1"/>
+            <a:picLocks noChangeAspect="1"/>
           </p:cNvPicPr>
           <p:nvPr/>
         </p:nvPicPr>
@@ -4605,8 +5083,8 @@
         </p:blipFill>
         <p:spPr bwMode="auto">
           <a:xfrm>
-            <a:off x="90488" y="2119313"/>
-            <a:ext cx="8963025" cy="2619375"/>
+            <a:off x="65088" y="6400800"/>
+            <a:ext cx="1554162" cy="396875"/>
           </a:xfrm>
           <a:prstGeom prst="rect">
             <a:avLst/>
@@ -4619,14 +5097,14 @@
             <a:ext uri="{909E8E84-426E-40DD-AFC4-6F175D3DCCD1}">
               <a14:hiddenFill xmlns:a14="http://schemas.microsoft.com/office/drawing/2010/main">
                 <a:solidFill>
-                  <a:schemeClr val="accent1"/>
+                  <a:srgbClr val="FFFFFF"/>
                 </a:solidFill>
               </a14:hiddenFill>
             </a:ext>
             <a:ext uri="{91240B29-F687-4F45-9708-019B960494DF}">
               <a14:hiddenLine xmlns:a14="http://schemas.microsoft.com/office/drawing/2010/main" w="9525">
                 <a:solidFill>
-                  <a:schemeClr val="tx1"/>
+                  <a:srgbClr val="000000"/>
                 </a:solidFill>
                 <a:miter lim="800000"/>
                 <a:headEnd/>
@@ -4638,14 +5116,20 @@
       </p:pic>
       <p:sp>
         <p:nvSpPr>
-          <p:cNvPr id="2" name="ZoneTexte 1"/>
+          <p:cNvPr id="4" name="ZoneTexte 3">
+            <a:extLst>
+              <a:ext uri="{FF2B5EF4-FFF2-40B4-BE49-F238E27FC236}">
+                <a16:creationId xmlns:a16="http://schemas.microsoft.com/office/drawing/2014/main" id="{8E02A992-5A2D-4AC6-B4AB-49262AC83ADD}"/>
+              </a:ext>
+            </a:extLst>
+          </p:cNvPr>
           <p:cNvSpPr txBox="1"/>
           <p:nvPr/>
         </p:nvSpPr>
         <p:spPr>
           <a:xfrm>
-            <a:off x="744949" y="2691713"/>
-            <a:ext cx="7416824" cy="1446550"/>
+            <a:off x="65088" y="914399"/>
+            <a:ext cx="8853829" cy="984885"/>
           </a:xfrm>
           <a:prstGeom prst="rect">
             <a:avLst/>
@@ -4658,39 +5142,1320 @@
           </a:bodyPr>
           <a:lstStyle/>
           <a:p>
-            <a:pPr algn="ctr"/>
-            <a:r>
-              <a:rPr lang="fr-CA" sz="6000" b="1">
-                <a:solidFill>
-                  <a:schemeClr val="bg1"/>
-                </a:solidFill>
-              </a:rPr>
-              <a:t>Q&amp;A</a:t>
-            </a:r>
-          </a:p>
-          <a:p>
-            <a:pPr algn="ctr"/>
-            <a:r>
-              <a:rPr lang="fr-CA" sz="2800" b="1">
-                <a:solidFill>
-                  <a:schemeClr val="bg1"/>
-                </a:solidFill>
-              </a:rPr>
-              <a:t>www.osistechnologies.com</a:t>
-            </a:r>
+            <a:pPr marL="742950" lvl="1" indent="-285750">
+              <a:buFont typeface="Wingdings" panose="05000000000000000000" pitchFamily="2" charset="2"/>
+              <a:buChar char="Ø"/>
+            </a:pPr>
+            <a:r>
+              <a:rPr lang="fr-FR" sz="2000" b="1" dirty="0">
+                <a:effectLst>
+                  <a:outerShdw blurRad="38100" dist="38100" dir="2700000" algn="tl">
+                    <a:srgbClr val="000000">
+                      <a:alpha val="43137"/>
+                    </a:srgbClr>
+                  </a:outerShdw>
+                </a:effectLst>
+                <a:latin typeface="Helvetica" panose="020B0604020202020204" pitchFamily="34" charset="0"/>
+                <a:cs typeface="Helvetica" panose="020B0604020202020204" pitchFamily="34" charset="0"/>
+              </a:rPr>
+              <a:t>Exemple</a:t>
+            </a:r>
+          </a:p>
+          <a:p>
+            <a:pPr lvl="1"/>
+            <a:endParaRPr lang="fr-FR" sz="2000" b="1" dirty="0">
+              <a:effectLst>
+                <a:outerShdw blurRad="38100" dist="38100" dir="2700000" algn="tl">
+                  <a:srgbClr val="000000">
+                    <a:alpha val="43137"/>
+                  </a:srgbClr>
+                </a:outerShdw>
+              </a:effectLst>
+              <a:latin typeface="Helvetica" panose="020B0604020202020204" pitchFamily="34" charset="0"/>
+              <a:cs typeface="Helvetica" panose="020B0604020202020204" pitchFamily="34" charset="0"/>
+            </a:endParaRPr>
+          </a:p>
+          <a:p>
+            <a:pPr lvl="1"/>
+            <a:endParaRPr lang="fr-FR" b="1" dirty="0">
+              <a:effectLst>
+                <a:outerShdw blurRad="38100" dist="38100" dir="2700000" algn="tl">
+                  <a:srgbClr val="000000">
+                    <a:alpha val="43137"/>
+                  </a:srgbClr>
+                </a:outerShdw>
+              </a:effectLst>
+              <a:latin typeface="Helvetica" panose="020B0604020202020204" pitchFamily="34" charset="0"/>
+              <a:cs typeface="Helvetica" panose="020B0604020202020204" pitchFamily="34" charset="0"/>
+            </a:endParaRPr>
           </a:p>
         </p:txBody>
       </p:sp>
+      <p:pic>
+        <p:nvPicPr>
+          <p:cNvPr id="10" name="Image 9">
+            <a:extLst>
+              <a:ext uri="{FF2B5EF4-FFF2-40B4-BE49-F238E27FC236}">
+                <a16:creationId xmlns:a16="http://schemas.microsoft.com/office/drawing/2014/main" id="{E604BF5A-6F31-4413-BC20-13EF626C317C}"/>
+              </a:ext>
+            </a:extLst>
+          </p:cNvPr>
+          <p:cNvPicPr>
+            <a:picLocks noChangeAspect="1"/>
+          </p:cNvPicPr>
+          <p:nvPr/>
+        </p:nvPicPr>
+        <p:blipFill>
+          <a:blip r:embed="rId3">
+            <a:extLst>
+              <a:ext uri="{28A0092B-C50C-407E-A947-70E740481C1C}">
+                <a14:useLocalDpi xmlns:a14="http://schemas.microsoft.com/office/drawing/2010/main" val="0"/>
+              </a:ext>
+            </a:extLst>
+          </a:blip>
+          <a:stretch>
+            <a:fillRect/>
+          </a:stretch>
+        </p:blipFill>
+        <p:spPr>
+          <a:xfrm>
+            <a:off x="960434" y="1580436"/>
+            <a:ext cx="7170692" cy="4637484"/>
+          </a:xfrm>
+          <a:prstGeom prst="rect">
+            <a:avLst/>
+          </a:prstGeom>
+        </p:spPr>
+      </p:pic>
     </p:spTree>
     <p:extLst>
       <p:ext uri="{BB962C8B-B14F-4D97-AF65-F5344CB8AC3E}">
-        <p14:creationId xmlns:p14="http://schemas.microsoft.com/office/powerpoint/2010/main" val="2422523383"/>
+        <p14:creationId xmlns:p14="http://schemas.microsoft.com/office/powerpoint/2010/main" val="3539881733"/>
       </p:ext>
     </p:extLst>
   </p:cSld>
   <p:clrMapOvr>
     <a:masterClrMapping/>
   </p:clrMapOvr>
+  <p:transition spd="slow">
+    <p:wipe/>
+  </p:transition>
+</p:sld>
+</file>
+
+<file path=ppt/slides/slide15.xml><?xml version="1.0" encoding="utf-8"?>
+<p:sld xmlns:a="http://schemas.openxmlformats.org/drawingml/2006/main" xmlns:r="http://schemas.openxmlformats.org/officeDocument/2006/relationships" xmlns:p="http://schemas.openxmlformats.org/presentationml/2006/main">
+  <p:cSld>
+    <p:spTree>
+      <p:nvGrpSpPr>
+        <p:cNvPr id="1" name=""/>
+        <p:cNvGrpSpPr/>
+        <p:nvPr/>
+      </p:nvGrpSpPr>
+      <p:grpSpPr>
+        <a:xfrm>
+          <a:off x="0" y="0"/>
+          <a:ext cx="0" cy="0"/>
+          <a:chOff x="0" y="0"/>
+          <a:chExt cx="0" cy="0"/>
+        </a:xfrm>
+      </p:grpSpPr>
+      <p:sp>
+        <p:nvSpPr>
+          <p:cNvPr id="2" name="Titre 1"/>
+          <p:cNvSpPr>
+            <a:spLocks noGrp="1"/>
+          </p:cNvSpPr>
+          <p:nvPr>
+            <p:ph type="title"/>
+          </p:nvPr>
+        </p:nvSpPr>
+        <p:spPr>
+          <a:xfrm>
+            <a:off x="749258" y="136590"/>
+            <a:ext cx="7933016" cy="648072"/>
+          </a:xfrm>
+        </p:spPr>
+        <p:txBody>
+          <a:bodyPr/>
+          <a:lstStyle/>
+          <a:p>
+            <a:r>
+              <a:rPr lang="fr-CA" sz="3600" cap="none" dirty="0">
+                <a:solidFill>
+                  <a:srgbClr val="FF0000"/>
+                </a:solidFill>
+                <a:cs typeface="Arial"/>
+              </a:rPr>
+              <a:t>III. LES METHODES</a:t>
+            </a:r>
+          </a:p>
+        </p:txBody>
+      </p:sp>
+      <p:pic>
+        <p:nvPicPr>
+          <p:cNvPr id="3" name="Image 1"/>
+          <p:cNvPicPr>
+            <a:picLocks noChangeAspect="1"/>
+          </p:cNvPicPr>
+          <p:nvPr/>
+        </p:nvPicPr>
+        <p:blipFill>
+          <a:blip r:embed="rId2">
+            <a:extLst>
+              <a:ext uri="{28A0092B-C50C-407E-A947-70E740481C1C}">
+                <a14:useLocalDpi xmlns:a14="http://schemas.microsoft.com/office/drawing/2010/main" val="0"/>
+              </a:ext>
+            </a:extLst>
+          </a:blip>
+          <a:srcRect/>
+          <a:stretch>
+            <a:fillRect/>
+          </a:stretch>
+        </p:blipFill>
+        <p:spPr bwMode="auto">
+          <a:xfrm>
+            <a:off x="65088" y="6400800"/>
+            <a:ext cx="1554162" cy="396875"/>
+          </a:xfrm>
+          <a:prstGeom prst="rect">
+            <a:avLst/>
+          </a:prstGeom>
+          <a:noFill/>
+          <a:ln>
+            <a:noFill/>
+          </a:ln>
+          <a:extLst>
+            <a:ext uri="{909E8E84-426E-40DD-AFC4-6F175D3DCCD1}">
+              <a14:hiddenFill xmlns:a14="http://schemas.microsoft.com/office/drawing/2010/main">
+                <a:solidFill>
+                  <a:srgbClr val="FFFFFF"/>
+                </a:solidFill>
+              </a14:hiddenFill>
+            </a:ext>
+            <a:ext uri="{91240B29-F687-4F45-9708-019B960494DF}">
+              <a14:hiddenLine xmlns:a14="http://schemas.microsoft.com/office/drawing/2010/main" w="9525">
+                <a:solidFill>
+                  <a:srgbClr val="000000"/>
+                </a:solidFill>
+                <a:miter lim="800000"/>
+                <a:headEnd/>
+                <a:tailEnd/>
+              </a14:hiddenLine>
+            </a:ext>
+          </a:extLst>
+        </p:spPr>
+      </p:pic>
+      <p:sp>
+        <p:nvSpPr>
+          <p:cNvPr id="5" name="ZoneTexte 4">
+            <a:extLst>
+              <a:ext uri="{FF2B5EF4-FFF2-40B4-BE49-F238E27FC236}">
+                <a16:creationId xmlns:a16="http://schemas.microsoft.com/office/drawing/2014/main" id="{5DE352B2-38D8-494A-8630-B0A5300C01EB}"/>
+              </a:ext>
+            </a:extLst>
+          </p:cNvPr>
+          <p:cNvSpPr txBox="1"/>
+          <p:nvPr/>
+        </p:nvSpPr>
+        <p:spPr>
+          <a:xfrm>
+            <a:off x="65087" y="998327"/>
+            <a:ext cx="8924167" cy="2369880"/>
+          </a:xfrm>
+          <a:prstGeom prst="rect">
+            <a:avLst/>
+          </a:prstGeom>
+          <a:noFill/>
+        </p:spPr>
+        <p:txBody>
+          <a:bodyPr wrap="square" rtlCol="0">
+            <a:spAutoFit/>
+          </a:bodyPr>
+          <a:lstStyle/>
+          <a:p>
+            <a:r>
+              <a:rPr lang="fr-FR" sz="2000" b="1" dirty="0">
+                <a:effectLst>
+                  <a:outerShdw blurRad="38100" dist="38100" dir="2700000" algn="tl">
+                    <a:srgbClr val="000000">
+                      <a:alpha val="43137"/>
+                    </a:srgbClr>
+                  </a:outerShdw>
+                </a:effectLst>
+                <a:latin typeface="Helvetica" panose="020B0604020202020204" pitchFamily="34" charset="0"/>
+                <a:cs typeface="Helvetica" panose="020B0604020202020204" pitchFamily="34" charset="0"/>
+              </a:rPr>
+              <a:t>6. Méthode d’instance</a:t>
+            </a:r>
+          </a:p>
+          <a:p>
+            <a:endParaRPr lang="fr-FR" sz="2000" b="1" dirty="0">
+              <a:effectLst>
+                <a:outerShdw blurRad="38100" dist="38100" dir="2700000" algn="tl">
+                  <a:srgbClr val="000000">
+                    <a:alpha val="43137"/>
+                  </a:srgbClr>
+                </a:outerShdw>
+              </a:effectLst>
+              <a:latin typeface="Helvetica" panose="020B0604020202020204" pitchFamily="34" charset="0"/>
+              <a:cs typeface="Helvetica" panose="020B0604020202020204" pitchFamily="34" charset="0"/>
+            </a:endParaRPr>
+          </a:p>
+          <a:p>
+            <a:r>
+              <a:rPr lang="fr-FR" dirty="0"/>
+              <a:t>La méthode de la classe est connue sous le nom de </a:t>
+            </a:r>
+            <a:r>
+              <a:rPr lang="fr-FR" b="1" dirty="0"/>
+              <a:t>méthode d’instance. </a:t>
+            </a:r>
+            <a:r>
+              <a:rPr lang="fr-FR" dirty="0"/>
+              <a:t>C'est une méthode </a:t>
+            </a:r>
+            <a:r>
+              <a:rPr lang="fr-FR" b="1" dirty="0"/>
+              <a:t>non statique</a:t>
+            </a:r>
+            <a:r>
+              <a:rPr lang="fr-FR" dirty="0"/>
+              <a:t> définie dans la classe. Avant d'appeler ou d'invoquer la méthode d'instance, il est nécessaire de créer un objet de sa classe. Voyons un exemple de méthode d'instance.</a:t>
+            </a:r>
+          </a:p>
+          <a:p>
+            <a:endParaRPr lang="fr-CI" dirty="0"/>
+          </a:p>
+          <a:p>
+            <a:endParaRPr lang="fr-CI" dirty="0"/>
+          </a:p>
+        </p:txBody>
+      </p:sp>
+      <p:pic>
+        <p:nvPicPr>
+          <p:cNvPr id="9" name="Image 8">
+            <a:extLst>
+              <a:ext uri="{FF2B5EF4-FFF2-40B4-BE49-F238E27FC236}">
+                <a16:creationId xmlns:a16="http://schemas.microsoft.com/office/drawing/2014/main" id="{0C36CB52-3E28-4EAC-A19B-AFC9CE31B39D}"/>
+              </a:ext>
+            </a:extLst>
+          </p:cNvPr>
+          <p:cNvPicPr>
+            <a:picLocks noChangeAspect="1"/>
+          </p:cNvPicPr>
+          <p:nvPr/>
+        </p:nvPicPr>
+        <p:blipFill>
+          <a:blip r:embed="rId3">
+            <a:extLst>
+              <a:ext uri="{28A0092B-C50C-407E-A947-70E740481C1C}">
+                <a14:useLocalDpi xmlns:a14="http://schemas.microsoft.com/office/drawing/2010/main" val="0"/>
+              </a:ext>
+            </a:extLst>
+          </a:blip>
+          <a:stretch>
+            <a:fillRect/>
+          </a:stretch>
+        </p:blipFill>
+        <p:spPr>
+          <a:xfrm>
+            <a:off x="1538731" y="2841675"/>
+            <a:ext cx="5976877" cy="3874346"/>
+          </a:xfrm>
+          <a:prstGeom prst="rect">
+            <a:avLst/>
+          </a:prstGeom>
+        </p:spPr>
+      </p:pic>
+    </p:spTree>
+    <p:extLst>
+      <p:ext uri="{BB962C8B-B14F-4D97-AF65-F5344CB8AC3E}">
+        <p14:creationId xmlns:p14="http://schemas.microsoft.com/office/powerpoint/2010/main" val="508845081"/>
+      </p:ext>
+    </p:extLst>
+  </p:cSld>
+  <p:clrMapOvr>
+    <a:masterClrMapping/>
+  </p:clrMapOvr>
+  <p:transition spd="slow">
+    <p:wipe/>
+  </p:transition>
+</p:sld>
+</file>
+
+<file path=ppt/slides/slide16.xml><?xml version="1.0" encoding="utf-8"?>
+<p:sld xmlns:a="http://schemas.openxmlformats.org/drawingml/2006/main" xmlns:r="http://schemas.openxmlformats.org/officeDocument/2006/relationships" xmlns:p="http://schemas.openxmlformats.org/presentationml/2006/main">
+  <p:cSld>
+    <p:spTree>
+      <p:nvGrpSpPr>
+        <p:cNvPr id="1" name=""/>
+        <p:cNvGrpSpPr/>
+        <p:nvPr/>
+      </p:nvGrpSpPr>
+      <p:grpSpPr>
+        <a:xfrm>
+          <a:off x="0" y="0"/>
+          <a:ext cx="0" cy="0"/>
+          <a:chOff x="0" y="0"/>
+          <a:chExt cx="0" cy="0"/>
+        </a:xfrm>
+      </p:grpSpPr>
+      <p:sp>
+        <p:nvSpPr>
+          <p:cNvPr id="2" name="Titre 1"/>
+          <p:cNvSpPr>
+            <a:spLocks noGrp="1"/>
+          </p:cNvSpPr>
+          <p:nvPr>
+            <p:ph type="title"/>
+          </p:nvPr>
+        </p:nvSpPr>
+        <p:spPr>
+          <a:xfrm>
+            <a:off x="749258" y="136590"/>
+            <a:ext cx="7933016" cy="648072"/>
+          </a:xfrm>
+        </p:spPr>
+        <p:txBody>
+          <a:bodyPr/>
+          <a:lstStyle/>
+          <a:p>
+            <a:r>
+              <a:rPr lang="fr-CA" sz="3600" cap="none" dirty="0">
+                <a:solidFill>
+                  <a:srgbClr val="FF0000"/>
+                </a:solidFill>
+                <a:cs typeface="Arial"/>
+              </a:rPr>
+              <a:t>HERITAGE</a:t>
+            </a:r>
+            <a:endParaRPr lang="fr-FR" dirty="0"/>
+          </a:p>
+        </p:txBody>
+      </p:sp>
+      <p:pic>
+        <p:nvPicPr>
+          <p:cNvPr id="3" name="Image 1"/>
+          <p:cNvPicPr>
+            <a:picLocks noChangeAspect="1"/>
+          </p:cNvPicPr>
+          <p:nvPr/>
+        </p:nvPicPr>
+        <p:blipFill>
+          <a:blip r:embed="rId2">
+            <a:extLst>
+              <a:ext uri="{28A0092B-C50C-407E-A947-70E740481C1C}">
+                <a14:useLocalDpi xmlns:a14="http://schemas.microsoft.com/office/drawing/2010/main" val="0"/>
+              </a:ext>
+            </a:extLst>
+          </a:blip>
+          <a:srcRect/>
+          <a:stretch>
+            <a:fillRect/>
+          </a:stretch>
+        </p:blipFill>
+        <p:spPr bwMode="auto">
+          <a:xfrm>
+            <a:off x="65088" y="6400800"/>
+            <a:ext cx="1554162" cy="396875"/>
+          </a:xfrm>
+          <a:prstGeom prst="rect">
+            <a:avLst/>
+          </a:prstGeom>
+          <a:noFill/>
+          <a:ln>
+            <a:noFill/>
+          </a:ln>
+          <a:extLst>
+            <a:ext uri="{909E8E84-426E-40DD-AFC4-6F175D3DCCD1}">
+              <a14:hiddenFill xmlns:a14="http://schemas.microsoft.com/office/drawing/2010/main">
+                <a:solidFill>
+                  <a:srgbClr val="FFFFFF"/>
+                </a:solidFill>
+              </a14:hiddenFill>
+            </a:ext>
+            <a:ext uri="{91240B29-F687-4F45-9708-019B960494DF}">
+              <a14:hiddenLine xmlns:a14="http://schemas.microsoft.com/office/drawing/2010/main" w="9525">
+                <a:solidFill>
+                  <a:srgbClr val="000000"/>
+                </a:solidFill>
+                <a:miter lim="800000"/>
+                <a:headEnd/>
+                <a:tailEnd/>
+              </a14:hiddenLine>
+            </a:ext>
+          </a:extLst>
+        </p:spPr>
+      </p:pic>
+      <p:sp>
+        <p:nvSpPr>
+          <p:cNvPr id="4" name="ZoneTexte 1">
+            <a:extLst>
+              <a:ext uri="{FF2B5EF4-FFF2-40B4-BE49-F238E27FC236}">
+                <a16:creationId xmlns:a16="http://schemas.microsoft.com/office/drawing/2014/main" id="{6FBAF6AD-566D-D62D-E726-2197DB60B739}"/>
+              </a:ext>
+            </a:extLst>
+          </p:cNvPr>
+          <p:cNvSpPr txBox="1"/>
+          <p:nvPr/>
+        </p:nvSpPr>
+        <p:spPr>
+          <a:xfrm>
+            <a:off x="893936" y="975740"/>
+            <a:ext cx="6396397" cy="461665"/>
+          </a:xfrm>
+          <a:prstGeom prst="rect">
+            <a:avLst/>
+          </a:prstGeom>
+          <a:noFill/>
+        </p:spPr>
+        <p:txBody>
+          <a:bodyPr rot="0" spcFirstLastPara="0" vert="horz" wrap="square" lIns="91440" tIns="45720" rIns="91440" bIns="45720" numCol="1" spcCol="0" rtlCol="0" fromWordArt="0" anchor="t" anchorCtr="0" forceAA="0" compatLnSpc="1">
+            <a:prstTxWarp prst="textNoShape">
+              <a:avLst/>
+            </a:prstTxWarp>
+            <a:spAutoFit/>
+          </a:bodyPr>
+          <a:lstStyle>
+            <a:defPPr>
+              <a:defRPr lang="fr-CA"/>
+            </a:defPPr>
+            <a:lvl1pPr algn="l" rtl="0" fontAlgn="base">
+              <a:spcBef>
+                <a:spcPct val="0"/>
+              </a:spcBef>
+              <a:spcAft>
+                <a:spcPct val="0"/>
+              </a:spcAft>
+              <a:defRPr kern="1200">
+                <a:solidFill>
+                  <a:schemeClr val="tx1"/>
+                </a:solidFill>
+                <a:latin typeface="Arial" charset="0"/>
+                <a:ea typeface="ＭＳ Ｐゴシック" pitchFamily="34" charset="-128"/>
+                <a:cs typeface="+mn-cs"/>
+              </a:defRPr>
+            </a:lvl1pPr>
+            <a:lvl2pPr marL="457200" algn="l" rtl="0" fontAlgn="base">
+              <a:spcBef>
+                <a:spcPct val="0"/>
+              </a:spcBef>
+              <a:spcAft>
+                <a:spcPct val="0"/>
+              </a:spcAft>
+              <a:defRPr kern="1200">
+                <a:solidFill>
+                  <a:schemeClr val="tx1"/>
+                </a:solidFill>
+                <a:latin typeface="Arial" charset="0"/>
+                <a:ea typeface="ＭＳ Ｐゴシック" pitchFamily="34" charset="-128"/>
+                <a:cs typeface="+mn-cs"/>
+              </a:defRPr>
+            </a:lvl2pPr>
+            <a:lvl3pPr marL="914400" algn="l" rtl="0" fontAlgn="base">
+              <a:spcBef>
+                <a:spcPct val="0"/>
+              </a:spcBef>
+              <a:spcAft>
+                <a:spcPct val="0"/>
+              </a:spcAft>
+              <a:defRPr kern="1200">
+                <a:solidFill>
+                  <a:schemeClr val="tx1"/>
+                </a:solidFill>
+                <a:latin typeface="Arial" charset="0"/>
+                <a:ea typeface="ＭＳ Ｐゴシック" pitchFamily="34" charset="-128"/>
+                <a:cs typeface="+mn-cs"/>
+              </a:defRPr>
+            </a:lvl3pPr>
+            <a:lvl4pPr marL="1371600" algn="l" rtl="0" fontAlgn="base">
+              <a:spcBef>
+                <a:spcPct val="0"/>
+              </a:spcBef>
+              <a:spcAft>
+                <a:spcPct val="0"/>
+              </a:spcAft>
+              <a:defRPr kern="1200">
+                <a:solidFill>
+                  <a:schemeClr val="tx1"/>
+                </a:solidFill>
+                <a:latin typeface="Arial" charset="0"/>
+                <a:ea typeface="ＭＳ Ｐゴシック" pitchFamily="34" charset="-128"/>
+                <a:cs typeface="+mn-cs"/>
+              </a:defRPr>
+            </a:lvl4pPr>
+            <a:lvl5pPr marL="1828800" algn="l" rtl="0" fontAlgn="base">
+              <a:spcBef>
+                <a:spcPct val="0"/>
+              </a:spcBef>
+              <a:spcAft>
+                <a:spcPct val="0"/>
+              </a:spcAft>
+              <a:defRPr kern="1200">
+                <a:solidFill>
+                  <a:schemeClr val="tx1"/>
+                </a:solidFill>
+                <a:latin typeface="Arial" charset="0"/>
+                <a:ea typeface="ＭＳ Ｐゴシック" pitchFamily="34" charset="-128"/>
+                <a:cs typeface="+mn-cs"/>
+              </a:defRPr>
+            </a:lvl5pPr>
+            <a:lvl6pPr marL="2286000" algn="l" defTabSz="914400" rtl="0" eaLnBrk="1" latinLnBrk="0" hangingPunct="1">
+              <a:defRPr kern="1200">
+                <a:solidFill>
+                  <a:schemeClr val="tx1"/>
+                </a:solidFill>
+                <a:latin typeface="Arial" charset="0"/>
+                <a:ea typeface="ＭＳ Ｐゴシック" pitchFamily="34" charset="-128"/>
+                <a:cs typeface="+mn-cs"/>
+              </a:defRPr>
+            </a:lvl6pPr>
+            <a:lvl7pPr marL="2743200" algn="l" defTabSz="914400" rtl="0" eaLnBrk="1" latinLnBrk="0" hangingPunct="1">
+              <a:defRPr kern="1200">
+                <a:solidFill>
+                  <a:schemeClr val="tx1"/>
+                </a:solidFill>
+                <a:latin typeface="Arial" charset="0"/>
+                <a:ea typeface="ＭＳ Ｐゴシック" pitchFamily="34" charset="-128"/>
+                <a:cs typeface="+mn-cs"/>
+              </a:defRPr>
+            </a:lvl7pPr>
+            <a:lvl8pPr marL="3200400" algn="l" defTabSz="914400" rtl="0" eaLnBrk="1" latinLnBrk="0" hangingPunct="1">
+              <a:defRPr kern="1200">
+                <a:solidFill>
+                  <a:schemeClr val="tx1"/>
+                </a:solidFill>
+                <a:latin typeface="Arial" charset="0"/>
+                <a:ea typeface="ＭＳ Ｐゴシック" pitchFamily="34" charset="-128"/>
+                <a:cs typeface="+mn-cs"/>
+              </a:defRPr>
+            </a:lvl8pPr>
+            <a:lvl9pPr marL="3657600" algn="l" defTabSz="914400" rtl="0" eaLnBrk="1" latinLnBrk="0" hangingPunct="1">
+              <a:defRPr kern="1200">
+                <a:solidFill>
+                  <a:schemeClr val="tx1"/>
+                </a:solidFill>
+                <a:latin typeface="Arial" charset="0"/>
+                <a:ea typeface="ＭＳ Ｐゴシック" pitchFamily="34" charset="-128"/>
+                <a:cs typeface="+mn-cs"/>
+              </a:defRPr>
+            </a:lvl9pPr>
+          </a:lstStyle>
+          <a:p>
+            <a:pPr marL="342900" indent="-342900" algn="just">
+              <a:buFont typeface="Wingdings"/>
+              <a:buChar char="q"/>
+            </a:pPr>
+            <a:r>
+              <a:rPr lang="fr-FR" sz="2400" dirty="0">
+                <a:solidFill>
+                  <a:srgbClr val="FF0000"/>
+                </a:solidFill>
+                <a:latin typeface="Arial"/>
+                <a:ea typeface="ＭＳ Ｐゴシック"/>
+                <a:cs typeface="Arial"/>
+              </a:rPr>
+              <a:t>Définition</a:t>
+            </a:r>
+            <a:endParaRPr lang="fr-FR" dirty="0">
+              <a:solidFill>
+                <a:srgbClr val="FF0000"/>
+              </a:solidFill>
+            </a:endParaRPr>
+          </a:p>
+        </p:txBody>
+      </p:sp>
+      <p:sp>
+        <p:nvSpPr>
+          <p:cNvPr id="6" name="ZoneTexte 1">
+            <a:extLst>
+              <a:ext uri="{FF2B5EF4-FFF2-40B4-BE49-F238E27FC236}">
+                <a16:creationId xmlns:a16="http://schemas.microsoft.com/office/drawing/2014/main" id="{E80B6219-9B66-278D-74E7-C14FF08DBF5F}"/>
+              </a:ext>
+            </a:extLst>
+          </p:cNvPr>
+          <p:cNvSpPr txBox="1"/>
+          <p:nvPr/>
+        </p:nvSpPr>
+        <p:spPr>
+          <a:xfrm>
+            <a:off x="952152" y="2436358"/>
+            <a:ext cx="7737521" cy="1938992"/>
+          </a:xfrm>
+          <a:prstGeom prst="rect">
+            <a:avLst/>
+          </a:prstGeom>
+          <a:noFill/>
+        </p:spPr>
+        <p:txBody>
+          <a:bodyPr rot="0" spcFirstLastPara="0" vert="horz" wrap="square" lIns="91440" tIns="45720" rIns="91440" bIns="45720" numCol="1" spcCol="0" rtlCol="0" fromWordArt="0" anchor="t" anchorCtr="0" forceAA="0" compatLnSpc="1">
+            <a:prstTxWarp prst="textNoShape">
+              <a:avLst/>
+            </a:prstTxWarp>
+            <a:spAutoFit/>
+          </a:bodyPr>
+          <a:lstStyle>
+            <a:defPPr>
+              <a:defRPr lang="fr-CA"/>
+            </a:defPPr>
+            <a:lvl1pPr algn="l" rtl="0" fontAlgn="base">
+              <a:spcBef>
+                <a:spcPct val="0"/>
+              </a:spcBef>
+              <a:spcAft>
+                <a:spcPct val="0"/>
+              </a:spcAft>
+              <a:defRPr kern="1200">
+                <a:solidFill>
+                  <a:schemeClr val="tx1"/>
+                </a:solidFill>
+                <a:latin typeface="Arial" charset="0"/>
+                <a:ea typeface="ＭＳ Ｐゴシック" pitchFamily="34" charset="-128"/>
+                <a:cs typeface="+mn-cs"/>
+              </a:defRPr>
+            </a:lvl1pPr>
+            <a:lvl2pPr marL="457200" algn="l" rtl="0" fontAlgn="base">
+              <a:spcBef>
+                <a:spcPct val="0"/>
+              </a:spcBef>
+              <a:spcAft>
+                <a:spcPct val="0"/>
+              </a:spcAft>
+              <a:defRPr kern="1200">
+                <a:solidFill>
+                  <a:schemeClr val="tx1"/>
+                </a:solidFill>
+                <a:latin typeface="Arial" charset="0"/>
+                <a:ea typeface="ＭＳ Ｐゴシック" pitchFamily="34" charset="-128"/>
+                <a:cs typeface="+mn-cs"/>
+              </a:defRPr>
+            </a:lvl2pPr>
+            <a:lvl3pPr marL="914400" algn="l" rtl="0" fontAlgn="base">
+              <a:spcBef>
+                <a:spcPct val="0"/>
+              </a:spcBef>
+              <a:spcAft>
+                <a:spcPct val="0"/>
+              </a:spcAft>
+              <a:defRPr kern="1200">
+                <a:solidFill>
+                  <a:schemeClr val="tx1"/>
+                </a:solidFill>
+                <a:latin typeface="Arial" charset="0"/>
+                <a:ea typeface="ＭＳ Ｐゴシック" pitchFamily="34" charset="-128"/>
+                <a:cs typeface="+mn-cs"/>
+              </a:defRPr>
+            </a:lvl3pPr>
+            <a:lvl4pPr marL="1371600" algn="l" rtl="0" fontAlgn="base">
+              <a:spcBef>
+                <a:spcPct val="0"/>
+              </a:spcBef>
+              <a:spcAft>
+                <a:spcPct val="0"/>
+              </a:spcAft>
+              <a:defRPr kern="1200">
+                <a:solidFill>
+                  <a:schemeClr val="tx1"/>
+                </a:solidFill>
+                <a:latin typeface="Arial" charset="0"/>
+                <a:ea typeface="ＭＳ Ｐゴシック" pitchFamily="34" charset="-128"/>
+                <a:cs typeface="+mn-cs"/>
+              </a:defRPr>
+            </a:lvl4pPr>
+            <a:lvl5pPr marL="1828800" algn="l" rtl="0" fontAlgn="base">
+              <a:spcBef>
+                <a:spcPct val="0"/>
+              </a:spcBef>
+              <a:spcAft>
+                <a:spcPct val="0"/>
+              </a:spcAft>
+              <a:defRPr kern="1200">
+                <a:solidFill>
+                  <a:schemeClr val="tx1"/>
+                </a:solidFill>
+                <a:latin typeface="Arial" charset="0"/>
+                <a:ea typeface="ＭＳ Ｐゴシック" pitchFamily="34" charset="-128"/>
+                <a:cs typeface="+mn-cs"/>
+              </a:defRPr>
+            </a:lvl5pPr>
+            <a:lvl6pPr marL="2286000" algn="l" defTabSz="914400" rtl="0" eaLnBrk="1" latinLnBrk="0" hangingPunct="1">
+              <a:defRPr kern="1200">
+                <a:solidFill>
+                  <a:schemeClr val="tx1"/>
+                </a:solidFill>
+                <a:latin typeface="Arial" charset="0"/>
+                <a:ea typeface="ＭＳ Ｐゴシック" pitchFamily="34" charset="-128"/>
+                <a:cs typeface="+mn-cs"/>
+              </a:defRPr>
+            </a:lvl6pPr>
+            <a:lvl7pPr marL="2743200" algn="l" defTabSz="914400" rtl="0" eaLnBrk="1" latinLnBrk="0" hangingPunct="1">
+              <a:defRPr kern="1200">
+                <a:solidFill>
+                  <a:schemeClr val="tx1"/>
+                </a:solidFill>
+                <a:latin typeface="Arial" charset="0"/>
+                <a:ea typeface="ＭＳ Ｐゴシック" pitchFamily="34" charset="-128"/>
+                <a:cs typeface="+mn-cs"/>
+              </a:defRPr>
+            </a:lvl7pPr>
+            <a:lvl8pPr marL="3200400" algn="l" defTabSz="914400" rtl="0" eaLnBrk="1" latinLnBrk="0" hangingPunct="1">
+              <a:defRPr kern="1200">
+                <a:solidFill>
+                  <a:schemeClr val="tx1"/>
+                </a:solidFill>
+                <a:latin typeface="Arial" charset="0"/>
+                <a:ea typeface="ＭＳ Ｐゴシック" pitchFamily="34" charset="-128"/>
+                <a:cs typeface="+mn-cs"/>
+              </a:defRPr>
+            </a:lvl8pPr>
+            <a:lvl9pPr marL="3657600" algn="l" defTabSz="914400" rtl="0" eaLnBrk="1" latinLnBrk="0" hangingPunct="1">
+              <a:defRPr kern="1200">
+                <a:solidFill>
+                  <a:schemeClr val="tx1"/>
+                </a:solidFill>
+                <a:latin typeface="Arial" charset="0"/>
+                <a:ea typeface="ＭＳ Ｐゴシック" pitchFamily="34" charset="-128"/>
+                <a:cs typeface="+mn-cs"/>
+              </a:defRPr>
+            </a:lvl9pPr>
+          </a:lstStyle>
+          <a:p>
+            <a:pPr marL="285750" indent="-285750" algn="just">
+              <a:buFont typeface="Arial"/>
+              <a:buChar char="•"/>
+            </a:pPr>
+            <a:r>
+              <a:rPr lang="fr-FR" sz="2000" b="1">
+                <a:latin typeface="Arial"/>
+                <a:ea typeface="ＭＳ Ｐゴシック"/>
+                <a:cs typeface="Arial"/>
+              </a:rPr>
+              <a:t>L'héritage en Java </a:t>
+            </a:r>
+            <a:r>
+              <a:rPr lang="fr-FR" sz="2000">
+                <a:latin typeface="Arial"/>
+                <a:ea typeface="ＭＳ Ｐゴシック"/>
+                <a:cs typeface="Arial"/>
+              </a:rPr>
+              <a:t>est un mécanisme dans lequel un objet acquiert toutes les propriétés et les fonctionnalités d'un autre Objet (parent)</a:t>
+            </a:r>
+          </a:p>
+          <a:p>
+            <a:pPr algn="just"/>
+            <a:endParaRPr lang="fr-FR" sz="2000">
+              <a:latin typeface="Arial"/>
+              <a:ea typeface="ＭＳ Ｐゴシック"/>
+              <a:cs typeface="Arial"/>
+            </a:endParaRPr>
+          </a:p>
+          <a:p>
+            <a:pPr marL="285750" indent="-285750" algn="just">
+              <a:buFont typeface="Arial"/>
+              <a:buChar char="•"/>
+            </a:pPr>
+            <a:r>
+              <a:rPr lang="fr-FR" sz="2000">
+                <a:latin typeface="Arial"/>
+                <a:ea typeface="ＭＳ Ｐゴシック"/>
+                <a:cs typeface="Arial"/>
+              </a:rPr>
+              <a:t>Il représente la relation "EST-UN" </a:t>
+            </a:r>
+          </a:p>
+          <a:p>
+            <a:pPr algn="l"/>
+            <a:endParaRPr lang="fr-FR" sz="2000">
+              <a:cs typeface="Arial"/>
+            </a:endParaRPr>
+          </a:p>
+        </p:txBody>
+      </p:sp>
+    </p:spTree>
+    <p:extLst>
+      <p:ext uri="{BB962C8B-B14F-4D97-AF65-F5344CB8AC3E}">
+        <p14:creationId xmlns:p14="http://schemas.microsoft.com/office/powerpoint/2010/main" val="3763186160"/>
+      </p:ext>
+    </p:extLst>
+  </p:cSld>
+  <p:clrMapOvr>
+    <a:masterClrMapping/>
+  </p:clrMapOvr>
+  <p:transition spd="slow">
+    <p:wipe/>
+  </p:transition>
+</p:sld>
+</file>
+
+<file path=ppt/slides/slide17.xml><?xml version="1.0" encoding="utf-8"?>
+<p:sld xmlns:a="http://schemas.openxmlformats.org/drawingml/2006/main" xmlns:r="http://schemas.openxmlformats.org/officeDocument/2006/relationships" xmlns:p="http://schemas.openxmlformats.org/presentationml/2006/main">
+  <p:cSld>
+    <p:spTree>
+      <p:nvGrpSpPr>
+        <p:cNvPr id="1" name=""/>
+        <p:cNvGrpSpPr/>
+        <p:nvPr/>
+      </p:nvGrpSpPr>
+      <p:grpSpPr>
+        <a:xfrm>
+          <a:off x="0" y="0"/>
+          <a:ext cx="0" cy="0"/>
+          <a:chOff x="0" y="0"/>
+          <a:chExt cx="0" cy="0"/>
+        </a:xfrm>
+      </p:grpSpPr>
+      <p:sp>
+        <p:nvSpPr>
+          <p:cNvPr id="2" name="Titre 1"/>
+          <p:cNvSpPr>
+            <a:spLocks noGrp="1"/>
+          </p:cNvSpPr>
+          <p:nvPr>
+            <p:ph type="title"/>
+          </p:nvPr>
+        </p:nvSpPr>
+        <p:spPr>
+          <a:xfrm>
+            <a:off x="683568" y="44625"/>
+            <a:ext cx="8208912" cy="648072"/>
+          </a:xfrm>
+        </p:spPr>
+        <p:txBody>
+          <a:bodyPr/>
+          <a:lstStyle/>
+          <a:p>
+            <a:r>
+              <a:rPr lang="fr-CA" sz="3600" cap="none">
+                <a:solidFill>
+                  <a:srgbClr val="FF0000"/>
+                </a:solidFill>
+              </a:rPr>
+              <a:t>I.   INITIATION A JAVA</a:t>
+            </a:r>
+            <a:endParaRPr lang="fr-CA" sz="3600" cap="none">
+              <a:solidFill>
+                <a:srgbClr val="FF0000"/>
+              </a:solidFill>
+              <a:cs typeface="Arial"/>
+            </a:endParaRPr>
+          </a:p>
+        </p:txBody>
+      </p:sp>
+      <p:pic>
+        <p:nvPicPr>
+          <p:cNvPr id="3" name="Image 1"/>
+          <p:cNvPicPr>
+            <a:picLocks noChangeAspect="1"/>
+          </p:cNvPicPr>
+          <p:nvPr/>
+        </p:nvPicPr>
+        <p:blipFill>
+          <a:blip r:embed="rId2">
+            <a:extLst>
+              <a:ext uri="{28A0092B-C50C-407E-A947-70E740481C1C}">
+                <a14:useLocalDpi xmlns:a14="http://schemas.microsoft.com/office/drawing/2010/main" val="0"/>
+              </a:ext>
+            </a:extLst>
+          </a:blip>
+          <a:srcRect/>
+          <a:stretch>
+            <a:fillRect/>
+          </a:stretch>
+        </p:blipFill>
+        <p:spPr bwMode="auto">
+          <a:xfrm>
+            <a:off x="65088" y="6400800"/>
+            <a:ext cx="1554162" cy="396875"/>
+          </a:xfrm>
+          <a:prstGeom prst="rect">
+            <a:avLst/>
+          </a:prstGeom>
+          <a:noFill/>
+          <a:ln>
+            <a:noFill/>
+          </a:ln>
+          <a:extLst>
+            <a:ext uri="{909E8E84-426E-40DD-AFC4-6F175D3DCCD1}">
+              <a14:hiddenFill xmlns:a14="http://schemas.microsoft.com/office/drawing/2010/main">
+                <a:solidFill>
+                  <a:srgbClr val="FFFFFF"/>
+                </a:solidFill>
+              </a14:hiddenFill>
+            </a:ext>
+            <a:ext uri="{91240B29-F687-4F45-9708-019B960494DF}">
+              <a14:hiddenLine xmlns:a14="http://schemas.microsoft.com/office/drawing/2010/main" w="9525">
+                <a:solidFill>
+                  <a:srgbClr val="000000"/>
+                </a:solidFill>
+                <a:miter lim="800000"/>
+                <a:headEnd/>
+                <a:tailEnd/>
+              </a14:hiddenLine>
+            </a:ext>
+          </a:extLst>
+        </p:spPr>
+      </p:pic>
+      <p:sp>
+        <p:nvSpPr>
+          <p:cNvPr id="5" name="Rectangle 4"/>
+          <p:cNvSpPr/>
+          <p:nvPr/>
+        </p:nvSpPr>
+        <p:spPr>
+          <a:xfrm>
+            <a:off x="684069" y="1138962"/>
+            <a:ext cx="1601034" cy="400110"/>
+          </a:xfrm>
+          <a:prstGeom prst="rect">
+            <a:avLst/>
+          </a:prstGeom>
+        </p:spPr>
+        <p:txBody>
+          <a:bodyPr wrap="square" lIns="91440" tIns="45720" rIns="91440" bIns="45720" anchor="t">
+            <a:spAutoFit/>
+          </a:bodyPr>
+          <a:lstStyle/>
+          <a:p>
+            <a:r>
+              <a:rPr lang="fr-FR" sz="2000" b="1">
+                <a:latin typeface="Helvetica"/>
+                <a:ea typeface="ＭＳ Ｐゴシック"/>
+                <a:cs typeface="Helvetica"/>
+              </a:rPr>
+              <a:t>Historique</a:t>
+            </a:r>
+            <a:endParaRPr lang="fr-FR"/>
+          </a:p>
+        </p:txBody>
+      </p:sp>
+    </p:spTree>
+    <p:extLst>
+      <p:ext uri="{BB962C8B-B14F-4D97-AF65-F5344CB8AC3E}">
+        <p14:creationId xmlns:p14="http://schemas.microsoft.com/office/powerpoint/2010/main" val="1816766021"/>
+      </p:ext>
+    </p:extLst>
+  </p:cSld>
+  <p:clrMapOvr>
+    <a:masterClrMapping/>
+  </p:clrMapOvr>
+  <p:transition spd="slow">
+    <p:push dir="u"/>
+  </p:transition>
+</p:sld>
+</file>
+
+<file path=ppt/slides/slide18.xml><?xml version="1.0" encoding="utf-8"?>
+<p:sld xmlns:a="http://schemas.openxmlformats.org/drawingml/2006/main" xmlns:r="http://schemas.openxmlformats.org/officeDocument/2006/relationships" xmlns:p="http://schemas.openxmlformats.org/presentationml/2006/main">
+  <p:cSld>
+    <p:spTree>
+      <p:nvGrpSpPr>
+        <p:cNvPr id="1" name=""/>
+        <p:cNvGrpSpPr/>
+        <p:nvPr/>
+      </p:nvGrpSpPr>
+      <p:grpSpPr>
+        <a:xfrm>
+          <a:off x="0" y="0"/>
+          <a:ext cx="0" cy="0"/>
+          <a:chOff x="0" y="0"/>
+          <a:chExt cx="0" cy="0"/>
+        </a:xfrm>
+      </p:grpSpPr>
+      <p:sp>
+        <p:nvSpPr>
+          <p:cNvPr id="2" name="Titre 1"/>
+          <p:cNvSpPr>
+            <a:spLocks noGrp="1"/>
+          </p:cNvSpPr>
+          <p:nvPr>
+            <p:ph type="title"/>
+          </p:nvPr>
+        </p:nvSpPr>
+        <p:spPr>
+          <a:xfrm>
+            <a:off x="683568" y="44625"/>
+            <a:ext cx="8208912" cy="648072"/>
+          </a:xfrm>
+        </p:spPr>
+        <p:txBody>
+          <a:bodyPr/>
+          <a:lstStyle/>
+          <a:p>
+            <a:r>
+              <a:rPr lang="fr-CA" sz="3600" cap="none">
+                <a:solidFill>
+                  <a:srgbClr val="FF0000"/>
+                </a:solidFill>
+              </a:rPr>
+              <a:t>I.   INITIATION A JAVA</a:t>
+            </a:r>
+            <a:endParaRPr lang="fr-CA" sz="3600" cap="none">
+              <a:solidFill>
+                <a:srgbClr val="FF0000"/>
+              </a:solidFill>
+              <a:cs typeface="Arial"/>
+            </a:endParaRPr>
+          </a:p>
+        </p:txBody>
+      </p:sp>
+      <p:pic>
+        <p:nvPicPr>
+          <p:cNvPr id="3" name="Image 1"/>
+          <p:cNvPicPr>
+            <a:picLocks noChangeAspect="1"/>
+          </p:cNvPicPr>
+          <p:nvPr/>
+        </p:nvPicPr>
+        <p:blipFill>
+          <a:blip r:embed="rId2">
+            <a:extLst>
+              <a:ext uri="{28A0092B-C50C-407E-A947-70E740481C1C}">
+                <a14:useLocalDpi xmlns:a14="http://schemas.microsoft.com/office/drawing/2010/main" val="0"/>
+              </a:ext>
+            </a:extLst>
+          </a:blip>
+          <a:srcRect/>
+          <a:stretch>
+            <a:fillRect/>
+          </a:stretch>
+        </p:blipFill>
+        <p:spPr bwMode="auto">
+          <a:xfrm>
+            <a:off x="65088" y="6400800"/>
+            <a:ext cx="1554162" cy="396875"/>
+          </a:xfrm>
+          <a:prstGeom prst="rect">
+            <a:avLst/>
+          </a:prstGeom>
+          <a:noFill/>
+          <a:ln>
+            <a:noFill/>
+          </a:ln>
+          <a:extLst>
+            <a:ext uri="{909E8E84-426E-40DD-AFC4-6F175D3DCCD1}">
+              <a14:hiddenFill xmlns:a14="http://schemas.microsoft.com/office/drawing/2010/main">
+                <a:solidFill>
+                  <a:srgbClr val="FFFFFF"/>
+                </a:solidFill>
+              </a14:hiddenFill>
+            </a:ext>
+            <a:ext uri="{91240B29-F687-4F45-9708-019B960494DF}">
+              <a14:hiddenLine xmlns:a14="http://schemas.microsoft.com/office/drawing/2010/main" w="9525">
+                <a:solidFill>
+                  <a:srgbClr val="000000"/>
+                </a:solidFill>
+                <a:miter lim="800000"/>
+                <a:headEnd/>
+                <a:tailEnd/>
+              </a14:hiddenLine>
+            </a:ext>
+          </a:extLst>
+        </p:spPr>
+      </p:pic>
+      <p:sp>
+        <p:nvSpPr>
+          <p:cNvPr id="5" name="Rectangle 4"/>
+          <p:cNvSpPr/>
+          <p:nvPr/>
+        </p:nvSpPr>
+        <p:spPr>
+          <a:xfrm>
+            <a:off x="684069" y="1138962"/>
+            <a:ext cx="1601034" cy="400110"/>
+          </a:xfrm>
+          <a:prstGeom prst="rect">
+            <a:avLst/>
+          </a:prstGeom>
+        </p:spPr>
+        <p:txBody>
+          <a:bodyPr wrap="square" lIns="91440" tIns="45720" rIns="91440" bIns="45720" anchor="t">
+            <a:spAutoFit/>
+          </a:bodyPr>
+          <a:lstStyle/>
+          <a:p>
+            <a:r>
+              <a:rPr lang="fr-FR" sz="2000" b="1">
+                <a:latin typeface="Helvetica"/>
+                <a:ea typeface="ＭＳ Ｐゴシック"/>
+                <a:cs typeface="Helvetica"/>
+              </a:rPr>
+              <a:t>Historique</a:t>
+            </a:r>
+            <a:endParaRPr lang="fr-FR"/>
+          </a:p>
+        </p:txBody>
+      </p:sp>
+    </p:spTree>
+    <p:extLst>
+      <p:ext uri="{BB962C8B-B14F-4D97-AF65-F5344CB8AC3E}">
+        <p14:creationId xmlns:p14="http://schemas.microsoft.com/office/powerpoint/2010/main" val="1351414658"/>
+      </p:ext>
+    </p:extLst>
+  </p:cSld>
+  <p:clrMapOvr>
+    <a:masterClrMapping/>
+  </p:clrMapOvr>
+  <p:transition spd="slow">
+    <p:push dir="u"/>
+  </p:transition>
+</p:sld>
+</file>
+
+<file path=ppt/slides/slide19.xml><?xml version="1.0" encoding="utf-8"?>
+<p:sld xmlns:a="http://schemas.openxmlformats.org/drawingml/2006/main" xmlns:r="http://schemas.openxmlformats.org/officeDocument/2006/relationships" xmlns:p="http://schemas.openxmlformats.org/presentationml/2006/main">
+  <p:cSld>
+    <p:spTree>
+      <p:nvGrpSpPr>
+        <p:cNvPr id="1" name=""/>
+        <p:cNvGrpSpPr/>
+        <p:nvPr/>
+      </p:nvGrpSpPr>
+      <p:grpSpPr>
+        <a:xfrm>
+          <a:off x="0" y="0"/>
+          <a:ext cx="0" cy="0"/>
+          <a:chOff x="0" y="0"/>
+          <a:chExt cx="0" cy="0"/>
+        </a:xfrm>
+      </p:grpSpPr>
+      <p:sp>
+        <p:nvSpPr>
+          <p:cNvPr id="2" name="Titre 1"/>
+          <p:cNvSpPr>
+            <a:spLocks noGrp="1"/>
+          </p:cNvSpPr>
+          <p:nvPr>
+            <p:ph type="title"/>
+          </p:nvPr>
+        </p:nvSpPr>
+        <p:spPr>
+          <a:xfrm>
+            <a:off x="683568" y="44625"/>
+            <a:ext cx="8208912" cy="648072"/>
+          </a:xfrm>
+        </p:spPr>
+        <p:txBody>
+          <a:bodyPr/>
+          <a:lstStyle/>
+          <a:p>
+            <a:r>
+              <a:rPr lang="fr-CA" sz="3600" cap="none">
+                <a:solidFill>
+                  <a:srgbClr val="FF0000"/>
+                </a:solidFill>
+              </a:rPr>
+              <a:t>I.   INITIATION A JAVA</a:t>
+            </a:r>
+            <a:endParaRPr lang="fr-CA" sz="3600" cap="none">
+              <a:solidFill>
+                <a:srgbClr val="FF0000"/>
+              </a:solidFill>
+              <a:cs typeface="Arial"/>
+            </a:endParaRPr>
+          </a:p>
+        </p:txBody>
+      </p:sp>
+      <p:pic>
+        <p:nvPicPr>
+          <p:cNvPr id="3" name="Image 1"/>
+          <p:cNvPicPr>
+            <a:picLocks noChangeAspect="1"/>
+          </p:cNvPicPr>
+          <p:nvPr/>
+        </p:nvPicPr>
+        <p:blipFill>
+          <a:blip r:embed="rId2">
+            <a:extLst>
+              <a:ext uri="{28A0092B-C50C-407E-A947-70E740481C1C}">
+                <a14:useLocalDpi xmlns:a14="http://schemas.microsoft.com/office/drawing/2010/main" val="0"/>
+              </a:ext>
+            </a:extLst>
+          </a:blip>
+          <a:srcRect/>
+          <a:stretch>
+            <a:fillRect/>
+          </a:stretch>
+        </p:blipFill>
+        <p:spPr bwMode="auto">
+          <a:xfrm>
+            <a:off x="65088" y="6400800"/>
+            <a:ext cx="1554162" cy="396875"/>
+          </a:xfrm>
+          <a:prstGeom prst="rect">
+            <a:avLst/>
+          </a:prstGeom>
+          <a:noFill/>
+          <a:ln>
+            <a:noFill/>
+          </a:ln>
+          <a:extLst>
+            <a:ext uri="{909E8E84-426E-40DD-AFC4-6F175D3DCCD1}">
+              <a14:hiddenFill xmlns:a14="http://schemas.microsoft.com/office/drawing/2010/main">
+                <a:solidFill>
+                  <a:srgbClr val="FFFFFF"/>
+                </a:solidFill>
+              </a14:hiddenFill>
+            </a:ext>
+            <a:ext uri="{91240B29-F687-4F45-9708-019B960494DF}">
+              <a14:hiddenLine xmlns:a14="http://schemas.microsoft.com/office/drawing/2010/main" w="9525">
+                <a:solidFill>
+                  <a:srgbClr val="000000"/>
+                </a:solidFill>
+                <a:miter lim="800000"/>
+                <a:headEnd/>
+                <a:tailEnd/>
+              </a14:hiddenLine>
+            </a:ext>
+          </a:extLst>
+        </p:spPr>
+      </p:pic>
+      <p:sp>
+        <p:nvSpPr>
+          <p:cNvPr id="5" name="Rectangle 4"/>
+          <p:cNvSpPr/>
+          <p:nvPr/>
+        </p:nvSpPr>
+        <p:spPr>
+          <a:xfrm>
+            <a:off x="684069" y="1138962"/>
+            <a:ext cx="1601034" cy="400110"/>
+          </a:xfrm>
+          <a:prstGeom prst="rect">
+            <a:avLst/>
+          </a:prstGeom>
+        </p:spPr>
+        <p:txBody>
+          <a:bodyPr wrap="square" lIns="91440" tIns="45720" rIns="91440" bIns="45720" anchor="t">
+            <a:spAutoFit/>
+          </a:bodyPr>
+          <a:lstStyle/>
+          <a:p>
+            <a:r>
+              <a:rPr lang="fr-FR" sz="2000" b="1">
+                <a:latin typeface="Helvetica"/>
+                <a:ea typeface="ＭＳ Ｐゴシック"/>
+                <a:cs typeface="Helvetica"/>
+              </a:rPr>
+              <a:t>Historique</a:t>
+            </a:r>
+            <a:endParaRPr lang="fr-FR"/>
+          </a:p>
+        </p:txBody>
+      </p:sp>
+    </p:spTree>
+    <p:extLst>
+      <p:ext uri="{BB962C8B-B14F-4D97-AF65-F5344CB8AC3E}">
+        <p14:creationId xmlns:p14="http://schemas.microsoft.com/office/powerpoint/2010/main" val="2872053690"/>
+      </p:ext>
+    </p:extLst>
+  </p:cSld>
+  <p:clrMapOvr>
+    <a:masterClrMapping/>
+  </p:clrMapOvr>
+  <p:transition spd="slow">
+    <p:push dir="u"/>
+  </p:transition>
 </p:sld>
 </file>
 
@@ -5207,6 +6972,1129 @@
       </p:transition>
     </mc:Fallback>
   </mc:AlternateContent>
+</p:sld>
+</file>
+
+<file path=ppt/slides/slide20.xml><?xml version="1.0" encoding="utf-8"?>
+<p:sld xmlns:a="http://schemas.openxmlformats.org/drawingml/2006/main" xmlns:r="http://schemas.openxmlformats.org/officeDocument/2006/relationships" xmlns:p="http://schemas.openxmlformats.org/presentationml/2006/main">
+  <p:cSld>
+    <p:spTree>
+      <p:nvGrpSpPr>
+        <p:cNvPr id="1" name=""/>
+        <p:cNvGrpSpPr/>
+        <p:nvPr/>
+      </p:nvGrpSpPr>
+      <p:grpSpPr>
+        <a:xfrm>
+          <a:off x="0" y="0"/>
+          <a:ext cx="0" cy="0"/>
+          <a:chOff x="0" y="0"/>
+          <a:chExt cx="0" cy="0"/>
+        </a:xfrm>
+      </p:grpSpPr>
+      <p:sp>
+        <p:nvSpPr>
+          <p:cNvPr id="2" name="Titre 1"/>
+          <p:cNvSpPr>
+            <a:spLocks noGrp="1"/>
+          </p:cNvSpPr>
+          <p:nvPr>
+            <p:ph type="title"/>
+          </p:nvPr>
+        </p:nvSpPr>
+        <p:spPr>
+          <a:xfrm>
+            <a:off x="749258" y="136590"/>
+            <a:ext cx="7933016" cy="648072"/>
+          </a:xfrm>
+        </p:spPr>
+        <p:txBody>
+          <a:bodyPr/>
+          <a:lstStyle/>
+          <a:p>
+            <a:r>
+              <a:rPr lang="fr-CA" sz="3600" cap="none" dirty="0">
+                <a:solidFill>
+                  <a:srgbClr val="FF0000"/>
+                </a:solidFill>
+                <a:cs typeface="Arial"/>
+              </a:rPr>
+              <a:t>HERITAGE</a:t>
+            </a:r>
+            <a:endParaRPr lang="fr-FR" dirty="0"/>
+          </a:p>
+        </p:txBody>
+      </p:sp>
+      <p:pic>
+        <p:nvPicPr>
+          <p:cNvPr id="3" name="Image 1"/>
+          <p:cNvPicPr>
+            <a:picLocks noChangeAspect="1"/>
+          </p:cNvPicPr>
+          <p:nvPr/>
+        </p:nvPicPr>
+        <p:blipFill>
+          <a:blip r:embed="rId2">
+            <a:extLst>
+              <a:ext uri="{28A0092B-C50C-407E-A947-70E740481C1C}">
+                <a14:useLocalDpi xmlns:a14="http://schemas.microsoft.com/office/drawing/2010/main" val="0"/>
+              </a:ext>
+            </a:extLst>
+          </a:blip>
+          <a:srcRect/>
+          <a:stretch>
+            <a:fillRect/>
+          </a:stretch>
+        </p:blipFill>
+        <p:spPr bwMode="auto">
+          <a:xfrm>
+            <a:off x="65088" y="6400800"/>
+            <a:ext cx="1554162" cy="396875"/>
+          </a:xfrm>
+          <a:prstGeom prst="rect">
+            <a:avLst/>
+          </a:prstGeom>
+          <a:noFill/>
+          <a:ln>
+            <a:noFill/>
+          </a:ln>
+          <a:extLst>
+            <a:ext uri="{909E8E84-426E-40DD-AFC4-6F175D3DCCD1}">
+              <a14:hiddenFill xmlns:a14="http://schemas.microsoft.com/office/drawing/2010/main">
+                <a:solidFill>
+                  <a:srgbClr val="FFFFFF"/>
+                </a:solidFill>
+              </a14:hiddenFill>
+            </a:ext>
+            <a:ext uri="{91240B29-F687-4F45-9708-019B960494DF}">
+              <a14:hiddenLine xmlns:a14="http://schemas.microsoft.com/office/drawing/2010/main" w="9525">
+                <a:solidFill>
+                  <a:srgbClr val="000000"/>
+                </a:solidFill>
+                <a:miter lim="800000"/>
+                <a:headEnd/>
+                <a:tailEnd/>
+              </a14:hiddenLine>
+            </a:ext>
+          </a:extLst>
+        </p:spPr>
+      </p:pic>
+      <p:sp>
+        <p:nvSpPr>
+          <p:cNvPr id="4" name="ZoneTexte 1">
+            <a:extLst>
+              <a:ext uri="{FF2B5EF4-FFF2-40B4-BE49-F238E27FC236}">
+                <a16:creationId xmlns:a16="http://schemas.microsoft.com/office/drawing/2014/main" id="{6FBAF6AD-566D-D62D-E726-2197DB60B739}"/>
+              </a:ext>
+            </a:extLst>
+          </p:cNvPr>
+          <p:cNvSpPr txBox="1"/>
+          <p:nvPr/>
+        </p:nvSpPr>
+        <p:spPr>
+          <a:xfrm>
+            <a:off x="893936" y="975740"/>
+            <a:ext cx="6396397" cy="461665"/>
+          </a:xfrm>
+          <a:prstGeom prst="rect">
+            <a:avLst/>
+          </a:prstGeom>
+          <a:noFill/>
+        </p:spPr>
+        <p:txBody>
+          <a:bodyPr rot="0" spcFirstLastPara="0" vert="horz" wrap="square" lIns="91440" tIns="45720" rIns="91440" bIns="45720" numCol="1" spcCol="0" rtlCol="0" fromWordArt="0" anchor="t" anchorCtr="0" forceAA="0" compatLnSpc="1">
+            <a:prstTxWarp prst="textNoShape">
+              <a:avLst/>
+            </a:prstTxWarp>
+            <a:spAutoFit/>
+          </a:bodyPr>
+          <a:lstStyle>
+            <a:defPPr>
+              <a:defRPr lang="fr-CA"/>
+            </a:defPPr>
+            <a:lvl1pPr algn="l" rtl="0" fontAlgn="base">
+              <a:spcBef>
+                <a:spcPct val="0"/>
+              </a:spcBef>
+              <a:spcAft>
+                <a:spcPct val="0"/>
+              </a:spcAft>
+              <a:defRPr kern="1200">
+                <a:solidFill>
+                  <a:schemeClr val="tx1"/>
+                </a:solidFill>
+                <a:latin typeface="Arial" charset="0"/>
+                <a:ea typeface="ＭＳ Ｐゴシック" pitchFamily="34" charset="-128"/>
+                <a:cs typeface="+mn-cs"/>
+              </a:defRPr>
+            </a:lvl1pPr>
+            <a:lvl2pPr marL="457200" algn="l" rtl="0" fontAlgn="base">
+              <a:spcBef>
+                <a:spcPct val="0"/>
+              </a:spcBef>
+              <a:spcAft>
+                <a:spcPct val="0"/>
+              </a:spcAft>
+              <a:defRPr kern="1200">
+                <a:solidFill>
+                  <a:schemeClr val="tx1"/>
+                </a:solidFill>
+                <a:latin typeface="Arial" charset="0"/>
+                <a:ea typeface="ＭＳ Ｐゴシック" pitchFamily="34" charset="-128"/>
+                <a:cs typeface="+mn-cs"/>
+              </a:defRPr>
+            </a:lvl2pPr>
+            <a:lvl3pPr marL="914400" algn="l" rtl="0" fontAlgn="base">
+              <a:spcBef>
+                <a:spcPct val="0"/>
+              </a:spcBef>
+              <a:spcAft>
+                <a:spcPct val="0"/>
+              </a:spcAft>
+              <a:defRPr kern="1200">
+                <a:solidFill>
+                  <a:schemeClr val="tx1"/>
+                </a:solidFill>
+                <a:latin typeface="Arial" charset="0"/>
+                <a:ea typeface="ＭＳ Ｐゴシック" pitchFamily="34" charset="-128"/>
+                <a:cs typeface="+mn-cs"/>
+              </a:defRPr>
+            </a:lvl3pPr>
+            <a:lvl4pPr marL="1371600" algn="l" rtl="0" fontAlgn="base">
+              <a:spcBef>
+                <a:spcPct val="0"/>
+              </a:spcBef>
+              <a:spcAft>
+                <a:spcPct val="0"/>
+              </a:spcAft>
+              <a:defRPr kern="1200">
+                <a:solidFill>
+                  <a:schemeClr val="tx1"/>
+                </a:solidFill>
+                <a:latin typeface="Arial" charset="0"/>
+                <a:ea typeface="ＭＳ Ｐゴシック" pitchFamily="34" charset="-128"/>
+                <a:cs typeface="+mn-cs"/>
+              </a:defRPr>
+            </a:lvl4pPr>
+            <a:lvl5pPr marL="1828800" algn="l" rtl="0" fontAlgn="base">
+              <a:spcBef>
+                <a:spcPct val="0"/>
+              </a:spcBef>
+              <a:spcAft>
+                <a:spcPct val="0"/>
+              </a:spcAft>
+              <a:defRPr kern="1200">
+                <a:solidFill>
+                  <a:schemeClr val="tx1"/>
+                </a:solidFill>
+                <a:latin typeface="Arial" charset="0"/>
+                <a:ea typeface="ＭＳ Ｐゴシック" pitchFamily="34" charset="-128"/>
+                <a:cs typeface="+mn-cs"/>
+              </a:defRPr>
+            </a:lvl5pPr>
+            <a:lvl6pPr marL="2286000" algn="l" defTabSz="914400" rtl="0" eaLnBrk="1" latinLnBrk="0" hangingPunct="1">
+              <a:defRPr kern="1200">
+                <a:solidFill>
+                  <a:schemeClr val="tx1"/>
+                </a:solidFill>
+                <a:latin typeface="Arial" charset="0"/>
+                <a:ea typeface="ＭＳ Ｐゴシック" pitchFamily="34" charset="-128"/>
+                <a:cs typeface="+mn-cs"/>
+              </a:defRPr>
+            </a:lvl6pPr>
+            <a:lvl7pPr marL="2743200" algn="l" defTabSz="914400" rtl="0" eaLnBrk="1" latinLnBrk="0" hangingPunct="1">
+              <a:defRPr kern="1200">
+                <a:solidFill>
+                  <a:schemeClr val="tx1"/>
+                </a:solidFill>
+                <a:latin typeface="Arial" charset="0"/>
+                <a:ea typeface="ＭＳ Ｐゴシック" pitchFamily="34" charset="-128"/>
+                <a:cs typeface="+mn-cs"/>
+              </a:defRPr>
+            </a:lvl7pPr>
+            <a:lvl8pPr marL="3200400" algn="l" defTabSz="914400" rtl="0" eaLnBrk="1" latinLnBrk="0" hangingPunct="1">
+              <a:defRPr kern="1200">
+                <a:solidFill>
+                  <a:schemeClr val="tx1"/>
+                </a:solidFill>
+                <a:latin typeface="Arial" charset="0"/>
+                <a:ea typeface="ＭＳ Ｐゴシック" pitchFamily="34" charset="-128"/>
+                <a:cs typeface="+mn-cs"/>
+              </a:defRPr>
+            </a:lvl8pPr>
+            <a:lvl9pPr marL="3657600" algn="l" defTabSz="914400" rtl="0" eaLnBrk="1" latinLnBrk="0" hangingPunct="1">
+              <a:defRPr kern="1200">
+                <a:solidFill>
+                  <a:schemeClr val="tx1"/>
+                </a:solidFill>
+                <a:latin typeface="Arial" charset="0"/>
+                <a:ea typeface="ＭＳ Ｐゴシック" pitchFamily="34" charset="-128"/>
+                <a:cs typeface="+mn-cs"/>
+              </a:defRPr>
+            </a:lvl9pPr>
+          </a:lstStyle>
+          <a:p>
+            <a:pPr marL="342900" indent="-342900" algn="just">
+              <a:buFont typeface="Wingdings"/>
+              <a:buChar char="q"/>
+            </a:pPr>
+            <a:r>
+              <a:rPr lang="fr-FR" sz="2400">
+                <a:solidFill>
+                  <a:srgbClr val="FF0000"/>
+                </a:solidFill>
+                <a:latin typeface="Arial"/>
+                <a:ea typeface="ＭＳ Ｐゴシック"/>
+                <a:cs typeface="Arial"/>
+              </a:rPr>
+              <a:t>Termes et mots clés utilisés dans Héritage</a:t>
+            </a:r>
+            <a:endParaRPr lang="fr-FR">
+              <a:solidFill>
+                <a:srgbClr val="FF0000"/>
+              </a:solidFill>
+            </a:endParaRPr>
+          </a:p>
+        </p:txBody>
+      </p:sp>
+      <p:sp>
+        <p:nvSpPr>
+          <p:cNvPr id="5" name="ZoneTexte 1">
+            <a:extLst>
+              <a:ext uri="{FF2B5EF4-FFF2-40B4-BE49-F238E27FC236}">
+                <a16:creationId xmlns:a16="http://schemas.microsoft.com/office/drawing/2014/main" id="{576EB206-1181-AE1D-1E92-54EAD694BFEC}"/>
+              </a:ext>
+            </a:extLst>
+          </p:cNvPr>
+          <p:cNvSpPr txBox="1"/>
+          <p:nvPr/>
+        </p:nvSpPr>
+        <p:spPr>
+          <a:xfrm>
+            <a:off x="1254821" y="2156248"/>
+            <a:ext cx="6436865" cy="2246769"/>
+          </a:xfrm>
+          <a:prstGeom prst="rect">
+            <a:avLst/>
+          </a:prstGeom>
+          <a:noFill/>
+        </p:spPr>
+        <p:txBody>
+          <a:bodyPr rot="0" spcFirstLastPara="0" vert="horz" wrap="square" lIns="91440" tIns="45720" rIns="91440" bIns="45720" numCol="1" spcCol="0" rtlCol="0" fromWordArt="0" anchor="t" anchorCtr="0" forceAA="0" compatLnSpc="1">
+            <a:prstTxWarp prst="textNoShape">
+              <a:avLst/>
+            </a:prstTxWarp>
+            <a:spAutoFit/>
+          </a:bodyPr>
+          <a:lstStyle>
+            <a:defPPr>
+              <a:defRPr lang="fr-CA"/>
+            </a:defPPr>
+            <a:lvl1pPr algn="l" rtl="0" fontAlgn="base">
+              <a:spcBef>
+                <a:spcPct val="0"/>
+              </a:spcBef>
+              <a:spcAft>
+                <a:spcPct val="0"/>
+              </a:spcAft>
+              <a:defRPr kern="1200">
+                <a:solidFill>
+                  <a:schemeClr val="tx1"/>
+                </a:solidFill>
+                <a:latin typeface="Arial" charset="0"/>
+                <a:ea typeface="ＭＳ Ｐゴシック" pitchFamily="34" charset="-128"/>
+                <a:cs typeface="+mn-cs"/>
+              </a:defRPr>
+            </a:lvl1pPr>
+            <a:lvl2pPr marL="457200" algn="l" rtl="0" fontAlgn="base">
+              <a:spcBef>
+                <a:spcPct val="0"/>
+              </a:spcBef>
+              <a:spcAft>
+                <a:spcPct val="0"/>
+              </a:spcAft>
+              <a:defRPr kern="1200">
+                <a:solidFill>
+                  <a:schemeClr val="tx1"/>
+                </a:solidFill>
+                <a:latin typeface="Arial" charset="0"/>
+                <a:ea typeface="ＭＳ Ｐゴシック" pitchFamily="34" charset="-128"/>
+                <a:cs typeface="+mn-cs"/>
+              </a:defRPr>
+            </a:lvl2pPr>
+            <a:lvl3pPr marL="914400" algn="l" rtl="0" fontAlgn="base">
+              <a:spcBef>
+                <a:spcPct val="0"/>
+              </a:spcBef>
+              <a:spcAft>
+                <a:spcPct val="0"/>
+              </a:spcAft>
+              <a:defRPr kern="1200">
+                <a:solidFill>
+                  <a:schemeClr val="tx1"/>
+                </a:solidFill>
+                <a:latin typeface="Arial" charset="0"/>
+                <a:ea typeface="ＭＳ Ｐゴシック" pitchFamily="34" charset="-128"/>
+                <a:cs typeface="+mn-cs"/>
+              </a:defRPr>
+            </a:lvl3pPr>
+            <a:lvl4pPr marL="1371600" algn="l" rtl="0" fontAlgn="base">
+              <a:spcBef>
+                <a:spcPct val="0"/>
+              </a:spcBef>
+              <a:spcAft>
+                <a:spcPct val="0"/>
+              </a:spcAft>
+              <a:defRPr kern="1200">
+                <a:solidFill>
+                  <a:schemeClr val="tx1"/>
+                </a:solidFill>
+                <a:latin typeface="Arial" charset="0"/>
+                <a:ea typeface="ＭＳ Ｐゴシック" pitchFamily="34" charset="-128"/>
+                <a:cs typeface="+mn-cs"/>
+              </a:defRPr>
+            </a:lvl4pPr>
+            <a:lvl5pPr marL="1828800" algn="l" rtl="0" fontAlgn="base">
+              <a:spcBef>
+                <a:spcPct val="0"/>
+              </a:spcBef>
+              <a:spcAft>
+                <a:spcPct val="0"/>
+              </a:spcAft>
+              <a:defRPr kern="1200">
+                <a:solidFill>
+                  <a:schemeClr val="tx1"/>
+                </a:solidFill>
+                <a:latin typeface="Arial" charset="0"/>
+                <a:ea typeface="ＭＳ Ｐゴシック" pitchFamily="34" charset="-128"/>
+                <a:cs typeface="+mn-cs"/>
+              </a:defRPr>
+            </a:lvl5pPr>
+            <a:lvl6pPr marL="2286000" algn="l" defTabSz="914400" rtl="0" eaLnBrk="1" latinLnBrk="0" hangingPunct="1">
+              <a:defRPr kern="1200">
+                <a:solidFill>
+                  <a:schemeClr val="tx1"/>
+                </a:solidFill>
+                <a:latin typeface="Arial" charset="0"/>
+                <a:ea typeface="ＭＳ Ｐゴシック" pitchFamily="34" charset="-128"/>
+                <a:cs typeface="+mn-cs"/>
+              </a:defRPr>
+            </a:lvl6pPr>
+            <a:lvl7pPr marL="2743200" algn="l" defTabSz="914400" rtl="0" eaLnBrk="1" latinLnBrk="0" hangingPunct="1">
+              <a:defRPr kern="1200">
+                <a:solidFill>
+                  <a:schemeClr val="tx1"/>
+                </a:solidFill>
+                <a:latin typeface="Arial" charset="0"/>
+                <a:ea typeface="ＭＳ Ｐゴシック" pitchFamily="34" charset="-128"/>
+                <a:cs typeface="+mn-cs"/>
+              </a:defRPr>
+            </a:lvl7pPr>
+            <a:lvl8pPr marL="3200400" algn="l" defTabSz="914400" rtl="0" eaLnBrk="1" latinLnBrk="0" hangingPunct="1">
+              <a:defRPr kern="1200">
+                <a:solidFill>
+                  <a:schemeClr val="tx1"/>
+                </a:solidFill>
+                <a:latin typeface="Arial" charset="0"/>
+                <a:ea typeface="ＭＳ Ｐゴシック" pitchFamily="34" charset="-128"/>
+                <a:cs typeface="+mn-cs"/>
+              </a:defRPr>
+            </a:lvl8pPr>
+            <a:lvl9pPr marL="3657600" algn="l" defTabSz="914400" rtl="0" eaLnBrk="1" latinLnBrk="0" hangingPunct="1">
+              <a:defRPr kern="1200">
+                <a:solidFill>
+                  <a:schemeClr val="tx1"/>
+                </a:solidFill>
+                <a:latin typeface="Arial" charset="0"/>
+                <a:ea typeface="ＭＳ Ｐゴシック" pitchFamily="34" charset="-128"/>
+                <a:cs typeface="+mn-cs"/>
+              </a:defRPr>
+            </a:lvl9pPr>
+          </a:lstStyle>
+          <a:p>
+            <a:pPr marL="285750" indent="-285750" algn="just">
+              <a:buFont typeface="Wingdings"/>
+              <a:buChar char="Ø"/>
+            </a:pPr>
+            <a:r>
+              <a:rPr lang="fr-FR" sz="2800" dirty="0">
+                <a:latin typeface="Arial"/>
+                <a:ea typeface="ＭＳ Ｐゴシック"/>
+                <a:cs typeface="Arial"/>
+              </a:rPr>
+              <a:t>Classe ;</a:t>
+            </a:r>
+          </a:p>
+          <a:p>
+            <a:pPr marL="285750" indent="-285750" algn="just">
+              <a:buFont typeface="Wingdings"/>
+              <a:buChar char="Ø"/>
+            </a:pPr>
+            <a:r>
+              <a:rPr lang="fr-FR" sz="2800" dirty="0">
+                <a:latin typeface="Arial"/>
+                <a:ea typeface="ＭＳ Ｐゴシック"/>
+                <a:cs typeface="Arial"/>
+              </a:rPr>
+              <a:t>Sous-classe/classe enfant ;</a:t>
+            </a:r>
+          </a:p>
+          <a:p>
+            <a:pPr marL="285750" indent="-285750" algn="just">
+              <a:buFont typeface="Wingdings"/>
+              <a:buChar char="Ø"/>
+            </a:pPr>
+            <a:r>
+              <a:rPr lang="fr-FR" sz="2800" dirty="0">
+                <a:latin typeface="Arial"/>
+                <a:ea typeface="ＭＳ Ｐゴシック"/>
+                <a:cs typeface="Arial"/>
+              </a:rPr>
+              <a:t>Super classe/classe parent ;</a:t>
+            </a:r>
+          </a:p>
+          <a:p>
+            <a:pPr marL="285750" indent="-285750" algn="just">
+              <a:buFont typeface="Wingdings"/>
+              <a:buChar char="Ø"/>
+            </a:pPr>
+            <a:r>
+              <a:rPr lang="fr-FR" sz="2800" dirty="0">
+                <a:latin typeface="Arial"/>
+                <a:ea typeface="ＭＳ Ｐゴシック"/>
+                <a:cs typeface="Arial"/>
+              </a:rPr>
+              <a:t>Réutilisabilité ;</a:t>
+            </a:r>
+          </a:p>
+          <a:p>
+            <a:pPr marL="285750" indent="-285750" algn="just">
+              <a:buFont typeface="Wingdings"/>
+              <a:buChar char="Ø"/>
+            </a:pPr>
+            <a:r>
+              <a:rPr lang="fr-FR" sz="2800" dirty="0">
+                <a:latin typeface="Arial"/>
+                <a:ea typeface="ＭＳ Ｐゴシック"/>
+                <a:cs typeface="Arial"/>
+              </a:rPr>
+              <a:t>Extends</a:t>
+            </a:r>
+            <a:endParaRPr lang="fr-FR" sz="2800" dirty="0">
+              <a:cs typeface="Arial"/>
+            </a:endParaRPr>
+          </a:p>
+        </p:txBody>
+      </p:sp>
+    </p:spTree>
+    <p:extLst>
+      <p:ext uri="{BB962C8B-B14F-4D97-AF65-F5344CB8AC3E}">
+        <p14:creationId xmlns:p14="http://schemas.microsoft.com/office/powerpoint/2010/main" val="1585625100"/>
+      </p:ext>
+    </p:extLst>
+  </p:cSld>
+  <p:clrMapOvr>
+    <a:masterClrMapping/>
+  </p:clrMapOvr>
+  <p:transition spd="slow">
+    <p:wipe/>
+  </p:transition>
+</p:sld>
+</file>
+
+<file path=ppt/slides/slide21.xml><?xml version="1.0" encoding="utf-8"?>
+<p:sld xmlns:a="http://schemas.openxmlformats.org/drawingml/2006/main" xmlns:r="http://schemas.openxmlformats.org/officeDocument/2006/relationships" xmlns:p="http://schemas.openxmlformats.org/presentationml/2006/main">
+  <p:cSld>
+    <p:spTree>
+      <p:nvGrpSpPr>
+        <p:cNvPr id="1" name=""/>
+        <p:cNvGrpSpPr/>
+        <p:nvPr/>
+      </p:nvGrpSpPr>
+      <p:grpSpPr>
+        <a:xfrm>
+          <a:off x="0" y="0"/>
+          <a:ext cx="0" cy="0"/>
+          <a:chOff x="0" y="0"/>
+          <a:chExt cx="0" cy="0"/>
+        </a:xfrm>
+      </p:grpSpPr>
+      <p:sp>
+        <p:nvSpPr>
+          <p:cNvPr id="2" name="Titre 1"/>
+          <p:cNvSpPr>
+            <a:spLocks noGrp="1"/>
+          </p:cNvSpPr>
+          <p:nvPr>
+            <p:ph type="title"/>
+          </p:nvPr>
+        </p:nvSpPr>
+        <p:spPr>
+          <a:xfrm>
+            <a:off x="749258" y="136590"/>
+            <a:ext cx="7933016" cy="648072"/>
+          </a:xfrm>
+        </p:spPr>
+        <p:txBody>
+          <a:bodyPr/>
+          <a:lstStyle/>
+          <a:p>
+            <a:r>
+              <a:rPr lang="fr-CA" sz="3600" cap="none">
+                <a:solidFill>
+                  <a:srgbClr val="FF0000"/>
+                </a:solidFill>
+                <a:cs typeface="Arial"/>
+              </a:rPr>
+              <a:t>HERITAGE </a:t>
+            </a:r>
+            <a:endParaRPr lang="fr-FR"/>
+          </a:p>
+        </p:txBody>
+      </p:sp>
+      <p:pic>
+        <p:nvPicPr>
+          <p:cNvPr id="3" name="Image 1"/>
+          <p:cNvPicPr>
+            <a:picLocks noChangeAspect="1"/>
+          </p:cNvPicPr>
+          <p:nvPr/>
+        </p:nvPicPr>
+        <p:blipFill>
+          <a:blip r:embed="rId2">
+            <a:extLst>
+              <a:ext uri="{28A0092B-C50C-407E-A947-70E740481C1C}">
+                <a14:useLocalDpi xmlns:a14="http://schemas.microsoft.com/office/drawing/2010/main" val="0"/>
+              </a:ext>
+            </a:extLst>
+          </a:blip>
+          <a:srcRect/>
+          <a:stretch>
+            <a:fillRect/>
+          </a:stretch>
+        </p:blipFill>
+        <p:spPr bwMode="auto">
+          <a:xfrm>
+            <a:off x="65088" y="6400800"/>
+            <a:ext cx="1554162" cy="396875"/>
+          </a:xfrm>
+          <a:prstGeom prst="rect">
+            <a:avLst/>
+          </a:prstGeom>
+          <a:noFill/>
+          <a:ln>
+            <a:noFill/>
+          </a:ln>
+          <a:extLst>
+            <a:ext uri="{909E8E84-426E-40DD-AFC4-6F175D3DCCD1}">
+              <a14:hiddenFill xmlns:a14="http://schemas.microsoft.com/office/drawing/2010/main">
+                <a:solidFill>
+                  <a:srgbClr val="FFFFFF"/>
+                </a:solidFill>
+              </a14:hiddenFill>
+            </a:ext>
+            <a:ext uri="{91240B29-F687-4F45-9708-019B960494DF}">
+              <a14:hiddenLine xmlns:a14="http://schemas.microsoft.com/office/drawing/2010/main" w="9525">
+                <a:solidFill>
+                  <a:srgbClr val="000000"/>
+                </a:solidFill>
+                <a:miter lim="800000"/>
+                <a:headEnd/>
+                <a:tailEnd/>
+              </a14:hiddenLine>
+            </a:ext>
+          </a:extLst>
+        </p:spPr>
+      </p:pic>
+      <p:sp>
+        <p:nvSpPr>
+          <p:cNvPr id="6" name="ZoneTexte 5">
+            <a:extLst>
+              <a:ext uri="{FF2B5EF4-FFF2-40B4-BE49-F238E27FC236}">
+                <a16:creationId xmlns:a16="http://schemas.microsoft.com/office/drawing/2014/main" id="{B2F8B59F-B102-7155-58EA-6E5E871649E6}"/>
+              </a:ext>
+            </a:extLst>
+          </p:cNvPr>
+          <p:cNvSpPr txBox="1"/>
+          <p:nvPr/>
+        </p:nvSpPr>
+        <p:spPr>
+          <a:xfrm>
+            <a:off x="1035727" y="933600"/>
+            <a:ext cx="2165985" cy="830997"/>
+          </a:xfrm>
+          <a:prstGeom prst="rect">
+            <a:avLst/>
+          </a:prstGeom>
+          <a:noFill/>
+        </p:spPr>
+        <p:txBody>
+          <a:bodyPr rot="0" spcFirstLastPara="0" vertOverflow="overflow" horzOverflow="overflow" vert="horz" wrap="square" lIns="91440" tIns="45720" rIns="91440" bIns="45720" numCol="1" spcCol="0" rtlCol="0" fromWordArt="0" anchor="t" anchorCtr="0" forceAA="0" compatLnSpc="1">
+            <a:prstTxWarp prst="textNoShape">
+              <a:avLst/>
+            </a:prstTxWarp>
+            <a:spAutoFit/>
+          </a:bodyPr>
+          <a:lstStyle/>
+          <a:p>
+            <a:pPr marL="342900" indent="-342900" algn="just">
+              <a:buFont typeface="Wingdings"/>
+              <a:buChar char="q"/>
+            </a:pPr>
+            <a:r>
+              <a:rPr lang="fr-FR" sz="2400">
+                <a:solidFill>
+                  <a:srgbClr val="FF0000"/>
+                </a:solidFill>
+                <a:latin typeface="Arial"/>
+                <a:ea typeface="ＭＳ Ｐゴシック"/>
+                <a:cs typeface="Arial"/>
+              </a:rPr>
+              <a:t>Exemples</a:t>
+            </a:r>
+            <a:endParaRPr lang="fr-FR" sz="2400">
+              <a:solidFill>
+                <a:srgbClr val="FF0000"/>
+              </a:solidFill>
+              <a:cs typeface="Arial"/>
+            </a:endParaRPr>
+          </a:p>
+          <a:p>
+            <a:endParaRPr lang="fr-FR" sz="2400">
+              <a:latin typeface="Helvetica"/>
+              <a:cs typeface="Helvetica"/>
+            </a:endParaRPr>
+          </a:p>
+        </p:txBody>
+      </p:sp>
+      <p:pic>
+        <p:nvPicPr>
+          <p:cNvPr id="7" name="Image 7">
+            <a:extLst>
+              <a:ext uri="{FF2B5EF4-FFF2-40B4-BE49-F238E27FC236}">
+                <a16:creationId xmlns:a16="http://schemas.microsoft.com/office/drawing/2014/main" id="{88D4FBAA-A6B5-685A-5648-96F5CF9E2B68}"/>
+              </a:ext>
+            </a:extLst>
+          </p:cNvPr>
+          <p:cNvPicPr>
+            <a:picLocks noChangeAspect="1"/>
+          </p:cNvPicPr>
+          <p:nvPr/>
+        </p:nvPicPr>
+        <p:blipFill>
+          <a:blip r:embed="rId3"/>
+          <a:stretch>
+            <a:fillRect/>
+          </a:stretch>
+        </p:blipFill>
+        <p:spPr>
+          <a:xfrm>
+            <a:off x="657554" y="1464385"/>
+            <a:ext cx="4557547" cy="4927710"/>
+          </a:xfrm>
+          <a:prstGeom prst="rect">
+            <a:avLst/>
+          </a:prstGeom>
+        </p:spPr>
+      </p:pic>
+      <p:pic>
+        <p:nvPicPr>
+          <p:cNvPr id="8" name="Image 8" descr="Une image contenant texte&#10;&#10;Description générée automatiquement">
+            <a:extLst>
+              <a:ext uri="{FF2B5EF4-FFF2-40B4-BE49-F238E27FC236}">
+                <a16:creationId xmlns:a16="http://schemas.microsoft.com/office/drawing/2014/main" id="{7F1C38C8-E505-1C19-3664-23B6D1C301A9}"/>
+              </a:ext>
+            </a:extLst>
+          </p:cNvPr>
+          <p:cNvPicPr>
+            <a:picLocks noChangeAspect="1"/>
+          </p:cNvPicPr>
+          <p:nvPr/>
+        </p:nvPicPr>
+        <p:blipFill>
+          <a:blip r:embed="rId4"/>
+          <a:stretch>
+            <a:fillRect/>
+          </a:stretch>
+        </p:blipFill>
+        <p:spPr>
+          <a:xfrm>
+            <a:off x="5553076" y="1642735"/>
+            <a:ext cx="3227332" cy="4544738"/>
+          </a:xfrm>
+          <a:prstGeom prst="rect">
+            <a:avLst/>
+          </a:prstGeom>
+        </p:spPr>
+      </p:pic>
+    </p:spTree>
+    <p:extLst>
+      <p:ext uri="{BB962C8B-B14F-4D97-AF65-F5344CB8AC3E}">
+        <p14:creationId xmlns:p14="http://schemas.microsoft.com/office/powerpoint/2010/main" val="1523262016"/>
+      </p:ext>
+    </p:extLst>
+  </p:cSld>
+  <p:clrMapOvr>
+    <a:masterClrMapping/>
+  </p:clrMapOvr>
+  <p:transition spd="slow">
+    <p:wipe/>
+  </p:transition>
+</p:sld>
+</file>
+
+<file path=ppt/slides/slide22.xml><?xml version="1.0" encoding="utf-8"?>
+<p:sld xmlns:a="http://schemas.openxmlformats.org/drawingml/2006/main" xmlns:r="http://schemas.openxmlformats.org/officeDocument/2006/relationships" xmlns:p="http://schemas.openxmlformats.org/presentationml/2006/main">
+  <p:cSld>
+    <p:spTree>
+      <p:nvGrpSpPr>
+        <p:cNvPr id="1" name=""/>
+        <p:cNvGrpSpPr/>
+        <p:nvPr/>
+      </p:nvGrpSpPr>
+      <p:grpSpPr>
+        <a:xfrm>
+          <a:off x="0" y="0"/>
+          <a:ext cx="0" cy="0"/>
+          <a:chOff x="0" y="0"/>
+          <a:chExt cx="0" cy="0"/>
+        </a:xfrm>
+      </p:grpSpPr>
+      <p:sp>
+        <p:nvSpPr>
+          <p:cNvPr id="4" name="Titre 3"/>
+          <p:cNvSpPr>
+            <a:spLocks noGrp="1"/>
+          </p:cNvSpPr>
+          <p:nvPr>
+            <p:ph type="title"/>
+          </p:nvPr>
+        </p:nvSpPr>
+        <p:spPr>
+          <a:xfrm>
+            <a:off x="684213" y="99119"/>
+            <a:ext cx="8064500" cy="665585"/>
+          </a:xfrm>
+        </p:spPr>
+        <p:txBody>
+          <a:bodyPr/>
+          <a:lstStyle/>
+          <a:p>
+            <a:r>
+              <a:rPr lang="fr-CA">
+                <a:solidFill>
+                  <a:srgbClr val="FF0000"/>
+                </a:solidFill>
+                <a:cs typeface="Arial"/>
+              </a:rPr>
+              <a:t>REMERCIEMENTS</a:t>
+            </a:r>
+            <a:endParaRPr lang="fr-CA">
+              <a:solidFill>
+                <a:srgbClr val="FF0000"/>
+              </a:solidFill>
+            </a:endParaRPr>
+          </a:p>
+        </p:txBody>
+      </p:sp>
+      <p:sp>
+        <p:nvSpPr>
+          <p:cNvPr id="6" name="ZoneTexte 5"/>
+          <p:cNvSpPr txBox="1"/>
+          <p:nvPr/>
+        </p:nvSpPr>
+        <p:spPr>
+          <a:xfrm>
+            <a:off x="2310710" y="2780928"/>
+            <a:ext cx="4493538" cy="1569660"/>
+          </a:xfrm>
+          <a:prstGeom prst="rect">
+            <a:avLst/>
+          </a:prstGeom>
+          <a:noFill/>
+        </p:spPr>
+        <p:txBody>
+          <a:bodyPr wrap="none" rtlCol="0">
+            <a:spAutoFit/>
+            <a:scene3d>
+              <a:camera prst="orthographicFront"/>
+              <a:lightRig rig="glow" dir="tl">
+                <a:rot lat="0" lon="0" rev="5400000"/>
+              </a:lightRig>
+            </a:scene3d>
+            <a:sp3d contourW="12700">
+              <a:bevelT w="25400" h="25400"/>
+              <a:contourClr>
+                <a:schemeClr val="accent6">
+                  <a:shade val="73000"/>
+                </a:schemeClr>
+              </a:contourClr>
+            </a:sp3d>
+          </a:bodyPr>
+          <a:lstStyle/>
+          <a:p>
+            <a:r>
+              <a:rPr lang="fr-CA" sz="9600" b="1">
+                <a:ln w="11430"/>
+                <a:effectLst>
+                  <a:outerShdw blurRad="80000" dist="40000" dir="5040000" algn="tl">
+                    <a:srgbClr val="000000">
+                      <a:alpha val="30000"/>
+                    </a:srgbClr>
+                  </a:outerShdw>
+                </a:effectLst>
+              </a:rPr>
+              <a:t>Merci !</a:t>
+            </a:r>
+            <a:r>
+              <a:rPr lang="fr-CA" sz="9600" b="1">
+                <a:ln w="11430"/>
+                <a:solidFill>
+                  <a:schemeClr val="bg1">
+                    <a:lumMod val="50000"/>
+                  </a:schemeClr>
+                </a:solidFill>
+                <a:effectLst>
+                  <a:outerShdw blurRad="80000" dist="40000" dir="5040000" algn="tl">
+                    <a:srgbClr val="000000">
+                      <a:alpha val="30000"/>
+                    </a:srgbClr>
+                  </a:outerShdw>
+                </a:effectLst>
+              </a:rPr>
+              <a:t> </a:t>
+            </a:r>
+          </a:p>
+        </p:txBody>
+      </p:sp>
+    </p:spTree>
+    <p:extLst>
+      <p:ext uri="{BB962C8B-B14F-4D97-AF65-F5344CB8AC3E}">
+        <p14:creationId xmlns:p14="http://schemas.microsoft.com/office/powerpoint/2010/main" val="2025614599"/>
+      </p:ext>
+    </p:extLst>
+  </p:cSld>
+  <p:clrMapOvr>
+    <a:masterClrMapping/>
+  </p:clrMapOvr>
+</p:sld>
+</file>
+
+<file path=ppt/slides/slide23.xml><?xml version="1.0" encoding="utf-8"?>
+<p:sld xmlns:a="http://schemas.openxmlformats.org/drawingml/2006/main" xmlns:r="http://schemas.openxmlformats.org/officeDocument/2006/relationships" xmlns:p="http://schemas.openxmlformats.org/presentationml/2006/main">
+  <p:cSld>
+    <p:spTree>
+      <p:nvGrpSpPr>
+        <p:cNvPr id="1" name=""/>
+        <p:cNvGrpSpPr/>
+        <p:nvPr/>
+      </p:nvGrpSpPr>
+      <p:grpSpPr>
+        <a:xfrm>
+          <a:off x="0" y="0"/>
+          <a:ext cx="0" cy="0"/>
+          <a:chOff x="0" y="0"/>
+          <a:chExt cx="0" cy="0"/>
+        </a:xfrm>
+      </p:grpSpPr>
+      <p:sp>
+        <p:nvSpPr>
+          <p:cNvPr id="4" name="Titre 3"/>
+          <p:cNvSpPr>
+            <a:spLocks noGrp="1"/>
+          </p:cNvSpPr>
+          <p:nvPr>
+            <p:ph type="title"/>
+          </p:nvPr>
+        </p:nvSpPr>
+        <p:spPr>
+          <a:xfrm>
+            <a:off x="684213" y="44624"/>
+            <a:ext cx="8208962" cy="837456"/>
+          </a:xfrm>
+        </p:spPr>
+        <p:txBody>
+          <a:bodyPr/>
+          <a:lstStyle/>
+          <a:p>
+            <a:r>
+              <a:rPr lang="fr-CA">
+                <a:solidFill>
+                  <a:srgbClr val="FF0000"/>
+                </a:solidFill>
+                <a:ea typeface="+mj-lt"/>
+                <a:cs typeface="+mj-lt"/>
+              </a:rPr>
+              <a:t>Questions</a:t>
+            </a:r>
+            <a:r>
+              <a:rPr lang="fr-CA">
+                <a:solidFill>
+                  <a:srgbClr val="C00000"/>
+                </a:solidFill>
+              </a:rPr>
+              <a:t> …</a:t>
+            </a:r>
+            <a:endParaRPr lang="fr-FR">
+              <a:cs typeface="Arial"/>
+            </a:endParaRPr>
+          </a:p>
+        </p:txBody>
+      </p:sp>
+      <p:sp>
+        <p:nvSpPr>
+          <p:cNvPr id="6" name="ZoneTexte 5"/>
+          <p:cNvSpPr txBox="1"/>
+          <p:nvPr/>
+        </p:nvSpPr>
+        <p:spPr>
+          <a:xfrm>
+            <a:off x="2627784" y="2708920"/>
+            <a:ext cx="3456384" cy="1292662"/>
+          </a:xfrm>
+          <a:prstGeom prst="rect">
+            <a:avLst/>
+          </a:prstGeom>
+          <a:noFill/>
+        </p:spPr>
+        <p:txBody>
+          <a:bodyPr wrap="square" rtlCol="0">
+            <a:spAutoFit/>
+          </a:bodyPr>
+          <a:lstStyle/>
+          <a:p>
+            <a:pPr algn="ctr"/>
+            <a:r>
+              <a:rPr lang="fr-FR" sz="6000" b="1">
+                <a:solidFill>
+                  <a:schemeClr val="bg1"/>
+                </a:solidFill>
+              </a:rPr>
+              <a:t>Q&amp;A</a:t>
+            </a:r>
+          </a:p>
+          <a:p>
+            <a:pPr algn="ctr"/>
+            <a:r>
+              <a:rPr lang="fr-FR" b="1">
+                <a:solidFill>
+                  <a:schemeClr val="bg1"/>
+                </a:solidFill>
+              </a:rPr>
+              <a:t>www.osositechnologies.com</a:t>
+            </a:r>
+          </a:p>
+        </p:txBody>
+      </p:sp>
+      <p:pic>
+        <p:nvPicPr>
+          <p:cNvPr id="10242" name="Picture 2"/>
+          <p:cNvPicPr>
+            <a:picLocks noChangeAspect="1" noChangeArrowheads="1"/>
+          </p:cNvPicPr>
+          <p:nvPr/>
+        </p:nvPicPr>
+        <p:blipFill>
+          <a:blip r:embed="rId2">
+            <a:extLst>
+              <a:ext uri="{28A0092B-C50C-407E-A947-70E740481C1C}">
+                <a14:useLocalDpi xmlns:a14="http://schemas.microsoft.com/office/drawing/2010/main" val="0"/>
+              </a:ext>
+            </a:extLst>
+          </a:blip>
+          <a:srcRect/>
+          <a:stretch>
+            <a:fillRect/>
+          </a:stretch>
+        </p:blipFill>
+        <p:spPr bwMode="auto">
+          <a:xfrm>
+            <a:off x="90488" y="2119313"/>
+            <a:ext cx="8963025" cy="2619375"/>
+          </a:xfrm>
+          <a:prstGeom prst="rect">
+            <a:avLst/>
+          </a:prstGeom>
+          <a:noFill/>
+          <a:ln>
+            <a:noFill/>
+          </a:ln>
+          <a:extLst>
+            <a:ext uri="{909E8E84-426E-40DD-AFC4-6F175D3DCCD1}">
+              <a14:hiddenFill xmlns:a14="http://schemas.microsoft.com/office/drawing/2010/main">
+                <a:solidFill>
+                  <a:schemeClr val="accent1"/>
+                </a:solidFill>
+              </a14:hiddenFill>
+            </a:ext>
+            <a:ext uri="{91240B29-F687-4F45-9708-019B960494DF}">
+              <a14:hiddenLine xmlns:a14="http://schemas.microsoft.com/office/drawing/2010/main" w="9525">
+                <a:solidFill>
+                  <a:schemeClr val="tx1"/>
+                </a:solidFill>
+                <a:miter lim="800000"/>
+                <a:headEnd/>
+                <a:tailEnd/>
+              </a14:hiddenLine>
+            </a:ext>
+          </a:extLst>
+        </p:spPr>
+      </p:pic>
+      <p:sp>
+        <p:nvSpPr>
+          <p:cNvPr id="2" name="ZoneTexte 1"/>
+          <p:cNvSpPr txBox="1"/>
+          <p:nvPr/>
+        </p:nvSpPr>
+        <p:spPr>
+          <a:xfrm>
+            <a:off x="744949" y="2691713"/>
+            <a:ext cx="7416824" cy="1446550"/>
+          </a:xfrm>
+          <a:prstGeom prst="rect">
+            <a:avLst/>
+          </a:prstGeom>
+          <a:noFill/>
+        </p:spPr>
+        <p:txBody>
+          <a:bodyPr wrap="square" rtlCol="0">
+            <a:spAutoFit/>
+          </a:bodyPr>
+          <a:lstStyle/>
+          <a:p>
+            <a:pPr algn="ctr"/>
+            <a:r>
+              <a:rPr lang="fr-CA" sz="6000" b="1">
+                <a:solidFill>
+                  <a:schemeClr val="bg1"/>
+                </a:solidFill>
+              </a:rPr>
+              <a:t>Q&amp;A</a:t>
+            </a:r>
+          </a:p>
+          <a:p>
+            <a:pPr algn="ctr"/>
+            <a:r>
+              <a:rPr lang="fr-CA" sz="2800" b="1">
+                <a:solidFill>
+                  <a:schemeClr val="bg1"/>
+                </a:solidFill>
+              </a:rPr>
+              <a:t>www.osistechnologies.com</a:t>
+            </a:r>
+          </a:p>
+        </p:txBody>
+      </p:sp>
+    </p:spTree>
+    <p:extLst>
+      <p:ext uri="{BB962C8B-B14F-4D97-AF65-F5344CB8AC3E}">
+        <p14:creationId xmlns:p14="http://schemas.microsoft.com/office/powerpoint/2010/main" val="2422523383"/>
+      </p:ext>
+    </p:extLst>
+  </p:cSld>
+  <p:clrMapOvr>
+    <a:masterClrMapping/>
+  </p:clrMapOvr>
 </p:sld>
 </file>
 
@@ -5963,14 +8851,14 @@
           <a:lstStyle/>
           <a:p>
             <a:r>
-              <a:rPr lang="fr-CA" sz="3600" cap="none">
+              <a:rPr lang="fr-CA" sz="3600" cap="none" dirty="0">
                 <a:solidFill>
                   <a:srgbClr val="FF0000"/>
                 </a:solidFill>
               </a:rPr>
-              <a:t>I.   INITIATION A JAVA</a:t>
-            </a:r>
-            <a:endParaRPr lang="fr-CA" sz="3600" cap="none">
+              <a:t>II. OBJET ET CLASS</a:t>
+            </a:r>
+            <a:endParaRPr lang="fr-CA" sz="3600" cap="none" dirty="0">
               <a:solidFill>
                 <a:srgbClr val="FF0000"/>
               </a:solidFill>
@@ -6041,8 +8929,8 @@
         </p:nvSpPr>
         <p:spPr>
           <a:xfrm>
-            <a:off x="684069" y="1138962"/>
-            <a:ext cx="1601034" cy="400110"/>
+            <a:off x="374753" y="903949"/>
+            <a:ext cx="8517727" cy="3785652"/>
           </a:xfrm>
           <a:prstGeom prst="rect">
             <a:avLst/>
@@ -6054,22 +8942,280 @@
           </a:bodyPr>
           <a:lstStyle/>
           <a:p>
-            <a:r>
-              <a:rPr lang="fr-FR" sz="2000" b="1">
+            <a:pPr marL="342900" indent="-342900">
+              <a:buFont typeface="Wingdings" panose="05000000000000000000" pitchFamily="2" charset="2"/>
+              <a:buChar char="q"/>
+            </a:pPr>
+            <a:r>
+              <a:rPr lang="fr-FR" sz="2400" b="1" dirty="0">
+                <a:effectLst>
+                  <a:outerShdw blurRad="38100" dist="38100" dir="2700000" algn="tl">
+                    <a:srgbClr val="000000">
+                      <a:alpha val="43137"/>
+                    </a:srgbClr>
+                  </a:outerShdw>
+                </a:effectLst>
                 <a:latin typeface="Helvetica"/>
                 <a:ea typeface="ＭＳ Ｐゴシック"/>
                 <a:cs typeface="Helvetica"/>
               </a:rPr>
-              <a:t>Historique</a:t>
-            </a:r>
-            <a:endParaRPr lang="fr-FR"/>
+              <a:t>Objet</a:t>
+            </a:r>
+          </a:p>
+          <a:p>
+            <a:pPr marL="342900" indent="-342900">
+              <a:buFont typeface="Wingdings" panose="05000000000000000000" pitchFamily="2" charset="2"/>
+              <a:buChar char="q"/>
+            </a:pPr>
+            <a:endParaRPr lang="fr-FR" sz="2400" b="1" dirty="0">
+              <a:effectLst>
+                <a:outerShdw blurRad="38100" dist="38100" dir="2700000" algn="tl">
+                  <a:srgbClr val="000000">
+                    <a:alpha val="43137"/>
+                  </a:srgbClr>
+                </a:outerShdw>
+              </a:effectLst>
+              <a:latin typeface="Helvetica"/>
+              <a:ea typeface="ＭＳ Ｐゴシック"/>
+              <a:cs typeface="Helvetica"/>
+            </a:endParaRPr>
+          </a:p>
+          <a:p>
+            <a:pPr marL="457200" indent="-457200">
+              <a:buAutoNum type="arabicPeriod"/>
+            </a:pPr>
+            <a:r>
+              <a:rPr lang="fr-FR" sz="2000" b="1" dirty="0">
+                <a:effectLst>
+                  <a:outerShdw blurRad="38100" dist="38100" dir="2700000" algn="tl">
+                    <a:srgbClr val="000000">
+                      <a:alpha val="43137"/>
+                    </a:srgbClr>
+                  </a:outerShdw>
+                </a:effectLst>
+                <a:latin typeface="Helvetica"/>
+                <a:ea typeface="ＭＳ Ｐゴシック"/>
+                <a:cs typeface="Helvetica"/>
+              </a:rPr>
+              <a:t>Définition</a:t>
+            </a:r>
+            <a:endParaRPr lang="fr-FR" sz="2400" b="1" dirty="0">
+              <a:effectLst>
+                <a:outerShdw blurRad="38100" dist="38100" dir="2700000" algn="tl">
+                  <a:srgbClr val="000000">
+                    <a:alpha val="43137"/>
+                  </a:srgbClr>
+                </a:outerShdw>
+              </a:effectLst>
+              <a:latin typeface="Helvetica"/>
+              <a:ea typeface="ＭＳ Ｐゴシック"/>
+              <a:cs typeface="Helvetica"/>
+            </a:endParaRPr>
+          </a:p>
+          <a:p>
+            <a:r>
+              <a:rPr lang="fr-FR" dirty="0">
+                <a:latin typeface="Helvetica"/>
+                <a:ea typeface="ＭＳ Ｐゴシック"/>
+                <a:cs typeface="Helvetica"/>
+              </a:rPr>
+              <a:t>Un objet est une entité qui a un état et un comportement, par exemple: une chaise, une voiture, un livre etc.</a:t>
+            </a:r>
+          </a:p>
+          <a:p>
+            <a:r>
+              <a:rPr lang="fr-FR" dirty="0">
+                <a:latin typeface="Helvetica"/>
+                <a:ea typeface="ＭＳ Ｐゴシック"/>
+                <a:cs typeface="Helvetica"/>
+              </a:rPr>
+              <a:t>On dit donc que l'objet a trois (3) caractéristiques:</a:t>
+            </a:r>
+          </a:p>
+          <a:p>
+            <a:r>
+              <a:rPr lang="fr-FR" dirty="0">
+                <a:effectLst>
+                  <a:outerShdw blurRad="38100" dist="38100" dir="2700000" algn="tl">
+                    <a:srgbClr val="000000">
+                      <a:alpha val="43137"/>
+                    </a:srgbClr>
+                  </a:outerShdw>
+                </a:effectLst>
+                <a:latin typeface="Helvetica"/>
+                <a:ea typeface="ＭＳ Ｐゴシック"/>
+                <a:cs typeface="Helvetica"/>
+              </a:rPr>
+              <a:t>Un état:</a:t>
+            </a:r>
+            <a:r>
+              <a:rPr lang="fr-FR" dirty="0">
+                <a:effectLst>
+                  <a:outerShdw blurRad="38100" dist="38100" dir="2700000" algn="tl">
+                    <a:srgbClr val="000000">
+                      <a:alpha val="43137"/>
+                    </a:srgbClr>
+                  </a:outerShdw>
+                </a:effectLst>
+                <a:latin typeface="Helvetica" panose="020B0604020202020204" pitchFamily="34" charset="0"/>
+                <a:ea typeface="ＭＳ Ｐゴシック"/>
+                <a:cs typeface="Helvetica" panose="020B0604020202020204" pitchFamily="34" charset="0"/>
+              </a:rPr>
+              <a:t> </a:t>
+            </a:r>
+            <a:r>
+              <a:rPr lang="fr-FR" dirty="0">
+                <a:latin typeface="Helvetica" panose="020B0604020202020204" pitchFamily="34" charset="0"/>
+                <a:cs typeface="Helvetica" panose="020B0604020202020204" pitchFamily="34" charset="0"/>
+              </a:rPr>
+              <a:t>représente les données (valeur) d'un objet;</a:t>
+            </a:r>
+            <a:endParaRPr lang="fr-FR" dirty="0">
+              <a:effectLst>
+                <a:outerShdw blurRad="38100" dist="38100" dir="2700000" algn="tl">
+                  <a:srgbClr val="000000">
+                    <a:alpha val="43137"/>
+                  </a:srgbClr>
+                </a:outerShdw>
+              </a:effectLst>
+              <a:latin typeface="Helvetica" panose="020B0604020202020204" pitchFamily="34" charset="0"/>
+              <a:ea typeface="ＭＳ Ｐゴシック"/>
+              <a:cs typeface="Helvetica" panose="020B0604020202020204" pitchFamily="34" charset="0"/>
+            </a:endParaRPr>
+          </a:p>
+          <a:p>
+            <a:r>
+              <a:rPr lang="fr-FR" dirty="0">
+                <a:effectLst>
+                  <a:outerShdw blurRad="38100" dist="38100" dir="2700000" algn="tl">
+                    <a:srgbClr val="000000">
+                      <a:alpha val="43137"/>
+                    </a:srgbClr>
+                  </a:outerShdw>
+                </a:effectLst>
+                <a:latin typeface="Helvetica"/>
+                <a:ea typeface="ＭＳ Ｐゴシック"/>
+                <a:cs typeface="Helvetica"/>
+              </a:rPr>
+              <a:t>Un comportement:</a:t>
+            </a:r>
+            <a:r>
+              <a:rPr lang="fr-FR" dirty="0">
+                <a:effectLst>
+                  <a:outerShdw blurRad="38100" dist="38100" dir="2700000" algn="tl">
+                    <a:srgbClr val="000000">
+                      <a:alpha val="43137"/>
+                    </a:srgbClr>
+                  </a:outerShdw>
+                </a:effectLst>
+                <a:latin typeface="Helvetica" panose="020B0604020202020204" pitchFamily="34" charset="0"/>
+                <a:ea typeface="ＭＳ Ｐゴシック"/>
+                <a:cs typeface="Helvetica" panose="020B0604020202020204" pitchFamily="34" charset="0"/>
+              </a:rPr>
+              <a:t> </a:t>
+            </a:r>
+            <a:r>
+              <a:rPr lang="fr-FR" dirty="0">
+                <a:latin typeface="Helvetica" panose="020B0604020202020204" pitchFamily="34" charset="0"/>
+                <a:cs typeface="Helvetica" panose="020B0604020202020204" pitchFamily="34" charset="0"/>
+              </a:rPr>
+              <a:t>représente le comportement (fonctionnalité) d'un objet tel que déposer, retirer, etc;</a:t>
+            </a:r>
+            <a:endParaRPr lang="fr-FR" dirty="0">
+              <a:effectLst>
+                <a:outerShdw blurRad="38100" dist="38100" dir="2700000" algn="tl">
+                  <a:srgbClr val="000000">
+                    <a:alpha val="43137"/>
+                  </a:srgbClr>
+                </a:outerShdw>
+              </a:effectLst>
+              <a:latin typeface="Helvetica" panose="020B0604020202020204" pitchFamily="34" charset="0"/>
+              <a:ea typeface="ＭＳ Ｐゴシック"/>
+              <a:cs typeface="Helvetica" panose="020B0604020202020204" pitchFamily="34" charset="0"/>
+            </a:endParaRPr>
+          </a:p>
+          <a:p>
+            <a:r>
+              <a:rPr lang="fr-FR" dirty="0">
+                <a:effectLst>
+                  <a:outerShdw blurRad="38100" dist="38100" dir="2700000" algn="tl">
+                    <a:srgbClr val="000000">
+                      <a:alpha val="43137"/>
+                    </a:srgbClr>
+                  </a:outerShdw>
+                </a:effectLst>
+                <a:latin typeface="Helvetica"/>
+                <a:ea typeface="ＭＳ Ｐゴシック"/>
+                <a:cs typeface="Helvetica"/>
+              </a:rPr>
+              <a:t>Une identité:</a:t>
+            </a:r>
+            <a:r>
+              <a:rPr lang="fr-FR" dirty="0">
+                <a:effectLst>
+                  <a:outerShdw blurRad="38100" dist="38100" dir="2700000" algn="tl">
+                    <a:srgbClr val="000000">
+                      <a:alpha val="43137"/>
+                    </a:srgbClr>
+                  </a:outerShdw>
+                </a:effectLst>
+                <a:latin typeface="Helvetica" panose="020B0604020202020204" pitchFamily="34" charset="0"/>
+                <a:ea typeface="ＭＳ Ｐゴシック"/>
+                <a:cs typeface="Helvetica" panose="020B0604020202020204" pitchFamily="34" charset="0"/>
+              </a:rPr>
+              <a:t> </a:t>
+            </a:r>
+            <a:r>
+              <a:rPr lang="fr-FR" dirty="0">
+                <a:latin typeface="Helvetica" panose="020B0604020202020204" pitchFamily="34" charset="0"/>
+                <a:cs typeface="Helvetica" panose="020B0604020202020204" pitchFamily="34" charset="0"/>
+              </a:rPr>
+              <a:t>une identité d'objet est un identifiant unique.</a:t>
+            </a:r>
+            <a:endParaRPr lang="fr-FR" sz="2000" dirty="0">
+              <a:effectLst>
+                <a:outerShdw blurRad="38100" dist="38100" dir="2700000" algn="tl">
+                  <a:srgbClr val="000000">
+                    <a:alpha val="43137"/>
+                  </a:srgbClr>
+                </a:outerShdw>
+              </a:effectLst>
+              <a:latin typeface="Helvetica" panose="020B0604020202020204" pitchFamily="34" charset="0"/>
+              <a:ea typeface="ＭＳ Ｐゴシック"/>
+              <a:cs typeface="Helvetica" panose="020B0604020202020204" pitchFamily="34" charset="0"/>
+            </a:endParaRPr>
+          </a:p>
+          <a:p>
+            <a:endParaRPr lang="fr-FR" sz="2400" b="1" dirty="0">
+              <a:effectLst>
+                <a:outerShdw blurRad="38100" dist="38100" dir="2700000" algn="tl">
+                  <a:srgbClr val="000000">
+                    <a:alpha val="43137"/>
+                  </a:srgbClr>
+                </a:outerShdw>
+              </a:effectLst>
+              <a:latin typeface="Helvetica"/>
+              <a:ea typeface="ＭＳ Ｐゴシック"/>
+              <a:cs typeface="Helvetica"/>
+            </a:endParaRPr>
+          </a:p>
+          <a:p>
+            <a:endParaRPr lang="fr-FR" sz="2000" dirty="0">
+              <a:effectLst>
+                <a:outerShdw blurRad="38100" dist="38100" dir="2700000" algn="tl">
+                  <a:srgbClr val="000000">
+                    <a:alpha val="43137"/>
+                  </a:srgbClr>
+                </a:outerShdw>
+              </a:effectLst>
+            </a:endParaRPr>
           </a:p>
         </p:txBody>
       </p:sp>
     </p:spTree>
     <p:extLst>
       <p:ext uri="{BB962C8B-B14F-4D97-AF65-F5344CB8AC3E}">
-        <p14:creationId xmlns:p14="http://schemas.microsoft.com/office/powerpoint/2010/main" val="1816766021"/>
+        <p14:creationId xmlns:p14="http://schemas.microsoft.com/office/powerpoint/2010/main" val="242653117"/>
       </p:ext>
     </p:extLst>
   </p:cSld>
@@ -6190,69 +9336,70 @@
           </a:extLst>
         </p:spPr>
       </p:pic>
+      <p:pic>
+        <p:nvPicPr>
+          <p:cNvPr id="6" name="Image 5">
+            <a:extLst>
+              <a:ext uri="{FF2B5EF4-FFF2-40B4-BE49-F238E27FC236}">
+                <a16:creationId xmlns:a16="http://schemas.microsoft.com/office/drawing/2014/main" id="{3FC0CC16-4376-4B0F-9FDB-57C680546149}"/>
+              </a:ext>
+            </a:extLst>
+          </p:cNvPr>
+          <p:cNvPicPr>
+            <a:picLocks noChangeAspect="1"/>
+          </p:cNvPicPr>
+          <p:nvPr/>
+        </p:nvPicPr>
+        <p:blipFill>
+          <a:blip r:embed="rId3">
+            <a:extLst>
+              <a:ext uri="{28A0092B-C50C-407E-A947-70E740481C1C}">
+                <a14:useLocalDpi xmlns:a14="http://schemas.microsoft.com/office/drawing/2010/main" val="0"/>
+              </a:ext>
+            </a:extLst>
+          </a:blip>
+          <a:stretch>
+            <a:fillRect/>
+          </a:stretch>
+        </p:blipFill>
+        <p:spPr>
+          <a:xfrm>
+            <a:off x="1064858" y="1688124"/>
+            <a:ext cx="6298042" cy="3784210"/>
+          </a:xfrm>
+          <a:prstGeom prst="rect">
+            <a:avLst/>
+          </a:prstGeom>
+        </p:spPr>
+      </p:pic>
       <p:sp>
         <p:nvSpPr>
-          <p:cNvPr id="5" name="Rectangle 4"/>
-          <p:cNvSpPr/>
+          <p:cNvPr id="5" name="ZoneTexte 4">
+            <a:extLst>
+              <a:ext uri="{FF2B5EF4-FFF2-40B4-BE49-F238E27FC236}">
+                <a16:creationId xmlns:a16="http://schemas.microsoft.com/office/drawing/2014/main" id="{55C3C721-62CE-4B02-8A89-49753B40FE14}"/>
+              </a:ext>
+            </a:extLst>
+          </p:cNvPr>
+          <p:cNvSpPr txBox="1"/>
           <p:nvPr/>
         </p:nvSpPr>
         <p:spPr>
           <a:xfrm>
-            <a:off x="374753" y="903949"/>
-            <a:ext cx="8517727" cy="3785652"/>
+            <a:off x="1899138" y="942344"/>
+            <a:ext cx="2672862" cy="400110"/>
           </a:xfrm>
           <a:prstGeom prst="rect">
             <a:avLst/>
           </a:prstGeom>
+          <a:noFill/>
         </p:spPr>
         <p:txBody>
-          <a:bodyPr wrap="square" lIns="91440" tIns="45720" rIns="91440" bIns="45720" anchor="t">
+          <a:bodyPr wrap="square" rtlCol="0">
             <a:spAutoFit/>
           </a:bodyPr>
           <a:lstStyle/>
           <a:p>
-            <a:pPr marL="342900" indent="-342900">
-              <a:buFont typeface="Wingdings" panose="05000000000000000000" pitchFamily="2" charset="2"/>
-              <a:buChar char="q"/>
-            </a:pPr>
-            <a:r>
-              <a:rPr lang="fr-FR" sz="2400" b="1" dirty="0">
-                <a:effectLst>
-                  <a:outerShdw blurRad="38100" dist="38100" dir="2700000" algn="tl">
-                    <a:srgbClr val="000000">
-                      <a:alpha val="43137"/>
-                    </a:srgbClr>
-                  </a:outerShdw>
-                </a:effectLst>
-                <a:latin typeface="Helvetica"/>
-                <a:ea typeface="ＭＳ Ｐゴシック"/>
-                <a:cs typeface="Helvetica"/>
-              </a:rPr>
-              <a:t>Objet</a:t>
-            </a:r>
-          </a:p>
-          <a:p>
-            <a:pPr marL="342900" indent="-342900">
-              <a:buFont typeface="Wingdings" panose="05000000000000000000" pitchFamily="2" charset="2"/>
-              <a:buChar char="q"/>
-            </a:pPr>
-            <a:endParaRPr lang="fr-FR" sz="2400" b="1" dirty="0">
-              <a:effectLst>
-                <a:outerShdw blurRad="38100" dist="38100" dir="2700000" algn="tl">
-                  <a:srgbClr val="000000">
-                    <a:alpha val="43137"/>
-                  </a:srgbClr>
-                </a:outerShdw>
-              </a:effectLst>
-              <a:latin typeface="Helvetica"/>
-              <a:ea typeface="ＭＳ Ｐゴシック"/>
-              <a:cs typeface="Helvetica"/>
-            </a:endParaRPr>
-          </a:p>
-          <a:p>
-            <a:pPr marL="457200" indent="-457200">
-              <a:buAutoNum type="arabicPeriod"/>
-            </a:pPr>
             <a:r>
               <a:rPr lang="fr-FR" sz="2000" b="1" dirty="0">
                 <a:effectLst>
@@ -6262,84 +9409,12 @@
                     </a:srgbClr>
                   </a:outerShdw>
                 </a:effectLst>
-                <a:latin typeface="Helvetica"/>
-                <a:ea typeface="ＭＳ Ｐゴシック"/>
-                <a:cs typeface="Helvetica"/>
-              </a:rPr>
-              <a:t>Définition</a:t>
-            </a:r>
-            <a:endParaRPr lang="fr-FR" sz="2400" b="1" dirty="0">
-              <a:effectLst>
-                <a:outerShdw blurRad="38100" dist="38100" dir="2700000" algn="tl">
-                  <a:srgbClr val="000000">
-                    <a:alpha val="43137"/>
-                  </a:srgbClr>
-                </a:outerShdw>
-              </a:effectLst>
-              <a:latin typeface="Helvetica"/>
-              <a:ea typeface="ＭＳ Ｐゴシック"/>
-              <a:cs typeface="Helvetica"/>
-            </a:endParaRPr>
-          </a:p>
-          <a:p>
-            <a:r>
-              <a:rPr lang="fr-FR" dirty="0">
-                <a:latin typeface="Helvetica"/>
-                <a:ea typeface="ＭＳ Ｐゴシック"/>
-                <a:cs typeface="Helvetica"/>
-              </a:rPr>
-              <a:t>Un objet est une entité qui a un état et un comportement, par exemple: une chaise, une voiture, un livre etc.</a:t>
-            </a:r>
-          </a:p>
-          <a:p>
-            <a:r>
-              <a:rPr lang="fr-FR" dirty="0">
-                <a:latin typeface="Helvetica"/>
-                <a:ea typeface="ＭＳ Ｐゴシック"/>
-                <a:cs typeface="Helvetica"/>
-              </a:rPr>
-              <a:t>On dit donc que l'objet a trois (3) caractéristiques:</a:t>
-            </a:r>
-          </a:p>
-          <a:p>
-            <a:r>
-              <a:rPr lang="fr-FR" dirty="0">
-                <a:effectLst>
-                  <a:outerShdw blurRad="38100" dist="38100" dir="2700000" algn="tl">
-                    <a:srgbClr val="000000">
-                      <a:alpha val="43137"/>
-                    </a:srgbClr>
-                  </a:outerShdw>
-                </a:effectLst>
-                <a:latin typeface="Helvetica"/>
-                <a:ea typeface="ＭＳ Ｐゴシック"/>
-                <a:cs typeface="Helvetica"/>
-              </a:rPr>
-              <a:t>Un état:</a:t>
-            </a:r>
-            <a:r>
-              <a:rPr lang="fr-FR" dirty="0">
-                <a:effectLst>
-                  <a:outerShdw blurRad="38100" dist="38100" dir="2700000" algn="tl">
-                    <a:srgbClr val="000000">
-                      <a:alpha val="43137"/>
-                    </a:srgbClr>
-                  </a:outerShdw>
-                </a:effectLst>
-                <a:latin typeface="Helvetica" panose="020B0604020202020204" pitchFamily="34" charset="0"/>
-                <a:ea typeface="ＭＳ Ｐゴシック"/>
-                <a:cs typeface="Helvetica" panose="020B0604020202020204" pitchFamily="34" charset="0"/>
-              </a:rPr>
-              <a:t> </a:t>
-            </a:r>
-            <a:r>
-              <a:rPr lang="fr-FR" dirty="0">
                 <a:latin typeface="Helvetica" panose="020B0604020202020204" pitchFamily="34" charset="0"/>
                 <a:cs typeface="Helvetica" panose="020B0604020202020204" pitchFamily="34" charset="0"/>
               </a:rPr>
-              <a:t>représente les données (valeur) d'un objet.</a:t>
-            </a:r>
-            <a:endParaRPr lang="fr-FR" dirty="0">
+              <a:t>2. Syntaxe</a:t>
+            </a:r>
+            <a:endParaRPr lang="fr-CI" sz="2000" b="1" dirty="0">
               <a:effectLst>
                 <a:outerShdw blurRad="38100" dist="38100" dir="2700000" algn="tl">
                   <a:srgbClr val="000000">
@@ -6348,149 +9423,7 @@
                 </a:outerShdw>
               </a:effectLst>
               <a:latin typeface="Helvetica" panose="020B0604020202020204" pitchFamily="34" charset="0"/>
-              <a:ea typeface="ＭＳ Ｐゴシック"/>
               <a:cs typeface="Helvetica" panose="020B0604020202020204" pitchFamily="34" charset="0"/>
-            </a:endParaRPr>
-          </a:p>
-          <a:p>
-            <a:r>
-              <a:rPr lang="fr-FR" dirty="0">
-                <a:effectLst>
-                  <a:outerShdw blurRad="38100" dist="38100" dir="2700000" algn="tl">
-                    <a:srgbClr val="000000">
-                      <a:alpha val="43137"/>
-                    </a:srgbClr>
-                  </a:outerShdw>
-                </a:effectLst>
-                <a:latin typeface="Helvetica"/>
-                <a:ea typeface="ＭＳ Ｐゴシック"/>
-                <a:cs typeface="Helvetica"/>
-              </a:rPr>
-              <a:t>Un comportement:</a:t>
-            </a:r>
-            <a:r>
-              <a:rPr lang="fr-FR" dirty="0">
-                <a:effectLst>
-                  <a:outerShdw blurRad="38100" dist="38100" dir="2700000" algn="tl">
-                    <a:srgbClr val="000000">
-                      <a:alpha val="43137"/>
-                    </a:srgbClr>
-                  </a:outerShdw>
-                </a:effectLst>
-                <a:latin typeface="Helvetica" panose="020B0604020202020204" pitchFamily="34" charset="0"/>
-                <a:ea typeface="ＭＳ Ｐゴシック"/>
-                <a:cs typeface="Helvetica" panose="020B0604020202020204" pitchFamily="34" charset="0"/>
-              </a:rPr>
-              <a:t> </a:t>
-            </a:r>
-            <a:r>
-              <a:rPr lang="fr-FR" dirty="0">
-                <a:latin typeface="Helvetica" panose="020B0604020202020204" pitchFamily="34" charset="0"/>
-                <a:cs typeface="Helvetica" panose="020B0604020202020204" pitchFamily="34" charset="0"/>
-              </a:rPr>
-              <a:t>représente le comportement (fonctionnalité) d'un objet tel que déposer, retirer, </a:t>
-            </a:r>
-            <a:r>
-              <a:rPr lang="fr-FR" dirty="0" err="1">
-                <a:latin typeface="Helvetica" panose="020B0604020202020204" pitchFamily="34" charset="0"/>
-                <a:cs typeface="Helvetica" panose="020B0604020202020204" pitchFamily="34" charset="0"/>
-              </a:rPr>
-              <a:t>etc</a:t>
-            </a:r>
-            <a:r>
-              <a:rPr lang="fr-FR" dirty="0">
-                <a:latin typeface="Helvetica" panose="020B0604020202020204" pitchFamily="34" charset="0"/>
-                <a:cs typeface="Helvetica" panose="020B0604020202020204" pitchFamily="34" charset="0"/>
-              </a:rPr>
-              <a:t>;</a:t>
-            </a:r>
-            <a:endParaRPr lang="fr-FR" dirty="0">
-              <a:effectLst>
-                <a:outerShdw blurRad="38100" dist="38100" dir="2700000" algn="tl">
-                  <a:srgbClr val="000000">
-                    <a:alpha val="43137"/>
-                  </a:srgbClr>
-                </a:outerShdw>
-              </a:effectLst>
-              <a:latin typeface="Helvetica" panose="020B0604020202020204" pitchFamily="34" charset="0"/>
-              <a:ea typeface="ＭＳ Ｐゴシック"/>
-              <a:cs typeface="Helvetica" panose="020B0604020202020204" pitchFamily="34" charset="0"/>
-            </a:endParaRPr>
-          </a:p>
-          <a:p>
-            <a:r>
-              <a:rPr lang="fr-FR" dirty="0">
-                <a:effectLst>
-                  <a:outerShdw blurRad="38100" dist="38100" dir="2700000" algn="tl">
-                    <a:srgbClr val="000000">
-                      <a:alpha val="43137"/>
-                    </a:srgbClr>
-                  </a:outerShdw>
-                </a:effectLst>
-                <a:latin typeface="Helvetica"/>
-                <a:ea typeface="ＭＳ Ｐゴシック"/>
-                <a:cs typeface="Helvetica"/>
-              </a:rPr>
-              <a:t>Une identité:</a:t>
-            </a:r>
-            <a:r>
-              <a:rPr lang="fr-FR" dirty="0">
-                <a:effectLst>
-                  <a:outerShdw blurRad="38100" dist="38100" dir="2700000" algn="tl">
-                    <a:srgbClr val="000000">
-                      <a:alpha val="43137"/>
-                    </a:srgbClr>
-                  </a:outerShdw>
-                </a:effectLst>
-                <a:latin typeface="Helvetica" panose="020B0604020202020204" pitchFamily="34" charset="0"/>
-                <a:ea typeface="ＭＳ Ｐゴシック"/>
-                <a:cs typeface="Helvetica" panose="020B0604020202020204" pitchFamily="34" charset="0"/>
-              </a:rPr>
-              <a:t> </a:t>
-            </a:r>
-            <a:r>
-              <a:rPr lang="fr-FR" dirty="0">
-                <a:latin typeface="Helvetica" panose="020B0604020202020204" pitchFamily="34" charset="0"/>
-                <a:cs typeface="Helvetica" panose="020B0604020202020204" pitchFamily="34" charset="0"/>
-              </a:rPr>
-              <a:t>une identité d'objet est un identifiant unique.</a:t>
-            </a:r>
-            <a:endParaRPr lang="fr-FR" sz="2000" dirty="0">
-              <a:effectLst>
-                <a:outerShdw blurRad="38100" dist="38100" dir="2700000" algn="tl">
-                  <a:srgbClr val="000000">
-                    <a:alpha val="43137"/>
-                  </a:srgbClr>
-                </a:outerShdw>
-              </a:effectLst>
-              <a:latin typeface="Helvetica" panose="020B0604020202020204" pitchFamily="34" charset="0"/>
-              <a:ea typeface="ＭＳ Ｐゴシック"/>
-              <a:cs typeface="Helvetica" panose="020B0604020202020204" pitchFamily="34" charset="0"/>
-            </a:endParaRPr>
-          </a:p>
-          <a:p>
-            <a:endParaRPr lang="fr-FR" sz="2400" b="1" dirty="0">
-              <a:effectLst>
-                <a:outerShdw blurRad="38100" dist="38100" dir="2700000" algn="tl">
-                  <a:srgbClr val="000000">
-                    <a:alpha val="43137"/>
-                  </a:srgbClr>
-                </a:outerShdw>
-              </a:effectLst>
-              <a:latin typeface="Helvetica"/>
-              <a:ea typeface="ＭＳ Ｐゴシック"/>
-              <a:cs typeface="Helvetica"/>
-            </a:endParaRPr>
-          </a:p>
-          <a:p>
-            <a:endParaRPr lang="fr-FR" sz="2000" dirty="0">
-              <a:effectLst>
-                <a:outerShdw blurRad="38100" dist="38100" dir="2700000" algn="tl">
-                  <a:srgbClr val="000000">
-                    <a:alpha val="43137"/>
-                  </a:srgbClr>
-                </a:outerShdw>
-              </a:effectLst>
             </a:endParaRPr>
           </a:p>
         </p:txBody>
@@ -6498,7 +9431,7 @@
     </p:spTree>
     <p:extLst>
       <p:ext uri="{BB962C8B-B14F-4D97-AF65-F5344CB8AC3E}">
-        <p14:creationId xmlns:p14="http://schemas.microsoft.com/office/powerpoint/2010/main" val="242653117"/>
+        <p14:creationId xmlns:p14="http://schemas.microsoft.com/office/powerpoint/2010/main" val="2280535096"/>
       </p:ext>
     </p:extLst>
   </p:cSld>
@@ -6549,14 +9482,14 @@
           <a:lstStyle/>
           <a:p>
             <a:r>
-              <a:rPr lang="fr-CA" sz="3600" cap="none" dirty="0">
+              <a:rPr lang="fr-CA" sz="3600" cap="none">
                 <a:solidFill>
                   <a:srgbClr val="FF0000"/>
                 </a:solidFill>
               </a:rPr>
-              <a:t>II. OBJET ET CLASS</a:t>
-            </a:r>
-            <a:endParaRPr lang="fr-CA" sz="3600" cap="none" dirty="0">
+              <a:t>I.   INITIATION A JAVA</a:t>
+            </a:r>
+            <a:endParaRPr lang="fr-CA" sz="3600" cap="none">
               <a:solidFill>
                 <a:srgbClr val="FF0000"/>
               </a:solidFill>
@@ -6619,46 +9552,243 @@
           </a:extLst>
         </p:spPr>
       </p:pic>
-      <p:pic>
-        <p:nvPicPr>
-          <p:cNvPr id="6" name="Image 5">
-            <a:extLst>
-              <a:ext uri="{FF2B5EF4-FFF2-40B4-BE49-F238E27FC236}">
-                <a16:creationId xmlns:a16="http://schemas.microsoft.com/office/drawing/2014/main" id="{3FC0CC16-4376-4B0F-9FDB-57C680546149}"/>
-              </a:ext>
-            </a:extLst>
-          </p:cNvPr>
-          <p:cNvPicPr>
-            <a:picLocks noChangeAspect="1"/>
-          </p:cNvPicPr>
+      <p:sp>
+        <p:nvSpPr>
+          <p:cNvPr id="5" name="Rectangle 4"/>
+          <p:cNvSpPr/>
           <p:nvPr/>
-        </p:nvPicPr>
-        <p:blipFill>
-          <a:blip r:embed="rId3">
-            <a:extLst>
-              <a:ext uri="{28A0092B-C50C-407E-A947-70E740481C1C}">
-                <a14:useLocalDpi xmlns:a14="http://schemas.microsoft.com/office/drawing/2010/main" val="0"/>
-              </a:ext>
-            </a:extLst>
-          </a:blip>
-          <a:stretch>
-            <a:fillRect/>
-          </a:stretch>
-        </p:blipFill>
+        </p:nvSpPr>
         <p:spPr>
           <a:xfrm>
-            <a:off x="1064858" y="1688124"/>
-            <a:ext cx="6298042" cy="3784210"/>
+            <a:off x="684069" y="1138962"/>
+            <a:ext cx="7953494" cy="4524315"/>
           </a:xfrm>
           <a:prstGeom prst="rect">
             <a:avLst/>
           </a:prstGeom>
         </p:spPr>
-      </p:pic>
+        <p:txBody>
+          <a:bodyPr wrap="square" lIns="91440" tIns="45720" rIns="91440" bIns="45720" anchor="t">
+            <a:spAutoFit/>
+          </a:bodyPr>
+          <a:lstStyle/>
+          <a:p>
+            <a:pPr marL="457200" indent="-457200">
+              <a:buAutoNum type="arabicPeriod"/>
+            </a:pPr>
+            <a:r>
+              <a:rPr lang="fr-FR" sz="2800" b="1" dirty="0">
+                <a:effectLst>
+                  <a:outerShdw blurRad="38100" dist="38100" dir="2700000" algn="tl">
+                    <a:srgbClr val="000000">
+                      <a:alpha val="43137"/>
+                    </a:srgbClr>
+                  </a:outerShdw>
+                </a:effectLst>
+                <a:latin typeface="Helvetica"/>
+                <a:ea typeface="ＭＳ Ｐゴシック"/>
+                <a:cs typeface="Helvetica"/>
+              </a:rPr>
+              <a:t>Définition d’une classe</a:t>
+            </a:r>
+            <a:endParaRPr lang="fr-FR" sz="2400" b="1" dirty="0">
+              <a:effectLst>
+                <a:outerShdw blurRad="38100" dist="38100" dir="2700000" algn="tl">
+                  <a:srgbClr val="000000">
+                    <a:alpha val="43137"/>
+                  </a:srgbClr>
+                </a:outerShdw>
+              </a:effectLst>
+              <a:latin typeface="Helvetica"/>
+              <a:ea typeface="ＭＳ Ｐゴシック"/>
+              <a:cs typeface="Helvetica"/>
+            </a:endParaRPr>
+          </a:p>
+          <a:p>
+            <a:r>
+              <a:rPr lang="fr-FR" sz="2000" dirty="0">
+                <a:latin typeface="Helvetica" panose="020B0604020202020204" pitchFamily="34" charset="0"/>
+                <a:cs typeface="Helvetica" panose="020B0604020202020204" pitchFamily="34" charset="0"/>
+              </a:rPr>
+              <a:t>Une classe est un groupe d'objets qui ont des propriétés communes. Il s'agit d'un modèle ou d'un plan à partir duquel des objets sont créés. C'est une entité logique. Ça ne peut pas être physique.</a:t>
+            </a:r>
+            <a:endParaRPr lang="fr-CI" sz="2000" dirty="0">
+              <a:latin typeface="Helvetica" panose="020B0604020202020204" pitchFamily="34" charset="0"/>
+              <a:cs typeface="Helvetica" panose="020B0604020202020204" pitchFamily="34" charset="0"/>
+            </a:endParaRPr>
+          </a:p>
+          <a:p>
+            <a:r>
+              <a:rPr lang="fr-FR" sz="2000" dirty="0">
+                <a:latin typeface="Helvetica" panose="020B0604020202020204" pitchFamily="34" charset="0"/>
+                <a:cs typeface="Helvetica" panose="020B0604020202020204" pitchFamily="34" charset="0"/>
+              </a:rPr>
+              <a:t>Une classe en Java peut contenir :</a:t>
+            </a:r>
+            <a:endParaRPr lang="fr-CI" sz="2000" dirty="0">
+              <a:latin typeface="Helvetica" panose="020B0604020202020204" pitchFamily="34" charset="0"/>
+              <a:cs typeface="Helvetica" panose="020B0604020202020204" pitchFamily="34" charset="0"/>
+            </a:endParaRPr>
+          </a:p>
+          <a:p>
+            <a:pPr lvl="0"/>
+            <a:r>
+              <a:rPr lang="en-GB" sz="2000" dirty="0">
+                <a:effectLst>
+                  <a:outerShdw blurRad="38100" dist="38100" dir="2700000" algn="tl">
+                    <a:srgbClr val="000000">
+                      <a:alpha val="43137"/>
+                    </a:srgbClr>
+                  </a:outerShdw>
+                </a:effectLst>
+                <a:latin typeface="Helvetica" panose="020B0604020202020204" pitchFamily="34" charset="0"/>
+                <a:cs typeface="Helvetica" panose="020B0604020202020204" pitchFamily="34" charset="0"/>
+              </a:rPr>
+              <a:t>des champs; 	</a:t>
+            </a:r>
+            <a:endParaRPr lang="fr-CI" sz="2000" dirty="0">
+              <a:effectLst>
+                <a:outerShdw blurRad="38100" dist="38100" dir="2700000" algn="tl">
+                  <a:srgbClr val="000000">
+                    <a:alpha val="43137"/>
+                  </a:srgbClr>
+                </a:outerShdw>
+              </a:effectLst>
+              <a:latin typeface="Helvetica" panose="020B0604020202020204" pitchFamily="34" charset="0"/>
+              <a:cs typeface="Helvetica" panose="020B0604020202020204" pitchFamily="34" charset="0"/>
+            </a:endParaRPr>
+          </a:p>
+          <a:p>
+            <a:pPr lvl="0"/>
+            <a:r>
+              <a:rPr lang="en-GB" sz="2000" dirty="0">
+                <a:effectLst>
+                  <a:outerShdw blurRad="38100" dist="38100" dir="2700000" algn="tl">
+                    <a:srgbClr val="000000">
+                      <a:alpha val="43137"/>
+                    </a:srgbClr>
+                  </a:outerShdw>
+                </a:effectLst>
+                <a:latin typeface="Helvetica" panose="020B0604020202020204" pitchFamily="34" charset="0"/>
+                <a:cs typeface="Helvetica" panose="020B0604020202020204" pitchFamily="34" charset="0"/>
+              </a:rPr>
+              <a:t>Des méthodes;</a:t>
+            </a:r>
+            <a:endParaRPr lang="fr-CI" sz="2000" dirty="0">
+              <a:effectLst>
+                <a:outerShdw blurRad="38100" dist="38100" dir="2700000" algn="tl">
+                  <a:srgbClr val="000000">
+                    <a:alpha val="43137"/>
+                  </a:srgbClr>
+                </a:outerShdw>
+              </a:effectLst>
+              <a:latin typeface="Helvetica" panose="020B0604020202020204" pitchFamily="34" charset="0"/>
+              <a:cs typeface="Helvetica" panose="020B0604020202020204" pitchFamily="34" charset="0"/>
+            </a:endParaRPr>
+          </a:p>
+          <a:p>
+            <a:pPr lvl="0"/>
+            <a:r>
+              <a:rPr lang="en-GB" sz="2000" dirty="0">
+                <a:effectLst>
+                  <a:outerShdw blurRad="38100" dist="38100" dir="2700000" algn="tl">
+                    <a:srgbClr val="000000">
+                      <a:alpha val="43137"/>
+                    </a:srgbClr>
+                  </a:outerShdw>
+                </a:effectLst>
+                <a:latin typeface="Helvetica" panose="020B0604020202020204" pitchFamily="34" charset="0"/>
+                <a:cs typeface="Helvetica" panose="020B0604020202020204" pitchFamily="34" charset="0"/>
+              </a:rPr>
+              <a:t>Des constructeurs;</a:t>
+            </a:r>
+            <a:endParaRPr lang="fr-CI" sz="2000" dirty="0">
+              <a:effectLst>
+                <a:outerShdw blurRad="38100" dist="38100" dir="2700000" algn="tl">
+                  <a:srgbClr val="000000">
+                    <a:alpha val="43137"/>
+                  </a:srgbClr>
+                </a:outerShdw>
+              </a:effectLst>
+              <a:latin typeface="Helvetica" panose="020B0604020202020204" pitchFamily="34" charset="0"/>
+              <a:cs typeface="Helvetica" panose="020B0604020202020204" pitchFamily="34" charset="0"/>
+            </a:endParaRPr>
+          </a:p>
+          <a:p>
+            <a:pPr lvl="0"/>
+            <a:r>
+              <a:rPr lang="en-GB" sz="2000" dirty="0">
+                <a:effectLst>
+                  <a:outerShdw blurRad="38100" dist="38100" dir="2700000" algn="tl">
+                    <a:srgbClr val="000000">
+                      <a:alpha val="43137"/>
+                    </a:srgbClr>
+                  </a:outerShdw>
+                </a:effectLst>
+                <a:latin typeface="Helvetica" panose="020B0604020202020204" pitchFamily="34" charset="0"/>
+                <a:cs typeface="Helvetica" panose="020B0604020202020204" pitchFamily="34" charset="0"/>
+              </a:rPr>
+              <a:t>Des blocs;</a:t>
+            </a:r>
+            <a:endParaRPr lang="fr-CI" sz="2000" dirty="0">
+              <a:effectLst>
+                <a:outerShdw blurRad="38100" dist="38100" dir="2700000" algn="tl">
+                  <a:srgbClr val="000000">
+                    <a:alpha val="43137"/>
+                  </a:srgbClr>
+                </a:outerShdw>
+              </a:effectLst>
+              <a:latin typeface="Helvetica" panose="020B0604020202020204" pitchFamily="34" charset="0"/>
+              <a:cs typeface="Helvetica" panose="020B0604020202020204" pitchFamily="34" charset="0"/>
+            </a:endParaRPr>
+          </a:p>
+          <a:p>
+            <a:pPr lvl="0"/>
+            <a:r>
+              <a:rPr lang="en-GB" sz="2000" dirty="0">
+                <a:effectLst>
+                  <a:outerShdw blurRad="38100" dist="38100" dir="2700000" algn="tl">
+                    <a:srgbClr val="000000">
+                      <a:alpha val="43137"/>
+                    </a:srgbClr>
+                  </a:outerShdw>
+                </a:effectLst>
+                <a:latin typeface="Helvetica" panose="020B0604020202020204" pitchFamily="34" charset="0"/>
+                <a:cs typeface="Helvetica" panose="020B0604020202020204" pitchFamily="34" charset="0"/>
+              </a:rPr>
+              <a:t>Des classes et interfaces imbriquées</a:t>
+            </a:r>
+            <a:r>
+              <a:rPr lang="en-GB" sz="2000" b="1" dirty="0">
+                <a:latin typeface="Helvetica" panose="020B0604020202020204" pitchFamily="34" charset="0"/>
+                <a:cs typeface="Helvetica" panose="020B0604020202020204" pitchFamily="34" charset="0"/>
+              </a:rPr>
+              <a:t>;</a:t>
+            </a:r>
+          </a:p>
+          <a:p>
+            <a:pPr lvl="0"/>
+            <a:endParaRPr lang="en-GB" sz="2000" b="1" dirty="0">
+              <a:latin typeface="Helvetica" panose="020B0604020202020204" pitchFamily="34" charset="0"/>
+              <a:cs typeface="Helvetica" panose="020B0604020202020204" pitchFamily="34" charset="0"/>
+            </a:endParaRPr>
+          </a:p>
+          <a:p>
+            <a:pPr lvl="0"/>
+            <a:endParaRPr lang="fr-CI" sz="2000" dirty="0">
+              <a:latin typeface="Helvetica" panose="020B0604020202020204" pitchFamily="34" charset="0"/>
+              <a:cs typeface="Helvetica" panose="020B0604020202020204" pitchFamily="34" charset="0"/>
+            </a:endParaRPr>
+          </a:p>
+          <a:p>
+            <a:endParaRPr lang="fr-FR" sz="2000" dirty="0"/>
+          </a:p>
+        </p:txBody>
+      </p:sp>
     </p:spTree>
     <p:extLst>
       <p:ext uri="{BB962C8B-B14F-4D97-AF65-F5344CB8AC3E}">
-        <p14:creationId xmlns:p14="http://schemas.microsoft.com/office/powerpoint/2010/main" val="2280535096"/>
+        <p14:creationId xmlns:p14="http://schemas.microsoft.com/office/powerpoint/2010/main" val="264611059"/>
       </p:ext>
     </p:extLst>
   </p:cSld>
@@ -6787,8 +9917,8 @@
         </p:nvSpPr>
         <p:spPr>
           <a:xfrm>
-            <a:off x="684069" y="1138962"/>
-            <a:ext cx="7953494" cy="4524315"/>
+            <a:off x="2780154" y="938978"/>
+            <a:ext cx="3325224" cy="400110"/>
           </a:xfrm>
           <a:prstGeom prst="rect">
             <a:avLst/>
@@ -6800,11 +9930,8 @@
           </a:bodyPr>
           <a:lstStyle/>
           <a:p>
-            <a:pPr marL="457200" indent="-457200">
-              <a:buAutoNum type="arabicPeriod"/>
-            </a:pPr>
-            <a:r>
-              <a:rPr lang="fr-FR" sz="2800" b="1" dirty="0">
+            <a:r>
+              <a:rPr lang="fr-FR" sz="2000" b="1" dirty="0">
                 <a:effectLst>
                   <a:outerShdw blurRad="38100" dist="38100" dir="2700000" algn="tl">
                     <a:srgbClr val="000000">
@@ -6816,9 +9943,9 @@
                 <a:ea typeface="ＭＳ Ｐゴシック"/>
                 <a:cs typeface="Helvetica"/>
               </a:rPr>
-              <a:t>Définition d’une classe</a:t>
-            </a:r>
-            <a:endParaRPr lang="fr-FR" sz="2400" b="1" dirty="0">
+              <a:t>2. Syntaxe d’une classe</a:t>
+            </a:r>
+            <a:endParaRPr lang="fr-FR" dirty="0">
               <a:effectLst>
                 <a:outerShdw blurRad="38100" dist="38100" dir="2700000" algn="tl">
                   <a:srgbClr val="000000">
@@ -6826,41 +9953,76 @@
                   </a:srgbClr>
                 </a:outerShdw>
               </a:effectLst>
-              <a:latin typeface="Helvetica"/>
-              <a:ea typeface="ＭＳ Ｐゴシック"/>
-              <a:cs typeface="Helvetica"/>
             </a:endParaRPr>
           </a:p>
-          <a:p>
-            <a:r>
-              <a:rPr lang="fr-FR" sz="2000" dirty="0">
-                <a:latin typeface="Helvetica" panose="020B0604020202020204" pitchFamily="34" charset="0"/>
-                <a:cs typeface="Helvetica" panose="020B0604020202020204" pitchFamily="34" charset="0"/>
-              </a:rPr>
-              <a:t>Une classe est un groupe d'objets qui ont des propriétés communes. Il s'agit d'un modèle ou d'un plan à partir duquel des objets sont créés. C'est une entité logique. Ça ne peut pas être physique.</a:t>
-            </a:r>
-            <a:endParaRPr lang="fr-CI" sz="2000" dirty="0">
-              <a:latin typeface="Helvetica" panose="020B0604020202020204" pitchFamily="34" charset="0"/>
-              <a:cs typeface="Helvetica" panose="020B0604020202020204" pitchFamily="34" charset="0"/>
-            </a:endParaRPr>
-          </a:p>
-          <a:p>
-            <a:r>
-              <a:rPr lang="fr-FR" sz="2000" dirty="0">
-                <a:latin typeface="Helvetica" panose="020B0604020202020204" pitchFamily="34" charset="0"/>
-                <a:cs typeface="Helvetica" panose="020B0604020202020204" pitchFamily="34" charset="0"/>
-              </a:rPr>
-              <a:t>Une classe en Java peut contenir :</a:t>
-            </a:r>
-            <a:endParaRPr lang="fr-CI" sz="2000" dirty="0">
-              <a:latin typeface="Helvetica" panose="020B0604020202020204" pitchFamily="34" charset="0"/>
-              <a:cs typeface="Helvetica" panose="020B0604020202020204" pitchFamily="34" charset="0"/>
-            </a:endParaRPr>
-          </a:p>
-          <a:p>
-            <a:pPr lvl="0"/>
-            <a:r>
-              <a:rPr lang="en-GB" sz="2000" dirty="0">
+        </p:txBody>
+      </p:sp>
+      <p:pic>
+        <p:nvPicPr>
+          <p:cNvPr id="6" name="Image 5">
+            <a:extLst>
+              <a:ext uri="{FF2B5EF4-FFF2-40B4-BE49-F238E27FC236}">
+                <a16:creationId xmlns:a16="http://schemas.microsoft.com/office/drawing/2014/main" id="{36B51B83-98B3-483D-89E9-1F54F24F4362}"/>
+              </a:ext>
+            </a:extLst>
+          </p:cNvPr>
+          <p:cNvPicPr>
+            <a:picLocks noChangeAspect="1"/>
+          </p:cNvPicPr>
+          <p:nvPr/>
+        </p:nvPicPr>
+        <p:blipFill>
+          <a:blip r:embed="rId3">
+            <a:extLst>
+              <a:ext uri="{28A0092B-C50C-407E-A947-70E740481C1C}">
+                <a14:useLocalDpi xmlns:a14="http://schemas.microsoft.com/office/drawing/2010/main" val="0"/>
+              </a:ext>
+            </a:extLst>
+          </a:blip>
+          <a:stretch>
+            <a:fillRect/>
+          </a:stretch>
+        </p:blipFill>
+        <p:spPr>
+          <a:xfrm>
+            <a:off x="1479633" y="1272600"/>
+            <a:ext cx="5982535" cy="1510010"/>
+          </a:xfrm>
+          <a:prstGeom prst="rect">
+            <a:avLst/>
+          </a:prstGeom>
+        </p:spPr>
+      </p:pic>
+      <p:sp>
+        <p:nvSpPr>
+          <p:cNvPr id="7" name="ZoneTexte 6">
+            <a:extLst>
+              <a:ext uri="{FF2B5EF4-FFF2-40B4-BE49-F238E27FC236}">
+                <a16:creationId xmlns:a16="http://schemas.microsoft.com/office/drawing/2014/main" id="{40559625-95C1-4045-9F43-52670826DFAF}"/>
+              </a:ext>
+            </a:extLst>
+          </p:cNvPr>
+          <p:cNvSpPr txBox="1"/>
+          <p:nvPr/>
+        </p:nvSpPr>
+        <p:spPr>
+          <a:xfrm>
+            <a:off x="2484733" y="2437353"/>
+            <a:ext cx="3325224" cy="400110"/>
+          </a:xfrm>
+          <a:prstGeom prst="rect">
+            <a:avLst/>
+          </a:prstGeom>
+          <a:noFill/>
+        </p:spPr>
+        <p:txBody>
+          <a:bodyPr wrap="square" rtlCol="0">
+            <a:spAutoFit/>
+          </a:bodyPr>
+          <a:lstStyle/>
+          <a:p>
+            <a:r>
+              <a:rPr lang="fr-FR" sz="2000" b="1" dirty="0">
                 <a:effectLst>
                   <a:outerShdw blurRad="38100" dist="38100" dir="2700000" algn="tl">
                     <a:srgbClr val="000000">
@@ -6871,9 +10033,9 @@
                 <a:latin typeface="Helvetica" panose="020B0604020202020204" pitchFamily="34" charset="0"/>
                 <a:cs typeface="Helvetica" panose="020B0604020202020204" pitchFamily="34" charset="0"/>
               </a:rPr>
-              <a:t>des champs; 	</a:t>
-            </a:r>
-            <a:endParaRPr lang="fr-CI" sz="2000" dirty="0">
+              <a:t>3. Exemple</a:t>
+            </a:r>
+            <a:endParaRPr lang="fr-CI" sz="2000" b="1" dirty="0">
               <a:effectLst>
                 <a:outerShdw blurRad="38100" dist="38100" dir="2700000" algn="tl">
                   <a:srgbClr val="000000">
@@ -6885,137 +10047,84 @@
               <a:cs typeface="Helvetica" panose="020B0604020202020204" pitchFamily="34" charset="0"/>
             </a:endParaRPr>
           </a:p>
-          <a:p>
-            <a:pPr lvl="0"/>
-            <a:r>
-              <a:rPr lang="en-GB" sz="2000" dirty="0">
-                <a:effectLst>
-                  <a:outerShdw blurRad="38100" dist="38100" dir="2700000" algn="tl">
-                    <a:srgbClr val="000000">
-                      <a:alpha val="43137"/>
-                    </a:srgbClr>
-                  </a:outerShdw>
-                </a:effectLst>
-                <a:latin typeface="Helvetica" panose="020B0604020202020204" pitchFamily="34" charset="0"/>
-                <a:cs typeface="Helvetica" panose="020B0604020202020204" pitchFamily="34" charset="0"/>
-              </a:rPr>
-              <a:t>Des méthodes;</a:t>
-            </a:r>
-            <a:endParaRPr lang="fr-CI" sz="2000" dirty="0">
-              <a:effectLst>
-                <a:outerShdw blurRad="38100" dist="38100" dir="2700000" algn="tl">
-                  <a:srgbClr val="000000">
-                    <a:alpha val="43137"/>
-                  </a:srgbClr>
-                </a:outerShdw>
-              </a:effectLst>
-              <a:latin typeface="Helvetica" panose="020B0604020202020204" pitchFamily="34" charset="0"/>
-              <a:cs typeface="Helvetica" panose="020B0604020202020204" pitchFamily="34" charset="0"/>
-            </a:endParaRPr>
-          </a:p>
-          <a:p>
-            <a:pPr lvl="0"/>
-            <a:r>
-              <a:rPr lang="en-GB" sz="2000" dirty="0">
-                <a:effectLst>
-                  <a:outerShdw blurRad="38100" dist="38100" dir="2700000" algn="tl">
-                    <a:srgbClr val="000000">
-                      <a:alpha val="43137"/>
-                    </a:srgbClr>
-                  </a:outerShdw>
-                </a:effectLst>
-                <a:latin typeface="Helvetica" panose="020B0604020202020204" pitchFamily="34" charset="0"/>
-                <a:cs typeface="Helvetica" panose="020B0604020202020204" pitchFamily="34" charset="0"/>
-              </a:rPr>
-              <a:t>Des constructeurs;</a:t>
-            </a:r>
-            <a:endParaRPr lang="fr-CI" sz="2000" dirty="0">
-              <a:effectLst>
-                <a:outerShdw blurRad="38100" dist="38100" dir="2700000" algn="tl">
-                  <a:srgbClr val="000000">
-                    <a:alpha val="43137"/>
-                  </a:srgbClr>
-                </a:outerShdw>
-              </a:effectLst>
-              <a:latin typeface="Helvetica" panose="020B0604020202020204" pitchFamily="34" charset="0"/>
-              <a:cs typeface="Helvetica" panose="020B0604020202020204" pitchFamily="34" charset="0"/>
-            </a:endParaRPr>
-          </a:p>
-          <a:p>
-            <a:pPr lvl="0"/>
-            <a:r>
-              <a:rPr lang="en-GB" sz="2000" dirty="0">
-                <a:effectLst>
-                  <a:outerShdw blurRad="38100" dist="38100" dir="2700000" algn="tl">
-                    <a:srgbClr val="000000">
-                      <a:alpha val="43137"/>
-                    </a:srgbClr>
-                  </a:outerShdw>
-                </a:effectLst>
-                <a:latin typeface="Helvetica" panose="020B0604020202020204" pitchFamily="34" charset="0"/>
-                <a:cs typeface="Helvetica" panose="020B0604020202020204" pitchFamily="34" charset="0"/>
-              </a:rPr>
-              <a:t>Des blocs;</a:t>
-            </a:r>
-            <a:endParaRPr lang="fr-CI" sz="2000" dirty="0">
-              <a:effectLst>
-                <a:outerShdw blurRad="38100" dist="38100" dir="2700000" algn="tl">
-                  <a:srgbClr val="000000">
-                    <a:alpha val="43137"/>
-                  </a:srgbClr>
-                </a:outerShdw>
-              </a:effectLst>
-              <a:latin typeface="Helvetica" panose="020B0604020202020204" pitchFamily="34" charset="0"/>
-              <a:cs typeface="Helvetica" panose="020B0604020202020204" pitchFamily="34" charset="0"/>
-            </a:endParaRPr>
-          </a:p>
-          <a:p>
-            <a:pPr lvl="0"/>
-            <a:r>
-              <a:rPr lang="en-GB" sz="2000" dirty="0">
-                <a:effectLst>
-                  <a:outerShdw blurRad="38100" dist="38100" dir="2700000" algn="tl">
-                    <a:srgbClr val="000000">
-                      <a:alpha val="43137"/>
-                    </a:srgbClr>
-                  </a:outerShdw>
-                </a:effectLst>
-                <a:latin typeface="Helvetica" panose="020B0604020202020204" pitchFamily="34" charset="0"/>
-                <a:cs typeface="Helvetica" panose="020B0604020202020204" pitchFamily="34" charset="0"/>
-              </a:rPr>
-              <a:t>Des classes et interfaces imbriquées</a:t>
-            </a:r>
-            <a:r>
-              <a:rPr lang="en-GB" sz="2000" b="1" dirty="0">
-                <a:latin typeface="Helvetica" panose="020B0604020202020204" pitchFamily="34" charset="0"/>
-                <a:cs typeface="Helvetica" panose="020B0604020202020204" pitchFamily="34" charset="0"/>
-              </a:rPr>
-              <a:t>;</a:t>
-            </a:r>
-          </a:p>
-          <a:p>
-            <a:pPr lvl="0"/>
-            <a:endParaRPr lang="en-GB" sz="2000" b="1" dirty="0">
-              <a:latin typeface="Helvetica" panose="020B0604020202020204" pitchFamily="34" charset="0"/>
-              <a:cs typeface="Helvetica" panose="020B0604020202020204" pitchFamily="34" charset="0"/>
-            </a:endParaRPr>
-          </a:p>
-          <a:p>
-            <a:pPr lvl="0"/>
-            <a:endParaRPr lang="fr-CI" sz="2000" dirty="0">
-              <a:latin typeface="Helvetica" panose="020B0604020202020204" pitchFamily="34" charset="0"/>
-              <a:cs typeface="Helvetica" panose="020B0604020202020204" pitchFamily="34" charset="0"/>
-            </a:endParaRPr>
-          </a:p>
-          <a:p>
-            <a:endParaRPr lang="fr-FR" sz="2000" dirty="0"/>
-          </a:p>
         </p:txBody>
       </p:sp>
+      <p:pic>
+        <p:nvPicPr>
+          <p:cNvPr id="9" name="Image 8">
+            <a:extLst>
+              <a:ext uri="{FF2B5EF4-FFF2-40B4-BE49-F238E27FC236}">
+                <a16:creationId xmlns:a16="http://schemas.microsoft.com/office/drawing/2014/main" id="{40BC2672-9A67-4EA5-A766-6E55467185C0}"/>
+              </a:ext>
+            </a:extLst>
+          </p:cNvPr>
+          <p:cNvPicPr>
+            <a:picLocks noChangeAspect="1"/>
+          </p:cNvPicPr>
+          <p:nvPr/>
+        </p:nvPicPr>
+        <p:blipFill>
+          <a:blip r:embed="rId4">
+            <a:extLst>
+              <a:ext uri="{28A0092B-C50C-407E-A947-70E740481C1C}">
+                <a14:useLocalDpi xmlns:a14="http://schemas.microsoft.com/office/drawing/2010/main" val="0"/>
+              </a:ext>
+            </a:extLst>
+          </a:blip>
+          <a:stretch>
+            <a:fillRect/>
+          </a:stretch>
+        </p:blipFill>
+        <p:spPr>
+          <a:xfrm>
+            <a:off x="1451499" y="2984134"/>
+            <a:ext cx="5982534" cy="1973143"/>
+          </a:xfrm>
+          <a:prstGeom prst="rect">
+            <a:avLst/>
+          </a:prstGeom>
+        </p:spPr>
+      </p:pic>
+      <p:pic>
+        <p:nvPicPr>
+          <p:cNvPr id="11" name="Image 10">
+            <a:extLst>
+              <a:ext uri="{FF2B5EF4-FFF2-40B4-BE49-F238E27FC236}">
+                <a16:creationId xmlns:a16="http://schemas.microsoft.com/office/drawing/2014/main" id="{0B00AFC9-002E-42A1-BE11-25F161EB0A12}"/>
+              </a:ext>
+            </a:extLst>
+          </p:cNvPr>
+          <p:cNvPicPr>
+            <a:picLocks noChangeAspect="1"/>
+          </p:cNvPicPr>
+          <p:nvPr/>
+        </p:nvPicPr>
+        <p:blipFill>
+          <a:blip r:embed="rId5">
+            <a:extLst>
+              <a:ext uri="{28A0092B-C50C-407E-A947-70E740481C1C}">
+                <a14:useLocalDpi xmlns:a14="http://schemas.microsoft.com/office/drawing/2010/main" val="0"/>
+              </a:ext>
+            </a:extLst>
+          </a:blip>
+          <a:stretch>
+            <a:fillRect/>
+          </a:stretch>
+        </p:blipFill>
+        <p:spPr>
+          <a:xfrm>
+            <a:off x="1479633" y="4914907"/>
+            <a:ext cx="5982534" cy="1528264"/>
+          </a:xfrm>
+          <a:prstGeom prst="rect">
+            <a:avLst/>
+          </a:prstGeom>
+        </p:spPr>
+      </p:pic>
     </p:spTree>
     <p:extLst>
       <p:ext uri="{BB962C8B-B14F-4D97-AF65-F5344CB8AC3E}">
-        <p14:creationId xmlns:p14="http://schemas.microsoft.com/office/powerpoint/2010/main" val="264611059"/>
+        <p14:creationId xmlns:p14="http://schemas.microsoft.com/office/powerpoint/2010/main" val="773615741"/>
       </p:ext>
     </p:extLst>
   </p:cSld>

--- a/java-oop latest.pptx
+++ b/java-oop latest.pptx
@@ -5,35 +5,39 @@
     <p:sldMasterId id="2147483650" r:id="rId1"/>
   </p:sldMasterIdLst>
   <p:notesMasterIdLst>
-    <p:notesMasterId r:id="rId25"/>
+    <p:notesMasterId r:id="rId29"/>
   </p:notesMasterIdLst>
   <p:handoutMasterIdLst>
-    <p:handoutMasterId r:id="rId26"/>
+    <p:handoutMasterId r:id="rId30"/>
   </p:handoutMasterIdLst>
   <p:sldIdLst>
     <p:sldId id="256" r:id="rId2"/>
     <p:sldId id="356" r:id="rId3"/>
     <p:sldId id="371" r:id="rId4"/>
     <p:sldId id="363" r:id="rId5"/>
-    <p:sldId id="370" r:id="rId6"/>
-    <p:sldId id="377" r:id="rId7"/>
-    <p:sldId id="376" r:id="rId8"/>
-    <p:sldId id="375" r:id="rId9"/>
-    <p:sldId id="374" r:id="rId10"/>
-    <p:sldId id="373" r:id="rId11"/>
-    <p:sldId id="362" r:id="rId12"/>
-    <p:sldId id="384" r:id="rId13"/>
-    <p:sldId id="385" r:id="rId14"/>
-    <p:sldId id="383" r:id="rId15"/>
-    <p:sldId id="382" r:id="rId16"/>
-    <p:sldId id="378" r:id="rId17"/>
-    <p:sldId id="372" r:id="rId18"/>
-    <p:sldId id="386" r:id="rId19"/>
-    <p:sldId id="387" r:id="rId20"/>
-    <p:sldId id="379" r:id="rId21"/>
-    <p:sldId id="381" r:id="rId22"/>
-    <p:sldId id="366" r:id="rId23"/>
-    <p:sldId id="345" r:id="rId24"/>
+    <p:sldId id="377" r:id="rId6"/>
+    <p:sldId id="376" r:id="rId7"/>
+    <p:sldId id="375" r:id="rId8"/>
+    <p:sldId id="374" r:id="rId9"/>
+    <p:sldId id="373" r:id="rId10"/>
+    <p:sldId id="362" r:id="rId11"/>
+    <p:sldId id="384" r:id="rId12"/>
+    <p:sldId id="385" r:id="rId13"/>
+    <p:sldId id="383" r:id="rId14"/>
+    <p:sldId id="382" r:id="rId15"/>
+    <p:sldId id="391" r:id="rId16"/>
+    <p:sldId id="395" r:id="rId17"/>
+    <p:sldId id="394" r:id="rId18"/>
+    <p:sldId id="393" r:id="rId19"/>
+    <p:sldId id="392" r:id="rId20"/>
+    <p:sldId id="378" r:id="rId21"/>
+    <p:sldId id="379" r:id="rId22"/>
+    <p:sldId id="388" r:id="rId23"/>
+    <p:sldId id="381" r:id="rId24"/>
+    <p:sldId id="390" r:id="rId25"/>
+    <p:sldId id="396" r:id="rId26"/>
+    <p:sldId id="366" r:id="rId27"/>
+    <p:sldId id="345" r:id="rId28"/>
   </p:sldIdLst>
   <p:sldSz cx="9144000" cy="6858000" type="screen4x3"/>
   <p:notesSz cx="7010400" cy="9296400"/>
@@ -188,11 +192,13 @@
 <p1510:revInfo xmlns:a="http://schemas.openxmlformats.org/drawingml/2006/main" xmlns:r="http://schemas.openxmlformats.org/officeDocument/2006/relationships" xmlns:p1510="http://schemas.microsoft.com/office/powerpoint/2015/10/main">
   <p1510:revLst>
     <p1510:client id="{0C789339-DDC5-49B7-9795-BE5D39E6A1DD}" v="3" dt="2022-08-18T12:48:18.968"/>
+    <p1510:client id="{158C173D-B4B4-43B9-B768-B3C9FC12F870}" v="406" dt="2022-08-18T15:31:32.013"/>
     <p1510:client id="{18444539-B928-4433-9615-5883B10F92AF}" v="735" dt="2022-07-20T09:46:12.099"/>
     <p1510:client id="{22B0A339-FF1B-4DE5-A87E-38A812B5531B}" v="181" dt="2022-08-11T10:21:32.619"/>
     <p1510:client id="{3041C01C-36D9-4668-959E-E05AB73D87E7}" v="71" dt="2022-08-18T10:51:23.798"/>
     <p1510:client id="{3C8466A4-5C93-4E44-BBD9-78E05F92B964}" v="64" dt="2022-08-17T16:02:16.582"/>
     <p1510:client id="{3E691BBC-5168-424C-B8A8-FE14B3E54A46}" v="71" dt="2022-08-18T13:06:30.251"/>
+    <p1510:client id="{42C81C2F-614C-4C2A-8482-0E4A4CEC5C6E}" v="129" dt="2022-08-18T15:37:11.895"/>
     <p1510:client id="{4A4B7DD8-6C49-438C-83AB-13A6DC5C1A94}" v="4875" dt="2022-07-20T17:10:01.006"/>
     <p1510:client id="{72D5D6BA-D37D-4C0A-ADD6-A22169968FF6}" v="190" dt="2022-08-17T12:51:47.509"/>
     <p1510:client id="{88C564CE-DE1A-463A-8011-0D3EFC446075}" v="313" dt="2022-08-10T09:42:20.319"/>
@@ -3946,8 +3952,8 @@
         </p:nvSpPr>
         <p:spPr>
           <a:xfrm>
-            <a:off x="683568" y="44625"/>
-            <a:ext cx="8208912" cy="648072"/>
+            <a:off x="749258" y="136590"/>
+            <a:ext cx="7933016" cy="648072"/>
           </a:xfrm>
         </p:spPr>
         <p:txBody>
@@ -3955,19 +3961,15 @@
           <a:lstStyle/>
           <a:p>
             <a:r>
-              <a:rPr lang="fr-CA" sz="3600" cap="none" dirty="0">
+              <a:rPr lang="fr-CA" sz="3600" cap="none">
                 <a:solidFill>
                   <a:srgbClr val="FF0000"/>
                 </a:solidFill>
+                <a:latin typeface="Helvetica" panose="020B0604020202020204" pitchFamily="34" charset="0"/>
+                <a:cs typeface="Helvetica" panose="020B0604020202020204" pitchFamily="34" charset="0"/>
               </a:rPr>
               <a:t>III. LES METHODES</a:t>
             </a:r>
-            <a:endParaRPr lang="fr-CA" sz="3600" cap="none" dirty="0">
-              <a:solidFill>
-                <a:srgbClr val="FF0000"/>
-              </a:solidFill>
-              <a:cs typeface="Arial"/>
-            </a:endParaRPr>
           </a:p>
         </p:txBody>
       </p:sp>
@@ -4027,101 +4029,34 @@
       </p:pic>
       <p:sp>
         <p:nvSpPr>
-          <p:cNvPr id="5" name="Rectangle 4"/>
-          <p:cNvSpPr/>
+          <p:cNvPr id="5" name="ZoneTexte 4">
+            <a:extLst>
+              <a:ext uri="{FF2B5EF4-FFF2-40B4-BE49-F238E27FC236}">
+                <a16:creationId xmlns:a16="http://schemas.microsoft.com/office/drawing/2014/main" id="{F7DA77CF-DF35-4278-A8A0-14207A7B4C5E}"/>
+              </a:ext>
+            </a:extLst>
+          </p:cNvPr>
+          <p:cNvSpPr txBox="1"/>
           <p:nvPr/>
         </p:nvSpPr>
         <p:spPr>
           <a:xfrm>
-            <a:off x="0" y="1138961"/>
-            <a:ext cx="7435121" cy="2677656"/>
+            <a:off x="65088" y="983932"/>
+            <a:ext cx="9013824" cy="5139869"/>
           </a:xfrm>
           <a:prstGeom prst="rect">
             <a:avLst/>
           </a:prstGeom>
+          <a:noFill/>
         </p:spPr>
         <p:txBody>
-          <a:bodyPr wrap="square" lIns="91440" tIns="45720" rIns="91440" bIns="45720" anchor="t">
+          <a:bodyPr wrap="square" rtlCol="0">
             <a:spAutoFit/>
           </a:bodyPr>
           <a:lstStyle/>
           <a:p>
-            <a:pPr marL="457200" indent="-457200">
-              <a:buAutoNum type="arabicPeriod"/>
-            </a:pPr>
-            <a:r>
-              <a:rPr lang="fr-FR" sz="2000" b="1" dirty="0">
-                <a:effectLst>
-                  <a:outerShdw blurRad="38100" dist="38100" dir="2700000" algn="tl">
-                    <a:srgbClr val="000000">
-                      <a:alpha val="43137"/>
-                    </a:srgbClr>
-                  </a:outerShdw>
-                </a:effectLst>
-                <a:latin typeface="Helvetica"/>
-                <a:ea typeface="ＭＳ Ｐゴシック"/>
-                <a:cs typeface="Helvetica"/>
-              </a:rPr>
-              <a:t>Définition</a:t>
-            </a:r>
-          </a:p>
-          <a:p>
-            <a:r>
-              <a:rPr lang="fr-CI" dirty="0"/>
-              <a:t> </a:t>
-            </a:r>
-            <a:r>
-              <a:rPr lang="fr-FR" dirty="0">
-                <a:latin typeface="Helvetica" panose="020B0604020202020204" pitchFamily="34" charset="0"/>
-                <a:cs typeface="Helvetica" panose="020B0604020202020204" pitchFamily="34" charset="0"/>
-              </a:rPr>
-              <a:t>Une </a:t>
-            </a:r>
-            <a:r>
-              <a:rPr lang="fr-FR" b="1" dirty="0">
-                <a:latin typeface="Helvetica" panose="020B0604020202020204" pitchFamily="34" charset="0"/>
-                <a:cs typeface="Helvetica" panose="020B0604020202020204" pitchFamily="34" charset="0"/>
-              </a:rPr>
-              <a:t>méthode</a:t>
-            </a:r>
-            <a:r>
-              <a:rPr lang="fr-FR" dirty="0">
-                <a:latin typeface="Helvetica" panose="020B0604020202020204" pitchFamily="34" charset="0"/>
-                <a:cs typeface="Helvetica" panose="020B0604020202020204" pitchFamily="34" charset="0"/>
-              </a:rPr>
-              <a:t> est un bloc de code ou une collection d'instructions ou un ensemble de codes regroupés pour effectuer une certaine tâche ou une opération.</a:t>
-            </a:r>
-            <a:endParaRPr lang="fr-CI" dirty="0">
-              <a:latin typeface="Helvetica" panose="020B0604020202020204" pitchFamily="34" charset="0"/>
-              <a:cs typeface="Helvetica" panose="020B0604020202020204" pitchFamily="34" charset="0"/>
-            </a:endParaRPr>
-          </a:p>
-          <a:p>
-            <a:r>
-              <a:rPr lang="fr-FR" dirty="0">
-                <a:latin typeface="Helvetica" panose="020B0604020202020204" pitchFamily="34" charset="0"/>
-                <a:cs typeface="Helvetica" panose="020B0604020202020204" pitchFamily="34" charset="0"/>
-              </a:rPr>
-              <a:t>Il est utilisé pour atteindre la</a:t>
-            </a:r>
-            <a:r>
-              <a:rPr lang="fr-FR" b="1" dirty="0">
-                <a:latin typeface="Helvetica" panose="020B0604020202020204" pitchFamily="34" charset="0"/>
-                <a:cs typeface="Helvetica" panose="020B0604020202020204" pitchFamily="34" charset="0"/>
-              </a:rPr>
-              <a:t> réutilisabilité </a:t>
-            </a:r>
-            <a:r>
-              <a:rPr lang="fr-FR" dirty="0">
-                <a:latin typeface="Helvetica" panose="020B0604020202020204" pitchFamily="34" charset="0"/>
-                <a:cs typeface="Helvetica" panose="020B0604020202020204" pitchFamily="34" charset="0"/>
-              </a:rPr>
-              <a:t>du code.  Une méthode est écrite une fois   et est utilisée plusieurs fois.</a:t>
-            </a:r>
-          </a:p>
-          <a:p>
-            <a:r>
-              <a:rPr lang="fr-FR" sz="2000" b="1" dirty="0">
+            <a:r>
+              <a:rPr lang="fr-FR" sz="2000" b="1">
                 <a:effectLst>
                   <a:outerShdw blurRad="38100" dist="38100" dir="2700000" algn="tl">
                     <a:srgbClr val="000000">
@@ -4132,11 +4067,140 @@
                 <a:latin typeface="Helvetica" panose="020B0604020202020204" pitchFamily="34" charset="0"/>
                 <a:cs typeface="Helvetica" panose="020B0604020202020204" pitchFamily="34" charset="0"/>
               </a:rPr>
-              <a:t>2. Syntaxe</a:t>
-            </a:r>
-          </a:p>
-          <a:p>
-            <a:endParaRPr lang="fr-CI" sz="2000" b="1" dirty="0">
+              <a:t>3. Les spécificateurs d ’accès</a:t>
+            </a:r>
+          </a:p>
+          <a:p>
+            <a:r>
+              <a:rPr lang="fr-FR">
+                <a:latin typeface="Helvetica" panose="020B0604020202020204" pitchFamily="34" charset="0"/>
+                <a:cs typeface="Helvetica" panose="020B0604020202020204" pitchFamily="34" charset="0"/>
+              </a:rPr>
+              <a:t> Le spécificateur ou le modificateur d'accès est le type d'accès de la méthode. Il spécifie la visibilité de la méthode. Java fournit quatre (4) types de spécificateurs d'accès :</a:t>
+            </a:r>
+          </a:p>
+          <a:p>
+            <a:endParaRPr lang="fr-FR">
+              <a:latin typeface="Helvetica" panose="020B0604020202020204" pitchFamily="34" charset="0"/>
+              <a:cs typeface="Helvetica" panose="020B0604020202020204" pitchFamily="34" charset="0"/>
+            </a:endParaRPr>
+          </a:p>
+          <a:p>
+            <a:pPr lvl="0"/>
+            <a:r>
+              <a:rPr lang="fr-FR" b="1">
+                <a:effectLst>
+                  <a:outerShdw blurRad="38100" dist="38100" dir="2700000" algn="tl">
+                    <a:srgbClr val="000000">
+                      <a:alpha val="43137"/>
+                    </a:srgbClr>
+                  </a:outerShdw>
+                </a:effectLst>
+              </a:rPr>
+              <a:t>-Public</a:t>
+            </a:r>
+            <a:r>
+              <a:rPr lang="fr-FR" b="1"/>
+              <a:t> :</a:t>
+            </a:r>
+            <a:r>
+              <a:rPr lang="fr-FR"/>
+              <a:t> la méthode est accessible par toutes les classes lorsque nous utilisons le spécificateur public dans notre application.</a:t>
+            </a:r>
+            <a:endParaRPr lang="fr-CI"/>
+          </a:p>
+          <a:p>
+            <a:pPr lvl="0"/>
+            <a:r>
+              <a:rPr lang="fr-FR" b="1">
+                <a:effectLst>
+                  <a:outerShdw blurRad="38100" dist="38100" dir="2700000" algn="tl">
+                    <a:srgbClr val="000000">
+                      <a:alpha val="43137"/>
+                    </a:srgbClr>
+                  </a:outerShdw>
+                </a:effectLst>
+              </a:rPr>
+              <a:t>-Private</a:t>
+            </a:r>
+            <a:r>
+              <a:rPr lang="fr-FR" b="1"/>
+              <a:t> :</a:t>
+            </a:r>
+            <a:r>
+              <a:rPr lang="fr-FR"/>
+              <a:t> Lorsque nous utilisons un spécificateur d'accès privé, la méthode n'est accessible que dans les classes dans lesquelles elle est définie.</a:t>
+            </a:r>
+            <a:endParaRPr lang="fr-CI"/>
+          </a:p>
+          <a:p>
+            <a:pPr lvl="0"/>
+            <a:r>
+              <a:rPr lang="fr-FR" b="1">
+                <a:effectLst>
+                  <a:outerShdw blurRad="38100" dist="38100" dir="2700000" algn="tl">
+                    <a:srgbClr val="000000">
+                      <a:alpha val="43137"/>
+                    </a:srgbClr>
+                  </a:outerShdw>
+                </a:effectLst>
+              </a:rPr>
+              <a:t>-Protected </a:t>
+            </a:r>
+            <a:r>
+              <a:rPr lang="fr-FR" b="1"/>
+              <a:t>:</a:t>
+            </a:r>
+            <a:r>
+              <a:rPr lang="fr-FR"/>
+              <a:t> lorsque nous utilisons un spécificateur d'accès protégé, la méthode est accessible dans le même package ou dans les sous-classes d'un package différent.</a:t>
+            </a:r>
+            <a:endParaRPr lang="fr-CI"/>
+          </a:p>
+          <a:p>
+            <a:pPr lvl="0"/>
+            <a:r>
+              <a:rPr lang="fr-FR" b="1">
+                <a:effectLst>
+                  <a:outerShdw blurRad="38100" dist="38100" dir="2700000" algn="tl">
+                    <a:srgbClr val="000000">
+                      <a:alpha val="43137"/>
+                    </a:srgbClr>
+                  </a:outerShdw>
+                </a:effectLst>
+              </a:rPr>
+              <a:t>-Par défaut </a:t>
+            </a:r>
+            <a:r>
+              <a:rPr lang="fr-FR" b="1"/>
+              <a:t>:</a:t>
+            </a:r>
+            <a:r>
+              <a:rPr lang="fr-FR"/>
+              <a:t> lorsque nous n'utilisons aucun spécificateur d'accès dans la déclaration de méthode, Java utilise par défaut le spécificateur d'accès par défaut. Il n'est visible qu'à partir du même package uniquement.</a:t>
+            </a:r>
+            <a:endParaRPr lang="fr-CI"/>
+          </a:p>
+          <a:p>
+            <a:endParaRPr lang="fr-FR">
+              <a:latin typeface="Helvetica" panose="020B0604020202020204" pitchFamily="34" charset="0"/>
+              <a:cs typeface="Helvetica" panose="020B0604020202020204" pitchFamily="34" charset="0"/>
+            </a:endParaRPr>
+          </a:p>
+          <a:p>
+            <a:endParaRPr lang="fr-FR">
+              <a:latin typeface="Helvetica" panose="020B0604020202020204" pitchFamily="34" charset="0"/>
+              <a:cs typeface="Helvetica" panose="020B0604020202020204" pitchFamily="34" charset="0"/>
+            </a:endParaRPr>
+          </a:p>
+          <a:p>
+            <a:endParaRPr lang="fr-CI">
+              <a:latin typeface="Helvetica" panose="020B0604020202020204" pitchFamily="34" charset="0"/>
+              <a:cs typeface="Helvetica" panose="020B0604020202020204" pitchFamily="34" charset="0"/>
+            </a:endParaRPr>
+          </a:p>
+          <a:p>
+            <a:endParaRPr lang="fr-CI" sz="2000" b="1">
               <a:effectLst>
                 <a:outerShdw blurRad="38100" dist="38100" dir="2700000" algn="tl">
                   <a:srgbClr val="000000">
@@ -4148,59 +4212,12 @@
               <a:cs typeface="Helvetica" panose="020B0604020202020204" pitchFamily="34" charset="0"/>
             </a:endParaRPr>
           </a:p>
-          <a:p>
-            <a:endParaRPr lang="fr-FR" dirty="0">
-              <a:effectLst>
-                <a:outerShdw blurRad="38100" dist="38100" dir="2700000" algn="tl">
-                  <a:srgbClr val="000000">
-                    <a:alpha val="43137"/>
-                  </a:srgbClr>
-                </a:outerShdw>
-              </a:effectLst>
-            </a:endParaRPr>
-          </a:p>
         </p:txBody>
       </p:sp>
-      <p:pic>
-        <p:nvPicPr>
-          <p:cNvPr id="6" name="Image 5">
-            <a:extLst>
-              <a:ext uri="{FF2B5EF4-FFF2-40B4-BE49-F238E27FC236}">
-                <a16:creationId xmlns:a16="http://schemas.microsoft.com/office/drawing/2014/main" id="{BD80181F-C193-45A9-A060-D2A76D48759F}"/>
-              </a:ext>
-            </a:extLst>
-          </p:cNvPr>
-          <p:cNvPicPr>
-            <a:picLocks noChangeAspect="1"/>
-          </p:cNvPicPr>
-          <p:nvPr/>
-        </p:nvPicPr>
-        <p:blipFill>
-          <a:blip r:embed="rId3">
-            <a:extLst>
-              <a:ext uri="{28A0092B-C50C-407E-A947-70E740481C1C}">
-                <a14:useLocalDpi xmlns:a14="http://schemas.microsoft.com/office/drawing/2010/main" val="0"/>
-              </a:ext>
-            </a:extLst>
-          </a:blip>
-          <a:stretch>
-            <a:fillRect/>
-          </a:stretch>
-        </p:blipFill>
-        <p:spPr>
-          <a:xfrm>
-            <a:off x="1296755" y="3429000"/>
-            <a:ext cx="5201376" cy="2191056"/>
-          </a:xfrm>
-          <a:prstGeom prst="rect">
-            <a:avLst/>
-          </a:prstGeom>
-        </p:spPr>
-      </p:pic>
     </p:spTree>
     <p:extLst>
       <p:ext uri="{BB962C8B-B14F-4D97-AF65-F5344CB8AC3E}">
-        <p14:creationId xmlns:p14="http://schemas.microsoft.com/office/powerpoint/2010/main" val="303836648"/>
+        <p14:creationId xmlns:p14="http://schemas.microsoft.com/office/powerpoint/2010/main" val="3259046003"/>
       </p:ext>
     </p:extLst>
   </p:cSld>
@@ -4208,7 +4225,7 @@
     <a:masterClrMapping/>
   </p:clrMapOvr>
   <p:transition spd="slow">
-    <p:push dir="u"/>
+    <p:wipe/>
   </p:transition>
 </p:sld>
 </file>
@@ -4251,14 +4268,13 @@
           <a:lstStyle/>
           <a:p>
             <a:r>
-              <a:rPr lang="fr-CA" sz="3600" cap="none" dirty="0">
+              <a:rPr lang="fr-CA" sz="3600" cap="none">
                 <a:solidFill>
                   <a:srgbClr val="FF0000"/>
                 </a:solidFill>
-                <a:latin typeface="Helvetica" panose="020B0604020202020204" pitchFamily="34" charset="0"/>
-                <a:cs typeface="Helvetica" panose="020B0604020202020204" pitchFamily="34" charset="0"/>
-              </a:rPr>
-              <a:t>III. LES METHODES</a:t>
+                <a:cs typeface="Arial"/>
+              </a:rPr>
+              <a:t>III. LES METODES</a:t>
             </a:r>
           </a:p>
         </p:txBody>
@@ -4319,10 +4335,10 @@
       </p:pic>
       <p:sp>
         <p:nvSpPr>
-          <p:cNvPr id="5" name="ZoneTexte 4">
+          <p:cNvPr id="8" name="ZoneTexte 7">
             <a:extLst>
               <a:ext uri="{FF2B5EF4-FFF2-40B4-BE49-F238E27FC236}">
-                <a16:creationId xmlns:a16="http://schemas.microsoft.com/office/drawing/2014/main" id="{F7DA77CF-DF35-4278-A8A0-14207A7B4C5E}"/>
+                <a16:creationId xmlns:a16="http://schemas.microsoft.com/office/drawing/2014/main" id="{2EC3FB72-12F7-47CE-ACE2-2BE85E3A28E3}"/>
               </a:ext>
             </a:extLst>
           </p:cNvPr>
@@ -4331,8 +4347,8 @@
         </p:nvSpPr>
         <p:spPr>
           <a:xfrm>
-            <a:off x="65088" y="983932"/>
-            <a:ext cx="9013824" cy="5139869"/>
+            <a:off x="1454046" y="1169233"/>
+            <a:ext cx="5321508" cy="707886"/>
           </a:xfrm>
           <a:prstGeom prst="rect">
             <a:avLst/>
@@ -4346,7 +4362,7 @@
           <a:lstStyle/>
           <a:p>
             <a:r>
-              <a:rPr lang="fr-FR" sz="2000" b="1" dirty="0">
+              <a:rPr lang="fr-FR" sz="2000" b="1">
                 <a:effectLst>
                   <a:outerShdw blurRad="38100" dist="38100" dir="2700000" algn="tl">
                     <a:srgbClr val="000000">
@@ -4357,140 +4373,11 @@
                 <a:latin typeface="Helvetica" panose="020B0604020202020204" pitchFamily="34" charset="0"/>
                 <a:cs typeface="Helvetica" panose="020B0604020202020204" pitchFamily="34" charset="0"/>
               </a:rPr>
-              <a:t>3. Les spécificateurs d ’accès</a:t>
-            </a:r>
-          </a:p>
-          <a:p>
-            <a:r>
-              <a:rPr lang="fr-FR" dirty="0">
-                <a:latin typeface="Helvetica" panose="020B0604020202020204" pitchFamily="34" charset="0"/>
-                <a:cs typeface="Helvetica" panose="020B0604020202020204" pitchFamily="34" charset="0"/>
-              </a:rPr>
-              <a:t> Le spécificateur ou le modificateur d'accès est le type d'accès de la méthode. Il spécifie la visibilité de la méthode. Java fournit quatre (4) types de spécificateurs d'accès :</a:t>
-            </a:r>
-          </a:p>
-          <a:p>
-            <a:endParaRPr lang="fr-FR" dirty="0">
-              <a:latin typeface="Helvetica" panose="020B0604020202020204" pitchFamily="34" charset="0"/>
-              <a:cs typeface="Helvetica" panose="020B0604020202020204" pitchFamily="34" charset="0"/>
-            </a:endParaRPr>
-          </a:p>
-          <a:p>
-            <a:pPr lvl="0"/>
-            <a:r>
-              <a:rPr lang="fr-FR" b="1" dirty="0">
-                <a:effectLst>
-                  <a:outerShdw blurRad="38100" dist="38100" dir="2700000" algn="tl">
-                    <a:srgbClr val="000000">
-                      <a:alpha val="43137"/>
-                    </a:srgbClr>
-                  </a:outerShdw>
-                </a:effectLst>
-              </a:rPr>
-              <a:t>-Public</a:t>
-            </a:r>
-            <a:r>
-              <a:rPr lang="fr-FR" b="1" dirty="0"/>
-              <a:t> :</a:t>
-            </a:r>
-            <a:r>
-              <a:rPr lang="fr-FR" dirty="0"/>
-              <a:t> la méthode est accessible par toutes les classes lorsque nous utilisons le spécificateur public dans notre application.</a:t>
-            </a:r>
-            <a:endParaRPr lang="fr-CI" dirty="0"/>
-          </a:p>
-          <a:p>
-            <a:pPr lvl="0"/>
-            <a:r>
-              <a:rPr lang="fr-FR" b="1" dirty="0">
-                <a:effectLst>
-                  <a:outerShdw blurRad="38100" dist="38100" dir="2700000" algn="tl">
-                    <a:srgbClr val="000000">
-                      <a:alpha val="43137"/>
-                    </a:srgbClr>
-                  </a:outerShdw>
-                </a:effectLst>
-              </a:rPr>
-              <a:t>-Private</a:t>
-            </a:r>
-            <a:r>
-              <a:rPr lang="fr-FR" b="1" dirty="0"/>
-              <a:t> :</a:t>
-            </a:r>
-            <a:r>
-              <a:rPr lang="fr-FR" dirty="0"/>
-              <a:t> Lorsque nous utilisons un spécificateur d'accès privé, la méthode n'est accessible que dans les classes dans lesquelles elle est définie.</a:t>
-            </a:r>
-            <a:endParaRPr lang="fr-CI" dirty="0"/>
-          </a:p>
-          <a:p>
-            <a:pPr lvl="0"/>
-            <a:r>
-              <a:rPr lang="fr-FR" b="1" dirty="0">
-                <a:effectLst>
-                  <a:outerShdw blurRad="38100" dist="38100" dir="2700000" algn="tl">
-                    <a:srgbClr val="000000">
-                      <a:alpha val="43137"/>
-                    </a:srgbClr>
-                  </a:outerShdw>
-                </a:effectLst>
-              </a:rPr>
-              <a:t>-Protected </a:t>
-            </a:r>
-            <a:r>
-              <a:rPr lang="fr-FR" b="1" dirty="0"/>
-              <a:t>:</a:t>
-            </a:r>
-            <a:r>
-              <a:rPr lang="fr-FR" dirty="0"/>
-              <a:t> lorsque nous utilisons un spécificateur d'accès protégé, la méthode est accessible dans le même package ou dans les sous-classes d'un package différent.</a:t>
-            </a:r>
-            <a:endParaRPr lang="fr-CI" dirty="0"/>
-          </a:p>
-          <a:p>
-            <a:pPr lvl="0"/>
-            <a:r>
-              <a:rPr lang="fr-FR" b="1" dirty="0">
-                <a:effectLst>
-                  <a:outerShdw blurRad="38100" dist="38100" dir="2700000" algn="tl">
-                    <a:srgbClr val="000000">
-                      <a:alpha val="43137"/>
-                    </a:srgbClr>
-                  </a:outerShdw>
-                </a:effectLst>
-              </a:rPr>
-              <a:t>-Par défaut </a:t>
-            </a:r>
-            <a:r>
-              <a:rPr lang="fr-FR" b="1" dirty="0"/>
-              <a:t>:</a:t>
-            </a:r>
-            <a:r>
-              <a:rPr lang="fr-FR" dirty="0"/>
-              <a:t> lorsque nous n'utilisons aucun spécificateur d'accès dans la déclaration de méthode, Java utilise par défaut le spécificateur d'accès par défaut. Il n'est visible qu'à partir du même package uniquement.</a:t>
-            </a:r>
-            <a:endParaRPr lang="fr-CI" dirty="0"/>
-          </a:p>
-          <a:p>
-            <a:endParaRPr lang="fr-FR" dirty="0">
-              <a:latin typeface="Helvetica" panose="020B0604020202020204" pitchFamily="34" charset="0"/>
-              <a:cs typeface="Helvetica" panose="020B0604020202020204" pitchFamily="34" charset="0"/>
-            </a:endParaRPr>
-          </a:p>
-          <a:p>
-            <a:endParaRPr lang="fr-FR" dirty="0">
-              <a:latin typeface="Helvetica" panose="020B0604020202020204" pitchFamily="34" charset="0"/>
-              <a:cs typeface="Helvetica" panose="020B0604020202020204" pitchFamily="34" charset="0"/>
-            </a:endParaRPr>
-          </a:p>
-          <a:p>
-            <a:endParaRPr lang="fr-CI" dirty="0">
-              <a:latin typeface="Helvetica" panose="020B0604020202020204" pitchFamily="34" charset="0"/>
-              <a:cs typeface="Helvetica" panose="020B0604020202020204" pitchFamily="34" charset="0"/>
-            </a:endParaRPr>
-          </a:p>
-          <a:p>
-            <a:endParaRPr lang="fr-CI" sz="2000" b="1" dirty="0">
+              <a:t>4. Signature de la méthode</a:t>
+            </a:r>
+          </a:p>
+          <a:p>
+            <a:endParaRPr lang="fr-CI" sz="2000" b="1">
               <a:effectLst>
                 <a:outerShdw blurRad="38100" dist="38100" dir="2700000" algn="tl">
                   <a:srgbClr val="000000">
@@ -4504,10 +4391,45 @@
           </a:p>
         </p:txBody>
       </p:sp>
+      <p:pic>
+        <p:nvPicPr>
+          <p:cNvPr id="10" name="Image 9">
+            <a:extLst>
+              <a:ext uri="{FF2B5EF4-FFF2-40B4-BE49-F238E27FC236}">
+                <a16:creationId xmlns:a16="http://schemas.microsoft.com/office/drawing/2014/main" id="{07C0F98D-1308-4BBC-8DA7-98731CE77ADD}"/>
+              </a:ext>
+            </a:extLst>
+          </p:cNvPr>
+          <p:cNvPicPr>
+            <a:picLocks noChangeAspect="1"/>
+          </p:cNvPicPr>
+          <p:nvPr/>
+        </p:nvPicPr>
+        <p:blipFill rotWithShape="1">
+          <a:blip r:embed="rId3">
+            <a:extLst>
+              <a:ext uri="{28A0092B-C50C-407E-A947-70E740481C1C}">
+                <a14:useLocalDpi xmlns:a14="http://schemas.microsoft.com/office/drawing/2010/main" val="0"/>
+              </a:ext>
+            </a:extLst>
+          </a:blip>
+          <a:srcRect t="13444"/>
+          <a:stretch/>
+        </p:blipFill>
+        <p:spPr>
+          <a:xfrm>
+            <a:off x="922074" y="2266595"/>
+            <a:ext cx="6155414" cy="4258787"/>
+          </a:xfrm>
+          <a:prstGeom prst="rect">
+            <a:avLst/>
+          </a:prstGeom>
+        </p:spPr>
+      </p:pic>
     </p:spTree>
     <p:extLst>
       <p:ext uri="{BB962C8B-B14F-4D97-AF65-F5344CB8AC3E}">
-        <p14:creationId xmlns:p14="http://schemas.microsoft.com/office/powerpoint/2010/main" val="3259046003"/>
+        <p14:creationId xmlns:p14="http://schemas.microsoft.com/office/powerpoint/2010/main" val="1374013602"/>
       </p:ext>
     </p:extLst>
   </p:cSld>
@@ -4558,13 +4480,13 @@
           <a:lstStyle/>
           <a:p>
             <a:r>
-              <a:rPr lang="fr-CA" sz="3600" cap="none" dirty="0">
+              <a:rPr lang="fr-CA" sz="3600" cap="none">
                 <a:solidFill>
                   <a:srgbClr val="FF0000"/>
                 </a:solidFill>
                 <a:cs typeface="Arial"/>
               </a:rPr>
-              <a:t>III. LES METODES</a:t>
+              <a:t>III. LES METHODES</a:t>
             </a:r>
           </a:p>
         </p:txBody>
@@ -4578,7 +4500,7 @@
           <p:nvPr/>
         </p:nvPicPr>
         <p:blipFill>
-          <a:blip r:embed="rId3">
+          <a:blip r:embed="rId2">
             <a:extLst>
               <a:ext uri="{28A0092B-C50C-407E-A947-70E740481C1C}">
                 <a14:useLocalDpi xmlns:a14="http://schemas.microsoft.com/office/drawing/2010/main" val="0"/>
@@ -4625,10 +4547,10 @@
       </p:pic>
       <p:sp>
         <p:nvSpPr>
-          <p:cNvPr id="8" name="ZoneTexte 7">
+          <p:cNvPr id="4" name="ZoneTexte 3">
             <a:extLst>
               <a:ext uri="{FF2B5EF4-FFF2-40B4-BE49-F238E27FC236}">
-                <a16:creationId xmlns:a16="http://schemas.microsoft.com/office/drawing/2014/main" id="{2EC3FB72-12F7-47CE-ACE2-2BE85E3A28E3}"/>
+                <a16:creationId xmlns:a16="http://schemas.microsoft.com/office/drawing/2014/main" id="{D33D8B30-DF75-48CD-BD9C-5E37E4B94B0A}"/>
               </a:ext>
             </a:extLst>
           </p:cNvPr>
@@ -4637,8 +4559,8 @@
         </p:nvSpPr>
         <p:spPr>
           <a:xfrm>
-            <a:off x="1454046" y="1169233"/>
-            <a:ext cx="5321508" cy="707886"/>
+            <a:off x="65088" y="1406769"/>
+            <a:ext cx="9078912" cy="4124206"/>
           </a:xfrm>
           <a:prstGeom prst="rect">
             <a:avLst/>
@@ -4652,7 +4574,7 @@
           <a:lstStyle/>
           <a:p>
             <a:r>
-              <a:rPr lang="fr-FR" sz="2000" b="1" dirty="0">
+              <a:rPr lang="fr-FR" sz="2000" b="1">
                 <a:effectLst>
                   <a:outerShdw blurRad="38100" dist="38100" dir="2700000" algn="tl">
                     <a:srgbClr val="000000">
@@ -4663,11 +4585,11 @@
                 <a:latin typeface="Helvetica" panose="020B0604020202020204" pitchFamily="34" charset="0"/>
                 <a:cs typeface="Helvetica" panose="020B0604020202020204" pitchFamily="34" charset="0"/>
               </a:rPr>
-              <a:t>4. Signature de la méthode</a:t>
-            </a:r>
-          </a:p>
-          <a:p>
-            <a:endParaRPr lang="fr-CI" sz="2000" b="1" dirty="0">
+              <a:t>5. Méthode statique</a:t>
+            </a:r>
+          </a:p>
+          <a:p>
+            <a:endParaRPr lang="fr-FR" sz="2000" b="1">
               <a:effectLst>
                 <a:outerShdw blurRad="38100" dist="38100" dir="2700000" algn="tl">
                   <a:srgbClr val="000000">
@@ -4679,47 +4601,114 @@
               <a:cs typeface="Helvetica" panose="020B0604020202020204" pitchFamily="34" charset="0"/>
             </a:endParaRPr>
           </a:p>
+          <a:p>
+            <a:pPr marL="800100" lvl="1" indent="-342900">
+              <a:buFont typeface="Wingdings" panose="05000000000000000000" pitchFamily="2" charset="2"/>
+              <a:buChar char="Ø"/>
+            </a:pPr>
+            <a:r>
+              <a:rPr lang="fr-FR" sz="2000" b="1">
+                <a:effectLst>
+                  <a:outerShdw blurRad="38100" dist="38100" dir="2700000" algn="tl">
+                    <a:srgbClr val="000000">
+                      <a:alpha val="43137"/>
+                    </a:srgbClr>
+                  </a:outerShdw>
+                </a:effectLst>
+                <a:latin typeface="Helvetica" panose="020B0604020202020204" pitchFamily="34" charset="0"/>
+                <a:cs typeface="Helvetica" panose="020B0604020202020204" pitchFamily="34" charset="0"/>
+              </a:rPr>
+              <a:t> Définition</a:t>
+            </a:r>
+          </a:p>
+          <a:p>
+            <a:pPr lvl="1"/>
+            <a:endParaRPr lang="fr-FR" sz="2000" b="1">
+              <a:effectLst>
+                <a:outerShdw blurRad="38100" dist="38100" dir="2700000" algn="tl">
+                  <a:srgbClr val="000000">
+                    <a:alpha val="43137"/>
+                  </a:srgbClr>
+                </a:outerShdw>
+              </a:effectLst>
+              <a:latin typeface="Helvetica" panose="020B0604020202020204" pitchFamily="34" charset="0"/>
+              <a:cs typeface="Helvetica" panose="020B0604020202020204" pitchFamily="34" charset="0"/>
+            </a:endParaRPr>
+          </a:p>
+          <a:p>
+            <a:r>
+              <a:rPr lang="fr-FR">
+                <a:latin typeface="Helvetica" panose="020B0604020202020204" pitchFamily="34" charset="0"/>
+                <a:cs typeface="Helvetica" panose="020B0604020202020204" pitchFamily="34" charset="0"/>
+              </a:rPr>
+              <a:t>Une méthode qui a un mot-clé statique est appelée méthode statique. En d'autres termes, une méthode qui appartient à une classe plutôt qu'à une instance d'une classe est appelée méthode statique. Nous pouvons également créer une méthode statique en utilisant le mot-clé </a:t>
+            </a:r>
+            <a:r>
+              <a:rPr lang="fr-FR" b="1">
+                <a:latin typeface="Helvetica" panose="020B0604020202020204" pitchFamily="34" charset="0"/>
+                <a:cs typeface="Helvetica" panose="020B0604020202020204" pitchFamily="34" charset="0"/>
+              </a:rPr>
+              <a:t>static</a:t>
+            </a:r>
+            <a:r>
+              <a:rPr lang="fr-FR">
+                <a:latin typeface="Helvetica" panose="020B0604020202020204" pitchFamily="34" charset="0"/>
+                <a:cs typeface="Helvetica" panose="020B0604020202020204" pitchFamily="34" charset="0"/>
+              </a:rPr>
+              <a:t> avant le nom de la méthode.</a:t>
+            </a:r>
+            <a:endParaRPr lang="fr-CI">
+              <a:latin typeface="Helvetica" panose="020B0604020202020204" pitchFamily="34" charset="0"/>
+              <a:cs typeface="Helvetica" panose="020B0604020202020204" pitchFamily="34" charset="0"/>
+            </a:endParaRPr>
+          </a:p>
+          <a:p>
+            <a:r>
+              <a:rPr lang="fr-FR">
+                <a:latin typeface="Helvetica" panose="020B0604020202020204" pitchFamily="34" charset="0"/>
+                <a:cs typeface="Helvetica" panose="020B0604020202020204" pitchFamily="34" charset="0"/>
+              </a:rPr>
+              <a:t>Le principal avantage d'une méthode statique est que nous pouvons l'appeler sans créer d'objet. Il peut accéder aux membres de données statiques et également en modifier la valeur. Il est utilisé pour créer une méthode d'instance. Il est appelé en utilisant le nom de la classe. Le meilleur exemple de méthode statique est la méthode </a:t>
+            </a:r>
+            <a:r>
+              <a:rPr lang="fr-FR" b="1">
+                <a:latin typeface="Helvetica" panose="020B0604020202020204" pitchFamily="34" charset="0"/>
+                <a:cs typeface="Helvetica" panose="020B0604020202020204" pitchFamily="34" charset="0"/>
+              </a:rPr>
+              <a:t>main()</a:t>
+            </a:r>
+            <a:r>
+              <a:rPr lang="fr-FR">
+                <a:latin typeface="Helvetica" panose="020B0604020202020204" pitchFamily="34" charset="0"/>
+                <a:cs typeface="Helvetica" panose="020B0604020202020204" pitchFamily="34" charset="0"/>
+              </a:rPr>
+              <a:t>.</a:t>
+            </a:r>
+            <a:endParaRPr lang="fr-CI">
+              <a:latin typeface="Helvetica" panose="020B0604020202020204" pitchFamily="34" charset="0"/>
+              <a:cs typeface="Helvetica" panose="020B0604020202020204" pitchFamily="34" charset="0"/>
+            </a:endParaRPr>
+          </a:p>
+          <a:p>
+            <a:pPr lvl="1"/>
+            <a:endParaRPr lang="fr-CI" sz="2000" b="1">
+              <a:effectLst>
+                <a:outerShdw blurRad="38100" dist="38100" dir="2700000" algn="tl">
+                  <a:srgbClr val="000000">
+                    <a:alpha val="43137"/>
+                  </a:srgbClr>
+                </a:outerShdw>
+              </a:effectLst>
+              <a:latin typeface="Helvetica" panose="020B0604020202020204" pitchFamily="34" charset="0"/>
+              <a:cs typeface="Helvetica" panose="020B0604020202020204" pitchFamily="34" charset="0"/>
+            </a:endParaRPr>
+          </a:p>
         </p:txBody>
       </p:sp>
-      <p:pic>
-        <p:nvPicPr>
-          <p:cNvPr id="10" name="Image 9">
-            <a:extLst>
-              <a:ext uri="{FF2B5EF4-FFF2-40B4-BE49-F238E27FC236}">
-                <a16:creationId xmlns:a16="http://schemas.microsoft.com/office/drawing/2014/main" id="{07C0F98D-1308-4BBC-8DA7-98731CE77ADD}"/>
-              </a:ext>
-            </a:extLst>
-          </p:cNvPr>
-          <p:cNvPicPr>
-            <a:picLocks noChangeAspect="1"/>
-          </p:cNvPicPr>
-          <p:nvPr/>
-        </p:nvPicPr>
-        <p:blipFill rotWithShape="1">
-          <a:blip r:embed="rId4">
-            <a:extLst>
-              <a:ext uri="{28A0092B-C50C-407E-A947-70E740481C1C}">
-                <a14:useLocalDpi xmlns:a14="http://schemas.microsoft.com/office/drawing/2010/main" val="0"/>
-              </a:ext>
-            </a:extLst>
-          </a:blip>
-          <a:srcRect t="13444"/>
-          <a:stretch/>
-        </p:blipFill>
-        <p:spPr>
-          <a:xfrm>
-            <a:off x="1152111" y="2424745"/>
-            <a:ext cx="5925377" cy="4100637"/>
-          </a:xfrm>
-          <a:prstGeom prst="rect">
-            <a:avLst/>
-          </a:prstGeom>
-        </p:spPr>
-      </p:pic>
     </p:spTree>
     <p:extLst>
       <p:ext uri="{BB962C8B-B14F-4D97-AF65-F5344CB8AC3E}">
-        <p14:creationId xmlns:p14="http://schemas.microsoft.com/office/powerpoint/2010/main" val="1374013602"/>
+        <p14:creationId xmlns:p14="http://schemas.microsoft.com/office/powerpoint/2010/main" val="3863534704"/>
       </p:ext>
     </p:extLst>
   </p:cSld>
@@ -4770,7 +4759,7 @@
           <a:lstStyle/>
           <a:p>
             <a:r>
-              <a:rPr lang="fr-CA" sz="3600" cap="none" dirty="0">
+              <a:rPr lang="fr-CA" sz="3600" cap="none">
                 <a:solidFill>
                   <a:srgbClr val="FF0000"/>
                 </a:solidFill>
@@ -4840,7 +4829,7 @@
           <p:cNvPr id="4" name="ZoneTexte 3">
             <a:extLst>
               <a:ext uri="{FF2B5EF4-FFF2-40B4-BE49-F238E27FC236}">
-                <a16:creationId xmlns:a16="http://schemas.microsoft.com/office/drawing/2014/main" id="{D33D8B30-DF75-48CD-BD9C-5E37E4B94B0A}"/>
+                <a16:creationId xmlns:a16="http://schemas.microsoft.com/office/drawing/2014/main" id="{8E02A992-5A2D-4AC6-B4AB-49262AC83ADD}"/>
               </a:ext>
             </a:extLst>
           </p:cNvPr>
@@ -4849,8 +4838,8 @@
         </p:nvSpPr>
         <p:spPr>
           <a:xfrm>
-            <a:off x="65088" y="1406769"/>
-            <a:ext cx="9078912" cy="4124206"/>
+            <a:off x="65088" y="914399"/>
+            <a:ext cx="8853829" cy="984885"/>
           </a:xfrm>
           <a:prstGeom prst="rect">
             <a:avLst/>
@@ -4863,8 +4852,12 @@
           </a:bodyPr>
           <a:lstStyle/>
           <a:p>
-            <a:r>
-              <a:rPr lang="fr-FR" sz="2000" b="1" dirty="0">
+            <a:pPr marL="742950" lvl="1" indent="-285750">
+              <a:buFont typeface="Wingdings" panose="05000000000000000000" pitchFamily="2" charset="2"/>
+              <a:buChar char="Ø"/>
+            </a:pPr>
+            <a:r>
+              <a:rPr lang="fr-FR" sz="2000" b="1">
                 <a:effectLst>
                   <a:outerShdw blurRad="38100" dist="38100" dir="2700000" algn="tl">
                     <a:srgbClr val="000000">
@@ -4875,11 +4868,12 @@
                 <a:latin typeface="Helvetica" panose="020B0604020202020204" pitchFamily="34" charset="0"/>
                 <a:cs typeface="Helvetica" panose="020B0604020202020204" pitchFamily="34" charset="0"/>
               </a:rPr>
-              <a:t>5. Méthode statique</a:t>
-            </a:r>
-          </a:p>
-          <a:p>
-            <a:endParaRPr lang="fr-FR" sz="2000" b="1" dirty="0">
+              <a:t>Exemple</a:t>
+            </a:r>
+          </a:p>
+          <a:p>
+            <a:pPr lvl="1"/>
+            <a:endParaRPr lang="fr-FR" sz="2000" b="1">
               <a:effectLst>
                 <a:outerShdw blurRad="38100" dist="38100" dir="2700000" algn="tl">
                   <a:srgbClr val="000000">
@@ -4892,28 +4886,8 @@
             </a:endParaRPr>
           </a:p>
           <a:p>
-            <a:pPr marL="800100" lvl="1" indent="-342900">
-              <a:buFont typeface="Wingdings" panose="05000000000000000000" pitchFamily="2" charset="2"/>
-              <a:buChar char="Ø"/>
-            </a:pPr>
-            <a:r>
-              <a:rPr lang="fr-FR" sz="2000" b="1" dirty="0">
-                <a:effectLst>
-                  <a:outerShdw blurRad="38100" dist="38100" dir="2700000" algn="tl">
-                    <a:srgbClr val="000000">
-                      <a:alpha val="43137"/>
-                    </a:srgbClr>
-                  </a:outerShdw>
-                </a:effectLst>
-                <a:latin typeface="Helvetica" panose="020B0604020202020204" pitchFamily="34" charset="0"/>
-                <a:cs typeface="Helvetica" panose="020B0604020202020204" pitchFamily="34" charset="0"/>
-              </a:rPr>
-              <a:t> Définition</a:t>
-            </a:r>
-          </a:p>
-          <a:p>
             <a:pPr lvl="1"/>
-            <a:endParaRPr lang="fr-FR" sz="2000" b="1" dirty="0">
+            <a:endParaRPr lang="fr-FR" b="1">
               <a:effectLst>
                 <a:outerShdw blurRad="38100" dist="38100" dir="2700000" algn="tl">
                   <a:srgbClr val="000000">
@@ -4925,80 +4899,48 @@
               <a:cs typeface="Helvetica" panose="020B0604020202020204" pitchFamily="34" charset="0"/>
             </a:endParaRPr>
           </a:p>
-          <a:p>
-            <a:r>
-              <a:rPr lang="fr-FR" dirty="0">
-                <a:latin typeface="Helvetica" panose="020B0604020202020204" pitchFamily="34" charset="0"/>
-                <a:cs typeface="Helvetica" panose="020B0604020202020204" pitchFamily="34" charset="0"/>
-              </a:rPr>
-              <a:t>Une méthode qui a un mot-clé statique est appelée méthode statique. En d'autres termes, une méthode qui appartient à une classe plutôt qu'à une instance d'une classe est appelée méthode statique. Nous pouvons également créer une méthode statique en utilisant le mot-clé </a:t>
-            </a:r>
-            <a:r>
-              <a:rPr lang="fr-FR" b="1" dirty="0">
-                <a:latin typeface="Helvetica" panose="020B0604020202020204" pitchFamily="34" charset="0"/>
-                <a:cs typeface="Helvetica" panose="020B0604020202020204" pitchFamily="34" charset="0"/>
-              </a:rPr>
-              <a:t>static</a:t>
-            </a:r>
-            <a:r>
-              <a:rPr lang="fr-FR" dirty="0">
-                <a:latin typeface="Helvetica" panose="020B0604020202020204" pitchFamily="34" charset="0"/>
-                <a:cs typeface="Helvetica" panose="020B0604020202020204" pitchFamily="34" charset="0"/>
-              </a:rPr>
-              <a:t> avant le nom de la méthode.</a:t>
-            </a:r>
-            <a:endParaRPr lang="fr-CI" dirty="0">
-              <a:latin typeface="Helvetica" panose="020B0604020202020204" pitchFamily="34" charset="0"/>
-              <a:cs typeface="Helvetica" panose="020B0604020202020204" pitchFamily="34" charset="0"/>
-            </a:endParaRPr>
-          </a:p>
-          <a:p>
-            <a:r>
-              <a:rPr lang="fr-FR" dirty="0">
-                <a:latin typeface="Helvetica" panose="020B0604020202020204" pitchFamily="34" charset="0"/>
-                <a:cs typeface="Helvetica" panose="020B0604020202020204" pitchFamily="34" charset="0"/>
-              </a:rPr>
-              <a:t>Le principal avantage d'une méthode statique est que nous pouvons l'appeler sans créer d'objet. Il peut accéder aux membres de données statiques et également en modifier la valeur. Il est utilisé pour créer une méthode d'instance. Il est appelé en utilisant le nom de la classe. Le meilleur exemple de méthode statique est la méthode </a:t>
-            </a:r>
-            <a:r>
-              <a:rPr lang="fr-FR" b="1" dirty="0">
-                <a:latin typeface="Helvetica" panose="020B0604020202020204" pitchFamily="34" charset="0"/>
-                <a:cs typeface="Helvetica" panose="020B0604020202020204" pitchFamily="34" charset="0"/>
-              </a:rPr>
-              <a:t>main()</a:t>
-            </a:r>
-            <a:r>
-              <a:rPr lang="fr-FR" dirty="0">
-                <a:latin typeface="Helvetica" panose="020B0604020202020204" pitchFamily="34" charset="0"/>
-                <a:cs typeface="Helvetica" panose="020B0604020202020204" pitchFamily="34" charset="0"/>
-              </a:rPr>
-              <a:t>.</a:t>
-            </a:r>
-            <a:endParaRPr lang="fr-CI" dirty="0">
-              <a:latin typeface="Helvetica" panose="020B0604020202020204" pitchFamily="34" charset="0"/>
-              <a:cs typeface="Helvetica" panose="020B0604020202020204" pitchFamily="34" charset="0"/>
-            </a:endParaRPr>
-          </a:p>
-          <a:p>
-            <a:pPr lvl="1"/>
-            <a:endParaRPr lang="fr-CI" sz="2000" b="1" dirty="0">
-              <a:effectLst>
-                <a:outerShdw blurRad="38100" dist="38100" dir="2700000" algn="tl">
-                  <a:srgbClr val="000000">
-                    <a:alpha val="43137"/>
-                  </a:srgbClr>
-                </a:outerShdw>
-              </a:effectLst>
-              <a:latin typeface="Helvetica" panose="020B0604020202020204" pitchFamily="34" charset="0"/>
-              <a:cs typeface="Helvetica" panose="020B0604020202020204" pitchFamily="34" charset="0"/>
-            </a:endParaRPr>
-          </a:p>
         </p:txBody>
       </p:sp>
+      <p:pic>
+        <p:nvPicPr>
+          <p:cNvPr id="10" name="Image 9">
+            <a:extLst>
+              <a:ext uri="{FF2B5EF4-FFF2-40B4-BE49-F238E27FC236}">
+                <a16:creationId xmlns:a16="http://schemas.microsoft.com/office/drawing/2014/main" id="{E604BF5A-6F31-4413-BC20-13EF626C317C}"/>
+              </a:ext>
+            </a:extLst>
+          </p:cNvPr>
+          <p:cNvPicPr>
+            <a:picLocks noChangeAspect="1"/>
+          </p:cNvPicPr>
+          <p:nvPr/>
+        </p:nvPicPr>
+        <p:blipFill>
+          <a:blip r:embed="rId3">
+            <a:extLst>
+              <a:ext uri="{28A0092B-C50C-407E-A947-70E740481C1C}">
+                <a14:useLocalDpi xmlns:a14="http://schemas.microsoft.com/office/drawing/2010/main" val="0"/>
+              </a:ext>
+            </a:extLst>
+          </a:blip>
+          <a:stretch>
+            <a:fillRect/>
+          </a:stretch>
+        </p:blipFill>
+        <p:spPr>
+          <a:xfrm>
+            <a:off x="960434" y="1580436"/>
+            <a:ext cx="7170692" cy="4637484"/>
+          </a:xfrm>
+          <a:prstGeom prst="rect">
+            <a:avLst/>
+          </a:prstGeom>
+        </p:spPr>
+      </p:pic>
     </p:spTree>
     <p:extLst>
       <p:ext uri="{BB962C8B-B14F-4D97-AF65-F5344CB8AC3E}">
-        <p14:creationId xmlns:p14="http://schemas.microsoft.com/office/powerpoint/2010/main" val="3863534704"/>
+        <p14:creationId xmlns:p14="http://schemas.microsoft.com/office/powerpoint/2010/main" val="3539881733"/>
       </p:ext>
     </p:extLst>
   </p:cSld>
@@ -5049,7 +4991,7 @@
           <a:lstStyle/>
           <a:p>
             <a:r>
-              <a:rPr lang="fr-CA" sz="3600" cap="none" dirty="0">
+              <a:rPr lang="fr-CA" sz="3600" cap="none">
                 <a:solidFill>
                   <a:srgbClr val="FF0000"/>
                 </a:solidFill>
@@ -5116,10 +5058,10 @@
       </p:pic>
       <p:sp>
         <p:nvSpPr>
-          <p:cNvPr id="4" name="ZoneTexte 3">
+          <p:cNvPr id="5" name="ZoneTexte 4">
             <a:extLst>
               <a:ext uri="{FF2B5EF4-FFF2-40B4-BE49-F238E27FC236}">
-                <a16:creationId xmlns:a16="http://schemas.microsoft.com/office/drawing/2014/main" id="{8E02A992-5A2D-4AC6-B4AB-49262AC83ADD}"/>
+                <a16:creationId xmlns:a16="http://schemas.microsoft.com/office/drawing/2014/main" id="{5DE352B2-38D8-494A-8630-B0A5300C01EB}"/>
               </a:ext>
             </a:extLst>
           </p:cNvPr>
@@ -5128,8 +5070,8 @@
         </p:nvSpPr>
         <p:spPr>
           <a:xfrm>
-            <a:off x="65088" y="914399"/>
-            <a:ext cx="8853829" cy="984885"/>
+            <a:off x="65087" y="998327"/>
+            <a:ext cx="8924167" cy="2369880"/>
           </a:xfrm>
           <a:prstGeom prst="rect">
             <a:avLst/>
@@ -5142,12 +5084,8 @@
           </a:bodyPr>
           <a:lstStyle/>
           <a:p>
-            <a:pPr marL="742950" lvl="1" indent="-285750">
-              <a:buFont typeface="Wingdings" panose="05000000000000000000" pitchFamily="2" charset="2"/>
-              <a:buChar char="Ø"/>
-            </a:pPr>
-            <a:r>
-              <a:rPr lang="fr-FR" sz="2000" b="1" dirty="0">
+            <a:r>
+              <a:rPr lang="fr-FR" sz="2000" b="1">
                 <a:effectLst>
                   <a:outerShdw blurRad="38100" dist="38100" dir="2700000" algn="tl">
                     <a:srgbClr val="000000">
@@ -5158,12 +5096,11 @@
                 <a:latin typeface="Helvetica" panose="020B0604020202020204" pitchFamily="34" charset="0"/>
                 <a:cs typeface="Helvetica" panose="020B0604020202020204" pitchFamily="34" charset="0"/>
               </a:rPr>
-              <a:t>Exemple</a:t>
-            </a:r>
-          </a:p>
-          <a:p>
-            <a:pPr lvl="1"/>
-            <a:endParaRPr lang="fr-FR" sz="2000" b="1" dirty="0">
+              <a:t>6. Méthode d’instance</a:t>
+            </a:r>
+          </a:p>
+          <a:p>
+            <a:endParaRPr lang="fr-FR" sz="2000" b="1">
               <a:effectLst>
                 <a:outerShdw blurRad="38100" dist="38100" dir="2700000" algn="tl">
                   <a:srgbClr val="000000">
@@ -5176,27 +5113,41 @@
             </a:endParaRPr>
           </a:p>
           <a:p>
-            <a:pPr lvl="1"/>
-            <a:endParaRPr lang="fr-FR" b="1" dirty="0">
-              <a:effectLst>
-                <a:outerShdw blurRad="38100" dist="38100" dir="2700000" algn="tl">
-                  <a:srgbClr val="000000">
-                    <a:alpha val="43137"/>
-                  </a:srgbClr>
-                </a:outerShdw>
-              </a:effectLst>
-              <a:latin typeface="Helvetica" panose="020B0604020202020204" pitchFamily="34" charset="0"/>
-              <a:cs typeface="Helvetica" panose="020B0604020202020204" pitchFamily="34" charset="0"/>
-            </a:endParaRPr>
+            <a:r>
+              <a:rPr lang="fr-FR"/>
+              <a:t>La méthode de la classe est connue sous le nom de </a:t>
+            </a:r>
+            <a:r>
+              <a:rPr lang="fr-FR" b="1"/>
+              <a:t>méthode d’instance. </a:t>
+            </a:r>
+            <a:r>
+              <a:rPr lang="fr-FR"/>
+              <a:t>C'est une méthode </a:t>
+            </a:r>
+            <a:r>
+              <a:rPr lang="fr-FR" b="1"/>
+              <a:t>non statique</a:t>
+            </a:r>
+            <a:r>
+              <a:rPr lang="fr-FR"/>
+              <a:t> définie dans la classe. Avant d'appeler ou d'invoquer la méthode d'instance, il est nécessaire de créer un objet de sa classe. Voyons un exemple de méthode d'instance.</a:t>
+            </a:r>
+          </a:p>
+          <a:p>
+            <a:endParaRPr lang="fr-CI"/>
+          </a:p>
+          <a:p>
+            <a:endParaRPr lang="fr-CI"/>
           </a:p>
         </p:txBody>
       </p:sp>
       <p:pic>
         <p:nvPicPr>
-          <p:cNvPr id="10" name="Image 9">
+          <p:cNvPr id="9" name="Image 8">
             <a:extLst>
               <a:ext uri="{FF2B5EF4-FFF2-40B4-BE49-F238E27FC236}">
-                <a16:creationId xmlns:a16="http://schemas.microsoft.com/office/drawing/2014/main" id="{E604BF5A-6F31-4413-BC20-13EF626C317C}"/>
+                <a16:creationId xmlns:a16="http://schemas.microsoft.com/office/drawing/2014/main" id="{0C36CB52-3E28-4EAC-A19B-AFC9CE31B39D}"/>
               </a:ext>
             </a:extLst>
           </p:cNvPr>
@@ -5219,8 +5170,8 @@
         </p:blipFill>
         <p:spPr>
           <a:xfrm>
-            <a:off x="960434" y="1580436"/>
-            <a:ext cx="7170692" cy="4637484"/>
+            <a:off x="1538731" y="2841675"/>
+            <a:ext cx="5976877" cy="3874346"/>
           </a:xfrm>
           <a:prstGeom prst="rect">
             <a:avLst/>
@@ -5230,7 +5181,7 @@
     </p:spTree>
     <p:extLst>
       <p:ext uri="{BB962C8B-B14F-4D97-AF65-F5344CB8AC3E}">
-        <p14:creationId xmlns:p14="http://schemas.microsoft.com/office/powerpoint/2010/main" val="3539881733"/>
+        <p14:creationId xmlns:p14="http://schemas.microsoft.com/office/powerpoint/2010/main" val="508845081"/>
       </p:ext>
     </p:extLst>
   </p:cSld>
@@ -5281,7 +5232,7 @@
           <a:lstStyle/>
           <a:p>
             <a:r>
-              <a:rPr lang="fr-CA" sz="3600" cap="none" dirty="0">
+              <a:rPr lang="fr-CA" sz="3600" cap="none">
                 <a:solidFill>
                   <a:srgbClr val="FF0000"/>
                 </a:solidFill>
@@ -5375,7 +5326,7 @@
           <a:lstStyle/>
           <a:p>
             <a:r>
-              <a:rPr lang="fr-FR" sz="2000" b="1" dirty="0">
+              <a:rPr lang="fr-FR" sz="2000" b="1">
                 <a:effectLst>
                   <a:outerShdw blurRad="38100" dist="38100" dir="2700000" algn="tl">
                     <a:srgbClr val="000000">
@@ -5390,7 +5341,7 @@
             </a:r>
           </a:p>
           <a:p>
-            <a:endParaRPr lang="fr-FR" sz="2000" b="1" dirty="0">
+            <a:endParaRPr lang="fr-FR" sz="2000" b="1">
               <a:effectLst>
                 <a:outerShdw blurRad="38100" dist="38100" dir="2700000" algn="tl">
                   <a:srgbClr val="000000">
@@ -5404,31 +5355,31 @@
           </a:p>
           <a:p>
             <a:r>
-              <a:rPr lang="fr-FR" dirty="0"/>
+              <a:rPr lang="fr-FR"/>
               <a:t>La méthode de la classe est connue sous le nom de </a:t>
             </a:r>
             <a:r>
-              <a:rPr lang="fr-FR" b="1" dirty="0"/>
+              <a:rPr lang="fr-FR" b="1"/>
               <a:t>méthode d’instance. </a:t>
             </a:r>
             <a:r>
-              <a:rPr lang="fr-FR" dirty="0"/>
+              <a:rPr lang="fr-FR"/>
               <a:t>C'est une méthode </a:t>
             </a:r>
             <a:r>
-              <a:rPr lang="fr-FR" b="1" dirty="0"/>
+              <a:rPr lang="fr-FR" b="1"/>
               <a:t>non statique</a:t>
             </a:r>
             <a:r>
-              <a:rPr lang="fr-FR" dirty="0"/>
+              <a:rPr lang="fr-FR"/>
               <a:t> définie dans la classe. Avant d'appeler ou d'invoquer la méthode d'instance, il est nécessaire de créer un objet de sa classe. Voyons un exemple de méthode d'instance.</a:t>
             </a:r>
           </a:p>
           <a:p>
-            <a:endParaRPr lang="fr-CI" dirty="0"/>
-          </a:p>
-          <a:p>
-            <a:endParaRPr lang="fr-CI" dirty="0"/>
+            <a:endParaRPr lang="fr-CI"/>
+          </a:p>
+          <a:p>
+            <a:endParaRPr lang="fr-CI"/>
           </a:p>
         </p:txBody>
       </p:sp>
@@ -5471,7 +5422,7 @@
     </p:spTree>
     <p:extLst>
       <p:ext uri="{BB962C8B-B14F-4D97-AF65-F5344CB8AC3E}">
-        <p14:creationId xmlns:p14="http://schemas.microsoft.com/office/powerpoint/2010/main" val="508845081"/>
+        <p14:creationId xmlns:p14="http://schemas.microsoft.com/office/powerpoint/2010/main" val="1248191853"/>
       </p:ext>
     </p:extLst>
   </p:cSld>
@@ -5503,7 +5454,7 @@
       </p:grpSpPr>
       <p:sp>
         <p:nvSpPr>
-          <p:cNvPr id="2" name="Titre 1"/>
+          <p:cNvPr id="4" name="Titre 3"/>
           <p:cNvSpPr>
             <a:spLocks noGrp="1"/>
           </p:cNvSpPr>
@@ -5513,8 +5464,8 @@
         </p:nvSpPr>
         <p:spPr>
           <a:xfrm>
-            <a:off x="749258" y="136590"/>
-            <a:ext cx="7933016" cy="648072"/>
+            <a:off x="684213" y="99119"/>
+            <a:ext cx="8064500" cy="665585"/>
           </a:xfrm>
         </p:spPr>
         <p:txBody>
@@ -5522,452 +5473,714 @@
           <a:lstStyle/>
           <a:p>
             <a:r>
-              <a:rPr lang="fr-CA" sz="3600" cap="none" dirty="0">
+              <a:rPr lang="fr-CA">
                 <a:solidFill>
                   <a:srgbClr val="FF0000"/>
                 </a:solidFill>
                 <a:cs typeface="Arial"/>
               </a:rPr>
-              <a:t>HERITAGE</a:t>
-            </a:r>
-            <a:endParaRPr lang="fr-FR" dirty="0"/>
+              <a:t>ENCAPSULATION</a:t>
+            </a:r>
+            <a:endParaRPr lang="fr-CA">
+              <a:solidFill>
+                <a:srgbClr val="FF0000"/>
+              </a:solidFill>
+            </a:endParaRPr>
           </a:p>
         </p:txBody>
       </p:sp>
-      <p:pic>
-        <p:nvPicPr>
-          <p:cNvPr id="3" name="Image 1"/>
-          <p:cNvPicPr>
-            <a:picLocks noChangeAspect="1"/>
-          </p:cNvPicPr>
+      <p:sp>
+        <p:nvSpPr>
+          <p:cNvPr id="2" name="Rectangle 1"/>
+          <p:cNvSpPr/>
           <p:nvPr/>
-        </p:nvPicPr>
-        <p:blipFill>
-          <a:blip r:embed="rId2">
-            <a:extLst>
-              <a:ext uri="{28A0092B-C50C-407E-A947-70E740481C1C}">
-                <a14:useLocalDpi xmlns:a14="http://schemas.microsoft.com/office/drawing/2010/main" val="0"/>
-              </a:ext>
-            </a:extLst>
-          </a:blip>
-          <a:srcRect/>
-          <a:stretch>
-            <a:fillRect/>
-          </a:stretch>
-        </p:blipFill>
-        <p:spPr bwMode="auto">
+        </p:nvSpPr>
+        <p:spPr>
           <a:xfrm>
-            <a:off x="65088" y="6400800"/>
-            <a:ext cx="1554162" cy="396875"/>
+            <a:off x="420386" y="910497"/>
+            <a:ext cx="2125973" cy="461665"/>
           </a:xfrm>
           <a:prstGeom prst="rect">
             <a:avLst/>
           </a:prstGeom>
-          <a:noFill/>
+        </p:spPr>
+        <p:txBody>
+          <a:bodyPr wrap="square" lIns="91440" tIns="45720" rIns="91440" bIns="45720" anchor="t">
+            <a:spAutoFit/>
+          </a:bodyPr>
+          <a:lstStyle/>
+          <a:p>
+            <a:pPr marL="342900" indent="-342900">
+              <a:buFont typeface="Wingdings" panose="05000000000000000000" pitchFamily="2" charset="2"/>
+              <a:buChar char="q"/>
+            </a:pPr>
+            <a:r>
+              <a:rPr lang="fr-FR" sz="2400" b="1">
+                <a:solidFill>
+                  <a:srgbClr val="FF0000"/>
+                </a:solidFill>
+                <a:effectLst>
+                  <a:outerShdw blurRad="38100" dist="38100" dir="2700000" algn="tl">
+                    <a:srgbClr val="000000">
+                      <a:alpha val="43137"/>
+                    </a:srgbClr>
+                  </a:outerShdw>
+                </a:effectLst>
+                <a:latin typeface="Helvetica"/>
+                <a:ea typeface="ＭＳ Ｐゴシック"/>
+                <a:cs typeface="Helvetica"/>
+              </a:rPr>
+              <a:t>Definition</a:t>
+            </a:r>
+          </a:p>
+        </p:txBody>
+      </p:sp>
+      <p:sp>
+        <p:nvSpPr>
+          <p:cNvPr id="14" name="Rectangle 5"/>
+          <p:cNvSpPr>
+            <a:spLocks noChangeArrowheads="1"/>
+          </p:cNvSpPr>
+          <p:nvPr/>
+        </p:nvSpPr>
+        <p:spPr bwMode="auto">
+          <a:xfrm>
+            <a:off x="230036" y="1824091"/>
+            <a:ext cx="8908473" cy="2708434"/>
+          </a:xfrm>
+          <a:prstGeom prst="rect">
+            <a:avLst/>
+          </a:prstGeom>
+          <a:solidFill>
+            <a:srgbClr val="FFFFFF"/>
+          </a:solidFill>
           <a:ln>
             <a:noFill/>
           </a:ln>
+          <a:effectLst/>
           <a:extLst>
-            <a:ext uri="{909E8E84-426E-40DD-AFC4-6F175D3DCCD1}">
-              <a14:hiddenFill xmlns:a14="http://schemas.microsoft.com/office/drawing/2010/main">
-                <a:solidFill>
-                  <a:srgbClr val="FFFFFF"/>
-                </a:solidFill>
-              </a14:hiddenFill>
-            </a:ext>
             <a:ext uri="{91240B29-F687-4F45-9708-019B960494DF}">
               <a14:hiddenLine xmlns:a14="http://schemas.microsoft.com/office/drawing/2010/main" w="9525">
                 <a:solidFill>
-                  <a:srgbClr val="000000"/>
+                  <a:schemeClr val="tx1"/>
                 </a:solidFill>
                 <a:miter lim="800000"/>
                 <a:headEnd/>
                 <a:tailEnd/>
               </a14:hiddenLine>
             </a:ext>
+            <a:ext uri="{AF507438-7753-43E0-B8FC-AC1667EBCBE1}">
+              <a14:hiddenEffects xmlns:a14="http://schemas.microsoft.com/office/drawing/2010/main">
+                <a:effectLst>
+                  <a:outerShdw dist="35921" dir="2700000" algn="ctr" rotWithShape="0">
+                    <a:schemeClr val="bg2"/>
+                  </a:outerShdw>
+                </a:effectLst>
+              </a14:hiddenEffects>
+            </a:ext>
           </a:extLst>
         </p:spPr>
-      </p:pic>
-      <p:sp>
-        <p:nvSpPr>
-          <p:cNvPr id="4" name="ZoneTexte 1">
-            <a:extLst>
-              <a:ext uri="{FF2B5EF4-FFF2-40B4-BE49-F238E27FC236}">
-                <a16:creationId xmlns:a16="http://schemas.microsoft.com/office/drawing/2014/main" id="{6FBAF6AD-566D-D62D-E726-2197DB60B739}"/>
-              </a:ext>
-            </a:extLst>
-          </p:cNvPr>
-          <p:cNvSpPr txBox="1"/>
-          <p:nvPr/>
-        </p:nvSpPr>
-        <p:spPr>
-          <a:xfrm>
-            <a:off x="893936" y="975740"/>
-            <a:ext cx="6396397" cy="461665"/>
-          </a:xfrm>
-          <a:prstGeom prst="rect">
-            <a:avLst/>
-          </a:prstGeom>
-          <a:noFill/>
-        </p:spPr>
         <p:txBody>
-          <a:bodyPr rot="0" spcFirstLastPara="0" vert="horz" wrap="square" lIns="91440" tIns="45720" rIns="91440" bIns="45720" numCol="1" spcCol="0" rtlCol="0" fromWordArt="0" anchor="t" anchorCtr="0" forceAA="0" compatLnSpc="1">
+          <a:bodyPr vert="horz" wrap="square" lIns="91440" tIns="45720" rIns="91440" bIns="45720" numCol="1" anchor="ctr" anchorCtr="0" compatLnSpc="1">
             <a:prstTxWarp prst="textNoShape">
               <a:avLst/>
             </a:prstTxWarp>
             <a:spAutoFit/>
           </a:bodyPr>
-          <a:lstStyle>
-            <a:defPPr>
-              <a:defRPr lang="fr-CA"/>
-            </a:defPPr>
-            <a:lvl1pPr algn="l" rtl="0" fontAlgn="base">
+          <a:lstStyle/>
+          <a:p>
+            <a:pPr marL="0" marR="0" lvl="0" indent="0" algn="l" defTabSz="914400" rtl="0" eaLnBrk="0" fontAlgn="base" latinLnBrk="0" hangingPunct="0">
+              <a:lnSpc>
+                <a:spcPct val="100000"/>
+              </a:lnSpc>
               <a:spcBef>
                 <a:spcPct val="0"/>
               </a:spcBef>
               <a:spcAft>
                 <a:spcPct val="0"/>
               </a:spcAft>
-              <a:defRPr kern="1200">
-                <a:solidFill>
-                  <a:schemeClr val="tx1"/>
-                </a:solidFill>
-                <a:latin typeface="Arial" charset="0"/>
-                <a:ea typeface="ＭＳ Ｐゴシック" pitchFamily="34" charset="-128"/>
-                <a:cs typeface="+mn-cs"/>
-              </a:defRPr>
-            </a:lvl1pPr>
-            <a:lvl2pPr marL="457200" algn="l" rtl="0" fontAlgn="base">
+              <a:buClrTx/>
+              <a:buSzTx/>
+              <a:buFontTx/>
+              <a:buNone/>
+              <a:tabLst/>
+            </a:pPr>
+            <a:r>
+              <a:rPr kumimoji="0" lang="en-US" altLang="en-US" sz="2000" b="0" i="0" u="none" strike="noStrike" cap="none" normalizeH="0" baseline="0">
+                <a:ln>
+                  <a:noFill/>
+                </a:ln>
+                <a:solidFill>
+                  <a:srgbClr val="000000"/>
+                </a:solidFill>
+                <a:effectLst/>
+                <a:latin typeface="Helvetica"/>
+                <a:ea typeface="ＭＳ Ｐゴシック"/>
+                <a:cs typeface="Helvetica"/>
+              </a:rPr>
+              <a:t>La signification d' </a:t>
+            </a:r>
+            <a:r>
+              <a:rPr kumimoji="0" lang="en-US" altLang="en-US" sz="2000" b="1" i="0" u="none" strike="noStrike" cap="none" normalizeH="0" baseline="0">
+                <a:ln>
+                  <a:noFill/>
+                </a:ln>
+                <a:solidFill>
+                  <a:srgbClr val="000000"/>
+                </a:solidFill>
+                <a:effectLst/>
+                <a:latin typeface="Helvetica"/>
+                <a:ea typeface="ＭＳ Ｐゴシック"/>
+                <a:cs typeface="Helvetica"/>
+              </a:rPr>
+              <a:t>Encapsulation</a:t>
+            </a:r>
+            <a:r>
+              <a:rPr kumimoji="0" lang="en-US" altLang="en-US" sz="2000" b="0" i="0" u="none" strike="noStrike" cap="none" normalizeH="0" baseline="0">
+                <a:ln>
+                  <a:noFill/>
+                </a:ln>
+                <a:solidFill>
+                  <a:srgbClr val="000000"/>
+                </a:solidFill>
+                <a:effectLst/>
+                <a:latin typeface="Helvetica"/>
+                <a:ea typeface="ＭＳ Ｐゴシック"/>
+                <a:cs typeface="Helvetica"/>
+              </a:rPr>
+              <a:t> est de s'assurer que les données "sensibles" sont cachées aux utilisateurs. Pour y parvenir, vous devez :</a:t>
+            </a:r>
+            <a:endParaRPr lang="en-US" altLang="en-US" sz="2000" b="0" i="0" u="none" strike="noStrike" cap="none" normalizeH="0" baseline="0">
+              <a:ln>
+                <a:noFill/>
+              </a:ln>
+              <a:solidFill>
+                <a:srgbClr val="000000"/>
+              </a:solidFill>
+              <a:effectLst/>
+              <a:latin typeface="Helvetica"/>
+              <a:ea typeface="ＭＳ Ｐゴシック"/>
+              <a:cs typeface="Helvetica"/>
+            </a:endParaRPr>
+          </a:p>
+          <a:p>
+            <a:pPr marL="0" marR="0" lvl="0" indent="0" algn="l" defTabSz="914400" rtl="0" eaLnBrk="0" fontAlgn="base" latinLnBrk="0" hangingPunct="0">
+              <a:lnSpc>
+                <a:spcPct val="100000"/>
+              </a:lnSpc>
               <a:spcBef>
                 <a:spcPct val="0"/>
               </a:spcBef>
               <a:spcAft>
                 <a:spcPct val="0"/>
               </a:spcAft>
-              <a:defRPr kern="1200">
-                <a:solidFill>
-                  <a:schemeClr val="tx1"/>
-                </a:solidFill>
-                <a:latin typeface="Arial" charset="0"/>
-                <a:ea typeface="ＭＳ Ｐゴシック" pitchFamily="34" charset="-128"/>
-                <a:cs typeface="+mn-cs"/>
-              </a:defRPr>
-            </a:lvl2pPr>
-            <a:lvl3pPr marL="914400" algn="l" rtl="0" fontAlgn="base">
+              <a:buClrTx/>
+              <a:buSzTx/>
+              <a:buFontTx/>
+              <a:buNone/>
+              <a:tabLst/>
+            </a:pPr>
+            <a:endParaRPr lang="en-US" altLang="en-US" sz="2000" b="0" i="0" u="none" strike="noStrike" cap="none" normalizeH="0" baseline="0">
+              <a:ln>
+                <a:noFill/>
+              </a:ln>
+              <a:effectLst/>
+              <a:latin typeface="Helvetica" panose="020B0604020202020204" pitchFamily="34" charset="0"/>
+              <a:cs typeface="Helvetica" panose="020B0604020202020204" pitchFamily="34" charset="0"/>
+            </a:endParaRPr>
+          </a:p>
+          <a:p>
+            <a:pPr marL="285750" indent="-285750" eaLnBrk="0" hangingPunct="0">
+              <a:buFont typeface="Wingdings"/>
+              <a:buChar char="Ø"/>
+            </a:pPr>
+            <a:r>
+              <a:rPr lang="en-US" altLang="en-US" sz="2400">
+                <a:solidFill>
+                  <a:srgbClr val="000000"/>
+                </a:solidFill>
+                <a:latin typeface="Helvetica"/>
+                <a:ea typeface="ＭＳ Ｐゴシック"/>
+                <a:cs typeface="Helvetica"/>
+              </a:rPr>
+              <a:t>Declarer</a:t>
+            </a:r>
+            <a:r>
+              <a:rPr kumimoji="0" lang="en-US" altLang="en-US" sz="2400" b="0" i="0" u="none" strike="noStrike" cap="none" normalizeH="0" baseline="0">
+                <a:ln>
+                  <a:noFill/>
+                </a:ln>
+                <a:solidFill>
+                  <a:srgbClr val="000000"/>
+                </a:solidFill>
+                <a:effectLst/>
+                <a:latin typeface="Helvetica"/>
+                <a:ea typeface="ＭＳ Ｐゴシック"/>
+                <a:cs typeface="Helvetica"/>
+              </a:rPr>
+              <a:t> les </a:t>
+            </a:r>
+            <a:r>
+              <a:rPr kumimoji="0" lang="en-US" altLang="en-US" sz="2400" b="1" i="0" u="none" strike="noStrike" cap="none" normalizeH="0" baseline="0">
+                <a:ln>
+                  <a:noFill/>
+                </a:ln>
+                <a:solidFill>
+                  <a:srgbClr val="000000"/>
+                </a:solidFill>
+                <a:effectLst/>
+                <a:latin typeface="Helvetica"/>
+                <a:ea typeface="ＭＳ Ｐゴシック"/>
+                <a:cs typeface="Helvetica"/>
+              </a:rPr>
+              <a:t>variables/</a:t>
+            </a:r>
+            <a:r>
+              <a:rPr kumimoji="0" lang="en-US" altLang="en-US" sz="2400" b="1" i="0" u="none" strike="noStrike" cap="none" normalizeH="0" baseline="0" err="1">
+                <a:ln>
+                  <a:noFill/>
+                </a:ln>
+                <a:solidFill>
+                  <a:srgbClr val="000000"/>
+                </a:solidFill>
+                <a:effectLst/>
+                <a:latin typeface="Helvetica"/>
+                <a:ea typeface="ＭＳ Ｐゴシック"/>
+                <a:cs typeface="Helvetica"/>
+              </a:rPr>
+              <a:t>attributs</a:t>
+            </a:r>
+            <a:r>
+              <a:rPr kumimoji="0" lang="en-US" altLang="en-US" sz="2400" b="0" i="0" u="none" strike="noStrike" cap="none" normalizeH="0" baseline="0">
+                <a:ln>
+                  <a:noFill/>
+                </a:ln>
+                <a:solidFill>
+                  <a:srgbClr val="000000"/>
+                </a:solidFill>
+                <a:effectLst/>
+                <a:latin typeface="Helvetica"/>
+                <a:ea typeface="ＭＳ Ｐゴシック"/>
+                <a:cs typeface="Helvetica"/>
+              </a:rPr>
+              <a:t> de </a:t>
+            </a:r>
+            <a:r>
+              <a:rPr lang="en-US" altLang="en-US" sz="2400">
+                <a:solidFill>
+                  <a:srgbClr val="000000"/>
+                </a:solidFill>
+                <a:latin typeface="Helvetica"/>
+                <a:ea typeface="ＭＳ Ｐゴシック"/>
+                <a:cs typeface="Helvetica"/>
+              </a:rPr>
+              <a:t>la </a:t>
+            </a:r>
+            <a:r>
+              <a:rPr lang="en-US" altLang="en-US" sz="2400" err="1">
+                <a:solidFill>
+                  <a:srgbClr val="000000"/>
+                </a:solidFill>
+                <a:latin typeface="Helvetica"/>
+                <a:ea typeface="ＭＳ Ｐゴシック"/>
+                <a:cs typeface="Helvetica"/>
+              </a:rPr>
+              <a:t>classe</a:t>
+            </a:r>
+            <a:r>
+              <a:rPr kumimoji="0" lang="en-US" altLang="en-US" sz="2400" b="0" i="0" u="none" strike="noStrike" cap="none" normalizeH="0" baseline="0">
+                <a:ln>
+                  <a:noFill/>
+                </a:ln>
+                <a:solidFill>
+                  <a:srgbClr val="000000"/>
+                </a:solidFill>
+                <a:effectLst/>
+                <a:latin typeface="Helvetica"/>
+                <a:ea typeface="ＭＳ Ｐゴシック"/>
+                <a:cs typeface="Helvetica"/>
+              </a:rPr>
+              <a:t> </a:t>
+            </a:r>
+            <a:r>
+              <a:rPr kumimoji="0" lang="en-US" altLang="en-US" sz="2400" b="0" i="0" u="none" strike="noStrike" cap="none" normalizeH="0" baseline="0" err="1">
+                <a:ln>
+                  <a:noFill/>
+                </a:ln>
+                <a:solidFill>
+                  <a:srgbClr val="000000"/>
+                </a:solidFill>
+                <a:effectLst/>
+                <a:latin typeface="Helvetica"/>
+                <a:ea typeface="ＭＳ Ｐゴシック"/>
+                <a:cs typeface="Helvetica"/>
+              </a:rPr>
+              <a:t>comme</a:t>
+            </a:r>
+            <a:r>
+              <a:rPr kumimoji="0" lang="en-US" altLang="en-US" sz="2400" b="0" i="0" u="none" strike="noStrike" cap="none" normalizeH="0" baseline="0">
+                <a:ln>
+                  <a:noFill/>
+                </a:ln>
+                <a:solidFill>
+                  <a:srgbClr val="000000"/>
+                </a:solidFill>
+                <a:effectLst/>
+                <a:latin typeface="Helvetica"/>
+                <a:ea typeface="ＭＳ Ｐゴシック"/>
+                <a:cs typeface="Helvetica"/>
+              </a:rPr>
+              <a:t> </a:t>
+            </a:r>
+            <a:r>
+              <a:rPr kumimoji="0" lang="en-US" altLang="en-US" sz="2400" b="1" i="0" u="none" strike="noStrike" cap="none" normalizeH="0" baseline="0">
+                <a:ln>
+                  <a:noFill/>
+                </a:ln>
+                <a:solidFill>
+                  <a:srgbClr val="DC143C"/>
+                </a:solidFill>
+                <a:effectLst/>
+                <a:latin typeface="Helvetica"/>
+                <a:ea typeface="ＭＳ Ｐゴシック"/>
+                <a:cs typeface="Helvetica"/>
+              </a:rPr>
+              <a:t>private</a:t>
+            </a:r>
+            <a:endParaRPr lang="en-US" altLang="en-US" sz="2400" b="1" i="0" u="none" strike="noStrike" cap="none" normalizeH="0" baseline="0">
+              <a:ln>
+                <a:noFill/>
+              </a:ln>
+              <a:solidFill>
+                <a:srgbClr val="000000"/>
+              </a:solidFill>
+              <a:effectLst/>
+              <a:latin typeface="Helvetica"/>
+              <a:ea typeface="ＭＳ Ｐゴシック"/>
+              <a:cs typeface="Helvetica"/>
+            </a:endParaRPr>
+          </a:p>
+          <a:p>
+            <a:pPr marL="285750" marR="0" lvl="0" indent="-285750" algn="l" defTabSz="914400" rtl="0" eaLnBrk="0" fontAlgn="base" latinLnBrk="0" hangingPunct="0">
+              <a:lnSpc>
+                <a:spcPct val="100000"/>
+              </a:lnSpc>
               <a:spcBef>
                 <a:spcPct val="0"/>
               </a:spcBef>
               <a:spcAft>
                 <a:spcPct val="0"/>
               </a:spcAft>
-              <a:defRPr kern="1200">
-                <a:solidFill>
-                  <a:schemeClr val="tx1"/>
-                </a:solidFill>
-                <a:latin typeface="Arial" charset="0"/>
-                <a:ea typeface="ＭＳ Ｐゴシック" pitchFamily="34" charset="-128"/>
-                <a:cs typeface="+mn-cs"/>
-              </a:defRPr>
-            </a:lvl3pPr>
-            <a:lvl4pPr marL="1371600" algn="l" rtl="0" fontAlgn="base">
+              <a:buClrTx/>
+              <a:buSzTx/>
+              <a:buFont typeface="Wingdings"/>
+              <a:buChar char="Ø"/>
+              <a:tabLst/>
+            </a:pPr>
+            <a:r>
+              <a:rPr kumimoji="0" lang="en-US" altLang="en-US" sz="2400" b="0" i="0" u="none" strike="noStrike" cap="none" normalizeH="0" baseline="0">
+                <a:ln>
+                  <a:noFill/>
+                </a:ln>
+                <a:solidFill>
+                  <a:srgbClr val="000000"/>
+                </a:solidFill>
+                <a:effectLst/>
+                <a:latin typeface="Helvetica"/>
+                <a:ea typeface="ＭＳ Ｐゴシック"/>
+                <a:cs typeface="Helvetica"/>
+              </a:rPr>
+              <a:t>fournir des méthodes publiques </a:t>
+            </a:r>
+            <a:r>
+              <a:rPr kumimoji="0" lang="en-US" altLang="en-US" sz="2400" b="1" i="0" u="none" strike="noStrike" cap="none" normalizeH="0" baseline="0">
+                <a:ln>
+                  <a:noFill/>
+                </a:ln>
+                <a:solidFill>
+                  <a:srgbClr val="000000"/>
+                </a:solidFill>
+                <a:effectLst/>
+                <a:latin typeface="Helvetica"/>
+                <a:ea typeface="ＭＳ Ｐゴシック"/>
+                <a:cs typeface="Helvetica"/>
+              </a:rPr>
+              <a:t>get</a:t>
+            </a:r>
+            <a:r>
+              <a:rPr kumimoji="0" lang="en-US" altLang="en-US" sz="2400" b="0" i="0" u="none" strike="noStrike" cap="none" normalizeH="0" baseline="0">
+                <a:ln>
+                  <a:noFill/>
+                </a:ln>
+                <a:solidFill>
+                  <a:srgbClr val="000000"/>
+                </a:solidFill>
+                <a:effectLst/>
+                <a:latin typeface="Helvetica"/>
+                <a:ea typeface="ＭＳ Ｐゴシック"/>
+                <a:cs typeface="Helvetica"/>
+              </a:rPr>
+              <a:t> et </a:t>
+            </a:r>
+            <a:r>
+              <a:rPr kumimoji="0" lang="en-US" altLang="en-US" sz="2400" b="1" i="0" u="none" strike="noStrike" cap="none" normalizeH="0" baseline="0">
+                <a:ln>
+                  <a:noFill/>
+                </a:ln>
+                <a:solidFill>
+                  <a:srgbClr val="000000"/>
+                </a:solidFill>
+                <a:effectLst/>
+                <a:latin typeface="Helvetica"/>
+                <a:ea typeface="ＭＳ Ｐゴシック"/>
+                <a:cs typeface="Helvetica"/>
+              </a:rPr>
+              <a:t>set </a:t>
+            </a:r>
+            <a:r>
+              <a:rPr kumimoji="0" lang="en-US" altLang="en-US" sz="2400" b="1" i="0" u="none" strike="noStrike" cap="none" normalizeH="0" baseline="0">
+                <a:ln>
+                  <a:noFill/>
+                </a:ln>
+                <a:solidFill>
+                  <a:srgbClr val="DC143C"/>
+                </a:solidFill>
+                <a:effectLst/>
+                <a:latin typeface="Helvetica"/>
+                <a:ea typeface="ＭＳ Ｐゴシック"/>
+                <a:cs typeface="Helvetica"/>
+              </a:rPr>
+              <a:t>private</a:t>
+            </a:r>
+            <a:r>
+              <a:rPr kumimoji="0" lang="en-US" altLang="en-US" sz="2400" b="1" i="0" u="none" strike="noStrike" cap="none" normalizeH="0" baseline="0">
+                <a:ln>
+                  <a:noFill/>
+                </a:ln>
+                <a:solidFill>
+                  <a:srgbClr val="000000"/>
+                </a:solidFill>
+                <a:effectLst/>
+                <a:latin typeface="Helvetica"/>
+                <a:ea typeface="ＭＳ Ｐゴシック"/>
+                <a:cs typeface="Helvetica"/>
+              </a:rPr>
+              <a:t> </a:t>
+            </a:r>
+            <a:r>
+              <a:rPr kumimoji="0" lang="en-US" altLang="en-US" sz="2400" b="0" i="0" u="none" strike="noStrike" cap="none" normalizeH="0" baseline="0">
+                <a:ln>
+                  <a:noFill/>
+                </a:ln>
+                <a:solidFill>
+                  <a:srgbClr val="000000"/>
+                </a:solidFill>
+                <a:effectLst/>
+                <a:latin typeface="Helvetica"/>
+                <a:ea typeface="ＭＳ Ｐゴシック"/>
+                <a:cs typeface="Helvetica"/>
+              </a:rPr>
+              <a:t>pour accéder et mettre à jour la valeur d'une variable</a:t>
+            </a:r>
+            <a:endParaRPr lang="en-US" altLang="en-US" sz="2400" b="0" i="0" u="none" strike="noStrike" cap="none" normalizeH="0" baseline="0">
+              <a:ln>
+                <a:noFill/>
+              </a:ln>
+              <a:solidFill>
+                <a:srgbClr val="000000"/>
+              </a:solidFill>
+              <a:effectLst/>
+              <a:latin typeface="Helvetica"/>
+              <a:ea typeface="ＭＳ Ｐゴシック"/>
+              <a:cs typeface="Helvetica"/>
+            </a:endParaRPr>
+          </a:p>
+          <a:p>
+            <a:pPr marL="0" marR="0" lvl="0" indent="0" algn="l" defTabSz="914400" rtl="0" eaLnBrk="0" fontAlgn="base" latinLnBrk="0" hangingPunct="0">
+              <a:lnSpc>
+                <a:spcPct val="100000"/>
+              </a:lnSpc>
               <a:spcBef>
                 <a:spcPct val="0"/>
               </a:spcBef>
               <a:spcAft>
                 <a:spcPct val="0"/>
               </a:spcAft>
-              <a:defRPr kern="1200">
+              <a:buClrTx/>
+              <a:buSzTx/>
+              <a:buFontTx/>
+              <a:buNone/>
+              <a:tabLst/>
+            </a:pPr>
+            <a:br>
+              <a:rPr kumimoji="0" lang="en-US" altLang="en-US" b="0" i="0" u="none" strike="noStrike" cap="none" normalizeH="0" baseline="0">
+                <a:ln>
+                  <a:noFill/>
+                </a:ln>
                 <a:solidFill>
                   <a:schemeClr val="tx1"/>
                 </a:solidFill>
-                <a:latin typeface="Arial" charset="0"/>
-                <a:ea typeface="ＭＳ Ｐゴシック" pitchFamily="34" charset="-128"/>
-                <a:cs typeface="+mn-cs"/>
-              </a:defRPr>
-            </a:lvl4pPr>
-            <a:lvl5pPr marL="1828800" algn="l" rtl="0" fontAlgn="base">
-              <a:spcBef>
-                <a:spcPct val="0"/>
-              </a:spcBef>
-              <a:spcAft>
-                <a:spcPct val="0"/>
-              </a:spcAft>
-              <a:defRPr kern="1200">
-                <a:solidFill>
-                  <a:schemeClr val="tx1"/>
-                </a:solidFill>
-                <a:latin typeface="Arial" charset="0"/>
-                <a:ea typeface="ＭＳ Ｐゴシック" pitchFamily="34" charset="-128"/>
-                <a:cs typeface="+mn-cs"/>
-              </a:defRPr>
-            </a:lvl5pPr>
-            <a:lvl6pPr marL="2286000" algn="l" defTabSz="914400" rtl="0" eaLnBrk="1" latinLnBrk="0" hangingPunct="1">
-              <a:defRPr kern="1200">
-                <a:solidFill>
-                  <a:schemeClr val="tx1"/>
-                </a:solidFill>
-                <a:latin typeface="Arial" charset="0"/>
-                <a:ea typeface="ＭＳ Ｐゴシック" pitchFamily="34" charset="-128"/>
-                <a:cs typeface="+mn-cs"/>
-              </a:defRPr>
-            </a:lvl6pPr>
-            <a:lvl7pPr marL="2743200" algn="l" defTabSz="914400" rtl="0" eaLnBrk="1" latinLnBrk="0" hangingPunct="1">
-              <a:defRPr kern="1200">
-                <a:solidFill>
-                  <a:schemeClr val="tx1"/>
-                </a:solidFill>
-                <a:latin typeface="Arial" charset="0"/>
-                <a:ea typeface="ＭＳ Ｐゴシック" pitchFamily="34" charset="-128"/>
-                <a:cs typeface="+mn-cs"/>
-              </a:defRPr>
-            </a:lvl7pPr>
-            <a:lvl8pPr marL="3200400" algn="l" defTabSz="914400" rtl="0" eaLnBrk="1" latinLnBrk="0" hangingPunct="1">
-              <a:defRPr kern="1200">
-                <a:solidFill>
-                  <a:schemeClr val="tx1"/>
-                </a:solidFill>
-                <a:latin typeface="Arial" charset="0"/>
-                <a:ea typeface="ＭＳ Ｐゴシック" pitchFamily="34" charset="-128"/>
-                <a:cs typeface="+mn-cs"/>
-              </a:defRPr>
-            </a:lvl8pPr>
-            <a:lvl9pPr marL="3657600" algn="l" defTabSz="914400" rtl="0" eaLnBrk="1" latinLnBrk="0" hangingPunct="1">
-              <a:defRPr kern="1200">
-                <a:solidFill>
-                  <a:schemeClr val="tx1"/>
-                </a:solidFill>
-                <a:latin typeface="Arial" charset="0"/>
-                <a:ea typeface="ＭＳ Ｐゴシック" pitchFamily="34" charset="-128"/>
-                <a:cs typeface="+mn-cs"/>
-              </a:defRPr>
-            </a:lvl9pPr>
-          </a:lstStyle>
-          <a:p>
-            <a:pPr marL="342900" indent="-342900" algn="just">
-              <a:buFont typeface="Wingdings"/>
-              <a:buChar char="q"/>
-            </a:pPr>
-            <a:r>
-              <a:rPr lang="fr-FR" sz="2400" dirty="0">
-                <a:solidFill>
-                  <a:srgbClr val="FF0000"/>
-                </a:solidFill>
-                <a:latin typeface="Arial"/>
-                <a:ea typeface="ＭＳ Ｐゴシック"/>
-                <a:cs typeface="Arial"/>
-              </a:rPr>
-              <a:t>Définition</a:t>
-            </a:r>
-            <a:endParaRPr lang="fr-FR" dirty="0">
-              <a:solidFill>
-                <a:srgbClr val="FF0000"/>
-              </a:solidFill>
+                <a:effectLst/>
+                <a:latin typeface="Helvetica" panose="020B0604020202020204" pitchFamily="34" charset="0"/>
+                <a:cs typeface="Helvetica" panose="020B0604020202020204" pitchFamily="34" charset="0"/>
+              </a:rPr>
+            </a:br>
+            <a:endParaRPr lang="en-US" altLang="en-US" sz="2000" b="0" i="0" u="none" strike="noStrike" cap="none" normalizeH="0" baseline="0">
+              <a:ln>
+                <a:noFill/>
+              </a:ln>
+              <a:effectLst/>
+              <a:latin typeface="Helvetica" panose="020B0604020202020204" pitchFamily="34" charset="0"/>
+              <a:cs typeface="Helvetica" panose="020B0604020202020204" pitchFamily="34" charset="0"/>
             </a:endParaRPr>
           </a:p>
         </p:txBody>
       </p:sp>
       <p:sp>
         <p:nvSpPr>
-          <p:cNvPr id="6" name="ZoneTexte 1">
-            <a:extLst>
-              <a:ext uri="{FF2B5EF4-FFF2-40B4-BE49-F238E27FC236}">
-                <a16:creationId xmlns:a16="http://schemas.microsoft.com/office/drawing/2014/main" id="{E80B6219-9B66-278D-74E7-C14FF08DBF5F}"/>
-              </a:ext>
-            </a:extLst>
-          </p:cNvPr>
-          <p:cNvSpPr txBox="1"/>
+          <p:cNvPr id="15" name="Rectangle 6"/>
+          <p:cNvSpPr>
+            <a:spLocks noChangeArrowheads="1"/>
+          </p:cNvSpPr>
           <p:nvPr/>
         </p:nvSpPr>
-        <p:spPr>
+        <p:spPr bwMode="auto">
           <a:xfrm>
-            <a:off x="952152" y="2436358"/>
-            <a:ext cx="7737521" cy="1938992"/>
+            <a:off x="287546" y="4753277"/>
+            <a:ext cx="8465127" cy="830997"/>
           </a:xfrm>
           <a:prstGeom prst="rect">
             <a:avLst/>
           </a:prstGeom>
-          <a:noFill/>
+          <a:solidFill>
+            <a:srgbClr val="FFFFFF"/>
+          </a:solidFill>
+          <a:ln>
+            <a:noFill/>
+          </a:ln>
+          <a:effectLst/>
+          <a:extLst>
+            <a:ext uri="{91240B29-F687-4F45-9708-019B960494DF}">
+              <a14:hiddenLine xmlns:a14="http://schemas.microsoft.com/office/drawing/2010/main" w="9525">
+                <a:solidFill>
+                  <a:schemeClr val="tx1"/>
+                </a:solidFill>
+                <a:miter lim="800000"/>
+                <a:headEnd/>
+                <a:tailEnd/>
+              </a14:hiddenLine>
+            </a:ext>
+            <a:ext uri="{AF507438-7753-43E0-B8FC-AC1667EBCBE1}">
+              <a14:hiddenEffects xmlns:a14="http://schemas.microsoft.com/office/drawing/2010/main">
+                <a:effectLst>
+                  <a:outerShdw dist="35921" dir="2700000" algn="ctr" rotWithShape="0">
+                    <a:schemeClr val="bg2"/>
+                  </a:outerShdw>
+                </a:effectLst>
+              </a14:hiddenEffects>
+            </a:ext>
+          </a:extLst>
         </p:spPr>
         <p:txBody>
-          <a:bodyPr rot="0" spcFirstLastPara="0" vert="horz" wrap="square" lIns="91440" tIns="45720" rIns="91440" bIns="45720" numCol="1" spcCol="0" rtlCol="0" fromWordArt="0" anchor="t" anchorCtr="0" forceAA="0" compatLnSpc="1">
+          <a:bodyPr vert="horz" wrap="square" lIns="91440" tIns="45720" rIns="91440" bIns="45720" numCol="1" anchor="ctr" anchorCtr="0" compatLnSpc="1">
             <a:prstTxWarp prst="textNoShape">
               <a:avLst/>
             </a:prstTxWarp>
             <a:spAutoFit/>
           </a:bodyPr>
-          <a:lstStyle>
-            <a:defPPr>
-              <a:defRPr lang="fr-CA"/>
-            </a:defPPr>
-            <a:lvl1pPr algn="l" rtl="0" fontAlgn="base">
-              <a:spcBef>
-                <a:spcPct val="0"/>
-              </a:spcBef>
-              <a:spcAft>
-                <a:spcPct val="0"/>
-              </a:spcAft>
-              <a:defRPr kern="1200">
-                <a:solidFill>
-                  <a:schemeClr val="tx1"/>
-                </a:solidFill>
-                <a:latin typeface="Arial" charset="0"/>
-                <a:ea typeface="ＭＳ Ｐゴシック" pitchFamily="34" charset="-128"/>
-                <a:cs typeface="+mn-cs"/>
-              </a:defRPr>
-            </a:lvl1pPr>
-            <a:lvl2pPr marL="457200" algn="l" rtl="0" fontAlgn="base">
-              <a:spcBef>
-                <a:spcPct val="0"/>
-              </a:spcBef>
-              <a:spcAft>
-                <a:spcPct val="0"/>
-              </a:spcAft>
-              <a:defRPr kern="1200">
-                <a:solidFill>
-                  <a:schemeClr val="tx1"/>
-                </a:solidFill>
-                <a:latin typeface="Arial" charset="0"/>
-                <a:ea typeface="ＭＳ Ｐゴシック" pitchFamily="34" charset="-128"/>
-                <a:cs typeface="+mn-cs"/>
-              </a:defRPr>
-            </a:lvl2pPr>
-            <a:lvl3pPr marL="914400" algn="l" rtl="0" fontAlgn="base">
-              <a:spcBef>
-                <a:spcPct val="0"/>
-              </a:spcBef>
-              <a:spcAft>
-                <a:spcPct val="0"/>
-              </a:spcAft>
-              <a:defRPr kern="1200">
-                <a:solidFill>
-                  <a:schemeClr val="tx1"/>
-                </a:solidFill>
-                <a:latin typeface="Arial" charset="0"/>
-                <a:ea typeface="ＭＳ Ｐゴシック" pitchFamily="34" charset="-128"/>
-                <a:cs typeface="+mn-cs"/>
-              </a:defRPr>
-            </a:lvl3pPr>
-            <a:lvl4pPr marL="1371600" algn="l" rtl="0" fontAlgn="base">
-              <a:spcBef>
-                <a:spcPct val="0"/>
-              </a:spcBef>
-              <a:spcAft>
-                <a:spcPct val="0"/>
-              </a:spcAft>
-              <a:defRPr kern="1200">
-                <a:solidFill>
-                  <a:schemeClr val="tx1"/>
-                </a:solidFill>
-                <a:latin typeface="Arial" charset="0"/>
-                <a:ea typeface="ＭＳ Ｐゴシック" pitchFamily="34" charset="-128"/>
-                <a:cs typeface="+mn-cs"/>
-              </a:defRPr>
-            </a:lvl4pPr>
-            <a:lvl5pPr marL="1828800" algn="l" rtl="0" fontAlgn="base">
-              <a:spcBef>
-                <a:spcPct val="0"/>
-              </a:spcBef>
-              <a:spcAft>
-                <a:spcPct val="0"/>
-              </a:spcAft>
-              <a:defRPr kern="1200">
-                <a:solidFill>
-                  <a:schemeClr val="tx1"/>
-                </a:solidFill>
-                <a:latin typeface="Arial" charset="0"/>
-                <a:ea typeface="ＭＳ Ｐゴシック" pitchFamily="34" charset="-128"/>
-                <a:cs typeface="+mn-cs"/>
-              </a:defRPr>
-            </a:lvl5pPr>
-            <a:lvl6pPr marL="2286000" algn="l" defTabSz="914400" rtl="0" eaLnBrk="1" latinLnBrk="0" hangingPunct="1">
-              <a:defRPr kern="1200">
-                <a:solidFill>
-                  <a:schemeClr val="tx1"/>
-                </a:solidFill>
-                <a:latin typeface="Arial" charset="0"/>
-                <a:ea typeface="ＭＳ Ｐゴシック" pitchFamily="34" charset="-128"/>
-                <a:cs typeface="+mn-cs"/>
-              </a:defRPr>
-            </a:lvl6pPr>
-            <a:lvl7pPr marL="2743200" algn="l" defTabSz="914400" rtl="0" eaLnBrk="1" latinLnBrk="0" hangingPunct="1">
-              <a:defRPr kern="1200">
-                <a:solidFill>
-                  <a:schemeClr val="tx1"/>
-                </a:solidFill>
-                <a:latin typeface="Arial" charset="0"/>
-                <a:ea typeface="ＭＳ Ｐゴシック" pitchFamily="34" charset="-128"/>
-                <a:cs typeface="+mn-cs"/>
-              </a:defRPr>
-            </a:lvl7pPr>
-            <a:lvl8pPr marL="3200400" algn="l" defTabSz="914400" rtl="0" eaLnBrk="1" latinLnBrk="0" hangingPunct="1">
-              <a:defRPr kern="1200">
-                <a:solidFill>
-                  <a:schemeClr val="tx1"/>
-                </a:solidFill>
-                <a:latin typeface="Arial" charset="0"/>
-                <a:ea typeface="ＭＳ Ｐゴシック" pitchFamily="34" charset="-128"/>
-                <a:cs typeface="+mn-cs"/>
-              </a:defRPr>
-            </a:lvl8pPr>
-            <a:lvl9pPr marL="3657600" algn="l" defTabSz="914400" rtl="0" eaLnBrk="1" latinLnBrk="0" hangingPunct="1">
-              <a:defRPr kern="1200">
-                <a:solidFill>
-                  <a:schemeClr val="tx1"/>
-                </a:solidFill>
-                <a:latin typeface="Arial" charset="0"/>
-                <a:ea typeface="ＭＳ Ｐゴシック" pitchFamily="34" charset="-128"/>
-                <a:cs typeface="+mn-cs"/>
-              </a:defRPr>
-            </a:lvl9pPr>
-          </a:lstStyle>
-          <a:p>
-            <a:pPr marL="285750" indent="-285750" algn="just">
-              <a:buFont typeface="Arial"/>
-              <a:buChar char="•"/>
-            </a:pPr>
-            <a:r>
-              <a:rPr lang="fr-FR" sz="2000" b="1">
-                <a:latin typeface="Arial"/>
+          <a:lstStyle/>
+          <a:p>
+            <a:pPr eaLnBrk="0" hangingPunct="0"/>
+            <a:r>
+              <a:rPr kumimoji="0" lang="en-US" altLang="en-US" sz="2400" b="0" i="0" u="none" strike="noStrike" cap="none" normalizeH="0" baseline="0">
+                <a:ln>
+                  <a:noFill/>
+                </a:ln>
+                <a:solidFill>
+                  <a:srgbClr val="000000"/>
+                </a:solidFill>
+                <a:effectLst/>
+                <a:latin typeface="Helvetica"/>
                 <a:ea typeface="ＭＳ Ｐゴシック"/>
-                <a:cs typeface="Arial"/>
-              </a:rPr>
-              <a:t>L'héritage en Java </a:t>
-            </a:r>
-            <a:r>
-              <a:rPr lang="fr-FR" sz="2000">
-                <a:latin typeface="Arial"/>
+                <a:cs typeface="Helvetica"/>
+              </a:rPr>
+              <a:t>La </a:t>
+            </a:r>
+            <a:r>
+              <a:rPr kumimoji="0" lang="en-US" altLang="en-US" sz="2400" b="0" i="0" u="none" strike="noStrike" cap="none" normalizeH="0" baseline="0">
+                <a:ln>
+                  <a:noFill/>
+                </a:ln>
+                <a:solidFill>
+                  <a:srgbClr val="DC143C"/>
+                </a:solidFill>
+                <a:effectLst/>
+                <a:latin typeface="Helvetica"/>
                 <a:ea typeface="ＭＳ Ｐゴシック"/>
-                <a:cs typeface="Arial"/>
-              </a:rPr>
-              <a:t>est un mécanisme dans lequel un objet acquiert toutes les propriétés et les fonctionnalités d'un autre Objet (parent)</a:t>
-            </a:r>
-          </a:p>
-          <a:p>
-            <a:pPr algn="just"/>
-            <a:endParaRPr lang="fr-FR" sz="2000">
-              <a:latin typeface="Arial"/>
-              <a:ea typeface="ＭＳ Ｐゴシック"/>
-              <a:cs typeface="Arial"/>
-            </a:endParaRPr>
-          </a:p>
-          <a:p>
-            <a:pPr marL="285750" indent="-285750" algn="just">
-              <a:buFont typeface="Arial"/>
-              <a:buChar char="•"/>
-            </a:pPr>
-            <a:r>
-              <a:rPr lang="fr-FR" sz="2000">
-                <a:latin typeface="Arial"/>
+                <a:cs typeface="Helvetica"/>
+              </a:rPr>
+              <a:t>get </a:t>
+            </a:r>
+            <a:r>
+              <a:rPr kumimoji="0" lang="en-US" altLang="en-US" sz="2400" b="0" i="0" u="none" strike="noStrike" cap="none" normalizeH="0" baseline="0">
+                <a:ln>
+                  <a:noFill/>
+                </a:ln>
+                <a:solidFill>
+                  <a:srgbClr val="000000"/>
+                </a:solidFill>
+                <a:effectLst/>
+                <a:latin typeface="Helvetica"/>
                 <a:ea typeface="ＭＳ Ｐゴシック"/>
-                <a:cs typeface="Arial"/>
-              </a:rPr>
-              <a:t>Il représente la relation "EST-UN" </a:t>
-            </a:r>
-          </a:p>
-          <a:p>
-            <a:pPr algn="l"/>
-            <a:endParaRPr lang="fr-FR" sz="2000">
-              <a:cs typeface="Arial"/>
+                <a:cs typeface="Helvetica"/>
+              </a:rPr>
+              <a:t>méthode renvoie la valeur de la variable et la </a:t>
+            </a:r>
+            <a:r>
+              <a:rPr kumimoji="0" lang="en-US" altLang="en-US" sz="2400" b="0" i="0" u="none" strike="noStrike" cap="none" normalizeH="0" baseline="0">
+                <a:ln>
+                  <a:noFill/>
+                </a:ln>
+                <a:solidFill>
+                  <a:srgbClr val="DC143C"/>
+                </a:solidFill>
+                <a:effectLst/>
+                <a:latin typeface="Helvetica"/>
+                <a:ea typeface="ＭＳ Ｐゴシック"/>
+                <a:cs typeface="Helvetica"/>
+              </a:rPr>
+              <a:t>set </a:t>
+            </a:r>
+            <a:r>
+              <a:rPr kumimoji="0" lang="en-US" altLang="en-US" sz="2400" b="0" i="0" u="none" strike="noStrike" cap="none" normalizeH="0" baseline="0">
+                <a:ln>
+                  <a:noFill/>
+                </a:ln>
+                <a:solidFill>
+                  <a:srgbClr val="000000"/>
+                </a:solidFill>
+                <a:effectLst/>
+                <a:latin typeface="Helvetica"/>
+                <a:ea typeface="ＭＳ Ｐゴシック"/>
+                <a:cs typeface="Helvetica"/>
+              </a:rPr>
+              <a:t>méthode définit la valeur</a:t>
+            </a:r>
+            <a:r>
+              <a:rPr lang="en-US" altLang="en-US" sz="2400">
+                <a:latin typeface="Helvetica"/>
+                <a:ea typeface="ＭＳ Ｐゴシック"/>
+                <a:cs typeface="Helvetica"/>
+              </a:rPr>
+              <a:t> </a:t>
+            </a:r>
+            <a:endParaRPr lang="en-US" altLang="en-US" sz="2400" b="0" i="0" u="none" strike="noStrike" cap="none" normalizeH="0" baseline="0">
+              <a:ln>
+                <a:noFill/>
+              </a:ln>
+              <a:effectLst/>
+              <a:latin typeface="Helvetica" panose="020B0604020202020204" pitchFamily="34" charset="0"/>
+              <a:cs typeface="Helvetica" panose="020B0604020202020204" pitchFamily="34" charset="0"/>
             </a:endParaRPr>
           </a:p>
         </p:txBody>
@@ -5975,16 +6188,13 @@
     </p:spTree>
     <p:extLst>
       <p:ext uri="{BB962C8B-B14F-4D97-AF65-F5344CB8AC3E}">
-        <p14:creationId xmlns:p14="http://schemas.microsoft.com/office/powerpoint/2010/main" val="3763186160"/>
+        <p14:creationId xmlns:p14="http://schemas.microsoft.com/office/powerpoint/2010/main" val="1839461768"/>
       </p:ext>
     </p:extLst>
   </p:cSld>
   <p:clrMapOvr>
     <a:masterClrMapping/>
   </p:clrMapOvr>
-  <p:transition spd="slow">
-    <p:wipe/>
-  </p:transition>
 </p:sld>
 </file>
 
@@ -6007,7 +6217,7 @@
       </p:grpSpPr>
       <p:sp>
         <p:nvSpPr>
-          <p:cNvPr id="2" name="Titre 1"/>
+          <p:cNvPr id="4" name="Titre 3"/>
           <p:cNvSpPr>
             <a:spLocks noGrp="1"/>
           </p:cNvSpPr>
@@ -6017,8 +6227,8 @@
         </p:nvSpPr>
         <p:spPr>
           <a:xfrm>
-            <a:off x="683568" y="44625"/>
-            <a:ext cx="8208912" cy="648072"/>
+            <a:off x="684213" y="99119"/>
+            <a:ext cx="8064500" cy="665585"/>
           </a:xfrm>
         </p:spPr>
         <p:txBody>
@@ -6026,76 +6236,22 @@
           <a:lstStyle/>
           <a:p>
             <a:r>
-              <a:rPr lang="fr-CA" sz="3600" cap="none">
+              <a:rPr lang="fr-CA">
                 <a:solidFill>
                   <a:srgbClr val="FF0000"/>
                 </a:solidFill>
-              </a:rPr>
-              <a:t>I.   INITIATION A JAVA</a:t>
-            </a:r>
-            <a:endParaRPr lang="fr-CA" sz="3600" cap="none">
+                <a:cs typeface="Arial"/>
+              </a:rPr>
+              <a:t>ENCAPSULATION</a:t>
+            </a:r>
+            <a:endParaRPr lang="fr-CA">
               <a:solidFill>
                 <a:srgbClr val="FF0000"/>
               </a:solidFill>
-              <a:cs typeface="Arial"/>
             </a:endParaRPr>
           </a:p>
         </p:txBody>
       </p:sp>
-      <p:pic>
-        <p:nvPicPr>
-          <p:cNvPr id="3" name="Image 1"/>
-          <p:cNvPicPr>
-            <a:picLocks noChangeAspect="1"/>
-          </p:cNvPicPr>
-          <p:nvPr/>
-        </p:nvPicPr>
-        <p:blipFill>
-          <a:blip r:embed="rId2">
-            <a:extLst>
-              <a:ext uri="{28A0092B-C50C-407E-A947-70E740481C1C}">
-                <a14:useLocalDpi xmlns:a14="http://schemas.microsoft.com/office/drawing/2010/main" val="0"/>
-              </a:ext>
-            </a:extLst>
-          </a:blip>
-          <a:srcRect/>
-          <a:stretch>
-            <a:fillRect/>
-          </a:stretch>
-        </p:blipFill>
-        <p:spPr bwMode="auto">
-          <a:xfrm>
-            <a:off x="65088" y="6400800"/>
-            <a:ext cx="1554162" cy="396875"/>
-          </a:xfrm>
-          <a:prstGeom prst="rect">
-            <a:avLst/>
-          </a:prstGeom>
-          <a:noFill/>
-          <a:ln>
-            <a:noFill/>
-          </a:ln>
-          <a:extLst>
-            <a:ext uri="{909E8E84-426E-40DD-AFC4-6F175D3DCCD1}">
-              <a14:hiddenFill xmlns:a14="http://schemas.microsoft.com/office/drawing/2010/main">
-                <a:solidFill>
-                  <a:srgbClr val="FFFFFF"/>
-                </a:solidFill>
-              </a14:hiddenFill>
-            </a:ext>
-            <a:ext uri="{91240B29-F687-4F45-9708-019B960494DF}">
-              <a14:hiddenLine xmlns:a14="http://schemas.microsoft.com/office/drawing/2010/main" w="9525">
-                <a:solidFill>
-                  <a:srgbClr val="000000"/>
-                </a:solidFill>
-                <a:miter lim="800000"/>
-                <a:headEnd/>
-                <a:tailEnd/>
-              </a14:hiddenLine>
-            </a:ext>
-          </a:extLst>
-        </p:spPr>
-      </p:pic>
       <p:sp>
         <p:nvSpPr>
           <p:cNvPr id="5" name="Rectangle 4"/>
@@ -6104,8 +6260,8 @@
         </p:nvSpPr>
         <p:spPr>
           <a:xfrm>
-            <a:off x="684069" y="1138962"/>
-            <a:ext cx="1601034" cy="400110"/>
+            <a:off x="908170" y="979187"/>
+            <a:ext cx="6607787" cy="461665"/>
           </a:xfrm>
           <a:prstGeom prst="rect">
             <a:avLst/>
@@ -6117,31 +6273,572 @@
           </a:bodyPr>
           <a:lstStyle/>
           <a:p>
-            <a:r>
-              <a:rPr lang="fr-FR" sz="2000" b="1">
+            <a:pPr marL="342900" indent="-342900">
+              <a:buFont typeface="Wingdings" panose="05000000000000000000" pitchFamily="2" charset="2"/>
+              <a:buChar char="q"/>
+            </a:pPr>
+            <a:r>
+              <a:rPr lang="fr-FR" sz="2400">
+                <a:solidFill>
+                  <a:srgbClr val="FF0000"/>
+                </a:solidFill>
+                <a:effectLst>
+                  <a:outerShdw blurRad="38100" dist="38100" dir="2700000" algn="tl">
+                    <a:srgbClr val="000000">
+                      <a:alpha val="43137"/>
+                    </a:srgbClr>
+                  </a:outerShdw>
+                </a:effectLst>
                 <a:latin typeface="Helvetica"/>
                 <a:ea typeface="ＭＳ Ｐゴシック"/>
                 <a:cs typeface="Helvetica"/>
               </a:rPr>
-              <a:t>Historique</a:t>
-            </a:r>
-            <a:endParaRPr lang="fr-FR"/>
+              <a:t>Exemple simple d’encapsulation en java</a:t>
+            </a:r>
           </a:p>
         </p:txBody>
       </p:sp>
+      <p:graphicFrame>
+        <p:nvGraphicFramePr>
+          <p:cNvPr id="6" name="Tableau 5"/>
+          <p:cNvGraphicFramePr>
+            <a:graphicFrameLocks noGrp="1"/>
+          </p:cNvGraphicFramePr>
+          <p:nvPr>
+            <p:extLst>
+              <p:ext uri="{D42A27DB-BD31-4B8C-83A1-F6EECF244321}">
+                <p14:modId xmlns:p14="http://schemas.microsoft.com/office/powerpoint/2010/main" val="4150140169"/>
+              </p:ext>
+            </p:extLst>
+          </p:nvPr>
+        </p:nvGraphicFramePr>
+        <p:xfrm>
+          <a:off x="422001" y="1864927"/>
+          <a:ext cx="7992413" cy="3749040"/>
+        </p:xfrm>
+        <a:graphic>
+          <a:graphicData uri="http://schemas.openxmlformats.org/drawingml/2006/table">
+            <a:tbl>
+              <a:tblPr firstRow="1" bandRow="1">
+                <a:tableStyleId>{5C22544A-7EE6-4342-B048-85BDC9FD1C3A}</a:tableStyleId>
+              </a:tblPr>
+              <a:tblGrid>
+                <a:gridCol w="7992413">
+                  <a:extLst>
+                    <a:ext uri="{9D8B030D-6E8A-4147-A177-3AD203B41FA5}">
+                      <a16:colId xmlns:a16="http://schemas.microsoft.com/office/drawing/2014/main" val="383564806"/>
+                    </a:ext>
+                  </a:extLst>
+                </a:gridCol>
+              </a:tblGrid>
+              <a:tr h="2731426">
+                <a:tc>
+                  <a:txBody>
+                    <a:bodyPr/>
+                    <a:lstStyle/>
+                    <a:p>
+                      <a:r>
+                        <a:rPr lang="en-US" sz="2400">
+                          <a:solidFill>
+                            <a:srgbClr val="0077AA"/>
+                          </a:solidFill>
+                          <a:effectLst/>
+                        </a:rPr>
+                        <a:t>public</a:t>
+                      </a:r>
+                      <a:r>
+                        <a:rPr lang="en-US" sz="2400"/>
+                        <a:t> </a:t>
+                      </a:r>
+                      <a:r>
+                        <a:rPr lang="en-US" sz="2400">
+                          <a:solidFill>
+                            <a:srgbClr val="0077AA"/>
+                          </a:solidFill>
+                          <a:effectLst/>
+                        </a:rPr>
+                        <a:t>class</a:t>
+                      </a:r>
+                      <a:r>
+                        <a:rPr lang="en-US" sz="2400"/>
+                        <a:t> </a:t>
+                      </a:r>
+                      <a:r>
+                        <a:rPr lang="en-US" sz="2400">
+                          <a:solidFill>
+                            <a:srgbClr val="DD4A68"/>
+                          </a:solidFill>
+                          <a:effectLst/>
+                        </a:rPr>
+                        <a:t>Main</a:t>
+                      </a:r>
+                      <a:r>
+                        <a:rPr lang="en-US" sz="2400"/>
+                        <a:t> </a:t>
+                      </a:r>
+                      <a:r>
+                        <a:rPr lang="en-US" sz="2400">
+                          <a:solidFill>
+                            <a:srgbClr val="999999"/>
+                          </a:solidFill>
+                          <a:effectLst/>
+                        </a:rPr>
+                        <a:t>{</a:t>
+                      </a:r>
+                    </a:p>
+                    <a:p>
+                      <a:r>
+                        <a:rPr lang="en-US" sz="2400"/>
+                        <a:t>   </a:t>
+                      </a:r>
+                      <a:r>
+                        <a:rPr lang="en-US" sz="2400">
+                          <a:solidFill>
+                            <a:srgbClr val="0077AA"/>
+                          </a:solidFill>
+                          <a:effectLst/>
+                        </a:rPr>
+                        <a:t>public</a:t>
+                      </a:r>
+                      <a:r>
+                        <a:rPr lang="en-US" sz="2400"/>
+                        <a:t> </a:t>
+                      </a:r>
+                      <a:r>
+                        <a:rPr lang="en-US" sz="2400">
+                          <a:solidFill>
+                            <a:srgbClr val="0077AA"/>
+                          </a:solidFill>
+                          <a:effectLst/>
+                        </a:rPr>
+                        <a:t>static</a:t>
+                      </a:r>
+                      <a:r>
+                        <a:rPr lang="en-US" sz="2400"/>
+                        <a:t> </a:t>
+                      </a:r>
+                      <a:r>
+                        <a:rPr lang="en-US" sz="2400">
+                          <a:solidFill>
+                            <a:srgbClr val="0077AA"/>
+                          </a:solidFill>
+                          <a:effectLst/>
+                        </a:rPr>
+                        <a:t>void</a:t>
+                      </a:r>
+                      <a:r>
+                        <a:rPr lang="en-US" sz="2400"/>
+                        <a:t> </a:t>
+                      </a:r>
+                      <a:r>
+                        <a:rPr lang="en-US" sz="2400">
+                          <a:solidFill>
+                            <a:srgbClr val="DD4A68"/>
+                          </a:solidFill>
+                          <a:effectLst/>
+                        </a:rPr>
+                        <a:t>main</a:t>
+                      </a:r>
+                      <a:r>
+                        <a:rPr lang="en-US" sz="2400">
+                          <a:solidFill>
+                            <a:srgbClr val="999999"/>
+                          </a:solidFill>
+                          <a:effectLst/>
+                        </a:rPr>
+                        <a:t>(</a:t>
+                      </a:r>
+                      <a:r>
+                        <a:rPr lang="en-US" sz="2400">
+                          <a:solidFill>
+                            <a:srgbClr val="DD4A68"/>
+                          </a:solidFill>
+                          <a:effectLst/>
+                        </a:rPr>
+                        <a:t>String</a:t>
+                      </a:r>
+                      <a:r>
+                        <a:rPr lang="en-US" sz="2400">
+                          <a:solidFill>
+                            <a:srgbClr val="999999"/>
+                          </a:solidFill>
+                          <a:effectLst/>
+                        </a:rPr>
+                        <a:t>[]</a:t>
+                      </a:r>
+                      <a:r>
+                        <a:rPr lang="en-US" sz="2400"/>
+                        <a:t> </a:t>
+                      </a:r>
+                      <a:r>
+                        <a:rPr lang="en-US" sz="2400" err="1"/>
+                        <a:t>args</a:t>
+                      </a:r>
+                      <a:r>
+                        <a:rPr lang="en-US" sz="2400">
+                          <a:solidFill>
+                            <a:srgbClr val="999999"/>
+                          </a:solidFill>
+                          <a:effectLst/>
+                        </a:rPr>
+                        <a:t>)</a:t>
+                      </a:r>
+                      <a:r>
+                        <a:rPr lang="en-US" sz="2400"/>
+                        <a:t> </a:t>
+                      </a:r>
+                      <a:r>
+                        <a:rPr lang="en-US" sz="2400">
+                          <a:solidFill>
+                            <a:srgbClr val="999999"/>
+                          </a:solidFill>
+                          <a:effectLst/>
+                        </a:rPr>
+                        <a:t>{</a:t>
+                      </a:r>
+                      <a:r>
+                        <a:rPr lang="en-US" sz="2400"/>
+                        <a:t> </a:t>
+                      </a:r>
+                    </a:p>
+                    <a:p>
+                      <a:r>
+                        <a:rPr lang="en-US" sz="2400">
+                          <a:solidFill>
+                            <a:srgbClr val="DD4A68"/>
+                          </a:solidFill>
+                          <a:effectLst/>
+                        </a:rPr>
+                        <a:t>      Person</a:t>
+                      </a:r>
+                      <a:r>
+                        <a:rPr lang="en-US" sz="2400"/>
+                        <a:t> </a:t>
+                      </a:r>
+                      <a:r>
+                        <a:rPr lang="en-US" sz="2400" err="1"/>
+                        <a:t>myObj</a:t>
+                      </a:r>
+                      <a:r>
+                        <a:rPr lang="en-US" sz="2400"/>
+                        <a:t> </a:t>
+                      </a:r>
+                      <a:r>
+                        <a:rPr lang="en-US" sz="2400">
+                          <a:solidFill>
+                            <a:srgbClr val="9A6E3A"/>
+                          </a:solidFill>
+                          <a:effectLst/>
+                        </a:rPr>
+                        <a:t>=</a:t>
+                      </a:r>
+                      <a:r>
+                        <a:rPr lang="en-US" sz="2400"/>
+                        <a:t> </a:t>
+                      </a:r>
+                      <a:r>
+                        <a:rPr lang="en-US" sz="2400">
+                          <a:solidFill>
+                            <a:srgbClr val="0077AA"/>
+                          </a:solidFill>
+                          <a:effectLst/>
+                        </a:rPr>
+                        <a:t>new</a:t>
+                      </a:r>
+                      <a:r>
+                        <a:rPr lang="en-US" sz="2400"/>
+                        <a:t> </a:t>
+                      </a:r>
+                      <a:r>
+                        <a:rPr lang="en-US" sz="2400">
+                          <a:solidFill>
+                            <a:srgbClr val="DD4A68"/>
+                          </a:solidFill>
+                          <a:effectLst/>
+                        </a:rPr>
+                        <a:t>Person</a:t>
+                      </a:r>
+                      <a:r>
+                        <a:rPr lang="en-US" sz="2400">
+                          <a:solidFill>
+                            <a:srgbClr val="999999"/>
+                          </a:solidFill>
+                          <a:effectLst/>
+                        </a:rPr>
+                        <a:t>();</a:t>
+                      </a:r>
+                      <a:r>
+                        <a:rPr lang="en-US" sz="2400"/>
+                        <a:t> </a:t>
+                      </a:r>
+                    </a:p>
+                    <a:p>
+                      <a:r>
+                        <a:rPr lang="en-US" sz="2400"/>
+                        <a:t>        </a:t>
+                      </a:r>
+                      <a:r>
+                        <a:rPr lang="en-US" sz="2400" err="1"/>
+                        <a:t>myObj</a:t>
+                      </a:r>
+                      <a:r>
+                        <a:rPr lang="en-US" sz="2400" err="1">
+                          <a:solidFill>
+                            <a:srgbClr val="999999"/>
+                          </a:solidFill>
+                          <a:effectLst/>
+                        </a:rPr>
+                        <a:t>.</a:t>
+                      </a:r>
+                      <a:r>
+                        <a:rPr lang="en-US" sz="2400" err="1">
+                          <a:solidFill>
+                            <a:srgbClr val="DD4A68"/>
+                          </a:solidFill>
+                          <a:effectLst/>
+                        </a:rPr>
+                        <a:t>setName</a:t>
+                      </a:r>
+                      <a:r>
+                        <a:rPr lang="en-US" sz="2400">
+                          <a:solidFill>
+                            <a:srgbClr val="999999"/>
+                          </a:solidFill>
+                          <a:effectLst/>
+                        </a:rPr>
+                        <a:t>(</a:t>
+                      </a:r>
+                      <a:r>
+                        <a:rPr lang="en-US" sz="2400">
+                          <a:solidFill>
+                            <a:srgbClr val="669900"/>
+                          </a:solidFill>
+                          <a:effectLst/>
+                        </a:rPr>
+                        <a:t>"John"</a:t>
+                      </a:r>
+                      <a:r>
+                        <a:rPr lang="en-US" sz="2400">
+                          <a:solidFill>
+                            <a:srgbClr val="999999"/>
+                          </a:solidFill>
+                          <a:effectLst/>
+                        </a:rPr>
+                        <a:t>);</a:t>
+                      </a:r>
+                      <a:r>
+                        <a:rPr lang="en-US" sz="2400"/>
+                        <a:t> </a:t>
+                      </a:r>
+                      <a:r>
+                        <a:rPr lang="en-US" sz="2400">
+                          <a:solidFill>
+                            <a:srgbClr val="708090"/>
+                          </a:solidFill>
+                          <a:effectLst/>
+                        </a:rPr>
+                        <a:t>// Modifie la </a:t>
+                      </a:r>
+                      <a:r>
+                        <a:rPr lang="en-US" sz="2400" err="1">
+                          <a:solidFill>
+                            <a:srgbClr val="708090"/>
+                          </a:solidFill>
+                          <a:effectLst/>
+                        </a:rPr>
+                        <a:t>valeur</a:t>
+                      </a:r>
+                      <a:r>
+                        <a:rPr lang="en-US" sz="2400">
+                          <a:solidFill>
+                            <a:srgbClr val="708090"/>
+                          </a:solidFill>
+                          <a:effectLst/>
+                        </a:rPr>
+                        <a:t> du nom </a:t>
+                      </a:r>
+                      <a:r>
+                        <a:rPr lang="en-US" sz="2400" err="1">
+                          <a:solidFill>
+                            <a:srgbClr val="708090"/>
+                          </a:solidFill>
+                          <a:effectLst/>
+                        </a:rPr>
+                        <a:t>en</a:t>
+                      </a:r>
+                      <a:r>
+                        <a:rPr lang="en-US" sz="2400">
+                          <a:solidFill>
+                            <a:srgbClr val="708090"/>
+                          </a:solidFill>
+                          <a:effectLst/>
+                        </a:rPr>
+                        <a:t>: "John“</a:t>
+                      </a:r>
+                    </a:p>
+                    <a:p>
+                      <a:r>
+                        <a:rPr lang="en-US" sz="2400"/>
+                        <a:t>    </a:t>
+                      </a:r>
+                      <a:r>
+                        <a:rPr lang="en-US" sz="2400" err="1">
+                          <a:solidFill>
+                            <a:srgbClr val="DD4A68"/>
+                          </a:solidFill>
+                          <a:effectLst/>
+                        </a:rPr>
+                        <a:t>System</a:t>
+                      </a:r>
+                      <a:r>
+                        <a:rPr lang="en-US" sz="2400" err="1">
+                          <a:solidFill>
+                            <a:srgbClr val="999999"/>
+                          </a:solidFill>
+                          <a:effectLst/>
+                        </a:rPr>
+                        <a:t>.</a:t>
+                      </a:r>
+                      <a:r>
+                        <a:rPr lang="en-US" sz="2400" err="1"/>
+                        <a:t>out</a:t>
+                      </a:r>
+                      <a:r>
+                        <a:rPr lang="en-US" sz="2400" err="1">
+                          <a:solidFill>
+                            <a:srgbClr val="999999"/>
+                          </a:solidFill>
+                          <a:effectLst/>
+                        </a:rPr>
+                        <a:t>.</a:t>
+                      </a:r>
+                      <a:r>
+                        <a:rPr lang="en-US" sz="2400" err="1">
+                          <a:solidFill>
+                            <a:srgbClr val="DD4A68"/>
+                          </a:solidFill>
+                          <a:effectLst/>
+                        </a:rPr>
+                        <a:t>println</a:t>
+                      </a:r>
+                      <a:r>
+                        <a:rPr lang="en-US" sz="2400">
+                          <a:solidFill>
+                            <a:srgbClr val="999999"/>
+                          </a:solidFill>
+                          <a:effectLst/>
+                        </a:rPr>
+                        <a:t>(</a:t>
+                      </a:r>
+                      <a:r>
+                        <a:rPr lang="en-US" sz="2400" err="1"/>
+                        <a:t>myObj</a:t>
+                      </a:r>
+                      <a:r>
+                        <a:rPr lang="en-US" sz="2400" err="1">
+                          <a:solidFill>
+                            <a:srgbClr val="999999"/>
+                          </a:solidFill>
+                          <a:effectLst/>
+                        </a:rPr>
+                        <a:t>.</a:t>
+                      </a:r>
+                      <a:r>
+                        <a:rPr lang="en-US" sz="2400" err="1">
+                          <a:solidFill>
+                            <a:srgbClr val="DD4A68"/>
+                          </a:solidFill>
+                          <a:effectLst/>
+                        </a:rPr>
+                        <a:t>getName</a:t>
+                      </a:r>
+                      <a:r>
+                        <a:rPr lang="en-US" sz="2400">
+                          <a:solidFill>
+                            <a:srgbClr val="999999"/>
+                          </a:solidFill>
+                          <a:effectLst/>
+                        </a:rPr>
+                        <a:t>());</a:t>
+                      </a:r>
+                      <a:r>
+                        <a:rPr lang="en-US" sz="2400"/>
+                        <a:t> </a:t>
+                      </a:r>
+                    </a:p>
+                    <a:p>
+                      <a:r>
+                        <a:rPr lang="en-US" sz="2400">
+                          <a:solidFill>
+                            <a:srgbClr val="999999"/>
+                          </a:solidFill>
+                          <a:effectLst/>
+                        </a:rPr>
+                        <a:t>   }</a:t>
+                      </a:r>
+                    </a:p>
+                    <a:p>
+                      <a:r>
+                        <a:rPr lang="en-US" sz="2400">
+                          <a:solidFill>
+                            <a:srgbClr val="999999"/>
+                          </a:solidFill>
+                          <a:effectLst/>
+                        </a:rPr>
+                        <a:t>}</a:t>
+                      </a:r>
+                      <a:r>
+                        <a:rPr lang="en-US" sz="2400"/>
+                        <a:t> </a:t>
+                      </a:r>
+                    </a:p>
+                    <a:p>
+                      <a:endParaRPr lang="en-US" sz="2400">
+                        <a:solidFill>
+                          <a:srgbClr val="708090"/>
+                        </a:solidFill>
+                        <a:effectLst/>
+                      </a:endParaRPr>
+                    </a:p>
+                    <a:p>
+                      <a:r>
+                        <a:rPr lang="en-US" sz="2400">
+                          <a:solidFill>
+                            <a:srgbClr val="708090"/>
+                          </a:solidFill>
+                          <a:effectLst/>
+                        </a:rPr>
+                        <a:t>// résultat: "John"</a:t>
+                      </a:r>
+                      <a:endParaRPr lang="en-US" sz="2400"/>
+                    </a:p>
+                  </a:txBody>
+                  <a:tcPr>
+                    <a:solidFill>
+                      <a:schemeClr val="tx1"/>
+                    </a:solidFill>
+                  </a:tcPr>
+                </a:tc>
+                <a:extLst>
+                  <a:ext uri="{0D108BD9-81ED-4DB2-BD59-A6C34878D82A}">
+                    <a16:rowId xmlns:a16="http://schemas.microsoft.com/office/drawing/2014/main" val="3061784735"/>
+                  </a:ext>
+                </a:extLst>
+              </a:tr>
+            </a:tbl>
+          </a:graphicData>
+        </a:graphic>
+      </p:graphicFrame>
     </p:spTree>
     <p:extLst>
       <p:ext uri="{BB962C8B-B14F-4D97-AF65-F5344CB8AC3E}">
-        <p14:creationId xmlns:p14="http://schemas.microsoft.com/office/powerpoint/2010/main" val="1816766021"/>
+        <p14:creationId xmlns:p14="http://schemas.microsoft.com/office/powerpoint/2010/main" val="1559800081"/>
       </p:ext>
     </p:extLst>
   </p:cSld>
   <p:clrMapOvr>
     <a:masterClrMapping/>
   </p:clrMapOvr>
-  <p:transition spd="slow">
-    <p:push dir="u"/>
-  </p:transition>
 </p:sld>
 </file>
 
@@ -6164,7 +6861,7 @@
       </p:grpSpPr>
       <p:sp>
         <p:nvSpPr>
-          <p:cNvPr id="2" name="Titre 1"/>
+          <p:cNvPr id="4" name="Titre 3"/>
           <p:cNvSpPr>
             <a:spLocks noGrp="1"/>
           </p:cNvSpPr>
@@ -6174,8 +6871,8 @@
         </p:nvSpPr>
         <p:spPr>
           <a:xfrm>
-            <a:off x="683568" y="44625"/>
-            <a:ext cx="8208912" cy="648072"/>
+            <a:off x="684213" y="99119"/>
+            <a:ext cx="8064500" cy="665585"/>
           </a:xfrm>
         </p:spPr>
         <p:txBody>
@@ -6183,76 +6880,22 @@
           <a:lstStyle/>
           <a:p>
             <a:r>
-              <a:rPr lang="fr-CA" sz="3600" cap="none">
+              <a:rPr lang="fr-CA">
                 <a:solidFill>
                   <a:srgbClr val="FF0000"/>
                 </a:solidFill>
-              </a:rPr>
-              <a:t>I.   INITIATION A JAVA</a:t>
-            </a:r>
-            <a:endParaRPr lang="fr-CA" sz="3600" cap="none">
+                <a:cs typeface="Arial"/>
+              </a:rPr>
+              <a:t>ENCAPSULATION</a:t>
+            </a:r>
+            <a:endParaRPr lang="fr-CA">
               <a:solidFill>
                 <a:srgbClr val="FF0000"/>
               </a:solidFill>
-              <a:cs typeface="Arial"/>
             </a:endParaRPr>
           </a:p>
         </p:txBody>
       </p:sp>
-      <p:pic>
-        <p:nvPicPr>
-          <p:cNvPr id="3" name="Image 1"/>
-          <p:cNvPicPr>
-            <a:picLocks noChangeAspect="1"/>
-          </p:cNvPicPr>
-          <p:nvPr/>
-        </p:nvPicPr>
-        <p:blipFill>
-          <a:blip r:embed="rId2">
-            <a:extLst>
-              <a:ext uri="{28A0092B-C50C-407E-A947-70E740481C1C}">
-                <a14:useLocalDpi xmlns:a14="http://schemas.microsoft.com/office/drawing/2010/main" val="0"/>
-              </a:ext>
-            </a:extLst>
-          </a:blip>
-          <a:srcRect/>
-          <a:stretch>
-            <a:fillRect/>
-          </a:stretch>
-        </p:blipFill>
-        <p:spPr bwMode="auto">
-          <a:xfrm>
-            <a:off x="65088" y="6400800"/>
-            <a:ext cx="1554162" cy="396875"/>
-          </a:xfrm>
-          <a:prstGeom prst="rect">
-            <a:avLst/>
-          </a:prstGeom>
-          <a:noFill/>
-          <a:ln>
-            <a:noFill/>
-          </a:ln>
-          <a:extLst>
-            <a:ext uri="{909E8E84-426E-40DD-AFC4-6F175D3DCCD1}">
-              <a14:hiddenFill xmlns:a14="http://schemas.microsoft.com/office/drawing/2010/main">
-                <a:solidFill>
-                  <a:srgbClr val="FFFFFF"/>
-                </a:solidFill>
-              </a14:hiddenFill>
-            </a:ext>
-            <a:ext uri="{91240B29-F687-4F45-9708-019B960494DF}">
-              <a14:hiddenLine xmlns:a14="http://schemas.microsoft.com/office/drawing/2010/main" w="9525">
-                <a:solidFill>
-                  <a:srgbClr val="000000"/>
-                </a:solidFill>
-                <a:miter lim="800000"/>
-                <a:headEnd/>
-                <a:tailEnd/>
-              </a14:hiddenLine>
-            </a:ext>
-          </a:extLst>
-        </p:spPr>
-      </p:pic>
       <p:sp>
         <p:nvSpPr>
           <p:cNvPr id="5" name="Rectangle 4"/>
@@ -6261,8 +6904,8 @@
         </p:nvSpPr>
         <p:spPr>
           <a:xfrm>
-            <a:off x="684069" y="1138962"/>
-            <a:ext cx="1601034" cy="400110"/>
+            <a:off x="678132" y="1007942"/>
+            <a:ext cx="4896884" cy="461665"/>
           </a:xfrm>
           <a:prstGeom prst="rect">
             <a:avLst/>
@@ -6274,31 +6917,452 @@
           </a:bodyPr>
           <a:lstStyle/>
           <a:p>
-            <a:r>
-              <a:rPr lang="fr-FR" sz="2000" b="1">
+            <a:pPr marL="342900" indent="-342900">
+              <a:buFont typeface="Wingdings" panose="05000000000000000000" pitchFamily="2" charset="2"/>
+              <a:buChar char="q"/>
+            </a:pPr>
+            <a:r>
+              <a:rPr lang="fr-FR" sz="2400">
+                <a:solidFill>
+                  <a:srgbClr val="FF0000"/>
+                </a:solidFill>
+                <a:effectLst>
+                  <a:outerShdw blurRad="38100" dist="38100" dir="2700000" algn="tl">
+                    <a:srgbClr val="000000">
+                      <a:alpha val="43137"/>
+                    </a:srgbClr>
+                  </a:outerShdw>
+                </a:effectLst>
                 <a:latin typeface="Helvetica"/>
                 <a:ea typeface="ＭＳ Ｐゴシック"/>
                 <a:cs typeface="Helvetica"/>
               </a:rPr>
-              <a:t>Historique</a:t>
-            </a:r>
-            <a:endParaRPr lang="fr-FR"/>
+              <a:t>Pourquoi l’encapsulation</a:t>
+            </a:r>
+          </a:p>
+        </p:txBody>
+      </p:sp>
+      <p:sp>
+        <p:nvSpPr>
+          <p:cNvPr id="2" name="Rectangle 1"/>
+          <p:cNvSpPr>
+            <a:spLocks noChangeArrowheads="1"/>
+          </p:cNvSpPr>
+          <p:nvPr/>
+        </p:nvSpPr>
+        <p:spPr bwMode="auto">
+          <a:xfrm>
+            <a:off x="402566" y="1920200"/>
+            <a:ext cx="8478982" cy="3231654"/>
+          </a:xfrm>
+          <a:prstGeom prst="rect">
+            <a:avLst/>
+          </a:prstGeom>
+          <a:solidFill>
+            <a:srgbClr val="FFFFFF"/>
+          </a:solidFill>
+          <a:ln>
+            <a:noFill/>
+          </a:ln>
+          <a:effectLst/>
+          <a:extLst>
+            <a:ext uri="{91240B29-F687-4F45-9708-019B960494DF}">
+              <a14:hiddenLine xmlns:a14="http://schemas.microsoft.com/office/drawing/2010/main" w="9525">
+                <a:solidFill>
+                  <a:schemeClr val="tx1"/>
+                </a:solidFill>
+                <a:miter lim="800000"/>
+                <a:headEnd/>
+                <a:tailEnd/>
+              </a14:hiddenLine>
+            </a:ext>
+            <a:ext uri="{AF507438-7753-43E0-B8FC-AC1667EBCBE1}">
+              <a14:hiddenEffects xmlns:a14="http://schemas.microsoft.com/office/drawing/2010/main">
+                <a:effectLst>
+                  <a:outerShdw dist="35921" dir="2700000" algn="ctr" rotWithShape="0">
+                    <a:schemeClr val="bg2"/>
+                  </a:outerShdw>
+                </a:effectLst>
+              </a14:hiddenEffects>
+            </a:ext>
+          </a:extLst>
+        </p:spPr>
+        <p:txBody>
+          <a:bodyPr vert="horz" wrap="square" lIns="91440" tIns="45720" rIns="91440" bIns="45720" numCol="1" anchor="ctr" anchorCtr="0" compatLnSpc="1">
+            <a:prstTxWarp prst="textNoShape">
+              <a:avLst/>
+            </a:prstTxWarp>
+            <a:spAutoFit/>
+          </a:bodyPr>
+          <a:lstStyle/>
+          <a:p>
+            <a:pPr marL="285750" marR="0" lvl="0" indent="-285750" algn="l" defTabSz="914400" rtl="0" eaLnBrk="0" fontAlgn="base" latinLnBrk="0" hangingPunct="0">
+              <a:lnSpc>
+                <a:spcPct val="100000"/>
+              </a:lnSpc>
+              <a:spcBef>
+                <a:spcPct val="0"/>
+              </a:spcBef>
+              <a:spcAft>
+                <a:spcPct val="0"/>
+              </a:spcAft>
+              <a:buClrTx/>
+              <a:buSzTx/>
+              <a:buFont typeface="Wingdings" panose="05000000000000000000" pitchFamily="2" charset="2"/>
+              <a:buChar char="§"/>
+              <a:tabLst/>
+            </a:pPr>
+            <a:endParaRPr kumimoji="0" lang="en-US" altLang="en-US" sz="1800" b="0" i="0" u="none" strike="noStrike" cap="none" normalizeH="0" baseline="0">
+              <a:ln>
+                <a:noFill/>
+              </a:ln>
+              <a:solidFill>
+                <a:schemeClr val="tx1"/>
+              </a:solidFill>
+              <a:effectLst/>
+              <a:latin typeface="Arial" panose="020B0604020202020204" pitchFamily="34" charset="0"/>
+            </a:endParaRPr>
+          </a:p>
+          <a:p>
+            <a:pPr marL="342900" marR="0" lvl="0" indent="-342900" algn="l" defTabSz="914400" rtl="0" eaLnBrk="0" fontAlgn="base" latinLnBrk="0" hangingPunct="0">
+              <a:lnSpc>
+                <a:spcPct val="100000"/>
+              </a:lnSpc>
+              <a:spcBef>
+                <a:spcPct val="0"/>
+              </a:spcBef>
+              <a:spcAft>
+                <a:spcPct val="0"/>
+              </a:spcAft>
+              <a:buClrTx/>
+              <a:buSzTx/>
+              <a:buFont typeface="Wingdings"/>
+              <a:buChar char="Ø"/>
+              <a:tabLst/>
+            </a:pPr>
+            <a:r>
+              <a:rPr kumimoji="0" lang="en-US" altLang="en-US" sz="2400" b="0" i="0" u="none" strike="noStrike" cap="none" normalizeH="0" baseline="0">
+                <a:ln>
+                  <a:noFill/>
+                </a:ln>
+                <a:solidFill>
+                  <a:srgbClr val="000000"/>
+                </a:solidFill>
+                <a:effectLst/>
+                <a:latin typeface="Helvetica"/>
+                <a:ea typeface="ＭＳ Ｐゴシック"/>
+                <a:cs typeface="Helvetica"/>
+              </a:rPr>
+              <a:t>Meilleur contrôle des attributs de classe et des méthodes</a:t>
+            </a:r>
+            <a:endParaRPr lang="en-US" altLang="en-US" sz="2400" b="0" i="0" u="none" strike="noStrike" cap="none" normalizeH="0" baseline="0">
+              <a:ln>
+                <a:noFill/>
+              </a:ln>
+              <a:solidFill>
+                <a:srgbClr val="000000"/>
+              </a:solidFill>
+              <a:effectLst/>
+              <a:latin typeface="Helvetica"/>
+              <a:ea typeface="ＭＳ Ｐゴシック"/>
+              <a:cs typeface="Helvetica"/>
+            </a:endParaRPr>
+          </a:p>
+          <a:p>
+            <a:pPr marL="342900" marR="0" lvl="0" indent="-342900" algn="l" defTabSz="914400" rtl="0" eaLnBrk="0" fontAlgn="base" latinLnBrk="0" hangingPunct="0">
+              <a:lnSpc>
+                <a:spcPct val="100000"/>
+              </a:lnSpc>
+              <a:spcBef>
+                <a:spcPct val="0"/>
+              </a:spcBef>
+              <a:spcAft>
+                <a:spcPct val="0"/>
+              </a:spcAft>
+              <a:buClrTx/>
+              <a:buSzTx/>
+              <a:buFont typeface="Wingdings"/>
+              <a:buChar char="Ø"/>
+              <a:tabLst/>
+            </a:pPr>
+            <a:r>
+              <a:rPr kumimoji="0" lang="en-US" altLang="en-US" sz="2400" b="0" i="0" u="none" strike="noStrike" cap="none" normalizeH="0" baseline="0">
+                <a:ln>
+                  <a:noFill/>
+                </a:ln>
+                <a:solidFill>
+                  <a:srgbClr val="000000"/>
+                </a:solidFill>
+                <a:effectLst/>
+                <a:latin typeface="Helvetica"/>
+                <a:ea typeface="ＭＳ Ｐゴシック"/>
+                <a:cs typeface="Helvetica"/>
+              </a:rPr>
+              <a:t>Les attributs de classe peuvent être rendus en </a:t>
+            </a:r>
+            <a:r>
+              <a:rPr kumimoji="0" lang="en-US" altLang="en-US" sz="2400" b="1" i="0" u="none" strike="noStrike" cap="none" normalizeH="0" baseline="0">
+                <a:ln>
+                  <a:noFill/>
+                </a:ln>
+                <a:solidFill>
+                  <a:srgbClr val="000000"/>
+                </a:solidFill>
+                <a:effectLst/>
+                <a:latin typeface="Helvetica"/>
+                <a:ea typeface="ＭＳ Ｐゴシック"/>
+                <a:cs typeface="Helvetica"/>
+              </a:rPr>
+              <a:t>lecture seule</a:t>
+            </a:r>
+            <a:r>
+              <a:rPr kumimoji="0" lang="en-US" altLang="en-US" sz="2400" b="0" i="0" u="none" strike="noStrike" cap="none" normalizeH="0" baseline="0">
+                <a:ln>
+                  <a:noFill/>
+                </a:ln>
+                <a:solidFill>
+                  <a:srgbClr val="000000"/>
+                </a:solidFill>
+                <a:effectLst/>
+                <a:latin typeface="Helvetica"/>
+                <a:ea typeface="ＭＳ Ｐゴシック"/>
+                <a:cs typeface="Helvetica"/>
+              </a:rPr>
+              <a:t> (si vous n'utilisez que la </a:t>
+            </a:r>
+            <a:r>
+              <a:rPr kumimoji="0" lang="en-US" altLang="en-US" sz="2400" b="0" i="0" u="none" strike="noStrike" cap="none" normalizeH="0" baseline="0">
+                <a:ln>
+                  <a:noFill/>
+                </a:ln>
+                <a:solidFill>
+                  <a:srgbClr val="DC143C"/>
+                </a:solidFill>
+                <a:effectLst/>
+                <a:latin typeface="Helvetica"/>
+                <a:ea typeface="ＭＳ Ｐゴシック"/>
+                <a:cs typeface="Helvetica"/>
+              </a:rPr>
+              <a:t>get </a:t>
+            </a:r>
+            <a:r>
+              <a:rPr kumimoji="0" lang="en-US" altLang="en-US" sz="2400" b="0" i="0" u="none" strike="noStrike" cap="none" normalizeH="0" baseline="0">
+                <a:ln>
+                  <a:noFill/>
+                </a:ln>
+                <a:solidFill>
+                  <a:srgbClr val="000000"/>
+                </a:solidFill>
+                <a:effectLst/>
+                <a:latin typeface="Helvetica"/>
+                <a:ea typeface="ＭＳ Ｐゴシック"/>
+                <a:cs typeface="Helvetica"/>
+              </a:rPr>
+              <a:t>méthode) ou en </a:t>
+            </a:r>
+            <a:r>
+              <a:rPr kumimoji="0" lang="en-US" altLang="en-US" sz="2400" b="1" i="0" u="none" strike="noStrike" cap="none" normalizeH="0" baseline="0">
+                <a:ln>
+                  <a:noFill/>
+                </a:ln>
+                <a:solidFill>
+                  <a:srgbClr val="000000"/>
+                </a:solidFill>
+                <a:effectLst/>
+                <a:latin typeface="Helvetica"/>
+                <a:ea typeface="ＭＳ Ｐゴシック"/>
+                <a:cs typeface="Helvetica"/>
+              </a:rPr>
+              <a:t>écriture seule</a:t>
+            </a:r>
+            <a:r>
+              <a:rPr kumimoji="0" lang="en-US" altLang="en-US" sz="2400" b="0" i="0" u="none" strike="noStrike" cap="none" normalizeH="0" baseline="0">
+                <a:ln>
+                  <a:noFill/>
+                </a:ln>
+                <a:solidFill>
+                  <a:srgbClr val="000000"/>
+                </a:solidFill>
+                <a:effectLst/>
+                <a:latin typeface="Helvetica"/>
+                <a:ea typeface="ＭＳ Ｐゴシック"/>
+                <a:cs typeface="Helvetica"/>
+              </a:rPr>
+              <a:t> (si vous n'utilisez que la </a:t>
+            </a:r>
+            <a:r>
+              <a:rPr kumimoji="0" lang="en-US" altLang="en-US" sz="2400" b="0" i="0" u="none" strike="noStrike" cap="none" normalizeH="0" baseline="0">
+                <a:ln>
+                  <a:noFill/>
+                </a:ln>
+                <a:solidFill>
+                  <a:srgbClr val="DC143C"/>
+                </a:solidFill>
+                <a:effectLst/>
+                <a:latin typeface="Helvetica"/>
+                <a:ea typeface="ＭＳ Ｐゴシック"/>
+                <a:cs typeface="Helvetica"/>
+              </a:rPr>
+              <a:t>set </a:t>
+            </a:r>
+            <a:r>
+              <a:rPr kumimoji="0" lang="en-US" altLang="en-US" sz="2400" b="0" i="0" u="none" strike="noStrike" cap="none" normalizeH="0" baseline="0">
+                <a:ln>
+                  <a:noFill/>
+                </a:ln>
+                <a:solidFill>
+                  <a:srgbClr val="000000"/>
+                </a:solidFill>
+                <a:effectLst/>
+                <a:latin typeface="Helvetica"/>
+                <a:ea typeface="ＭＳ Ｐゴシック"/>
+                <a:cs typeface="Helvetica"/>
+              </a:rPr>
+              <a:t>méthode)</a:t>
+            </a:r>
+            <a:endParaRPr lang="en-US" altLang="en-US" sz="2400" b="0" i="0" u="none" strike="noStrike" cap="none" normalizeH="0" baseline="0">
+              <a:ln>
+                <a:noFill/>
+              </a:ln>
+              <a:solidFill>
+                <a:srgbClr val="000000"/>
+              </a:solidFill>
+              <a:effectLst/>
+              <a:latin typeface="Helvetica"/>
+              <a:ea typeface="ＭＳ Ｐゴシック"/>
+              <a:cs typeface="Helvetica"/>
+            </a:endParaRPr>
+          </a:p>
+          <a:p>
+            <a:pPr marL="342900" marR="0" lvl="0" indent="-342900" algn="l" defTabSz="914400" rtl="0" eaLnBrk="0" fontAlgn="base" latinLnBrk="0" hangingPunct="0">
+              <a:lnSpc>
+                <a:spcPct val="100000"/>
+              </a:lnSpc>
+              <a:spcBef>
+                <a:spcPct val="0"/>
+              </a:spcBef>
+              <a:spcAft>
+                <a:spcPct val="0"/>
+              </a:spcAft>
+              <a:buClrTx/>
+              <a:buSzTx/>
+              <a:buFont typeface="Wingdings"/>
+              <a:buChar char="Ø"/>
+              <a:tabLst/>
+            </a:pPr>
+            <a:r>
+              <a:rPr kumimoji="0" lang="en-US" altLang="en-US" sz="2400" b="0" i="0" u="none" strike="noStrike" cap="none" normalizeH="0" baseline="0">
+                <a:ln>
+                  <a:noFill/>
+                </a:ln>
+                <a:solidFill>
+                  <a:srgbClr val="000000"/>
+                </a:solidFill>
+                <a:effectLst/>
+                <a:latin typeface="Helvetica"/>
+                <a:ea typeface="ＭＳ Ｐゴシック"/>
+                <a:cs typeface="Helvetica"/>
+              </a:rPr>
+              <a:t>Flexible : le programmeur peut modifier une partie du code sans affecter les autres parties</a:t>
+            </a:r>
+            <a:endParaRPr lang="en-US" altLang="en-US" sz="2400" b="0" i="0" u="none" strike="noStrike" cap="none" normalizeH="0" baseline="0">
+              <a:ln>
+                <a:noFill/>
+              </a:ln>
+              <a:solidFill>
+                <a:srgbClr val="000000"/>
+              </a:solidFill>
+              <a:effectLst/>
+              <a:latin typeface="Helvetica"/>
+              <a:ea typeface="ＭＳ Ｐゴシック"/>
+              <a:cs typeface="Helvetica"/>
+            </a:endParaRPr>
+          </a:p>
+          <a:p>
+            <a:pPr marL="342900" marR="0" lvl="0" indent="-342900" algn="l" defTabSz="914400" rtl="0" eaLnBrk="0" fontAlgn="base" latinLnBrk="0" hangingPunct="0">
+              <a:lnSpc>
+                <a:spcPct val="100000"/>
+              </a:lnSpc>
+              <a:spcBef>
+                <a:spcPct val="0"/>
+              </a:spcBef>
+              <a:spcAft>
+                <a:spcPct val="0"/>
+              </a:spcAft>
+              <a:buClrTx/>
+              <a:buSzTx/>
+              <a:buFont typeface="Wingdings"/>
+              <a:buChar char="Ø"/>
+              <a:tabLst/>
+            </a:pPr>
+            <a:r>
+              <a:rPr kumimoji="0" lang="en-US" altLang="en-US" sz="2400" b="0" i="0" u="none" strike="noStrike" cap="none" normalizeH="0" baseline="0">
+                <a:ln>
+                  <a:noFill/>
+                </a:ln>
+                <a:solidFill>
+                  <a:srgbClr val="000000"/>
+                </a:solidFill>
+                <a:effectLst/>
+                <a:latin typeface="Helvetica"/>
+                <a:ea typeface="ＭＳ Ｐゴシック"/>
+                <a:cs typeface="Helvetica"/>
+              </a:rPr>
+              <a:t>Sécurité accrue des données</a:t>
+            </a:r>
+            <a:endParaRPr lang="en-US" altLang="en-US" sz="2400" b="0" i="0" u="none" strike="noStrike" cap="none" normalizeH="0" baseline="0">
+              <a:ln>
+                <a:noFill/>
+              </a:ln>
+              <a:solidFill>
+                <a:srgbClr val="000000"/>
+              </a:solidFill>
+              <a:effectLst/>
+              <a:latin typeface="Helvetica"/>
+              <a:ea typeface="ＭＳ Ｐゴシック"/>
+              <a:cs typeface="Helvetica"/>
+            </a:endParaRPr>
+          </a:p>
+          <a:p>
+            <a:pPr marL="0" marR="0" lvl="0" indent="0" algn="l" defTabSz="914400" rtl="0" eaLnBrk="0" fontAlgn="base" latinLnBrk="0" hangingPunct="0">
+              <a:lnSpc>
+                <a:spcPct val="100000"/>
+              </a:lnSpc>
+              <a:spcBef>
+                <a:spcPct val="0"/>
+              </a:spcBef>
+              <a:spcAft>
+                <a:spcPct val="0"/>
+              </a:spcAft>
+              <a:buClrTx/>
+              <a:buSzTx/>
+              <a:buFontTx/>
+              <a:buNone/>
+              <a:tabLst/>
+            </a:pPr>
+            <a:endParaRPr kumimoji="0" lang="en-US" altLang="en-US" sz="1800" b="0" i="0" u="none" strike="noStrike" cap="none" normalizeH="0" baseline="0">
+              <a:ln>
+                <a:noFill/>
+              </a:ln>
+              <a:solidFill>
+                <a:schemeClr val="tx1"/>
+              </a:solidFill>
+              <a:effectLst/>
+              <a:latin typeface="Arial" panose="020B0604020202020204" pitchFamily="34" charset="0"/>
+            </a:endParaRPr>
           </a:p>
         </p:txBody>
       </p:sp>
     </p:spTree>
     <p:extLst>
       <p:ext uri="{BB962C8B-B14F-4D97-AF65-F5344CB8AC3E}">
-        <p14:creationId xmlns:p14="http://schemas.microsoft.com/office/powerpoint/2010/main" val="1351414658"/>
+        <p14:creationId xmlns:p14="http://schemas.microsoft.com/office/powerpoint/2010/main" val="4110842757"/>
       </p:ext>
     </p:extLst>
   </p:cSld>
   <p:clrMapOvr>
     <a:masterClrMapping/>
   </p:clrMapOvr>
-  <p:transition spd="slow">
-    <p:push dir="u"/>
-  </p:transition>
 </p:sld>
 </file>
 
@@ -6321,7 +7385,7 @@
       </p:grpSpPr>
       <p:sp>
         <p:nvSpPr>
-          <p:cNvPr id="2" name="Titre 1"/>
+          <p:cNvPr id="4" name="Titre 3"/>
           <p:cNvSpPr>
             <a:spLocks noGrp="1"/>
           </p:cNvSpPr>
@@ -6331,8 +7395,8 @@
         </p:nvSpPr>
         <p:spPr>
           <a:xfrm>
-            <a:off x="683568" y="44625"/>
-            <a:ext cx="8208912" cy="648072"/>
+            <a:off x="684213" y="99119"/>
+            <a:ext cx="8064500" cy="665585"/>
           </a:xfrm>
         </p:spPr>
         <p:txBody>
@@ -6340,76 +7404,22 @@
           <a:lstStyle/>
           <a:p>
             <a:r>
-              <a:rPr lang="fr-CA" sz="3600" cap="none">
+              <a:rPr lang="fr-CA">
                 <a:solidFill>
                   <a:srgbClr val="FF0000"/>
                 </a:solidFill>
-              </a:rPr>
-              <a:t>I.   INITIATION A JAVA</a:t>
-            </a:r>
-            <a:endParaRPr lang="fr-CA" sz="3600" cap="none">
+                <a:cs typeface="Arial"/>
+              </a:rPr>
+              <a:t>ABSTRACTION</a:t>
+            </a:r>
+            <a:endParaRPr lang="fr-CA">
               <a:solidFill>
                 <a:srgbClr val="FF0000"/>
               </a:solidFill>
-              <a:cs typeface="Arial"/>
             </a:endParaRPr>
           </a:p>
         </p:txBody>
       </p:sp>
-      <p:pic>
-        <p:nvPicPr>
-          <p:cNvPr id="3" name="Image 1"/>
-          <p:cNvPicPr>
-            <a:picLocks noChangeAspect="1"/>
-          </p:cNvPicPr>
-          <p:nvPr/>
-        </p:nvPicPr>
-        <p:blipFill>
-          <a:blip r:embed="rId2">
-            <a:extLst>
-              <a:ext uri="{28A0092B-C50C-407E-A947-70E740481C1C}">
-                <a14:useLocalDpi xmlns:a14="http://schemas.microsoft.com/office/drawing/2010/main" val="0"/>
-              </a:ext>
-            </a:extLst>
-          </a:blip>
-          <a:srcRect/>
-          <a:stretch>
-            <a:fillRect/>
-          </a:stretch>
-        </p:blipFill>
-        <p:spPr bwMode="auto">
-          <a:xfrm>
-            <a:off x="65088" y="6400800"/>
-            <a:ext cx="1554162" cy="396875"/>
-          </a:xfrm>
-          <a:prstGeom prst="rect">
-            <a:avLst/>
-          </a:prstGeom>
-          <a:noFill/>
-          <a:ln>
-            <a:noFill/>
-          </a:ln>
-          <a:extLst>
-            <a:ext uri="{909E8E84-426E-40DD-AFC4-6F175D3DCCD1}">
-              <a14:hiddenFill xmlns:a14="http://schemas.microsoft.com/office/drawing/2010/main">
-                <a:solidFill>
-                  <a:srgbClr val="FFFFFF"/>
-                </a:solidFill>
-              </a14:hiddenFill>
-            </a:ext>
-            <a:ext uri="{91240B29-F687-4F45-9708-019B960494DF}">
-              <a14:hiddenLine xmlns:a14="http://schemas.microsoft.com/office/drawing/2010/main" w="9525">
-                <a:solidFill>
-                  <a:srgbClr val="000000"/>
-                </a:solidFill>
-                <a:miter lim="800000"/>
-                <a:headEnd/>
-                <a:tailEnd/>
-              </a14:hiddenLine>
-            </a:ext>
-          </a:extLst>
-        </p:spPr>
-      </p:pic>
       <p:sp>
         <p:nvSpPr>
           <p:cNvPr id="5" name="Rectangle 4"/>
@@ -6418,8 +7428,8 @@
         </p:nvSpPr>
         <p:spPr>
           <a:xfrm>
-            <a:off x="684069" y="1138962"/>
-            <a:ext cx="1601034" cy="400110"/>
+            <a:off x="908170" y="979187"/>
+            <a:ext cx="2265828" cy="461665"/>
           </a:xfrm>
           <a:prstGeom prst="rect">
             <a:avLst/>
@@ -6431,31 +7441,454 @@
           </a:bodyPr>
           <a:lstStyle/>
           <a:p>
-            <a:r>
-              <a:rPr lang="fr-FR" sz="2000" b="1">
+            <a:pPr marL="342900" indent="-342900">
+              <a:buFont typeface="Wingdings" panose="05000000000000000000" pitchFamily="2" charset="2"/>
+              <a:buChar char="q"/>
+            </a:pPr>
+            <a:r>
+              <a:rPr lang="fr-FR" sz="2400">
+                <a:solidFill>
+                  <a:srgbClr val="FF0000"/>
+                </a:solidFill>
+                <a:effectLst>
+                  <a:outerShdw blurRad="38100" dist="38100" dir="2700000" algn="tl">
+                    <a:srgbClr val="000000">
+                      <a:alpha val="43137"/>
+                    </a:srgbClr>
+                  </a:outerShdw>
+                </a:effectLst>
                 <a:latin typeface="Helvetica"/>
                 <a:ea typeface="ＭＳ Ｐゴシック"/>
                 <a:cs typeface="Helvetica"/>
               </a:rPr>
-              <a:t>Historique</a:t>
-            </a:r>
-            <a:endParaRPr lang="fr-FR"/>
+              <a:t>Definition</a:t>
+            </a:r>
+          </a:p>
+        </p:txBody>
+      </p:sp>
+      <p:sp>
+        <p:nvSpPr>
+          <p:cNvPr id="2" name="Rectangle 1"/>
+          <p:cNvSpPr>
+            <a:spLocks noChangeArrowheads="1"/>
+          </p:cNvSpPr>
+          <p:nvPr/>
+        </p:nvSpPr>
+        <p:spPr bwMode="auto">
+          <a:xfrm>
+            <a:off x="172528" y="1001558"/>
+            <a:ext cx="8478982" cy="1908215"/>
+          </a:xfrm>
+          <a:prstGeom prst="rect">
+            <a:avLst/>
+          </a:prstGeom>
+          <a:solidFill>
+            <a:srgbClr val="FFFFFF"/>
+          </a:solidFill>
+          <a:ln>
+            <a:noFill/>
+          </a:ln>
+          <a:effectLst/>
+          <a:extLst>
+            <a:ext uri="{91240B29-F687-4F45-9708-019B960494DF}">
+              <a14:hiddenLine xmlns:a14="http://schemas.microsoft.com/office/drawing/2010/main" w="9525">
+                <a:solidFill>
+                  <a:schemeClr val="tx1"/>
+                </a:solidFill>
+                <a:miter lim="800000"/>
+                <a:headEnd/>
+                <a:tailEnd/>
+              </a14:hiddenLine>
+            </a:ext>
+            <a:ext uri="{AF507438-7753-43E0-B8FC-AC1667EBCBE1}">
+              <a14:hiddenEffects xmlns:a14="http://schemas.microsoft.com/office/drawing/2010/main">
+                <a:effectLst>
+                  <a:outerShdw dist="35921" dir="2700000" algn="ctr" rotWithShape="0">
+                    <a:schemeClr val="bg2"/>
+                  </a:outerShdw>
+                </a:effectLst>
+              </a14:hiddenEffects>
+            </a:ext>
+          </a:extLst>
+        </p:spPr>
+        <p:txBody>
+          <a:bodyPr vert="horz" wrap="square" lIns="91440" tIns="45720" rIns="91440" bIns="45720" numCol="1" anchor="ctr" anchorCtr="0" compatLnSpc="1">
+            <a:prstTxWarp prst="textNoShape">
+              <a:avLst/>
+            </a:prstTxWarp>
+            <a:spAutoFit/>
+          </a:bodyPr>
+          <a:lstStyle/>
+          <a:p>
+            <a:pPr marL="285750" marR="0" lvl="0" indent="-285750" algn="l" defTabSz="914400" rtl="0" eaLnBrk="0" fontAlgn="base" latinLnBrk="0" hangingPunct="0">
+              <a:lnSpc>
+                <a:spcPct val="100000"/>
+              </a:lnSpc>
+              <a:spcBef>
+                <a:spcPct val="0"/>
+              </a:spcBef>
+              <a:spcAft>
+                <a:spcPct val="0"/>
+              </a:spcAft>
+              <a:buClrTx/>
+              <a:buSzTx/>
+              <a:buFont typeface="Wingdings" panose="05000000000000000000" pitchFamily="2" charset="2"/>
+              <a:buChar char="§"/>
+              <a:tabLst/>
+            </a:pPr>
+            <a:endParaRPr kumimoji="0" lang="en-US" altLang="en-US" sz="1800" b="0" i="0" u="none" strike="noStrike" cap="none" normalizeH="0" baseline="0">
+              <a:ln>
+                <a:noFill/>
+              </a:ln>
+              <a:solidFill>
+                <a:schemeClr val="tx1"/>
+              </a:solidFill>
+              <a:effectLst/>
+              <a:latin typeface="Arial" panose="020B0604020202020204" pitchFamily="34" charset="0"/>
+            </a:endParaRPr>
+          </a:p>
+          <a:p>
+            <a:pPr lvl="0" eaLnBrk="0" hangingPunct="0"/>
+            <a:r>
+              <a:rPr lang="fr-FR" sz="2000" b="1">
+                <a:latin typeface="Arial"/>
+                <a:ea typeface="ＭＳ Ｐゴシック"/>
+                <a:cs typeface="Arial"/>
+              </a:rPr>
+              <a:t>L' abstraction</a:t>
+            </a:r>
+            <a:r>
+              <a:rPr lang="fr-FR" sz="2000">
+                <a:latin typeface="Arial"/>
+                <a:ea typeface="ＭＳ Ｐゴシック"/>
+                <a:cs typeface="Arial"/>
+              </a:rPr>
+              <a:t> de données est le processus consistant à masquer certains détails et à ne montrer que les informations essentielles à l'utilisateur.</a:t>
+            </a:r>
+            <a:br>
+              <a:rPr lang="fr-FR" sz="2000"/>
+            </a:br>
+            <a:r>
+              <a:rPr lang="fr-FR" sz="2000">
+                <a:latin typeface="Arial"/>
+                <a:ea typeface="ＭＳ Ｐゴシック"/>
+                <a:cs typeface="Arial"/>
+              </a:rPr>
+              <a:t>L'abstraction peut être réalisée avec </a:t>
+            </a:r>
+            <a:r>
+              <a:rPr lang="fr-FR" sz="2000" b="1">
+                <a:latin typeface="Arial"/>
+                <a:ea typeface="ＭＳ Ｐゴシック"/>
+                <a:cs typeface="Arial"/>
+              </a:rPr>
+              <a:t>des classes abstraites</a:t>
+            </a:r>
+            <a:r>
+              <a:rPr lang="fr-FR" sz="2000">
+                <a:latin typeface="Arial"/>
+                <a:ea typeface="ＭＳ Ｐゴシック"/>
+                <a:cs typeface="Arial"/>
+              </a:rPr>
+              <a:t> ou </a:t>
+            </a:r>
+            <a:r>
+              <a:rPr lang="fr-FR" sz="2000" b="1">
+                <a:latin typeface="Arial"/>
+                <a:ea typeface="ＭＳ Ｐゴシック"/>
+                <a:cs typeface="Arial"/>
+              </a:rPr>
+              <a:t>des interfaces</a:t>
+            </a:r>
+            <a:endParaRPr lang="en-US" altLang="en-US" sz="2000" b="1" i="0" u="none" strike="noStrike" cap="none" normalizeH="0" baseline="0">
+              <a:ln>
+                <a:noFill/>
+              </a:ln>
+              <a:effectLst/>
+              <a:latin typeface="Arial"/>
+              <a:ea typeface="ＭＳ Ｐゴシック"/>
+              <a:cs typeface="Arial"/>
+            </a:endParaRPr>
+          </a:p>
+        </p:txBody>
+      </p:sp>
+      <p:sp>
+        <p:nvSpPr>
+          <p:cNvPr id="6" name="Rectangle 5"/>
+          <p:cNvSpPr/>
+          <p:nvPr/>
+        </p:nvSpPr>
+        <p:spPr>
+          <a:xfrm>
+            <a:off x="908170" y="2862451"/>
+            <a:ext cx="4896884" cy="369332"/>
+          </a:xfrm>
+          <a:prstGeom prst="rect">
+            <a:avLst/>
+          </a:prstGeom>
+        </p:spPr>
+        <p:txBody>
+          <a:bodyPr wrap="square" lIns="91440" tIns="45720" rIns="91440" bIns="45720" anchor="t">
+            <a:spAutoFit/>
+          </a:bodyPr>
+          <a:lstStyle/>
+          <a:p>
+            <a:pPr marL="342900" indent="-342900">
+              <a:buFont typeface="Wingdings" panose="05000000000000000000" pitchFamily="2" charset="2"/>
+              <a:buChar char="q"/>
+            </a:pPr>
+            <a:r>
+              <a:rPr lang="fr-FR">
+                <a:solidFill>
+                  <a:srgbClr val="FF0000"/>
+                </a:solidFill>
+                <a:effectLst>
+                  <a:outerShdw blurRad="38100" dist="38100" dir="2700000" algn="tl">
+                    <a:srgbClr val="000000">
+                      <a:alpha val="43137"/>
+                    </a:srgbClr>
+                  </a:outerShdw>
+                </a:effectLst>
+                <a:latin typeface="Helvetica"/>
+                <a:ea typeface="ＭＳ Ｐゴシック"/>
+                <a:cs typeface="Helvetica"/>
+              </a:rPr>
+              <a:t>Classe abstraite</a:t>
+            </a:r>
+          </a:p>
+        </p:txBody>
+      </p:sp>
+      <p:sp>
+        <p:nvSpPr>
+          <p:cNvPr id="7" name="Rectangle 6"/>
+          <p:cNvSpPr/>
+          <p:nvPr/>
+        </p:nvSpPr>
+        <p:spPr>
+          <a:xfrm>
+            <a:off x="908170" y="3378116"/>
+            <a:ext cx="4896884" cy="369332"/>
+          </a:xfrm>
+          <a:prstGeom prst="rect">
+            <a:avLst/>
+          </a:prstGeom>
+        </p:spPr>
+        <p:txBody>
+          <a:bodyPr wrap="square">
+            <a:spAutoFit/>
+          </a:bodyPr>
+          <a:lstStyle/>
+          <a:p>
+            <a:pPr marL="342900" indent="-342900">
+              <a:buFont typeface="Wingdings" panose="05000000000000000000" pitchFamily="2" charset="2"/>
+              <a:buChar char="Ø"/>
+            </a:pPr>
+            <a:r>
+              <a:rPr lang="fr-FR" b="1">
+                <a:effectLst>
+                  <a:outerShdw blurRad="38100" dist="38100" dir="2700000" algn="tl">
+                    <a:srgbClr val="000000">
+                      <a:alpha val="43137"/>
+                    </a:srgbClr>
+                  </a:outerShdw>
+                </a:effectLst>
+                <a:latin typeface="Helvetica"/>
+                <a:ea typeface="ＭＳ Ｐゴシック"/>
+                <a:cs typeface="Helvetica"/>
+              </a:rPr>
+              <a:t>Exemple</a:t>
+            </a:r>
+            <a:r>
+              <a:rPr lang="fr-FR" b="1">
+                <a:solidFill>
+                  <a:srgbClr val="FF0000"/>
+                </a:solidFill>
+                <a:effectLst>
+                  <a:outerShdw blurRad="38100" dist="38100" dir="2700000" algn="tl">
+                    <a:srgbClr val="000000">
+                      <a:alpha val="43137"/>
+                    </a:srgbClr>
+                  </a:outerShdw>
+                </a:effectLst>
+                <a:latin typeface="Helvetica"/>
+                <a:ea typeface="ＭＳ Ｐゴシック"/>
+                <a:cs typeface="Helvetica"/>
+              </a:rPr>
+              <a:t> </a:t>
+            </a:r>
+            <a:r>
+              <a:rPr lang="fr-FR" b="1">
+                <a:effectLst>
+                  <a:outerShdw blurRad="38100" dist="38100" dir="2700000" algn="tl">
+                    <a:srgbClr val="000000">
+                      <a:alpha val="43137"/>
+                    </a:srgbClr>
+                  </a:outerShdw>
+                </a:effectLst>
+                <a:latin typeface="Helvetica"/>
+                <a:ea typeface="ＭＳ Ｐゴシック"/>
+                <a:cs typeface="Helvetica"/>
+              </a:rPr>
+              <a:t>de classe abstraite</a:t>
+            </a:r>
+          </a:p>
+        </p:txBody>
+      </p:sp>
+      <p:sp>
+        <p:nvSpPr>
+          <p:cNvPr id="3" name="Rectangle 2"/>
+          <p:cNvSpPr/>
+          <p:nvPr/>
+        </p:nvSpPr>
+        <p:spPr>
+          <a:xfrm>
+            <a:off x="1294789" y="4466636"/>
+            <a:ext cx="2210926" cy="369332"/>
+          </a:xfrm>
+          <a:prstGeom prst="rect">
+            <a:avLst/>
+          </a:prstGeom>
+          <a:solidFill>
+            <a:schemeClr val="tx1"/>
+          </a:solidFill>
+        </p:spPr>
+        <p:txBody>
+          <a:bodyPr wrap="none">
+            <a:spAutoFit/>
+          </a:bodyPr>
+          <a:lstStyle/>
+          <a:p>
+            <a:r>
+              <a:rPr lang="en-US" b="1">
+                <a:solidFill>
+                  <a:schemeClr val="bg1"/>
+                </a:solidFill>
+              </a:rPr>
+              <a:t>abstract</a:t>
+            </a:r>
+            <a:r>
+              <a:rPr lang="en-US">
+                <a:solidFill>
+                  <a:schemeClr val="bg1"/>
+                </a:solidFill>
+              </a:rPr>
+              <a:t> </a:t>
+            </a:r>
+            <a:r>
+              <a:rPr lang="en-US" b="1">
+                <a:solidFill>
+                  <a:schemeClr val="bg1"/>
+                </a:solidFill>
+              </a:rPr>
+              <a:t>class</a:t>
+            </a:r>
+            <a:r>
+              <a:rPr lang="en-US">
+                <a:solidFill>
+                  <a:schemeClr val="bg1"/>
+                </a:solidFill>
+              </a:rPr>
+              <a:t> A{} </a:t>
+            </a:r>
+            <a:r>
+              <a:rPr lang="en-US">
+                <a:solidFill>
+                  <a:srgbClr val="000000"/>
+                </a:solidFill>
+                <a:latin typeface="inter-regular"/>
+              </a:rPr>
+              <a:t> </a:t>
+            </a:r>
+            <a:endParaRPr lang="en-US"/>
+          </a:p>
+        </p:txBody>
+      </p:sp>
+      <p:sp>
+        <p:nvSpPr>
+          <p:cNvPr id="8" name="Rectangle 7"/>
+          <p:cNvSpPr/>
+          <p:nvPr/>
+        </p:nvSpPr>
+        <p:spPr>
+          <a:xfrm>
+            <a:off x="1051944" y="4936609"/>
+            <a:ext cx="4896884" cy="369332"/>
+          </a:xfrm>
+          <a:prstGeom prst="rect">
+            <a:avLst/>
+          </a:prstGeom>
+        </p:spPr>
+        <p:txBody>
+          <a:bodyPr wrap="square">
+            <a:spAutoFit/>
+          </a:bodyPr>
+          <a:lstStyle/>
+          <a:p>
+            <a:pPr marL="342900" indent="-342900">
+              <a:buFont typeface="Wingdings" panose="05000000000000000000" pitchFamily="2" charset="2"/>
+              <a:buChar char="Ø"/>
+            </a:pPr>
+            <a:r>
+              <a:rPr lang="fr-FR" b="1">
+                <a:effectLst>
+                  <a:outerShdw blurRad="38100" dist="38100" dir="2700000" algn="tl">
+                    <a:srgbClr val="000000">
+                      <a:alpha val="43137"/>
+                    </a:srgbClr>
+                  </a:outerShdw>
+                </a:effectLst>
+                <a:latin typeface="Helvetica"/>
+                <a:ea typeface="ＭＳ Ｐゴシック"/>
+                <a:cs typeface="Helvetica"/>
+              </a:rPr>
+              <a:t>Exemple</a:t>
+            </a:r>
+            <a:r>
+              <a:rPr lang="fr-FR" b="1">
+                <a:solidFill>
+                  <a:srgbClr val="FF0000"/>
+                </a:solidFill>
+                <a:effectLst>
+                  <a:outerShdw blurRad="38100" dist="38100" dir="2700000" algn="tl">
+                    <a:srgbClr val="000000">
+                      <a:alpha val="43137"/>
+                    </a:srgbClr>
+                  </a:outerShdw>
+                </a:effectLst>
+                <a:latin typeface="Helvetica"/>
+                <a:ea typeface="ＭＳ Ｐゴシック"/>
+                <a:cs typeface="Helvetica"/>
+              </a:rPr>
+              <a:t> </a:t>
+            </a:r>
+            <a:r>
+              <a:rPr lang="fr-FR" b="1">
+                <a:effectLst>
+                  <a:outerShdw blurRad="38100" dist="38100" dir="2700000" algn="tl">
+                    <a:srgbClr val="000000">
+                      <a:alpha val="43137"/>
+                    </a:srgbClr>
+                  </a:outerShdw>
+                </a:effectLst>
+                <a:latin typeface="Helvetica"/>
+                <a:ea typeface="ＭＳ Ｐゴシック"/>
+                <a:cs typeface="Helvetica"/>
+              </a:rPr>
+              <a:t>de méthode abstraite</a:t>
+            </a:r>
           </a:p>
         </p:txBody>
       </p:sp>
     </p:spTree>
     <p:extLst>
       <p:ext uri="{BB962C8B-B14F-4D97-AF65-F5344CB8AC3E}">
-        <p14:creationId xmlns:p14="http://schemas.microsoft.com/office/powerpoint/2010/main" val="2872053690"/>
+        <p14:creationId xmlns:p14="http://schemas.microsoft.com/office/powerpoint/2010/main" val="2708724279"/>
       </p:ext>
     </p:extLst>
   </p:cSld>
   <p:clrMapOvr>
     <a:masterClrMapping/>
   </p:clrMapOvr>
-  <p:transition spd="slow">
-    <p:push dir="u"/>
-  </p:transition>
 </p:sld>
 </file>
 
@@ -6593,7 +8026,7 @@
           <a:lstStyle/>
           <a:p>
             <a:r>
-              <a:rPr lang="fr-FR" sz="1600" b="1" dirty="0">
+              <a:rPr lang="fr-FR" sz="1600" b="1">
                 <a:solidFill>
                   <a:srgbClr val="FF0000"/>
                 </a:solidFill>
@@ -6603,7 +8036,7 @@
               </a:rPr>
               <a:t>         INTRODUCTION</a:t>
             </a:r>
-            <a:endParaRPr lang="fr-FR" b="1" dirty="0">
+            <a:endParaRPr lang="fr-FR" b="1">
               <a:solidFill>
                 <a:srgbClr val="FF0000"/>
               </a:solidFill>
@@ -6625,7 +8058,7 @@
               <a:buAutoNum type="romanUcPeriod"/>
             </a:pPr>
             <a:r>
-              <a:rPr lang="fr-FR" sz="1600" b="1" dirty="0">
+              <a:rPr lang="fr-FR" sz="1600" b="1">
                 <a:solidFill>
                   <a:srgbClr val="FF0000"/>
                 </a:solidFill>
@@ -6635,7 +8068,7 @@
               </a:rPr>
               <a:t>HISTORIQUE DE LA  POO</a:t>
             </a:r>
-            <a:endParaRPr lang="fr-FR" sz="1600" b="1" dirty="0">
+            <a:endParaRPr lang="fr-FR" sz="1600" b="1">
               <a:solidFill>
                 <a:srgbClr val="FF0000"/>
               </a:solidFill>
@@ -6648,7 +8081,7 @@
               <a:buChar char="q"/>
             </a:pPr>
             <a:r>
-              <a:rPr lang="fr-FR" sz="1600" b="1" dirty="0">
+              <a:rPr lang="fr-FR" sz="1600" b="1">
                 <a:latin typeface="Arial"/>
                 <a:ea typeface="ＭＳ Ｐゴシック"/>
                 <a:cs typeface="Arial"/>
@@ -6662,14 +8095,14 @@
               <a:buChar char="q"/>
             </a:pPr>
             <a:r>
-              <a:rPr lang="fr-FR" sz="1600" b="1" dirty="0">
+              <a:rPr lang="fr-FR" sz="1600" b="1">
                 <a:latin typeface="Arial"/>
                 <a:ea typeface="ＭＳ Ｐゴシック"/>
                 <a:cs typeface="Arial"/>
               </a:rPr>
               <a:t> Importance de la POO</a:t>
             </a:r>
-            <a:endParaRPr lang="fr-FR" sz="1600" dirty="0">
+            <a:endParaRPr lang="fr-FR" sz="1600">
               <a:solidFill>
                 <a:srgbClr val="FF0000"/>
               </a:solidFill>
@@ -6687,7 +8120,7 @@
           </a:p>
           <a:p>
             <a:r>
-              <a:rPr lang="fr-FR" sz="1600" b="1" dirty="0">
+              <a:rPr lang="fr-FR" sz="1600" b="1">
                 <a:solidFill>
                   <a:srgbClr val="FF0000"/>
                 </a:solidFill>
@@ -6698,7 +8131,7 @@
               <a:t>II.</a:t>
             </a:r>
             <a:r>
-              <a:rPr lang="fr-FR" sz="1600" dirty="0">
+              <a:rPr lang="fr-FR" sz="1600">
                 <a:latin typeface="Arial"/>
                 <a:ea typeface="ＭＳ Ｐゴシック"/>
                 <a:cs typeface="Arial"/>
@@ -6706,7 +8139,7 @@
               <a:t> </a:t>
             </a:r>
             <a:r>
-              <a:rPr lang="fr-FR" sz="1600" b="1" dirty="0">
+              <a:rPr lang="fr-FR" sz="1600" b="1">
                 <a:latin typeface="Arial"/>
                 <a:ea typeface="ＭＳ Ｐゴシック"/>
                 <a:cs typeface="Arial"/>
@@ -6714,7 +8147,7 @@
               <a:t>  </a:t>
             </a:r>
             <a:r>
-              <a:rPr lang="fr-FR" sz="1600" b="1" dirty="0">
+              <a:rPr lang="fr-FR" sz="1600" b="1">
                 <a:solidFill>
                   <a:srgbClr val="FF0000"/>
                 </a:solidFill>
@@ -6731,14 +8164,14 @@
               <a:buChar char="q"/>
             </a:pPr>
             <a:r>
-              <a:rPr lang="fr-FR" sz="1600" b="1" dirty="0">
+              <a:rPr lang="fr-FR" sz="1600" b="1">
                 <a:latin typeface="Arial"/>
                 <a:ea typeface="ＭＳ Ｐゴシック"/>
                 <a:cs typeface="Arial"/>
               </a:rPr>
               <a:t> Objet </a:t>
             </a:r>
-            <a:endParaRPr lang="en-US" sz="1600" dirty="0">
+            <a:endParaRPr lang="en-US" sz="1600">
               <a:latin typeface="Arial"/>
               <a:ea typeface="ＭＳ Ｐゴシック"/>
               <a:cs typeface="Arial"/>
@@ -6750,14 +8183,14 @@
               <a:buChar char="q"/>
             </a:pPr>
             <a:r>
-              <a:rPr lang="fr-FR" sz="1600" b="1" dirty="0">
+              <a:rPr lang="fr-FR" sz="1600" b="1">
                 <a:latin typeface="Arial"/>
                 <a:ea typeface="ＭＳ Ｐゴシック"/>
                 <a:cs typeface="Arial"/>
               </a:rPr>
               <a:t> Class</a:t>
             </a:r>
-            <a:endParaRPr lang="fr-FR" sz="1600" dirty="0">
+            <a:endParaRPr lang="fr-FR" sz="1600">
               <a:latin typeface="Arial"/>
               <a:ea typeface="ＭＳ Ｐゴシック"/>
               <a:cs typeface="Arial"/>
@@ -6772,7 +8205,7 @@
           </a:p>
           <a:p>
             <a:r>
-              <a:rPr lang="fr-FR" sz="1600" b="1" dirty="0">
+              <a:rPr lang="fr-FR" sz="1600" b="1">
                 <a:solidFill>
                   <a:srgbClr val="FF0000"/>
                 </a:solidFill>
@@ -6783,7 +8216,7 @@
               <a:t>III.</a:t>
             </a:r>
             <a:r>
-              <a:rPr lang="fr-FR" sz="1600" b="1" dirty="0">
+              <a:rPr lang="fr-FR" sz="1600" b="1">
                 <a:latin typeface="Arial"/>
                 <a:ea typeface="ＭＳ Ｐゴシック"/>
                 <a:cs typeface="Arial"/>
@@ -6791,7 +8224,7 @@
               <a:t>  </a:t>
             </a:r>
             <a:r>
-              <a:rPr lang="fr-FR" sz="1600" b="1" dirty="0">
+              <a:rPr lang="fr-FR" sz="1600" b="1">
                 <a:solidFill>
                   <a:srgbClr val="FF0000"/>
                 </a:solidFill>
@@ -6808,14 +8241,14 @@
               <a:buChar char="q"/>
             </a:pPr>
             <a:r>
-              <a:rPr lang="fr-FR" sz="1600" b="1" dirty="0">
+              <a:rPr lang="fr-FR" sz="1600" b="1">
                 <a:latin typeface="Arial"/>
                 <a:ea typeface="ＭＳ Ｐゴシック"/>
                 <a:cs typeface="Arial"/>
               </a:rPr>
               <a:t> Définition</a:t>
             </a:r>
-            <a:endParaRPr lang="en-US" sz="1600" dirty="0">
+            <a:endParaRPr lang="en-US" sz="1600">
               <a:latin typeface="Arial"/>
               <a:ea typeface="ＭＳ Ｐゴシック"/>
               <a:cs typeface="Arial"/>
@@ -6827,7 +8260,7 @@
               <a:buChar char="q"/>
             </a:pPr>
             <a:r>
-              <a:rPr lang="fr-FR" sz="1600" b="1" dirty="0">
+              <a:rPr lang="fr-FR" sz="1600" b="1">
                 <a:latin typeface="Arial"/>
                 <a:ea typeface="ＭＳ Ｐゴシック"/>
                 <a:cs typeface="Arial"/>
@@ -6841,7 +8274,7 @@
               <a:buChar char="q"/>
             </a:pPr>
             <a:r>
-              <a:rPr lang="fr-FR" sz="1600" b="1" dirty="0">
+              <a:rPr lang="fr-FR" sz="1600" b="1">
                 <a:latin typeface="Arial"/>
                 <a:ea typeface="ＭＳ Ｐゴシック"/>
                 <a:cs typeface="Arial"/>
@@ -6855,14 +8288,14 @@
               <a:buChar char="q"/>
             </a:pPr>
             <a:r>
-              <a:rPr lang="fr-FR" sz="1600" b="1" dirty="0">
+              <a:rPr lang="fr-FR" sz="1600" b="1">
                 <a:latin typeface="Arial"/>
                 <a:ea typeface="ＭＳ Ｐゴシック"/>
                 <a:cs typeface="Arial"/>
               </a:rPr>
               <a:t> Signature de méthode</a:t>
             </a:r>
-            <a:endParaRPr lang="en-US" sz="1600" dirty="0">
+            <a:endParaRPr lang="en-US" sz="1600">
               <a:latin typeface="Arial"/>
               <a:ea typeface="ＭＳ Ｐゴシック"/>
               <a:cs typeface="Arial"/>
@@ -6874,18 +8307,18 @@
               <a:buChar char="q"/>
             </a:pPr>
             <a:r>
-              <a:rPr lang="fr-FR" sz="1600" b="1" dirty="0">
+              <a:rPr lang="fr-FR" sz="1600" b="1">
                 <a:latin typeface="Arial"/>
                 <a:ea typeface="ＭＳ Ｐゴシック"/>
                 <a:cs typeface="Arial"/>
               </a:rPr>
               <a:t> Méthode statique et d'instance</a:t>
             </a:r>
-            <a:endParaRPr lang="fr-FR" dirty="0"/>
+            <a:endParaRPr lang="fr-FR"/>
           </a:p>
           <a:p>
             <a:pPr lvl="1"/>
-            <a:endParaRPr lang="fr-FR" sz="1600" b="1" dirty="0">
+            <a:endParaRPr lang="fr-FR" sz="1600" b="1">
               <a:latin typeface="Arial"/>
               <a:ea typeface="ＭＳ Ｐゴシック"/>
               <a:cs typeface="Arial"/>
@@ -6893,7 +8326,7 @@
           </a:p>
           <a:p>
             <a:r>
-              <a:rPr lang="fr-FR" sz="1600" b="1" dirty="0">
+              <a:rPr lang="fr-FR" sz="1600" b="1">
                 <a:solidFill>
                   <a:srgbClr val="FF0000"/>
                 </a:solidFill>
@@ -6910,14 +8343,14 @@
               <a:buChar char="q"/>
             </a:pPr>
             <a:r>
-              <a:rPr lang="fr-FR" sz="1600" b="1" dirty="0">
+              <a:rPr lang="fr-FR" sz="1600" b="1">
                 <a:latin typeface="Arial"/>
                 <a:ea typeface="ＭＳ Ｐゴシック"/>
                 <a:cs typeface="Arial"/>
               </a:rPr>
               <a:t> Encapsulation </a:t>
             </a:r>
-            <a:endParaRPr lang="en-US" sz="1600" dirty="0">
+            <a:endParaRPr lang="en-US" sz="1600">
               <a:latin typeface="Arial"/>
               <a:ea typeface="ＭＳ Ｐゴシック"/>
               <a:cs typeface="Arial"/>
@@ -6929,7 +8362,7 @@
               <a:buChar char="q"/>
             </a:pPr>
             <a:r>
-              <a:rPr lang="fr-FR" sz="1600" b="1" dirty="0">
+              <a:rPr lang="fr-FR" sz="1600" b="1">
                 <a:latin typeface="Arial"/>
                 <a:ea typeface="ＭＳ Ｐゴシック"/>
                 <a:cs typeface="Arial"/>
@@ -6942,7 +8375,7 @@
               <a:buFont typeface="Wingdings,Sans-Serif"/>
               <a:buChar char="q"/>
             </a:pPr>
-            <a:endParaRPr lang="fr-FR" sz="1600" b="1" dirty="0">
+            <a:endParaRPr lang="fr-FR" sz="1600" b="1">
               <a:latin typeface="Arial"/>
               <a:ea typeface="ＭＳ Ｐゴシック"/>
               <a:cs typeface="Arial"/>
@@ -6960,13 +8393,13 @@
   <p:clrMapOvr>
     <a:masterClrMapping/>
   </p:clrMapOvr>
-  <mc:AlternateContent xmlns:mc="http://schemas.openxmlformats.org/markup-compatibility/2006" xmlns:p14="http://schemas.microsoft.com/office/powerpoint/2010/main">
-    <mc:Choice Requires="p14">
+  <mc:AlternateContent xmlns:mc="http://schemas.openxmlformats.org/markup-compatibility/2006">
+    <mc:Choice xmlns:p14="http://schemas.microsoft.com/office/powerpoint/2010/main" Requires="p14">
       <p:transition spd="slow" p14:dur="1500">
         <p:split orient="vert"/>
       </p:transition>
     </mc:Choice>
-    <mc:Fallback xmlns="">
+    <mc:Fallback>
       <p:transition spd="slow">
         <p:split orient="vert"/>
       </p:transition>
@@ -7013,7 +8446,7 @@
           <a:lstStyle/>
           <a:p>
             <a:r>
-              <a:rPr lang="fr-CA" sz="3600" cap="none" dirty="0">
+              <a:rPr lang="fr-CA" sz="3600" cap="none">
                 <a:solidFill>
                   <a:srgbClr val="FF0000"/>
                 </a:solidFill>
@@ -7021,7 +8454,7 @@
               </a:rPr>
               <a:t>HERITAGE</a:t>
             </a:r>
-            <a:endParaRPr lang="fr-FR" dirty="0"/>
+            <a:endParaRPr lang="fr-FR"/>
           </a:p>
         </p:txBody>
       </p:sp>
@@ -7247,7 +8680,7 @@
                 <a:ea typeface="ＭＳ Ｐゴシック"/>
                 <a:cs typeface="Arial"/>
               </a:rPr>
-              <a:t>Termes et mots clés utilisés dans Héritage</a:t>
+              <a:t>Définition</a:t>
             </a:r>
             <a:endParaRPr lang="fr-FR">
               <a:solidFill>
@@ -7259,10 +8692,10 @@
       </p:sp>
       <p:sp>
         <p:nvSpPr>
-          <p:cNvPr id="5" name="ZoneTexte 1">
+          <p:cNvPr id="6" name="ZoneTexte 1">
             <a:extLst>
               <a:ext uri="{FF2B5EF4-FFF2-40B4-BE49-F238E27FC236}">
-                <a16:creationId xmlns:a16="http://schemas.microsoft.com/office/drawing/2014/main" id="{576EB206-1181-AE1D-1E92-54EAD694BFEC}"/>
+                <a16:creationId xmlns:a16="http://schemas.microsoft.com/office/drawing/2014/main" id="{E80B6219-9B66-278D-74E7-C14FF08DBF5F}"/>
               </a:ext>
             </a:extLst>
           </p:cNvPr>
@@ -7271,8 +8704,8 @@
         </p:nvSpPr>
         <p:spPr>
           <a:xfrm>
-            <a:off x="1254821" y="2156248"/>
-            <a:ext cx="6436865" cy="2246769"/>
+            <a:off x="650228" y="2091301"/>
+            <a:ext cx="7737521" cy="2308324"/>
           </a:xfrm>
           <a:prstGeom prst="rect">
             <a:avLst/>
@@ -7413,74 +8846,51 @@
           </a:lstStyle>
           <a:p>
             <a:pPr marL="285750" indent="-285750" algn="just">
-              <a:buFont typeface="Wingdings"/>
-              <a:buChar char="Ø"/>
+              <a:buFont typeface="Arial"/>
+              <a:buChar char="•"/>
             </a:pPr>
             <a:r>
-              <a:rPr lang="fr-FR" sz="2800" dirty="0">
+              <a:rPr lang="fr-FR" sz="2400" b="1">
                 <a:latin typeface="Arial"/>
                 <a:ea typeface="ＭＳ Ｐゴシック"/>
                 <a:cs typeface="Arial"/>
               </a:rPr>
-              <a:t>Classe ;</a:t>
-            </a:r>
-          </a:p>
-          <a:p>
-            <a:pPr marL="285750" indent="-285750" algn="just">
-              <a:buFont typeface="Wingdings"/>
-              <a:buChar char="Ø"/>
-            </a:pPr>
-            <a:r>
-              <a:rPr lang="fr-FR" sz="2800" dirty="0">
+              <a:t>L'héritage en Java </a:t>
+            </a:r>
+            <a:r>
+              <a:rPr lang="fr-FR" sz="2400">
                 <a:latin typeface="Arial"/>
                 <a:ea typeface="ＭＳ Ｐゴシック"/>
                 <a:cs typeface="Arial"/>
               </a:rPr>
-              <a:t>Sous-classe/classe enfant ;</a:t>
-            </a:r>
+              <a:t>est un mécanisme dans lequel un objet acquiert toutes les propriétés et les fonctionnalités d'un autre Objet (parent)</a:t>
+            </a:r>
+          </a:p>
+          <a:p>
+            <a:pPr algn="just"/>
+            <a:endParaRPr lang="fr-FR" sz="2400">
+              <a:latin typeface="Arial"/>
+              <a:ea typeface="ＭＳ Ｐゴシック"/>
+              <a:cs typeface="Arial"/>
+            </a:endParaRPr>
           </a:p>
           <a:p>
             <a:pPr marL="285750" indent="-285750" algn="just">
-              <a:buFont typeface="Wingdings"/>
-              <a:buChar char="Ø"/>
+              <a:buFont typeface="Arial"/>
+              <a:buChar char="•"/>
             </a:pPr>
             <a:r>
-              <a:rPr lang="fr-FR" sz="2800" dirty="0">
+              <a:rPr lang="fr-FR" sz="2400">
                 <a:latin typeface="Arial"/>
                 <a:ea typeface="ＭＳ Ｐゴシック"/>
                 <a:cs typeface="Arial"/>
               </a:rPr>
-              <a:t>Super classe/classe parent ;</a:t>
-            </a:r>
-          </a:p>
-          <a:p>
-            <a:pPr marL="285750" indent="-285750" algn="just">
-              <a:buFont typeface="Wingdings"/>
-              <a:buChar char="Ø"/>
-            </a:pPr>
-            <a:r>
-              <a:rPr lang="fr-FR" sz="2800" dirty="0">
-                <a:latin typeface="Arial"/>
-                <a:ea typeface="ＭＳ Ｐゴシック"/>
-                <a:cs typeface="Arial"/>
-              </a:rPr>
-              <a:t>Réutilisabilité ;</a:t>
-            </a:r>
-          </a:p>
-          <a:p>
-            <a:pPr marL="285750" indent="-285750" algn="just">
-              <a:buFont typeface="Wingdings"/>
-              <a:buChar char="Ø"/>
-            </a:pPr>
-            <a:r>
-              <a:rPr lang="fr-FR" sz="2800" dirty="0">
-                <a:latin typeface="Arial"/>
-                <a:ea typeface="ＭＳ Ｐゴシック"/>
-                <a:cs typeface="Arial"/>
-              </a:rPr>
-              <a:t>Extends</a:t>
-            </a:r>
-            <a:endParaRPr lang="fr-FR" sz="2800" dirty="0">
+              <a:t>Il représente la relation "EST-UN" </a:t>
+            </a:r>
+          </a:p>
+          <a:p>
+            <a:pPr algn="l"/>
+            <a:endParaRPr lang="fr-FR" sz="2400">
               <a:cs typeface="Arial"/>
             </a:endParaRPr>
           </a:p>
@@ -7489,7 +8899,7 @@
     </p:spTree>
     <p:extLst>
       <p:ext uri="{BB962C8B-B14F-4D97-AF65-F5344CB8AC3E}">
-        <p14:creationId xmlns:p14="http://schemas.microsoft.com/office/powerpoint/2010/main" val="1585625100"/>
+        <p14:creationId xmlns:p14="http://schemas.microsoft.com/office/powerpoint/2010/main" val="3763186160"/>
       </p:ext>
     </p:extLst>
   </p:cSld>
@@ -7546,7 +8956,7 @@
                 </a:solidFill>
                 <a:cs typeface="Arial"/>
               </a:rPr>
-              <a:t>HERITAGE </a:t>
+              <a:t>HERITAGE</a:t>
             </a:r>
             <a:endParaRPr lang="fr-FR"/>
           </a:p>
@@ -7608,10 +9018,10 @@
       </p:pic>
       <p:sp>
         <p:nvSpPr>
-          <p:cNvPr id="6" name="ZoneTexte 5">
+          <p:cNvPr id="4" name="ZoneTexte 1">
             <a:extLst>
               <a:ext uri="{FF2B5EF4-FFF2-40B4-BE49-F238E27FC236}">
-                <a16:creationId xmlns:a16="http://schemas.microsoft.com/office/drawing/2014/main" id="{B2F8B59F-B102-7155-58EA-6E5E871649E6}"/>
+                <a16:creationId xmlns:a16="http://schemas.microsoft.com/office/drawing/2014/main" id="{6FBAF6AD-566D-D62D-E726-2197DB60B739}"/>
               </a:ext>
             </a:extLst>
           </p:cNvPr>
@@ -7620,8 +9030,8 @@
         </p:nvSpPr>
         <p:spPr>
           <a:xfrm>
-            <a:off x="1035727" y="933600"/>
-            <a:ext cx="2165985" cy="830997"/>
+            <a:off x="893936" y="975740"/>
+            <a:ext cx="3624294" cy="461665"/>
           </a:xfrm>
           <a:prstGeom prst="rect">
             <a:avLst/>
@@ -7629,13 +9039,137 @@
           <a:noFill/>
         </p:spPr>
         <p:txBody>
-          <a:bodyPr rot="0" spcFirstLastPara="0" vertOverflow="overflow" horzOverflow="overflow" vert="horz" wrap="square" lIns="91440" tIns="45720" rIns="91440" bIns="45720" numCol="1" spcCol="0" rtlCol="0" fromWordArt="0" anchor="t" anchorCtr="0" forceAA="0" compatLnSpc="1">
+          <a:bodyPr rot="0" spcFirstLastPara="0" vert="horz" wrap="square" lIns="91440" tIns="45720" rIns="91440" bIns="45720" numCol="1" spcCol="0" rtlCol="0" fromWordArt="0" anchor="t" anchorCtr="0" forceAA="0" compatLnSpc="1">
             <a:prstTxWarp prst="textNoShape">
               <a:avLst/>
             </a:prstTxWarp>
             <a:spAutoFit/>
           </a:bodyPr>
-          <a:lstStyle/>
+          <a:lstStyle>
+            <a:defPPr>
+              <a:defRPr lang="fr-CA"/>
+            </a:defPPr>
+            <a:lvl1pPr algn="l" rtl="0" fontAlgn="base">
+              <a:spcBef>
+                <a:spcPct val="0"/>
+              </a:spcBef>
+              <a:spcAft>
+                <a:spcPct val="0"/>
+              </a:spcAft>
+              <a:defRPr kern="1200">
+                <a:solidFill>
+                  <a:schemeClr val="tx1"/>
+                </a:solidFill>
+                <a:latin typeface="Arial" charset="0"/>
+                <a:ea typeface="ＭＳ Ｐゴシック" pitchFamily="34" charset="-128"/>
+                <a:cs typeface="+mn-cs"/>
+              </a:defRPr>
+            </a:lvl1pPr>
+            <a:lvl2pPr marL="457200" algn="l" rtl="0" fontAlgn="base">
+              <a:spcBef>
+                <a:spcPct val="0"/>
+              </a:spcBef>
+              <a:spcAft>
+                <a:spcPct val="0"/>
+              </a:spcAft>
+              <a:defRPr kern="1200">
+                <a:solidFill>
+                  <a:schemeClr val="tx1"/>
+                </a:solidFill>
+                <a:latin typeface="Arial" charset="0"/>
+                <a:ea typeface="ＭＳ Ｐゴシック" pitchFamily="34" charset="-128"/>
+                <a:cs typeface="+mn-cs"/>
+              </a:defRPr>
+            </a:lvl2pPr>
+            <a:lvl3pPr marL="914400" algn="l" rtl="0" fontAlgn="base">
+              <a:spcBef>
+                <a:spcPct val="0"/>
+              </a:spcBef>
+              <a:spcAft>
+                <a:spcPct val="0"/>
+              </a:spcAft>
+              <a:defRPr kern="1200">
+                <a:solidFill>
+                  <a:schemeClr val="tx1"/>
+                </a:solidFill>
+                <a:latin typeface="Arial" charset="0"/>
+                <a:ea typeface="ＭＳ Ｐゴシック" pitchFamily="34" charset="-128"/>
+                <a:cs typeface="+mn-cs"/>
+              </a:defRPr>
+            </a:lvl3pPr>
+            <a:lvl4pPr marL="1371600" algn="l" rtl="0" fontAlgn="base">
+              <a:spcBef>
+                <a:spcPct val="0"/>
+              </a:spcBef>
+              <a:spcAft>
+                <a:spcPct val="0"/>
+              </a:spcAft>
+              <a:defRPr kern="1200">
+                <a:solidFill>
+                  <a:schemeClr val="tx1"/>
+                </a:solidFill>
+                <a:latin typeface="Arial" charset="0"/>
+                <a:ea typeface="ＭＳ Ｐゴシック" pitchFamily="34" charset="-128"/>
+                <a:cs typeface="+mn-cs"/>
+              </a:defRPr>
+            </a:lvl4pPr>
+            <a:lvl5pPr marL="1828800" algn="l" rtl="0" fontAlgn="base">
+              <a:spcBef>
+                <a:spcPct val="0"/>
+              </a:spcBef>
+              <a:spcAft>
+                <a:spcPct val="0"/>
+              </a:spcAft>
+              <a:defRPr kern="1200">
+                <a:solidFill>
+                  <a:schemeClr val="tx1"/>
+                </a:solidFill>
+                <a:latin typeface="Arial" charset="0"/>
+                <a:ea typeface="ＭＳ Ｐゴシック" pitchFamily="34" charset="-128"/>
+                <a:cs typeface="+mn-cs"/>
+              </a:defRPr>
+            </a:lvl5pPr>
+            <a:lvl6pPr marL="2286000" algn="l" defTabSz="914400" rtl="0" eaLnBrk="1" latinLnBrk="0" hangingPunct="1">
+              <a:defRPr kern="1200">
+                <a:solidFill>
+                  <a:schemeClr val="tx1"/>
+                </a:solidFill>
+                <a:latin typeface="Arial" charset="0"/>
+                <a:ea typeface="ＭＳ Ｐゴシック" pitchFamily="34" charset="-128"/>
+                <a:cs typeface="+mn-cs"/>
+              </a:defRPr>
+            </a:lvl6pPr>
+            <a:lvl7pPr marL="2743200" algn="l" defTabSz="914400" rtl="0" eaLnBrk="1" latinLnBrk="0" hangingPunct="1">
+              <a:defRPr kern="1200">
+                <a:solidFill>
+                  <a:schemeClr val="tx1"/>
+                </a:solidFill>
+                <a:latin typeface="Arial" charset="0"/>
+                <a:ea typeface="ＭＳ Ｐゴシック" pitchFamily="34" charset="-128"/>
+                <a:cs typeface="+mn-cs"/>
+              </a:defRPr>
+            </a:lvl7pPr>
+            <a:lvl8pPr marL="3200400" algn="l" defTabSz="914400" rtl="0" eaLnBrk="1" latinLnBrk="0" hangingPunct="1">
+              <a:defRPr kern="1200">
+                <a:solidFill>
+                  <a:schemeClr val="tx1"/>
+                </a:solidFill>
+                <a:latin typeface="Arial" charset="0"/>
+                <a:ea typeface="ＭＳ Ｐゴシック" pitchFamily="34" charset="-128"/>
+                <a:cs typeface="+mn-cs"/>
+              </a:defRPr>
+            </a:lvl8pPr>
+            <a:lvl9pPr marL="3657600" algn="l" defTabSz="914400" rtl="0" eaLnBrk="1" latinLnBrk="0" hangingPunct="1">
+              <a:defRPr kern="1200">
+                <a:solidFill>
+                  <a:schemeClr val="tx1"/>
+                </a:solidFill>
+                <a:latin typeface="Arial" charset="0"/>
+                <a:ea typeface="ＭＳ Ｐゴシック" pitchFamily="34" charset="-128"/>
+                <a:cs typeface="+mn-cs"/>
+              </a:defRPr>
+            </a:lvl9pPr>
+          </a:lstStyle>
           <a:p>
             <a:pPr marL="342900" indent="-342900" algn="just">
               <a:buFont typeface="Wingdings"/>
@@ -7650,87 +9184,249 @@
                 <a:ea typeface="ＭＳ Ｐゴシック"/>
                 <a:cs typeface="Arial"/>
               </a:rPr>
-              <a:t>Exemples</a:t>
-            </a:r>
-            <a:endParaRPr lang="fr-FR" sz="2400">
+              <a:t>Termes et mots clés </a:t>
+            </a:r>
+            <a:endParaRPr lang="fr-FR">
               <a:solidFill>
                 <a:srgbClr val="FF0000"/>
               </a:solidFill>
-              <a:cs typeface="Arial"/>
-            </a:endParaRPr>
-          </a:p>
-          <a:p>
-            <a:endParaRPr lang="fr-FR" sz="2400">
-              <a:latin typeface="Helvetica"/>
-              <a:cs typeface="Helvetica"/>
             </a:endParaRPr>
           </a:p>
         </p:txBody>
       </p:sp>
-      <p:pic>
-        <p:nvPicPr>
-          <p:cNvPr id="7" name="Image 7">
+      <p:sp>
+        <p:nvSpPr>
+          <p:cNvPr id="5" name="ZoneTexte 1">
             <a:extLst>
               <a:ext uri="{FF2B5EF4-FFF2-40B4-BE49-F238E27FC236}">
-                <a16:creationId xmlns:a16="http://schemas.microsoft.com/office/drawing/2014/main" id="{88D4FBAA-A6B5-685A-5648-96F5CF9E2B68}"/>
+                <a16:creationId xmlns:a16="http://schemas.microsoft.com/office/drawing/2014/main" id="{576EB206-1181-AE1D-1E92-54EAD694BFEC}"/>
               </a:ext>
             </a:extLst>
           </p:cNvPr>
-          <p:cNvPicPr>
-            <a:picLocks noChangeAspect="1"/>
-          </p:cNvPicPr>
+          <p:cNvSpPr txBox="1"/>
           <p:nvPr/>
-        </p:nvPicPr>
-        <p:blipFill>
-          <a:blip r:embed="rId3"/>
-          <a:stretch>
-            <a:fillRect/>
-          </a:stretch>
-        </p:blipFill>
+        </p:nvSpPr>
         <p:spPr>
           <a:xfrm>
-            <a:off x="657554" y="1464385"/>
-            <a:ext cx="4557547" cy="4927710"/>
+            <a:off x="1254821" y="2156248"/>
+            <a:ext cx="6436865" cy="2246769"/>
           </a:xfrm>
           <a:prstGeom prst="rect">
             <a:avLst/>
           </a:prstGeom>
-        </p:spPr>
-      </p:pic>
-      <p:pic>
-        <p:nvPicPr>
-          <p:cNvPr id="8" name="Image 8" descr="Une image contenant texte&#10;&#10;Description générée automatiquement">
-            <a:extLst>
-              <a:ext uri="{FF2B5EF4-FFF2-40B4-BE49-F238E27FC236}">
-                <a16:creationId xmlns:a16="http://schemas.microsoft.com/office/drawing/2014/main" id="{7F1C38C8-E505-1C19-3664-23B6D1C301A9}"/>
-              </a:ext>
-            </a:extLst>
-          </p:cNvPr>
-          <p:cNvPicPr>
-            <a:picLocks noChangeAspect="1"/>
-          </p:cNvPicPr>
-          <p:nvPr/>
-        </p:nvPicPr>
-        <p:blipFill>
-          <a:blip r:embed="rId4"/>
-          <a:stretch>
-            <a:fillRect/>
-          </a:stretch>
-        </p:blipFill>
-        <p:spPr>
-          <a:xfrm>
-            <a:off x="5553076" y="1642735"/>
-            <a:ext cx="3227332" cy="4544738"/>
-          </a:xfrm>
-          <a:prstGeom prst="rect">
-            <a:avLst/>
-          </a:prstGeom>
-        </p:spPr>
-      </p:pic>
+          <a:noFill/>
+        </p:spPr>
+        <p:txBody>
+          <a:bodyPr rot="0" spcFirstLastPara="0" vert="horz" wrap="square" lIns="91440" tIns="45720" rIns="91440" bIns="45720" numCol="1" spcCol="0" rtlCol="0" fromWordArt="0" anchor="t" anchorCtr="0" forceAA="0" compatLnSpc="1">
+            <a:prstTxWarp prst="textNoShape">
+              <a:avLst/>
+            </a:prstTxWarp>
+            <a:spAutoFit/>
+          </a:bodyPr>
+          <a:lstStyle>
+            <a:defPPr>
+              <a:defRPr lang="fr-CA"/>
+            </a:defPPr>
+            <a:lvl1pPr algn="l" rtl="0" fontAlgn="base">
+              <a:spcBef>
+                <a:spcPct val="0"/>
+              </a:spcBef>
+              <a:spcAft>
+                <a:spcPct val="0"/>
+              </a:spcAft>
+              <a:defRPr kern="1200">
+                <a:solidFill>
+                  <a:schemeClr val="tx1"/>
+                </a:solidFill>
+                <a:latin typeface="Arial" charset="0"/>
+                <a:ea typeface="ＭＳ Ｐゴシック" pitchFamily="34" charset="-128"/>
+                <a:cs typeface="+mn-cs"/>
+              </a:defRPr>
+            </a:lvl1pPr>
+            <a:lvl2pPr marL="457200" algn="l" rtl="0" fontAlgn="base">
+              <a:spcBef>
+                <a:spcPct val="0"/>
+              </a:spcBef>
+              <a:spcAft>
+                <a:spcPct val="0"/>
+              </a:spcAft>
+              <a:defRPr kern="1200">
+                <a:solidFill>
+                  <a:schemeClr val="tx1"/>
+                </a:solidFill>
+                <a:latin typeface="Arial" charset="0"/>
+                <a:ea typeface="ＭＳ Ｐゴシック" pitchFamily="34" charset="-128"/>
+                <a:cs typeface="+mn-cs"/>
+              </a:defRPr>
+            </a:lvl2pPr>
+            <a:lvl3pPr marL="914400" algn="l" rtl="0" fontAlgn="base">
+              <a:spcBef>
+                <a:spcPct val="0"/>
+              </a:spcBef>
+              <a:spcAft>
+                <a:spcPct val="0"/>
+              </a:spcAft>
+              <a:defRPr kern="1200">
+                <a:solidFill>
+                  <a:schemeClr val="tx1"/>
+                </a:solidFill>
+                <a:latin typeface="Arial" charset="0"/>
+                <a:ea typeface="ＭＳ Ｐゴシック" pitchFamily="34" charset="-128"/>
+                <a:cs typeface="+mn-cs"/>
+              </a:defRPr>
+            </a:lvl3pPr>
+            <a:lvl4pPr marL="1371600" algn="l" rtl="0" fontAlgn="base">
+              <a:spcBef>
+                <a:spcPct val="0"/>
+              </a:spcBef>
+              <a:spcAft>
+                <a:spcPct val="0"/>
+              </a:spcAft>
+              <a:defRPr kern="1200">
+                <a:solidFill>
+                  <a:schemeClr val="tx1"/>
+                </a:solidFill>
+                <a:latin typeface="Arial" charset="0"/>
+                <a:ea typeface="ＭＳ Ｐゴシック" pitchFamily="34" charset="-128"/>
+                <a:cs typeface="+mn-cs"/>
+              </a:defRPr>
+            </a:lvl4pPr>
+            <a:lvl5pPr marL="1828800" algn="l" rtl="0" fontAlgn="base">
+              <a:spcBef>
+                <a:spcPct val="0"/>
+              </a:spcBef>
+              <a:spcAft>
+                <a:spcPct val="0"/>
+              </a:spcAft>
+              <a:defRPr kern="1200">
+                <a:solidFill>
+                  <a:schemeClr val="tx1"/>
+                </a:solidFill>
+                <a:latin typeface="Arial" charset="0"/>
+                <a:ea typeface="ＭＳ Ｐゴシック" pitchFamily="34" charset="-128"/>
+                <a:cs typeface="+mn-cs"/>
+              </a:defRPr>
+            </a:lvl5pPr>
+            <a:lvl6pPr marL="2286000" algn="l" defTabSz="914400" rtl="0" eaLnBrk="1" latinLnBrk="0" hangingPunct="1">
+              <a:defRPr kern="1200">
+                <a:solidFill>
+                  <a:schemeClr val="tx1"/>
+                </a:solidFill>
+                <a:latin typeface="Arial" charset="0"/>
+                <a:ea typeface="ＭＳ Ｐゴシック" pitchFamily="34" charset="-128"/>
+                <a:cs typeface="+mn-cs"/>
+              </a:defRPr>
+            </a:lvl6pPr>
+            <a:lvl7pPr marL="2743200" algn="l" defTabSz="914400" rtl="0" eaLnBrk="1" latinLnBrk="0" hangingPunct="1">
+              <a:defRPr kern="1200">
+                <a:solidFill>
+                  <a:schemeClr val="tx1"/>
+                </a:solidFill>
+                <a:latin typeface="Arial" charset="0"/>
+                <a:ea typeface="ＭＳ Ｐゴシック" pitchFamily="34" charset="-128"/>
+                <a:cs typeface="+mn-cs"/>
+              </a:defRPr>
+            </a:lvl7pPr>
+            <a:lvl8pPr marL="3200400" algn="l" defTabSz="914400" rtl="0" eaLnBrk="1" latinLnBrk="0" hangingPunct="1">
+              <a:defRPr kern="1200">
+                <a:solidFill>
+                  <a:schemeClr val="tx1"/>
+                </a:solidFill>
+                <a:latin typeface="Arial" charset="0"/>
+                <a:ea typeface="ＭＳ Ｐゴシック" pitchFamily="34" charset="-128"/>
+                <a:cs typeface="+mn-cs"/>
+              </a:defRPr>
+            </a:lvl8pPr>
+            <a:lvl9pPr marL="3657600" algn="l" defTabSz="914400" rtl="0" eaLnBrk="1" latinLnBrk="0" hangingPunct="1">
+              <a:defRPr kern="1200">
+                <a:solidFill>
+                  <a:schemeClr val="tx1"/>
+                </a:solidFill>
+                <a:latin typeface="Arial" charset="0"/>
+                <a:ea typeface="ＭＳ Ｐゴシック" pitchFamily="34" charset="-128"/>
+                <a:cs typeface="+mn-cs"/>
+              </a:defRPr>
+            </a:lvl9pPr>
+          </a:lstStyle>
+          <a:p>
+            <a:pPr marL="285750" indent="-285750" algn="just">
+              <a:buFont typeface="Wingdings"/>
+              <a:buChar char="Ø"/>
+            </a:pPr>
+            <a:r>
+              <a:rPr lang="fr-FR" sz="2800">
+                <a:latin typeface="Arial"/>
+                <a:ea typeface="ＭＳ Ｐゴシック"/>
+                <a:cs typeface="Arial"/>
+              </a:rPr>
+              <a:t>Classe ;</a:t>
+            </a:r>
+          </a:p>
+          <a:p>
+            <a:pPr marL="285750" indent="-285750" algn="just">
+              <a:buFont typeface="Wingdings"/>
+              <a:buChar char="Ø"/>
+            </a:pPr>
+            <a:r>
+              <a:rPr lang="fr-FR" sz="2800">
+                <a:latin typeface="Arial"/>
+                <a:ea typeface="ＭＳ Ｐゴシック"/>
+                <a:cs typeface="Arial"/>
+              </a:rPr>
+              <a:t>Sous-classe/classe enfant ;</a:t>
+            </a:r>
+          </a:p>
+          <a:p>
+            <a:pPr marL="285750" indent="-285750" algn="just">
+              <a:buFont typeface="Wingdings"/>
+              <a:buChar char="Ø"/>
+            </a:pPr>
+            <a:r>
+              <a:rPr lang="fr-FR" sz="2800">
+                <a:latin typeface="Arial"/>
+                <a:ea typeface="ＭＳ Ｐゴシック"/>
+                <a:cs typeface="Arial"/>
+              </a:rPr>
+              <a:t>Super classe/classe parent ;</a:t>
+            </a:r>
+          </a:p>
+          <a:p>
+            <a:pPr marL="285750" indent="-285750" algn="just">
+              <a:buFont typeface="Wingdings"/>
+              <a:buChar char="Ø"/>
+            </a:pPr>
+            <a:r>
+              <a:rPr lang="fr-FR" sz="2800">
+                <a:latin typeface="Arial"/>
+                <a:ea typeface="ＭＳ Ｐゴシック"/>
+                <a:cs typeface="Arial"/>
+              </a:rPr>
+              <a:t>Réutilisabilité ;</a:t>
+            </a:r>
+          </a:p>
+          <a:p>
+            <a:pPr marL="285750" indent="-285750" algn="just">
+              <a:buFont typeface="Wingdings"/>
+              <a:buChar char="Ø"/>
+            </a:pPr>
+            <a:r>
+              <a:rPr lang="fr-FR" sz="2800">
+                <a:latin typeface="Arial"/>
+                <a:ea typeface="ＭＳ Ｐゴシック"/>
+                <a:cs typeface="Arial"/>
+              </a:rPr>
+              <a:t>Extends</a:t>
+            </a:r>
+            <a:endParaRPr lang="fr-FR" sz="2800">
+              <a:cs typeface="Arial"/>
+            </a:endParaRPr>
+          </a:p>
+        </p:txBody>
+      </p:sp>
     </p:spTree>
     <p:extLst>
       <p:ext uri="{BB962C8B-B14F-4D97-AF65-F5344CB8AC3E}">
-        <p14:creationId xmlns:p14="http://schemas.microsoft.com/office/powerpoint/2010/main" val="1523262016"/>
+        <p14:creationId xmlns:p14="http://schemas.microsoft.com/office/powerpoint/2010/main" val="1585625100"/>
       </p:ext>
     </p:extLst>
   </p:cSld>
@@ -7762,6 +9458,2105 @@
       </p:grpSpPr>
       <p:sp>
         <p:nvSpPr>
+          <p:cNvPr id="2" name="Titre 1"/>
+          <p:cNvSpPr>
+            <a:spLocks noGrp="1"/>
+          </p:cNvSpPr>
+          <p:nvPr>
+            <p:ph type="title"/>
+          </p:nvPr>
+        </p:nvSpPr>
+        <p:spPr>
+          <a:xfrm>
+            <a:off x="749258" y="136590"/>
+            <a:ext cx="7933016" cy="648072"/>
+          </a:xfrm>
+        </p:spPr>
+        <p:txBody>
+          <a:bodyPr/>
+          <a:lstStyle/>
+          <a:p>
+            <a:r>
+              <a:rPr lang="fr-CA" sz="3600" cap="none">
+                <a:solidFill>
+                  <a:srgbClr val="FF0000"/>
+                </a:solidFill>
+                <a:cs typeface="Arial"/>
+              </a:rPr>
+              <a:t>HERITAGE</a:t>
+            </a:r>
+            <a:endParaRPr lang="fr-FR"/>
+          </a:p>
+        </p:txBody>
+      </p:sp>
+      <p:pic>
+        <p:nvPicPr>
+          <p:cNvPr id="3" name="Image 1"/>
+          <p:cNvPicPr>
+            <a:picLocks noChangeAspect="1"/>
+          </p:cNvPicPr>
+          <p:nvPr/>
+        </p:nvPicPr>
+        <p:blipFill>
+          <a:blip r:embed="rId2">
+            <a:extLst>
+              <a:ext uri="{28A0092B-C50C-407E-A947-70E740481C1C}">
+                <a14:useLocalDpi xmlns:a14="http://schemas.microsoft.com/office/drawing/2010/main" val="0"/>
+              </a:ext>
+            </a:extLst>
+          </a:blip>
+          <a:srcRect/>
+          <a:stretch>
+            <a:fillRect/>
+          </a:stretch>
+        </p:blipFill>
+        <p:spPr bwMode="auto">
+          <a:xfrm>
+            <a:off x="65088" y="6400800"/>
+            <a:ext cx="1554162" cy="396875"/>
+          </a:xfrm>
+          <a:prstGeom prst="rect">
+            <a:avLst/>
+          </a:prstGeom>
+          <a:noFill/>
+          <a:ln>
+            <a:noFill/>
+          </a:ln>
+          <a:extLst>
+            <a:ext uri="{909E8E84-426E-40DD-AFC4-6F175D3DCCD1}">
+              <a14:hiddenFill xmlns:a14="http://schemas.microsoft.com/office/drawing/2010/main">
+                <a:solidFill>
+                  <a:srgbClr val="FFFFFF"/>
+                </a:solidFill>
+              </a14:hiddenFill>
+            </a:ext>
+            <a:ext uri="{91240B29-F687-4F45-9708-019B960494DF}">
+              <a14:hiddenLine xmlns:a14="http://schemas.microsoft.com/office/drawing/2010/main" w="9525">
+                <a:solidFill>
+                  <a:srgbClr val="000000"/>
+                </a:solidFill>
+                <a:miter lim="800000"/>
+                <a:headEnd/>
+                <a:tailEnd/>
+              </a14:hiddenLine>
+            </a:ext>
+          </a:extLst>
+        </p:spPr>
+      </p:pic>
+      <p:sp>
+        <p:nvSpPr>
+          <p:cNvPr id="4" name="ZoneTexte 1">
+            <a:extLst>
+              <a:ext uri="{FF2B5EF4-FFF2-40B4-BE49-F238E27FC236}">
+                <a16:creationId xmlns:a16="http://schemas.microsoft.com/office/drawing/2014/main" id="{6FBAF6AD-566D-D62D-E726-2197DB60B739}"/>
+              </a:ext>
+            </a:extLst>
+          </p:cNvPr>
+          <p:cNvSpPr txBox="1"/>
+          <p:nvPr/>
+        </p:nvSpPr>
+        <p:spPr>
+          <a:xfrm>
+            <a:off x="893936" y="975740"/>
+            <a:ext cx="6396397" cy="461665"/>
+          </a:xfrm>
+          <a:prstGeom prst="rect">
+            <a:avLst/>
+          </a:prstGeom>
+          <a:noFill/>
+        </p:spPr>
+        <p:txBody>
+          <a:bodyPr rot="0" spcFirstLastPara="0" vert="horz" wrap="square" lIns="91440" tIns="45720" rIns="91440" bIns="45720" numCol="1" spcCol="0" rtlCol="0" fromWordArt="0" anchor="t" anchorCtr="0" forceAA="0" compatLnSpc="1">
+            <a:prstTxWarp prst="textNoShape">
+              <a:avLst/>
+            </a:prstTxWarp>
+            <a:spAutoFit/>
+          </a:bodyPr>
+          <a:lstStyle>
+            <a:defPPr>
+              <a:defRPr lang="fr-CA"/>
+            </a:defPPr>
+            <a:lvl1pPr algn="l" rtl="0" fontAlgn="base">
+              <a:spcBef>
+                <a:spcPct val="0"/>
+              </a:spcBef>
+              <a:spcAft>
+                <a:spcPct val="0"/>
+              </a:spcAft>
+              <a:defRPr kern="1200">
+                <a:solidFill>
+                  <a:schemeClr val="tx1"/>
+                </a:solidFill>
+                <a:latin typeface="Arial" charset="0"/>
+                <a:ea typeface="ＭＳ Ｐゴシック" pitchFamily="34" charset="-128"/>
+                <a:cs typeface="+mn-cs"/>
+              </a:defRPr>
+            </a:lvl1pPr>
+            <a:lvl2pPr marL="457200" algn="l" rtl="0" fontAlgn="base">
+              <a:spcBef>
+                <a:spcPct val="0"/>
+              </a:spcBef>
+              <a:spcAft>
+                <a:spcPct val="0"/>
+              </a:spcAft>
+              <a:defRPr kern="1200">
+                <a:solidFill>
+                  <a:schemeClr val="tx1"/>
+                </a:solidFill>
+                <a:latin typeface="Arial" charset="0"/>
+                <a:ea typeface="ＭＳ Ｐゴシック" pitchFamily="34" charset="-128"/>
+                <a:cs typeface="+mn-cs"/>
+              </a:defRPr>
+            </a:lvl2pPr>
+            <a:lvl3pPr marL="914400" algn="l" rtl="0" fontAlgn="base">
+              <a:spcBef>
+                <a:spcPct val="0"/>
+              </a:spcBef>
+              <a:spcAft>
+                <a:spcPct val="0"/>
+              </a:spcAft>
+              <a:defRPr kern="1200">
+                <a:solidFill>
+                  <a:schemeClr val="tx1"/>
+                </a:solidFill>
+                <a:latin typeface="Arial" charset="0"/>
+                <a:ea typeface="ＭＳ Ｐゴシック" pitchFamily="34" charset="-128"/>
+                <a:cs typeface="+mn-cs"/>
+              </a:defRPr>
+            </a:lvl3pPr>
+            <a:lvl4pPr marL="1371600" algn="l" rtl="0" fontAlgn="base">
+              <a:spcBef>
+                <a:spcPct val="0"/>
+              </a:spcBef>
+              <a:spcAft>
+                <a:spcPct val="0"/>
+              </a:spcAft>
+              <a:defRPr kern="1200">
+                <a:solidFill>
+                  <a:schemeClr val="tx1"/>
+                </a:solidFill>
+                <a:latin typeface="Arial" charset="0"/>
+                <a:ea typeface="ＭＳ Ｐゴシック" pitchFamily="34" charset="-128"/>
+                <a:cs typeface="+mn-cs"/>
+              </a:defRPr>
+            </a:lvl4pPr>
+            <a:lvl5pPr marL="1828800" algn="l" rtl="0" fontAlgn="base">
+              <a:spcBef>
+                <a:spcPct val="0"/>
+              </a:spcBef>
+              <a:spcAft>
+                <a:spcPct val="0"/>
+              </a:spcAft>
+              <a:defRPr kern="1200">
+                <a:solidFill>
+                  <a:schemeClr val="tx1"/>
+                </a:solidFill>
+                <a:latin typeface="Arial" charset="0"/>
+                <a:ea typeface="ＭＳ Ｐゴシック" pitchFamily="34" charset="-128"/>
+                <a:cs typeface="+mn-cs"/>
+              </a:defRPr>
+            </a:lvl5pPr>
+            <a:lvl6pPr marL="2286000" algn="l" defTabSz="914400" rtl="0" eaLnBrk="1" latinLnBrk="0" hangingPunct="1">
+              <a:defRPr kern="1200">
+                <a:solidFill>
+                  <a:schemeClr val="tx1"/>
+                </a:solidFill>
+                <a:latin typeface="Arial" charset="0"/>
+                <a:ea typeface="ＭＳ Ｐゴシック" pitchFamily="34" charset="-128"/>
+                <a:cs typeface="+mn-cs"/>
+              </a:defRPr>
+            </a:lvl6pPr>
+            <a:lvl7pPr marL="2743200" algn="l" defTabSz="914400" rtl="0" eaLnBrk="1" latinLnBrk="0" hangingPunct="1">
+              <a:defRPr kern="1200">
+                <a:solidFill>
+                  <a:schemeClr val="tx1"/>
+                </a:solidFill>
+                <a:latin typeface="Arial" charset="0"/>
+                <a:ea typeface="ＭＳ Ｐゴシック" pitchFamily="34" charset="-128"/>
+                <a:cs typeface="+mn-cs"/>
+              </a:defRPr>
+            </a:lvl7pPr>
+            <a:lvl8pPr marL="3200400" algn="l" defTabSz="914400" rtl="0" eaLnBrk="1" latinLnBrk="0" hangingPunct="1">
+              <a:defRPr kern="1200">
+                <a:solidFill>
+                  <a:schemeClr val="tx1"/>
+                </a:solidFill>
+                <a:latin typeface="Arial" charset="0"/>
+                <a:ea typeface="ＭＳ Ｐゴシック" pitchFamily="34" charset="-128"/>
+                <a:cs typeface="+mn-cs"/>
+              </a:defRPr>
+            </a:lvl8pPr>
+            <a:lvl9pPr marL="3657600" algn="l" defTabSz="914400" rtl="0" eaLnBrk="1" latinLnBrk="0" hangingPunct="1">
+              <a:defRPr kern="1200">
+                <a:solidFill>
+                  <a:schemeClr val="tx1"/>
+                </a:solidFill>
+                <a:latin typeface="Arial" charset="0"/>
+                <a:ea typeface="ＭＳ Ｐゴシック" pitchFamily="34" charset="-128"/>
+                <a:cs typeface="+mn-cs"/>
+              </a:defRPr>
+            </a:lvl9pPr>
+          </a:lstStyle>
+          <a:p>
+            <a:pPr marL="342900" indent="-342900" algn="just">
+              <a:buFont typeface="Wingdings"/>
+              <a:buChar char="q"/>
+            </a:pPr>
+            <a:r>
+              <a:rPr lang="fr-FR" sz="2400">
+                <a:solidFill>
+                  <a:srgbClr val="FF0000"/>
+                </a:solidFill>
+                <a:latin typeface="Arial"/>
+                <a:ea typeface="ＭＳ Ｐゴシック"/>
+                <a:cs typeface="Arial"/>
+              </a:rPr>
+              <a:t>Syntaxe</a:t>
+            </a:r>
+            <a:endParaRPr lang="fr-FR">
+              <a:solidFill>
+                <a:srgbClr val="FF0000"/>
+              </a:solidFill>
+            </a:endParaRPr>
+          </a:p>
+        </p:txBody>
+      </p:sp>
+      <p:graphicFrame>
+        <p:nvGraphicFramePr>
+          <p:cNvPr id="9" name="Tableau 8">
+            <a:extLst>
+              <a:ext uri="{FF2B5EF4-FFF2-40B4-BE49-F238E27FC236}">
+                <a16:creationId xmlns:a16="http://schemas.microsoft.com/office/drawing/2014/main" id="{46C95F35-7E6D-FF48-20FC-ADA1B77D3466}"/>
+              </a:ext>
+            </a:extLst>
+          </p:cNvPr>
+          <p:cNvGraphicFramePr>
+            <a:graphicFrameLocks noGrp="1"/>
+          </p:cNvGraphicFramePr>
+          <p:nvPr>
+            <p:extLst>
+              <p:ext uri="{D42A27DB-BD31-4B8C-83A1-F6EECF244321}">
+                <p14:modId xmlns:p14="http://schemas.microsoft.com/office/powerpoint/2010/main" val="1759630229"/>
+              </p:ext>
+            </p:extLst>
+          </p:nvPr>
+        </p:nvGraphicFramePr>
+        <p:xfrm>
+          <a:off x="1447800" y="1463040"/>
+          <a:ext cx="6248400" cy="3937819"/>
+        </p:xfrm>
+        <a:graphic>
+          <a:graphicData uri="http://schemas.openxmlformats.org/drawingml/2006/table">
+            <a:tbl>
+              <a:tblPr firstRow="1" bandRow="1">
+                <a:tableStyleId>{5C22544A-7EE6-4342-B048-85BDC9FD1C3A}</a:tableStyleId>
+              </a:tblPr>
+              <a:tblGrid>
+                <a:gridCol w="6248400">
+                  <a:extLst>
+                    <a:ext uri="{9D8B030D-6E8A-4147-A177-3AD203B41FA5}">
+                      <a16:colId xmlns:a16="http://schemas.microsoft.com/office/drawing/2014/main" val="109655475"/>
+                    </a:ext>
+                  </a:extLst>
+                </a:gridCol>
+              </a:tblGrid>
+              <a:tr h="3937819">
+                <a:tc>
+                  <a:txBody>
+                    <a:bodyPr/>
+                    <a:lstStyle/>
+                    <a:p>
+                      <a:pPr fontAlgn="base"/>
+                      <a:r>
+                        <a:rPr lang="fr-FR" sz="2800">
+                          <a:solidFill>
+                            <a:srgbClr val="FF0000"/>
+                          </a:solidFill>
+                          <a:effectLst/>
+                        </a:rPr>
+                        <a:t>class </a:t>
+                      </a:r>
+                      <a:r>
+                        <a:rPr lang="fr-FR" sz="2800">
+                          <a:effectLst/>
+                        </a:rPr>
+                        <a:t>Moto </a:t>
+                      </a:r>
+                      <a:r>
+                        <a:rPr lang="fr-FR" sz="2800" err="1">
+                          <a:solidFill>
+                            <a:srgbClr val="FF0000"/>
+                          </a:solidFill>
+                          <a:effectLst/>
+                        </a:rPr>
+                        <a:t>extends</a:t>
+                      </a:r>
+                      <a:r>
+                        <a:rPr lang="fr-FR" sz="2800">
+                          <a:solidFill>
+                            <a:srgbClr val="FF0000"/>
+                          </a:solidFill>
+                          <a:effectLst/>
+                        </a:rPr>
+                        <a:t> </a:t>
+                      </a:r>
+                      <a:r>
+                        <a:rPr lang="fr-FR" sz="2800" err="1">
+                          <a:effectLst/>
+                        </a:rPr>
+                        <a:t>Vehicule</a:t>
+                      </a:r>
+                      <a:r>
+                        <a:rPr lang="fr-FR" sz="2800">
+                          <a:effectLst/>
+                        </a:rPr>
+                        <a:t> {​</a:t>
+                      </a:r>
+                      <a:endParaRPr lang="fr-FR">
+                        <a:effectLst/>
+                      </a:endParaRPr>
+                    </a:p>
+                    <a:p>
+                      <a:pPr fontAlgn="base"/>
+                      <a:r>
+                        <a:rPr lang="fr-FR" sz="2800">
+                          <a:effectLst/>
+                        </a:rPr>
+                        <a:t>​</a:t>
+                      </a:r>
+                      <a:endParaRPr lang="fr-FR">
+                        <a:effectLst/>
+                      </a:endParaRPr>
+                    </a:p>
+                    <a:p>
+                      <a:pPr fontAlgn="base"/>
+                      <a:r>
+                        <a:rPr lang="fr-FR" sz="2800">
+                          <a:effectLst/>
+                        </a:rPr>
+                        <a:t>​</a:t>
+                      </a:r>
+                      <a:endParaRPr lang="fr-FR">
+                        <a:effectLst/>
+                      </a:endParaRPr>
+                    </a:p>
+                    <a:p>
+                      <a:pPr fontAlgn="base"/>
+                      <a:r>
+                        <a:rPr lang="fr-FR" sz="2800">
+                          <a:effectLst/>
+                        </a:rPr>
+                        <a:t>}​</a:t>
+                      </a:r>
+                      <a:endParaRPr lang="fr-FR">
+                        <a:effectLst/>
+                      </a:endParaRPr>
+                    </a:p>
+                    <a:p>
+                      <a:pPr fontAlgn="base"/>
+                      <a:r>
+                        <a:rPr lang="fr-FR" sz="2800">
+                          <a:effectLst/>
+                        </a:rPr>
+                        <a:t>​</a:t>
+                      </a:r>
+                      <a:endParaRPr lang="fr-FR">
+                        <a:effectLst/>
+                      </a:endParaRPr>
+                    </a:p>
+                    <a:p>
+                      <a:pPr fontAlgn="base"/>
+                      <a:r>
+                        <a:rPr lang="fr-FR" sz="2800">
+                          <a:solidFill>
+                            <a:srgbClr val="FF0000"/>
+                          </a:solidFill>
+                          <a:effectLst/>
+                        </a:rPr>
+                        <a:t>class </a:t>
+                      </a:r>
+                      <a:r>
+                        <a:rPr lang="fr-FR" sz="2800">
+                          <a:effectLst/>
+                        </a:rPr>
+                        <a:t>Voiture  </a:t>
+                      </a:r>
+                      <a:r>
+                        <a:rPr lang="fr-FR" sz="2800" err="1">
+                          <a:solidFill>
+                            <a:srgbClr val="FF0000"/>
+                          </a:solidFill>
+                          <a:effectLst/>
+                        </a:rPr>
+                        <a:t>extends</a:t>
+                      </a:r>
+                      <a:r>
+                        <a:rPr lang="fr-FR" sz="2800">
+                          <a:solidFill>
+                            <a:srgbClr val="FF0000"/>
+                          </a:solidFill>
+                          <a:effectLst/>
+                        </a:rPr>
+                        <a:t> </a:t>
+                      </a:r>
+                      <a:r>
+                        <a:rPr lang="fr-FR" sz="2800" err="1">
+                          <a:effectLst/>
+                        </a:rPr>
+                        <a:t>Vehicule</a:t>
+                      </a:r>
+                      <a:r>
+                        <a:rPr lang="fr-FR" sz="2800">
+                          <a:effectLst/>
+                        </a:rPr>
+                        <a:t> {​</a:t>
+                      </a:r>
+                      <a:endParaRPr lang="fr-FR">
+                        <a:effectLst/>
+                      </a:endParaRPr>
+                    </a:p>
+                    <a:p>
+                      <a:pPr fontAlgn="base"/>
+                      <a:r>
+                        <a:rPr lang="fr-FR" sz="2800">
+                          <a:effectLst/>
+                        </a:rPr>
+                        <a:t>​</a:t>
+                      </a:r>
+                      <a:endParaRPr lang="fr-FR">
+                        <a:effectLst/>
+                      </a:endParaRPr>
+                    </a:p>
+                    <a:p>
+                      <a:pPr fontAlgn="base"/>
+                      <a:r>
+                        <a:rPr lang="fr-FR" sz="2800">
+                          <a:effectLst/>
+                        </a:rPr>
+                        <a:t>​</a:t>
+                      </a:r>
+                      <a:endParaRPr lang="fr-FR">
+                        <a:effectLst/>
+                      </a:endParaRPr>
+                    </a:p>
+                    <a:p>
+                      <a:pPr fontAlgn="base"/>
+                      <a:r>
+                        <a:rPr lang="fr-FR" sz="2800">
+                          <a:effectLst/>
+                        </a:rPr>
+                        <a:t>}​</a:t>
+                      </a:r>
+                      <a:endParaRPr lang="fr-FR" b="1">
+                        <a:solidFill>
+                          <a:srgbClr val="FFFFFF"/>
+                        </a:solidFill>
+                        <a:effectLst/>
+                      </a:endParaRPr>
+                    </a:p>
+                  </a:txBody>
+                  <a:tcPr>
+                    <a:solidFill>
+                      <a:schemeClr val="tx1"/>
+                    </a:solidFill>
+                  </a:tcPr>
+                </a:tc>
+                <a:extLst>
+                  <a:ext uri="{0D108BD9-81ED-4DB2-BD59-A6C34878D82A}">
+                    <a16:rowId xmlns:a16="http://schemas.microsoft.com/office/drawing/2014/main" val="139991619"/>
+                  </a:ext>
+                </a:extLst>
+              </a:tr>
+            </a:tbl>
+          </a:graphicData>
+        </a:graphic>
+      </p:graphicFrame>
+    </p:spTree>
+    <p:extLst>
+      <p:ext uri="{BB962C8B-B14F-4D97-AF65-F5344CB8AC3E}">
+        <p14:creationId xmlns:p14="http://schemas.microsoft.com/office/powerpoint/2010/main" val="3222254048"/>
+      </p:ext>
+    </p:extLst>
+  </p:cSld>
+  <p:clrMapOvr>
+    <a:masterClrMapping/>
+  </p:clrMapOvr>
+  <p:transition spd="slow">
+    <p:wipe/>
+  </p:transition>
+</p:sld>
+</file>
+
+<file path=ppt/slides/slide23.xml><?xml version="1.0" encoding="utf-8"?>
+<p:sld xmlns:a="http://schemas.openxmlformats.org/drawingml/2006/main" xmlns:r="http://schemas.openxmlformats.org/officeDocument/2006/relationships" xmlns:p="http://schemas.openxmlformats.org/presentationml/2006/main">
+  <p:cSld>
+    <p:spTree>
+      <p:nvGrpSpPr>
+        <p:cNvPr id="1" name=""/>
+        <p:cNvGrpSpPr/>
+        <p:nvPr/>
+      </p:nvGrpSpPr>
+      <p:grpSpPr>
+        <a:xfrm>
+          <a:off x="0" y="0"/>
+          <a:ext cx="0" cy="0"/>
+          <a:chOff x="0" y="0"/>
+          <a:chExt cx="0" cy="0"/>
+        </a:xfrm>
+      </p:grpSpPr>
+      <p:sp>
+        <p:nvSpPr>
+          <p:cNvPr id="2" name="Titre 1"/>
+          <p:cNvSpPr>
+            <a:spLocks noGrp="1"/>
+          </p:cNvSpPr>
+          <p:nvPr>
+            <p:ph type="title"/>
+          </p:nvPr>
+        </p:nvSpPr>
+        <p:spPr>
+          <a:xfrm>
+            <a:off x="749258" y="136590"/>
+            <a:ext cx="7933016" cy="648072"/>
+          </a:xfrm>
+        </p:spPr>
+        <p:txBody>
+          <a:bodyPr/>
+          <a:lstStyle/>
+          <a:p>
+            <a:r>
+              <a:rPr lang="fr-CA" sz="3600" cap="none">
+                <a:solidFill>
+                  <a:srgbClr val="FF0000"/>
+                </a:solidFill>
+                <a:cs typeface="Arial"/>
+              </a:rPr>
+              <a:t>HERITAGE </a:t>
+            </a:r>
+            <a:endParaRPr lang="fr-FR"/>
+          </a:p>
+        </p:txBody>
+      </p:sp>
+      <p:pic>
+        <p:nvPicPr>
+          <p:cNvPr id="3" name="Image 1"/>
+          <p:cNvPicPr>
+            <a:picLocks noChangeAspect="1"/>
+          </p:cNvPicPr>
+          <p:nvPr/>
+        </p:nvPicPr>
+        <p:blipFill>
+          <a:blip r:embed="rId2">
+            <a:extLst>
+              <a:ext uri="{28A0092B-C50C-407E-A947-70E740481C1C}">
+                <a14:useLocalDpi xmlns:a14="http://schemas.microsoft.com/office/drawing/2010/main" val="0"/>
+              </a:ext>
+            </a:extLst>
+          </a:blip>
+          <a:srcRect/>
+          <a:stretch>
+            <a:fillRect/>
+          </a:stretch>
+        </p:blipFill>
+        <p:spPr bwMode="auto">
+          <a:xfrm>
+            <a:off x="65088" y="6400800"/>
+            <a:ext cx="1554162" cy="396875"/>
+          </a:xfrm>
+          <a:prstGeom prst="rect">
+            <a:avLst/>
+          </a:prstGeom>
+          <a:noFill/>
+          <a:ln>
+            <a:noFill/>
+          </a:ln>
+          <a:extLst>
+            <a:ext uri="{909E8E84-426E-40DD-AFC4-6F175D3DCCD1}">
+              <a14:hiddenFill xmlns:a14="http://schemas.microsoft.com/office/drawing/2010/main">
+                <a:solidFill>
+                  <a:srgbClr val="FFFFFF"/>
+                </a:solidFill>
+              </a14:hiddenFill>
+            </a:ext>
+            <a:ext uri="{91240B29-F687-4F45-9708-019B960494DF}">
+              <a14:hiddenLine xmlns:a14="http://schemas.microsoft.com/office/drawing/2010/main" w="9525">
+                <a:solidFill>
+                  <a:srgbClr val="000000"/>
+                </a:solidFill>
+                <a:miter lim="800000"/>
+                <a:headEnd/>
+                <a:tailEnd/>
+              </a14:hiddenLine>
+            </a:ext>
+          </a:extLst>
+        </p:spPr>
+      </p:pic>
+      <p:sp>
+        <p:nvSpPr>
+          <p:cNvPr id="6" name="ZoneTexte 5">
+            <a:extLst>
+              <a:ext uri="{FF2B5EF4-FFF2-40B4-BE49-F238E27FC236}">
+                <a16:creationId xmlns:a16="http://schemas.microsoft.com/office/drawing/2014/main" id="{B2F8B59F-B102-7155-58EA-6E5E871649E6}"/>
+              </a:ext>
+            </a:extLst>
+          </p:cNvPr>
+          <p:cNvSpPr txBox="1"/>
+          <p:nvPr/>
+        </p:nvSpPr>
+        <p:spPr>
+          <a:xfrm>
+            <a:off x="1035727" y="933600"/>
+            <a:ext cx="2165985" cy="830997"/>
+          </a:xfrm>
+          <a:prstGeom prst="rect">
+            <a:avLst/>
+          </a:prstGeom>
+          <a:noFill/>
+        </p:spPr>
+        <p:txBody>
+          <a:bodyPr rot="0" spcFirstLastPara="0" vertOverflow="overflow" horzOverflow="overflow" vert="horz" wrap="square" lIns="91440" tIns="45720" rIns="91440" bIns="45720" numCol="1" spcCol="0" rtlCol="0" fromWordArt="0" anchor="t" anchorCtr="0" forceAA="0" compatLnSpc="1">
+            <a:prstTxWarp prst="textNoShape">
+              <a:avLst/>
+            </a:prstTxWarp>
+            <a:spAutoFit/>
+          </a:bodyPr>
+          <a:lstStyle/>
+          <a:p>
+            <a:pPr marL="342900" indent="-342900" algn="just">
+              <a:buFont typeface="Wingdings"/>
+              <a:buChar char="q"/>
+            </a:pPr>
+            <a:r>
+              <a:rPr lang="fr-FR" sz="2400">
+                <a:solidFill>
+                  <a:srgbClr val="FF0000"/>
+                </a:solidFill>
+                <a:latin typeface="Arial"/>
+                <a:ea typeface="ＭＳ Ｐゴシック"/>
+                <a:cs typeface="Arial"/>
+              </a:rPr>
+              <a:t>Exemples</a:t>
+            </a:r>
+            <a:endParaRPr lang="fr-FR" sz="2400">
+              <a:solidFill>
+                <a:srgbClr val="FF0000"/>
+              </a:solidFill>
+              <a:cs typeface="Arial"/>
+            </a:endParaRPr>
+          </a:p>
+          <a:p>
+            <a:endParaRPr lang="fr-FR" sz="2400">
+              <a:latin typeface="Helvetica"/>
+              <a:cs typeface="Helvetica"/>
+            </a:endParaRPr>
+          </a:p>
+        </p:txBody>
+      </p:sp>
+      <p:pic>
+        <p:nvPicPr>
+          <p:cNvPr id="7" name="Image 7">
+            <a:extLst>
+              <a:ext uri="{FF2B5EF4-FFF2-40B4-BE49-F238E27FC236}">
+                <a16:creationId xmlns:a16="http://schemas.microsoft.com/office/drawing/2014/main" id="{88D4FBAA-A6B5-685A-5648-96F5CF9E2B68}"/>
+              </a:ext>
+            </a:extLst>
+          </p:cNvPr>
+          <p:cNvPicPr>
+            <a:picLocks noChangeAspect="1"/>
+          </p:cNvPicPr>
+          <p:nvPr/>
+        </p:nvPicPr>
+        <p:blipFill>
+          <a:blip r:embed="rId3"/>
+          <a:stretch>
+            <a:fillRect/>
+          </a:stretch>
+        </p:blipFill>
+        <p:spPr>
+          <a:xfrm>
+            <a:off x="657554" y="1464385"/>
+            <a:ext cx="4557547" cy="4927710"/>
+          </a:xfrm>
+          <a:prstGeom prst="rect">
+            <a:avLst/>
+          </a:prstGeom>
+        </p:spPr>
+      </p:pic>
+      <p:pic>
+        <p:nvPicPr>
+          <p:cNvPr id="8" name="Image 8" descr="Une image contenant texte&#10;&#10;Description générée automatiquement">
+            <a:extLst>
+              <a:ext uri="{FF2B5EF4-FFF2-40B4-BE49-F238E27FC236}">
+                <a16:creationId xmlns:a16="http://schemas.microsoft.com/office/drawing/2014/main" id="{7F1C38C8-E505-1C19-3664-23B6D1C301A9}"/>
+              </a:ext>
+            </a:extLst>
+          </p:cNvPr>
+          <p:cNvPicPr>
+            <a:picLocks noChangeAspect="1"/>
+          </p:cNvPicPr>
+          <p:nvPr/>
+        </p:nvPicPr>
+        <p:blipFill>
+          <a:blip r:embed="rId4"/>
+          <a:stretch>
+            <a:fillRect/>
+          </a:stretch>
+        </p:blipFill>
+        <p:spPr>
+          <a:xfrm>
+            <a:off x="5553076" y="1642735"/>
+            <a:ext cx="3227332" cy="4544738"/>
+          </a:xfrm>
+          <a:prstGeom prst="rect">
+            <a:avLst/>
+          </a:prstGeom>
+        </p:spPr>
+      </p:pic>
+    </p:spTree>
+    <p:extLst>
+      <p:ext uri="{BB962C8B-B14F-4D97-AF65-F5344CB8AC3E}">
+        <p14:creationId xmlns:p14="http://schemas.microsoft.com/office/powerpoint/2010/main" val="1523262016"/>
+      </p:ext>
+    </p:extLst>
+  </p:cSld>
+  <p:clrMapOvr>
+    <a:masterClrMapping/>
+  </p:clrMapOvr>
+  <p:transition spd="slow">
+    <p:wipe/>
+  </p:transition>
+</p:sld>
+</file>
+
+<file path=ppt/slides/slide24.xml><?xml version="1.0" encoding="utf-8"?>
+<p:sld xmlns:a="http://schemas.openxmlformats.org/drawingml/2006/main" xmlns:r="http://schemas.openxmlformats.org/officeDocument/2006/relationships" xmlns:p="http://schemas.openxmlformats.org/presentationml/2006/main">
+  <p:cSld>
+    <p:spTree>
+      <p:nvGrpSpPr>
+        <p:cNvPr id="1" name=""/>
+        <p:cNvGrpSpPr/>
+        <p:nvPr/>
+      </p:nvGrpSpPr>
+      <p:grpSpPr>
+        <a:xfrm>
+          <a:off x="0" y="0"/>
+          <a:ext cx="0" cy="0"/>
+          <a:chOff x="0" y="0"/>
+          <a:chExt cx="0" cy="0"/>
+        </a:xfrm>
+      </p:grpSpPr>
+      <p:sp>
+        <p:nvSpPr>
+          <p:cNvPr id="2" name="Titre 1"/>
+          <p:cNvSpPr>
+            <a:spLocks noGrp="1"/>
+          </p:cNvSpPr>
+          <p:nvPr>
+            <p:ph type="title"/>
+          </p:nvPr>
+        </p:nvSpPr>
+        <p:spPr/>
+        <p:txBody>
+          <a:bodyPr/>
+          <a:lstStyle/>
+          <a:p>
+            <a:r>
+              <a:rPr lang="fr-CA" sz="3600" cap="none">
+                <a:solidFill>
+                  <a:srgbClr val="FF0000"/>
+                </a:solidFill>
+                <a:cs typeface="Arial"/>
+              </a:rPr>
+              <a:t>HERITAGE </a:t>
+            </a:r>
+            <a:endParaRPr lang="fr-FR"/>
+          </a:p>
+        </p:txBody>
+      </p:sp>
+      <p:sp>
+        <p:nvSpPr>
+          <p:cNvPr id="12" name="Espace réservé du contenu 11">
+            <a:extLst>
+              <a:ext uri="{FF2B5EF4-FFF2-40B4-BE49-F238E27FC236}">
+                <a16:creationId xmlns:a16="http://schemas.microsoft.com/office/drawing/2014/main" id="{2257AA88-E51B-077F-4414-A752F4C240A8}"/>
+              </a:ext>
+            </a:extLst>
+          </p:cNvPr>
+          <p:cNvSpPr>
+            <a:spLocks noGrp="1"/>
+          </p:cNvSpPr>
+          <p:nvPr>
+            <p:ph sz="half" idx="1"/>
+          </p:nvPr>
+        </p:nvSpPr>
+        <p:spPr/>
+        <p:style>
+          <a:lnRef idx="1">
+            <a:schemeClr val="accent6"/>
+          </a:lnRef>
+          <a:fillRef idx="2">
+            <a:schemeClr val="accent6"/>
+          </a:fillRef>
+          <a:effectRef idx="1">
+            <a:schemeClr val="accent6"/>
+          </a:effectRef>
+          <a:fontRef idx="minor">
+            <a:schemeClr val="dk1"/>
+          </a:fontRef>
+        </p:style>
+        <p:txBody>
+          <a:bodyPr/>
+          <a:lstStyle/>
+          <a:p>
+            <a:pPr>
+              <a:buNone/>
+            </a:pPr>
+            <a:r>
+              <a:rPr lang="fr-FR" sz="2000" b="1">
+                <a:solidFill>
+                  <a:srgbClr val="0070C0"/>
+                </a:solidFill>
+                <a:latin typeface="Arial"/>
+                <a:cs typeface="Arial"/>
+              </a:rPr>
+              <a:t>Héritage multiniveau</a:t>
+            </a:r>
+            <a:endParaRPr lang="fr-FR" sz="2000" b="1">
+              <a:ea typeface="+mn-lt"/>
+              <a:cs typeface="+mn-lt"/>
+            </a:endParaRPr>
+          </a:p>
+          <a:p>
+            <a:pPr marL="0" indent="0">
+              <a:buNone/>
+            </a:pPr>
+            <a:endParaRPr lang="fr-FR" sz="2000"/>
+          </a:p>
+        </p:txBody>
+      </p:sp>
+      <p:sp>
+        <p:nvSpPr>
+          <p:cNvPr id="13" name="Espace réservé du contenu 12">
+            <a:extLst>
+              <a:ext uri="{FF2B5EF4-FFF2-40B4-BE49-F238E27FC236}">
+                <a16:creationId xmlns:a16="http://schemas.microsoft.com/office/drawing/2014/main" id="{985347E4-9C18-7802-BBD2-CB2C6C9A3A0E}"/>
+              </a:ext>
+            </a:extLst>
+          </p:cNvPr>
+          <p:cNvSpPr>
+            <a:spLocks noGrp="1"/>
+          </p:cNvSpPr>
+          <p:nvPr>
+            <p:ph sz="half" idx="2"/>
+          </p:nvPr>
+        </p:nvSpPr>
+        <p:spPr/>
+        <p:style>
+          <a:lnRef idx="1">
+            <a:schemeClr val="accent6"/>
+          </a:lnRef>
+          <a:fillRef idx="2">
+            <a:schemeClr val="accent6"/>
+          </a:fillRef>
+          <a:effectRef idx="1">
+            <a:schemeClr val="accent6"/>
+          </a:effectRef>
+          <a:fontRef idx="minor">
+            <a:schemeClr val="dk1"/>
+          </a:fontRef>
+        </p:style>
+        <p:txBody>
+          <a:bodyPr/>
+          <a:lstStyle/>
+          <a:p>
+            <a:pPr marL="0" indent="0">
+              <a:buNone/>
+            </a:pPr>
+            <a:r>
+              <a:rPr lang="fr-FR" sz="2000" b="1">
+                <a:solidFill>
+                  <a:srgbClr val="0070C0"/>
+                </a:solidFill>
+                <a:latin typeface="Arial"/>
+                <a:cs typeface="Arial"/>
+              </a:rPr>
+              <a:t>        Héritage hiérarchique</a:t>
+            </a:r>
+            <a:endParaRPr lang="fr-FR" sz="2000" b="1" err="1">
+              <a:ea typeface="+mn-lt"/>
+              <a:cs typeface="+mn-lt"/>
+            </a:endParaRPr>
+          </a:p>
+          <a:p>
+            <a:endParaRPr lang="fr-FR" sz="2400"/>
+          </a:p>
+        </p:txBody>
+      </p:sp>
+      <p:pic>
+        <p:nvPicPr>
+          <p:cNvPr id="3" name="Image 1"/>
+          <p:cNvPicPr>
+            <a:picLocks noChangeAspect="1"/>
+          </p:cNvPicPr>
+          <p:nvPr/>
+        </p:nvPicPr>
+        <p:blipFill>
+          <a:blip r:embed="rId2">
+            <a:extLst>
+              <a:ext uri="{28A0092B-C50C-407E-A947-70E740481C1C}">
+                <a14:useLocalDpi xmlns:a14="http://schemas.microsoft.com/office/drawing/2010/main" val="0"/>
+              </a:ext>
+            </a:extLst>
+          </a:blip>
+          <a:srcRect/>
+          <a:stretch>
+            <a:fillRect/>
+          </a:stretch>
+        </p:blipFill>
+        <p:spPr bwMode="auto">
+          <a:xfrm>
+            <a:off x="65088" y="6400800"/>
+            <a:ext cx="1554162" cy="396875"/>
+          </a:xfrm>
+          <a:prstGeom prst="rect">
+            <a:avLst/>
+          </a:prstGeom>
+          <a:noFill/>
+          <a:ln>
+            <a:noFill/>
+          </a:ln>
+          <a:extLst>
+            <a:ext uri="{909E8E84-426E-40DD-AFC4-6F175D3DCCD1}">
+              <a14:hiddenFill xmlns:a14="http://schemas.microsoft.com/office/drawing/2010/main">
+                <a:solidFill>
+                  <a:srgbClr val="FFFFFF"/>
+                </a:solidFill>
+              </a14:hiddenFill>
+            </a:ext>
+            <a:ext uri="{91240B29-F687-4F45-9708-019B960494DF}">
+              <a14:hiddenLine xmlns:a14="http://schemas.microsoft.com/office/drawing/2010/main" w="9525">
+                <a:solidFill>
+                  <a:srgbClr val="000000"/>
+                </a:solidFill>
+                <a:miter lim="800000"/>
+                <a:headEnd/>
+                <a:tailEnd/>
+              </a14:hiddenLine>
+            </a:ext>
+          </a:extLst>
+        </p:spPr>
+      </p:pic>
+      <p:sp>
+        <p:nvSpPr>
+          <p:cNvPr id="6" name="ZoneTexte 5">
+            <a:extLst>
+              <a:ext uri="{FF2B5EF4-FFF2-40B4-BE49-F238E27FC236}">
+                <a16:creationId xmlns:a16="http://schemas.microsoft.com/office/drawing/2014/main" id="{B2F8B59F-B102-7155-58EA-6E5E871649E6}"/>
+              </a:ext>
+            </a:extLst>
+          </p:cNvPr>
+          <p:cNvSpPr txBox="1"/>
+          <p:nvPr/>
+        </p:nvSpPr>
+        <p:spPr>
+          <a:xfrm>
+            <a:off x="1035727" y="959875"/>
+            <a:ext cx="3111915" cy="461665"/>
+          </a:xfrm>
+          <a:prstGeom prst="rect">
+            <a:avLst/>
+          </a:prstGeom>
+          <a:noFill/>
+        </p:spPr>
+        <p:txBody>
+          <a:bodyPr rot="0" spcFirstLastPara="0" vertOverflow="overflow" horzOverflow="overflow" vert="horz" wrap="square" lIns="91440" tIns="45720" rIns="91440" bIns="45720" numCol="1" spcCol="0" rtlCol="0" fromWordArt="0" anchor="t" anchorCtr="0" forceAA="0" compatLnSpc="1">
+            <a:prstTxWarp prst="textNoShape">
+              <a:avLst/>
+            </a:prstTxWarp>
+            <a:spAutoFit/>
+          </a:bodyPr>
+          <a:lstStyle/>
+          <a:p>
+            <a:pPr marL="342900" indent="-342900" algn="just">
+              <a:buFont typeface="Wingdings"/>
+              <a:buChar char="q"/>
+            </a:pPr>
+            <a:r>
+              <a:rPr lang="fr-FR" sz="2400">
+                <a:solidFill>
+                  <a:srgbClr val="FF0000"/>
+                </a:solidFill>
+                <a:latin typeface="Arial"/>
+                <a:ea typeface="ＭＳ Ｐゴシック"/>
+                <a:cs typeface="Arial"/>
+              </a:rPr>
+              <a:t>Types d'héritages</a:t>
+            </a:r>
+            <a:endParaRPr lang="fr-FR" sz="2400">
+              <a:solidFill>
+                <a:srgbClr val="FF0000"/>
+              </a:solidFill>
+              <a:cs typeface="Arial"/>
+            </a:endParaRPr>
+          </a:p>
+        </p:txBody>
+      </p:sp>
+      <p:sp>
+        <p:nvSpPr>
+          <p:cNvPr id="14" name="ZoneTexte 13">
+            <a:extLst>
+              <a:ext uri="{FF2B5EF4-FFF2-40B4-BE49-F238E27FC236}">
+                <a16:creationId xmlns:a16="http://schemas.microsoft.com/office/drawing/2014/main" id="{F4D456BD-8661-B9B3-9DD1-2BAE7AECCCEE}"/>
+              </a:ext>
+            </a:extLst>
+          </p:cNvPr>
+          <p:cNvSpPr txBox="1"/>
+          <p:nvPr/>
+        </p:nvSpPr>
+        <p:spPr>
+          <a:xfrm>
+            <a:off x="775137" y="2391103"/>
+            <a:ext cx="1208689" cy="369332"/>
+          </a:xfrm>
+          <a:prstGeom prst="rect">
+            <a:avLst/>
+          </a:prstGeom>
+        </p:spPr>
+        <p:style>
+          <a:lnRef idx="2">
+            <a:schemeClr val="dk1"/>
+          </a:lnRef>
+          <a:fillRef idx="1">
+            <a:schemeClr val="lt1"/>
+          </a:fillRef>
+          <a:effectRef idx="0">
+            <a:schemeClr val="dk1"/>
+          </a:effectRef>
+          <a:fontRef idx="minor">
+            <a:schemeClr val="dk1"/>
+          </a:fontRef>
+        </p:style>
+        <p:txBody>
+          <a:bodyPr rot="0" spcFirstLastPara="0" vertOverflow="overflow" horzOverflow="overflow" vert="horz" wrap="square" lIns="91440" tIns="45720" rIns="91440" bIns="45720" numCol="1" spcCol="0" rtlCol="0" fromWordArt="0" anchor="t" anchorCtr="0" forceAA="0" compatLnSpc="1">
+            <a:prstTxWarp prst="textNoShape">
+              <a:avLst/>
+            </a:prstTxWarp>
+            <a:spAutoFit/>
+          </a:bodyPr>
+          <a:lstStyle/>
+          <a:p>
+            <a:r>
+              <a:rPr lang="fr-FR" b="1">
+                <a:latin typeface="Arial"/>
+                <a:ea typeface="ＭＳ Ｐゴシック"/>
+                <a:cs typeface="Arial"/>
+              </a:rPr>
+              <a:t>Class A</a:t>
+            </a:r>
+          </a:p>
+        </p:txBody>
+      </p:sp>
+      <p:sp>
+        <p:nvSpPr>
+          <p:cNvPr id="15" name="ZoneTexte 14">
+            <a:extLst>
+              <a:ext uri="{FF2B5EF4-FFF2-40B4-BE49-F238E27FC236}">
+                <a16:creationId xmlns:a16="http://schemas.microsoft.com/office/drawing/2014/main" id="{06B802B0-C2FE-CE94-9BDA-A02BA752D6D0}"/>
+              </a:ext>
+            </a:extLst>
+          </p:cNvPr>
+          <p:cNvSpPr txBox="1"/>
+          <p:nvPr/>
+        </p:nvSpPr>
+        <p:spPr>
+          <a:xfrm>
+            <a:off x="748862" y="3428999"/>
+            <a:ext cx="1261240" cy="369332"/>
+          </a:xfrm>
+          <a:prstGeom prst="rect">
+            <a:avLst/>
+          </a:prstGeom>
+        </p:spPr>
+        <p:style>
+          <a:lnRef idx="2">
+            <a:schemeClr val="dk1"/>
+          </a:lnRef>
+          <a:fillRef idx="1">
+            <a:schemeClr val="lt1"/>
+          </a:fillRef>
+          <a:effectRef idx="0">
+            <a:schemeClr val="dk1"/>
+          </a:effectRef>
+          <a:fontRef idx="minor">
+            <a:schemeClr val="dk1"/>
+          </a:fontRef>
+        </p:style>
+        <p:txBody>
+          <a:bodyPr rot="0" spcFirstLastPara="0" vertOverflow="overflow" horzOverflow="overflow" vert="horz" wrap="square" lIns="91440" tIns="45720" rIns="91440" bIns="45720" numCol="1" spcCol="0" rtlCol="0" fromWordArt="0" anchor="t" anchorCtr="0" forceAA="0" compatLnSpc="1">
+            <a:prstTxWarp prst="textNoShape">
+              <a:avLst/>
+            </a:prstTxWarp>
+            <a:spAutoFit/>
+          </a:bodyPr>
+          <a:lstStyle/>
+          <a:p>
+            <a:r>
+              <a:rPr lang="fr-FR" b="1">
+                <a:latin typeface="Arial"/>
+                <a:ea typeface="ＭＳ Ｐゴシック"/>
+                <a:cs typeface="Arial"/>
+              </a:rPr>
+              <a:t>Class B</a:t>
+            </a:r>
+            <a:endParaRPr lang="fr-FR" b="1">
+              <a:cs typeface="Arial"/>
+            </a:endParaRPr>
+          </a:p>
+        </p:txBody>
+      </p:sp>
+      <p:sp>
+        <p:nvSpPr>
+          <p:cNvPr id="16" name="ZoneTexte 15">
+            <a:extLst>
+              <a:ext uri="{FF2B5EF4-FFF2-40B4-BE49-F238E27FC236}">
+                <a16:creationId xmlns:a16="http://schemas.microsoft.com/office/drawing/2014/main" id="{2742508D-99EE-EC97-ED94-6136865847C3}"/>
+              </a:ext>
+            </a:extLst>
+          </p:cNvPr>
+          <p:cNvSpPr txBox="1"/>
+          <p:nvPr/>
+        </p:nvSpPr>
+        <p:spPr>
+          <a:xfrm>
+            <a:off x="801413" y="4493171"/>
+            <a:ext cx="1208689" cy="369332"/>
+          </a:xfrm>
+          <a:prstGeom prst="rect">
+            <a:avLst/>
+          </a:prstGeom>
+        </p:spPr>
+        <p:style>
+          <a:lnRef idx="2">
+            <a:schemeClr val="dk1"/>
+          </a:lnRef>
+          <a:fillRef idx="1">
+            <a:schemeClr val="lt1"/>
+          </a:fillRef>
+          <a:effectRef idx="0">
+            <a:schemeClr val="dk1"/>
+          </a:effectRef>
+          <a:fontRef idx="minor">
+            <a:schemeClr val="dk1"/>
+          </a:fontRef>
+        </p:style>
+        <p:txBody>
+          <a:bodyPr rot="0" spcFirstLastPara="0" vertOverflow="overflow" horzOverflow="overflow" vert="horz" wrap="square" lIns="91440" tIns="45720" rIns="91440" bIns="45720" numCol="1" spcCol="0" rtlCol="0" fromWordArt="0" anchor="t" anchorCtr="0" forceAA="0" compatLnSpc="1">
+            <a:prstTxWarp prst="textNoShape">
+              <a:avLst/>
+            </a:prstTxWarp>
+            <a:spAutoFit/>
+          </a:bodyPr>
+          <a:lstStyle/>
+          <a:p>
+            <a:r>
+              <a:rPr lang="fr-FR" b="1">
+                <a:latin typeface="Arial"/>
+                <a:ea typeface="ＭＳ Ｐゴシック"/>
+                <a:cs typeface="Arial"/>
+              </a:rPr>
+              <a:t>Class C</a:t>
+            </a:r>
+            <a:endParaRPr lang="fr-FR" b="1">
+              <a:cs typeface="Arial"/>
+            </a:endParaRPr>
+          </a:p>
+        </p:txBody>
+      </p:sp>
+      <p:cxnSp>
+        <p:nvCxnSpPr>
+          <p:cNvPr id="17" name="Connecteur droit avec flèche 16">
+            <a:extLst>
+              <a:ext uri="{FF2B5EF4-FFF2-40B4-BE49-F238E27FC236}">
+                <a16:creationId xmlns:a16="http://schemas.microsoft.com/office/drawing/2014/main" id="{793A93D9-6085-1614-BABB-BDA82CE5E9F0}"/>
+              </a:ext>
+            </a:extLst>
+          </p:cNvPr>
+          <p:cNvCxnSpPr/>
+          <p:nvPr/>
+        </p:nvCxnSpPr>
+        <p:spPr>
+          <a:xfrm flipH="1" flipV="1">
+            <a:off x="1309521" y="2728419"/>
+            <a:ext cx="5256" cy="701566"/>
+          </a:xfrm>
+          <a:prstGeom prst="straightConnector1">
+            <a:avLst/>
+          </a:prstGeom>
+          <a:ln>
+            <a:tailEnd type="triangle"/>
+          </a:ln>
+        </p:spPr>
+        <p:style>
+          <a:lnRef idx="2">
+            <a:schemeClr val="dk1"/>
+          </a:lnRef>
+          <a:fillRef idx="0">
+            <a:schemeClr val="dk1"/>
+          </a:fillRef>
+          <a:effectRef idx="1">
+            <a:schemeClr val="dk1"/>
+          </a:effectRef>
+          <a:fontRef idx="minor">
+            <a:schemeClr val="tx1"/>
+          </a:fontRef>
+        </p:style>
+      </p:cxnSp>
+      <p:cxnSp>
+        <p:nvCxnSpPr>
+          <p:cNvPr id="18" name="Connecteur droit avec flèche 17">
+            <a:extLst>
+              <a:ext uri="{FF2B5EF4-FFF2-40B4-BE49-F238E27FC236}">
+                <a16:creationId xmlns:a16="http://schemas.microsoft.com/office/drawing/2014/main" id="{4745FBE2-A89A-7187-F45C-8CEC68C49DDD}"/>
+              </a:ext>
+            </a:extLst>
+          </p:cNvPr>
+          <p:cNvCxnSpPr>
+            <a:cxnSpLocks/>
+          </p:cNvCxnSpPr>
+          <p:nvPr/>
+        </p:nvCxnSpPr>
+        <p:spPr>
+          <a:xfrm flipH="1" flipV="1">
+            <a:off x="1309521" y="3792591"/>
+            <a:ext cx="5256" cy="701566"/>
+          </a:xfrm>
+          <a:prstGeom prst="straightConnector1">
+            <a:avLst/>
+          </a:prstGeom>
+          <a:ln>
+            <a:tailEnd type="triangle"/>
+          </a:ln>
+        </p:spPr>
+        <p:style>
+          <a:lnRef idx="2">
+            <a:schemeClr val="dk1"/>
+          </a:lnRef>
+          <a:fillRef idx="0">
+            <a:schemeClr val="dk1"/>
+          </a:fillRef>
+          <a:effectRef idx="1">
+            <a:schemeClr val="dk1"/>
+          </a:effectRef>
+          <a:fontRef idx="minor">
+            <a:schemeClr val="tx1"/>
+          </a:fontRef>
+        </p:style>
+      </p:cxnSp>
+      <p:sp>
+        <p:nvSpPr>
+          <p:cNvPr id="19" name="ZoneTexte 18">
+            <a:extLst>
+              <a:ext uri="{FF2B5EF4-FFF2-40B4-BE49-F238E27FC236}">
+                <a16:creationId xmlns:a16="http://schemas.microsoft.com/office/drawing/2014/main" id="{86B9A464-ABC4-6AFE-ABC9-A0EFFAE6B8BA}"/>
+              </a:ext>
+            </a:extLst>
+          </p:cNvPr>
+          <p:cNvSpPr txBox="1"/>
+          <p:nvPr/>
+        </p:nvSpPr>
+        <p:spPr>
+          <a:xfrm>
+            <a:off x="2772103" y="3428999"/>
+            <a:ext cx="1261240" cy="369332"/>
+          </a:xfrm>
+          <a:prstGeom prst="rect">
+            <a:avLst/>
+          </a:prstGeom>
+        </p:spPr>
+        <p:style>
+          <a:lnRef idx="2">
+            <a:schemeClr val="dk1"/>
+          </a:lnRef>
+          <a:fillRef idx="1">
+            <a:schemeClr val="lt1"/>
+          </a:fillRef>
+          <a:effectRef idx="0">
+            <a:schemeClr val="dk1"/>
+          </a:effectRef>
+          <a:fontRef idx="minor">
+            <a:schemeClr val="dk1"/>
+          </a:fontRef>
+        </p:style>
+        <p:txBody>
+          <a:bodyPr rot="0" spcFirstLastPara="0" vertOverflow="overflow" horzOverflow="overflow" vert="horz" wrap="square" lIns="91440" tIns="45720" rIns="91440" bIns="45720" numCol="1" spcCol="0" rtlCol="0" fromWordArt="0" anchor="t" anchorCtr="0" forceAA="0" compatLnSpc="1">
+            <a:prstTxWarp prst="textNoShape">
+              <a:avLst/>
+            </a:prstTxWarp>
+            <a:spAutoFit/>
+          </a:bodyPr>
+          <a:lstStyle/>
+          <a:p>
+            <a:r>
+              <a:rPr lang="fr-FR" b="1">
+                <a:latin typeface="Arial"/>
+                <a:ea typeface="ＭＳ Ｐゴシック"/>
+                <a:cs typeface="Arial"/>
+              </a:rPr>
+              <a:t>Class A</a:t>
+            </a:r>
+            <a:endParaRPr lang="fr-FR" b="1">
+              <a:cs typeface="Arial"/>
+            </a:endParaRPr>
+          </a:p>
+        </p:txBody>
+      </p:sp>
+      <p:sp>
+        <p:nvSpPr>
+          <p:cNvPr id="20" name="ZoneTexte 19">
+            <a:extLst>
+              <a:ext uri="{FF2B5EF4-FFF2-40B4-BE49-F238E27FC236}">
+                <a16:creationId xmlns:a16="http://schemas.microsoft.com/office/drawing/2014/main" id="{80823589-E538-B7EF-AFAF-BFA71F95AADC}"/>
+              </a:ext>
+            </a:extLst>
+          </p:cNvPr>
+          <p:cNvSpPr txBox="1"/>
+          <p:nvPr/>
+        </p:nvSpPr>
+        <p:spPr>
+          <a:xfrm>
+            <a:off x="2811517" y="4493171"/>
+            <a:ext cx="1261240" cy="369332"/>
+          </a:xfrm>
+          <a:prstGeom prst="rect">
+            <a:avLst/>
+          </a:prstGeom>
+        </p:spPr>
+        <p:style>
+          <a:lnRef idx="2">
+            <a:schemeClr val="dk1"/>
+          </a:lnRef>
+          <a:fillRef idx="1">
+            <a:schemeClr val="lt1"/>
+          </a:fillRef>
+          <a:effectRef idx="0">
+            <a:schemeClr val="dk1"/>
+          </a:effectRef>
+          <a:fontRef idx="minor">
+            <a:schemeClr val="dk1"/>
+          </a:fontRef>
+        </p:style>
+        <p:txBody>
+          <a:bodyPr rot="0" spcFirstLastPara="0" vertOverflow="overflow" horzOverflow="overflow" vert="horz" wrap="square" lIns="91440" tIns="45720" rIns="91440" bIns="45720" numCol="1" spcCol="0" rtlCol="0" fromWordArt="0" anchor="t" anchorCtr="0" forceAA="0" compatLnSpc="1">
+            <a:prstTxWarp prst="textNoShape">
+              <a:avLst/>
+            </a:prstTxWarp>
+            <a:spAutoFit/>
+          </a:bodyPr>
+          <a:lstStyle/>
+          <a:p>
+            <a:r>
+              <a:rPr lang="fr-FR" b="1">
+                <a:latin typeface="Arial"/>
+                <a:ea typeface="ＭＳ Ｐゴシック"/>
+                <a:cs typeface="Arial"/>
+              </a:rPr>
+              <a:t>Class B</a:t>
+            </a:r>
+            <a:endParaRPr lang="fr-FR" b="1">
+              <a:cs typeface="Arial"/>
+            </a:endParaRPr>
+          </a:p>
+        </p:txBody>
+      </p:sp>
+      <p:cxnSp>
+        <p:nvCxnSpPr>
+          <p:cNvPr id="21" name="Connecteur droit avec flèche 20">
+            <a:extLst>
+              <a:ext uri="{FF2B5EF4-FFF2-40B4-BE49-F238E27FC236}">
+                <a16:creationId xmlns:a16="http://schemas.microsoft.com/office/drawing/2014/main" id="{121D964B-D2FF-FBF0-0E14-5A3EDF8319BF}"/>
+              </a:ext>
+            </a:extLst>
+          </p:cNvPr>
+          <p:cNvCxnSpPr>
+            <a:cxnSpLocks/>
+          </p:cNvCxnSpPr>
+          <p:nvPr/>
+        </p:nvCxnSpPr>
+        <p:spPr>
+          <a:xfrm flipH="1" flipV="1">
+            <a:off x="3372176" y="3792591"/>
+            <a:ext cx="5256" cy="701566"/>
+          </a:xfrm>
+          <a:prstGeom prst="straightConnector1">
+            <a:avLst/>
+          </a:prstGeom>
+          <a:ln>
+            <a:tailEnd type="triangle"/>
+          </a:ln>
+        </p:spPr>
+        <p:style>
+          <a:lnRef idx="2">
+            <a:schemeClr val="dk1"/>
+          </a:lnRef>
+          <a:fillRef idx="0">
+            <a:schemeClr val="dk1"/>
+          </a:fillRef>
+          <a:effectRef idx="1">
+            <a:schemeClr val="dk1"/>
+          </a:effectRef>
+          <a:fontRef idx="minor">
+            <a:schemeClr val="tx1"/>
+          </a:fontRef>
+        </p:style>
+      </p:cxnSp>
+      <p:sp>
+        <p:nvSpPr>
+          <p:cNvPr id="24" name="ZoneTexte 23">
+            <a:extLst>
+              <a:ext uri="{FF2B5EF4-FFF2-40B4-BE49-F238E27FC236}">
+                <a16:creationId xmlns:a16="http://schemas.microsoft.com/office/drawing/2014/main" id="{AB0F4301-501D-C191-C5CD-EB9D4E4765CE}"/>
+              </a:ext>
+            </a:extLst>
+          </p:cNvPr>
+          <p:cNvSpPr txBox="1"/>
+          <p:nvPr/>
+        </p:nvSpPr>
+        <p:spPr>
+          <a:xfrm>
+            <a:off x="2377966" y="5018689"/>
+            <a:ext cx="2115204" cy="400110"/>
+          </a:xfrm>
+          <a:prstGeom prst="rect">
+            <a:avLst/>
+          </a:prstGeom>
+          <a:noFill/>
+        </p:spPr>
+        <p:txBody>
+          <a:bodyPr rot="0" spcFirstLastPara="0" vertOverflow="overflow" horzOverflow="overflow" vert="horz" wrap="square" lIns="91440" tIns="45720" rIns="91440" bIns="45720" numCol="1" spcCol="0" rtlCol="0" fromWordArt="0" anchor="t" anchorCtr="0" forceAA="0" compatLnSpc="1">
+            <a:prstTxWarp prst="textNoShape">
+              <a:avLst/>
+            </a:prstTxWarp>
+            <a:spAutoFit/>
+          </a:bodyPr>
+          <a:lstStyle/>
+          <a:p>
+            <a:r>
+              <a:rPr lang="fr-FR" sz="2000" b="1">
+                <a:solidFill>
+                  <a:srgbClr val="0070C0"/>
+                </a:solidFill>
+                <a:latin typeface="Arial"/>
+                <a:ea typeface="ＭＳ Ｐゴシック"/>
+                <a:cs typeface="Arial"/>
+              </a:rPr>
+              <a:t>Héritage Simple</a:t>
+            </a:r>
+          </a:p>
+        </p:txBody>
+      </p:sp>
+      <p:sp>
+        <p:nvSpPr>
+          <p:cNvPr id="25" name="ZoneTexte 24">
+            <a:extLst>
+              <a:ext uri="{FF2B5EF4-FFF2-40B4-BE49-F238E27FC236}">
+                <a16:creationId xmlns:a16="http://schemas.microsoft.com/office/drawing/2014/main" id="{AA2AD97A-C08C-56F6-8806-E8B20CD44D10}"/>
+              </a:ext>
+            </a:extLst>
+          </p:cNvPr>
+          <p:cNvSpPr txBox="1"/>
+          <p:nvPr/>
+        </p:nvSpPr>
+        <p:spPr>
+          <a:xfrm>
+            <a:off x="5990896" y="2391102"/>
+            <a:ext cx="1261240" cy="369332"/>
+          </a:xfrm>
+          <a:prstGeom prst="rect">
+            <a:avLst/>
+          </a:prstGeom>
+        </p:spPr>
+        <p:style>
+          <a:lnRef idx="2">
+            <a:schemeClr val="dk1"/>
+          </a:lnRef>
+          <a:fillRef idx="1">
+            <a:schemeClr val="lt1"/>
+          </a:fillRef>
+          <a:effectRef idx="0">
+            <a:schemeClr val="dk1"/>
+          </a:effectRef>
+          <a:fontRef idx="minor">
+            <a:schemeClr val="dk1"/>
+          </a:fontRef>
+        </p:style>
+        <p:txBody>
+          <a:bodyPr rot="0" spcFirstLastPara="0" vertOverflow="overflow" horzOverflow="overflow" vert="horz" wrap="square" lIns="91440" tIns="45720" rIns="91440" bIns="45720" numCol="1" spcCol="0" rtlCol="0" fromWordArt="0" anchor="t" anchorCtr="0" forceAA="0" compatLnSpc="1">
+            <a:prstTxWarp prst="textNoShape">
+              <a:avLst/>
+            </a:prstTxWarp>
+            <a:spAutoFit/>
+          </a:bodyPr>
+          <a:lstStyle/>
+          <a:p>
+            <a:r>
+              <a:rPr lang="fr-FR" b="1">
+                <a:latin typeface="Arial"/>
+                <a:ea typeface="ＭＳ Ｐゴシック"/>
+                <a:cs typeface="Arial"/>
+              </a:rPr>
+              <a:t>Class B</a:t>
+            </a:r>
+            <a:endParaRPr lang="fr-FR" b="1">
+              <a:cs typeface="Arial"/>
+            </a:endParaRPr>
+          </a:p>
+        </p:txBody>
+      </p:sp>
+      <p:sp>
+        <p:nvSpPr>
+          <p:cNvPr id="26" name="ZoneTexte 25">
+            <a:extLst>
+              <a:ext uri="{FF2B5EF4-FFF2-40B4-BE49-F238E27FC236}">
+                <a16:creationId xmlns:a16="http://schemas.microsoft.com/office/drawing/2014/main" id="{6D46B33C-4560-7F92-A58A-E415387F141A}"/>
+              </a:ext>
+            </a:extLst>
+          </p:cNvPr>
+          <p:cNvSpPr txBox="1"/>
+          <p:nvPr/>
+        </p:nvSpPr>
+        <p:spPr>
+          <a:xfrm>
+            <a:off x="4729654" y="3534102"/>
+            <a:ext cx="1261240" cy="369332"/>
+          </a:xfrm>
+          <a:prstGeom prst="rect">
+            <a:avLst/>
+          </a:prstGeom>
+        </p:spPr>
+        <p:style>
+          <a:lnRef idx="2">
+            <a:schemeClr val="dk1"/>
+          </a:lnRef>
+          <a:fillRef idx="1">
+            <a:schemeClr val="lt1"/>
+          </a:fillRef>
+          <a:effectRef idx="0">
+            <a:schemeClr val="dk1"/>
+          </a:effectRef>
+          <a:fontRef idx="minor">
+            <a:schemeClr val="dk1"/>
+          </a:fontRef>
+        </p:style>
+        <p:txBody>
+          <a:bodyPr rot="0" spcFirstLastPara="0" vertOverflow="overflow" horzOverflow="overflow" vert="horz" wrap="square" lIns="91440" tIns="45720" rIns="91440" bIns="45720" numCol="1" spcCol="0" rtlCol="0" fromWordArt="0" anchor="t" anchorCtr="0" forceAA="0" compatLnSpc="1">
+            <a:prstTxWarp prst="textNoShape">
+              <a:avLst/>
+            </a:prstTxWarp>
+            <a:spAutoFit/>
+          </a:bodyPr>
+          <a:lstStyle/>
+          <a:p>
+            <a:r>
+              <a:rPr lang="fr-FR" b="1">
+                <a:latin typeface="Arial"/>
+                <a:ea typeface="ＭＳ Ｐゴシック"/>
+                <a:cs typeface="Arial"/>
+              </a:rPr>
+              <a:t>Class C</a:t>
+            </a:r>
+            <a:endParaRPr lang="fr-FR" b="1">
+              <a:cs typeface="Arial"/>
+            </a:endParaRPr>
+          </a:p>
+        </p:txBody>
+      </p:sp>
+      <p:sp>
+        <p:nvSpPr>
+          <p:cNvPr id="27" name="ZoneTexte 26">
+            <a:extLst>
+              <a:ext uri="{FF2B5EF4-FFF2-40B4-BE49-F238E27FC236}">
+                <a16:creationId xmlns:a16="http://schemas.microsoft.com/office/drawing/2014/main" id="{95899883-D7E1-F931-39EE-C97C5EBD6272}"/>
+              </a:ext>
+            </a:extLst>
+          </p:cNvPr>
+          <p:cNvSpPr txBox="1"/>
+          <p:nvPr/>
+        </p:nvSpPr>
+        <p:spPr>
+          <a:xfrm>
+            <a:off x="7580585" y="3389584"/>
+            <a:ext cx="1261240" cy="369332"/>
+          </a:xfrm>
+          <a:prstGeom prst="rect">
+            <a:avLst/>
+          </a:prstGeom>
+        </p:spPr>
+        <p:style>
+          <a:lnRef idx="2">
+            <a:schemeClr val="dk1"/>
+          </a:lnRef>
+          <a:fillRef idx="1">
+            <a:schemeClr val="lt1"/>
+          </a:fillRef>
+          <a:effectRef idx="0">
+            <a:schemeClr val="dk1"/>
+          </a:effectRef>
+          <a:fontRef idx="minor">
+            <a:schemeClr val="dk1"/>
+          </a:fontRef>
+        </p:style>
+        <p:txBody>
+          <a:bodyPr rot="0" spcFirstLastPara="0" vertOverflow="overflow" horzOverflow="overflow" vert="horz" wrap="square" lIns="91440" tIns="45720" rIns="91440" bIns="45720" numCol="1" spcCol="0" rtlCol="0" fromWordArt="0" anchor="t" anchorCtr="0" forceAA="0" compatLnSpc="1">
+            <a:prstTxWarp prst="textNoShape">
+              <a:avLst/>
+            </a:prstTxWarp>
+            <a:spAutoFit/>
+          </a:bodyPr>
+          <a:lstStyle/>
+          <a:p>
+            <a:r>
+              <a:rPr lang="fr-FR" b="1">
+                <a:latin typeface="Arial"/>
+                <a:ea typeface="ＭＳ Ｐゴシック"/>
+                <a:cs typeface="Arial"/>
+              </a:rPr>
+              <a:t>Class A</a:t>
+            </a:r>
+            <a:endParaRPr lang="fr-FR" b="1">
+              <a:cs typeface="Arial"/>
+            </a:endParaRPr>
+          </a:p>
+        </p:txBody>
+      </p:sp>
+      <p:sp>
+        <p:nvSpPr>
+          <p:cNvPr id="28" name="ZoneTexte 27">
+            <a:extLst>
+              <a:ext uri="{FF2B5EF4-FFF2-40B4-BE49-F238E27FC236}">
+                <a16:creationId xmlns:a16="http://schemas.microsoft.com/office/drawing/2014/main" id="{B17F772B-208F-EEEE-07B9-BF45CAC950FE}"/>
+              </a:ext>
+            </a:extLst>
+          </p:cNvPr>
+          <p:cNvSpPr txBox="1"/>
+          <p:nvPr/>
+        </p:nvSpPr>
+        <p:spPr>
+          <a:xfrm>
+            <a:off x="5990896" y="4650826"/>
+            <a:ext cx="1261240" cy="369332"/>
+          </a:xfrm>
+          <a:prstGeom prst="rect">
+            <a:avLst/>
+          </a:prstGeom>
+        </p:spPr>
+        <p:style>
+          <a:lnRef idx="2">
+            <a:schemeClr val="dk1"/>
+          </a:lnRef>
+          <a:fillRef idx="1">
+            <a:schemeClr val="lt1"/>
+          </a:fillRef>
+          <a:effectRef idx="0">
+            <a:schemeClr val="dk1"/>
+          </a:effectRef>
+          <a:fontRef idx="minor">
+            <a:schemeClr val="dk1"/>
+          </a:fontRef>
+        </p:style>
+        <p:txBody>
+          <a:bodyPr rot="0" spcFirstLastPara="0" vertOverflow="overflow" horzOverflow="overflow" vert="horz" wrap="square" lIns="91440" tIns="45720" rIns="91440" bIns="45720" numCol="1" spcCol="0" rtlCol="0" fromWordArt="0" anchor="t" anchorCtr="0" forceAA="0" compatLnSpc="1">
+            <a:prstTxWarp prst="textNoShape">
+              <a:avLst/>
+            </a:prstTxWarp>
+            <a:spAutoFit/>
+          </a:bodyPr>
+          <a:lstStyle/>
+          <a:p>
+            <a:r>
+              <a:rPr lang="fr-FR" b="1">
+                <a:latin typeface="Arial"/>
+                <a:ea typeface="ＭＳ Ｐゴシック"/>
+                <a:cs typeface="Arial"/>
+              </a:rPr>
+              <a:t>Class D</a:t>
+            </a:r>
+            <a:endParaRPr lang="fr-FR" b="1">
+              <a:cs typeface="Arial"/>
+            </a:endParaRPr>
+          </a:p>
+        </p:txBody>
+      </p:sp>
+      <p:cxnSp>
+        <p:nvCxnSpPr>
+          <p:cNvPr id="29" name="Connecteur droit avec flèche 28">
+            <a:extLst>
+              <a:ext uri="{FF2B5EF4-FFF2-40B4-BE49-F238E27FC236}">
+                <a16:creationId xmlns:a16="http://schemas.microsoft.com/office/drawing/2014/main" id="{32005542-970A-8AAF-521D-C9FC2DEFAE94}"/>
+              </a:ext>
+            </a:extLst>
+          </p:cNvPr>
+          <p:cNvCxnSpPr>
+            <a:cxnSpLocks/>
+          </p:cNvCxnSpPr>
+          <p:nvPr/>
+        </p:nvCxnSpPr>
+        <p:spPr>
+          <a:xfrm flipV="1">
+            <a:off x="5689708" y="2767833"/>
+            <a:ext cx="388881" cy="767255"/>
+          </a:xfrm>
+          <a:prstGeom prst="straightConnector1">
+            <a:avLst/>
+          </a:prstGeom>
+          <a:ln>
+            <a:tailEnd type="triangle"/>
+          </a:ln>
+        </p:spPr>
+        <p:style>
+          <a:lnRef idx="2">
+            <a:schemeClr val="dk1"/>
+          </a:lnRef>
+          <a:fillRef idx="0">
+            <a:schemeClr val="dk1"/>
+          </a:fillRef>
+          <a:effectRef idx="1">
+            <a:schemeClr val="dk1"/>
+          </a:effectRef>
+          <a:fontRef idx="minor">
+            <a:schemeClr val="tx1"/>
+          </a:fontRef>
+        </p:style>
+      </p:cxnSp>
+      <p:cxnSp>
+        <p:nvCxnSpPr>
+          <p:cNvPr id="30" name="Connecteur droit avec flèche 29">
+            <a:extLst>
+              <a:ext uri="{FF2B5EF4-FFF2-40B4-BE49-F238E27FC236}">
+                <a16:creationId xmlns:a16="http://schemas.microsoft.com/office/drawing/2014/main" id="{8E89C7EB-5CCD-AEB8-7330-974F10F491A1}"/>
+              </a:ext>
+            </a:extLst>
+          </p:cNvPr>
+          <p:cNvCxnSpPr>
+            <a:cxnSpLocks/>
+          </p:cNvCxnSpPr>
+          <p:nvPr/>
+        </p:nvCxnSpPr>
+        <p:spPr>
+          <a:xfrm flipH="1" flipV="1">
+            <a:off x="5605624" y="3897696"/>
+            <a:ext cx="898636" cy="754116"/>
+          </a:xfrm>
+          <a:prstGeom prst="straightConnector1">
+            <a:avLst/>
+          </a:prstGeom>
+          <a:ln>
+            <a:tailEnd type="triangle"/>
+          </a:ln>
+        </p:spPr>
+        <p:style>
+          <a:lnRef idx="2">
+            <a:schemeClr val="dk1"/>
+          </a:lnRef>
+          <a:fillRef idx="0">
+            <a:schemeClr val="dk1"/>
+          </a:fillRef>
+          <a:effectRef idx="1">
+            <a:schemeClr val="dk1"/>
+          </a:effectRef>
+          <a:fontRef idx="minor">
+            <a:schemeClr val="tx1"/>
+          </a:fontRef>
+        </p:style>
+      </p:cxnSp>
+      <p:cxnSp>
+        <p:nvCxnSpPr>
+          <p:cNvPr id="31" name="Connecteur droit avec flèche 30">
+            <a:extLst>
+              <a:ext uri="{FF2B5EF4-FFF2-40B4-BE49-F238E27FC236}">
+                <a16:creationId xmlns:a16="http://schemas.microsoft.com/office/drawing/2014/main" id="{0B5ADF49-5E49-6695-9742-7B2E3EF39034}"/>
+              </a:ext>
+            </a:extLst>
+          </p:cNvPr>
+          <p:cNvCxnSpPr>
+            <a:cxnSpLocks/>
+          </p:cNvCxnSpPr>
+          <p:nvPr/>
+        </p:nvCxnSpPr>
+        <p:spPr>
+          <a:xfrm flipH="1">
+            <a:off x="6932554" y="3771571"/>
+            <a:ext cx="1043153" cy="874983"/>
+          </a:xfrm>
+          <a:prstGeom prst="straightConnector1">
+            <a:avLst/>
+          </a:prstGeom>
+          <a:ln>
+            <a:tailEnd type="triangle"/>
+          </a:ln>
+        </p:spPr>
+        <p:style>
+          <a:lnRef idx="2">
+            <a:schemeClr val="dk1"/>
+          </a:lnRef>
+          <a:fillRef idx="0">
+            <a:schemeClr val="dk1"/>
+          </a:fillRef>
+          <a:effectRef idx="1">
+            <a:schemeClr val="dk1"/>
+          </a:effectRef>
+          <a:fontRef idx="minor">
+            <a:schemeClr val="tx1"/>
+          </a:fontRef>
+        </p:style>
+      </p:cxnSp>
+      <p:cxnSp>
+        <p:nvCxnSpPr>
+          <p:cNvPr id="32" name="Connecteur droit avec flèche 31">
+            <a:extLst>
+              <a:ext uri="{FF2B5EF4-FFF2-40B4-BE49-F238E27FC236}">
+                <a16:creationId xmlns:a16="http://schemas.microsoft.com/office/drawing/2014/main" id="{B370C667-BBF5-3D1E-B0A8-357B8A03B6CD}"/>
+              </a:ext>
+            </a:extLst>
+          </p:cNvPr>
+          <p:cNvCxnSpPr>
+            <a:cxnSpLocks/>
+          </p:cNvCxnSpPr>
+          <p:nvPr/>
+        </p:nvCxnSpPr>
+        <p:spPr>
+          <a:xfrm>
+            <a:off x="6977226" y="2786227"/>
+            <a:ext cx="1124603" cy="585949"/>
+          </a:xfrm>
+          <a:prstGeom prst="straightConnector1">
+            <a:avLst/>
+          </a:prstGeom>
+          <a:ln>
+            <a:tailEnd type="triangle"/>
+          </a:ln>
+        </p:spPr>
+        <p:style>
+          <a:lnRef idx="2">
+            <a:schemeClr val="dk1"/>
+          </a:lnRef>
+          <a:fillRef idx="0">
+            <a:schemeClr val="dk1"/>
+          </a:fillRef>
+          <a:effectRef idx="1">
+            <a:schemeClr val="dk1"/>
+          </a:effectRef>
+          <a:fontRef idx="minor">
+            <a:schemeClr val="tx1"/>
+          </a:fontRef>
+        </p:style>
+      </p:cxnSp>
+    </p:spTree>
+    <p:extLst>
+      <p:ext uri="{BB962C8B-B14F-4D97-AF65-F5344CB8AC3E}">
+        <p14:creationId xmlns:p14="http://schemas.microsoft.com/office/powerpoint/2010/main" val="2121635169"/>
+      </p:ext>
+    </p:extLst>
+  </p:cSld>
+  <p:clrMapOvr>
+    <a:masterClrMapping/>
+  </p:clrMapOvr>
+  <p:transition spd="slow">
+    <p:wipe/>
+  </p:transition>
+</p:sld>
+</file>
+
+<file path=ppt/slides/slide25.xml><?xml version="1.0" encoding="utf-8"?>
+<p:sld xmlns:a="http://schemas.openxmlformats.org/drawingml/2006/main" xmlns:r="http://schemas.openxmlformats.org/officeDocument/2006/relationships" xmlns:p="http://schemas.openxmlformats.org/presentationml/2006/main">
+  <p:cSld>
+    <p:spTree>
+      <p:nvGrpSpPr>
+        <p:cNvPr id="1" name=""/>
+        <p:cNvGrpSpPr/>
+        <p:nvPr/>
+      </p:nvGrpSpPr>
+      <p:grpSpPr>
+        <a:xfrm>
+          <a:off x="0" y="0"/>
+          <a:ext cx="0" cy="0"/>
+          <a:chOff x="0" y="0"/>
+          <a:chExt cx="0" cy="0"/>
+        </a:xfrm>
+      </p:grpSpPr>
+      <p:sp>
+        <p:nvSpPr>
+          <p:cNvPr id="4" name="Titre 3"/>
+          <p:cNvSpPr>
+            <a:spLocks noGrp="1"/>
+          </p:cNvSpPr>
+          <p:nvPr>
+            <p:ph type="title"/>
+          </p:nvPr>
+        </p:nvSpPr>
+        <p:spPr>
+          <a:xfrm>
+            <a:off x="684213" y="99119"/>
+            <a:ext cx="8064500" cy="665585"/>
+          </a:xfrm>
+        </p:spPr>
+        <p:txBody>
+          <a:bodyPr/>
+          <a:lstStyle/>
+          <a:p>
+            <a:r>
+              <a:rPr lang="fr-CA" dirty="0">
+                <a:solidFill>
+                  <a:srgbClr val="FF0000"/>
+                </a:solidFill>
+                <a:cs typeface="Arial"/>
+              </a:rPr>
+              <a:t>POLYMORPHISME</a:t>
+            </a:r>
+            <a:endParaRPr lang="fr-CA" dirty="0">
+              <a:solidFill>
+                <a:srgbClr val="FF0000"/>
+              </a:solidFill>
+            </a:endParaRPr>
+          </a:p>
+        </p:txBody>
+      </p:sp>
+      <p:sp>
+        <p:nvSpPr>
+          <p:cNvPr id="3" name="ZoneTexte 2">
+            <a:extLst>
+              <a:ext uri="{FF2B5EF4-FFF2-40B4-BE49-F238E27FC236}">
+                <a16:creationId xmlns:a16="http://schemas.microsoft.com/office/drawing/2014/main" id="{F6C4182E-DBA0-5356-81AE-FAC97C76491C}"/>
+              </a:ext>
+            </a:extLst>
+          </p:cNvPr>
+          <p:cNvSpPr txBox="1"/>
+          <p:nvPr/>
+        </p:nvSpPr>
+        <p:spPr>
+          <a:xfrm>
+            <a:off x="1035727" y="933600"/>
+            <a:ext cx="2165985" cy="461665"/>
+          </a:xfrm>
+          <a:prstGeom prst="rect">
+            <a:avLst/>
+          </a:prstGeom>
+          <a:noFill/>
+        </p:spPr>
+        <p:txBody>
+          <a:bodyPr rot="0" spcFirstLastPara="0" vertOverflow="overflow" horzOverflow="overflow" vert="horz" wrap="square" lIns="91440" tIns="45720" rIns="91440" bIns="45720" numCol="1" spcCol="0" rtlCol="0" fromWordArt="0" anchor="t" anchorCtr="0" forceAA="0" compatLnSpc="1">
+            <a:prstTxWarp prst="textNoShape">
+              <a:avLst/>
+            </a:prstTxWarp>
+            <a:spAutoFit/>
+          </a:bodyPr>
+          <a:lstStyle/>
+          <a:p>
+            <a:pPr marL="342900" indent="-342900" algn="just">
+              <a:buFont typeface="Wingdings"/>
+              <a:buChar char="q"/>
+            </a:pPr>
+            <a:r>
+              <a:rPr lang="fr-FR" sz="2400" dirty="0">
+                <a:solidFill>
+                  <a:srgbClr val="FF0000"/>
+                </a:solidFill>
+                <a:latin typeface="Arial"/>
+                <a:ea typeface="ＭＳ Ｐゴシック"/>
+                <a:cs typeface="Arial"/>
+              </a:rPr>
+              <a:t>Définition</a:t>
+            </a:r>
+            <a:endParaRPr lang="fr-FR" sz="2400" dirty="0">
+              <a:solidFill>
+                <a:srgbClr val="FF0000"/>
+              </a:solidFill>
+              <a:cs typeface="Arial"/>
+            </a:endParaRPr>
+          </a:p>
+        </p:txBody>
+      </p:sp>
+      <p:sp>
+        <p:nvSpPr>
+          <p:cNvPr id="2" name="ZoneTexte 1">
+            <a:extLst>
+              <a:ext uri="{FF2B5EF4-FFF2-40B4-BE49-F238E27FC236}">
+                <a16:creationId xmlns:a16="http://schemas.microsoft.com/office/drawing/2014/main" id="{404BCF4B-D4A8-AF4E-0E63-F154518EAD8F}"/>
+              </a:ext>
+            </a:extLst>
+          </p:cNvPr>
+          <p:cNvSpPr txBox="1"/>
+          <p:nvPr/>
+        </p:nvSpPr>
+        <p:spPr>
+          <a:xfrm>
+            <a:off x="683173" y="1471448"/>
+            <a:ext cx="7843342" cy="923330"/>
+          </a:xfrm>
+          <a:prstGeom prst="rect">
+            <a:avLst/>
+          </a:prstGeom>
+          <a:noFill/>
+        </p:spPr>
+        <p:txBody>
+          <a:bodyPr rot="0" spcFirstLastPara="0" vertOverflow="overflow" horzOverflow="overflow" vert="horz" wrap="square" lIns="91440" tIns="45720" rIns="91440" bIns="45720" numCol="1" spcCol="0" rtlCol="0" fromWordArt="0" anchor="t" anchorCtr="0" forceAA="0" compatLnSpc="1">
+            <a:prstTxWarp prst="textNoShape">
+              <a:avLst/>
+            </a:prstTxWarp>
+            <a:spAutoFit/>
+          </a:bodyPr>
+          <a:lstStyle/>
+          <a:p>
+            <a:r>
+              <a:rPr lang="fr-FR" b="1" dirty="0">
+                <a:latin typeface="Arial"/>
+                <a:ea typeface="ＭＳ Ｐゴシック"/>
+                <a:cs typeface="Arial"/>
+              </a:rPr>
+              <a:t>Le polymorphisme en Java</a:t>
+            </a:r>
+            <a:r>
+              <a:rPr lang="fr-FR" dirty="0">
+                <a:latin typeface="Arial"/>
+                <a:ea typeface="ＭＳ Ｐゴシック"/>
+                <a:cs typeface="Arial"/>
+              </a:rPr>
+              <a:t> est un concept par lequel nous pouvons effectuer une action unique de différentes manières. Comme le méthodes de surcharge </a:t>
+            </a:r>
+          </a:p>
+        </p:txBody>
+      </p:sp>
+    </p:spTree>
+    <p:extLst>
+      <p:ext uri="{BB962C8B-B14F-4D97-AF65-F5344CB8AC3E}">
+        <p14:creationId xmlns:p14="http://schemas.microsoft.com/office/powerpoint/2010/main" val="691518232"/>
+      </p:ext>
+    </p:extLst>
+  </p:cSld>
+  <p:clrMapOvr>
+    <a:masterClrMapping/>
+  </p:clrMapOvr>
+</p:sld>
+</file>
+
+<file path=ppt/slides/slide26.xml><?xml version="1.0" encoding="utf-8"?>
+<p:sld xmlns:a="http://schemas.openxmlformats.org/drawingml/2006/main" xmlns:r="http://schemas.openxmlformats.org/officeDocument/2006/relationships" xmlns:p="http://schemas.openxmlformats.org/presentationml/2006/main">
+  <p:cSld>
+    <p:spTree>
+      <p:nvGrpSpPr>
+        <p:cNvPr id="1" name=""/>
+        <p:cNvGrpSpPr/>
+        <p:nvPr/>
+      </p:nvGrpSpPr>
+      <p:grpSpPr>
+        <a:xfrm>
+          <a:off x="0" y="0"/>
+          <a:ext cx="0" cy="0"/>
+          <a:chOff x="0" y="0"/>
+          <a:chExt cx="0" cy="0"/>
+        </a:xfrm>
+      </p:grpSpPr>
+      <p:sp>
+        <p:nvSpPr>
           <p:cNvPr id="4" name="Titre 3"/>
           <p:cNvSpPr>
             <a:spLocks noGrp="1"/>
@@ -7880,7 +11675,7 @@
 </p:sld>
 </file>
 
-<file path=ppt/slides/slide23.xml><?xml version="1.0" encoding="utf-8"?>
+<file path=ppt/slides/slide27.xml><?xml version="1.0" encoding="utf-8"?>
 <p:sld xmlns:a="http://schemas.openxmlformats.org/drawingml/2006/main" xmlns:r="http://schemas.openxmlformats.org/officeDocument/2006/relationships" xmlns:p="http://schemas.openxmlformats.org/presentationml/2006/main">
   <p:cSld>
     <p:spTree>
@@ -8231,7 +12026,7 @@
           </a:bodyPr>
           <a:lstStyle/>
           <a:p>
-            <a:endParaRPr lang="fr-FR" sz="1600" b="1" dirty="0">
+            <a:endParaRPr lang="fr-FR" sz="1600" b="1">
               <a:solidFill>
                 <a:srgbClr val="FF0000"/>
               </a:solidFill>
@@ -8242,7 +12037,7 @@
           </a:p>
           <a:p>
             <a:r>
-              <a:rPr lang="fr-FR" sz="1600" b="1" dirty="0">
+              <a:rPr lang="fr-FR" sz="1600" b="1">
                 <a:solidFill>
                   <a:srgbClr val="FF0000"/>
                 </a:solidFill>
@@ -8252,7 +12047,7 @@
               </a:rPr>
               <a:t>IV.   HERITAGE</a:t>
             </a:r>
-            <a:endParaRPr lang="fr-FR" sz="1600" dirty="0">
+            <a:endParaRPr lang="fr-FR" sz="1600">
               <a:solidFill>
                 <a:srgbClr val="FF0000"/>
               </a:solidFill>
@@ -8267,7 +12062,7 @@
               <a:buChar char="q"/>
             </a:pPr>
             <a:r>
-              <a:rPr lang="fr-FR" sz="1600" b="1" dirty="0">
+              <a:rPr lang="fr-FR" sz="1600" b="1">
                 <a:latin typeface="Arial"/>
                 <a:ea typeface="ＭＳ Ｐゴシック"/>
                 <a:cs typeface="Arial"/>
@@ -8281,14 +12076,14 @@
               <a:buChar char="q"/>
             </a:pPr>
             <a:r>
-              <a:rPr lang="fr-FR" sz="1600" b="1" dirty="0">
+              <a:rPr lang="fr-FR" sz="1600" b="1">
                 <a:latin typeface="Arial"/>
                 <a:ea typeface="ＭＳ Ｐゴシック"/>
                 <a:cs typeface="Arial"/>
               </a:rPr>
               <a:t> Syntaxe</a:t>
             </a:r>
-            <a:endParaRPr lang="fr-FR" dirty="0"/>
+            <a:endParaRPr lang="fr-FR"/>
           </a:p>
           <a:p>
             <a:pPr marL="742950" lvl="1" indent="-285750">
@@ -8296,7 +12091,7 @@
               <a:buChar char="q"/>
             </a:pPr>
             <a:r>
-              <a:rPr lang="fr-FR" sz="1600" b="1" dirty="0">
+              <a:rPr lang="fr-FR" sz="1600" b="1">
                 <a:latin typeface="Arial"/>
                 <a:ea typeface="ＭＳ Ｐゴシック"/>
                 <a:cs typeface="Arial"/>
@@ -8306,7 +12101,7 @@
           </a:p>
           <a:p>
             <a:pPr lvl="1"/>
-            <a:endParaRPr lang="fr-FR" sz="1600" b="1" dirty="0">
+            <a:endParaRPr lang="fr-FR" sz="1600" b="1">
               <a:solidFill>
                 <a:srgbClr val="000000"/>
               </a:solidFill>
@@ -8317,7 +12112,7 @@
           </a:p>
           <a:p>
             <a:r>
-              <a:rPr lang="fr-FR" sz="1600" b="1" dirty="0">
+              <a:rPr lang="fr-FR" sz="1600" b="1">
                 <a:solidFill>
                   <a:srgbClr val="FF0000"/>
                 </a:solidFill>
@@ -8328,14 +12123,14 @@
               <a:t>VI.  POLYMORPHISME</a:t>
             </a:r>
             <a:r>
-              <a:rPr lang="fr-FR" sz="1600" b="1" dirty="0">
+              <a:rPr lang="fr-FR" sz="1600" b="1">
                 <a:latin typeface="Arial"/>
                 <a:ea typeface="ＭＳ Ｐゴシック"/>
                 <a:cs typeface="Arial"/>
               </a:rPr>
               <a:t> </a:t>
             </a:r>
-            <a:endParaRPr lang="en-US" sz="1600" dirty="0">
+            <a:endParaRPr lang="en-US" sz="1600">
               <a:latin typeface="Arial"/>
               <a:ea typeface="ＭＳ Ｐゴシック"/>
               <a:cs typeface="Arial"/>
@@ -8350,7 +12145,7 @@
           </a:p>
           <a:p>
             <a:r>
-              <a:rPr lang="fr-FR" sz="1600" b="1" dirty="0">
+              <a:rPr lang="fr-FR" sz="1600" b="1">
                 <a:solidFill>
                   <a:srgbClr val="FF0000"/>
                 </a:solidFill>
@@ -8360,7 +12155,7 @@
               </a:rPr>
               <a:t>VII. INTERFACE</a:t>
             </a:r>
-            <a:endParaRPr lang="en-US" sz="1600" dirty="0">
+            <a:endParaRPr lang="en-US" sz="1600">
               <a:solidFill>
                 <a:srgbClr val="FF0000"/>
               </a:solidFill>
@@ -8371,7 +12166,7 @@
           </a:p>
           <a:p>
             <a:r>
-              <a:rPr lang="fr-FR" sz="1600" b="1" dirty="0">
+              <a:rPr lang="fr-FR" sz="1600" b="1">
                 <a:solidFill>
                   <a:srgbClr val="FF0000"/>
                 </a:solidFill>
@@ -8381,7 +12176,7 @@
               </a:rPr>
               <a:t>VIII. EXCEPTIONS</a:t>
             </a:r>
-            <a:endParaRPr lang="en-US" sz="1600" dirty="0">
+            <a:endParaRPr lang="en-US" sz="1600">
               <a:solidFill>
                 <a:srgbClr val="FF0000"/>
               </a:solidFill>
@@ -8399,14 +12194,14 @@
           </a:p>
           <a:p>
             <a:r>
-              <a:rPr lang="fr-FR" sz="1600" b="1" dirty="0">
+              <a:rPr lang="fr-FR" sz="1600" b="1">
                 <a:latin typeface="Arial"/>
                 <a:ea typeface="ＭＳ Ｐゴシック"/>
                 <a:cs typeface="Arial"/>
               </a:rPr>
               <a:t>  CONCLUSION</a:t>
             </a:r>
-            <a:endParaRPr lang="en-US" sz="1600" dirty="0">
+            <a:endParaRPr lang="en-US" sz="1600">
               <a:latin typeface="Arial"/>
               <a:ea typeface="ＭＳ Ｐゴシック"/>
               <a:cs typeface="Arial"/>
@@ -8414,7 +12209,7 @@
           </a:p>
           <a:p>
             <a:r>
-              <a:rPr lang="fr-FR" sz="1600" dirty="0">
+              <a:rPr lang="fr-FR" sz="1600">
                 <a:latin typeface="Arial"/>
                 <a:ea typeface="ＭＳ Ｐゴシック"/>
                 <a:cs typeface="Arial"/>
@@ -8422,14 +12217,14 @@
               <a:t>. </a:t>
             </a:r>
             <a:r>
-              <a:rPr lang="fr-FR" sz="1600" b="1" dirty="0">
+              <a:rPr lang="fr-FR" sz="1600" b="1">
                 <a:latin typeface="Arial"/>
                 <a:ea typeface="ＭＳ Ｐゴシック"/>
                 <a:cs typeface="Arial"/>
               </a:rPr>
               <a:t>REMERCIEMENTS</a:t>
             </a:r>
-            <a:endParaRPr lang="fr-FR" sz="1600" dirty="0">
+            <a:endParaRPr lang="fr-FR" sz="1600">
               <a:latin typeface="Arial"/>
               <a:ea typeface="ＭＳ Ｐゴシック"/>
               <a:cs typeface="Arial"/>
@@ -8437,7 +12232,7 @@
           </a:p>
           <a:p>
             <a:r>
-              <a:rPr lang="fr-FR" sz="1600" dirty="0">
+              <a:rPr lang="fr-FR" sz="1600">
                 <a:latin typeface="Arial"/>
                 <a:ea typeface="ＭＳ Ｐゴシック"/>
                 <a:cs typeface="Arial"/>
@@ -8445,14 +12240,14 @@
               <a:t>           </a:t>
             </a:r>
             <a:r>
-              <a:rPr lang="fr-FR" sz="1600" b="1" dirty="0">
+              <a:rPr lang="fr-FR" sz="1600" b="1">
                 <a:latin typeface="Arial"/>
                 <a:ea typeface="ＭＳ Ｐゴシック"/>
                 <a:cs typeface="Arial"/>
               </a:rPr>
               <a:t>Q&amp;A</a:t>
             </a:r>
-            <a:endParaRPr lang="en-US" sz="1600" dirty="0">
+            <a:endParaRPr lang="en-US" sz="1600">
               <a:latin typeface="Arial"/>
               <a:ea typeface="ＭＳ Ｐゴシック"/>
               <a:cs typeface="Arial"/>
@@ -8475,13 +12270,13 @@
   <p:clrMapOvr>
     <a:masterClrMapping/>
   </p:clrMapOvr>
-  <mc:AlternateContent xmlns:mc="http://schemas.openxmlformats.org/markup-compatibility/2006" xmlns:p14="http://schemas.microsoft.com/office/powerpoint/2010/main">
-    <mc:Choice Requires="p14">
+  <mc:AlternateContent xmlns:mc="http://schemas.openxmlformats.org/markup-compatibility/2006">
+    <mc:Choice xmlns:p14="http://schemas.microsoft.com/office/powerpoint/2010/main" Requires="p14">
       <p:transition spd="slow" p14:dur="3400">
         <p14:reveal/>
       </p:transition>
     </mc:Choice>
-    <mc:Fallback xmlns="">
+    <mc:Fallback>
       <p:transition spd="slow">
         <p:fade/>
       </p:transition>
@@ -8641,13 +12436,13 @@
   <p:clrMapOvr>
     <a:masterClrMapping/>
   </p:clrMapOvr>
-  <mc:AlternateContent xmlns:mc="http://schemas.openxmlformats.org/markup-compatibility/2006" xmlns:p14="http://schemas.microsoft.com/office/powerpoint/2010/main">
-    <mc:Choice Requires="p14">
+  <mc:AlternateContent xmlns:mc="http://schemas.openxmlformats.org/markup-compatibility/2006">
+    <mc:Choice xmlns:p14="http://schemas.microsoft.com/office/powerpoint/2010/main" Requires="p14">
       <p:transition spd="med" p14:dur="700">
         <p:fade/>
       </p:transition>
     </mc:Choice>
-    <mc:Fallback xmlns="">
+    <mc:Fallback>
       <p:transition spd="med">
         <p:fade/>
       </p:transition>
@@ -8699,7 +12494,7 @@
                   <a:srgbClr val="FF0000"/>
                 </a:solidFill>
               </a:rPr>
-              <a:t>I.   INITIATION A JAVA</a:t>
+              <a:t>II. OBJET ET CLASS</a:t>
             </a:r>
             <a:endParaRPr lang="fr-CA" sz="3600" cap="none">
               <a:solidFill>
@@ -8772,8 +12567,8 @@
         </p:nvSpPr>
         <p:spPr>
           <a:xfrm>
-            <a:off x="684069" y="1138962"/>
-            <a:ext cx="1601034" cy="400110"/>
+            <a:off x="374753" y="903949"/>
+            <a:ext cx="8517727" cy="3785652"/>
           </a:xfrm>
           <a:prstGeom prst="rect">
             <a:avLst/>
@@ -8785,22 +12580,280 @@
           </a:bodyPr>
           <a:lstStyle/>
           <a:p>
-            <a:r>
-              <a:rPr lang="fr-FR" sz="2000" b="1">
+            <a:pPr marL="342900" indent="-342900">
+              <a:buFont typeface="Wingdings" panose="05000000000000000000" pitchFamily="2" charset="2"/>
+              <a:buChar char="q"/>
+            </a:pPr>
+            <a:r>
+              <a:rPr lang="fr-FR" sz="2400" b="1">
+                <a:effectLst>
+                  <a:outerShdw blurRad="38100" dist="38100" dir="2700000" algn="tl">
+                    <a:srgbClr val="000000">
+                      <a:alpha val="43137"/>
+                    </a:srgbClr>
+                  </a:outerShdw>
+                </a:effectLst>
                 <a:latin typeface="Helvetica"/>
                 <a:ea typeface="ＭＳ Ｐゴシック"/>
                 <a:cs typeface="Helvetica"/>
               </a:rPr>
-              <a:t>Historique</a:t>
-            </a:r>
-            <a:endParaRPr lang="fr-FR"/>
+              <a:t>Objet</a:t>
+            </a:r>
+          </a:p>
+          <a:p>
+            <a:pPr marL="342900" indent="-342900">
+              <a:buFont typeface="Wingdings" panose="05000000000000000000" pitchFamily="2" charset="2"/>
+              <a:buChar char="q"/>
+            </a:pPr>
+            <a:endParaRPr lang="fr-FR" sz="2400" b="1">
+              <a:effectLst>
+                <a:outerShdw blurRad="38100" dist="38100" dir="2700000" algn="tl">
+                  <a:srgbClr val="000000">
+                    <a:alpha val="43137"/>
+                  </a:srgbClr>
+                </a:outerShdw>
+              </a:effectLst>
+              <a:latin typeface="Helvetica"/>
+              <a:ea typeface="ＭＳ Ｐゴシック"/>
+              <a:cs typeface="Helvetica"/>
+            </a:endParaRPr>
+          </a:p>
+          <a:p>
+            <a:pPr marL="457200" indent="-457200">
+              <a:buAutoNum type="arabicPeriod"/>
+            </a:pPr>
+            <a:r>
+              <a:rPr lang="fr-FR" sz="2000" b="1">
+                <a:effectLst>
+                  <a:outerShdw blurRad="38100" dist="38100" dir="2700000" algn="tl">
+                    <a:srgbClr val="000000">
+                      <a:alpha val="43137"/>
+                    </a:srgbClr>
+                  </a:outerShdw>
+                </a:effectLst>
+                <a:latin typeface="Helvetica"/>
+                <a:ea typeface="ＭＳ Ｐゴシック"/>
+                <a:cs typeface="Helvetica"/>
+              </a:rPr>
+              <a:t>Définition</a:t>
+            </a:r>
+            <a:endParaRPr lang="fr-FR" sz="2400" b="1">
+              <a:effectLst>
+                <a:outerShdw blurRad="38100" dist="38100" dir="2700000" algn="tl">
+                  <a:srgbClr val="000000">
+                    <a:alpha val="43137"/>
+                  </a:srgbClr>
+                </a:outerShdw>
+              </a:effectLst>
+              <a:latin typeface="Helvetica"/>
+              <a:ea typeface="ＭＳ Ｐゴシック"/>
+              <a:cs typeface="Helvetica"/>
+            </a:endParaRPr>
+          </a:p>
+          <a:p>
+            <a:r>
+              <a:rPr lang="fr-FR">
+                <a:latin typeface="Helvetica"/>
+                <a:ea typeface="ＭＳ Ｐゴシック"/>
+                <a:cs typeface="Helvetica"/>
+              </a:rPr>
+              <a:t>Un objet est une entité qui a un état et un comportement, par exemple: une chaise, une voiture, un livre etc.</a:t>
+            </a:r>
+          </a:p>
+          <a:p>
+            <a:r>
+              <a:rPr lang="fr-FR">
+                <a:latin typeface="Helvetica"/>
+                <a:ea typeface="ＭＳ Ｐゴシック"/>
+                <a:cs typeface="Helvetica"/>
+              </a:rPr>
+              <a:t>On dit donc que l'objet a trois (3) caractéristiques:</a:t>
+            </a:r>
+          </a:p>
+          <a:p>
+            <a:r>
+              <a:rPr lang="fr-FR">
+                <a:effectLst>
+                  <a:outerShdw blurRad="38100" dist="38100" dir="2700000" algn="tl">
+                    <a:srgbClr val="000000">
+                      <a:alpha val="43137"/>
+                    </a:srgbClr>
+                  </a:outerShdw>
+                </a:effectLst>
+                <a:latin typeface="Helvetica"/>
+                <a:ea typeface="ＭＳ Ｐゴシック"/>
+                <a:cs typeface="Helvetica"/>
+              </a:rPr>
+              <a:t>Un état:</a:t>
+            </a:r>
+            <a:r>
+              <a:rPr lang="fr-FR">
+                <a:effectLst>
+                  <a:outerShdw blurRad="38100" dist="38100" dir="2700000" algn="tl">
+                    <a:srgbClr val="000000">
+                      <a:alpha val="43137"/>
+                    </a:srgbClr>
+                  </a:outerShdw>
+                </a:effectLst>
+                <a:latin typeface="Helvetica" panose="020B0604020202020204" pitchFamily="34" charset="0"/>
+                <a:ea typeface="ＭＳ Ｐゴシック"/>
+                <a:cs typeface="Helvetica" panose="020B0604020202020204" pitchFamily="34" charset="0"/>
+              </a:rPr>
+              <a:t> </a:t>
+            </a:r>
+            <a:r>
+              <a:rPr lang="fr-FR">
+                <a:latin typeface="Helvetica" panose="020B0604020202020204" pitchFamily="34" charset="0"/>
+                <a:cs typeface="Helvetica" panose="020B0604020202020204" pitchFamily="34" charset="0"/>
+              </a:rPr>
+              <a:t>représente les données (valeur) d'un objet;</a:t>
+            </a:r>
+            <a:endParaRPr lang="fr-FR">
+              <a:effectLst>
+                <a:outerShdw blurRad="38100" dist="38100" dir="2700000" algn="tl">
+                  <a:srgbClr val="000000">
+                    <a:alpha val="43137"/>
+                  </a:srgbClr>
+                </a:outerShdw>
+              </a:effectLst>
+              <a:latin typeface="Helvetica" panose="020B0604020202020204" pitchFamily="34" charset="0"/>
+              <a:ea typeface="ＭＳ Ｐゴシック"/>
+              <a:cs typeface="Helvetica" panose="020B0604020202020204" pitchFamily="34" charset="0"/>
+            </a:endParaRPr>
+          </a:p>
+          <a:p>
+            <a:r>
+              <a:rPr lang="fr-FR">
+                <a:effectLst>
+                  <a:outerShdw blurRad="38100" dist="38100" dir="2700000" algn="tl">
+                    <a:srgbClr val="000000">
+                      <a:alpha val="43137"/>
+                    </a:srgbClr>
+                  </a:outerShdw>
+                </a:effectLst>
+                <a:latin typeface="Helvetica"/>
+                <a:ea typeface="ＭＳ Ｐゴシック"/>
+                <a:cs typeface="Helvetica"/>
+              </a:rPr>
+              <a:t>Un comportement:</a:t>
+            </a:r>
+            <a:r>
+              <a:rPr lang="fr-FR">
+                <a:effectLst>
+                  <a:outerShdw blurRad="38100" dist="38100" dir="2700000" algn="tl">
+                    <a:srgbClr val="000000">
+                      <a:alpha val="43137"/>
+                    </a:srgbClr>
+                  </a:outerShdw>
+                </a:effectLst>
+                <a:latin typeface="Helvetica" panose="020B0604020202020204" pitchFamily="34" charset="0"/>
+                <a:ea typeface="ＭＳ Ｐゴシック"/>
+                <a:cs typeface="Helvetica" panose="020B0604020202020204" pitchFamily="34" charset="0"/>
+              </a:rPr>
+              <a:t> </a:t>
+            </a:r>
+            <a:r>
+              <a:rPr lang="fr-FR">
+                <a:latin typeface="Helvetica" panose="020B0604020202020204" pitchFamily="34" charset="0"/>
+                <a:cs typeface="Helvetica" panose="020B0604020202020204" pitchFamily="34" charset="0"/>
+              </a:rPr>
+              <a:t>représente le comportement (fonctionnalité) d'un objet tel que déposer, retirer, etc;</a:t>
+            </a:r>
+            <a:endParaRPr lang="fr-FR">
+              <a:effectLst>
+                <a:outerShdw blurRad="38100" dist="38100" dir="2700000" algn="tl">
+                  <a:srgbClr val="000000">
+                    <a:alpha val="43137"/>
+                  </a:srgbClr>
+                </a:outerShdw>
+              </a:effectLst>
+              <a:latin typeface="Helvetica" panose="020B0604020202020204" pitchFamily="34" charset="0"/>
+              <a:ea typeface="ＭＳ Ｐゴシック"/>
+              <a:cs typeface="Helvetica" panose="020B0604020202020204" pitchFamily="34" charset="0"/>
+            </a:endParaRPr>
+          </a:p>
+          <a:p>
+            <a:r>
+              <a:rPr lang="fr-FR">
+                <a:effectLst>
+                  <a:outerShdw blurRad="38100" dist="38100" dir="2700000" algn="tl">
+                    <a:srgbClr val="000000">
+                      <a:alpha val="43137"/>
+                    </a:srgbClr>
+                  </a:outerShdw>
+                </a:effectLst>
+                <a:latin typeface="Helvetica"/>
+                <a:ea typeface="ＭＳ Ｐゴシック"/>
+                <a:cs typeface="Helvetica"/>
+              </a:rPr>
+              <a:t>Une identité:</a:t>
+            </a:r>
+            <a:r>
+              <a:rPr lang="fr-FR">
+                <a:effectLst>
+                  <a:outerShdw blurRad="38100" dist="38100" dir="2700000" algn="tl">
+                    <a:srgbClr val="000000">
+                      <a:alpha val="43137"/>
+                    </a:srgbClr>
+                  </a:outerShdw>
+                </a:effectLst>
+                <a:latin typeface="Helvetica" panose="020B0604020202020204" pitchFamily="34" charset="0"/>
+                <a:ea typeface="ＭＳ Ｐゴシック"/>
+                <a:cs typeface="Helvetica" panose="020B0604020202020204" pitchFamily="34" charset="0"/>
+              </a:rPr>
+              <a:t> </a:t>
+            </a:r>
+            <a:r>
+              <a:rPr lang="fr-FR">
+                <a:latin typeface="Helvetica" panose="020B0604020202020204" pitchFamily="34" charset="0"/>
+                <a:cs typeface="Helvetica" panose="020B0604020202020204" pitchFamily="34" charset="0"/>
+              </a:rPr>
+              <a:t>une identité d'objet est un identifiant unique.</a:t>
+            </a:r>
+            <a:endParaRPr lang="fr-FR" sz="2000">
+              <a:effectLst>
+                <a:outerShdw blurRad="38100" dist="38100" dir="2700000" algn="tl">
+                  <a:srgbClr val="000000">
+                    <a:alpha val="43137"/>
+                  </a:srgbClr>
+                </a:outerShdw>
+              </a:effectLst>
+              <a:latin typeface="Helvetica" panose="020B0604020202020204" pitchFamily="34" charset="0"/>
+              <a:ea typeface="ＭＳ Ｐゴシック"/>
+              <a:cs typeface="Helvetica" panose="020B0604020202020204" pitchFamily="34" charset="0"/>
+            </a:endParaRPr>
+          </a:p>
+          <a:p>
+            <a:endParaRPr lang="fr-FR" sz="2400" b="1">
+              <a:effectLst>
+                <a:outerShdw blurRad="38100" dist="38100" dir="2700000" algn="tl">
+                  <a:srgbClr val="000000">
+                    <a:alpha val="43137"/>
+                  </a:srgbClr>
+                </a:outerShdw>
+              </a:effectLst>
+              <a:latin typeface="Helvetica"/>
+              <a:ea typeface="ＭＳ Ｐゴシック"/>
+              <a:cs typeface="Helvetica"/>
+            </a:endParaRPr>
+          </a:p>
+          <a:p>
+            <a:endParaRPr lang="fr-FR" sz="2000">
+              <a:effectLst>
+                <a:outerShdw blurRad="38100" dist="38100" dir="2700000" algn="tl">
+                  <a:srgbClr val="000000">
+                    <a:alpha val="43137"/>
+                  </a:srgbClr>
+                </a:outerShdw>
+              </a:effectLst>
+            </a:endParaRPr>
           </a:p>
         </p:txBody>
       </p:sp>
     </p:spTree>
     <p:extLst>
       <p:ext uri="{BB962C8B-B14F-4D97-AF65-F5344CB8AC3E}">
-        <p14:creationId xmlns:p14="http://schemas.microsoft.com/office/powerpoint/2010/main" val="2010608383"/>
+        <p14:creationId xmlns:p14="http://schemas.microsoft.com/office/powerpoint/2010/main" val="242653117"/>
       </p:ext>
     </p:extLst>
   </p:cSld>
@@ -8851,14 +12904,14 @@
           <a:lstStyle/>
           <a:p>
             <a:r>
-              <a:rPr lang="fr-CA" sz="3600" cap="none" dirty="0">
+              <a:rPr lang="fr-CA" sz="3600" cap="none">
                 <a:solidFill>
                   <a:srgbClr val="FF0000"/>
                 </a:solidFill>
               </a:rPr>
               <a:t>II. OBJET ET CLASS</a:t>
             </a:r>
-            <a:endParaRPr lang="fr-CA" sz="3600" cap="none" dirty="0">
+            <a:endParaRPr lang="fr-CA" sz="3600" cap="none">
               <a:solidFill>
                 <a:srgbClr val="FF0000"/>
               </a:solidFill>
@@ -8921,135 +12974,72 @@
           </a:extLst>
         </p:spPr>
       </p:pic>
+      <p:pic>
+        <p:nvPicPr>
+          <p:cNvPr id="6" name="Image 5">
+            <a:extLst>
+              <a:ext uri="{FF2B5EF4-FFF2-40B4-BE49-F238E27FC236}">
+                <a16:creationId xmlns:a16="http://schemas.microsoft.com/office/drawing/2014/main" id="{3FC0CC16-4376-4B0F-9FDB-57C680546149}"/>
+              </a:ext>
+            </a:extLst>
+          </p:cNvPr>
+          <p:cNvPicPr>
+            <a:picLocks noChangeAspect="1"/>
+          </p:cNvPicPr>
+          <p:nvPr/>
+        </p:nvPicPr>
+        <p:blipFill>
+          <a:blip r:embed="rId3">
+            <a:extLst>
+              <a:ext uri="{28A0092B-C50C-407E-A947-70E740481C1C}">
+                <a14:useLocalDpi xmlns:a14="http://schemas.microsoft.com/office/drawing/2010/main" val="0"/>
+              </a:ext>
+            </a:extLst>
+          </a:blip>
+          <a:stretch>
+            <a:fillRect/>
+          </a:stretch>
+        </p:blipFill>
+        <p:spPr>
+          <a:xfrm>
+            <a:off x="1064858" y="1688124"/>
+            <a:ext cx="6298042" cy="3784210"/>
+          </a:xfrm>
+          <a:prstGeom prst="rect">
+            <a:avLst/>
+          </a:prstGeom>
+        </p:spPr>
+      </p:pic>
       <p:sp>
         <p:nvSpPr>
-          <p:cNvPr id="5" name="Rectangle 4"/>
-          <p:cNvSpPr/>
+          <p:cNvPr id="5" name="ZoneTexte 4">
+            <a:extLst>
+              <a:ext uri="{FF2B5EF4-FFF2-40B4-BE49-F238E27FC236}">
+                <a16:creationId xmlns:a16="http://schemas.microsoft.com/office/drawing/2014/main" id="{55C3C721-62CE-4B02-8A89-49753B40FE14}"/>
+              </a:ext>
+            </a:extLst>
+          </p:cNvPr>
+          <p:cNvSpPr txBox="1"/>
           <p:nvPr/>
         </p:nvSpPr>
         <p:spPr>
           <a:xfrm>
-            <a:off x="374753" y="903949"/>
-            <a:ext cx="8517727" cy="3785652"/>
+            <a:off x="1899138" y="942344"/>
+            <a:ext cx="2672862" cy="400110"/>
           </a:xfrm>
           <a:prstGeom prst="rect">
             <a:avLst/>
           </a:prstGeom>
+          <a:noFill/>
         </p:spPr>
         <p:txBody>
-          <a:bodyPr wrap="square" lIns="91440" tIns="45720" rIns="91440" bIns="45720" anchor="t">
+          <a:bodyPr wrap="square" rtlCol="0">
             <a:spAutoFit/>
           </a:bodyPr>
           <a:lstStyle/>
           <a:p>
-            <a:pPr marL="342900" indent="-342900">
-              <a:buFont typeface="Wingdings" panose="05000000000000000000" pitchFamily="2" charset="2"/>
-              <a:buChar char="q"/>
-            </a:pPr>
-            <a:r>
-              <a:rPr lang="fr-FR" sz="2400" b="1" dirty="0">
-                <a:effectLst>
-                  <a:outerShdw blurRad="38100" dist="38100" dir="2700000" algn="tl">
-                    <a:srgbClr val="000000">
-                      <a:alpha val="43137"/>
-                    </a:srgbClr>
-                  </a:outerShdw>
-                </a:effectLst>
-                <a:latin typeface="Helvetica"/>
-                <a:ea typeface="ＭＳ Ｐゴシック"/>
-                <a:cs typeface="Helvetica"/>
-              </a:rPr>
-              <a:t>Objet</a:t>
-            </a:r>
-          </a:p>
-          <a:p>
-            <a:pPr marL="342900" indent="-342900">
-              <a:buFont typeface="Wingdings" panose="05000000000000000000" pitchFamily="2" charset="2"/>
-              <a:buChar char="q"/>
-            </a:pPr>
-            <a:endParaRPr lang="fr-FR" sz="2400" b="1" dirty="0">
-              <a:effectLst>
-                <a:outerShdw blurRad="38100" dist="38100" dir="2700000" algn="tl">
-                  <a:srgbClr val="000000">
-                    <a:alpha val="43137"/>
-                  </a:srgbClr>
-                </a:outerShdw>
-              </a:effectLst>
-              <a:latin typeface="Helvetica"/>
-              <a:ea typeface="ＭＳ Ｐゴシック"/>
-              <a:cs typeface="Helvetica"/>
-            </a:endParaRPr>
-          </a:p>
-          <a:p>
-            <a:pPr marL="457200" indent="-457200">
-              <a:buAutoNum type="arabicPeriod"/>
-            </a:pPr>
-            <a:r>
-              <a:rPr lang="fr-FR" sz="2000" b="1" dirty="0">
-                <a:effectLst>
-                  <a:outerShdw blurRad="38100" dist="38100" dir="2700000" algn="tl">
-                    <a:srgbClr val="000000">
-                      <a:alpha val="43137"/>
-                    </a:srgbClr>
-                  </a:outerShdw>
-                </a:effectLst>
-                <a:latin typeface="Helvetica"/>
-                <a:ea typeface="ＭＳ Ｐゴシック"/>
-                <a:cs typeface="Helvetica"/>
-              </a:rPr>
-              <a:t>Définition</a:t>
-            </a:r>
-            <a:endParaRPr lang="fr-FR" sz="2400" b="1" dirty="0">
-              <a:effectLst>
-                <a:outerShdw blurRad="38100" dist="38100" dir="2700000" algn="tl">
-                  <a:srgbClr val="000000">
-                    <a:alpha val="43137"/>
-                  </a:srgbClr>
-                </a:outerShdw>
-              </a:effectLst>
-              <a:latin typeface="Helvetica"/>
-              <a:ea typeface="ＭＳ Ｐゴシック"/>
-              <a:cs typeface="Helvetica"/>
-            </a:endParaRPr>
-          </a:p>
-          <a:p>
-            <a:r>
-              <a:rPr lang="fr-FR" dirty="0">
-                <a:latin typeface="Helvetica"/>
-                <a:ea typeface="ＭＳ Ｐゴシック"/>
-                <a:cs typeface="Helvetica"/>
-              </a:rPr>
-              <a:t>Un objet est une entité qui a un état et un comportement, par exemple: une chaise, une voiture, un livre etc.</a:t>
-            </a:r>
-          </a:p>
-          <a:p>
-            <a:r>
-              <a:rPr lang="fr-FR" dirty="0">
-                <a:latin typeface="Helvetica"/>
-                <a:ea typeface="ＭＳ Ｐゴシック"/>
-                <a:cs typeface="Helvetica"/>
-              </a:rPr>
-              <a:t>On dit donc que l'objet a trois (3) caractéristiques:</a:t>
-            </a:r>
-          </a:p>
-          <a:p>
-            <a:r>
-              <a:rPr lang="fr-FR" dirty="0">
-                <a:effectLst>
-                  <a:outerShdw blurRad="38100" dist="38100" dir="2700000" algn="tl">
-                    <a:srgbClr val="000000">
-                      <a:alpha val="43137"/>
-                    </a:srgbClr>
-                  </a:outerShdw>
-                </a:effectLst>
-                <a:latin typeface="Helvetica"/>
-                <a:ea typeface="ＭＳ Ｐゴシック"/>
-                <a:cs typeface="Helvetica"/>
-              </a:rPr>
-              <a:t>Un état:</a:t>
-            </a:r>
-            <a:r>
-              <a:rPr lang="fr-FR" dirty="0">
+            <a:r>
+              <a:rPr lang="fr-FR" sz="2000" b="1">
                 <a:effectLst>
                   <a:outerShdw blurRad="38100" dist="38100" dir="2700000" algn="tl">
                     <a:srgbClr val="000000">
@@ -9058,19 +13048,11 @@
                   </a:outerShdw>
                 </a:effectLst>
                 <a:latin typeface="Helvetica" panose="020B0604020202020204" pitchFamily="34" charset="0"/>
-                <a:ea typeface="ＭＳ Ｐゴシック"/>
                 <a:cs typeface="Helvetica" panose="020B0604020202020204" pitchFamily="34" charset="0"/>
               </a:rPr>
-              <a:t> </a:t>
-            </a:r>
-            <a:r>
-              <a:rPr lang="fr-FR" dirty="0">
-                <a:latin typeface="Helvetica" panose="020B0604020202020204" pitchFamily="34" charset="0"/>
-                <a:cs typeface="Helvetica" panose="020B0604020202020204" pitchFamily="34" charset="0"/>
-              </a:rPr>
-              <a:t>représente les données (valeur) d'un objet;</a:t>
-            </a:r>
-            <a:endParaRPr lang="fr-FR" dirty="0">
+              <a:t>2. Syntaxe</a:t>
+            </a:r>
+            <a:endParaRPr lang="fr-CI" sz="2000" b="1">
               <a:effectLst>
                 <a:outerShdw blurRad="38100" dist="38100" dir="2700000" algn="tl">
                   <a:srgbClr val="000000">
@@ -9079,135 +13061,7 @@
                 </a:outerShdw>
               </a:effectLst>
               <a:latin typeface="Helvetica" panose="020B0604020202020204" pitchFamily="34" charset="0"/>
-              <a:ea typeface="ＭＳ Ｐゴシック"/>
               <a:cs typeface="Helvetica" panose="020B0604020202020204" pitchFamily="34" charset="0"/>
-            </a:endParaRPr>
-          </a:p>
-          <a:p>
-            <a:r>
-              <a:rPr lang="fr-FR" dirty="0">
-                <a:effectLst>
-                  <a:outerShdw blurRad="38100" dist="38100" dir="2700000" algn="tl">
-                    <a:srgbClr val="000000">
-                      <a:alpha val="43137"/>
-                    </a:srgbClr>
-                  </a:outerShdw>
-                </a:effectLst>
-                <a:latin typeface="Helvetica"/>
-                <a:ea typeface="ＭＳ Ｐゴシック"/>
-                <a:cs typeface="Helvetica"/>
-              </a:rPr>
-              <a:t>Un comportement:</a:t>
-            </a:r>
-            <a:r>
-              <a:rPr lang="fr-FR" dirty="0">
-                <a:effectLst>
-                  <a:outerShdw blurRad="38100" dist="38100" dir="2700000" algn="tl">
-                    <a:srgbClr val="000000">
-                      <a:alpha val="43137"/>
-                    </a:srgbClr>
-                  </a:outerShdw>
-                </a:effectLst>
-                <a:latin typeface="Helvetica" panose="020B0604020202020204" pitchFamily="34" charset="0"/>
-                <a:ea typeface="ＭＳ Ｐゴシック"/>
-                <a:cs typeface="Helvetica" panose="020B0604020202020204" pitchFamily="34" charset="0"/>
-              </a:rPr>
-              <a:t> </a:t>
-            </a:r>
-            <a:r>
-              <a:rPr lang="fr-FR" dirty="0">
-                <a:latin typeface="Helvetica" panose="020B0604020202020204" pitchFamily="34" charset="0"/>
-                <a:cs typeface="Helvetica" panose="020B0604020202020204" pitchFamily="34" charset="0"/>
-              </a:rPr>
-              <a:t>représente le comportement (fonctionnalité) d'un objet tel que déposer, retirer, etc;</a:t>
-            </a:r>
-            <a:endParaRPr lang="fr-FR" dirty="0">
-              <a:effectLst>
-                <a:outerShdw blurRad="38100" dist="38100" dir="2700000" algn="tl">
-                  <a:srgbClr val="000000">
-                    <a:alpha val="43137"/>
-                  </a:srgbClr>
-                </a:outerShdw>
-              </a:effectLst>
-              <a:latin typeface="Helvetica" panose="020B0604020202020204" pitchFamily="34" charset="0"/>
-              <a:ea typeface="ＭＳ Ｐゴシック"/>
-              <a:cs typeface="Helvetica" panose="020B0604020202020204" pitchFamily="34" charset="0"/>
-            </a:endParaRPr>
-          </a:p>
-          <a:p>
-            <a:r>
-              <a:rPr lang="fr-FR" dirty="0">
-                <a:effectLst>
-                  <a:outerShdw blurRad="38100" dist="38100" dir="2700000" algn="tl">
-                    <a:srgbClr val="000000">
-                      <a:alpha val="43137"/>
-                    </a:srgbClr>
-                  </a:outerShdw>
-                </a:effectLst>
-                <a:latin typeface="Helvetica"/>
-                <a:ea typeface="ＭＳ Ｐゴシック"/>
-                <a:cs typeface="Helvetica"/>
-              </a:rPr>
-              <a:t>Une identité:</a:t>
-            </a:r>
-            <a:r>
-              <a:rPr lang="fr-FR" dirty="0">
-                <a:effectLst>
-                  <a:outerShdw blurRad="38100" dist="38100" dir="2700000" algn="tl">
-                    <a:srgbClr val="000000">
-                      <a:alpha val="43137"/>
-                    </a:srgbClr>
-                  </a:outerShdw>
-                </a:effectLst>
-                <a:latin typeface="Helvetica" panose="020B0604020202020204" pitchFamily="34" charset="0"/>
-                <a:ea typeface="ＭＳ Ｐゴシック"/>
-                <a:cs typeface="Helvetica" panose="020B0604020202020204" pitchFamily="34" charset="0"/>
-              </a:rPr>
-              <a:t> </a:t>
-            </a:r>
-            <a:r>
-              <a:rPr lang="fr-FR" dirty="0">
-                <a:latin typeface="Helvetica" panose="020B0604020202020204" pitchFamily="34" charset="0"/>
-                <a:cs typeface="Helvetica" panose="020B0604020202020204" pitchFamily="34" charset="0"/>
-              </a:rPr>
-              <a:t>une identité d'objet est un identifiant unique.</a:t>
-            </a:r>
-            <a:endParaRPr lang="fr-FR" sz="2000" dirty="0">
-              <a:effectLst>
-                <a:outerShdw blurRad="38100" dist="38100" dir="2700000" algn="tl">
-                  <a:srgbClr val="000000">
-                    <a:alpha val="43137"/>
-                  </a:srgbClr>
-                </a:outerShdw>
-              </a:effectLst>
-              <a:latin typeface="Helvetica" panose="020B0604020202020204" pitchFamily="34" charset="0"/>
-              <a:ea typeface="ＭＳ Ｐゴシック"/>
-              <a:cs typeface="Helvetica" panose="020B0604020202020204" pitchFamily="34" charset="0"/>
-            </a:endParaRPr>
-          </a:p>
-          <a:p>
-            <a:endParaRPr lang="fr-FR" sz="2400" b="1" dirty="0">
-              <a:effectLst>
-                <a:outerShdw blurRad="38100" dist="38100" dir="2700000" algn="tl">
-                  <a:srgbClr val="000000">
-                    <a:alpha val="43137"/>
-                  </a:srgbClr>
-                </a:outerShdw>
-              </a:effectLst>
-              <a:latin typeface="Helvetica"/>
-              <a:ea typeface="ＭＳ Ｐゴシック"/>
-              <a:cs typeface="Helvetica"/>
-            </a:endParaRPr>
-          </a:p>
-          <a:p>
-            <a:endParaRPr lang="fr-FR" sz="2000" dirty="0">
-              <a:effectLst>
-                <a:outerShdw blurRad="38100" dist="38100" dir="2700000" algn="tl">
-                  <a:srgbClr val="000000">
-                    <a:alpha val="43137"/>
-                  </a:srgbClr>
-                </a:outerShdw>
-              </a:effectLst>
             </a:endParaRPr>
           </a:p>
         </p:txBody>
@@ -9215,7 +13069,7 @@
     </p:spTree>
     <p:extLst>
       <p:ext uri="{BB962C8B-B14F-4D97-AF65-F5344CB8AC3E}">
-        <p14:creationId xmlns:p14="http://schemas.microsoft.com/office/powerpoint/2010/main" val="242653117"/>
+        <p14:creationId xmlns:p14="http://schemas.microsoft.com/office/powerpoint/2010/main" val="2280535096"/>
       </p:ext>
     </p:extLst>
   </p:cSld>
@@ -9266,14 +13120,14 @@
           <a:lstStyle/>
           <a:p>
             <a:r>
-              <a:rPr lang="fr-CA" sz="3600" cap="none" dirty="0">
+              <a:rPr lang="fr-CA" sz="3600" cap="none">
                 <a:solidFill>
                   <a:srgbClr val="FF0000"/>
                 </a:solidFill>
               </a:rPr>
-              <a:t>II. OBJET ET CLASS</a:t>
-            </a:r>
-            <a:endParaRPr lang="fr-CA" sz="3600" cap="none" dirty="0">
+              <a:t>I.   INITIATION A JAVA</a:t>
+            </a:r>
+            <a:endParaRPr lang="fr-CA" sz="3600" cap="none">
               <a:solidFill>
                 <a:srgbClr val="FF0000"/>
               </a:solidFill>
@@ -9336,72 +13190,88 @@
           </a:extLst>
         </p:spPr>
       </p:pic>
-      <p:pic>
-        <p:nvPicPr>
-          <p:cNvPr id="6" name="Image 5">
-            <a:extLst>
-              <a:ext uri="{FF2B5EF4-FFF2-40B4-BE49-F238E27FC236}">
-                <a16:creationId xmlns:a16="http://schemas.microsoft.com/office/drawing/2014/main" id="{3FC0CC16-4376-4B0F-9FDB-57C680546149}"/>
-              </a:ext>
-            </a:extLst>
-          </p:cNvPr>
-          <p:cNvPicPr>
-            <a:picLocks noChangeAspect="1"/>
-          </p:cNvPicPr>
-          <p:nvPr/>
-        </p:nvPicPr>
-        <p:blipFill>
-          <a:blip r:embed="rId3">
-            <a:extLst>
-              <a:ext uri="{28A0092B-C50C-407E-A947-70E740481C1C}">
-                <a14:useLocalDpi xmlns:a14="http://schemas.microsoft.com/office/drawing/2010/main" val="0"/>
-              </a:ext>
-            </a:extLst>
-          </a:blip>
-          <a:stretch>
-            <a:fillRect/>
-          </a:stretch>
-        </p:blipFill>
-        <p:spPr>
-          <a:xfrm>
-            <a:off x="1064858" y="1688124"/>
-            <a:ext cx="6298042" cy="3784210"/>
-          </a:xfrm>
-          <a:prstGeom prst="rect">
-            <a:avLst/>
-          </a:prstGeom>
-        </p:spPr>
-      </p:pic>
       <p:sp>
         <p:nvSpPr>
-          <p:cNvPr id="5" name="ZoneTexte 4">
-            <a:extLst>
-              <a:ext uri="{FF2B5EF4-FFF2-40B4-BE49-F238E27FC236}">
-                <a16:creationId xmlns:a16="http://schemas.microsoft.com/office/drawing/2014/main" id="{55C3C721-62CE-4B02-8A89-49753B40FE14}"/>
-              </a:ext>
-            </a:extLst>
-          </p:cNvPr>
-          <p:cNvSpPr txBox="1"/>
+          <p:cNvPr id="5" name="Rectangle 4"/>
+          <p:cNvSpPr/>
           <p:nvPr/>
         </p:nvSpPr>
         <p:spPr>
           <a:xfrm>
-            <a:off x="1899138" y="942344"/>
-            <a:ext cx="2672862" cy="400110"/>
+            <a:off x="684069" y="1138962"/>
+            <a:ext cx="7953494" cy="4524315"/>
           </a:xfrm>
           <a:prstGeom prst="rect">
             <a:avLst/>
           </a:prstGeom>
-          <a:noFill/>
         </p:spPr>
         <p:txBody>
-          <a:bodyPr wrap="square" rtlCol="0">
+          <a:bodyPr wrap="square" lIns="91440" tIns="45720" rIns="91440" bIns="45720" anchor="t">
             <a:spAutoFit/>
           </a:bodyPr>
           <a:lstStyle/>
           <a:p>
-            <a:r>
-              <a:rPr lang="fr-FR" sz="2000" b="1" dirty="0">
+            <a:pPr marL="457200" indent="-457200">
+              <a:buAutoNum type="arabicPeriod"/>
+            </a:pPr>
+            <a:r>
+              <a:rPr lang="fr-FR" sz="2800" b="1">
+                <a:effectLst>
+                  <a:outerShdw blurRad="38100" dist="38100" dir="2700000" algn="tl">
+                    <a:srgbClr val="000000">
+                      <a:alpha val="43137"/>
+                    </a:srgbClr>
+                  </a:outerShdw>
+                </a:effectLst>
+                <a:latin typeface="Helvetica"/>
+                <a:ea typeface="ＭＳ Ｐゴシック"/>
+                <a:cs typeface="Helvetica"/>
+              </a:rPr>
+              <a:t>Définition d’une classe</a:t>
+            </a:r>
+            <a:endParaRPr lang="fr-FR" sz="2400" b="1">
+              <a:effectLst>
+                <a:outerShdw blurRad="38100" dist="38100" dir="2700000" algn="tl">
+                  <a:srgbClr val="000000">
+                    <a:alpha val="43137"/>
+                  </a:srgbClr>
+                </a:outerShdw>
+              </a:effectLst>
+              <a:latin typeface="Helvetica"/>
+              <a:ea typeface="ＭＳ Ｐゴシック"/>
+              <a:cs typeface="Helvetica"/>
+            </a:endParaRPr>
+          </a:p>
+          <a:p>
+            <a:r>
+              <a:rPr lang="fr-FR" sz="2000">
+                <a:latin typeface="Helvetica" panose="020B0604020202020204" pitchFamily="34" charset="0"/>
+                <a:cs typeface="Helvetica" panose="020B0604020202020204" pitchFamily="34" charset="0"/>
+              </a:rPr>
+              <a:t>Une classe est un groupe d'objets qui ont des propriétés communes. Il s'agit d'un modèle ou d'un plan à partir duquel des objets sont créés. C'est une entité logique. Ça ne peut pas être physique.</a:t>
+            </a:r>
+            <a:endParaRPr lang="fr-CI" sz="2000">
+              <a:latin typeface="Helvetica" panose="020B0604020202020204" pitchFamily="34" charset="0"/>
+              <a:cs typeface="Helvetica" panose="020B0604020202020204" pitchFamily="34" charset="0"/>
+            </a:endParaRPr>
+          </a:p>
+          <a:p>
+            <a:r>
+              <a:rPr lang="fr-FR" sz="2000">
+                <a:latin typeface="Helvetica" panose="020B0604020202020204" pitchFamily="34" charset="0"/>
+                <a:cs typeface="Helvetica" panose="020B0604020202020204" pitchFamily="34" charset="0"/>
+              </a:rPr>
+              <a:t>Une classe en Java peut contenir :</a:t>
+            </a:r>
+            <a:endParaRPr lang="fr-CI" sz="2000">
+              <a:latin typeface="Helvetica" panose="020B0604020202020204" pitchFamily="34" charset="0"/>
+              <a:cs typeface="Helvetica" panose="020B0604020202020204" pitchFamily="34" charset="0"/>
+            </a:endParaRPr>
+          </a:p>
+          <a:p>
+            <a:pPr lvl="0"/>
+            <a:r>
+              <a:rPr lang="en-GB" sz="2000">
                 <a:effectLst>
                   <a:outerShdw blurRad="38100" dist="38100" dir="2700000" algn="tl">
                     <a:srgbClr val="000000">
@@ -9412,9 +13282,9 @@
                 <a:latin typeface="Helvetica" panose="020B0604020202020204" pitchFamily="34" charset="0"/>
                 <a:cs typeface="Helvetica" panose="020B0604020202020204" pitchFamily="34" charset="0"/>
               </a:rPr>
-              <a:t>2. Syntaxe</a:t>
-            </a:r>
-            <a:endParaRPr lang="fr-CI" sz="2000" b="1" dirty="0">
+              <a:t>des champs; 	</a:t>
+            </a:r>
+            <a:endParaRPr lang="fr-CI" sz="2000">
               <a:effectLst>
                 <a:outerShdw blurRad="38100" dist="38100" dir="2700000" algn="tl">
                   <a:srgbClr val="000000">
@@ -9426,12 +13296,137 @@
               <a:cs typeface="Helvetica" panose="020B0604020202020204" pitchFamily="34" charset="0"/>
             </a:endParaRPr>
           </a:p>
+          <a:p>
+            <a:pPr lvl="0"/>
+            <a:r>
+              <a:rPr lang="en-GB" sz="2000">
+                <a:effectLst>
+                  <a:outerShdw blurRad="38100" dist="38100" dir="2700000" algn="tl">
+                    <a:srgbClr val="000000">
+                      <a:alpha val="43137"/>
+                    </a:srgbClr>
+                  </a:outerShdw>
+                </a:effectLst>
+                <a:latin typeface="Helvetica" panose="020B0604020202020204" pitchFamily="34" charset="0"/>
+                <a:cs typeface="Helvetica" panose="020B0604020202020204" pitchFamily="34" charset="0"/>
+              </a:rPr>
+              <a:t>Des méthodes;</a:t>
+            </a:r>
+            <a:endParaRPr lang="fr-CI" sz="2000">
+              <a:effectLst>
+                <a:outerShdw blurRad="38100" dist="38100" dir="2700000" algn="tl">
+                  <a:srgbClr val="000000">
+                    <a:alpha val="43137"/>
+                  </a:srgbClr>
+                </a:outerShdw>
+              </a:effectLst>
+              <a:latin typeface="Helvetica" panose="020B0604020202020204" pitchFamily="34" charset="0"/>
+              <a:cs typeface="Helvetica" panose="020B0604020202020204" pitchFamily="34" charset="0"/>
+            </a:endParaRPr>
+          </a:p>
+          <a:p>
+            <a:pPr lvl="0"/>
+            <a:r>
+              <a:rPr lang="en-GB" sz="2000">
+                <a:effectLst>
+                  <a:outerShdw blurRad="38100" dist="38100" dir="2700000" algn="tl">
+                    <a:srgbClr val="000000">
+                      <a:alpha val="43137"/>
+                    </a:srgbClr>
+                  </a:outerShdw>
+                </a:effectLst>
+                <a:latin typeface="Helvetica" panose="020B0604020202020204" pitchFamily="34" charset="0"/>
+                <a:cs typeface="Helvetica" panose="020B0604020202020204" pitchFamily="34" charset="0"/>
+              </a:rPr>
+              <a:t>Des constructeurs;</a:t>
+            </a:r>
+            <a:endParaRPr lang="fr-CI" sz="2000">
+              <a:effectLst>
+                <a:outerShdw blurRad="38100" dist="38100" dir="2700000" algn="tl">
+                  <a:srgbClr val="000000">
+                    <a:alpha val="43137"/>
+                  </a:srgbClr>
+                </a:outerShdw>
+              </a:effectLst>
+              <a:latin typeface="Helvetica" panose="020B0604020202020204" pitchFamily="34" charset="0"/>
+              <a:cs typeface="Helvetica" panose="020B0604020202020204" pitchFamily="34" charset="0"/>
+            </a:endParaRPr>
+          </a:p>
+          <a:p>
+            <a:pPr lvl="0"/>
+            <a:r>
+              <a:rPr lang="en-GB" sz="2000">
+                <a:effectLst>
+                  <a:outerShdw blurRad="38100" dist="38100" dir="2700000" algn="tl">
+                    <a:srgbClr val="000000">
+                      <a:alpha val="43137"/>
+                    </a:srgbClr>
+                  </a:outerShdw>
+                </a:effectLst>
+                <a:latin typeface="Helvetica" panose="020B0604020202020204" pitchFamily="34" charset="0"/>
+                <a:cs typeface="Helvetica" panose="020B0604020202020204" pitchFamily="34" charset="0"/>
+              </a:rPr>
+              <a:t>Des blocs;</a:t>
+            </a:r>
+            <a:endParaRPr lang="fr-CI" sz="2000">
+              <a:effectLst>
+                <a:outerShdw blurRad="38100" dist="38100" dir="2700000" algn="tl">
+                  <a:srgbClr val="000000">
+                    <a:alpha val="43137"/>
+                  </a:srgbClr>
+                </a:outerShdw>
+              </a:effectLst>
+              <a:latin typeface="Helvetica" panose="020B0604020202020204" pitchFamily="34" charset="0"/>
+              <a:cs typeface="Helvetica" panose="020B0604020202020204" pitchFamily="34" charset="0"/>
+            </a:endParaRPr>
+          </a:p>
+          <a:p>
+            <a:pPr lvl="0"/>
+            <a:r>
+              <a:rPr lang="en-GB" sz="2000">
+                <a:effectLst>
+                  <a:outerShdw blurRad="38100" dist="38100" dir="2700000" algn="tl">
+                    <a:srgbClr val="000000">
+                      <a:alpha val="43137"/>
+                    </a:srgbClr>
+                  </a:outerShdw>
+                </a:effectLst>
+                <a:latin typeface="Helvetica" panose="020B0604020202020204" pitchFamily="34" charset="0"/>
+                <a:cs typeface="Helvetica" panose="020B0604020202020204" pitchFamily="34" charset="0"/>
+              </a:rPr>
+              <a:t>Des classes et interfaces imbriquées</a:t>
+            </a:r>
+            <a:r>
+              <a:rPr lang="en-GB" sz="2000" b="1">
+                <a:latin typeface="Helvetica" panose="020B0604020202020204" pitchFamily="34" charset="0"/>
+                <a:cs typeface="Helvetica" panose="020B0604020202020204" pitchFamily="34" charset="0"/>
+              </a:rPr>
+              <a:t>;</a:t>
+            </a:r>
+          </a:p>
+          <a:p>
+            <a:pPr lvl="0"/>
+            <a:endParaRPr lang="en-GB" sz="2000" b="1">
+              <a:latin typeface="Helvetica" panose="020B0604020202020204" pitchFamily="34" charset="0"/>
+              <a:cs typeface="Helvetica" panose="020B0604020202020204" pitchFamily="34" charset="0"/>
+            </a:endParaRPr>
+          </a:p>
+          <a:p>
+            <a:pPr lvl="0"/>
+            <a:endParaRPr lang="fr-CI" sz="2000">
+              <a:latin typeface="Helvetica" panose="020B0604020202020204" pitchFamily="34" charset="0"/>
+              <a:cs typeface="Helvetica" panose="020B0604020202020204" pitchFamily="34" charset="0"/>
+            </a:endParaRPr>
+          </a:p>
+          <a:p>
+            <a:endParaRPr lang="fr-FR" sz="2000"/>
+          </a:p>
         </p:txBody>
       </p:sp>
     </p:spTree>
     <p:extLst>
       <p:ext uri="{BB962C8B-B14F-4D97-AF65-F5344CB8AC3E}">
-        <p14:creationId xmlns:p14="http://schemas.microsoft.com/office/powerpoint/2010/main" val="2280535096"/>
+        <p14:creationId xmlns:p14="http://schemas.microsoft.com/office/powerpoint/2010/main" val="264611059"/>
       </p:ext>
     </p:extLst>
   </p:cSld>
@@ -9560,8 +13555,8 @@
         </p:nvSpPr>
         <p:spPr>
           <a:xfrm>
-            <a:off x="684069" y="1138962"/>
-            <a:ext cx="7953494" cy="4524315"/>
+            <a:off x="2780154" y="938978"/>
+            <a:ext cx="3325224" cy="400110"/>
           </a:xfrm>
           <a:prstGeom prst="rect">
             <a:avLst/>
@@ -9573,11 +13568,8 @@
           </a:bodyPr>
           <a:lstStyle/>
           <a:p>
-            <a:pPr marL="457200" indent="-457200">
-              <a:buAutoNum type="arabicPeriod"/>
-            </a:pPr>
-            <a:r>
-              <a:rPr lang="fr-FR" sz="2800" b="1" dirty="0">
+            <a:r>
+              <a:rPr lang="fr-FR" sz="2000" b="1">
                 <a:effectLst>
                   <a:outerShdw blurRad="38100" dist="38100" dir="2700000" algn="tl">
                     <a:srgbClr val="000000">
@@ -9589,9 +13581,9 @@
                 <a:ea typeface="ＭＳ Ｐゴシック"/>
                 <a:cs typeface="Helvetica"/>
               </a:rPr>
-              <a:t>Définition d’une classe</a:t>
-            </a:r>
-            <a:endParaRPr lang="fr-FR" sz="2400" b="1" dirty="0">
+              <a:t>2. Syntaxe d’une classe</a:t>
+            </a:r>
+            <a:endParaRPr lang="fr-FR">
               <a:effectLst>
                 <a:outerShdw blurRad="38100" dist="38100" dir="2700000" algn="tl">
                   <a:srgbClr val="000000">
@@ -9599,41 +13591,76 @@
                   </a:srgbClr>
                 </a:outerShdw>
               </a:effectLst>
-              <a:latin typeface="Helvetica"/>
-              <a:ea typeface="ＭＳ Ｐゴシック"/>
-              <a:cs typeface="Helvetica"/>
             </a:endParaRPr>
           </a:p>
-          <a:p>
-            <a:r>
-              <a:rPr lang="fr-FR" sz="2000" dirty="0">
-                <a:latin typeface="Helvetica" panose="020B0604020202020204" pitchFamily="34" charset="0"/>
-                <a:cs typeface="Helvetica" panose="020B0604020202020204" pitchFamily="34" charset="0"/>
-              </a:rPr>
-              <a:t>Une classe est un groupe d'objets qui ont des propriétés communes. Il s'agit d'un modèle ou d'un plan à partir duquel des objets sont créés. C'est une entité logique. Ça ne peut pas être physique.</a:t>
-            </a:r>
-            <a:endParaRPr lang="fr-CI" sz="2000" dirty="0">
-              <a:latin typeface="Helvetica" panose="020B0604020202020204" pitchFamily="34" charset="0"/>
-              <a:cs typeface="Helvetica" panose="020B0604020202020204" pitchFamily="34" charset="0"/>
-            </a:endParaRPr>
-          </a:p>
-          <a:p>
-            <a:r>
-              <a:rPr lang="fr-FR" sz="2000" dirty="0">
-                <a:latin typeface="Helvetica" panose="020B0604020202020204" pitchFamily="34" charset="0"/>
-                <a:cs typeface="Helvetica" panose="020B0604020202020204" pitchFamily="34" charset="0"/>
-              </a:rPr>
-              <a:t>Une classe en Java peut contenir :</a:t>
-            </a:r>
-            <a:endParaRPr lang="fr-CI" sz="2000" dirty="0">
-              <a:latin typeface="Helvetica" panose="020B0604020202020204" pitchFamily="34" charset="0"/>
-              <a:cs typeface="Helvetica" panose="020B0604020202020204" pitchFamily="34" charset="0"/>
-            </a:endParaRPr>
-          </a:p>
-          <a:p>
-            <a:pPr lvl="0"/>
-            <a:r>
-              <a:rPr lang="en-GB" sz="2000" dirty="0">
+        </p:txBody>
+      </p:sp>
+      <p:pic>
+        <p:nvPicPr>
+          <p:cNvPr id="6" name="Image 5">
+            <a:extLst>
+              <a:ext uri="{FF2B5EF4-FFF2-40B4-BE49-F238E27FC236}">
+                <a16:creationId xmlns:a16="http://schemas.microsoft.com/office/drawing/2014/main" id="{36B51B83-98B3-483D-89E9-1F54F24F4362}"/>
+              </a:ext>
+            </a:extLst>
+          </p:cNvPr>
+          <p:cNvPicPr>
+            <a:picLocks noChangeAspect="1"/>
+          </p:cNvPicPr>
+          <p:nvPr/>
+        </p:nvPicPr>
+        <p:blipFill>
+          <a:blip r:embed="rId3">
+            <a:extLst>
+              <a:ext uri="{28A0092B-C50C-407E-A947-70E740481C1C}">
+                <a14:useLocalDpi xmlns:a14="http://schemas.microsoft.com/office/drawing/2010/main" val="0"/>
+              </a:ext>
+            </a:extLst>
+          </a:blip>
+          <a:stretch>
+            <a:fillRect/>
+          </a:stretch>
+        </p:blipFill>
+        <p:spPr>
+          <a:xfrm>
+            <a:off x="1479633" y="1272600"/>
+            <a:ext cx="5982535" cy="1510010"/>
+          </a:xfrm>
+          <a:prstGeom prst="rect">
+            <a:avLst/>
+          </a:prstGeom>
+        </p:spPr>
+      </p:pic>
+      <p:sp>
+        <p:nvSpPr>
+          <p:cNvPr id="7" name="ZoneTexte 6">
+            <a:extLst>
+              <a:ext uri="{FF2B5EF4-FFF2-40B4-BE49-F238E27FC236}">
+                <a16:creationId xmlns:a16="http://schemas.microsoft.com/office/drawing/2014/main" id="{40559625-95C1-4045-9F43-52670826DFAF}"/>
+              </a:ext>
+            </a:extLst>
+          </p:cNvPr>
+          <p:cNvSpPr txBox="1"/>
+          <p:nvPr/>
+        </p:nvSpPr>
+        <p:spPr>
+          <a:xfrm>
+            <a:off x="2484733" y="2437353"/>
+            <a:ext cx="3325224" cy="400110"/>
+          </a:xfrm>
+          <a:prstGeom prst="rect">
+            <a:avLst/>
+          </a:prstGeom>
+          <a:noFill/>
+        </p:spPr>
+        <p:txBody>
+          <a:bodyPr wrap="square" rtlCol="0">
+            <a:spAutoFit/>
+          </a:bodyPr>
+          <a:lstStyle/>
+          <a:p>
+            <a:r>
+              <a:rPr lang="fr-FR" sz="2000" b="1">
                 <a:effectLst>
                   <a:outerShdw blurRad="38100" dist="38100" dir="2700000" algn="tl">
                     <a:srgbClr val="000000">
@@ -9644,9 +13671,9 @@
                 <a:latin typeface="Helvetica" panose="020B0604020202020204" pitchFamily="34" charset="0"/>
                 <a:cs typeface="Helvetica" panose="020B0604020202020204" pitchFamily="34" charset="0"/>
               </a:rPr>
-              <a:t>des champs; 	</a:t>
-            </a:r>
-            <a:endParaRPr lang="fr-CI" sz="2000" dirty="0">
+              <a:t>3. Exemple</a:t>
+            </a:r>
+            <a:endParaRPr lang="fr-CI" sz="2000" b="1">
               <a:effectLst>
                 <a:outerShdw blurRad="38100" dist="38100" dir="2700000" algn="tl">
                   <a:srgbClr val="000000">
@@ -9658,137 +13685,84 @@
               <a:cs typeface="Helvetica" panose="020B0604020202020204" pitchFamily="34" charset="0"/>
             </a:endParaRPr>
           </a:p>
-          <a:p>
-            <a:pPr lvl="0"/>
-            <a:r>
-              <a:rPr lang="en-GB" sz="2000" dirty="0">
-                <a:effectLst>
-                  <a:outerShdw blurRad="38100" dist="38100" dir="2700000" algn="tl">
-                    <a:srgbClr val="000000">
-                      <a:alpha val="43137"/>
-                    </a:srgbClr>
-                  </a:outerShdw>
-                </a:effectLst>
-                <a:latin typeface="Helvetica" panose="020B0604020202020204" pitchFamily="34" charset="0"/>
-                <a:cs typeface="Helvetica" panose="020B0604020202020204" pitchFamily="34" charset="0"/>
-              </a:rPr>
-              <a:t>Des méthodes;</a:t>
-            </a:r>
-            <a:endParaRPr lang="fr-CI" sz="2000" dirty="0">
-              <a:effectLst>
-                <a:outerShdw blurRad="38100" dist="38100" dir="2700000" algn="tl">
-                  <a:srgbClr val="000000">
-                    <a:alpha val="43137"/>
-                  </a:srgbClr>
-                </a:outerShdw>
-              </a:effectLst>
-              <a:latin typeface="Helvetica" panose="020B0604020202020204" pitchFamily="34" charset="0"/>
-              <a:cs typeface="Helvetica" panose="020B0604020202020204" pitchFamily="34" charset="0"/>
-            </a:endParaRPr>
-          </a:p>
-          <a:p>
-            <a:pPr lvl="0"/>
-            <a:r>
-              <a:rPr lang="en-GB" sz="2000" dirty="0">
-                <a:effectLst>
-                  <a:outerShdw blurRad="38100" dist="38100" dir="2700000" algn="tl">
-                    <a:srgbClr val="000000">
-                      <a:alpha val="43137"/>
-                    </a:srgbClr>
-                  </a:outerShdw>
-                </a:effectLst>
-                <a:latin typeface="Helvetica" panose="020B0604020202020204" pitchFamily="34" charset="0"/>
-                <a:cs typeface="Helvetica" panose="020B0604020202020204" pitchFamily="34" charset="0"/>
-              </a:rPr>
-              <a:t>Des constructeurs;</a:t>
-            </a:r>
-            <a:endParaRPr lang="fr-CI" sz="2000" dirty="0">
-              <a:effectLst>
-                <a:outerShdw blurRad="38100" dist="38100" dir="2700000" algn="tl">
-                  <a:srgbClr val="000000">
-                    <a:alpha val="43137"/>
-                  </a:srgbClr>
-                </a:outerShdw>
-              </a:effectLst>
-              <a:latin typeface="Helvetica" panose="020B0604020202020204" pitchFamily="34" charset="0"/>
-              <a:cs typeface="Helvetica" panose="020B0604020202020204" pitchFamily="34" charset="0"/>
-            </a:endParaRPr>
-          </a:p>
-          <a:p>
-            <a:pPr lvl="0"/>
-            <a:r>
-              <a:rPr lang="en-GB" sz="2000" dirty="0">
-                <a:effectLst>
-                  <a:outerShdw blurRad="38100" dist="38100" dir="2700000" algn="tl">
-                    <a:srgbClr val="000000">
-                      <a:alpha val="43137"/>
-                    </a:srgbClr>
-                  </a:outerShdw>
-                </a:effectLst>
-                <a:latin typeface="Helvetica" panose="020B0604020202020204" pitchFamily="34" charset="0"/>
-                <a:cs typeface="Helvetica" panose="020B0604020202020204" pitchFamily="34" charset="0"/>
-              </a:rPr>
-              <a:t>Des blocs;</a:t>
-            </a:r>
-            <a:endParaRPr lang="fr-CI" sz="2000" dirty="0">
-              <a:effectLst>
-                <a:outerShdw blurRad="38100" dist="38100" dir="2700000" algn="tl">
-                  <a:srgbClr val="000000">
-                    <a:alpha val="43137"/>
-                  </a:srgbClr>
-                </a:outerShdw>
-              </a:effectLst>
-              <a:latin typeface="Helvetica" panose="020B0604020202020204" pitchFamily="34" charset="0"/>
-              <a:cs typeface="Helvetica" panose="020B0604020202020204" pitchFamily="34" charset="0"/>
-            </a:endParaRPr>
-          </a:p>
-          <a:p>
-            <a:pPr lvl="0"/>
-            <a:r>
-              <a:rPr lang="en-GB" sz="2000" dirty="0">
-                <a:effectLst>
-                  <a:outerShdw blurRad="38100" dist="38100" dir="2700000" algn="tl">
-                    <a:srgbClr val="000000">
-                      <a:alpha val="43137"/>
-                    </a:srgbClr>
-                  </a:outerShdw>
-                </a:effectLst>
-                <a:latin typeface="Helvetica" panose="020B0604020202020204" pitchFamily="34" charset="0"/>
-                <a:cs typeface="Helvetica" panose="020B0604020202020204" pitchFamily="34" charset="0"/>
-              </a:rPr>
-              <a:t>Des classes et interfaces imbriquées</a:t>
-            </a:r>
-            <a:r>
-              <a:rPr lang="en-GB" sz="2000" b="1" dirty="0">
-                <a:latin typeface="Helvetica" panose="020B0604020202020204" pitchFamily="34" charset="0"/>
-                <a:cs typeface="Helvetica" panose="020B0604020202020204" pitchFamily="34" charset="0"/>
-              </a:rPr>
-              <a:t>;</a:t>
-            </a:r>
-          </a:p>
-          <a:p>
-            <a:pPr lvl="0"/>
-            <a:endParaRPr lang="en-GB" sz="2000" b="1" dirty="0">
-              <a:latin typeface="Helvetica" panose="020B0604020202020204" pitchFamily="34" charset="0"/>
-              <a:cs typeface="Helvetica" panose="020B0604020202020204" pitchFamily="34" charset="0"/>
-            </a:endParaRPr>
-          </a:p>
-          <a:p>
-            <a:pPr lvl="0"/>
-            <a:endParaRPr lang="fr-CI" sz="2000" dirty="0">
-              <a:latin typeface="Helvetica" panose="020B0604020202020204" pitchFamily="34" charset="0"/>
-              <a:cs typeface="Helvetica" panose="020B0604020202020204" pitchFamily="34" charset="0"/>
-            </a:endParaRPr>
-          </a:p>
-          <a:p>
-            <a:endParaRPr lang="fr-FR" sz="2000" dirty="0"/>
-          </a:p>
         </p:txBody>
       </p:sp>
+      <p:pic>
+        <p:nvPicPr>
+          <p:cNvPr id="9" name="Image 8">
+            <a:extLst>
+              <a:ext uri="{FF2B5EF4-FFF2-40B4-BE49-F238E27FC236}">
+                <a16:creationId xmlns:a16="http://schemas.microsoft.com/office/drawing/2014/main" id="{40BC2672-9A67-4EA5-A766-6E55467185C0}"/>
+              </a:ext>
+            </a:extLst>
+          </p:cNvPr>
+          <p:cNvPicPr>
+            <a:picLocks noChangeAspect="1"/>
+          </p:cNvPicPr>
+          <p:nvPr/>
+        </p:nvPicPr>
+        <p:blipFill>
+          <a:blip r:embed="rId4">
+            <a:extLst>
+              <a:ext uri="{28A0092B-C50C-407E-A947-70E740481C1C}">
+                <a14:useLocalDpi xmlns:a14="http://schemas.microsoft.com/office/drawing/2010/main" val="0"/>
+              </a:ext>
+            </a:extLst>
+          </a:blip>
+          <a:stretch>
+            <a:fillRect/>
+          </a:stretch>
+        </p:blipFill>
+        <p:spPr>
+          <a:xfrm>
+            <a:off x="1451499" y="2984134"/>
+            <a:ext cx="5982534" cy="1973143"/>
+          </a:xfrm>
+          <a:prstGeom prst="rect">
+            <a:avLst/>
+          </a:prstGeom>
+        </p:spPr>
+      </p:pic>
+      <p:pic>
+        <p:nvPicPr>
+          <p:cNvPr id="11" name="Image 10">
+            <a:extLst>
+              <a:ext uri="{FF2B5EF4-FFF2-40B4-BE49-F238E27FC236}">
+                <a16:creationId xmlns:a16="http://schemas.microsoft.com/office/drawing/2014/main" id="{0B00AFC9-002E-42A1-BE11-25F161EB0A12}"/>
+              </a:ext>
+            </a:extLst>
+          </p:cNvPr>
+          <p:cNvPicPr>
+            <a:picLocks noChangeAspect="1"/>
+          </p:cNvPicPr>
+          <p:nvPr/>
+        </p:nvPicPr>
+        <p:blipFill>
+          <a:blip r:embed="rId5">
+            <a:extLst>
+              <a:ext uri="{28A0092B-C50C-407E-A947-70E740481C1C}">
+                <a14:useLocalDpi xmlns:a14="http://schemas.microsoft.com/office/drawing/2010/main" val="0"/>
+              </a:ext>
+            </a:extLst>
+          </a:blip>
+          <a:stretch>
+            <a:fillRect/>
+          </a:stretch>
+        </p:blipFill>
+        <p:spPr>
+          <a:xfrm>
+            <a:off x="1479633" y="4914907"/>
+            <a:ext cx="5982534" cy="1528264"/>
+          </a:xfrm>
+          <a:prstGeom prst="rect">
+            <a:avLst/>
+          </a:prstGeom>
+        </p:spPr>
+      </p:pic>
     </p:spTree>
     <p:extLst>
       <p:ext uri="{BB962C8B-B14F-4D97-AF65-F5344CB8AC3E}">
-        <p14:creationId xmlns:p14="http://schemas.microsoft.com/office/powerpoint/2010/main" val="264611059"/>
+        <p14:creationId xmlns:p14="http://schemas.microsoft.com/office/powerpoint/2010/main" val="773615741"/>
       </p:ext>
     </p:extLst>
   </p:cSld>
@@ -9844,7 +13818,7 @@
                   <a:srgbClr val="FF0000"/>
                 </a:solidFill>
               </a:rPr>
-              <a:t>I.   INITIATION A JAVA</a:t>
+              <a:t>III. LES METHODES</a:t>
             </a:r>
             <a:endParaRPr lang="fr-CA" sz="3600" cap="none">
               <a:solidFill>
@@ -9917,8 +13891,8 @@
         </p:nvSpPr>
         <p:spPr>
           <a:xfrm>
-            <a:off x="2780154" y="938978"/>
-            <a:ext cx="3325224" cy="400110"/>
+            <a:off x="0" y="1138961"/>
+            <a:ext cx="7435121" cy="2677656"/>
           </a:xfrm>
           <a:prstGeom prst="rect">
             <a:avLst/>
@@ -9930,8 +13904,11 @@
           </a:bodyPr>
           <a:lstStyle/>
           <a:p>
-            <a:r>
-              <a:rPr lang="fr-FR" sz="2000" b="1" dirty="0">
+            <a:pPr marL="457200" indent="-457200">
+              <a:buAutoNum type="arabicPeriod"/>
+            </a:pPr>
+            <a:r>
+              <a:rPr lang="fr-FR" sz="2000" b="1">
                 <a:effectLst>
                   <a:outerShdw blurRad="38100" dist="38100" dir="2700000" algn="tl">
                     <a:srgbClr val="000000">
@@ -9943,9 +13920,94 @@
                 <a:ea typeface="ＭＳ Ｐゴシック"/>
                 <a:cs typeface="Helvetica"/>
               </a:rPr>
-              <a:t>2. Syntaxe d’une classe</a:t>
-            </a:r>
-            <a:endParaRPr lang="fr-FR" dirty="0">
+              <a:t>Définition</a:t>
+            </a:r>
+          </a:p>
+          <a:p>
+            <a:r>
+              <a:rPr lang="fr-CI"/>
+              <a:t> </a:t>
+            </a:r>
+            <a:r>
+              <a:rPr lang="fr-FR">
+                <a:latin typeface="Helvetica" panose="020B0604020202020204" pitchFamily="34" charset="0"/>
+                <a:cs typeface="Helvetica" panose="020B0604020202020204" pitchFamily="34" charset="0"/>
+              </a:rPr>
+              <a:t>Une </a:t>
+            </a:r>
+            <a:r>
+              <a:rPr lang="fr-FR" b="1">
+                <a:latin typeface="Helvetica" panose="020B0604020202020204" pitchFamily="34" charset="0"/>
+                <a:cs typeface="Helvetica" panose="020B0604020202020204" pitchFamily="34" charset="0"/>
+              </a:rPr>
+              <a:t>méthode</a:t>
+            </a:r>
+            <a:r>
+              <a:rPr lang="fr-FR">
+                <a:latin typeface="Helvetica" panose="020B0604020202020204" pitchFamily="34" charset="0"/>
+                <a:cs typeface="Helvetica" panose="020B0604020202020204" pitchFamily="34" charset="0"/>
+              </a:rPr>
+              <a:t> est un bloc de code ou une collection d'instructions ou un ensemble de codes regroupés pour effectuer une certaine tâche ou une opération.</a:t>
+            </a:r>
+            <a:endParaRPr lang="fr-CI">
+              <a:latin typeface="Helvetica" panose="020B0604020202020204" pitchFamily="34" charset="0"/>
+              <a:cs typeface="Helvetica" panose="020B0604020202020204" pitchFamily="34" charset="0"/>
+            </a:endParaRPr>
+          </a:p>
+          <a:p>
+            <a:r>
+              <a:rPr lang="fr-FR">
+                <a:latin typeface="Helvetica" panose="020B0604020202020204" pitchFamily="34" charset="0"/>
+                <a:cs typeface="Helvetica" panose="020B0604020202020204" pitchFamily="34" charset="0"/>
+              </a:rPr>
+              <a:t>Il est utilisé pour atteindre la</a:t>
+            </a:r>
+            <a:r>
+              <a:rPr lang="fr-FR" b="1">
+                <a:latin typeface="Helvetica" panose="020B0604020202020204" pitchFamily="34" charset="0"/>
+                <a:cs typeface="Helvetica" panose="020B0604020202020204" pitchFamily="34" charset="0"/>
+              </a:rPr>
+              <a:t> réutilisabilité </a:t>
+            </a:r>
+            <a:r>
+              <a:rPr lang="fr-FR">
+                <a:latin typeface="Helvetica" panose="020B0604020202020204" pitchFamily="34" charset="0"/>
+                <a:cs typeface="Helvetica" panose="020B0604020202020204" pitchFamily="34" charset="0"/>
+              </a:rPr>
+              <a:t>du code.  Une méthode est écrite une fois   et est utilisée plusieurs fois.</a:t>
+            </a:r>
+          </a:p>
+          <a:p>
+            <a:r>
+              <a:rPr lang="fr-FR" sz="2000" b="1">
+                <a:effectLst>
+                  <a:outerShdw blurRad="38100" dist="38100" dir="2700000" algn="tl">
+                    <a:srgbClr val="000000">
+                      <a:alpha val="43137"/>
+                    </a:srgbClr>
+                  </a:outerShdw>
+                </a:effectLst>
+                <a:latin typeface="Helvetica" panose="020B0604020202020204" pitchFamily="34" charset="0"/>
+                <a:cs typeface="Helvetica" panose="020B0604020202020204" pitchFamily="34" charset="0"/>
+              </a:rPr>
+              <a:t>2. Syntaxe</a:t>
+            </a:r>
+          </a:p>
+          <a:p>
+            <a:endParaRPr lang="fr-CI" sz="2000" b="1">
+              <a:effectLst>
+                <a:outerShdw blurRad="38100" dist="38100" dir="2700000" algn="tl">
+                  <a:srgbClr val="000000">
+                    <a:alpha val="43137"/>
+                  </a:srgbClr>
+                </a:outerShdw>
+              </a:effectLst>
+              <a:latin typeface="Helvetica" panose="020B0604020202020204" pitchFamily="34" charset="0"/>
+              <a:cs typeface="Helvetica" panose="020B0604020202020204" pitchFamily="34" charset="0"/>
+            </a:endParaRPr>
+          </a:p>
+          <a:p>
+            <a:endParaRPr lang="fr-FR">
               <a:effectLst>
                 <a:outerShdw blurRad="38100" dist="38100" dir="2700000" algn="tl">
                   <a:srgbClr val="000000">
@@ -9962,7 +14024,7 @@
           <p:cNvPr id="6" name="Image 5">
             <a:extLst>
               <a:ext uri="{FF2B5EF4-FFF2-40B4-BE49-F238E27FC236}">
-                <a16:creationId xmlns:a16="http://schemas.microsoft.com/office/drawing/2014/main" id="{36B51B83-98B3-483D-89E9-1F54F24F4362}"/>
+                <a16:creationId xmlns:a16="http://schemas.microsoft.com/office/drawing/2014/main" id="{BD80181F-C193-45A9-A060-D2A76D48759F}"/>
               </a:ext>
             </a:extLst>
           </p:cNvPr>
@@ -9985,136 +14047,8 @@
         </p:blipFill>
         <p:spPr>
           <a:xfrm>
-            <a:off x="1479633" y="1272600"/>
-            <a:ext cx="5982535" cy="1510010"/>
-          </a:xfrm>
-          <a:prstGeom prst="rect">
-            <a:avLst/>
-          </a:prstGeom>
-        </p:spPr>
-      </p:pic>
-      <p:sp>
-        <p:nvSpPr>
-          <p:cNvPr id="7" name="ZoneTexte 6">
-            <a:extLst>
-              <a:ext uri="{FF2B5EF4-FFF2-40B4-BE49-F238E27FC236}">
-                <a16:creationId xmlns:a16="http://schemas.microsoft.com/office/drawing/2014/main" id="{40559625-95C1-4045-9F43-52670826DFAF}"/>
-              </a:ext>
-            </a:extLst>
-          </p:cNvPr>
-          <p:cNvSpPr txBox="1"/>
-          <p:nvPr/>
-        </p:nvSpPr>
-        <p:spPr>
-          <a:xfrm>
-            <a:off x="2484733" y="2437353"/>
-            <a:ext cx="3325224" cy="400110"/>
-          </a:xfrm>
-          <a:prstGeom prst="rect">
-            <a:avLst/>
-          </a:prstGeom>
-          <a:noFill/>
-        </p:spPr>
-        <p:txBody>
-          <a:bodyPr wrap="square" rtlCol="0">
-            <a:spAutoFit/>
-          </a:bodyPr>
-          <a:lstStyle/>
-          <a:p>
-            <a:r>
-              <a:rPr lang="fr-FR" sz="2000" b="1" dirty="0">
-                <a:effectLst>
-                  <a:outerShdw blurRad="38100" dist="38100" dir="2700000" algn="tl">
-                    <a:srgbClr val="000000">
-                      <a:alpha val="43137"/>
-                    </a:srgbClr>
-                  </a:outerShdw>
-                </a:effectLst>
-                <a:latin typeface="Helvetica" panose="020B0604020202020204" pitchFamily="34" charset="0"/>
-                <a:cs typeface="Helvetica" panose="020B0604020202020204" pitchFamily="34" charset="0"/>
-              </a:rPr>
-              <a:t>3. Exemple</a:t>
-            </a:r>
-            <a:endParaRPr lang="fr-CI" sz="2000" b="1" dirty="0">
-              <a:effectLst>
-                <a:outerShdw blurRad="38100" dist="38100" dir="2700000" algn="tl">
-                  <a:srgbClr val="000000">
-                    <a:alpha val="43137"/>
-                  </a:srgbClr>
-                </a:outerShdw>
-              </a:effectLst>
-              <a:latin typeface="Helvetica" panose="020B0604020202020204" pitchFamily="34" charset="0"/>
-              <a:cs typeface="Helvetica" panose="020B0604020202020204" pitchFamily="34" charset="0"/>
-            </a:endParaRPr>
-          </a:p>
-        </p:txBody>
-      </p:sp>
-      <p:pic>
-        <p:nvPicPr>
-          <p:cNvPr id="9" name="Image 8">
-            <a:extLst>
-              <a:ext uri="{FF2B5EF4-FFF2-40B4-BE49-F238E27FC236}">
-                <a16:creationId xmlns:a16="http://schemas.microsoft.com/office/drawing/2014/main" id="{40BC2672-9A67-4EA5-A766-6E55467185C0}"/>
-              </a:ext>
-            </a:extLst>
-          </p:cNvPr>
-          <p:cNvPicPr>
-            <a:picLocks noChangeAspect="1"/>
-          </p:cNvPicPr>
-          <p:nvPr/>
-        </p:nvPicPr>
-        <p:blipFill>
-          <a:blip r:embed="rId4">
-            <a:extLst>
-              <a:ext uri="{28A0092B-C50C-407E-A947-70E740481C1C}">
-                <a14:useLocalDpi xmlns:a14="http://schemas.microsoft.com/office/drawing/2010/main" val="0"/>
-              </a:ext>
-            </a:extLst>
-          </a:blip>
-          <a:stretch>
-            <a:fillRect/>
-          </a:stretch>
-        </p:blipFill>
-        <p:spPr>
-          <a:xfrm>
-            <a:off x="1451499" y="2984134"/>
-            <a:ext cx="5982534" cy="1973143"/>
-          </a:xfrm>
-          <a:prstGeom prst="rect">
-            <a:avLst/>
-          </a:prstGeom>
-        </p:spPr>
-      </p:pic>
-      <p:pic>
-        <p:nvPicPr>
-          <p:cNvPr id="11" name="Image 10">
-            <a:extLst>
-              <a:ext uri="{FF2B5EF4-FFF2-40B4-BE49-F238E27FC236}">
-                <a16:creationId xmlns:a16="http://schemas.microsoft.com/office/drawing/2014/main" id="{0B00AFC9-002E-42A1-BE11-25F161EB0A12}"/>
-              </a:ext>
-            </a:extLst>
-          </p:cNvPr>
-          <p:cNvPicPr>
-            <a:picLocks noChangeAspect="1"/>
-          </p:cNvPicPr>
-          <p:nvPr/>
-        </p:nvPicPr>
-        <p:blipFill>
-          <a:blip r:embed="rId5">
-            <a:extLst>
-              <a:ext uri="{28A0092B-C50C-407E-A947-70E740481C1C}">
-                <a14:useLocalDpi xmlns:a14="http://schemas.microsoft.com/office/drawing/2010/main" val="0"/>
-              </a:ext>
-            </a:extLst>
-          </a:blip>
-          <a:stretch>
-            <a:fillRect/>
-          </a:stretch>
-        </p:blipFill>
-        <p:spPr>
-          <a:xfrm>
-            <a:off x="1479633" y="4914907"/>
-            <a:ext cx="5982534" cy="1528264"/>
+            <a:off x="1296755" y="3429000"/>
+            <a:ext cx="5201376" cy="2191056"/>
           </a:xfrm>
           <a:prstGeom prst="rect">
             <a:avLst/>
@@ -10124,7 +14058,7 @@
     </p:spTree>
     <p:extLst>
       <p:ext uri="{BB962C8B-B14F-4D97-AF65-F5344CB8AC3E}">
-        <p14:creationId xmlns:p14="http://schemas.microsoft.com/office/powerpoint/2010/main" val="773615741"/>
+        <p14:creationId xmlns:p14="http://schemas.microsoft.com/office/powerpoint/2010/main" val="303836648"/>
       </p:ext>
     </p:extLst>
   </p:cSld>

--- a/java-oop latest.pptx
+++ b/java-oop latest.pptx
@@ -5,10 +5,10 @@
     <p:sldMasterId id="2147483650" r:id="rId1"/>
   </p:sldMasterIdLst>
   <p:notesMasterIdLst>
-    <p:notesMasterId r:id="rId29"/>
+    <p:notesMasterId r:id="rId32"/>
   </p:notesMasterIdLst>
   <p:handoutMasterIdLst>
-    <p:handoutMasterId r:id="rId30"/>
+    <p:handoutMasterId r:id="rId33"/>
   </p:handoutMasterIdLst>
   <p:sldIdLst>
     <p:sldId id="256" r:id="rId2"/>
@@ -26,18 +26,21 @@
     <p:sldId id="383" r:id="rId14"/>
     <p:sldId id="382" r:id="rId15"/>
     <p:sldId id="391" r:id="rId16"/>
-    <p:sldId id="395" r:id="rId17"/>
-    <p:sldId id="394" r:id="rId18"/>
-    <p:sldId id="393" r:id="rId19"/>
-    <p:sldId id="392" r:id="rId20"/>
-    <p:sldId id="378" r:id="rId21"/>
-    <p:sldId id="379" r:id="rId22"/>
-    <p:sldId id="388" r:id="rId23"/>
-    <p:sldId id="381" r:id="rId24"/>
-    <p:sldId id="390" r:id="rId25"/>
-    <p:sldId id="396" r:id="rId26"/>
-    <p:sldId id="366" r:id="rId27"/>
-    <p:sldId id="345" r:id="rId28"/>
+    <p:sldId id="400" r:id="rId17"/>
+    <p:sldId id="399" r:id="rId18"/>
+    <p:sldId id="395" r:id="rId19"/>
+    <p:sldId id="394" r:id="rId20"/>
+    <p:sldId id="393" r:id="rId21"/>
+    <p:sldId id="398" r:id="rId22"/>
+    <p:sldId id="397" r:id="rId23"/>
+    <p:sldId id="378" r:id="rId24"/>
+    <p:sldId id="379" r:id="rId25"/>
+    <p:sldId id="388" r:id="rId26"/>
+    <p:sldId id="381" r:id="rId27"/>
+    <p:sldId id="390" r:id="rId28"/>
+    <p:sldId id="396" r:id="rId29"/>
+    <p:sldId id="366" r:id="rId30"/>
+    <p:sldId id="345" r:id="rId31"/>
   </p:sldIdLst>
   <p:sldSz cx="9144000" cy="6858000" type="screen4x3"/>
   <p:notesSz cx="7010400" cy="9296400"/>
@@ -192,7 +195,7 @@
 <p1510:revInfo xmlns:a="http://schemas.openxmlformats.org/drawingml/2006/main" xmlns:r="http://schemas.openxmlformats.org/officeDocument/2006/relationships" xmlns:p1510="http://schemas.microsoft.com/office/powerpoint/2015/10/main">
   <p1510:revLst>
     <p1510:client id="{0C789339-DDC5-49B7-9795-BE5D39E6A1DD}" v="3" dt="2022-08-18T12:48:18.968"/>
-    <p1510:client id="{158C173D-B4B4-43B9-B768-B3C9FC12F870}" v="406" dt="2022-08-18T15:31:32.013"/>
+    <p1510:client id="{158C173D-B4B4-43B9-B768-B3C9FC12F870}" v="409" dt="2022-08-18T15:54:39.129"/>
     <p1510:client id="{18444539-B928-4433-9615-5883B10F92AF}" v="735" dt="2022-07-20T09:46:12.099"/>
     <p1510:client id="{22B0A339-FF1B-4DE5-A87E-38A812B5531B}" v="181" dt="2022-08-11T10:21:32.619"/>
     <p1510:client id="{3041C01C-36D9-4668-959E-E05AB73D87E7}" v="71" dt="2022-08-18T10:51:23.798"/>
@@ -204,6 +207,7 @@
     <p1510:client id="{88C564CE-DE1A-463A-8011-0D3EFC446075}" v="313" dt="2022-08-10T09:42:20.319"/>
     <p1510:client id="{95D51E7F-C7A4-4CF4-B5E0-146A61ED0D08}" v="781" dt="2022-08-11T16:38:37.277"/>
     <p1510:client id="{9E7090C0-838D-4AD0-A875-CAE26F2DEE1E}" v="2624" dt="2022-08-09T17:08:23.063"/>
+    <p1510:client id="{ABB321DA-4176-4DD7-B72B-43948786B99A}" v="2" dt="2022-08-18T17:26:02.466"/>
     <p1510:client id="{B35549F3-0202-425C-8A42-DA932EBE4496}" v="260" dt="2022-08-10T14:10:41.818"/>
     <p1510:client id="{BA881F95-8CB8-4F95-90DE-C96BC3D6C7AE}" v="53" dt="2022-08-11T11:59:19.807"/>
     <p1510:client id="{BD9BFD66-1173-468B-905E-A1B4C8FB5E5D}" v="563" dt="2022-08-10T16:39:45.834"/>
@@ -5454,6 +5458,968 @@
       </p:grpSpPr>
       <p:sp>
         <p:nvSpPr>
+          <p:cNvPr id="2" name="Titre 1"/>
+          <p:cNvSpPr>
+            <a:spLocks noGrp="1"/>
+          </p:cNvSpPr>
+          <p:nvPr>
+            <p:ph type="title"/>
+          </p:nvPr>
+        </p:nvSpPr>
+        <p:spPr>
+          <a:xfrm>
+            <a:off x="683568" y="44625"/>
+            <a:ext cx="8208912" cy="648072"/>
+          </a:xfrm>
+        </p:spPr>
+        <p:txBody>
+          <a:bodyPr/>
+          <a:lstStyle/>
+          <a:p>
+            <a:r>
+              <a:rPr lang="fr-CA" sz="3600" cap="none" dirty="0">
+                <a:solidFill>
+                  <a:srgbClr val="FF0000"/>
+                </a:solidFill>
+              </a:rPr>
+              <a:t>III. LES METHODES</a:t>
+            </a:r>
+            <a:endParaRPr lang="fr-CA" sz="3600" cap="none" dirty="0">
+              <a:solidFill>
+                <a:srgbClr val="FF0000"/>
+              </a:solidFill>
+              <a:cs typeface="Arial"/>
+            </a:endParaRPr>
+          </a:p>
+        </p:txBody>
+      </p:sp>
+      <p:pic>
+        <p:nvPicPr>
+          <p:cNvPr id="3" name="Image 1"/>
+          <p:cNvPicPr>
+            <a:picLocks noChangeAspect="1"/>
+          </p:cNvPicPr>
+          <p:nvPr/>
+        </p:nvPicPr>
+        <p:blipFill>
+          <a:blip r:embed="rId2">
+            <a:extLst>
+              <a:ext uri="{28A0092B-C50C-407E-A947-70E740481C1C}">
+                <a14:useLocalDpi xmlns:a14="http://schemas.microsoft.com/office/drawing/2010/main" val="0"/>
+              </a:ext>
+            </a:extLst>
+          </a:blip>
+          <a:srcRect/>
+          <a:stretch>
+            <a:fillRect/>
+          </a:stretch>
+        </p:blipFill>
+        <p:spPr bwMode="auto">
+          <a:xfrm>
+            <a:off x="65088" y="6400800"/>
+            <a:ext cx="1554162" cy="396875"/>
+          </a:xfrm>
+          <a:prstGeom prst="rect">
+            <a:avLst/>
+          </a:prstGeom>
+          <a:noFill/>
+          <a:ln>
+            <a:noFill/>
+          </a:ln>
+          <a:extLst>
+            <a:ext uri="{909E8E84-426E-40DD-AFC4-6F175D3DCCD1}">
+              <a14:hiddenFill xmlns:a14="http://schemas.microsoft.com/office/drawing/2010/main">
+                <a:solidFill>
+                  <a:srgbClr val="FFFFFF"/>
+                </a:solidFill>
+              </a14:hiddenFill>
+            </a:ext>
+            <a:ext uri="{91240B29-F687-4F45-9708-019B960494DF}">
+              <a14:hiddenLine xmlns:a14="http://schemas.microsoft.com/office/drawing/2010/main" w="9525">
+                <a:solidFill>
+                  <a:srgbClr val="000000"/>
+                </a:solidFill>
+                <a:miter lim="800000"/>
+                <a:headEnd/>
+                <a:tailEnd/>
+              </a14:hiddenLine>
+            </a:ext>
+          </a:extLst>
+        </p:spPr>
+      </p:pic>
+      <p:sp>
+        <p:nvSpPr>
+          <p:cNvPr id="5" name="Rectangle 4"/>
+          <p:cNvSpPr/>
+          <p:nvPr/>
+        </p:nvSpPr>
+        <p:spPr>
+          <a:xfrm>
+            <a:off x="684068" y="1138962"/>
+            <a:ext cx="7530541" cy="5386090"/>
+          </a:xfrm>
+          <a:prstGeom prst="rect">
+            <a:avLst/>
+          </a:prstGeom>
+        </p:spPr>
+        <p:txBody>
+          <a:bodyPr wrap="square" lIns="91440" tIns="45720" rIns="91440" bIns="45720" anchor="t">
+            <a:spAutoFit/>
+          </a:bodyPr>
+          <a:lstStyle/>
+          <a:p>
+            <a:r>
+              <a:rPr lang="fr-FR" sz="2000" b="1" dirty="0">
+                <a:effectLst>
+                  <a:outerShdw blurRad="38100" dist="38100" dir="2700000" algn="tl">
+                    <a:srgbClr val="000000">
+                      <a:alpha val="43137"/>
+                    </a:srgbClr>
+                  </a:outerShdw>
+                </a:effectLst>
+                <a:latin typeface="Helvetica"/>
+                <a:ea typeface="ＭＳ Ｐゴシック"/>
+                <a:cs typeface="Helvetica"/>
+              </a:rPr>
+              <a:t>7. Surcharges de la méthode</a:t>
+            </a:r>
+          </a:p>
+          <a:p>
+            <a:r>
+              <a:rPr lang="fr-FR" dirty="0">
+                <a:latin typeface="Helvetica"/>
+                <a:ea typeface="ＭＳ Ｐゴシック"/>
+                <a:cs typeface="Helvetica"/>
+              </a:rPr>
+              <a:t>Si </a:t>
+            </a:r>
+            <a:r>
+              <a:rPr lang="fr-FR" dirty="0">
+                <a:solidFill>
+                  <a:srgbClr val="FF0000"/>
+                </a:solidFill>
+                <a:latin typeface="Helvetica"/>
+                <a:ea typeface="ＭＳ Ｐゴシック"/>
+                <a:cs typeface="Helvetica"/>
+              </a:rPr>
+              <a:t>une classe</a:t>
+            </a:r>
+            <a:r>
+              <a:rPr lang="fr-FR" dirty="0">
+                <a:latin typeface="Helvetica"/>
+                <a:ea typeface="ＭＳ Ｐゴシック"/>
+                <a:cs typeface="Helvetica"/>
+              </a:rPr>
+              <a:t> a plusieurs méthodes ayant le même nom mais des paramètres différents, on parle de </a:t>
+            </a:r>
+            <a:r>
+              <a:rPr lang="fr-FR" b="1" dirty="0">
+                <a:effectLst>
+                  <a:outerShdw blurRad="38100" dist="38100" dir="2700000" algn="tl">
+                    <a:srgbClr val="000000">
+                      <a:alpha val="43137"/>
+                    </a:srgbClr>
+                  </a:outerShdw>
+                </a:effectLst>
+                <a:latin typeface="Helvetica"/>
+                <a:ea typeface="ＭＳ Ｐゴシック"/>
+                <a:cs typeface="Helvetica"/>
+              </a:rPr>
+              <a:t>surcharge de méthode. </a:t>
+            </a:r>
+            <a:r>
+              <a:rPr lang="fr-FR" dirty="0">
+                <a:latin typeface="Helvetica"/>
+                <a:ea typeface="ＭＳ Ｐゴシック"/>
+                <a:cs typeface="Helvetica"/>
+              </a:rPr>
+              <a:t>Aussi, la surcharge de méthode augmente la lisibilité du programme.</a:t>
+            </a:r>
+          </a:p>
+          <a:p>
+            <a:r>
+              <a:rPr lang="fr-FR" dirty="0">
+                <a:latin typeface="Helvetica"/>
+                <a:ea typeface="ＭＳ Ｐゴシック"/>
+                <a:cs typeface="Helvetica"/>
+              </a:rPr>
+              <a:t>Il existe deux (2) de façon de surcharge de méthode en Java:</a:t>
+            </a:r>
+          </a:p>
+          <a:p>
+            <a:pPr marL="742950" lvl="1" indent="-285750">
+              <a:buFont typeface="Wingdings" panose="05000000000000000000" pitchFamily="2" charset="2"/>
+              <a:buChar char="v"/>
+            </a:pPr>
+            <a:r>
+              <a:rPr lang="fr-FR" dirty="0">
+                <a:effectLst>
+                  <a:outerShdw blurRad="38100" dist="38100" dir="2700000" algn="tl">
+                    <a:srgbClr val="000000">
+                      <a:alpha val="43137"/>
+                    </a:srgbClr>
+                  </a:outerShdw>
+                </a:effectLst>
+                <a:latin typeface="Helvetica"/>
+                <a:ea typeface="ＭＳ Ｐゴシック"/>
+                <a:cs typeface="Helvetica"/>
+              </a:rPr>
+              <a:t>En changeant le nombre d’arguments;</a:t>
+            </a:r>
+          </a:p>
+          <a:p>
+            <a:pPr lvl="1"/>
+            <a:endParaRPr lang="fr-FR" dirty="0">
+              <a:latin typeface="Helvetica"/>
+              <a:ea typeface="ＭＳ Ｐゴシック"/>
+              <a:cs typeface="Helvetica"/>
+            </a:endParaRPr>
+          </a:p>
+          <a:p>
+            <a:pPr lvl="1"/>
+            <a:endParaRPr lang="fr-FR" dirty="0">
+              <a:latin typeface="Helvetica"/>
+              <a:ea typeface="ＭＳ Ｐゴシック"/>
+              <a:cs typeface="Helvetica"/>
+            </a:endParaRPr>
+          </a:p>
+          <a:p>
+            <a:pPr lvl="1"/>
+            <a:endParaRPr lang="fr-FR" dirty="0">
+              <a:latin typeface="Helvetica"/>
+              <a:ea typeface="ＭＳ Ｐゴシック"/>
+              <a:cs typeface="Helvetica"/>
+            </a:endParaRPr>
+          </a:p>
+          <a:p>
+            <a:pPr lvl="1"/>
+            <a:endParaRPr lang="fr-FR" dirty="0">
+              <a:latin typeface="Helvetica"/>
+              <a:ea typeface="ＭＳ Ｐゴシック"/>
+              <a:cs typeface="Helvetica"/>
+            </a:endParaRPr>
+          </a:p>
+          <a:p>
+            <a:pPr lvl="1"/>
+            <a:endParaRPr lang="fr-FR" dirty="0">
+              <a:latin typeface="Helvetica"/>
+              <a:ea typeface="ＭＳ Ｐゴシック"/>
+              <a:cs typeface="Helvetica"/>
+            </a:endParaRPr>
+          </a:p>
+          <a:p>
+            <a:pPr lvl="1"/>
+            <a:endParaRPr lang="fr-FR" dirty="0">
+              <a:latin typeface="Helvetica"/>
+              <a:ea typeface="ＭＳ Ｐゴシック"/>
+              <a:cs typeface="Helvetica"/>
+            </a:endParaRPr>
+          </a:p>
+          <a:p>
+            <a:pPr lvl="1"/>
+            <a:endParaRPr lang="fr-FR" dirty="0">
+              <a:latin typeface="Helvetica"/>
+              <a:ea typeface="ＭＳ Ｐゴシック"/>
+              <a:cs typeface="Helvetica"/>
+            </a:endParaRPr>
+          </a:p>
+          <a:p>
+            <a:pPr lvl="1"/>
+            <a:endParaRPr lang="fr-FR" dirty="0">
+              <a:latin typeface="Helvetica"/>
+              <a:ea typeface="ＭＳ Ｐゴシック"/>
+              <a:cs typeface="Helvetica"/>
+            </a:endParaRPr>
+          </a:p>
+          <a:p>
+            <a:pPr lvl="1"/>
+            <a:endParaRPr lang="fr-FR" dirty="0">
+              <a:latin typeface="Helvetica"/>
+              <a:ea typeface="ＭＳ Ｐゴシック"/>
+              <a:cs typeface="Helvetica"/>
+            </a:endParaRPr>
+          </a:p>
+          <a:p>
+            <a:pPr lvl="1"/>
+            <a:endParaRPr lang="fr-FR" dirty="0">
+              <a:latin typeface="Helvetica"/>
+              <a:ea typeface="ＭＳ Ｐゴシック"/>
+              <a:cs typeface="Helvetica"/>
+            </a:endParaRPr>
+          </a:p>
+          <a:p>
+            <a:pPr lvl="1"/>
+            <a:endParaRPr lang="fr-FR" dirty="0">
+              <a:latin typeface="Helvetica"/>
+              <a:ea typeface="ＭＳ Ｐゴシック"/>
+              <a:cs typeface="Helvetica"/>
+            </a:endParaRPr>
+          </a:p>
+          <a:p>
+            <a:pPr lvl="1"/>
+            <a:endParaRPr lang="fr-FR" dirty="0">
+              <a:latin typeface="Helvetica"/>
+              <a:ea typeface="ＭＳ Ｐゴシック"/>
+              <a:cs typeface="Helvetica"/>
+            </a:endParaRPr>
+          </a:p>
+          <a:p>
+            <a:endParaRPr lang="fr-FR" dirty="0">
+              <a:effectLst>
+                <a:outerShdw blurRad="38100" dist="38100" dir="2700000" algn="tl">
+                  <a:srgbClr val="000000">
+                    <a:alpha val="43137"/>
+                  </a:srgbClr>
+                </a:outerShdw>
+              </a:effectLst>
+            </a:endParaRPr>
+          </a:p>
+        </p:txBody>
+      </p:sp>
+      <p:pic>
+        <p:nvPicPr>
+          <p:cNvPr id="8" name="Image 7">
+            <a:extLst>
+              <a:ext uri="{FF2B5EF4-FFF2-40B4-BE49-F238E27FC236}">
+                <a16:creationId xmlns:a16="http://schemas.microsoft.com/office/drawing/2014/main" id="{634FAB03-B84A-446B-A9DE-A88C1D049BAF}"/>
+              </a:ext>
+            </a:extLst>
+          </p:cNvPr>
+          <p:cNvPicPr>
+            <a:picLocks noChangeAspect="1"/>
+          </p:cNvPicPr>
+          <p:nvPr/>
+        </p:nvPicPr>
+        <p:blipFill>
+          <a:blip r:embed="rId3">
+            <a:extLst>
+              <a:ext uri="{28A0092B-C50C-407E-A947-70E740481C1C}">
+                <a14:useLocalDpi xmlns:a14="http://schemas.microsoft.com/office/drawing/2010/main" val="0"/>
+              </a:ext>
+            </a:extLst>
+          </a:blip>
+          <a:stretch>
+            <a:fillRect/>
+          </a:stretch>
+        </p:blipFill>
+        <p:spPr>
+          <a:xfrm>
+            <a:off x="1481442" y="2895520"/>
+            <a:ext cx="5935792" cy="3765843"/>
+          </a:xfrm>
+          <a:prstGeom prst="rect">
+            <a:avLst/>
+          </a:prstGeom>
+        </p:spPr>
+      </p:pic>
+    </p:spTree>
+    <p:extLst>
+      <p:ext uri="{BB962C8B-B14F-4D97-AF65-F5344CB8AC3E}">
+        <p14:creationId xmlns:p14="http://schemas.microsoft.com/office/powerpoint/2010/main" val="4205480844"/>
+      </p:ext>
+    </p:extLst>
+  </p:cSld>
+  <p:clrMapOvr>
+    <a:masterClrMapping/>
+  </p:clrMapOvr>
+  <p:transition spd="slow">
+    <p:push dir="u"/>
+  </p:transition>
+</p:sld>
+</file>
+
+<file path=ppt/slides/slide17.xml><?xml version="1.0" encoding="utf-8"?>
+<p:sld xmlns:a="http://schemas.openxmlformats.org/drawingml/2006/main" xmlns:r="http://schemas.openxmlformats.org/officeDocument/2006/relationships" xmlns:p="http://schemas.openxmlformats.org/presentationml/2006/main">
+  <p:cSld>
+    <p:spTree>
+      <p:nvGrpSpPr>
+        <p:cNvPr id="1" name=""/>
+        <p:cNvGrpSpPr/>
+        <p:nvPr/>
+      </p:nvGrpSpPr>
+      <p:grpSpPr>
+        <a:xfrm>
+          <a:off x="0" y="0"/>
+          <a:ext cx="0" cy="0"/>
+          <a:chOff x="0" y="0"/>
+          <a:chExt cx="0" cy="0"/>
+        </a:xfrm>
+      </p:grpSpPr>
+      <p:sp>
+        <p:nvSpPr>
+          <p:cNvPr id="2" name="Titre 1"/>
+          <p:cNvSpPr>
+            <a:spLocks noGrp="1"/>
+          </p:cNvSpPr>
+          <p:nvPr>
+            <p:ph type="title"/>
+          </p:nvPr>
+        </p:nvSpPr>
+        <p:spPr>
+          <a:xfrm>
+            <a:off x="683568" y="44625"/>
+            <a:ext cx="8208912" cy="648072"/>
+          </a:xfrm>
+        </p:spPr>
+        <p:txBody>
+          <a:bodyPr/>
+          <a:lstStyle/>
+          <a:p>
+            <a:r>
+              <a:rPr lang="fr-CA" sz="3600" cap="none" dirty="0">
+                <a:solidFill>
+                  <a:srgbClr val="FF0000"/>
+                </a:solidFill>
+              </a:rPr>
+              <a:t>III. LES METHODES</a:t>
+            </a:r>
+            <a:endParaRPr lang="fr-CA" sz="3600" cap="none" dirty="0">
+              <a:solidFill>
+                <a:srgbClr val="FF0000"/>
+              </a:solidFill>
+              <a:cs typeface="Arial"/>
+            </a:endParaRPr>
+          </a:p>
+        </p:txBody>
+      </p:sp>
+      <p:pic>
+        <p:nvPicPr>
+          <p:cNvPr id="3" name="Image 1"/>
+          <p:cNvPicPr>
+            <a:picLocks noChangeAspect="1"/>
+          </p:cNvPicPr>
+          <p:nvPr/>
+        </p:nvPicPr>
+        <p:blipFill>
+          <a:blip r:embed="rId2">
+            <a:extLst>
+              <a:ext uri="{28A0092B-C50C-407E-A947-70E740481C1C}">
+                <a14:useLocalDpi xmlns:a14="http://schemas.microsoft.com/office/drawing/2010/main" val="0"/>
+              </a:ext>
+            </a:extLst>
+          </a:blip>
+          <a:srcRect/>
+          <a:stretch>
+            <a:fillRect/>
+          </a:stretch>
+        </p:blipFill>
+        <p:spPr bwMode="auto">
+          <a:xfrm>
+            <a:off x="65088" y="6400800"/>
+            <a:ext cx="1554162" cy="396875"/>
+          </a:xfrm>
+          <a:prstGeom prst="rect">
+            <a:avLst/>
+          </a:prstGeom>
+          <a:noFill/>
+          <a:ln>
+            <a:noFill/>
+          </a:ln>
+          <a:extLst>
+            <a:ext uri="{909E8E84-426E-40DD-AFC4-6F175D3DCCD1}">
+              <a14:hiddenFill xmlns:a14="http://schemas.microsoft.com/office/drawing/2010/main">
+                <a:solidFill>
+                  <a:srgbClr val="FFFFFF"/>
+                </a:solidFill>
+              </a14:hiddenFill>
+            </a:ext>
+            <a:ext uri="{91240B29-F687-4F45-9708-019B960494DF}">
+              <a14:hiddenLine xmlns:a14="http://schemas.microsoft.com/office/drawing/2010/main" w="9525">
+                <a:solidFill>
+                  <a:srgbClr val="000000"/>
+                </a:solidFill>
+                <a:miter lim="800000"/>
+                <a:headEnd/>
+                <a:tailEnd/>
+              </a14:hiddenLine>
+            </a:ext>
+          </a:extLst>
+        </p:spPr>
+      </p:pic>
+      <p:sp>
+        <p:nvSpPr>
+          <p:cNvPr id="5" name="Rectangle 4"/>
+          <p:cNvSpPr/>
+          <p:nvPr/>
+        </p:nvSpPr>
+        <p:spPr>
+          <a:xfrm>
+            <a:off x="684069" y="1138962"/>
+            <a:ext cx="8208411" cy="369332"/>
+          </a:xfrm>
+          <a:prstGeom prst="rect">
+            <a:avLst/>
+          </a:prstGeom>
+        </p:spPr>
+        <p:txBody>
+          <a:bodyPr wrap="square" lIns="91440" tIns="45720" rIns="91440" bIns="45720" anchor="t">
+            <a:spAutoFit/>
+          </a:bodyPr>
+          <a:lstStyle/>
+          <a:p>
+            <a:pPr marL="800100" lvl="1" indent="-342900">
+              <a:buFont typeface="Wingdings" panose="05000000000000000000" pitchFamily="2" charset="2"/>
+              <a:buChar char="v"/>
+            </a:pPr>
+            <a:r>
+              <a:rPr lang="fr-FR" dirty="0">
+                <a:effectLst>
+                  <a:outerShdw blurRad="38100" dist="38100" dir="2700000" algn="tl">
+                    <a:srgbClr val="000000">
+                      <a:alpha val="43137"/>
+                    </a:srgbClr>
+                  </a:outerShdw>
+                </a:effectLst>
+                <a:latin typeface="Helvetica"/>
+                <a:ea typeface="ＭＳ Ｐゴシック"/>
+                <a:cs typeface="Helvetica"/>
+              </a:rPr>
+              <a:t>En changeant le type de données</a:t>
+            </a:r>
+            <a:endParaRPr lang="fr-FR" dirty="0">
+              <a:effectLst>
+                <a:outerShdw blurRad="38100" dist="38100" dir="2700000" algn="tl">
+                  <a:srgbClr val="000000">
+                    <a:alpha val="43137"/>
+                  </a:srgbClr>
+                </a:outerShdw>
+              </a:effectLst>
+            </a:endParaRPr>
+          </a:p>
+        </p:txBody>
+      </p:sp>
+      <p:sp>
+        <p:nvSpPr>
+          <p:cNvPr id="4" name="ZoneTexte 3">
+            <a:extLst>
+              <a:ext uri="{FF2B5EF4-FFF2-40B4-BE49-F238E27FC236}">
+                <a16:creationId xmlns:a16="http://schemas.microsoft.com/office/drawing/2014/main" id="{583A3F49-7AEC-4BC1-82BF-CD0EDB2F6C36}"/>
+              </a:ext>
+            </a:extLst>
+          </p:cNvPr>
+          <p:cNvSpPr txBox="1"/>
+          <p:nvPr/>
+        </p:nvSpPr>
+        <p:spPr>
+          <a:xfrm>
+            <a:off x="683568" y="1954559"/>
+            <a:ext cx="7030387" cy="2862322"/>
+          </a:xfrm>
+          <a:prstGeom prst="rect">
+            <a:avLst/>
+          </a:prstGeom>
+          <a:solidFill>
+            <a:schemeClr val="tx1"/>
+          </a:solidFill>
+          <a:ln>
+            <a:solidFill>
+              <a:schemeClr val="tx1"/>
+            </a:solidFill>
+          </a:ln>
+        </p:spPr>
+        <p:txBody>
+          <a:bodyPr wrap="square" rtlCol="0">
+            <a:spAutoFit/>
+          </a:bodyPr>
+          <a:lstStyle/>
+          <a:p>
+            <a:r>
+              <a:rPr lang="fr-CI" b="1" dirty="0">
+                <a:solidFill>
+                  <a:schemeClr val="bg1"/>
+                </a:solidFill>
+              </a:rPr>
+              <a:t>class</a:t>
+            </a:r>
+            <a:r>
+              <a:rPr lang="fr-CI" dirty="0">
+                <a:solidFill>
+                  <a:schemeClr val="bg1"/>
+                </a:solidFill>
+              </a:rPr>
+              <a:t> Adder{  </a:t>
+            </a:r>
+          </a:p>
+          <a:p>
+            <a:r>
+              <a:rPr lang="fr-CI" b="1" dirty="0">
+                <a:solidFill>
+                  <a:srgbClr val="FF0000"/>
+                </a:solidFill>
+              </a:rPr>
+              <a:t>static</a:t>
+            </a:r>
+            <a:r>
+              <a:rPr lang="fr-CI" dirty="0">
+                <a:solidFill>
+                  <a:schemeClr val="bg1"/>
+                </a:solidFill>
+              </a:rPr>
+              <a:t> </a:t>
+            </a:r>
+            <a:r>
+              <a:rPr lang="fr-CI" b="1" dirty="0">
+                <a:solidFill>
+                  <a:srgbClr val="00B0F0"/>
+                </a:solidFill>
+              </a:rPr>
+              <a:t>int</a:t>
+            </a:r>
+            <a:r>
+              <a:rPr lang="fr-CI" dirty="0">
+                <a:solidFill>
+                  <a:schemeClr val="bg1"/>
+                </a:solidFill>
+              </a:rPr>
+              <a:t> </a:t>
+            </a:r>
+            <a:r>
+              <a:rPr lang="fr-CI" dirty="0">
+                <a:solidFill>
+                  <a:srgbClr val="FF0000"/>
+                </a:solidFill>
+              </a:rPr>
+              <a:t>add</a:t>
+            </a:r>
+            <a:r>
+              <a:rPr lang="fr-CI" dirty="0">
+                <a:solidFill>
+                  <a:schemeClr val="bg1"/>
+                </a:solidFill>
+              </a:rPr>
+              <a:t>(</a:t>
+            </a:r>
+            <a:r>
+              <a:rPr lang="fr-CI" b="1" dirty="0">
+                <a:solidFill>
+                  <a:schemeClr val="bg1"/>
+                </a:solidFill>
+              </a:rPr>
+              <a:t>int</a:t>
+            </a:r>
+            <a:r>
+              <a:rPr lang="fr-CI" dirty="0">
+                <a:solidFill>
+                  <a:schemeClr val="bg1"/>
+                </a:solidFill>
+              </a:rPr>
+              <a:t> a, </a:t>
+            </a:r>
+            <a:r>
+              <a:rPr lang="fr-CI" b="1" dirty="0">
+                <a:solidFill>
+                  <a:schemeClr val="bg1"/>
+                </a:solidFill>
+              </a:rPr>
+              <a:t>int</a:t>
+            </a:r>
+            <a:r>
+              <a:rPr lang="fr-CI" dirty="0">
+                <a:solidFill>
+                  <a:schemeClr val="bg1"/>
+                </a:solidFill>
+              </a:rPr>
+              <a:t> b){</a:t>
+            </a:r>
+            <a:r>
+              <a:rPr lang="fr-CI" b="1" dirty="0">
+                <a:solidFill>
+                  <a:schemeClr val="bg1"/>
+                </a:solidFill>
+              </a:rPr>
+              <a:t>return</a:t>
+            </a:r>
+            <a:r>
+              <a:rPr lang="fr-CI" dirty="0">
+                <a:solidFill>
+                  <a:schemeClr val="bg1"/>
+                </a:solidFill>
+              </a:rPr>
+              <a:t> a+b;}  </a:t>
+            </a:r>
+          </a:p>
+          <a:p>
+            <a:r>
+              <a:rPr lang="fr-CI" b="1" dirty="0">
+                <a:solidFill>
+                  <a:srgbClr val="FF0000"/>
+                </a:solidFill>
+              </a:rPr>
+              <a:t>static</a:t>
+            </a:r>
+            <a:r>
+              <a:rPr lang="fr-CI" dirty="0">
+                <a:solidFill>
+                  <a:schemeClr val="bg1"/>
+                </a:solidFill>
+              </a:rPr>
+              <a:t> </a:t>
+            </a:r>
+            <a:r>
+              <a:rPr lang="fr-CI" b="1" dirty="0">
+                <a:solidFill>
+                  <a:srgbClr val="00B0F0"/>
+                </a:solidFill>
+              </a:rPr>
+              <a:t>double</a:t>
+            </a:r>
+            <a:r>
+              <a:rPr lang="fr-CI" dirty="0">
+                <a:solidFill>
+                  <a:schemeClr val="bg1"/>
+                </a:solidFill>
+              </a:rPr>
+              <a:t> </a:t>
+            </a:r>
+            <a:r>
+              <a:rPr lang="fr-CI" dirty="0">
+                <a:solidFill>
+                  <a:srgbClr val="FF0000"/>
+                </a:solidFill>
+              </a:rPr>
+              <a:t>add</a:t>
+            </a:r>
+            <a:r>
+              <a:rPr lang="fr-CI" dirty="0">
+                <a:solidFill>
+                  <a:schemeClr val="bg1"/>
+                </a:solidFill>
+              </a:rPr>
+              <a:t>(</a:t>
+            </a:r>
+            <a:r>
+              <a:rPr lang="fr-CI" b="1" dirty="0">
+                <a:solidFill>
+                  <a:schemeClr val="bg1"/>
+                </a:solidFill>
+              </a:rPr>
+              <a:t>double</a:t>
+            </a:r>
+            <a:r>
+              <a:rPr lang="fr-CI" dirty="0">
+                <a:solidFill>
+                  <a:schemeClr val="bg1"/>
+                </a:solidFill>
+              </a:rPr>
+              <a:t> a, </a:t>
+            </a:r>
+            <a:r>
+              <a:rPr lang="fr-CI" b="1" dirty="0">
+                <a:solidFill>
+                  <a:schemeClr val="bg1"/>
+                </a:solidFill>
+              </a:rPr>
+              <a:t>double</a:t>
+            </a:r>
+            <a:r>
+              <a:rPr lang="fr-CI" dirty="0">
+                <a:solidFill>
+                  <a:schemeClr val="bg1"/>
+                </a:solidFill>
+              </a:rPr>
+              <a:t> b){</a:t>
+            </a:r>
+            <a:r>
+              <a:rPr lang="fr-CI" b="1" dirty="0">
+                <a:solidFill>
+                  <a:schemeClr val="bg1"/>
+                </a:solidFill>
+              </a:rPr>
+              <a:t>return</a:t>
+            </a:r>
+            <a:r>
+              <a:rPr lang="fr-CI" dirty="0">
+                <a:solidFill>
+                  <a:schemeClr val="bg1"/>
+                </a:solidFill>
+              </a:rPr>
+              <a:t> a+b;}  </a:t>
+            </a:r>
+          </a:p>
+          <a:p>
+            <a:r>
+              <a:rPr lang="fr-CI" dirty="0">
+                <a:solidFill>
+                  <a:schemeClr val="bg1"/>
+                </a:solidFill>
+              </a:rPr>
+              <a:t>}  </a:t>
+            </a:r>
+          </a:p>
+          <a:p>
+            <a:r>
+              <a:rPr lang="fr-CI" b="1" dirty="0">
+                <a:solidFill>
+                  <a:schemeClr val="bg1"/>
+                </a:solidFill>
+              </a:rPr>
+              <a:t>class</a:t>
+            </a:r>
+            <a:r>
+              <a:rPr lang="fr-CI" dirty="0">
+                <a:solidFill>
+                  <a:schemeClr val="bg1"/>
+                </a:solidFill>
+              </a:rPr>
+              <a:t> TestOverloading2{  </a:t>
+            </a:r>
+          </a:p>
+          <a:p>
+            <a:r>
+              <a:rPr lang="fr-CI" b="1" dirty="0">
+                <a:solidFill>
+                  <a:srgbClr val="FF0000"/>
+                </a:solidFill>
+              </a:rPr>
+              <a:t>public</a:t>
+            </a:r>
+            <a:r>
+              <a:rPr lang="fr-CI" dirty="0">
+                <a:solidFill>
+                  <a:srgbClr val="FF0000"/>
+                </a:solidFill>
+              </a:rPr>
+              <a:t> </a:t>
+            </a:r>
+            <a:r>
+              <a:rPr lang="fr-CI" b="1" dirty="0">
+                <a:solidFill>
+                  <a:srgbClr val="FF0000"/>
+                </a:solidFill>
+              </a:rPr>
+              <a:t>static</a:t>
+            </a:r>
+            <a:r>
+              <a:rPr lang="fr-CI" dirty="0">
+                <a:solidFill>
+                  <a:srgbClr val="FF0000"/>
+                </a:solidFill>
+              </a:rPr>
+              <a:t> </a:t>
+            </a:r>
+            <a:r>
+              <a:rPr lang="fr-CI" b="1" dirty="0">
+                <a:solidFill>
+                  <a:srgbClr val="00B0F0"/>
+                </a:solidFill>
+              </a:rPr>
+              <a:t>void</a:t>
+            </a:r>
+            <a:r>
+              <a:rPr lang="fr-CI" dirty="0">
+                <a:solidFill>
+                  <a:schemeClr val="bg1"/>
+                </a:solidFill>
+              </a:rPr>
+              <a:t> main(String[] args){  </a:t>
+            </a:r>
+          </a:p>
+          <a:p>
+            <a:r>
+              <a:rPr lang="fr-CI" dirty="0">
+                <a:solidFill>
+                  <a:schemeClr val="bg1"/>
+                </a:solidFill>
+              </a:rPr>
+              <a:t>System.out.</a:t>
+            </a:r>
+            <a:r>
+              <a:rPr lang="fr-CI" dirty="0">
+                <a:solidFill>
+                  <a:srgbClr val="00B050"/>
+                </a:solidFill>
+              </a:rPr>
+              <a:t>println</a:t>
+            </a:r>
+            <a:r>
+              <a:rPr lang="fr-CI" dirty="0">
+                <a:solidFill>
+                  <a:schemeClr val="bg1"/>
+                </a:solidFill>
+              </a:rPr>
+              <a:t>(Adder.add(11,11));  </a:t>
+            </a:r>
+          </a:p>
+          <a:p>
+            <a:r>
+              <a:rPr lang="fr-CI" dirty="0">
+                <a:solidFill>
+                  <a:schemeClr val="bg1"/>
+                </a:solidFill>
+              </a:rPr>
+              <a:t>System.out.</a:t>
+            </a:r>
+            <a:r>
+              <a:rPr lang="fr-CI" dirty="0">
+                <a:solidFill>
+                  <a:srgbClr val="00B050"/>
+                </a:solidFill>
+              </a:rPr>
+              <a:t>println</a:t>
+            </a:r>
+            <a:r>
+              <a:rPr lang="fr-CI" dirty="0">
+                <a:solidFill>
+                  <a:schemeClr val="bg1"/>
+                </a:solidFill>
+              </a:rPr>
+              <a:t>(Adder.add(12.3,12.6));  </a:t>
+            </a:r>
+          </a:p>
+          <a:p>
+            <a:r>
+              <a:rPr lang="fr-CI" dirty="0">
+                <a:solidFill>
+                  <a:schemeClr val="bg1"/>
+                </a:solidFill>
+              </a:rPr>
+              <a:t>}}  </a:t>
+            </a:r>
+          </a:p>
+          <a:p>
+            <a:endParaRPr lang="fr-CI" dirty="0">
+              <a:solidFill>
+                <a:schemeClr val="bg1"/>
+              </a:solidFill>
+            </a:endParaRPr>
+          </a:p>
+        </p:txBody>
+      </p:sp>
+    </p:spTree>
+    <p:extLst>
+      <p:ext uri="{BB962C8B-B14F-4D97-AF65-F5344CB8AC3E}">
+        <p14:creationId xmlns:p14="http://schemas.microsoft.com/office/powerpoint/2010/main" val="3412521304"/>
+      </p:ext>
+    </p:extLst>
+  </p:cSld>
+  <p:clrMapOvr>
+    <a:masterClrMapping/>
+  </p:clrMapOvr>
+  <p:transition spd="slow">
+    <p:push dir="u"/>
+  </p:transition>
+</p:sld>
+</file>
+
+<file path=ppt/slides/slide18.xml><?xml version="1.0" encoding="utf-8"?>
+<p:sld xmlns:a="http://schemas.openxmlformats.org/drawingml/2006/main" xmlns:r="http://schemas.openxmlformats.org/officeDocument/2006/relationships" xmlns:p="http://schemas.openxmlformats.org/presentationml/2006/main">
+  <p:cSld>
+    <p:spTree>
+      <p:nvGrpSpPr>
+        <p:cNvPr id="1" name=""/>
+        <p:cNvGrpSpPr/>
+        <p:nvPr/>
+      </p:nvGrpSpPr>
+      <p:grpSpPr>
+        <a:xfrm>
+          <a:off x="0" y="0"/>
+          <a:ext cx="0" cy="0"/>
+          <a:chOff x="0" y="0"/>
+          <a:chExt cx="0" cy="0"/>
+        </a:xfrm>
+      </p:grpSpPr>
+      <p:sp>
+        <p:nvSpPr>
           <p:cNvPr id="4" name="Titre 3"/>
           <p:cNvSpPr>
             <a:spLocks noGrp="1"/>
@@ -6198,7 +7164,7 @@
 </p:sld>
 </file>
 
-<file path=ppt/slides/slide17.xml><?xml version="1.0" encoding="utf-8"?>
+<file path=ppt/slides/slide19.xml><?xml version="1.0" encoding="utf-8"?>
 <p:sld xmlns:a="http://schemas.openxmlformats.org/drawingml/2006/main" xmlns:r="http://schemas.openxmlformats.org/officeDocument/2006/relationships" xmlns:p="http://schemas.openxmlformats.org/presentationml/2006/main">
   <p:cSld>
     <p:spTree>
@@ -6842,1056 +7808,6 @@
 </p:sld>
 </file>
 
-<file path=ppt/slides/slide18.xml><?xml version="1.0" encoding="utf-8"?>
-<p:sld xmlns:a="http://schemas.openxmlformats.org/drawingml/2006/main" xmlns:r="http://schemas.openxmlformats.org/officeDocument/2006/relationships" xmlns:p="http://schemas.openxmlformats.org/presentationml/2006/main">
-  <p:cSld>
-    <p:spTree>
-      <p:nvGrpSpPr>
-        <p:cNvPr id="1" name=""/>
-        <p:cNvGrpSpPr/>
-        <p:nvPr/>
-      </p:nvGrpSpPr>
-      <p:grpSpPr>
-        <a:xfrm>
-          <a:off x="0" y="0"/>
-          <a:ext cx="0" cy="0"/>
-          <a:chOff x="0" y="0"/>
-          <a:chExt cx="0" cy="0"/>
-        </a:xfrm>
-      </p:grpSpPr>
-      <p:sp>
-        <p:nvSpPr>
-          <p:cNvPr id="4" name="Titre 3"/>
-          <p:cNvSpPr>
-            <a:spLocks noGrp="1"/>
-          </p:cNvSpPr>
-          <p:nvPr>
-            <p:ph type="title"/>
-          </p:nvPr>
-        </p:nvSpPr>
-        <p:spPr>
-          <a:xfrm>
-            <a:off x="684213" y="99119"/>
-            <a:ext cx="8064500" cy="665585"/>
-          </a:xfrm>
-        </p:spPr>
-        <p:txBody>
-          <a:bodyPr/>
-          <a:lstStyle/>
-          <a:p>
-            <a:r>
-              <a:rPr lang="fr-CA">
-                <a:solidFill>
-                  <a:srgbClr val="FF0000"/>
-                </a:solidFill>
-                <a:cs typeface="Arial"/>
-              </a:rPr>
-              <a:t>ENCAPSULATION</a:t>
-            </a:r>
-            <a:endParaRPr lang="fr-CA">
-              <a:solidFill>
-                <a:srgbClr val="FF0000"/>
-              </a:solidFill>
-            </a:endParaRPr>
-          </a:p>
-        </p:txBody>
-      </p:sp>
-      <p:sp>
-        <p:nvSpPr>
-          <p:cNvPr id="5" name="Rectangle 4"/>
-          <p:cNvSpPr/>
-          <p:nvPr/>
-        </p:nvSpPr>
-        <p:spPr>
-          <a:xfrm>
-            <a:off x="678132" y="1007942"/>
-            <a:ext cx="4896884" cy="461665"/>
-          </a:xfrm>
-          <a:prstGeom prst="rect">
-            <a:avLst/>
-          </a:prstGeom>
-        </p:spPr>
-        <p:txBody>
-          <a:bodyPr wrap="square" lIns="91440" tIns="45720" rIns="91440" bIns="45720" anchor="t">
-            <a:spAutoFit/>
-          </a:bodyPr>
-          <a:lstStyle/>
-          <a:p>
-            <a:pPr marL="342900" indent="-342900">
-              <a:buFont typeface="Wingdings" panose="05000000000000000000" pitchFamily="2" charset="2"/>
-              <a:buChar char="q"/>
-            </a:pPr>
-            <a:r>
-              <a:rPr lang="fr-FR" sz="2400">
-                <a:solidFill>
-                  <a:srgbClr val="FF0000"/>
-                </a:solidFill>
-                <a:effectLst>
-                  <a:outerShdw blurRad="38100" dist="38100" dir="2700000" algn="tl">
-                    <a:srgbClr val="000000">
-                      <a:alpha val="43137"/>
-                    </a:srgbClr>
-                  </a:outerShdw>
-                </a:effectLst>
-                <a:latin typeface="Helvetica"/>
-                <a:ea typeface="ＭＳ Ｐゴシック"/>
-                <a:cs typeface="Helvetica"/>
-              </a:rPr>
-              <a:t>Pourquoi l’encapsulation</a:t>
-            </a:r>
-          </a:p>
-        </p:txBody>
-      </p:sp>
-      <p:sp>
-        <p:nvSpPr>
-          <p:cNvPr id="2" name="Rectangle 1"/>
-          <p:cNvSpPr>
-            <a:spLocks noChangeArrowheads="1"/>
-          </p:cNvSpPr>
-          <p:nvPr/>
-        </p:nvSpPr>
-        <p:spPr bwMode="auto">
-          <a:xfrm>
-            <a:off x="402566" y="1920200"/>
-            <a:ext cx="8478982" cy="3231654"/>
-          </a:xfrm>
-          <a:prstGeom prst="rect">
-            <a:avLst/>
-          </a:prstGeom>
-          <a:solidFill>
-            <a:srgbClr val="FFFFFF"/>
-          </a:solidFill>
-          <a:ln>
-            <a:noFill/>
-          </a:ln>
-          <a:effectLst/>
-          <a:extLst>
-            <a:ext uri="{91240B29-F687-4F45-9708-019B960494DF}">
-              <a14:hiddenLine xmlns:a14="http://schemas.microsoft.com/office/drawing/2010/main" w="9525">
-                <a:solidFill>
-                  <a:schemeClr val="tx1"/>
-                </a:solidFill>
-                <a:miter lim="800000"/>
-                <a:headEnd/>
-                <a:tailEnd/>
-              </a14:hiddenLine>
-            </a:ext>
-            <a:ext uri="{AF507438-7753-43E0-B8FC-AC1667EBCBE1}">
-              <a14:hiddenEffects xmlns:a14="http://schemas.microsoft.com/office/drawing/2010/main">
-                <a:effectLst>
-                  <a:outerShdw dist="35921" dir="2700000" algn="ctr" rotWithShape="0">
-                    <a:schemeClr val="bg2"/>
-                  </a:outerShdw>
-                </a:effectLst>
-              </a14:hiddenEffects>
-            </a:ext>
-          </a:extLst>
-        </p:spPr>
-        <p:txBody>
-          <a:bodyPr vert="horz" wrap="square" lIns="91440" tIns="45720" rIns="91440" bIns="45720" numCol="1" anchor="ctr" anchorCtr="0" compatLnSpc="1">
-            <a:prstTxWarp prst="textNoShape">
-              <a:avLst/>
-            </a:prstTxWarp>
-            <a:spAutoFit/>
-          </a:bodyPr>
-          <a:lstStyle/>
-          <a:p>
-            <a:pPr marL="285750" marR="0" lvl="0" indent="-285750" algn="l" defTabSz="914400" rtl="0" eaLnBrk="0" fontAlgn="base" latinLnBrk="0" hangingPunct="0">
-              <a:lnSpc>
-                <a:spcPct val="100000"/>
-              </a:lnSpc>
-              <a:spcBef>
-                <a:spcPct val="0"/>
-              </a:spcBef>
-              <a:spcAft>
-                <a:spcPct val="0"/>
-              </a:spcAft>
-              <a:buClrTx/>
-              <a:buSzTx/>
-              <a:buFont typeface="Wingdings" panose="05000000000000000000" pitchFamily="2" charset="2"/>
-              <a:buChar char="§"/>
-              <a:tabLst/>
-            </a:pPr>
-            <a:endParaRPr kumimoji="0" lang="en-US" altLang="en-US" sz="1800" b="0" i="0" u="none" strike="noStrike" cap="none" normalizeH="0" baseline="0">
-              <a:ln>
-                <a:noFill/>
-              </a:ln>
-              <a:solidFill>
-                <a:schemeClr val="tx1"/>
-              </a:solidFill>
-              <a:effectLst/>
-              <a:latin typeface="Arial" panose="020B0604020202020204" pitchFamily="34" charset="0"/>
-            </a:endParaRPr>
-          </a:p>
-          <a:p>
-            <a:pPr marL="342900" marR="0" lvl="0" indent="-342900" algn="l" defTabSz="914400" rtl="0" eaLnBrk="0" fontAlgn="base" latinLnBrk="0" hangingPunct="0">
-              <a:lnSpc>
-                <a:spcPct val="100000"/>
-              </a:lnSpc>
-              <a:spcBef>
-                <a:spcPct val="0"/>
-              </a:spcBef>
-              <a:spcAft>
-                <a:spcPct val="0"/>
-              </a:spcAft>
-              <a:buClrTx/>
-              <a:buSzTx/>
-              <a:buFont typeface="Wingdings"/>
-              <a:buChar char="Ø"/>
-              <a:tabLst/>
-            </a:pPr>
-            <a:r>
-              <a:rPr kumimoji="0" lang="en-US" altLang="en-US" sz="2400" b="0" i="0" u="none" strike="noStrike" cap="none" normalizeH="0" baseline="0">
-                <a:ln>
-                  <a:noFill/>
-                </a:ln>
-                <a:solidFill>
-                  <a:srgbClr val="000000"/>
-                </a:solidFill>
-                <a:effectLst/>
-                <a:latin typeface="Helvetica"/>
-                <a:ea typeface="ＭＳ Ｐゴシック"/>
-                <a:cs typeface="Helvetica"/>
-              </a:rPr>
-              <a:t>Meilleur contrôle des attributs de classe et des méthodes</a:t>
-            </a:r>
-            <a:endParaRPr lang="en-US" altLang="en-US" sz="2400" b="0" i="0" u="none" strike="noStrike" cap="none" normalizeH="0" baseline="0">
-              <a:ln>
-                <a:noFill/>
-              </a:ln>
-              <a:solidFill>
-                <a:srgbClr val="000000"/>
-              </a:solidFill>
-              <a:effectLst/>
-              <a:latin typeface="Helvetica"/>
-              <a:ea typeface="ＭＳ Ｐゴシック"/>
-              <a:cs typeface="Helvetica"/>
-            </a:endParaRPr>
-          </a:p>
-          <a:p>
-            <a:pPr marL="342900" marR="0" lvl="0" indent="-342900" algn="l" defTabSz="914400" rtl="0" eaLnBrk="0" fontAlgn="base" latinLnBrk="0" hangingPunct="0">
-              <a:lnSpc>
-                <a:spcPct val="100000"/>
-              </a:lnSpc>
-              <a:spcBef>
-                <a:spcPct val="0"/>
-              </a:spcBef>
-              <a:spcAft>
-                <a:spcPct val="0"/>
-              </a:spcAft>
-              <a:buClrTx/>
-              <a:buSzTx/>
-              <a:buFont typeface="Wingdings"/>
-              <a:buChar char="Ø"/>
-              <a:tabLst/>
-            </a:pPr>
-            <a:r>
-              <a:rPr kumimoji="0" lang="en-US" altLang="en-US" sz="2400" b="0" i="0" u="none" strike="noStrike" cap="none" normalizeH="0" baseline="0">
-                <a:ln>
-                  <a:noFill/>
-                </a:ln>
-                <a:solidFill>
-                  <a:srgbClr val="000000"/>
-                </a:solidFill>
-                <a:effectLst/>
-                <a:latin typeface="Helvetica"/>
-                <a:ea typeface="ＭＳ Ｐゴシック"/>
-                <a:cs typeface="Helvetica"/>
-              </a:rPr>
-              <a:t>Les attributs de classe peuvent être rendus en </a:t>
-            </a:r>
-            <a:r>
-              <a:rPr kumimoji="0" lang="en-US" altLang="en-US" sz="2400" b="1" i="0" u="none" strike="noStrike" cap="none" normalizeH="0" baseline="0">
-                <a:ln>
-                  <a:noFill/>
-                </a:ln>
-                <a:solidFill>
-                  <a:srgbClr val="000000"/>
-                </a:solidFill>
-                <a:effectLst/>
-                <a:latin typeface="Helvetica"/>
-                <a:ea typeface="ＭＳ Ｐゴシック"/>
-                <a:cs typeface="Helvetica"/>
-              </a:rPr>
-              <a:t>lecture seule</a:t>
-            </a:r>
-            <a:r>
-              <a:rPr kumimoji="0" lang="en-US" altLang="en-US" sz="2400" b="0" i="0" u="none" strike="noStrike" cap="none" normalizeH="0" baseline="0">
-                <a:ln>
-                  <a:noFill/>
-                </a:ln>
-                <a:solidFill>
-                  <a:srgbClr val="000000"/>
-                </a:solidFill>
-                <a:effectLst/>
-                <a:latin typeface="Helvetica"/>
-                <a:ea typeface="ＭＳ Ｐゴシック"/>
-                <a:cs typeface="Helvetica"/>
-              </a:rPr>
-              <a:t> (si vous n'utilisez que la </a:t>
-            </a:r>
-            <a:r>
-              <a:rPr kumimoji="0" lang="en-US" altLang="en-US" sz="2400" b="0" i="0" u="none" strike="noStrike" cap="none" normalizeH="0" baseline="0">
-                <a:ln>
-                  <a:noFill/>
-                </a:ln>
-                <a:solidFill>
-                  <a:srgbClr val="DC143C"/>
-                </a:solidFill>
-                <a:effectLst/>
-                <a:latin typeface="Helvetica"/>
-                <a:ea typeface="ＭＳ Ｐゴシック"/>
-                <a:cs typeface="Helvetica"/>
-              </a:rPr>
-              <a:t>get </a:t>
-            </a:r>
-            <a:r>
-              <a:rPr kumimoji="0" lang="en-US" altLang="en-US" sz="2400" b="0" i="0" u="none" strike="noStrike" cap="none" normalizeH="0" baseline="0">
-                <a:ln>
-                  <a:noFill/>
-                </a:ln>
-                <a:solidFill>
-                  <a:srgbClr val="000000"/>
-                </a:solidFill>
-                <a:effectLst/>
-                <a:latin typeface="Helvetica"/>
-                <a:ea typeface="ＭＳ Ｐゴシック"/>
-                <a:cs typeface="Helvetica"/>
-              </a:rPr>
-              <a:t>méthode) ou en </a:t>
-            </a:r>
-            <a:r>
-              <a:rPr kumimoji="0" lang="en-US" altLang="en-US" sz="2400" b="1" i="0" u="none" strike="noStrike" cap="none" normalizeH="0" baseline="0">
-                <a:ln>
-                  <a:noFill/>
-                </a:ln>
-                <a:solidFill>
-                  <a:srgbClr val="000000"/>
-                </a:solidFill>
-                <a:effectLst/>
-                <a:latin typeface="Helvetica"/>
-                <a:ea typeface="ＭＳ Ｐゴシック"/>
-                <a:cs typeface="Helvetica"/>
-              </a:rPr>
-              <a:t>écriture seule</a:t>
-            </a:r>
-            <a:r>
-              <a:rPr kumimoji="0" lang="en-US" altLang="en-US" sz="2400" b="0" i="0" u="none" strike="noStrike" cap="none" normalizeH="0" baseline="0">
-                <a:ln>
-                  <a:noFill/>
-                </a:ln>
-                <a:solidFill>
-                  <a:srgbClr val="000000"/>
-                </a:solidFill>
-                <a:effectLst/>
-                <a:latin typeface="Helvetica"/>
-                <a:ea typeface="ＭＳ Ｐゴシック"/>
-                <a:cs typeface="Helvetica"/>
-              </a:rPr>
-              <a:t> (si vous n'utilisez que la </a:t>
-            </a:r>
-            <a:r>
-              <a:rPr kumimoji="0" lang="en-US" altLang="en-US" sz="2400" b="0" i="0" u="none" strike="noStrike" cap="none" normalizeH="0" baseline="0">
-                <a:ln>
-                  <a:noFill/>
-                </a:ln>
-                <a:solidFill>
-                  <a:srgbClr val="DC143C"/>
-                </a:solidFill>
-                <a:effectLst/>
-                <a:latin typeface="Helvetica"/>
-                <a:ea typeface="ＭＳ Ｐゴシック"/>
-                <a:cs typeface="Helvetica"/>
-              </a:rPr>
-              <a:t>set </a:t>
-            </a:r>
-            <a:r>
-              <a:rPr kumimoji="0" lang="en-US" altLang="en-US" sz="2400" b="0" i="0" u="none" strike="noStrike" cap="none" normalizeH="0" baseline="0">
-                <a:ln>
-                  <a:noFill/>
-                </a:ln>
-                <a:solidFill>
-                  <a:srgbClr val="000000"/>
-                </a:solidFill>
-                <a:effectLst/>
-                <a:latin typeface="Helvetica"/>
-                <a:ea typeface="ＭＳ Ｐゴシック"/>
-                <a:cs typeface="Helvetica"/>
-              </a:rPr>
-              <a:t>méthode)</a:t>
-            </a:r>
-            <a:endParaRPr lang="en-US" altLang="en-US" sz="2400" b="0" i="0" u="none" strike="noStrike" cap="none" normalizeH="0" baseline="0">
-              <a:ln>
-                <a:noFill/>
-              </a:ln>
-              <a:solidFill>
-                <a:srgbClr val="000000"/>
-              </a:solidFill>
-              <a:effectLst/>
-              <a:latin typeface="Helvetica"/>
-              <a:ea typeface="ＭＳ Ｐゴシック"/>
-              <a:cs typeface="Helvetica"/>
-            </a:endParaRPr>
-          </a:p>
-          <a:p>
-            <a:pPr marL="342900" marR="0" lvl="0" indent="-342900" algn="l" defTabSz="914400" rtl="0" eaLnBrk="0" fontAlgn="base" latinLnBrk="0" hangingPunct="0">
-              <a:lnSpc>
-                <a:spcPct val="100000"/>
-              </a:lnSpc>
-              <a:spcBef>
-                <a:spcPct val="0"/>
-              </a:spcBef>
-              <a:spcAft>
-                <a:spcPct val="0"/>
-              </a:spcAft>
-              <a:buClrTx/>
-              <a:buSzTx/>
-              <a:buFont typeface="Wingdings"/>
-              <a:buChar char="Ø"/>
-              <a:tabLst/>
-            </a:pPr>
-            <a:r>
-              <a:rPr kumimoji="0" lang="en-US" altLang="en-US" sz="2400" b="0" i="0" u="none" strike="noStrike" cap="none" normalizeH="0" baseline="0">
-                <a:ln>
-                  <a:noFill/>
-                </a:ln>
-                <a:solidFill>
-                  <a:srgbClr val="000000"/>
-                </a:solidFill>
-                <a:effectLst/>
-                <a:latin typeface="Helvetica"/>
-                <a:ea typeface="ＭＳ Ｐゴシック"/>
-                <a:cs typeface="Helvetica"/>
-              </a:rPr>
-              <a:t>Flexible : le programmeur peut modifier une partie du code sans affecter les autres parties</a:t>
-            </a:r>
-            <a:endParaRPr lang="en-US" altLang="en-US" sz="2400" b="0" i="0" u="none" strike="noStrike" cap="none" normalizeH="0" baseline="0">
-              <a:ln>
-                <a:noFill/>
-              </a:ln>
-              <a:solidFill>
-                <a:srgbClr val="000000"/>
-              </a:solidFill>
-              <a:effectLst/>
-              <a:latin typeface="Helvetica"/>
-              <a:ea typeface="ＭＳ Ｐゴシック"/>
-              <a:cs typeface="Helvetica"/>
-            </a:endParaRPr>
-          </a:p>
-          <a:p>
-            <a:pPr marL="342900" marR="0" lvl="0" indent="-342900" algn="l" defTabSz="914400" rtl="0" eaLnBrk="0" fontAlgn="base" latinLnBrk="0" hangingPunct="0">
-              <a:lnSpc>
-                <a:spcPct val="100000"/>
-              </a:lnSpc>
-              <a:spcBef>
-                <a:spcPct val="0"/>
-              </a:spcBef>
-              <a:spcAft>
-                <a:spcPct val="0"/>
-              </a:spcAft>
-              <a:buClrTx/>
-              <a:buSzTx/>
-              <a:buFont typeface="Wingdings"/>
-              <a:buChar char="Ø"/>
-              <a:tabLst/>
-            </a:pPr>
-            <a:r>
-              <a:rPr kumimoji="0" lang="en-US" altLang="en-US" sz="2400" b="0" i="0" u="none" strike="noStrike" cap="none" normalizeH="0" baseline="0">
-                <a:ln>
-                  <a:noFill/>
-                </a:ln>
-                <a:solidFill>
-                  <a:srgbClr val="000000"/>
-                </a:solidFill>
-                <a:effectLst/>
-                <a:latin typeface="Helvetica"/>
-                <a:ea typeface="ＭＳ Ｐゴシック"/>
-                <a:cs typeface="Helvetica"/>
-              </a:rPr>
-              <a:t>Sécurité accrue des données</a:t>
-            </a:r>
-            <a:endParaRPr lang="en-US" altLang="en-US" sz="2400" b="0" i="0" u="none" strike="noStrike" cap="none" normalizeH="0" baseline="0">
-              <a:ln>
-                <a:noFill/>
-              </a:ln>
-              <a:solidFill>
-                <a:srgbClr val="000000"/>
-              </a:solidFill>
-              <a:effectLst/>
-              <a:latin typeface="Helvetica"/>
-              <a:ea typeface="ＭＳ Ｐゴシック"/>
-              <a:cs typeface="Helvetica"/>
-            </a:endParaRPr>
-          </a:p>
-          <a:p>
-            <a:pPr marL="0" marR="0" lvl="0" indent="0" algn="l" defTabSz="914400" rtl="0" eaLnBrk="0" fontAlgn="base" latinLnBrk="0" hangingPunct="0">
-              <a:lnSpc>
-                <a:spcPct val="100000"/>
-              </a:lnSpc>
-              <a:spcBef>
-                <a:spcPct val="0"/>
-              </a:spcBef>
-              <a:spcAft>
-                <a:spcPct val="0"/>
-              </a:spcAft>
-              <a:buClrTx/>
-              <a:buSzTx/>
-              <a:buFontTx/>
-              <a:buNone/>
-              <a:tabLst/>
-            </a:pPr>
-            <a:endParaRPr kumimoji="0" lang="en-US" altLang="en-US" sz="1800" b="0" i="0" u="none" strike="noStrike" cap="none" normalizeH="0" baseline="0">
-              <a:ln>
-                <a:noFill/>
-              </a:ln>
-              <a:solidFill>
-                <a:schemeClr val="tx1"/>
-              </a:solidFill>
-              <a:effectLst/>
-              <a:latin typeface="Arial" panose="020B0604020202020204" pitchFamily="34" charset="0"/>
-            </a:endParaRPr>
-          </a:p>
-        </p:txBody>
-      </p:sp>
-    </p:spTree>
-    <p:extLst>
-      <p:ext uri="{BB962C8B-B14F-4D97-AF65-F5344CB8AC3E}">
-        <p14:creationId xmlns:p14="http://schemas.microsoft.com/office/powerpoint/2010/main" val="4110842757"/>
-      </p:ext>
-    </p:extLst>
-  </p:cSld>
-  <p:clrMapOvr>
-    <a:masterClrMapping/>
-  </p:clrMapOvr>
-</p:sld>
-</file>
-
-<file path=ppt/slides/slide19.xml><?xml version="1.0" encoding="utf-8"?>
-<p:sld xmlns:a="http://schemas.openxmlformats.org/drawingml/2006/main" xmlns:r="http://schemas.openxmlformats.org/officeDocument/2006/relationships" xmlns:p="http://schemas.openxmlformats.org/presentationml/2006/main">
-  <p:cSld>
-    <p:spTree>
-      <p:nvGrpSpPr>
-        <p:cNvPr id="1" name=""/>
-        <p:cNvGrpSpPr/>
-        <p:nvPr/>
-      </p:nvGrpSpPr>
-      <p:grpSpPr>
-        <a:xfrm>
-          <a:off x="0" y="0"/>
-          <a:ext cx="0" cy="0"/>
-          <a:chOff x="0" y="0"/>
-          <a:chExt cx="0" cy="0"/>
-        </a:xfrm>
-      </p:grpSpPr>
-      <p:sp>
-        <p:nvSpPr>
-          <p:cNvPr id="4" name="Titre 3"/>
-          <p:cNvSpPr>
-            <a:spLocks noGrp="1"/>
-          </p:cNvSpPr>
-          <p:nvPr>
-            <p:ph type="title"/>
-          </p:nvPr>
-        </p:nvSpPr>
-        <p:spPr>
-          <a:xfrm>
-            <a:off x="684213" y="99119"/>
-            <a:ext cx="8064500" cy="665585"/>
-          </a:xfrm>
-        </p:spPr>
-        <p:txBody>
-          <a:bodyPr/>
-          <a:lstStyle/>
-          <a:p>
-            <a:r>
-              <a:rPr lang="fr-CA">
-                <a:solidFill>
-                  <a:srgbClr val="FF0000"/>
-                </a:solidFill>
-                <a:cs typeface="Arial"/>
-              </a:rPr>
-              <a:t>ABSTRACTION</a:t>
-            </a:r>
-            <a:endParaRPr lang="fr-CA">
-              <a:solidFill>
-                <a:srgbClr val="FF0000"/>
-              </a:solidFill>
-            </a:endParaRPr>
-          </a:p>
-        </p:txBody>
-      </p:sp>
-      <p:sp>
-        <p:nvSpPr>
-          <p:cNvPr id="5" name="Rectangle 4"/>
-          <p:cNvSpPr/>
-          <p:nvPr/>
-        </p:nvSpPr>
-        <p:spPr>
-          <a:xfrm>
-            <a:off x="908170" y="979187"/>
-            <a:ext cx="2265828" cy="461665"/>
-          </a:xfrm>
-          <a:prstGeom prst="rect">
-            <a:avLst/>
-          </a:prstGeom>
-        </p:spPr>
-        <p:txBody>
-          <a:bodyPr wrap="square" lIns="91440" tIns="45720" rIns="91440" bIns="45720" anchor="t">
-            <a:spAutoFit/>
-          </a:bodyPr>
-          <a:lstStyle/>
-          <a:p>
-            <a:pPr marL="342900" indent="-342900">
-              <a:buFont typeface="Wingdings" panose="05000000000000000000" pitchFamily="2" charset="2"/>
-              <a:buChar char="q"/>
-            </a:pPr>
-            <a:r>
-              <a:rPr lang="fr-FR" sz="2400">
-                <a:solidFill>
-                  <a:srgbClr val="FF0000"/>
-                </a:solidFill>
-                <a:effectLst>
-                  <a:outerShdw blurRad="38100" dist="38100" dir="2700000" algn="tl">
-                    <a:srgbClr val="000000">
-                      <a:alpha val="43137"/>
-                    </a:srgbClr>
-                  </a:outerShdw>
-                </a:effectLst>
-                <a:latin typeface="Helvetica"/>
-                <a:ea typeface="ＭＳ Ｐゴシック"/>
-                <a:cs typeface="Helvetica"/>
-              </a:rPr>
-              <a:t>Definition</a:t>
-            </a:r>
-          </a:p>
-        </p:txBody>
-      </p:sp>
-      <p:sp>
-        <p:nvSpPr>
-          <p:cNvPr id="2" name="Rectangle 1"/>
-          <p:cNvSpPr>
-            <a:spLocks noChangeArrowheads="1"/>
-          </p:cNvSpPr>
-          <p:nvPr/>
-        </p:nvSpPr>
-        <p:spPr bwMode="auto">
-          <a:xfrm>
-            <a:off x="172528" y="1001558"/>
-            <a:ext cx="8478982" cy="1908215"/>
-          </a:xfrm>
-          <a:prstGeom prst="rect">
-            <a:avLst/>
-          </a:prstGeom>
-          <a:solidFill>
-            <a:srgbClr val="FFFFFF"/>
-          </a:solidFill>
-          <a:ln>
-            <a:noFill/>
-          </a:ln>
-          <a:effectLst/>
-          <a:extLst>
-            <a:ext uri="{91240B29-F687-4F45-9708-019B960494DF}">
-              <a14:hiddenLine xmlns:a14="http://schemas.microsoft.com/office/drawing/2010/main" w="9525">
-                <a:solidFill>
-                  <a:schemeClr val="tx1"/>
-                </a:solidFill>
-                <a:miter lim="800000"/>
-                <a:headEnd/>
-                <a:tailEnd/>
-              </a14:hiddenLine>
-            </a:ext>
-            <a:ext uri="{AF507438-7753-43E0-B8FC-AC1667EBCBE1}">
-              <a14:hiddenEffects xmlns:a14="http://schemas.microsoft.com/office/drawing/2010/main">
-                <a:effectLst>
-                  <a:outerShdw dist="35921" dir="2700000" algn="ctr" rotWithShape="0">
-                    <a:schemeClr val="bg2"/>
-                  </a:outerShdw>
-                </a:effectLst>
-              </a14:hiddenEffects>
-            </a:ext>
-          </a:extLst>
-        </p:spPr>
-        <p:txBody>
-          <a:bodyPr vert="horz" wrap="square" lIns="91440" tIns="45720" rIns="91440" bIns="45720" numCol="1" anchor="ctr" anchorCtr="0" compatLnSpc="1">
-            <a:prstTxWarp prst="textNoShape">
-              <a:avLst/>
-            </a:prstTxWarp>
-            <a:spAutoFit/>
-          </a:bodyPr>
-          <a:lstStyle/>
-          <a:p>
-            <a:pPr marL="285750" marR="0" lvl="0" indent="-285750" algn="l" defTabSz="914400" rtl="0" eaLnBrk="0" fontAlgn="base" latinLnBrk="0" hangingPunct="0">
-              <a:lnSpc>
-                <a:spcPct val="100000"/>
-              </a:lnSpc>
-              <a:spcBef>
-                <a:spcPct val="0"/>
-              </a:spcBef>
-              <a:spcAft>
-                <a:spcPct val="0"/>
-              </a:spcAft>
-              <a:buClrTx/>
-              <a:buSzTx/>
-              <a:buFont typeface="Wingdings" panose="05000000000000000000" pitchFamily="2" charset="2"/>
-              <a:buChar char="§"/>
-              <a:tabLst/>
-            </a:pPr>
-            <a:endParaRPr kumimoji="0" lang="en-US" altLang="en-US" sz="1800" b="0" i="0" u="none" strike="noStrike" cap="none" normalizeH="0" baseline="0">
-              <a:ln>
-                <a:noFill/>
-              </a:ln>
-              <a:solidFill>
-                <a:schemeClr val="tx1"/>
-              </a:solidFill>
-              <a:effectLst/>
-              <a:latin typeface="Arial" panose="020B0604020202020204" pitchFamily="34" charset="0"/>
-            </a:endParaRPr>
-          </a:p>
-          <a:p>
-            <a:pPr lvl="0" eaLnBrk="0" hangingPunct="0"/>
-            <a:r>
-              <a:rPr lang="fr-FR" sz="2000" b="1">
-                <a:latin typeface="Arial"/>
-                <a:ea typeface="ＭＳ Ｐゴシック"/>
-                <a:cs typeface="Arial"/>
-              </a:rPr>
-              <a:t>L' abstraction</a:t>
-            </a:r>
-            <a:r>
-              <a:rPr lang="fr-FR" sz="2000">
-                <a:latin typeface="Arial"/>
-                <a:ea typeface="ＭＳ Ｐゴシック"/>
-                <a:cs typeface="Arial"/>
-              </a:rPr>
-              <a:t> de données est le processus consistant à masquer certains détails et à ne montrer que les informations essentielles à l'utilisateur.</a:t>
-            </a:r>
-            <a:br>
-              <a:rPr lang="fr-FR" sz="2000"/>
-            </a:br>
-            <a:r>
-              <a:rPr lang="fr-FR" sz="2000">
-                <a:latin typeface="Arial"/>
-                <a:ea typeface="ＭＳ Ｐゴシック"/>
-                <a:cs typeface="Arial"/>
-              </a:rPr>
-              <a:t>L'abstraction peut être réalisée avec </a:t>
-            </a:r>
-            <a:r>
-              <a:rPr lang="fr-FR" sz="2000" b="1">
-                <a:latin typeface="Arial"/>
-                <a:ea typeface="ＭＳ Ｐゴシック"/>
-                <a:cs typeface="Arial"/>
-              </a:rPr>
-              <a:t>des classes abstraites</a:t>
-            </a:r>
-            <a:r>
-              <a:rPr lang="fr-FR" sz="2000">
-                <a:latin typeface="Arial"/>
-                <a:ea typeface="ＭＳ Ｐゴシック"/>
-                <a:cs typeface="Arial"/>
-              </a:rPr>
-              <a:t> ou </a:t>
-            </a:r>
-            <a:r>
-              <a:rPr lang="fr-FR" sz="2000" b="1">
-                <a:latin typeface="Arial"/>
-                <a:ea typeface="ＭＳ Ｐゴシック"/>
-                <a:cs typeface="Arial"/>
-              </a:rPr>
-              <a:t>des interfaces</a:t>
-            </a:r>
-            <a:endParaRPr lang="en-US" altLang="en-US" sz="2000" b="1" i="0" u="none" strike="noStrike" cap="none" normalizeH="0" baseline="0">
-              <a:ln>
-                <a:noFill/>
-              </a:ln>
-              <a:effectLst/>
-              <a:latin typeface="Arial"/>
-              <a:ea typeface="ＭＳ Ｐゴシック"/>
-              <a:cs typeface="Arial"/>
-            </a:endParaRPr>
-          </a:p>
-        </p:txBody>
-      </p:sp>
-      <p:sp>
-        <p:nvSpPr>
-          <p:cNvPr id="6" name="Rectangle 5"/>
-          <p:cNvSpPr/>
-          <p:nvPr/>
-        </p:nvSpPr>
-        <p:spPr>
-          <a:xfrm>
-            <a:off x="908170" y="2862451"/>
-            <a:ext cx="4896884" cy="369332"/>
-          </a:xfrm>
-          <a:prstGeom prst="rect">
-            <a:avLst/>
-          </a:prstGeom>
-        </p:spPr>
-        <p:txBody>
-          <a:bodyPr wrap="square" lIns="91440" tIns="45720" rIns="91440" bIns="45720" anchor="t">
-            <a:spAutoFit/>
-          </a:bodyPr>
-          <a:lstStyle/>
-          <a:p>
-            <a:pPr marL="342900" indent="-342900">
-              <a:buFont typeface="Wingdings" panose="05000000000000000000" pitchFamily="2" charset="2"/>
-              <a:buChar char="q"/>
-            </a:pPr>
-            <a:r>
-              <a:rPr lang="fr-FR">
-                <a:solidFill>
-                  <a:srgbClr val="FF0000"/>
-                </a:solidFill>
-                <a:effectLst>
-                  <a:outerShdw blurRad="38100" dist="38100" dir="2700000" algn="tl">
-                    <a:srgbClr val="000000">
-                      <a:alpha val="43137"/>
-                    </a:srgbClr>
-                  </a:outerShdw>
-                </a:effectLst>
-                <a:latin typeface="Helvetica"/>
-                <a:ea typeface="ＭＳ Ｐゴシック"/>
-                <a:cs typeface="Helvetica"/>
-              </a:rPr>
-              <a:t>Classe abstraite</a:t>
-            </a:r>
-          </a:p>
-        </p:txBody>
-      </p:sp>
-      <p:sp>
-        <p:nvSpPr>
-          <p:cNvPr id="7" name="Rectangle 6"/>
-          <p:cNvSpPr/>
-          <p:nvPr/>
-        </p:nvSpPr>
-        <p:spPr>
-          <a:xfrm>
-            <a:off x="908170" y="3378116"/>
-            <a:ext cx="4896884" cy="369332"/>
-          </a:xfrm>
-          <a:prstGeom prst="rect">
-            <a:avLst/>
-          </a:prstGeom>
-        </p:spPr>
-        <p:txBody>
-          <a:bodyPr wrap="square">
-            <a:spAutoFit/>
-          </a:bodyPr>
-          <a:lstStyle/>
-          <a:p>
-            <a:pPr marL="342900" indent="-342900">
-              <a:buFont typeface="Wingdings" panose="05000000000000000000" pitchFamily="2" charset="2"/>
-              <a:buChar char="Ø"/>
-            </a:pPr>
-            <a:r>
-              <a:rPr lang="fr-FR" b="1">
-                <a:effectLst>
-                  <a:outerShdw blurRad="38100" dist="38100" dir="2700000" algn="tl">
-                    <a:srgbClr val="000000">
-                      <a:alpha val="43137"/>
-                    </a:srgbClr>
-                  </a:outerShdw>
-                </a:effectLst>
-                <a:latin typeface="Helvetica"/>
-                <a:ea typeface="ＭＳ Ｐゴシック"/>
-                <a:cs typeface="Helvetica"/>
-              </a:rPr>
-              <a:t>Exemple</a:t>
-            </a:r>
-            <a:r>
-              <a:rPr lang="fr-FR" b="1">
-                <a:solidFill>
-                  <a:srgbClr val="FF0000"/>
-                </a:solidFill>
-                <a:effectLst>
-                  <a:outerShdw blurRad="38100" dist="38100" dir="2700000" algn="tl">
-                    <a:srgbClr val="000000">
-                      <a:alpha val="43137"/>
-                    </a:srgbClr>
-                  </a:outerShdw>
-                </a:effectLst>
-                <a:latin typeface="Helvetica"/>
-                <a:ea typeface="ＭＳ Ｐゴシック"/>
-                <a:cs typeface="Helvetica"/>
-              </a:rPr>
-              <a:t> </a:t>
-            </a:r>
-            <a:r>
-              <a:rPr lang="fr-FR" b="1">
-                <a:effectLst>
-                  <a:outerShdw blurRad="38100" dist="38100" dir="2700000" algn="tl">
-                    <a:srgbClr val="000000">
-                      <a:alpha val="43137"/>
-                    </a:srgbClr>
-                  </a:outerShdw>
-                </a:effectLst>
-                <a:latin typeface="Helvetica"/>
-                <a:ea typeface="ＭＳ Ｐゴシック"/>
-                <a:cs typeface="Helvetica"/>
-              </a:rPr>
-              <a:t>de classe abstraite</a:t>
-            </a:r>
-          </a:p>
-        </p:txBody>
-      </p:sp>
-      <p:sp>
-        <p:nvSpPr>
-          <p:cNvPr id="3" name="Rectangle 2"/>
-          <p:cNvSpPr/>
-          <p:nvPr/>
-        </p:nvSpPr>
-        <p:spPr>
-          <a:xfrm>
-            <a:off x="1294789" y="4466636"/>
-            <a:ext cx="2210926" cy="369332"/>
-          </a:xfrm>
-          <a:prstGeom prst="rect">
-            <a:avLst/>
-          </a:prstGeom>
-          <a:solidFill>
-            <a:schemeClr val="tx1"/>
-          </a:solidFill>
-        </p:spPr>
-        <p:txBody>
-          <a:bodyPr wrap="none">
-            <a:spAutoFit/>
-          </a:bodyPr>
-          <a:lstStyle/>
-          <a:p>
-            <a:r>
-              <a:rPr lang="en-US" b="1">
-                <a:solidFill>
-                  <a:schemeClr val="bg1"/>
-                </a:solidFill>
-              </a:rPr>
-              <a:t>abstract</a:t>
-            </a:r>
-            <a:r>
-              <a:rPr lang="en-US">
-                <a:solidFill>
-                  <a:schemeClr val="bg1"/>
-                </a:solidFill>
-              </a:rPr>
-              <a:t> </a:t>
-            </a:r>
-            <a:r>
-              <a:rPr lang="en-US" b="1">
-                <a:solidFill>
-                  <a:schemeClr val="bg1"/>
-                </a:solidFill>
-              </a:rPr>
-              <a:t>class</a:t>
-            </a:r>
-            <a:r>
-              <a:rPr lang="en-US">
-                <a:solidFill>
-                  <a:schemeClr val="bg1"/>
-                </a:solidFill>
-              </a:rPr>
-              <a:t> A{} </a:t>
-            </a:r>
-            <a:r>
-              <a:rPr lang="en-US">
-                <a:solidFill>
-                  <a:srgbClr val="000000"/>
-                </a:solidFill>
-                <a:latin typeface="inter-regular"/>
-              </a:rPr>
-              <a:t> </a:t>
-            </a:r>
-            <a:endParaRPr lang="en-US"/>
-          </a:p>
-        </p:txBody>
-      </p:sp>
-      <p:sp>
-        <p:nvSpPr>
-          <p:cNvPr id="8" name="Rectangle 7"/>
-          <p:cNvSpPr/>
-          <p:nvPr/>
-        </p:nvSpPr>
-        <p:spPr>
-          <a:xfrm>
-            <a:off x="1051944" y="4936609"/>
-            <a:ext cx="4896884" cy="369332"/>
-          </a:xfrm>
-          <a:prstGeom prst="rect">
-            <a:avLst/>
-          </a:prstGeom>
-        </p:spPr>
-        <p:txBody>
-          <a:bodyPr wrap="square">
-            <a:spAutoFit/>
-          </a:bodyPr>
-          <a:lstStyle/>
-          <a:p>
-            <a:pPr marL="342900" indent="-342900">
-              <a:buFont typeface="Wingdings" panose="05000000000000000000" pitchFamily="2" charset="2"/>
-              <a:buChar char="Ø"/>
-            </a:pPr>
-            <a:r>
-              <a:rPr lang="fr-FR" b="1">
-                <a:effectLst>
-                  <a:outerShdw blurRad="38100" dist="38100" dir="2700000" algn="tl">
-                    <a:srgbClr val="000000">
-                      <a:alpha val="43137"/>
-                    </a:srgbClr>
-                  </a:outerShdw>
-                </a:effectLst>
-                <a:latin typeface="Helvetica"/>
-                <a:ea typeface="ＭＳ Ｐゴシック"/>
-                <a:cs typeface="Helvetica"/>
-              </a:rPr>
-              <a:t>Exemple</a:t>
-            </a:r>
-            <a:r>
-              <a:rPr lang="fr-FR" b="1">
-                <a:solidFill>
-                  <a:srgbClr val="FF0000"/>
-                </a:solidFill>
-                <a:effectLst>
-                  <a:outerShdw blurRad="38100" dist="38100" dir="2700000" algn="tl">
-                    <a:srgbClr val="000000">
-                      <a:alpha val="43137"/>
-                    </a:srgbClr>
-                  </a:outerShdw>
-                </a:effectLst>
-                <a:latin typeface="Helvetica"/>
-                <a:ea typeface="ＭＳ Ｐゴシック"/>
-                <a:cs typeface="Helvetica"/>
-              </a:rPr>
-              <a:t> </a:t>
-            </a:r>
-            <a:r>
-              <a:rPr lang="fr-FR" b="1">
-                <a:effectLst>
-                  <a:outerShdw blurRad="38100" dist="38100" dir="2700000" algn="tl">
-                    <a:srgbClr val="000000">
-                      <a:alpha val="43137"/>
-                    </a:srgbClr>
-                  </a:outerShdw>
-                </a:effectLst>
-                <a:latin typeface="Helvetica"/>
-                <a:ea typeface="ＭＳ Ｐゴシック"/>
-                <a:cs typeface="Helvetica"/>
-              </a:rPr>
-              <a:t>de méthode abstraite</a:t>
-            </a:r>
-          </a:p>
-        </p:txBody>
-      </p:sp>
-    </p:spTree>
-    <p:extLst>
-      <p:ext uri="{BB962C8B-B14F-4D97-AF65-F5344CB8AC3E}">
-        <p14:creationId xmlns:p14="http://schemas.microsoft.com/office/powerpoint/2010/main" val="2708724279"/>
-      </p:ext>
-    </p:extLst>
-  </p:cSld>
-  <p:clrMapOvr>
-    <a:masterClrMapping/>
-  </p:clrMapOvr>
-</p:sld>
-</file>
-
 <file path=ppt/slides/slide2.xml><?xml version="1.0" encoding="utf-8"?>
 <p:sld xmlns:a="http://schemas.openxmlformats.org/drawingml/2006/main" xmlns:r="http://schemas.openxmlformats.org/officeDocument/2006/relationships" xmlns:p="http://schemas.openxmlformats.org/presentationml/2006/main">
   <p:cSld>
@@ -8393,13 +8309,13 @@
   <p:clrMapOvr>
     <a:masterClrMapping/>
   </p:clrMapOvr>
-  <mc:AlternateContent xmlns:mc="http://schemas.openxmlformats.org/markup-compatibility/2006">
-    <mc:Choice xmlns:p14="http://schemas.microsoft.com/office/powerpoint/2010/main" Requires="p14">
+  <mc:AlternateContent xmlns:mc="http://schemas.openxmlformats.org/markup-compatibility/2006" xmlns:p14="http://schemas.microsoft.com/office/powerpoint/2010/main">
+    <mc:Choice Requires="p14">
       <p:transition spd="slow" p14:dur="1500">
         <p:split orient="vert"/>
       </p:transition>
     </mc:Choice>
-    <mc:Fallback>
+    <mc:Fallback xmlns="">
       <p:transition spd="slow">
         <p:split orient="vert"/>
       </p:transition>
@@ -8409,6 +8325,1865 @@
 </file>
 
 <file path=ppt/slides/slide20.xml><?xml version="1.0" encoding="utf-8"?>
+<p:sld xmlns:a="http://schemas.openxmlformats.org/drawingml/2006/main" xmlns:r="http://schemas.openxmlformats.org/officeDocument/2006/relationships" xmlns:p="http://schemas.openxmlformats.org/presentationml/2006/main">
+  <p:cSld>
+    <p:spTree>
+      <p:nvGrpSpPr>
+        <p:cNvPr id="1" name=""/>
+        <p:cNvGrpSpPr/>
+        <p:nvPr/>
+      </p:nvGrpSpPr>
+      <p:grpSpPr>
+        <a:xfrm>
+          <a:off x="0" y="0"/>
+          <a:ext cx="0" cy="0"/>
+          <a:chOff x="0" y="0"/>
+          <a:chExt cx="0" cy="0"/>
+        </a:xfrm>
+      </p:grpSpPr>
+      <p:sp>
+        <p:nvSpPr>
+          <p:cNvPr id="4" name="Titre 3"/>
+          <p:cNvSpPr>
+            <a:spLocks noGrp="1"/>
+          </p:cNvSpPr>
+          <p:nvPr>
+            <p:ph type="title"/>
+          </p:nvPr>
+        </p:nvSpPr>
+        <p:spPr>
+          <a:xfrm>
+            <a:off x="684213" y="99119"/>
+            <a:ext cx="8064500" cy="665585"/>
+          </a:xfrm>
+        </p:spPr>
+        <p:txBody>
+          <a:bodyPr/>
+          <a:lstStyle/>
+          <a:p>
+            <a:r>
+              <a:rPr lang="fr-CA">
+                <a:solidFill>
+                  <a:srgbClr val="FF0000"/>
+                </a:solidFill>
+                <a:cs typeface="Arial"/>
+              </a:rPr>
+              <a:t>ENCAPSULATION</a:t>
+            </a:r>
+            <a:endParaRPr lang="fr-CA">
+              <a:solidFill>
+                <a:srgbClr val="FF0000"/>
+              </a:solidFill>
+            </a:endParaRPr>
+          </a:p>
+        </p:txBody>
+      </p:sp>
+      <p:sp>
+        <p:nvSpPr>
+          <p:cNvPr id="5" name="Rectangle 4"/>
+          <p:cNvSpPr/>
+          <p:nvPr/>
+        </p:nvSpPr>
+        <p:spPr>
+          <a:xfrm>
+            <a:off x="678132" y="1007942"/>
+            <a:ext cx="4896884" cy="461665"/>
+          </a:xfrm>
+          <a:prstGeom prst="rect">
+            <a:avLst/>
+          </a:prstGeom>
+        </p:spPr>
+        <p:txBody>
+          <a:bodyPr wrap="square" lIns="91440" tIns="45720" rIns="91440" bIns="45720" anchor="t">
+            <a:spAutoFit/>
+          </a:bodyPr>
+          <a:lstStyle/>
+          <a:p>
+            <a:pPr marL="342900" indent="-342900">
+              <a:buFont typeface="Wingdings" panose="05000000000000000000" pitchFamily="2" charset="2"/>
+              <a:buChar char="q"/>
+            </a:pPr>
+            <a:r>
+              <a:rPr lang="fr-FR" sz="2400">
+                <a:solidFill>
+                  <a:srgbClr val="FF0000"/>
+                </a:solidFill>
+                <a:effectLst>
+                  <a:outerShdw blurRad="38100" dist="38100" dir="2700000" algn="tl">
+                    <a:srgbClr val="000000">
+                      <a:alpha val="43137"/>
+                    </a:srgbClr>
+                  </a:outerShdw>
+                </a:effectLst>
+                <a:latin typeface="Helvetica"/>
+                <a:ea typeface="ＭＳ Ｐゴシック"/>
+                <a:cs typeface="Helvetica"/>
+              </a:rPr>
+              <a:t>Pourquoi l’encapsulation</a:t>
+            </a:r>
+          </a:p>
+        </p:txBody>
+      </p:sp>
+      <p:sp>
+        <p:nvSpPr>
+          <p:cNvPr id="2" name="Rectangle 1"/>
+          <p:cNvSpPr>
+            <a:spLocks noChangeArrowheads="1"/>
+          </p:cNvSpPr>
+          <p:nvPr/>
+        </p:nvSpPr>
+        <p:spPr bwMode="auto">
+          <a:xfrm>
+            <a:off x="402566" y="1920200"/>
+            <a:ext cx="8478982" cy="3231654"/>
+          </a:xfrm>
+          <a:prstGeom prst="rect">
+            <a:avLst/>
+          </a:prstGeom>
+          <a:solidFill>
+            <a:srgbClr val="FFFFFF"/>
+          </a:solidFill>
+          <a:ln>
+            <a:noFill/>
+          </a:ln>
+          <a:effectLst/>
+          <a:extLst>
+            <a:ext uri="{91240B29-F687-4F45-9708-019B960494DF}">
+              <a14:hiddenLine xmlns:a14="http://schemas.microsoft.com/office/drawing/2010/main" w="9525">
+                <a:solidFill>
+                  <a:schemeClr val="tx1"/>
+                </a:solidFill>
+                <a:miter lim="800000"/>
+                <a:headEnd/>
+                <a:tailEnd/>
+              </a14:hiddenLine>
+            </a:ext>
+            <a:ext uri="{AF507438-7753-43E0-B8FC-AC1667EBCBE1}">
+              <a14:hiddenEffects xmlns:a14="http://schemas.microsoft.com/office/drawing/2010/main">
+                <a:effectLst>
+                  <a:outerShdw dist="35921" dir="2700000" algn="ctr" rotWithShape="0">
+                    <a:schemeClr val="bg2"/>
+                  </a:outerShdw>
+                </a:effectLst>
+              </a14:hiddenEffects>
+            </a:ext>
+          </a:extLst>
+        </p:spPr>
+        <p:txBody>
+          <a:bodyPr vert="horz" wrap="square" lIns="91440" tIns="45720" rIns="91440" bIns="45720" numCol="1" anchor="ctr" anchorCtr="0" compatLnSpc="1">
+            <a:prstTxWarp prst="textNoShape">
+              <a:avLst/>
+            </a:prstTxWarp>
+            <a:spAutoFit/>
+          </a:bodyPr>
+          <a:lstStyle/>
+          <a:p>
+            <a:pPr marL="285750" marR="0" lvl="0" indent="-285750" algn="l" defTabSz="914400" rtl="0" eaLnBrk="0" fontAlgn="base" latinLnBrk="0" hangingPunct="0">
+              <a:lnSpc>
+                <a:spcPct val="100000"/>
+              </a:lnSpc>
+              <a:spcBef>
+                <a:spcPct val="0"/>
+              </a:spcBef>
+              <a:spcAft>
+                <a:spcPct val="0"/>
+              </a:spcAft>
+              <a:buClrTx/>
+              <a:buSzTx/>
+              <a:buFont typeface="Wingdings" panose="05000000000000000000" pitchFamily="2" charset="2"/>
+              <a:buChar char="§"/>
+              <a:tabLst/>
+            </a:pPr>
+            <a:endParaRPr kumimoji="0" lang="en-US" altLang="en-US" sz="1800" b="0" i="0" u="none" strike="noStrike" cap="none" normalizeH="0" baseline="0">
+              <a:ln>
+                <a:noFill/>
+              </a:ln>
+              <a:solidFill>
+                <a:schemeClr val="tx1"/>
+              </a:solidFill>
+              <a:effectLst/>
+              <a:latin typeface="Arial" panose="020B0604020202020204" pitchFamily="34" charset="0"/>
+            </a:endParaRPr>
+          </a:p>
+          <a:p>
+            <a:pPr marL="342900" marR="0" lvl="0" indent="-342900" algn="l" defTabSz="914400" rtl="0" eaLnBrk="0" fontAlgn="base" latinLnBrk="0" hangingPunct="0">
+              <a:lnSpc>
+                <a:spcPct val="100000"/>
+              </a:lnSpc>
+              <a:spcBef>
+                <a:spcPct val="0"/>
+              </a:spcBef>
+              <a:spcAft>
+                <a:spcPct val="0"/>
+              </a:spcAft>
+              <a:buClrTx/>
+              <a:buSzTx/>
+              <a:buFont typeface="Wingdings"/>
+              <a:buChar char="Ø"/>
+              <a:tabLst/>
+            </a:pPr>
+            <a:r>
+              <a:rPr kumimoji="0" lang="en-US" altLang="en-US" sz="2400" b="0" i="0" u="none" strike="noStrike" cap="none" normalizeH="0" baseline="0">
+                <a:ln>
+                  <a:noFill/>
+                </a:ln>
+                <a:solidFill>
+                  <a:srgbClr val="000000"/>
+                </a:solidFill>
+                <a:effectLst/>
+                <a:latin typeface="Helvetica"/>
+                <a:ea typeface="ＭＳ Ｐゴシック"/>
+                <a:cs typeface="Helvetica"/>
+              </a:rPr>
+              <a:t>Meilleur contrôle des attributs de classe et des méthodes</a:t>
+            </a:r>
+            <a:endParaRPr lang="en-US" altLang="en-US" sz="2400" b="0" i="0" u="none" strike="noStrike" cap="none" normalizeH="0" baseline="0">
+              <a:ln>
+                <a:noFill/>
+              </a:ln>
+              <a:solidFill>
+                <a:srgbClr val="000000"/>
+              </a:solidFill>
+              <a:effectLst/>
+              <a:latin typeface="Helvetica"/>
+              <a:ea typeface="ＭＳ Ｐゴシック"/>
+              <a:cs typeface="Helvetica"/>
+            </a:endParaRPr>
+          </a:p>
+          <a:p>
+            <a:pPr marL="342900" marR="0" lvl="0" indent="-342900" algn="l" defTabSz="914400" rtl="0" eaLnBrk="0" fontAlgn="base" latinLnBrk="0" hangingPunct="0">
+              <a:lnSpc>
+                <a:spcPct val="100000"/>
+              </a:lnSpc>
+              <a:spcBef>
+                <a:spcPct val="0"/>
+              </a:spcBef>
+              <a:spcAft>
+                <a:spcPct val="0"/>
+              </a:spcAft>
+              <a:buClrTx/>
+              <a:buSzTx/>
+              <a:buFont typeface="Wingdings"/>
+              <a:buChar char="Ø"/>
+              <a:tabLst/>
+            </a:pPr>
+            <a:r>
+              <a:rPr kumimoji="0" lang="en-US" altLang="en-US" sz="2400" b="0" i="0" u="none" strike="noStrike" cap="none" normalizeH="0" baseline="0">
+                <a:ln>
+                  <a:noFill/>
+                </a:ln>
+                <a:solidFill>
+                  <a:srgbClr val="000000"/>
+                </a:solidFill>
+                <a:effectLst/>
+                <a:latin typeface="Helvetica"/>
+                <a:ea typeface="ＭＳ Ｐゴシック"/>
+                <a:cs typeface="Helvetica"/>
+              </a:rPr>
+              <a:t>Les attributs de classe peuvent être rendus en </a:t>
+            </a:r>
+            <a:r>
+              <a:rPr kumimoji="0" lang="en-US" altLang="en-US" sz="2400" b="1" i="0" u="none" strike="noStrike" cap="none" normalizeH="0" baseline="0">
+                <a:ln>
+                  <a:noFill/>
+                </a:ln>
+                <a:solidFill>
+                  <a:srgbClr val="000000"/>
+                </a:solidFill>
+                <a:effectLst/>
+                <a:latin typeface="Helvetica"/>
+                <a:ea typeface="ＭＳ Ｐゴシック"/>
+                <a:cs typeface="Helvetica"/>
+              </a:rPr>
+              <a:t>lecture seule</a:t>
+            </a:r>
+            <a:r>
+              <a:rPr kumimoji="0" lang="en-US" altLang="en-US" sz="2400" b="0" i="0" u="none" strike="noStrike" cap="none" normalizeH="0" baseline="0">
+                <a:ln>
+                  <a:noFill/>
+                </a:ln>
+                <a:solidFill>
+                  <a:srgbClr val="000000"/>
+                </a:solidFill>
+                <a:effectLst/>
+                <a:latin typeface="Helvetica"/>
+                <a:ea typeface="ＭＳ Ｐゴシック"/>
+                <a:cs typeface="Helvetica"/>
+              </a:rPr>
+              <a:t> (si vous n'utilisez que la </a:t>
+            </a:r>
+            <a:r>
+              <a:rPr kumimoji="0" lang="en-US" altLang="en-US" sz="2400" b="0" i="0" u="none" strike="noStrike" cap="none" normalizeH="0" baseline="0">
+                <a:ln>
+                  <a:noFill/>
+                </a:ln>
+                <a:solidFill>
+                  <a:srgbClr val="DC143C"/>
+                </a:solidFill>
+                <a:effectLst/>
+                <a:latin typeface="Helvetica"/>
+                <a:ea typeface="ＭＳ Ｐゴシック"/>
+                <a:cs typeface="Helvetica"/>
+              </a:rPr>
+              <a:t>get </a:t>
+            </a:r>
+            <a:r>
+              <a:rPr kumimoji="0" lang="en-US" altLang="en-US" sz="2400" b="0" i="0" u="none" strike="noStrike" cap="none" normalizeH="0" baseline="0">
+                <a:ln>
+                  <a:noFill/>
+                </a:ln>
+                <a:solidFill>
+                  <a:srgbClr val="000000"/>
+                </a:solidFill>
+                <a:effectLst/>
+                <a:latin typeface="Helvetica"/>
+                <a:ea typeface="ＭＳ Ｐゴシック"/>
+                <a:cs typeface="Helvetica"/>
+              </a:rPr>
+              <a:t>méthode) ou en </a:t>
+            </a:r>
+            <a:r>
+              <a:rPr kumimoji="0" lang="en-US" altLang="en-US" sz="2400" b="1" i="0" u="none" strike="noStrike" cap="none" normalizeH="0" baseline="0">
+                <a:ln>
+                  <a:noFill/>
+                </a:ln>
+                <a:solidFill>
+                  <a:srgbClr val="000000"/>
+                </a:solidFill>
+                <a:effectLst/>
+                <a:latin typeface="Helvetica"/>
+                <a:ea typeface="ＭＳ Ｐゴシック"/>
+                <a:cs typeface="Helvetica"/>
+              </a:rPr>
+              <a:t>écriture seule</a:t>
+            </a:r>
+            <a:r>
+              <a:rPr kumimoji="0" lang="en-US" altLang="en-US" sz="2400" b="0" i="0" u="none" strike="noStrike" cap="none" normalizeH="0" baseline="0">
+                <a:ln>
+                  <a:noFill/>
+                </a:ln>
+                <a:solidFill>
+                  <a:srgbClr val="000000"/>
+                </a:solidFill>
+                <a:effectLst/>
+                <a:latin typeface="Helvetica"/>
+                <a:ea typeface="ＭＳ Ｐゴシック"/>
+                <a:cs typeface="Helvetica"/>
+              </a:rPr>
+              <a:t> (si vous n'utilisez que la </a:t>
+            </a:r>
+            <a:r>
+              <a:rPr kumimoji="0" lang="en-US" altLang="en-US" sz="2400" b="0" i="0" u="none" strike="noStrike" cap="none" normalizeH="0" baseline="0">
+                <a:ln>
+                  <a:noFill/>
+                </a:ln>
+                <a:solidFill>
+                  <a:srgbClr val="DC143C"/>
+                </a:solidFill>
+                <a:effectLst/>
+                <a:latin typeface="Helvetica"/>
+                <a:ea typeface="ＭＳ Ｐゴシック"/>
+                <a:cs typeface="Helvetica"/>
+              </a:rPr>
+              <a:t>set </a:t>
+            </a:r>
+            <a:r>
+              <a:rPr kumimoji="0" lang="en-US" altLang="en-US" sz="2400" b="0" i="0" u="none" strike="noStrike" cap="none" normalizeH="0" baseline="0">
+                <a:ln>
+                  <a:noFill/>
+                </a:ln>
+                <a:solidFill>
+                  <a:srgbClr val="000000"/>
+                </a:solidFill>
+                <a:effectLst/>
+                <a:latin typeface="Helvetica"/>
+                <a:ea typeface="ＭＳ Ｐゴシック"/>
+                <a:cs typeface="Helvetica"/>
+              </a:rPr>
+              <a:t>méthode)</a:t>
+            </a:r>
+            <a:endParaRPr lang="en-US" altLang="en-US" sz="2400" b="0" i="0" u="none" strike="noStrike" cap="none" normalizeH="0" baseline="0">
+              <a:ln>
+                <a:noFill/>
+              </a:ln>
+              <a:solidFill>
+                <a:srgbClr val="000000"/>
+              </a:solidFill>
+              <a:effectLst/>
+              <a:latin typeface="Helvetica"/>
+              <a:ea typeface="ＭＳ Ｐゴシック"/>
+              <a:cs typeface="Helvetica"/>
+            </a:endParaRPr>
+          </a:p>
+          <a:p>
+            <a:pPr marL="342900" marR="0" lvl="0" indent="-342900" algn="l" defTabSz="914400" rtl="0" eaLnBrk="0" fontAlgn="base" latinLnBrk="0" hangingPunct="0">
+              <a:lnSpc>
+                <a:spcPct val="100000"/>
+              </a:lnSpc>
+              <a:spcBef>
+                <a:spcPct val="0"/>
+              </a:spcBef>
+              <a:spcAft>
+                <a:spcPct val="0"/>
+              </a:spcAft>
+              <a:buClrTx/>
+              <a:buSzTx/>
+              <a:buFont typeface="Wingdings"/>
+              <a:buChar char="Ø"/>
+              <a:tabLst/>
+            </a:pPr>
+            <a:r>
+              <a:rPr kumimoji="0" lang="en-US" altLang="en-US" sz="2400" b="0" i="0" u="none" strike="noStrike" cap="none" normalizeH="0" baseline="0">
+                <a:ln>
+                  <a:noFill/>
+                </a:ln>
+                <a:solidFill>
+                  <a:srgbClr val="000000"/>
+                </a:solidFill>
+                <a:effectLst/>
+                <a:latin typeface="Helvetica"/>
+                <a:ea typeface="ＭＳ Ｐゴシック"/>
+                <a:cs typeface="Helvetica"/>
+              </a:rPr>
+              <a:t>Flexible : le programmeur peut modifier une partie du code sans affecter les autres parties</a:t>
+            </a:r>
+            <a:endParaRPr lang="en-US" altLang="en-US" sz="2400" b="0" i="0" u="none" strike="noStrike" cap="none" normalizeH="0" baseline="0">
+              <a:ln>
+                <a:noFill/>
+              </a:ln>
+              <a:solidFill>
+                <a:srgbClr val="000000"/>
+              </a:solidFill>
+              <a:effectLst/>
+              <a:latin typeface="Helvetica"/>
+              <a:ea typeface="ＭＳ Ｐゴシック"/>
+              <a:cs typeface="Helvetica"/>
+            </a:endParaRPr>
+          </a:p>
+          <a:p>
+            <a:pPr marL="342900" marR="0" lvl="0" indent="-342900" algn="l" defTabSz="914400" rtl="0" eaLnBrk="0" fontAlgn="base" latinLnBrk="0" hangingPunct="0">
+              <a:lnSpc>
+                <a:spcPct val="100000"/>
+              </a:lnSpc>
+              <a:spcBef>
+                <a:spcPct val="0"/>
+              </a:spcBef>
+              <a:spcAft>
+                <a:spcPct val="0"/>
+              </a:spcAft>
+              <a:buClrTx/>
+              <a:buSzTx/>
+              <a:buFont typeface="Wingdings"/>
+              <a:buChar char="Ø"/>
+              <a:tabLst/>
+            </a:pPr>
+            <a:r>
+              <a:rPr kumimoji="0" lang="en-US" altLang="en-US" sz="2400" b="0" i="0" u="none" strike="noStrike" cap="none" normalizeH="0" baseline="0">
+                <a:ln>
+                  <a:noFill/>
+                </a:ln>
+                <a:solidFill>
+                  <a:srgbClr val="000000"/>
+                </a:solidFill>
+                <a:effectLst/>
+                <a:latin typeface="Helvetica"/>
+                <a:ea typeface="ＭＳ Ｐゴシック"/>
+                <a:cs typeface="Helvetica"/>
+              </a:rPr>
+              <a:t>Sécurité accrue des données</a:t>
+            </a:r>
+            <a:endParaRPr lang="en-US" altLang="en-US" sz="2400" b="0" i="0" u="none" strike="noStrike" cap="none" normalizeH="0" baseline="0">
+              <a:ln>
+                <a:noFill/>
+              </a:ln>
+              <a:solidFill>
+                <a:srgbClr val="000000"/>
+              </a:solidFill>
+              <a:effectLst/>
+              <a:latin typeface="Helvetica"/>
+              <a:ea typeface="ＭＳ Ｐゴシック"/>
+              <a:cs typeface="Helvetica"/>
+            </a:endParaRPr>
+          </a:p>
+          <a:p>
+            <a:pPr marL="0" marR="0" lvl="0" indent="0" algn="l" defTabSz="914400" rtl="0" eaLnBrk="0" fontAlgn="base" latinLnBrk="0" hangingPunct="0">
+              <a:lnSpc>
+                <a:spcPct val="100000"/>
+              </a:lnSpc>
+              <a:spcBef>
+                <a:spcPct val="0"/>
+              </a:spcBef>
+              <a:spcAft>
+                <a:spcPct val="0"/>
+              </a:spcAft>
+              <a:buClrTx/>
+              <a:buSzTx/>
+              <a:buFontTx/>
+              <a:buNone/>
+              <a:tabLst/>
+            </a:pPr>
+            <a:endParaRPr kumimoji="0" lang="en-US" altLang="en-US" sz="1800" b="0" i="0" u="none" strike="noStrike" cap="none" normalizeH="0" baseline="0">
+              <a:ln>
+                <a:noFill/>
+              </a:ln>
+              <a:solidFill>
+                <a:schemeClr val="tx1"/>
+              </a:solidFill>
+              <a:effectLst/>
+              <a:latin typeface="Arial" panose="020B0604020202020204" pitchFamily="34" charset="0"/>
+            </a:endParaRPr>
+          </a:p>
+        </p:txBody>
+      </p:sp>
+    </p:spTree>
+    <p:extLst>
+      <p:ext uri="{BB962C8B-B14F-4D97-AF65-F5344CB8AC3E}">
+        <p14:creationId xmlns:p14="http://schemas.microsoft.com/office/powerpoint/2010/main" val="4110842757"/>
+      </p:ext>
+    </p:extLst>
+  </p:cSld>
+  <p:clrMapOvr>
+    <a:masterClrMapping/>
+  </p:clrMapOvr>
+</p:sld>
+</file>
+
+<file path=ppt/slides/slide21.xml><?xml version="1.0" encoding="utf-8"?>
+<p:sld xmlns:a="http://schemas.openxmlformats.org/drawingml/2006/main" xmlns:r="http://schemas.openxmlformats.org/officeDocument/2006/relationships" xmlns:p="http://schemas.openxmlformats.org/presentationml/2006/main">
+  <p:cSld>
+    <p:spTree>
+      <p:nvGrpSpPr>
+        <p:cNvPr id="1" name=""/>
+        <p:cNvGrpSpPr/>
+        <p:nvPr/>
+      </p:nvGrpSpPr>
+      <p:grpSpPr>
+        <a:xfrm>
+          <a:off x="0" y="0"/>
+          <a:ext cx="0" cy="0"/>
+          <a:chOff x="0" y="0"/>
+          <a:chExt cx="0" cy="0"/>
+        </a:xfrm>
+      </p:grpSpPr>
+      <p:sp>
+        <p:nvSpPr>
+          <p:cNvPr id="4" name="Titre 3"/>
+          <p:cNvSpPr>
+            <a:spLocks noGrp="1"/>
+          </p:cNvSpPr>
+          <p:nvPr>
+            <p:ph type="title"/>
+          </p:nvPr>
+        </p:nvSpPr>
+        <p:spPr>
+          <a:xfrm>
+            <a:off x="684213" y="99119"/>
+            <a:ext cx="8064500" cy="665585"/>
+          </a:xfrm>
+        </p:spPr>
+        <p:txBody>
+          <a:bodyPr/>
+          <a:lstStyle/>
+          <a:p>
+            <a:r>
+              <a:rPr lang="fr-CA">
+                <a:solidFill>
+                  <a:srgbClr val="FF0000"/>
+                </a:solidFill>
+                <a:cs typeface="Arial"/>
+              </a:rPr>
+              <a:t>ABSTRACTION</a:t>
+            </a:r>
+            <a:endParaRPr lang="fr-CA">
+              <a:solidFill>
+                <a:srgbClr val="FF0000"/>
+              </a:solidFill>
+            </a:endParaRPr>
+          </a:p>
+        </p:txBody>
+      </p:sp>
+      <p:sp>
+        <p:nvSpPr>
+          <p:cNvPr id="5" name="Rectangle 4"/>
+          <p:cNvSpPr/>
+          <p:nvPr/>
+        </p:nvSpPr>
+        <p:spPr>
+          <a:xfrm>
+            <a:off x="908170" y="979187"/>
+            <a:ext cx="4896884" cy="369332"/>
+          </a:xfrm>
+          <a:prstGeom prst="rect">
+            <a:avLst/>
+          </a:prstGeom>
+        </p:spPr>
+        <p:txBody>
+          <a:bodyPr wrap="square">
+            <a:spAutoFit/>
+          </a:bodyPr>
+          <a:lstStyle/>
+          <a:p>
+            <a:pPr marL="342900" indent="-342900">
+              <a:buFont typeface="Wingdings" panose="05000000000000000000" pitchFamily="2" charset="2"/>
+              <a:buChar char="q"/>
+            </a:pPr>
+            <a:r>
+              <a:rPr lang="fr-FR" b="1">
+                <a:solidFill>
+                  <a:srgbClr val="FF0000"/>
+                </a:solidFill>
+                <a:effectLst>
+                  <a:outerShdw blurRad="38100" dist="38100" dir="2700000" algn="tl">
+                    <a:srgbClr val="000000">
+                      <a:alpha val="43137"/>
+                    </a:srgbClr>
+                  </a:outerShdw>
+                </a:effectLst>
+                <a:latin typeface="Helvetica"/>
+                <a:ea typeface="ＭＳ Ｐゴシック"/>
+                <a:cs typeface="Helvetica"/>
+              </a:rPr>
+              <a:t>Definition</a:t>
+            </a:r>
+          </a:p>
+        </p:txBody>
+      </p:sp>
+      <p:sp>
+        <p:nvSpPr>
+          <p:cNvPr id="2" name="Rectangle 1"/>
+          <p:cNvSpPr>
+            <a:spLocks noChangeArrowheads="1"/>
+          </p:cNvSpPr>
+          <p:nvPr/>
+        </p:nvSpPr>
+        <p:spPr bwMode="auto">
+          <a:xfrm>
+            <a:off x="0" y="1283614"/>
+            <a:ext cx="8478982" cy="1200329"/>
+          </a:xfrm>
+          <a:prstGeom prst="rect">
+            <a:avLst/>
+          </a:prstGeom>
+          <a:solidFill>
+            <a:srgbClr val="FFFFFF"/>
+          </a:solidFill>
+          <a:ln>
+            <a:noFill/>
+          </a:ln>
+          <a:effectLst/>
+          <a:extLst>
+            <a:ext uri="{91240B29-F687-4F45-9708-019B960494DF}">
+              <a14:hiddenLine xmlns:a14="http://schemas.microsoft.com/office/drawing/2010/main" w="9525">
+                <a:solidFill>
+                  <a:schemeClr val="tx1"/>
+                </a:solidFill>
+                <a:miter lim="800000"/>
+                <a:headEnd/>
+                <a:tailEnd/>
+              </a14:hiddenLine>
+            </a:ext>
+            <a:ext uri="{AF507438-7753-43E0-B8FC-AC1667EBCBE1}">
+              <a14:hiddenEffects xmlns:a14="http://schemas.microsoft.com/office/drawing/2010/main">
+                <a:effectLst>
+                  <a:outerShdw dist="35921" dir="2700000" algn="ctr" rotWithShape="0">
+                    <a:schemeClr val="bg2"/>
+                  </a:outerShdw>
+                </a:effectLst>
+              </a14:hiddenEffects>
+            </a:ext>
+          </a:extLst>
+        </p:spPr>
+        <p:txBody>
+          <a:bodyPr vert="horz" wrap="square" lIns="91440" tIns="45720" rIns="91440" bIns="45720" numCol="1" anchor="ctr" anchorCtr="0" compatLnSpc="1">
+            <a:prstTxWarp prst="textNoShape">
+              <a:avLst/>
+            </a:prstTxWarp>
+            <a:spAutoFit/>
+          </a:bodyPr>
+          <a:lstStyle/>
+          <a:p>
+            <a:pPr marL="285750" marR="0" lvl="0" indent="-285750" algn="l" defTabSz="914400" rtl="0" eaLnBrk="0" fontAlgn="base" latinLnBrk="0" hangingPunct="0">
+              <a:lnSpc>
+                <a:spcPct val="100000"/>
+              </a:lnSpc>
+              <a:spcBef>
+                <a:spcPct val="0"/>
+              </a:spcBef>
+              <a:spcAft>
+                <a:spcPct val="0"/>
+              </a:spcAft>
+              <a:buClrTx/>
+              <a:buSzTx/>
+              <a:buFont typeface="Wingdings" panose="05000000000000000000" pitchFamily="2" charset="2"/>
+              <a:buChar char="§"/>
+              <a:tabLst/>
+            </a:pPr>
+            <a:endParaRPr kumimoji="0" lang="en-US" altLang="en-US" sz="1800" b="0" i="0" u="none" strike="noStrike" cap="none" normalizeH="0" baseline="0">
+              <a:ln>
+                <a:noFill/>
+              </a:ln>
+              <a:solidFill>
+                <a:schemeClr val="tx1"/>
+              </a:solidFill>
+              <a:effectLst/>
+              <a:latin typeface="Arial" panose="020B0604020202020204" pitchFamily="34" charset="0"/>
+            </a:endParaRPr>
+          </a:p>
+          <a:p>
+            <a:pPr lvl="0" eaLnBrk="0" hangingPunct="0"/>
+            <a:r>
+              <a:rPr lang="fr-FR" b="1"/>
+              <a:t>L' abstraction</a:t>
+            </a:r>
+            <a:r>
+              <a:rPr lang="fr-FR"/>
+              <a:t> de données est le processus consistant à masquer certains détails et à ne montrer que les informations essentielles à l'utilisateur.</a:t>
+            </a:r>
+            <a:br>
+              <a:rPr lang="fr-FR"/>
+            </a:br>
+            <a:r>
+              <a:rPr lang="fr-FR"/>
+              <a:t>L'abstraction peut être réalisée avec </a:t>
+            </a:r>
+            <a:r>
+              <a:rPr lang="fr-FR" b="1"/>
+              <a:t>des classes abstraites</a:t>
+            </a:r>
+            <a:r>
+              <a:rPr lang="fr-FR"/>
+              <a:t> ou </a:t>
+            </a:r>
+            <a:r>
+              <a:rPr lang="fr-FR" b="1"/>
+              <a:t>des interfaces</a:t>
+            </a:r>
+            <a:endParaRPr kumimoji="0" lang="en-US" altLang="en-US" sz="1800" b="1" i="0" u="none" strike="noStrike" cap="none" normalizeH="0" baseline="0">
+              <a:ln>
+                <a:noFill/>
+              </a:ln>
+              <a:effectLst/>
+              <a:latin typeface="Arial" panose="020B0604020202020204" pitchFamily="34" charset="0"/>
+            </a:endParaRPr>
+          </a:p>
+        </p:txBody>
+      </p:sp>
+      <p:sp>
+        <p:nvSpPr>
+          <p:cNvPr id="6" name="Rectangle 5"/>
+          <p:cNvSpPr/>
+          <p:nvPr/>
+        </p:nvSpPr>
+        <p:spPr>
+          <a:xfrm>
+            <a:off x="908170" y="2862451"/>
+            <a:ext cx="4896884" cy="369332"/>
+          </a:xfrm>
+          <a:prstGeom prst="rect">
+            <a:avLst/>
+          </a:prstGeom>
+        </p:spPr>
+        <p:txBody>
+          <a:bodyPr wrap="square">
+            <a:spAutoFit/>
+          </a:bodyPr>
+          <a:lstStyle/>
+          <a:p>
+            <a:pPr marL="342900" indent="-342900">
+              <a:buFont typeface="Wingdings" panose="05000000000000000000" pitchFamily="2" charset="2"/>
+              <a:buChar char="q"/>
+            </a:pPr>
+            <a:r>
+              <a:rPr lang="fr-FR" b="1">
+                <a:solidFill>
+                  <a:srgbClr val="FF0000"/>
+                </a:solidFill>
+                <a:effectLst>
+                  <a:outerShdw blurRad="38100" dist="38100" dir="2700000" algn="tl">
+                    <a:srgbClr val="000000">
+                      <a:alpha val="43137"/>
+                    </a:srgbClr>
+                  </a:outerShdw>
+                </a:effectLst>
+                <a:latin typeface="Helvetica"/>
+                <a:ea typeface="ＭＳ Ｐゴシック"/>
+                <a:cs typeface="Helvetica"/>
+              </a:rPr>
+              <a:t>Classe abstraite</a:t>
+            </a:r>
+          </a:p>
+        </p:txBody>
+      </p:sp>
+      <p:sp>
+        <p:nvSpPr>
+          <p:cNvPr id="7" name="Rectangle 6"/>
+          <p:cNvSpPr/>
+          <p:nvPr/>
+        </p:nvSpPr>
+        <p:spPr>
+          <a:xfrm>
+            <a:off x="908170" y="3219965"/>
+            <a:ext cx="4896884" cy="369332"/>
+          </a:xfrm>
+          <a:prstGeom prst="rect">
+            <a:avLst/>
+          </a:prstGeom>
+        </p:spPr>
+        <p:txBody>
+          <a:bodyPr wrap="square">
+            <a:spAutoFit/>
+          </a:bodyPr>
+          <a:lstStyle/>
+          <a:p>
+            <a:pPr marL="342900" indent="-342900">
+              <a:buFont typeface="Wingdings" panose="05000000000000000000" pitchFamily="2" charset="2"/>
+              <a:buChar char="Ø"/>
+            </a:pPr>
+            <a:r>
+              <a:rPr lang="fr-FR" b="1">
+                <a:effectLst>
+                  <a:outerShdw blurRad="38100" dist="38100" dir="2700000" algn="tl">
+                    <a:srgbClr val="000000">
+                      <a:alpha val="43137"/>
+                    </a:srgbClr>
+                  </a:outerShdw>
+                </a:effectLst>
+                <a:latin typeface="Helvetica"/>
+                <a:ea typeface="ＭＳ Ｐゴシック"/>
+                <a:cs typeface="Helvetica"/>
+              </a:rPr>
+              <a:t>Exemple</a:t>
+            </a:r>
+            <a:r>
+              <a:rPr lang="fr-FR" b="1">
+                <a:solidFill>
+                  <a:srgbClr val="FF0000"/>
+                </a:solidFill>
+                <a:effectLst>
+                  <a:outerShdw blurRad="38100" dist="38100" dir="2700000" algn="tl">
+                    <a:srgbClr val="000000">
+                      <a:alpha val="43137"/>
+                    </a:srgbClr>
+                  </a:outerShdw>
+                </a:effectLst>
+                <a:latin typeface="Helvetica"/>
+                <a:ea typeface="ＭＳ Ｐゴシック"/>
+                <a:cs typeface="Helvetica"/>
+              </a:rPr>
+              <a:t> </a:t>
+            </a:r>
+            <a:r>
+              <a:rPr lang="fr-FR" b="1">
+                <a:effectLst>
+                  <a:outerShdw blurRad="38100" dist="38100" dir="2700000" algn="tl">
+                    <a:srgbClr val="000000">
+                      <a:alpha val="43137"/>
+                    </a:srgbClr>
+                  </a:outerShdw>
+                </a:effectLst>
+                <a:latin typeface="Helvetica"/>
+                <a:ea typeface="ＭＳ Ｐゴシック"/>
+                <a:cs typeface="Helvetica"/>
+              </a:rPr>
+              <a:t>de classe abstraite</a:t>
+            </a:r>
+          </a:p>
+        </p:txBody>
+      </p:sp>
+      <p:sp>
+        <p:nvSpPr>
+          <p:cNvPr id="3" name="Rectangle 2"/>
+          <p:cNvSpPr/>
+          <p:nvPr/>
+        </p:nvSpPr>
+        <p:spPr>
+          <a:xfrm>
+            <a:off x="1222902" y="3762145"/>
+            <a:ext cx="2210926" cy="369332"/>
+          </a:xfrm>
+          <a:prstGeom prst="rect">
+            <a:avLst/>
+          </a:prstGeom>
+          <a:solidFill>
+            <a:schemeClr val="tx1"/>
+          </a:solidFill>
+        </p:spPr>
+        <p:txBody>
+          <a:bodyPr wrap="none">
+            <a:spAutoFit/>
+          </a:bodyPr>
+          <a:lstStyle/>
+          <a:p>
+            <a:r>
+              <a:rPr lang="en-US" b="1">
+                <a:solidFill>
+                  <a:srgbClr val="00B0F0"/>
+                </a:solidFill>
+              </a:rPr>
+              <a:t>abstract</a:t>
+            </a:r>
+            <a:r>
+              <a:rPr lang="en-US">
+                <a:solidFill>
+                  <a:srgbClr val="00B0F0"/>
+                </a:solidFill>
+              </a:rPr>
+              <a:t> </a:t>
+            </a:r>
+            <a:r>
+              <a:rPr lang="en-US" b="1">
+                <a:solidFill>
+                  <a:srgbClr val="00B0F0"/>
+                </a:solidFill>
+              </a:rPr>
+              <a:t>class</a:t>
+            </a:r>
+            <a:r>
+              <a:rPr lang="en-US">
+                <a:solidFill>
+                  <a:schemeClr val="bg1"/>
+                </a:solidFill>
+              </a:rPr>
+              <a:t> A{} </a:t>
+            </a:r>
+            <a:r>
+              <a:rPr lang="en-US">
+                <a:solidFill>
+                  <a:srgbClr val="000000"/>
+                </a:solidFill>
+                <a:latin typeface="inter-regular"/>
+              </a:rPr>
+              <a:t> </a:t>
+            </a:r>
+            <a:endParaRPr lang="en-US"/>
+          </a:p>
+        </p:txBody>
+      </p:sp>
+      <p:sp>
+        <p:nvSpPr>
+          <p:cNvPr id="8" name="Rectangle 7"/>
+          <p:cNvSpPr/>
+          <p:nvPr/>
+        </p:nvSpPr>
+        <p:spPr>
+          <a:xfrm>
+            <a:off x="908170" y="4131477"/>
+            <a:ext cx="4896884" cy="369332"/>
+          </a:xfrm>
+          <a:prstGeom prst="rect">
+            <a:avLst/>
+          </a:prstGeom>
+        </p:spPr>
+        <p:txBody>
+          <a:bodyPr wrap="square">
+            <a:spAutoFit/>
+          </a:bodyPr>
+          <a:lstStyle/>
+          <a:p>
+            <a:pPr marL="342900" indent="-342900">
+              <a:buFont typeface="Wingdings" panose="05000000000000000000" pitchFamily="2" charset="2"/>
+              <a:buChar char="Ø"/>
+            </a:pPr>
+            <a:r>
+              <a:rPr lang="fr-FR" b="1">
+                <a:effectLst>
+                  <a:outerShdw blurRad="38100" dist="38100" dir="2700000" algn="tl">
+                    <a:srgbClr val="000000">
+                      <a:alpha val="43137"/>
+                    </a:srgbClr>
+                  </a:outerShdw>
+                </a:effectLst>
+                <a:latin typeface="Helvetica"/>
+                <a:ea typeface="ＭＳ Ｐゴシック"/>
+                <a:cs typeface="Helvetica"/>
+              </a:rPr>
+              <a:t>Exemple</a:t>
+            </a:r>
+            <a:r>
+              <a:rPr lang="fr-FR" b="1">
+                <a:solidFill>
+                  <a:srgbClr val="FF0000"/>
+                </a:solidFill>
+                <a:effectLst>
+                  <a:outerShdw blurRad="38100" dist="38100" dir="2700000" algn="tl">
+                    <a:srgbClr val="000000">
+                      <a:alpha val="43137"/>
+                    </a:srgbClr>
+                  </a:outerShdw>
+                </a:effectLst>
+                <a:latin typeface="Helvetica"/>
+                <a:ea typeface="ＭＳ Ｐゴシック"/>
+                <a:cs typeface="Helvetica"/>
+              </a:rPr>
+              <a:t> </a:t>
+            </a:r>
+            <a:r>
+              <a:rPr lang="fr-FR" b="1">
+                <a:effectLst>
+                  <a:outerShdw blurRad="38100" dist="38100" dir="2700000" algn="tl">
+                    <a:srgbClr val="000000">
+                      <a:alpha val="43137"/>
+                    </a:srgbClr>
+                  </a:outerShdw>
+                </a:effectLst>
+                <a:latin typeface="Helvetica"/>
+                <a:ea typeface="ＭＳ Ｐゴシック"/>
+                <a:cs typeface="Helvetica"/>
+              </a:rPr>
+              <a:t>de méthode abstraite</a:t>
+            </a:r>
+          </a:p>
+        </p:txBody>
+      </p:sp>
+      <p:sp>
+        <p:nvSpPr>
+          <p:cNvPr id="9" name="Rectangle 8"/>
+          <p:cNvSpPr/>
+          <p:nvPr/>
+        </p:nvSpPr>
+        <p:spPr>
+          <a:xfrm>
+            <a:off x="1070612" y="4546975"/>
+            <a:ext cx="7505352" cy="369332"/>
+          </a:xfrm>
+          <a:prstGeom prst="rect">
+            <a:avLst/>
+          </a:prstGeom>
+          <a:solidFill>
+            <a:schemeClr val="tx1"/>
+          </a:solidFill>
+        </p:spPr>
+        <p:txBody>
+          <a:bodyPr wrap="square">
+            <a:spAutoFit/>
+          </a:bodyPr>
+          <a:lstStyle/>
+          <a:p>
+            <a:r>
+              <a:rPr lang="fr-FR" b="1">
+                <a:solidFill>
+                  <a:srgbClr val="00B0F0"/>
+                </a:solidFill>
+                <a:latin typeface="inter-regular"/>
+              </a:rPr>
+              <a:t>abstract void</a:t>
+            </a:r>
+            <a:r>
+              <a:rPr lang="fr-FR" b="1">
+                <a:solidFill>
+                  <a:schemeClr val="bg1"/>
+                </a:solidFill>
+                <a:latin typeface="inter-regular"/>
+              </a:rPr>
+              <a:t> </a:t>
+            </a:r>
+            <a:r>
+              <a:rPr lang="fr-FR">
+                <a:solidFill>
+                  <a:schemeClr val="bg1"/>
+                </a:solidFill>
+                <a:latin typeface="inter-regular"/>
+              </a:rPr>
+              <a:t> printStatus(); // pas de corps de méthode ni de résumé</a:t>
+            </a:r>
+            <a:endParaRPr lang="en-US">
+              <a:solidFill>
+                <a:schemeClr val="bg1"/>
+              </a:solidFill>
+            </a:endParaRPr>
+          </a:p>
+        </p:txBody>
+      </p:sp>
+    </p:spTree>
+    <p:extLst>
+      <p:ext uri="{BB962C8B-B14F-4D97-AF65-F5344CB8AC3E}">
+        <p14:creationId xmlns:p14="http://schemas.microsoft.com/office/powerpoint/2010/main" val="2653572758"/>
+      </p:ext>
+    </p:extLst>
+  </p:cSld>
+  <p:clrMapOvr>
+    <a:masterClrMapping/>
+  </p:clrMapOvr>
+</p:sld>
+</file>
+
+<file path=ppt/slides/slide22.xml><?xml version="1.0" encoding="utf-8"?>
+<p:sld xmlns:a="http://schemas.openxmlformats.org/drawingml/2006/main" xmlns:r="http://schemas.openxmlformats.org/officeDocument/2006/relationships" xmlns:p="http://schemas.openxmlformats.org/presentationml/2006/main">
+  <p:cSld>
+    <p:spTree>
+      <p:nvGrpSpPr>
+        <p:cNvPr id="1" name=""/>
+        <p:cNvGrpSpPr/>
+        <p:nvPr/>
+      </p:nvGrpSpPr>
+      <p:grpSpPr>
+        <a:xfrm>
+          <a:off x="0" y="0"/>
+          <a:ext cx="0" cy="0"/>
+          <a:chOff x="0" y="0"/>
+          <a:chExt cx="0" cy="0"/>
+        </a:xfrm>
+      </p:grpSpPr>
+      <p:sp>
+        <p:nvSpPr>
+          <p:cNvPr id="4" name="Titre 3"/>
+          <p:cNvSpPr>
+            <a:spLocks noGrp="1"/>
+          </p:cNvSpPr>
+          <p:nvPr>
+            <p:ph type="title"/>
+          </p:nvPr>
+        </p:nvSpPr>
+        <p:spPr>
+          <a:xfrm>
+            <a:off x="684213" y="99119"/>
+            <a:ext cx="8064500" cy="665585"/>
+          </a:xfrm>
+        </p:spPr>
+        <p:txBody>
+          <a:bodyPr/>
+          <a:lstStyle/>
+          <a:p>
+            <a:r>
+              <a:rPr lang="fr-CA">
+                <a:solidFill>
+                  <a:srgbClr val="FF0000"/>
+                </a:solidFill>
+                <a:cs typeface="Arial"/>
+              </a:rPr>
+              <a:t>ABSTRACTION</a:t>
+            </a:r>
+            <a:endParaRPr lang="fr-CA">
+              <a:solidFill>
+                <a:srgbClr val="FF0000"/>
+              </a:solidFill>
+            </a:endParaRPr>
+          </a:p>
+        </p:txBody>
+      </p:sp>
+      <p:sp>
+        <p:nvSpPr>
+          <p:cNvPr id="7" name="Rectangle 6"/>
+          <p:cNvSpPr/>
+          <p:nvPr/>
+        </p:nvSpPr>
+        <p:spPr>
+          <a:xfrm>
+            <a:off x="684212" y="949370"/>
+            <a:ext cx="7351423" cy="369332"/>
+          </a:xfrm>
+          <a:prstGeom prst="rect">
+            <a:avLst/>
+          </a:prstGeom>
+        </p:spPr>
+        <p:txBody>
+          <a:bodyPr wrap="square">
+            <a:spAutoFit/>
+          </a:bodyPr>
+          <a:lstStyle/>
+          <a:p>
+            <a:pPr marL="342900" marR="0" lvl="0" indent="-342900" algn="l" defTabSz="914400" rtl="0" eaLnBrk="1" fontAlgn="base" latinLnBrk="0" hangingPunct="1">
+              <a:lnSpc>
+                <a:spcPct val="100000"/>
+              </a:lnSpc>
+              <a:spcBef>
+                <a:spcPct val="0"/>
+              </a:spcBef>
+              <a:spcAft>
+                <a:spcPct val="0"/>
+              </a:spcAft>
+              <a:buClrTx/>
+              <a:buSzTx/>
+              <a:buFont typeface="Wingdings" panose="05000000000000000000" pitchFamily="2" charset="2"/>
+              <a:buChar char="Ø"/>
+              <a:tabLst/>
+              <a:defRPr/>
+            </a:pPr>
+            <a:r>
+              <a:rPr kumimoji="0" lang="fr-FR" sz="1800" b="1" i="0" u="none" strike="noStrike" kern="1200" cap="none" spc="0" normalizeH="0" baseline="0" noProof="0">
+                <a:ln>
+                  <a:noFill/>
+                </a:ln>
+                <a:solidFill>
+                  <a:srgbClr val="000000"/>
+                </a:solidFill>
+                <a:effectLst>
+                  <a:outerShdw blurRad="38100" dist="38100" dir="2700000" algn="tl">
+                    <a:srgbClr val="000000">
+                      <a:alpha val="43137"/>
+                    </a:srgbClr>
+                  </a:outerShdw>
+                </a:effectLst>
+                <a:uLnTx/>
+                <a:uFillTx/>
+                <a:latin typeface="Helvetica"/>
+                <a:ea typeface="ＭＳ Ｐゴシック"/>
+                <a:cs typeface="Helvetica"/>
+              </a:rPr>
+              <a:t>Exemple</a:t>
+            </a:r>
+            <a:r>
+              <a:rPr kumimoji="0" lang="fr-FR" sz="1800" b="1" i="0" u="none" strike="noStrike" kern="1200" cap="none" spc="0" normalizeH="0" baseline="0" noProof="0">
+                <a:ln>
+                  <a:noFill/>
+                </a:ln>
+                <a:solidFill>
+                  <a:srgbClr val="FF0000"/>
+                </a:solidFill>
+                <a:effectLst>
+                  <a:outerShdw blurRad="38100" dist="38100" dir="2700000" algn="tl">
+                    <a:srgbClr val="000000">
+                      <a:alpha val="43137"/>
+                    </a:srgbClr>
+                  </a:outerShdw>
+                </a:effectLst>
+                <a:uLnTx/>
+                <a:uFillTx/>
+                <a:latin typeface="Helvetica"/>
+                <a:ea typeface="ＭＳ Ｐゴシック"/>
+                <a:cs typeface="Helvetica"/>
+              </a:rPr>
+              <a:t> </a:t>
+            </a:r>
+            <a:r>
+              <a:rPr kumimoji="0" lang="fr-FR" sz="1800" b="1" i="0" u="none" strike="noStrike" kern="1200" cap="none" spc="0" normalizeH="0" baseline="0" noProof="0">
+                <a:ln>
+                  <a:noFill/>
+                </a:ln>
+                <a:solidFill>
+                  <a:srgbClr val="000000"/>
+                </a:solidFill>
+                <a:effectLst>
+                  <a:outerShdw blurRad="38100" dist="38100" dir="2700000" algn="tl">
+                    <a:srgbClr val="000000">
+                      <a:alpha val="43137"/>
+                    </a:srgbClr>
+                  </a:outerShdw>
+                </a:effectLst>
+                <a:uLnTx/>
+                <a:uFillTx/>
+                <a:latin typeface="Helvetica"/>
+                <a:ea typeface="ＭＳ Ｐゴシック"/>
+                <a:cs typeface="Helvetica"/>
+              </a:rPr>
+              <a:t>de classe abstraite qui a</a:t>
+            </a:r>
+            <a:r>
+              <a:rPr kumimoji="0" lang="fr-FR" sz="1800" b="1" i="0" u="none" strike="noStrike" kern="1200" cap="none" spc="0" normalizeH="0" noProof="0">
+                <a:ln>
+                  <a:noFill/>
+                </a:ln>
+                <a:solidFill>
+                  <a:srgbClr val="000000"/>
+                </a:solidFill>
+                <a:effectLst>
+                  <a:outerShdw blurRad="38100" dist="38100" dir="2700000" algn="tl">
+                    <a:srgbClr val="000000">
+                      <a:alpha val="43137"/>
+                    </a:srgbClr>
+                  </a:outerShdw>
+                </a:effectLst>
+                <a:uLnTx/>
+                <a:uFillTx/>
+                <a:latin typeface="Helvetica"/>
+                <a:ea typeface="ＭＳ Ｐゴシック"/>
+                <a:cs typeface="Helvetica"/>
+              </a:rPr>
+              <a:t> une méthode abstraite</a:t>
+            </a:r>
+            <a:endParaRPr kumimoji="0" lang="fr-FR" sz="1800" b="1" i="0" u="none" strike="noStrike" kern="1200" cap="none" spc="0" normalizeH="0" baseline="0" noProof="0">
+              <a:ln>
+                <a:noFill/>
+              </a:ln>
+              <a:solidFill>
+                <a:srgbClr val="000000"/>
+              </a:solidFill>
+              <a:effectLst>
+                <a:outerShdw blurRad="38100" dist="38100" dir="2700000" algn="tl">
+                  <a:srgbClr val="000000">
+                    <a:alpha val="43137"/>
+                  </a:srgbClr>
+                </a:outerShdw>
+              </a:effectLst>
+              <a:uLnTx/>
+              <a:uFillTx/>
+              <a:latin typeface="Helvetica"/>
+              <a:ea typeface="ＭＳ Ｐゴシック"/>
+              <a:cs typeface="Helvetica"/>
+            </a:endParaRPr>
+          </a:p>
+        </p:txBody>
+      </p:sp>
+      <p:graphicFrame>
+        <p:nvGraphicFramePr>
+          <p:cNvPr id="10" name="Tableau 9"/>
+          <p:cNvGraphicFramePr>
+            <a:graphicFrameLocks noGrp="1"/>
+          </p:cNvGraphicFramePr>
+          <p:nvPr>
+            <p:extLst>
+              <p:ext uri="{D42A27DB-BD31-4B8C-83A1-F6EECF244321}">
+                <p14:modId xmlns:p14="http://schemas.microsoft.com/office/powerpoint/2010/main" val="1964520106"/>
+              </p:ext>
+            </p:extLst>
+          </p:nvPr>
+        </p:nvGraphicFramePr>
+        <p:xfrm>
+          <a:off x="1055614" y="1318703"/>
+          <a:ext cx="6608618" cy="3100898"/>
+        </p:xfrm>
+        <a:graphic>
+          <a:graphicData uri="http://schemas.openxmlformats.org/drawingml/2006/table">
+            <a:tbl>
+              <a:tblPr firstRow="1" bandRow="1">
+                <a:tableStyleId>{5C22544A-7EE6-4342-B048-85BDC9FD1C3A}</a:tableStyleId>
+              </a:tblPr>
+              <a:tblGrid>
+                <a:gridCol w="6608618">
+                  <a:extLst>
+                    <a:ext uri="{9D8B030D-6E8A-4147-A177-3AD203B41FA5}">
+                      <a16:colId xmlns:a16="http://schemas.microsoft.com/office/drawing/2014/main" val="1082963285"/>
+                    </a:ext>
+                  </a:extLst>
+                </a:gridCol>
+              </a:tblGrid>
+              <a:tr h="3100898">
+                <a:tc>
+                  <a:txBody>
+                    <a:bodyPr/>
+                    <a:lstStyle/>
+                    <a:p>
+                      <a:pPr algn="just">
+                        <a:buFont typeface="+mj-lt"/>
+                        <a:buNone/>
+                      </a:pPr>
+                      <a:r>
+                        <a:rPr lang="en-US" b="1" i="0">
+                          <a:solidFill>
+                            <a:srgbClr val="00B0F0"/>
+                          </a:solidFill>
+                          <a:effectLst/>
+                          <a:latin typeface="inter-regular"/>
+                        </a:rPr>
+                        <a:t>abstract</a:t>
+                      </a:r>
+                      <a:r>
+                        <a:rPr lang="en-US" b="0" i="0">
+                          <a:solidFill>
+                            <a:srgbClr val="00B0F0"/>
+                          </a:solidFill>
+                          <a:effectLst/>
+                          <a:latin typeface="inter-regular"/>
+                        </a:rPr>
+                        <a:t> </a:t>
+                      </a:r>
+                      <a:r>
+                        <a:rPr lang="en-US" b="1" i="0">
+                          <a:solidFill>
+                            <a:srgbClr val="00B0F0"/>
+                          </a:solidFill>
+                          <a:effectLst/>
+                          <a:latin typeface="inter-regular"/>
+                        </a:rPr>
+                        <a:t>class</a:t>
+                      </a:r>
+                      <a:r>
+                        <a:rPr lang="en-US" b="0" i="0">
+                          <a:solidFill>
+                            <a:schemeClr val="bg1"/>
+                          </a:solidFill>
+                          <a:effectLst/>
+                          <a:latin typeface="inter-regular"/>
+                        </a:rPr>
+                        <a:t> Bike{  </a:t>
+                      </a:r>
+                    </a:p>
+                    <a:p>
+                      <a:pPr algn="just">
+                        <a:buFont typeface="+mj-lt"/>
+                        <a:buNone/>
+                      </a:pPr>
+                      <a:r>
+                        <a:rPr lang="en-US" b="0" i="0">
+                          <a:solidFill>
+                            <a:schemeClr val="bg1"/>
+                          </a:solidFill>
+                          <a:effectLst/>
+                          <a:latin typeface="inter-regular"/>
+                        </a:rPr>
+                        <a:t>  </a:t>
+                      </a:r>
+                      <a:r>
+                        <a:rPr lang="en-US" b="1" i="0">
+                          <a:solidFill>
+                            <a:srgbClr val="00B0F0"/>
+                          </a:solidFill>
+                          <a:effectLst/>
+                          <a:latin typeface="inter-regular"/>
+                        </a:rPr>
+                        <a:t>abstract</a:t>
+                      </a:r>
+                      <a:r>
+                        <a:rPr lang="en-US" b="0" i="0">
+                          <a:solidFill>
+                            <a:srgbClr val="00B0F0"/>
+                          </a:solidFill>
+                          <a:effectLst/>
+                          <a:latin typeface="inter-regular"/>
+                        </a:rPr>
+                        <a:t> </a:t>
+                      </a:r>
+                      <a:r>
+                        <a:rPr lang="en-US" b="1" i="0">
+                          <a:solidFill>
+                            <a:srgbClr val="00B0F0"/>
+                          </a:solidFill>
+                          <a:effectLst/>
+                          <a:latin typeface="inter-regular"/>
+                        </a:rPr>
+                        <a:t>void</a:t>
+                      </a:r>
+                      <a:r>
+                        <a:rPr lang="en-US" b="0" i="0">
+                          <a:solidFill>
+                            <a:schemeClr val="bg1"/>
+                          </a:solidFill>
+                          <a:effectLst/>
+                          <a:latin typeface="inter-regular"/>
+                        </a:rPr>
+                        <a:t> run();  </a:t>
+                      </a:r>
+                    </a:p>
+                    <a:p>
+                      <a:pPr algn="just">
+                        <a:buFont typeface="+mj-lt"/>
+                        <a:buNone/>
+                      </a:pPr>
+                      <a:r>
+                        <a:rPr lang="en-US" b="0" i="0">
+                          <a:solidFill>
+                            <a:schemeClr val="bg1"/>
+                          </a:solidFill>
+                          <a:effectLst/>
+                          <a:latin typeface="inter-regular"/>
+                        </a:rPr>
+                        <a:t>}  </a:t>
+                      </a:r>
+                    </a:p>
+                    <a:p>
+                      <a:pPr algn="just">
+                        <a:buFont typeface="+mj-lt"/>
+                        <a:buNone/>
+                      </a:pPr>
+                      <a:r>
+                        <a:rPr lang="en-US" b="1" i="0">
+                          <a:solidFill>
+                            <a:srgbClr val="00B0F0"/>
+                          </a:solidFill>
+                          <a:effectLst/>
+                          <a:latin typeface="inter-regular"/>
+                        </a:rPr>
+                        <a:t>class</a:t>
+                      </a:r>
+                      <a:r>
+                        <a:rPr lang="en-US" b="0" i="0">
+                          <a:solidFill>
+                            <a:schemeClr val="bg1"/>
+                          </a:solidFill>
+                          <a:effectLst/>
+                          <a:latin typeface="inter-regular"/>
+                        </a:rPr>
+                        <a:t> Honda4 </a:t>
+                      </a:r>
+                      <a:r>
+                        <a:rPr lang="en-US" b="1" i="0">
+                          <a:solidFill>
+                            <a:srgbClr val="00B0F0"/>
+                          </a:solidFill>
+                          <a:effectLst/>
+                          <a:latin typeface="inter-regular"/>
+                        </a:rPr>
+                        <a:t>extends</a:t>
+                      </a:r>
+                      <a:r>
+                        <a:rPr lang="en-US" b="0" i="0">
+                          <a:solidFill>
+                            <a:schemeClr val="bg1"/>
+                          </a:solidFill>
+                          <a:effectLst/>
+                          <a:latin typeface="inter-regular"/>
+                        </a:rPr>
+                        <a:t> Bike{  </a:t>
+                      </a:r>
+                    </a:p>
+                    <a:p>
+                      <a:pPr algn="just">
+                        <a:buFont typeface="+mj-lt"/>
+                        <a:buNone/>
+                      </a:pPr>
+                      <a:r>
+                        <a:rPr lang="en-US" b="1" i="0">
+                          <a:solidFill>
+                            <a:srgbClr val="00B0F0"/>
+                          </a:solidFill>
+                          <a:effectLst/>
+                          <a:latin typeface="inter-regular"/>
+                        </a:rPr>
+                        <a:t>void</a:t>
+                      </a:r>
+                      <a:r>
+                        <a:rPr lang="en-US" b="0" i="0">
+                          <a:solidFill>
+                            <a:schemeClr val="bg1"/>
+                          </a:solidFill>
+                          <a:effectLst/>
+                          <a:latin typeface="inter-regular"/>
+                        </a:rPr>
+                        <a:t> run(){System.out.println("running </a:t>
+                      </a:r>
+                      <a:r>
+                        <a:rPr lang="en-US" b="0" i="0">
+                          <a:solidFill>
+                            <a:srgbClr val="00B0F0"/>
+                          </a:solidFill>
+                          <a:effectLst/>
+                          <a:latin typeface="inter-regular"/>
+                        </a:rPr>
+                        <a:t>safely</a:t>
+                      </a:r>
+                      <a:r>
+                        <a:rPr lang="en-US" b="0" i="0">
+                          <a:solidFill>
+                            <a:schemeClr val="bg1"/>
+                          </a:solidFill>
+                          <a:effectLst/>
+                          <a:latin typeface="inter-regular"/>
+                        </a:rPr>
+                        <a:t>");}  </a:t>
+                      </a:r>
+                    </a:p>
+                    <a:p>
+                      <a:pPr algn="just">
+                        <a:buFont typeface="+mj-lt"/>
+                        <a:buNone/>
+                      </a:pPr>
+                      <a:r>
+                        <a:rPr lang="en-US" b="1" i="0">
+                          <a:solidFill>
+                            <a:schemeClr val="bg1"/>
+                          </a:solidFill>
+                          <a:effectLst/>
+                          <a:latin typeface="inter-regular"/>
+                        </a:rPr>
+                        <a:t>public</a:t>
+                      </a:r>
+                      <a:r>
+                        <a:rPr lang="en-US" b="0" i="0">
+                          <a:solidFill>
+                            <a:schemeClr val="bg1"/>
+                          </a:solidFill>
+                          <a:effectLst/>
+                          <a:latin typeface="inter-regular"/>
+                        </a:rPr>
+                        <a:t> </a:t>
+                      </a:r>
+                      <a:r>
+                        <a:rPr lang="en-US" b="1" i="0">
+                          <a:solidFill>
+                            <a:schemeClr val="bg1"/>
+                          </a:solidFill>
+                          <a:effectLst/>
+                          <a:latin typeface="inter-regular"/>
+                        </a:rPr>
+                        <a:t>static</a:t>
+                      </a:r>
+                      <a:r>
+                        <a:rPr lang="en-US" b="0" i="0">
+                          <a:solidFill>
+                            <a:schemeClr val="bg1"/>
+                          </a:solidFill>
+                          <a:effectLst/>
+                          <a:latin typeface="inter-regular"/>
+                        </a:rPr>
+                        <a:t> </a:t>
+                      </a:r>
+                      <a:r>
+                        <a:rPr lang="en-US" b="1" i="0">
+                          <a:solidFill>
+                            <a:schemeClr val="bg1"/>
+                          </a:solidFill>
+                          <a:effectLst/>
+                          <a:latin typeface="inter-regular"/>
+                        </a:rPr>
+                        <a:t>void</a:t>
+                      </a:r>
+                      <a:r>
+                        <a:rPr lang="en-US" b="0" i="0">
+                          <a:solidFill>
+                            <a:schemeClr val="bg1"/>
+                          </a:solidFill>
+                          <a:effectLst/>
+                          <a:latin typeface="inter-regular"/>
+                        </a:rPr>
+                        <a:t> main(String args[]){  </a:t>
+                      </a:r>
+                    </a:p>
+                    <a:p>
+                      <a:pPr algn="just">
+                        <a:buFont typeface="+mj-lt"/>
+                        <a:buNone/>
+                      </a:pPr>
+                      <a:r>
+                        <a:rPr lang="en-US" b="0" i="0">
+                          <a:solidFill>
+                            <a:schemeClr val="bg1"/>
+                          </a:solidFill>
+                          <a:effectLst/>
+                          <a:latin typeface="inter-regular"/>
+                        </a:rPr>
+                        <a:t> Bike obj = </a:t>
+                      </a:r>
+                      <a:r>
+                        <a:rPr lang="en-US" b="1" i="0">
+                          <a:solidFill>
+                            <a:srgbClr val="00B0F0"/>
+                          </a:solidFill>
+                          <a:effectLst/>
+                          <a:latin typeface="inter-regular"/>
+                        </a:rPr>
+                        <a:t>new</a:t>
+                      </a:r>
+                      <a:r>
+                        <a:rPr lang="en-US" b="0" i="0">
+                          <a:solidFill>
+                            <a:schemeClr val="bg1"/>
+                          </a:solidFill>
+                          <a:effectLst/>
+                          <a:latin typeface="inter-regular"/>
+                        </a:rPr>
+                        <a:t> Honda4();  </a:t>
+                      </a:r>
+                    </a:p>
+                    <a:p>
+                      <a:pPr algn="just">
+                        <a:buFont typeface="+mj-lt"/>
+                        <a:buNone/>
+                      </a:pPr>
+                      <a:r>
+                        <a:rPr lang="en-US" b="0" i="0">
+                          <a:solidFill>
+                            <a:schemeClr val="bg1"/>
+                          </a:solidFill>
+                          <a:effectLst/>
+                          <a:latin typeface="inter-regular"/>
+                        </a:rPr>
+                        <a:t> obj.run();  </a:t>
+                      </a:r>
+                    </a:p>
+                    <a:p>
+                      <a:pPr algn="just">
+                        <a:buFont typeface="+mj-lt"/>
+                        <a:buNone/>
+                      </a:pPr>
+                      <a:r>
+                        <a:rPr lang="en-US" b="0" i="0">
+                          <a:solidFill>
+                            <a:srgbClr val="000000"/>
+                          </a:solidFill>
+                          <a:effectLst/>
+                          <a:latin typeface="inter-regular"/>
+                        </a:rPr>
+                        <a:t>}  </a:t>
+                      </a:r>
+                    </a:p>
+                    <a:p>
+                      <a:pPr algn="just">
+                        <a:buFont typeface="+mj-lt"/>
+                        <a:buNone/>
+                      </a:pPr>
+                      <a:r>
+                        <a:rPr lang="en-US" b="0" i="0">
+                          <a:solidFill>
+                            <a:srgbClr val="000000"/>
+                          </a:solidFill>
+                          <a:effectLst/>
+                          <a:latin typeface="inter-regular"/>
+                        </a:rPr>
+                        <a:t>}  </a:t>
+                      </a:r>
+                    </a:p>
+                  </a:txBody>
+                  <a:tcPr>
+                    <a:solidFill>
+                      <a:schemeClr val="tx1"/>
+                    </a:solidFill>
+                  </a:tcPr>
+                </a:tc>
+                <a:extLst>
+                  <a:ext uri="{0D108BD9-81ED-4DB2-BD59-A6C34878D82A}">
+                    <a16:rowId xmlns:a16="http://schemas.microsoft.com/office/drawing/2014/main" val="2713148563"/>
+                  </a:ext>
+                </a:extLst>
+              </a:tr>
+            </a:tbl>
+          </a:graphicData>
+        </a:graphic>
+      </p:graphicFrame>
+      <p:graphicFrame>
+        <p:nvGraphicFramePr>
+          <p:cNvPr id="11" name="Tableau 10"/>
+          <p:cNvGraphicFramePr>
+            <a:graphicFrameLocks noGrp="1"/>
+          </p:cNvGraphicFramePr>
+          <p:nvPr>
+            <p:extLst>
+              <p:ext uri="{D42A27DB-BD31-4B8C-83A1-F6EECF244321}">
+                <p14:modId xmlns:p14="http://schemas.microsoft.com/office/powerpoint/2010/main" val="2177906085"/>
+              </p:ext>
+            </p:extLst>
+          </p:nvPr>
+        </p:nvGraphicFramePr>
+        <p:xfrm>
+          <a:off x="831272" y="4906939"/>
+          <a:ext cx="6096000" cy="370840"/>
+        </p:xfrm>
+        <a:graphic>
+          <a:graphicData uri="http://schemas.openxmlformats.org/drawingml/2006/table">
+            <a:tbl>
+              <a:tblPr firstRow="1" bandRow="1">
+                <a:tableStyleId>{5C22544A-7EE6-4342-B048-85BDC9FD1C3A}</a:tableStyleId>
+              </a:tblPr>
+              <a:tblGrid>
+                <a:gridCol w="6096000">
+                  <a:extLst>
+                    <a:ext uri="{9D8B030D-6E8A-4147-A177-3AD203B41FA5}">
+                      <a16:colId xmlns:a16="http://schemas.microsoft.com/office/drawing/2014/main" val="156119375"/>
+                    </a:ext>
+                  </a:extLst>
+                </a:gridCol>
+              </a:tblGrid>
+              <a:tr h="370840">
+                <a:tc>
+                  <a:txBody>
+                    <a:bodyPr/>
+                    <a:lstStyle/>
+                    <a:p>
+                      <a:r>
+                        <a:rPr lang="fr-CI"/>
+                        <a:t>Running safely</a:t>
+                      </a:r>
+                      <a:endParaRPr lang="en-US"/>
+                    </a:p>
+                  </a:txBody>
+                  <a:tcPr>
+                    <a:solidFill>
+                      <a:schemeClr val="tx1"/>
+                    </a:solidFill>
+                  </a:tcPr>
+                </a:tc>
+                <a:extLst>
+                  <a:ext uri="{0D108BD9-81ED-4DB2-BD59-A6C34878D82A}">
+                    <a16:rowId xmlns:a16="http://schemas.microsoft.com/office/drawing/2014/main" val="2393548880"/>
+                  </a:ext>
+                </a:extLst>
+              </a:tr>
+            </a:tbl>
+          </a:graphicData>
+        </a:graphic>
+      </p:graphicFrame>
+      <p:sp>
+        <p:nvSpPr>
+          <p:cNvPr id="12" name="Rectangle 11"/>
+          <p:cNvSpPr/>
+          <p:nvPr/>
+        </p:nvSpPr>
+        <p:spPr>
+          <a:xfrm>
+            <a:off x="684212" y="4478604"/>
+            <a:ext cx="7351423" cy="369332"/>
+          </a:xfrm>
+          <a:prstGeom prst="rect">
+            <a:avLst/>
+          </a:prstGeom>
+        </p:spPr>
+        <p:txBody>
+          <a:bodyPr wrap="square">
+            <a:spAutoFit/>
+          </a:bodyPr>
+          <a:lstStyle/>
+          <a:p>
+            <a:pPr marL="342900" marR="0" lvl="0" indent="-342900" algn="l" defTabSz="914400" rtl="0" eaLnBrk="1" fontAlgn="base" latinLnBrk="0" hangingPunct="1">
+              <a:lnSpc>
+                <a:spcPct val="100000"/>
+              </a:lnSpc>
+              <a:spcBef>
+                <a:spcPct val="0"/>
+              </a:spcBef>
+              <a:spcAft>
+                <a:spcPct val="0"/>
+              </a:spcAft>
+              <a:buClrTx/>
+              <a:buSzTx/>
+              <a:buFont typeface="Wingdings" panose="05000000000000000000" pitchFamily="2" charset="2"/>
+              <a:buChar char="Ø"/>
+              <a:tabLst/>
+              <a:defRPr/>
+            </a:pPr>
+            <a:r>
+              <a:rPr lang="fr-FR" b="1">
+                <a:solidFill>
+                  <a:srgbClr val="000000"/>
+                </a:solidFill>
+                <a:effectLst>
+                  <a:outerShdw blurRad="38100" dist="38100" dir="2700000" algn="tl">
+                    <a:srgbClr val="000000">
+                      <a:alpha val="43137"/>
+                    </a:srgbClr>
+                  </a:outerShdw>
+                </a:effectLst>
+                <a:latin typeface="Helvetica"/>
+                <a:ea typeface="ＭＳ Ｐゴシック"/>
+                <a:cs typeface="Helvetica"/>
+              </a:rPr>
+              <a:t>Résultat</a:t>
+            </a:r>
+            <a:endParaRPr kumimoji="0" lang="fr-FR" sz="1800" b="1" i="0" u="none" strike="noStrike" kern="1200" cap="none" spc="0" normalizeH="0" baseline="0" noProof="0">
+              <a:ln>
+                <a:noFill/>
+              </a:ln>
+              <a:solidFill>
+                <a:srgbClr val="000000"/>
+              </a:solidFill>
+              <a:effectLst>
+                <a:outerShdw blurRad="38100" dist="38100" dir="2700000" algn="tl">
+                  <a:srgbClr val="000000">
+                    <a:alpha val="43137"/>
+                  </a:srgbClr>
+                </a:outerShdw>
+              </a:effectLst>
+              <a:uLnTx/>
+              <a:uFillTx/>
+              <a:latin typeface="Helvetica"/>
+              <a:ea typeface="ＭＳ Ｐゴシック"/>
+              <a:cs typeface="Helvetica"/>
+            </a:endParaRPr>
+          </a:p>
+        </p:txBody>
+      </p:sp>
+    </p:spTree>
+    <p:extLst>
+      <p:ext uri="{BB962C8B-B14F-4D97-AF65-F5344CB8AC3E}">
+        <p14:creationId xmlns:p14="http://schemas.microsoft.com/office/powerpoint/2010/main" val="991538505"/>
+      </p:ext>
+    </p:extLst>
+  </p:cSld>
+  <p:clrMapOvr>
+    <a:masterClrMapping/>
+  </p:clrMapOvr>
+</p:sld>
+</file>
+
+<file path=ppt/slides/slide23.xml><?xml version="1.0" encoding="utf-8"?>
 <p:sld xmlns:a="http://schemas.openxmlformats.org/drawingml/2006/main" xmlns:r="http://schemas.openxmlformats.org/officeDocument/2006/relationships" xmlns:p="http://schemas.openxmlformats.org/presentationml/2006/main">
   <p:cSld>
     <p:spTree>
@@ -8912,7 +10687,7 @@
 </p:sld>
 </file>
 
-<file path=ppt/slides/slide21.xml><?xml version="1.0" encoding="utf-8"?>
+<file path=ppt/slides/slide24.xml><?xml version="1.0" encoding="utf-8"?>
 <p:sld xmlns:a="http://schemas.openxmlformats.org/drawingml/2006/main" xmlns:r="http://schemas.openxmlformats.org/officeDocument/2006/relationships" xmlns:p="http://schemas.openxmlformats.org/presentationml/2006/main">
   <p:cSld>
     <p:spTree>
@@ -9439,7 +11214,7 @@
 </p:sld>
 </file>
 
-<file path=ppt/slides/slide22.xml><?xml version="1.0" encoding="utf-8"?>
+<file path=ppt/slides/slide25.xml><?xml version="1.0" encoding="utf-8"?>
 <p:sld xmlns:a="http://schemas.openxmlformats.org/drawingml/2006/main" xmlns:r="http://schemas.openxmlformats.org/officeDocument/2006/relationships" xmlns:p="http://schemas.openxmlformats.org/presentationml/2006/main">
   <p:cSld>
     <p:spTree>
@@ -9987,7 +11762,7 @@
 </p:sld>
 </file>
 
-<file path=ppt/slides/slide23.xml><?xml version="1.0" encoding="utf-8"?>
+<file path=ppt/slides/slide26.xml><?xml version="1.0" encoding="utf-8"?>
 <p:sld xmlns:a="http://schemas.openxmlformats.org/drawingml/2006/main" xmlns:r="http://schemas.openxmlformats.org/officeDocument/2006/relationships" xmlns:p="http://schemas.openxmlformats.org/presentationml/2006/main">
   <p:cSld>
     <p:spTree>
@@ -10228,7 +12003,7 @@
 </p:sld>
 </file>
 
-<file path=ppt/slides/slide24.xml><?xml version="1.0" encoding="utf-8"?>
+<file path=ppt/slides/slide27.xml><?xml version="1.0" encoding="utf-8"?>
 <p:sld xmlns:a="http://schemas.openxmlformats.org/drawingml/2006/main" xmlns:r="http://schemas.openxmlformats.org/officeDocument/2006/relationships" xmlns:p="http://schemas.openxmlformats.org/presentationml/2006/main">
   <p:cSld>
     <p:spTree>
@@ -11366,7 +13141,7 @@
 </p:sld>
 </file>
 
-<file path=ppt/slides/slide25.xml><?xml version="1.0" encoding="utf-8"?>
+<file path=ppt/slides/slide28.xml><?xml version="1.0" encoding="utf-8"?>
 <p:sld xmlns:a="http://schemas.openxmlformats.org/drawingml/2006/main" xmlns:r="http://schemas.openxmlformats.org/officeDocument/2006/relationships" xmlns:p="http://schemas.openxmlformats.org/presentationml/2006/main">
   <p:cSld>
     <p:spTree>
@@ -11404,7 +13179,7 @@
           <a:lstStyle/>
           <a:p>
             <a:r>
-              <a:rPr lang="fr-CA" dirty="0">
+              <a:rPr lang="fr-CA">
                 <a:solidFill>
                   <a:srgbClr val="FF0000"/>
                 </a:solidFill>
@@ -11412,7 +13187,7 @@
               </a:rPr>
               <a:t>POLYMORPHISME</a:t>
             </a:r>
-            <a:endParaRPr lang="fr-CA" dirty="0">
+            <a:endParaRPr lang="fr-CA">
               <a:solidFill>
                 <a:srgbClr val="FF0000"/>
               </a:solidFill>
@@ -11456,7 +13231,7 @@
               <a:buChar char="q"/>
             </a:pPr>
             <a:r>
-              <a:rPr lang="fr-FR" sz="2400" dirty="0">
+              <a:rPr lang="fr-FR" sz="2400">
                 <a:solidFill>
                   <a:srgbClr val="FF0000"/>
                 </a:solidFill>
@@ -11466,7 +13241,7 @@
               </a:rPr>
               <a:t>Définition</a:t>
             </a:r>
-            <a:endParaRPr lang="fr-FR" sz="2400" dirty="0">
+            <a:endParaRPr lang="fr-FR" sz="2400">
               <a:solidFill>
                 <a:srgbClr val="FF0000"/>
               </a:solidFill>
@@ -11507,7 +13282,7 @@
           <a:lstStyle/>
           <a:p>
             <a:r>
-              <a:rPr lang="fr-FR" b="1" dirty="0">
+              <a:rPr lang="fr-FR" b="1">
                 <a:latin typeface="Arial"/>
                 <a:ea typeface="ＭＳ Ｐゴシック"/>
                 <a:cs typeface="Arial"/>
@@ -11515,7 +13290,7 @@
               <a:t>Le polymorphisme en Java</a:t>
             </a:r>
             <a:r>
-              <a:rPr lang="fr-FR" dirty="0">
+              <a:rPr lang="fr-FR">
                 <a:latin typeface="Arial"/>
                 <a:ea typeface="ＭＳ Ｐゴシック"/>
                 <a:cs typeface="Arial"/>
@@ -11538,7 +13313,7 @@
 </p:sld>
 </file>
 
-<file path=ppt/slides/slide26.xml><?xml version="1.0" encoding="utf-8"?>
+<file path=ppt/slides/slide29.xml><?xml version="1.0" encoding="utf-8"?>
 <p:sld xmlns:a="http://schemas.openxmlformats.org/drawingml/2006/main" xmlns:r="http://schemas.openxmlformats.org/officeDocument/2006/relationships" xmlns:p="http://schemas.openxmlformats.org/presentationml/2006/main">
   <p:cSld>
     <p:spTree>
@@ -11666,224 +13441,6 @@
     <p:extLst>
       <p:ext uri="{BB962C8B-B14F-4D97-AF65-F5344CB8AC3E}">
         <p14:creationId xmlns:p14="http://schemas.microsoft.com/office/powerpoint/2010/main" val="2025614599"/>
-      </p:ext>
-    </p:extLst>
-  </p:cSld>
-  <p:clrMapOvr>
-    <a:masterClrMapping/>
-  </p:clrMapOvr>
-</p:sld>
-</file>
-
-<file path=ppt/slides/slide27.xml><?xml version="1.0" encoding="utf-8"?>
-<p:sld xmlns:a="http://schemas.openxmlformats.org/drawingml/2006/main" xmlns:r="http://schemas.openxmlformats.org/officeDocument/2006/relationships" xmlns:p="http://schemas.openxmlformats.org/presentationml/2006/main">
-  <p:cSld>
-    <p:spTree>
-      <p:nvGrpSpPr>
-        <p:cNvPr id="1" name=""/>
-        <p:cNvGrpSpPr/>
-        <p:nvPr/>
-      </p:nvGrpSpPr>
-      <p:grpSpPr>
-        <a:xfrm>
-          <a:off x="0" y="0"/>
-          <a:ext cx="0" cy="0"/>
-          <a:chOff x="0" y="0"/>
-          <a:chExt cx="0" cy="0"/>
-        </a:xfrm>
-      </p:grpSpPr>
-      <p:sp>
-        <p:nvSpPr>
-          <p:cNvPr id="4" name="Titre 3"/>
-          <p:cNvSpPr>
-            <a:spLocks noGrp="1"/>
-          </p:cNvSpPr>
-          <p:nvPr>
-            <p:ph type="title"/>
-          </p:nvPr>
-        </p:nvSpPr>
-        <p:spPr>
-          <a:xfrm>
-            <a:off x="684213" y="44624"/>
-            <a:ext cx="8208962" cy="837456"/>
-          </a:xfrm>
-        </p:spPr>
-        <p:txBody>
-          <a:bodyPr/>
-          <a:lstStyle/>
-          <a:p>
-            <a:r>
-              <a:rPr lang="fr-CA">
-                <a:solidFill>
-                  <a:srgbClr val="FF0000"/>
-                </a:solidFill>
-                <a:ea typeface="+mj-lt"/>
-                <a:cs typeface="+mj-lt"/>
-              </a:rPr>
-              <a:t>Questions</a:t>
-            </a:r>
-            <a:r>
-              <a:rPr lang="fr-CA">
-                <a:solidFill>
-                  <a:srgbClr val="C00000"/>
-                </a:solidFill>
-              </a:rPr>
-              <a:t> …</a:t>
-            </a:r>
-            <a:endParaRPr lang="fr-FR">
-              <a:cs typeface="Arial"/>
-            </a:endParaRPr>
-          </a:p>
-        </p:txBody>
-      </p:sp>
-      <p:sp>
-        <p:nvSpPr>
-          <p:cNvPr id="6" name="ZoneTexte 5"/>
-          <p:cNvSpPr txBox="1"/>
-          <p:nvPr/>
-        </p:nvSpPr>
-        <p:spPr>
-          <a:xfrm>
-            <a:off x="2627784" y="2708920"/>
-            <a:ext cx="3456384" cy="1292662"/>
-          </a:xfrm>
-          <a:prstGeom prst="rect">
-            <a:avLst/>
-          </a:prstGeom>
-          <a:noFill/>
-        </p:spPr>
-        <p:txBody>
-          <a:bodyPr wrap="square" rtlCol="0">
-            <a:spAutoFit/>
-          </a:bodyPr>
-          <a:lstStyle/>
-          <a:p>
-            <a:pPr algn="ctr"/>
-            <a:r>
-              <a:rPr lang="fr-FR" sz="6000" b="1">
-                <a:solidFill>
-                  <a:schemeClr val="bg1"/>
-                </a:solidFill>
-              </a:rPr>
-              <a:t>Q&amp;A</a:t>
-            </a:r>
-          </a:p>
-          <a:p>
-            <a:pPr algn="ctr"/>
-            <a:r>
-              <a:rPr lang="fr-FR" b="1">
-                <a:solidFill>
-                  <a:schemeClr val="bg1"/>
-                </a:solidFill>
-              </a:rPr>
-              <a:t>www.osositechnologies.com</a:t>
-            </a:r>
-          </a:p>
-        </p:txBody>
-      </p:sp>
-      <p:pic>
-        <p:nvPicPr>
-          <p:cNvPr id="10242" name="Picture 2"/>
-          <p:cNvPicPr>
-            <a:picLocks noChangeAspect="1" noChangeArrowheads="1"/>
-          </p:cNvPicPr>
-          <p:nvPr/>
-        </p:nvPicPr>
-        <p:blipFill>
-          <a:blip r:embed="rId2">
-            <a:extLst>
-              <a:ext uri="{28A0092B-C50C-407E-A947-70E740481C1C}">
-                <a14:useLocalDpi xmlns:a14="http://schemas.microsoft.com/office/drawing/2010/main" val="0"/>
-              </a:ext>
-            </a:extLst>
-          </a:blip>
-          <a:srcRect/>
-          <a:stretch>
-            <a:fillRect/>
-          </a:stretch>
-        </p:blipFill>
-        <p:spPr bwMode="auto">
-          <a:xfrm>
-            <a:off x="90488" y="2119313"/>
-            <a:ext cx="8963025" cy="2619375"/>
-          </a:xfrm>
-          <a:prstGeom prst="rect">
-            <a:avLst/>
-          </a:prstGeom>
-          <a:noFill/>
-          <a:ln>
-            <a:noFill/>
-          </a:ln>
-          <a:extLst>
-            <a:ext uri="{909E8E84-426E-40DD-AFC4-6F175D3DCCD1}">
-              <a14:hiddenFill xmlns:a14="http://schemas.microsoft.com/office/drawing/2010/main">
-                <a:solidFill>
-                  <a:schemeClr val="accent1"/>
-                </a:solidFill>
-              </a14:hiddenFill>
-            </a:ext>
-            <a:ext uri="{91240B29-F687-4F45-9708-019B960494DF}">
-              <a14:hiddenLine xmlns:a14="http://schemas.microsoft.com/office/drawing/2010/main" w="9525">
-                <a:solidFill>
-                  <a:schemeClr val="tx1"/>
-                </a:solidFill>
-                <a:miter lim="800000"/>
-                <a:headEnd/>
-                <a:tailEnd/>
-              </a14:hiddenLine>
-            </a:ext>
-          </a:extLst>
-        </p:spPr>
-      </p:pic>
-      <p:sp>
-        <p:nvSpPr>
-          <p:cNvPr id="2" name="ZoneTexte 1"/>
-          <p:cNvSpPr txBox="1"/>
-          <p:nvPr/>
-        </p:nvSpPr>
-        <p:spPr>
-          <a:xfrm>
-            <a:off x="744949" y="2691713"/>
-            <a:ext cx="7416824" cy="1446550"/>
-          </a:xfrm>
-          <a:prstGeom prst="rect">
-            <a:avLst/>
-          </a:prstGeom>
-          <a:noFill/>
-        </p:spPr>
-        <p:txBody>
-          <a:bodyPr wrap="square" rtlCol="0">
-            <a:spAutoFit/>
-          </a:bodyPr>
-          <a:lstStyle/>
-          <a:p>
-            <a:pPr algn="ctr"/>
-            <a:r>
-              <a:rPr lang="fr-CA" sz="6000" b="1">
-                <a:solidFill>
-                  <a:schemeClr val="bg1"/>
-                </a:solidFill>
-              </a:rPr>
-              <a:t>Q&amp;A</a:t>
-            </a:r>
-          </a:p>
-          <a:p>
-            <a:pPr algn="ctr"/>
-            <a:r>
-              <a:rPr lang="fr-CA" sz="2800" b="1">
-                <a:solidFill>
-                  <a:schemeClr val="bg1"/>
-                </a:solidFill>
-              </a:rPr>
-              <a:t>www.osistechnologies.com</a:t>
-            </a:r>
-          </a:p>
-        </p:txBody>
-      </p:sp>
-    </p:spTree>
-    <p:extLst>
-      <p:ext uri="{BB962C8B-B14F-4D97-AF65-F5344CB8AC3E}">
-        <p14:creationId xmlns:p14="http://schemas.microsoft.com/office/powerpoint/2010/main" val="2422523383"/>
       </p:ext>
     </p:extLst>
   </p:cSld>
@@ -12270,18 +13827,236 @@
   <p:clrMapOvr>
     <a:masterClrMapping/>
   </p:clrMapOvr>
-  <mc:AlternateContent xmlns:mc="http://schemas.openxmlformats.org/markup-compatibility/2006">
-    <mc:Choice xmlns:p14="http://schemas.microsoft.com/office/powerpoint/2010/main" Requires="p14">
+  <mc:AlternateContent xmlns:mc="http://schemas.openxmlformats.org/markup-compatibility/2006" xmlns:p14="http://schemas.microsoft.com/office/powerpoint/2010/main">
+    <mc:Choice Requires="p14">
       <p:transition spd="slow" p14:dur="3400">
         <p14:reveal/>
       </p:transition>
     </mc:Choice>
-    <mc:Fallback>
+    <mc:Fallback xmlns="">
       <p:transition spd="slow">
         <p:fade/>
       </p:transition>
     </mc:Fallback>
   </mc:AlternateContent>
+</p:sld>
+</file>
+
+<file path=ppt/slides/slide30.xml><?xml version="1.0" encoding="utf-8"?>
+<p:sld xmlns:a="http://schemas.openxmlformats.org/drawingml/2006/main" xmlns:r="http://schemas.openxmlformats.org/officeDocument/2006/relationships" xmlns:p="http://schemas.openxmlformats.org/presentationml/2006/main">
+  <p:cSld>
+    <p:spTree>
+      <p:nvGrpSpPr>
+        <p:cNvPr id="1" name=""/>
+        <p:cNvGrpSpPr/>
+        <p:nvPr/>
+      </p:nvGrpSpPr>
+      <p:grpSpPr>
+        <a:xfrm>
+          <a:off x="0" y="0"/>
+          <a:ext cx="0" cy="0"/>
+          <a:chOff x="0" y="0"/>
+          <a:chExt cx="0" cy="0"/>
+        </a:xfrm>
+      </p:grpSpPr>
+      <p:sp>
+        <p:nvSpPr>
+          <p:cNvPr id="4" name="Titre 3"/>
+          <p:cNvSpPr>
+            <a:spLocks noGrp="1"/>
+          </p:cNvSpPr>
+          <p:nvPr>
+            <p:ph type="title"/>
+          </p:nvPr>
+        </p:nvSpPr>
+        <p:spPr>
+          <a:xfrm>
+            <a:off x="684213" y="44624"/>
+            <a:ext cx="8208962" cy="837456"/>
+          </a:xfrm>
+        </p:spPr>
+        <p:txBody>
+          <a:bodyPr/>
+          <a:lstStyle/>
+          <a:p>
+            <a:r>
+              <a:rPr lang="fr-CA">
+                <a:solidFill>
+                  <a:srgbClr val="FF0000"/>
+                </a:solidFill>
+                <a:ea typeface="+mj-lt"/>
+                <a:cs typeface="+mj-lt"/>
+              </a:rPr>
+              <a:t>Questions</a:t>
+            </a:r>
+            <a:r>
+              <a:rPr lang="fr-CA">
+                <a:solidFill>
+                  <a:srgbClr val="C00000"/>
+                </a:solidFill>
+              </a:rPr>
+              <a:t> …</a:t>
+            </a:r>
+            <a:endParaRPr lang="fr-FR">
+              <a:cs typeface="Arial"/>
+            </a:endParaRPr>
+          </a:p>
+        </p:txBody>
+      </p:sp>
+      <p:sp>
+        <p:nvSpPr>
+          <p:cNvPr id="6" name="ZoneTexte 5"/>
+          <p:cNvSpPr txBox="1"/>
+          <p:nvPr/>
+        </p:nvSpPr>
+        <p:spPr>
+          <a:xfrm>
+            <a:off x="2627784" y="2708920"/>
+            <a:ext cx="3456384" cy="1292662"/>
+          </a:xfrm>
+          <a:prstGeom prst="rect">
+            <a:avLst/>
+          </a:prstGeom>
+          <a:noFill/>
+        </p:spPr>
+        <p:txBody>
+          <a:bodyPr wrap="square" rtlCol="0">
+            <a:spAutoFit/>
+          </a:bodyPr>
+          <a:lstStyle/>
+          <a:p>
+            <a:pPr algn="ctr"/>
+            <a:r>
+              <a:rPr lang="fr-FR" sz="6000" b="1">
+                <a:solidFill>
+                  <a:schemeClr val="bg1"/>
+                </a:solidFill>
+              </a:rPr>
+              <a:t>Q&amp;A</a:t>
+            </a:r>
+          </a:p>
+          <a:p>
+            <a:pPr algn="ctr"/>
+            <a:r>
+              <a:rPr lang="fr-FR" b="1">
+                <a:solidFill>
+                  <a:schemeClr val="bg1"/>
+                </a:solidFill>
+              </a:rPr>
+              <a:t>www.osositechnologies.com</a:t>
+            </a:r>
+          </a:p>
+        </p:txBody>
+      </p:sp>
+      <p:pic>
+        <p:nvPicPr>
+          <p:cNvPr id="10242" name="Picture 2"/>
+          <p:cNvPicPr>
+            <a:picLocks noChangeAspect="1" noChangeArrowheads="1"/>
+          </p:cNvPicPr>
+          <p:nvPr/>
+        </p:nvPicPr>
+        <p:blipFill>
+          <a:blip r:embed="rId2">
+            <a:extLst>
+              <a:ext uri="{28A0092B-C50C-407E-A947-70E740481C1C}">
+                <a14:useLocalDpi xmlns:a14="http://schemas.microsoft.com/office/drawing/2010/main" val="0"/>
+              </a:ext>
+            </a:extLst>
+          </a:blip>
+          <a:srcRect/>
+          <a:stretch>
+            <a:fillRect/>
+          </a:stretch>
+        </p:blipFill>
+        <p:spPr bwMode="auto">
+          <a:xfrm>
+            <a:off x="90488" y="2119313"/>
+            <a:ext cx="8963025" cy="2619375"/>
+          </a:xfrm>
+          <a:prstGeom prst="rect">
+            <a:avLst/>
+          </a:prstGeom>
+          <a:noFill/>
+          <a:ln>
+            <a:noFill/>
+          </a:ln>
+          <a:extLst>
+            <a:ext uri="{909E8E84-426E-40DD-AFC4-6F175D3DCCD1}">
+              <a14:hiddenFill xmlns:a14="http://schemas.microsoft.com/office/drawing/2010/main">
+                <a:solidFill>
+                  <a:schemeClr val="accent1"/>
+                </a:solidFill>
+              </a14:hiddenFill>
+            </a:ext>
+            <a:ext uri="{91240B29-F687-4F45-9708-019B960494DF}">
+              <a14:hiddenLine xmlns:a14="http://schemas.microsoft.com/office/drawing/2010/main" w="9525">
+                <a:solidFill>
+                  <a:schemeClr val="tx1"/>
+                </a:solidFill>
+                <a:miter lim="800000"/>
+                <a:headEnd/>
+                <a:tailEnd/>
+              </a14:hiddenLine>
+            </a:ext>
+          </a:extLst>
+        </p:spPr>
+      </p:pic>
+      <p:sp>
+        <p:nvSpPr>
+          <p:cNvPr id="2" name="ZoneTexte 1"/>
+          <p:cNvSpPr txBox="1"/>
+          <p:nvPr/>
+        </p:nvSpPr>
+        <p:spPr>
+          <a:xfrm>
+            <a:off x="744949" y="2691713"/>
+            <a:ext cx="7416824" cy="1446550"/>
+          </a:xfrm>
+          <a:prstGeom prst="rect">
+            <a:avLst/>
+          </a:prstGeom>
+          <a:noFill/>
+        </p:spPr>
+        <p:txBody>
+          <a:bodyPr wrap="square" rtlCol="0">
+            <a:spAutoFit/>
+          </a:bodyPr>
+          <a:lstStyle/>
+          <a:p>
+            <a:pPr algn="ctr"/>
+            <a:r>
+              <a:rPr lang="fr-CA" sz="6000" b="1">
+                <a:solidFill>
+                  <a:schemeClr val="bg1"/>
+                </a:solidFill>
+              </a:rPr>
+              <a:t>Q&amp;A</a:t>
+            </a:r>
+          </a:p>
+          <a:p>
+            <a:pPr algn="ctr"/>
+            <a:r>
+              <a:rPr lang="fr-CA" sz="2800" b="1">
+                <a:solidFill>
+                  <a:schemeClr val="bg1"/>
+                </a:solidFill>
+              </a:rPr>
+              <a:t>www.osistechnologies.com</a:t>
+            </a:r>
+          </a:p>
+        </p:txBody>
+      </p:sp>
+    </p:spTree>
+    <p:extLst>
+      <p:ext uri="{BB962C8B-B14F-4D97-AF65-F5344CB8AC3E}">
+        <p14:creationId xmlns:p14="http://schemas.microsoft.com/office/powerpoint/2010/main" val="2422523383"/>
+      </p:ext>
+    </p:extLst>
+  </p:cSld>
+  <p:clrMapOvr>
+    <a:masterClrMapping/>
+  </p:clrMapOvr>
 </p:sld>
 </file>
 
@@ -12436,13 +14211,13 @@
   <p:clrMapOvr>
     <a:masterClrMapping/>
   </p:clrMapOvr>
-  <mc:AlternateContent xmlns:mc="http://schemas.openxmlformats.org/markup-compatibility/2006">
-    <mc:Choice xmlns:p14="http://schemas.microsoft.com/office/powerpoint/2010/main" Requires="p14">
+  <mc:AlternateContent xmlns:mc="http://schemas.openxmlformats.org/markup-compatibility/2006" xmlns:p14="http://schemas.microsoft.com/office/powerpoint/2010/main">
+    <mc:Choice Requires="p14">
       <p:transition spd="med" p14:dur="700">
         <p:fade/>
       </p:transition>
     </mc:Choice>
-    <mc:Fallback>
+    <mc:Fallback xmlns="">
       <p:transition spd="med">
         <p:fade/>
       </p:transition>
